--- a/허종원/DDS&Nodes.pptx
+++ b/허종원/DDS&Nodes.pptx
@@ -5,11 +5,15 @@
     <p:sldMasterId id="2147483681" r:id="rId1"/>
   </p:sldMasterIdLst>
   <p:notesMasterIdLst>
-    <p:notesMasterId r:id="rId4"/>
+    <p:notesMasterId r:id="rId8"/>
   </p:notesMasterIdLst>
   <p:sldIdLst>
     <p:sldId id="450" r:id="rId2"/>
     <p:sldId id="449" r:id="rId3"/>
+    <p:sldId id="451" r:id="rId4"/>
+    <p:sldId id="452" r:id="rId5"/>
+    <p:sldId id="453" r:id="rId6"/>
+    <p:sldId id="454" r:id="rId7"/>
   </p:sldIdLst>
   <p:sldSz cx="9906000" cy="6858000" type="A4"/>
   <p:notesSz cx="6858000" cy="9144000"/>
@@ -130,7 +134,7 @@
 <file path=ppt/revisionInfo.xml><?xml version="1.0" encoding="utf-8"?>
 <p1510:revInfo xmlns:a="http://schemas.openxmlformats.org/drawingml/2006/main" xmlns:r="http://schemas.openxmlformats.org/officeDocument/2006/relationships" xmlns:p1510="http://schemas.microsoft.com/office/powerpoint/2015/10/main">
   <p1510:revLst>
-    <p1510:client id="{DC539F5C-FCCF-F643-946C-F3D37C453F5B}" v="37" dt="2024-06-13T04:13:15.210"/>
+    <p1510:client id="{E1195D13-A933-5746-9938-FEDC8989F1BB}" v="101" dt="2024-06-13T09:42:56.717"/>
   </p1510:revLst>
 </p1510:revInfo>
 </file>
@@ -2831,8 +2835,8 @@
         </p:blipFill>
         <p:spPr bwMode="auto">
           <a:xfrm>
-            <a:off x="914400" y="1219200"/>
-            <a:ext cx="8077200" cy="4419600"/>
+            <a:off x="546350" y="1284514"/>
+            <a:ext cx="8813299" cy="4822371"/>
           </a:xfrm>
           <a:prstGeom prst="rect">
             <a:avLst/>
@@ -2849,6 +2853,318 @@
           </a:extLst>
         </p:spPr>
       </p:pic>
+      <p:sp>
+        <p:nvSpPr>
+          <p:cNvPr id="3" name="직사각형 2">
+            <a:extLst>
+              <a:ext uri="{FF2B5EF4-FFF2-40B4-BE49-F238E27FC236}">
+                <a16:creationId xmlns:a16="http://schemas.microsoft.com/office/drawing/2014/main" id="{C368323E-FF05-8453-86A4-C89B2F87084B}"/>
+              </a:ext>
+            </a:extLst>
+          </p:cNvPr>
+          <p:cNvSpPr/>
+          <p:nvPr/>
+        </p:nvSpPr>
+        <p:spPr>
+          <a:xfrm>
+            <a:off x="5826124" y="4572000"/>
+            <a:ext cx="2033361" cy="522515"/>
+          </a:xfrm>
+          <a:prstGeom prst="rect">
+            <a:avLst/>
+          </a:prstGeom>
+          <a:noFill/>
+          <a:ln w="38100">
+            <a:solidFill>
+              <a:srgbClr val="FF0000"/>
+            </a:solidFill>
+          </a:ln>
+        </p:spPr>
+        <p:style>
+          <a:lnRef idx="2">
+            <a:schemeClr val="accent1">
+              <a:shade val="15000"/>
+            </a:schemeClr>
+          </a:lnRef>
+          <a:fillRef idx="1">
+            <a:schemeClr val="accent1"/>
+          </a:fillRef>
+          <a:effectRef idx="0">
+            <a:schemeClr val="accent1"/>
+          </a:effectRef>
+          <a:fontRef idx="minor">
+            <a:schemeClr val="lt1"/>
+          </a:fontRef>
+        </p:style>
+        <p:txBody>
+          <a:bodyPr rtlCol="0" anchor="ctr"/>
+          <a:lstStyle/>
+          <a:p>
+            <a:pPr algn="ctr"/>
+            <a:r>
+              <a:rPr kumimoji="1" lang="en-US" altLang="ko-KR" dirty="0" err="1">
+                <a:solidFill>
+                  <a:srgbClr val="FF0000"/>
+                </a:solidFill>
+              </a:rPr>
+              <a:t>OpenDDS</a:t>
+            </a:r>
+            <a:endParaRPr kumimoji="1" lang="en-US" altLang="ko-KR" dirty="0">
+              <a:solidFill>
+                <a:srgbClr val="FF0000"/>
+              </a:solidFill>
+            </a:endParaRPr>
+          </a:p>
+          <a:p>
+            <a:pPr algn="ctr"/>
+            <a:endParaRPr kumimoji="1" lang="ko-KR" altLang="en-US" dirty="0">
+              <a:solidFill>
+                <a:srgbClr val="FF0000"/>
+              </a:solidFill>
+            </a:endParaRPr>
+          </a:p>
+        </p:txBody>
+      </p:sp>
+      <p:sp>
+        <p:nvSpPr>
+          <p:cNvPr id="4" name="직사각형 3">
+            <a:extLst>
+              <a:ext uri="{FF2B5EF4-FFF2-40B4-BE49-F238E27FC236}">
+                <a16:creationId xmlns:a16="http://schemas.microsoft.com/office/drawing/2014/main" id="{F03F2295-4503-7207-B4A7-E83312A07F1F}"/>
+              </a:ext>
+            </a:extLst>
+          </p:cNvPr>
+          <p:cNvSpPr/>
+          <p:nvPr/>
+        </p:nvSpPr>
+        <p:spPr>
+          <a:xfrm>
+            <a:off x="6000296" y="2645229"/>
+            <a:ext cx="1010104" cy="364672"/>
+          </a:xfrm>
+          <a:prstGeom prst="rect">
+            <a:avLst/>
+          </a:prstGeom>
+          <a:noFill/>
+          <a:ln w="38100">
+            <a:solidFill>
+              <a:srgbClr val="FF0000"/>
+            </a:solidFill>
+          </a:ln>
+        </p:spPr>
+        <p:style>
+          <a:lnRef idx="2">
+            <a:schemeClr val="accent1">
+              <a:shade val="15000"/>
+            </a:schemeClr>
+          </a:lnRef>
+          <a:fillRef idx="1">
+            <a:schemeClr val="accent1"/>
+          </a:fillRef>
+          <a:effectRef idx="0">
+            <a:schemeClr val="accent1"/>
+          </a:effectRef>
+          <a:fontRef idx="minor">
+            <a:schemeClr val="lt1"/>
+          </a:fontRef>
+        </p:style>
+        <p:txBody>
+          <a:bodyPr rtlCol="0" anchor="ctr"/>
+          <a:lstStyle/>
+          <a:p>
+            <a:pPr algn="ctr"/>
+            <a:r>
+              <a:rPr kumimoji="1" lang="en-US" altLang="ko-KR" sz="1400" b="1" dirty="0" err="1">
+                <a:solidFill>
+                  <a:srgbClr val="FF0000"/>
+                </a:solidFill>
+              </a:rPr>
+              <a:t>OpenDDS</a:t>
+            </a:r>
+            <a:endParaRPr kumimoji="1" lang="en-US" altLang="ko-KR" sz="1400" b="1" dirty="0">
+              <a:solidFill>
+                <a:srgbClr val="FF0000"/>
+              </a:solidFill>
+            </a:endParaRPr>
+          </a:p>
+          <a:p>
+            <a:pPr algn="ctr"/>
+            <a:r>
+              <a:rPr kumimoji="1" lang="en-US" altLang="ko-KR" sz="1400" b="1" dirty="0">
+                <a:solidFill>
+                  <a:srgbClr val="FF0000"/>
+                </a:solidFill>
+              </a:rPr>
+              <a:t>Adaptor</a:t>
+            </a:r>
+            <a:endParaRPr kumimoji="1" lang="ko-KR" altLang="en-US" sz="1400" b="1" dirty="0">
+              <a:solidFill>
+                <a:srgbClr val="FF0000"/>
+              </a:solidFill>
+            </a:endParaRPr>
+          </a:p>
+        </p:txBody>
+      </p:sp>
+      <p:sp>
+        <p:nvSpPr>
+          <p:cNvPr id="5" name="직사각형 4">
+            <a:extLst>
+              <a:ext uri="{FF2B5EF4-FFF2-40B4-BE49-F238E27FC236}">
+                <a16:creationId xmlns:a16="http://schemas.microsoft.com/office/drawing/2014/main" id="{9FD742E6-0ABC-C317-EDEC-0B36ED445779}"/>
+              </a:ext>
+            </a:extLst>
+          </p:cNvPr>
+          <p:cNvSpPr/>
+          <p:nvPr/>
+        </p:nvSpPr>
+        <p:spPr>
+          <a:xfrm>
+            <a:off x="7064830" y="2645229"/>
+            <a:ext cx="1010104" cy="364672"/>
+          </a:xfrm>
+          <a:prstGeom prst="rect">
+            <a:avLst/>
+          </a:prstGeom>
+          <a:noFill/>
+          <a:ln w="38100">
+            <a:solidFill>
+              <a:srgbClr val="FF0000"/>
+            </a:solidFill>
+          </a:ln>
+        </p:spPr>
+        <p:style>
+          <a:lnRef idx="2">
+            <a:schemeClr val="accent1">
+              <a:shade val="15000"/>
+            </a:schemeClr>
+          </a:lnRef>
+          <a:fillRef idx="1">
+            <a:schemeClr val="accent1"/>
+          </a:fillRef>
+          <a:effectRef idx="0">
+            <a:schemeClr val="accent1"/>
+          </a:effectRef>
+          <a:fontRef idx="minor">
+            <a:schemeClr val="lt1"/>
+          </a:fontRef>
+        </p:style>
+        <p:txBody>
+          <a:bodyPr rtlCol="0" anchor="ctr"/>
+          <a:lstStyle/>
+          <a:p>
+            <a:pPr algn="ctr"/>
+            <a:r>
+              <a:rPr kumimoji="1" lang="en-US" altLang="ko-KR" sz="1400" b="1" dirty="0" err="1">
+                <a:solidFill>
+                  <a:srgbClr val="FF0000"/>
+                </a:solidFill>
+              </a:rPr>
+              <a:t>OpenDDS</a:t>
+            </a:r>
+            <a:endParaRPr kumimoji="1" lang="en-US" altLang="ko-KR" sz="1400" b="1" dirty="0">
+              <a:solidFill>
+                <a:srgbClr val="FF0000"/>
+              </a:solidFill>
+            </a:endParaRPr>
+          </a:p>
+          <a:p>
+            <a:pPr algn="ctr"/>
+            <a:r>
+              <a:rPr kumimoji="1" lang="en-US" altLang="ko-KR" sz="1400" b="1" dirty="0">
+                <a:solidFill>
+                  <a:srgbClr val="FF0000"/>
+                </a:solidFill>
+              </a:rPr>
+              <a:t>Adaptor</a:t>
+            </a:r>
+            <a:endParaRPr kumimoji="1" lang="ko-KR" altLang="en-US" sz="1400" b="1" dirty="0">
+              <a:solidFill>
+                <a:srgbClr val="FF0000"/>
+              </a:solidFill>
+            </a:endParaRPr>
+          </a:p>
+        </p:txBody>
+      </p:sp>
+      <p:sp>
+        <p:nvSpPr>
+          <p:cNvPr id="6" name="직사각형 5">
+            <a:extLst>
+              <a:ext uri="{FF2B5EF4-FFF2-40B4-BE49-F238E27FC236}">
+                <a16:creationId xmlns:a16="http://schemas.microsoft.com/office/drawing/2014/main" id="{852032FE-34CB-0668-57DC-869BA11F9A8C}"/>
+              </a:ext>
+            </a:extLst>
+          </p:cNvPr>
+          <p:cNvSpPr/>
+          <p:nvPr/>
+        </p:nvSpPr>
+        <p:spPr>
+          <a:xfrm>
+            <a:off x="8129364" y="2645229"/>
+            <a:ext cx="1010104" cy="364672"/>
+          </a:xfrm>
+          <a:prstGeom prst="rect">
+            <a:avLst/>
+          </a:prstGeom>
+          <a:noFill/>
+          <a:ln w="38100">
+            <a:solidFill>
+              <a:srgbClr val="FF0000"/>
+            </a:solidFill>
+          </a:ln>
+        </p:spPr>
+        <p:style>
+          <a:lnRef idx="2">
+            <a:schemeClr val="accent1">
+              <a:shade val="15000"/>
+            </a:schemeClr>
+          </a:lnRef>
+          <a:fillRef idx="1">
+            <a:schemeClr val="accent1"/>
+          </a:fillRef>
+          <a:effectRef idx="0">
+            <a:schemeClr val="accent1"/>
+          </a:effectRef>
+          <a:fontRef idx="minor">
+            <a:schemeClr val="lt1"/>
+          </a:fontRef>
+        </p:style>
+        <p:txBody>
+          <a:bodyPr rtlCol="0" anchor="ctr"/>
+          <a:lstStyle/>
+          <a:p>
+            <a:pPr algn="ctr"/>
+            <a:r>
+              <a:rPr kumimoji="1" lang="en-US" altLang="ko-KR" sz="1400" b="1" dirty="0" err="1">
+                <a:solidFill>
+                  <a:srgbClr val="FF0000"/>
+                </a:solidFill>
+              </a:rPr>
+              <a:t>OpenDDS</a:t>
+            </a:r>
+            <a:endParaRPr kumimoji="1" lang="en-US" altLang="ko-KR" sz="1400" b="1" dirty="0">
+              <a:solidFill>
+                <a:srgbClr val="FF0000"/>
+              </a:solidFill>
+            </a:endParaRPr>
+          </a:p>
+          <a:p>
+            <a:pPr algn="ctr"/>
+            <a:r>
+              <a:rPr kumimoji="1" lang="en-US" altLang="ko-KR" sz="1400" b="1" dirty="0">
+                <a:solidFill>
+                  <a:srgbClr val="FF0000"/>
+                </a:solidFill>
+              </a:rPr>
+              <a:t>Adaptor</a:t>
+            </a:r>
+            <a:endParaRPr kumimoji="1" lang="ko-KR" altLang="en-US" sz="1400" b="1" dirty="0">
+              <a:solidFill>
+                <a:srgbClr val="FF0000"/>
+              </a:solidFill>
+            </a:endParaRPr>
+          </a:p>
+        </p:txBody>
+      </p:sp>
     </p:spTree>
     <p:extLst>
       <p:ext uri="{BB962C8B-B14F-4D97-AF65-F5344CB8AC3E}">
@@ -2894,14 +3210,14 @@
           <p:nvPr>
             <p:extLst>
               <p:ext uri="{D42A27DB-BD31-4B8C-83A1-F6EECF244321}">
-                <p14:modId xmlns:p14="http://schemas.microsoft.com/office/powerpoint/2010/main" val="190322049"/>
+                <p14:modId xmlns:p14="http://schemas.microsoft.com/office/powerpoint/2010/main" val="1312968004"/>
               </p:ext>
             </p:extLst>
           </p:nvPr>
         </p:nvGraphicFramePr>
         <p:xfrm>
-          <a:off x="680719" y="1227666"/>
-          <a:ext cx="8561250" cy="5040328"/>
+          <a:off x="680720" y="1129695"/>
+          <a:ext cx="8561250" cy="5088225"/>
         </p:xfrm>
         <a:graphic>
           <a:graphicData uri="http://schemas.openxmlformats.org/drawingml/2006/table">
@@ -2954,7 +3270,7 @@
                 </a:gridCol>
               </a:tblGrid>
               <a:tr h="370840">
-                <a:tc>
+                <a:tc rowSpan="2">
                   <a:txBody>
                     <a:bodyPr/>
                     <a:lstStyle/>
@@ -3047,7 +3363,7 @@
                 </a:extLst>
               </a:tr>
               <a:tr h="1177351">
-                <a:tc>
+                <a:tc vMerge="1">
                   <a:txBody>
                     <a:bodyPr/>
                     <a:lstStyle/>
@@ -3127,10 +3443,10 @@
                     <a:p>
                       <a:pPr algn="ctr" latinLnBrk="1"/>
                       <a:r>
-                        <a:rPr lang="en-US" altLang="ko-KR" sz="1400" dirty="0"/>
-                        <a:t>Service</a:t>
+                        <a:rPr lang="en-US" altLang="ko-KR" sz="1400" b="1" dirty="0"/>
+                        <a:t>Services</a:t>
                       </a:r>
-                      <a:endParaRPr lang="ko-KR" altLang="en-US" sz="1400" dirty="0"/>
+                      <a:endParaRPr lang="ko-KR" altLang="en-US" sz="1400" b="1" dirty="0"/>
                     </a:p>
                   </a:txBody>
                   <a:tcPr anchor="ctr"/>
@@ -3231,10 +3547,10 @@
                     <a:p>
                       <a:pPr algn="ctr" latinLnBrk="1"/>
                       <a:r>
-                        <a:rPr lang="en-US" altLang="ko-KR" sz="1400" dirty="0"/>
-                        <a:t>Action</a:t>
+                        <a:rPr lang="en-US" altLang="ko-KR" sz="1400" b="1" dirty="0"/>
+                        <a:t>Actions</a:t>
                       </a:r>
-                      <a:endParaRPr lang="ko-KR" altLang="en-US" sz="1400" dirty="0"/>
+                      <a:endParaRPr lang="ko-KR" altLang="en-US" sz="1400" b="1" dirty="0"/>
                     </a:p>
                   </a:txBody>
                   <a:tcPr anchor="ctr"/>
@@ -3341,11 +3657,124 @@
                     <a:p>
                       <a:pPr algn="ctr" latinLnBrk="1"/>
                       <a:r>
+                        <a:rPr lang="en-US" altLang="ko-KR" sz="1400" b="1" dirty="0"/>
+                        <a:t>Target Object</a:t>
+                      </a:r>
+                      <a:endParaRPr lang="ko-KR" altLang="en-US" sz="1400" b="1" dirty="0"/>
+                    </a:p>
+                  </a:txBody>
+                  <a:tcPr anchor="ctr"/>
+                </a:tc>
+                <a:tc>
+                  <a:txBody>
+                    <a:bodyPr/>
+                    <a:lstStyle/>
+                    <a:p>
+                      <a:pPr algn="ctr" latinLnBrk="1"/>
+                      <a:r>
                         <a:rPr lang="en-US" altLang="ko-KR" sz="1400" dirty="0"/>
+                        <a:t>Bottle</a:t>
+                      </a:r>
+                      <a:endParaRPr lang="ko-KR" altLang="en-US" sz="1400" dirty="0"/>
+                    </a:p>
+                  </a:txBody>
+                  <a:tcPr anchor="ctr"/>
+                </a:tc>
+                <a:tc>
+                  <a:txBody>
+                    <a:bodyPr/>
+                    <a:lstStyle/>
+                    <a:p>
+                      <a:pPr marL="0" marR="0" lvl="0" indent="0" algn="ctr" defTabSz="914400" rtl="0" eaLnBrk="1" fontAlgn="auto" latinLnBrk="1" hangingPunct="1">
+                        <a:lnSpc>
+                          <a:spcPct val="100000"/>
+                        </a:lnSpc>
+                        <a:spcBef>
+                          <a:spcPts val="0"/>
+                        </a:spcBef>
+                        <a:spcAft>
+                          <a:spcPts val="0"/>
+                        </a:spcAft>
+                        <a:buClrTx/>
+                        <a:buSzTx/>
+                        <a:buFontTx/>
+                        <a:buNone/>
+                        <a:tabLst/>
+                        <a:defRPr/>
+                      </a:pPr>
+                      <a:r>
+                        <a:rPr lang="en-US" altLang="ko-KR" sz="1400" dirty="0"/>
+                        <a:t>Bottle</a:t>
+                      </a:r>
+                      <a:endParaRPr lang="ko-KR" altLang="en-US" sz="1400" dirty="0"/>
+                    </a:p>
+                  </a:txBody>
+                  <a:tcPr anchor="ctr"/>
+                </a:tc>
+                <a:tc>
+                  <a:txBody>
+                    <a:bodyPr/>
+                    <a:lstStyle/>
+                    <a:p>
+                      <a:pPr algn="ctr" latinLnBrk="1"/>
+                      <a:r>
+                        <a:rPr lang="en-US" altLang="ko-KR" sz="1400" dirty="0"/>
+                        <a:t>Bottle</a:t>
+                      </a:r>
+                      <a:endParaRPr lang="ko-KR" altLang="en-US" sz="1400" dirty="0"/>
+                    </a:p>
+                  </a:txBody>
+                  <a:tcPr anchor="ctr"/>
+                </a:tc>
+                <a:tc>
+                  <a:txBody>
+                    <a:bodyPr/>
+                    <a:lstStyle/>
+                    <a:p>
+                      <a:pPr algn="ctr" latinLnBrk="1"/>
+                      <a:r>
+                        <a:rPr lang="en-US" altLang="ko-KR" sz="1400" dirty="0"/>
+                        <a:t>Bottle</a:t>
+                      </a:r>
+                      <a:endParaRPr lang="ko-KR" altLang="en-US" sz="1400" dirty="0"/>
+                    </a:p>
+                  </a:txBody>
+                  <a:tcPr anchor="ctr"/>
+                </a:tc>
+                <a:tc>
+                  <a:txBody>
+                    <a:bodyPr/>
+                    <a:lstStyle/>
+                    <a:p>
+                      <a:pPr algn="ctr" latinLnBrk="1"/>
+                      <a:r>
+                        <a:rPr lang="en-US" altLang="ko-KR" sz="1400" dirty="0"/>
+                        <a:t>Bottle</a:t>
+                      </a:r>
+                      <a:endParaRPr lang="ko-KR" altLang="en-US" sz="1400" dirty="0"/>
+                    </a:p>
+                  </a:txBody>
+                  <a:tcPr anchor="ctr"/>
+                </a:tc>
+                <a:extLst>
+                  <a:ext uri="{0D108BD9-81ED-4DB2-BD59-A6C34878D82A}">
+                    <a16:rowId xmlns:a16="http://schemas.microsoft.com/office/drawing/2014/main" val="3852345671"/>
+                  </a:ext>
+                </a:extLst>
+              </a:tr>
+              <a:tr h="779417">
+                <a:tc>
+                  <a:txBody>
+                    <a:bodyPr/>
+                    <a:lstStyle/>
+                    <a:p>
+                      <a:pPr algn="ctr" latinLnBrk="1"/>
+                      <a:r>
+                        <a:rPr lang="en-US" altLang="ko-KR" sz="1400" b="1" dirty="0"/>
                         <a:t>IDL</a:t>
                       </a:r>
                       <a:r>
-                        <a:rPr lang="ko-KR" altLang="en-US" sz="1400" dirty="0"/>
+                        <a:rPr lang="ko-KR" altLang="en-US" sz="1400" b="1" dirty="0"/>
                         <a:t> 종류</a:t>
                       </a:r>
                     </a:p>
@@ -3358,51 +3787,157 @@
                     <a:lstStyle/>
                     <a:p>
                       <a:pPr algn="ctr" latinLnBrk="1"/>
-                      <a:endParaRPr lang="ko-KR" altLang="en-US" sz="1400"/>
-                    </a:p>
-                  </a:txBody>
-                  <a:tcPr anchor="ctr"/>
-                </a:tc>
-                <a:tc>
-                  <a:txBody>
-                    <a:bodyPr/>
-                    <a:lstStyle/>
-                    <a:p>
-                      <a:pPr algn="ctr" latinLnBrk="1"/>
-                      <a:endParaRPr lang="ko-KR" altLang="en-US" sz="1400"/>
-                    </a:p>
-                  </a:txBody>
-                  <a:tcPr anchor="ctr"/>
-                </a:tc>
-                <a:tc>
-                  <a:txBody>
-                    <a:bodyPr/>
-                    <a:lstStyle/>
-                    <a:p>
-                      <a:pPr algn="ctr" latinLnBrk="1"/>
-                      <a:endParaRPr lang="ko-KR" altLang="en-US" sz="1400"/>
-                    </a:p>
-                  </a:txBody>
-                  <a:tcPr anchor="ctr"/>
-                </a:tc>
-                <a:tc>
-                  <a:txBody>
-                    <a:bodyPr/>
-                    <a:lstStyle/>
-                    <a:p>
-                      <a:pPr algn="ctr" latinLnBrk="1"/>
-                      <a:endParaRPr lang="ko-KR" altLang="en-US" sz="1400"/>
-                    </a:p>
-                  </a:txBody>
-                  <a:tcPr anchor="ctr"/>
-                </a:tc>
-                <a:tc>
-                  <a:txBody>
-                    <a:bodyPr/>
-                    <a:lstStyle/>
-                    <a:p>
-                      <a:pPr algn="ctr" latinLnBrk="1"/>
-                      <a:endParaRPr lang="ko-KR" altLang="en-US" sz="1400"/>
+                      <a:r>
+                        <a:rPr lang="ko-KR" altLang="en-US" sz="1400" dirty="0"/>
+                        <a:t>기존 </a:t>
+                      </a:r>
+                      <a:r>
+                        <a:rPr lang="en-US" altLang="ko-KR" sz="1400" dirty="0"/>
+                        <a:t>IDL </a:t>
+                      </a:r>
+                      <a:r>
+                        <a:rPr lang="ko-KR" altLang="en-US" sz="1400" dirty="0"/>
+                        <a:t>목록</a:t>
+                      </a:r>
+                      <a:br>
+                        <a:rPr lang="en-US" altLang="ko-KR" sz="1400" dirty="0"/>
+                      </a:br>
+                      <a:r>
+                        <a:rPr lang="ko-KR" altLang="en-US" sz="1400" dirty="0"/>
+                        <a:t>확인 필요</a:t>
+                      </a:r>
+                    </a:p>
+                  </a:txBody>
+                  <a:tcPr anchor="ctr"/>
+                </a:tc>
+                <a:tc>
+                  <a:txBody>
+                    <a:bodyPr/>
+                    <a:lstStyle/>
+                    <a:p>
+                      <a:pPr marL="0" marR="0" lvl="0" indent="0" algn="ctr" defTabSz="914400" rtl="0" eaLnBrk="1" fontAlgn="auto" latinLnBrk="1" hangingPunct="1">
+                        <a:lnSpc>
+                          <a:spcPct val="100000"/>
+                        </a:lnSpc>
+                        <a:spcBef>
+                          <a:spcPts val="0"/>
+                        </a:spcBef>
+                        <a:spcAft>
+                          <a:spcPts val="0"/>
+                        </a:spcAft>
+                        <a:buClrTx/>
+                        <a:buSzTx/>
+                        <a:buFontTx/>
+                        <a:buNone/>
+                        <a:tabLst/>
+                        <a:defRPr/>
+                      </a:pPr>
+                      <a:r>
+                        <a:rPr lang="ko-KR" altLang="en-US" sz="1400" dirty="0"/>
+                        <a:t>기존 </a:t>
+                      </a:r>
+                      <a:r>
+                        <a:rPr lang="en-US" altLang="ko-KR" sz="1400" dirty="0"/>
+                        <a:t>IDL </a:t>
+                      </a:r>
+                      <a:r>
+                        <a:rPr lang="ko-KR" altLang="en-US" sz="1400" dirty="0"/>
+                        <a:t>목록</a:t>
+                      </a:r>
+                      <a:br>
+                        <a:rPr lang="en-US" altLang="ko-KR" sz="1400" dirty="0"/>
+                      </a:br>
+                      <a:r>
+                        <a:rPr lang="ko-KR" altLang="en-US" sz="1400" dirty="0"/>
+                        <a:t>확인 필요</a:t>
+                      </a:r>
+                    </a:p>
+                  </a:txBody>
+                  <a:tcPr anchor="ctr"/>
+                </a:tc>
+                <a:tc>
+                  <a:txBody>
+                    <a:bodyPr/>
+                    <a:lstStyle/>
+                    <a:p>
+                      <a:pPr algn="ctr" latinLnBrk="1"/>
+                      <a:r>
+                        <a:rPr lang="ko-KR" altLang="en-US" sz="1400" dirty="0"/>
+                        <a:t>기존 </a:t>
+                      </a:r>
+                      <a:r>
+                        <a:rPr lang="en-US" altLang="ko-KR" sz="1400" dirty="0"/>
+                        <a:t>IDL </a:t>
+                      </a:r>
+                      <a:r>
+                        <a:rPr lang="ko-KR" altLang="en-US" sz="1400" dirty="0"/>
+                        <a:t>목록</a:t>
+                      </a:r>
+                      <a:br>
+                        <a:rPr lang="en-US" altLang="ko-KR" sz="1400" dirty="0"/>
+                      </a:br>
+                      <a:r>
+                        <a:rPr lang="ko-KR" altLang="en-US" sz="1400" dirty="0"/>
+                        <a:t>확인 필요</a:t>
+                      </a:r>
+                    </a:p>
+                  </a:txBody>
+                  <a:tcPr anchor="ctr"/>
+                </a:tc>
+                <a:tc>
+                  <a:txBody>
+                    <a:bodyPr/>
+                    <a:lstStyle/>
+                    <a:p>
+                      <a:pPr algn="ctr" latinLnBrk="1"/>
+                      <a:r>
+                        <a:rPr lang="ko-KR" altLang="en-US" sz="1400" dirty="0"/>
+                        <a:t>기존 </a:t>
+                      </a:r>
+                      <a:r>
+                        <a:rPr lang="en-US" altLang="ko-KR" sz="1400" dirty="0"/>
+                        <a:t>IDL </a:t>
+                      </a:r>
+                      <a:r>
+                        <a:rPr lang="ko-KR" altLang="en-US" sz="1400" dirty="0"/>
+                        <a:t>목록</a:t>
+                      </a:r>
+                      <a:br>
+                        <a:rPr lang="en-US" altLang="ko-KR" sz="1400" dirty="0"/>
+                      </a:br>
+                      <a:r>
+                        <a:rPr lang="ko-KR" altLang="en-US" sz="1400" dirty="0"/>
+                        <a:t>확인 필요</a:t>
+                      </a:r>
+                    </a:p>
+                  </a:txBody>
+                  <a:tcPr anchor="ctr"/>
+                </a:tc>
+                <a:tc>
+                  <a:txBody>
+                    <a:bodyPr/>
+                    <a:lstStyle/>
+                    <a:p>
+                      <a:pPr algn="ctr" latinLnBrk="1"/>
+                      <a:r>
+                        <a:rPr lang="ko-KR" altLang="en-US" sz="1400" dirty="0"/>
+                        <a:t>기존 </a:t>
+                      </a:r>
+                      <a:r>
+                        <a:rPr lang="en-US" altLang="ko-KR" sz="1400" dirty="0"/>
+                        <a:t>IDL </a:t>
+                      </a:r>
+                      <a:r>
+                        <a:rPr lang="ko-KR" altLang="en-US" sz="1400" dirty="0"/>
+                        <a:t>목록</a:t>
+                      </a:r>
+                      <a:br>
+                        <a:rPr lang="en-US" altLang="ko-KR" sz="1400" dirty="0"/>
+                      </a:br>
+                      <a:r>
+                        <a:rPr lang="ko-KR" altLang="en-US" sz="1400" dirty="0"/>
+                        <a:t>확인 필요</a:t>
+                      </a:r>
                     </a:p>
                   </a:txBody>
                   <a:tcPr anchor="ctr"/>
@@ -3413,8 +3948,30 @@
                   </a:ext>
                 </a:extLst>
               </a:tr>
-              <a:tr h="516709">
-                <a:tc>
+              <a:tr h="370840">
+                <a:tc>
+                  <a:txBody>
+                    <a:bodyPr/>
+                    <a:lstStyle/>
+                    <a:p>
+                      <a:pPr algn="ctr" latinLnBrk="1"/>
+                      <a:r>
+                        <a:rPr lang="en-US" altLang="ko-KR" sz="1400" b="1" dirty="0"/>
+                        <a:t>Adaptor to</a:t>
+                      </a:r>
+                      <a:br>
+                        <a:rPr lang="en-US" altLang="ko-KR" sz="1400" b="1" dirty="0"/>
+                      </a:br>
+                      <a:r>
+                        <a:rPr lang="en-US" altLang="ko-KR" sz="1400" b="1" dirty="0"/>
+                        <a:t>DDS</a:t>
+                      </a:r>
+                      <a:endParaRPr lang="ko-KR" altLang="en-US" sz="1400" b="1" dirty="0"/>
+                    </a:p>
+                  </a:txBody>
+                  <a:tcPr anchor="ctr"/>
+                </a:tc>
+                <a:tc gridSpan="5">
                   <a:txBody>
                     <a:bodyPr/>
                     <a:lstStyle/>
@@ -3422,160 +3979,50 @@
                       <a:pPr algn="ctr" latinLnBrk="1"/>
                       <a:r>
                         <a:rPr lang="en-US" altLang="ko-KR" sz="1400" dirty="0"/>
-                        <a:t>API</a:t>
+                        <a:t>DDS Adaptor</a:t>
                       </a:r>
                       <a:r>
                         <a:rPr lang="ko-KR" altLang="en-US" sz="1400" dirty="0"/>
-                        <a:t> </a:t>
+                        <a:t> 설치방법 확인 필요</a:t>
                       </a:r>
-                      <a:r>
-                        <a:rPr lang="en-US" altLang="ko-KR" sz="1400" dirty="0"/>
-                        <a:t>to Embedded</a:t>
-                      </a:r>
-                      <a:br>
-                        <a:rPr lang="en-US" altLang="ko-KR" sz="1400" dirty="0"/>
-                      </a:br>
-                      <a:r>
-                        <a:rPr lang="en-US" altLang="ko-KR" sz="1400" dirty="0"/>
-                        <a:t>Module</a:t>
-                      </a:r>
+                    </a:p>
+                  </a:txBody>
+                  <a:tcPr anchor="ctr"/>
+                </a:tc>
+                <a:tc hMerge="1">
+                  <a:txBody>
+                    <a:bodyPr/>
+                    <a:lstStyle/>
+                    <a:p>
+                      <a:pPr algn="ctr" latinLnBrk="1"/>
                       <a:endParaRPr lang="ko-KR" altLang="en-US" sz="1400" dirty="0"/>
                     </a:p>
                   </a:txBody>
                   <a:tcPr anchor="ctr"/>
                 </a:tc>
-                <a:tc>
-                  <a:txBody>
-                    <a:bodyPr/>
-                    <a:lstStyle/>
-                    <a:p>
-                      <a:pPr algn="ctr" latinLnBrk="1"/>
-                      <a:endParaRPr lang="ko-KR" altLang="en-US" sz="1400"/>
-                    </a:p>
-                  </a:txBody>
-                  <a:tcPr anchor="ctr"/>
-                </a:tc>
-                <a:tc>
-                  <a:txBody>
-                    <a:bodyPr/>
-                    <a:lstStyle/>
-                    <a:p>
-                      <a:pPr algn="ctr" latinLnBrk="1"/>
-                      <a:endParaRPr lang="ko-KR" altLang="en-US" sz="1400"/>
-                    </a:p>
-                  </a:txBody>
-                  <a:tcPr anchor="ctr"/>
-                </a:tc>
-                <a:tc>
-                  <a:txBody>
-                    <a:bodyPr/>
-                    <a:lstStyle/>
-                    <a:p>
-                      <a:pPr algn="ctr" latinLnBrk="1"/>
-                      <a:endParaRPr lang="ko-KR" altLang="en-US" sz="1400"/>
-                    </a:p>
-                  </a:txBody>
-                  <a:tcPr anchor="ctr"/>
-                </a:tc>
-                <a:tc>
-                  <a:txBody>
-                    <a:bodyPr/>
-                    <a:lstStyle/>
-                    <a:p>
-                      <a:pPr algn="ctr" latinLnBrk="1"/>
-                      <a:endParaRPr lang="ko-KR" altLang="en-US" sz="1400"/>
-                    </a:p>
-                  </a:txBody>
-                  <a:tcPr anchor="ctr"/>
-                </a:tc>
-                <a:tc>
-                  <a:txBody>
-                    <a:bodyPr/>
-                    <a:lstStyle/>
-                    <a:p>
-                      <a:pPr algn="ctr" latinLnBrk="1"/>
-                      <a:endParaRPr lang="ko-KR" altLang="en-US" sz="1400"/>
-                    </a:p>
-                  </a:txBody>
-                  <a:tcPr anchor="ctr"/>
-                </a:tc>
-                <a:extLst>
-                  <a:ext uri="{0D108BD9-81ED-4DB2-BD59-A6C34878D82A}">
-                    <a16:rowId xmlns:a16="http://schemas.microsoft.com/office/drawing/2014/main" val="1019514851"/>
-                  </a:ext>
-                </a:extLst>
-              </a:tr>
-              <a:tr h="370840">
-                <a:tc>
-                  <a:txBody>
-                    <a:bodyPr/>
-                    <a:lstStyle/>
-                    <a:p>
-                      <a:pPr algn="ctr" latinLnBrk="1"/>
-                      <a:r>
-                        <a:rPr lang="en-US" altLang="ko-KR" sz="1400" dirty="0"/>
-                        <a:t>Adaptor to</a:t>
-                      </a:r>
-                      <a:br>
-                        <a:rPr lang="en-US" altLang="ko-KR" sz="1400" dirty="0"/>
-                      </a:br>
-                      <a:r>
-                        <a:rPr lang="en-US" altLang="ko-KR" sz="1400" dirty="0"/>
-                        <a:t>DDS </a:t>
-                      </a:r>
-                      <a:r>
-                        <a:rPr lang="ko-KR" altLang="en-US" sz="1400" dirty="0"/>
-                        <a:t>확인</a:t>
-                      </a:r>
-                    </a:p>
-                  </a:txBody>
-                  <a:tcPr anchor="ctr"/>
-                </a:tc>
-                <a:tc>
-                  <a:txBody>
-                    <a:bodyPr/>
-                    <a:lstStyle/>
-                    <a:p>
-                      <a:pPr algn="ctr" latinLnBrk="1"/>
-                      <a:endParaRPr lang="ko-KR" altLang="en-US" sz="1400"/>
-                    </a:p>
-                  </a:txBody>
-                  <a:tcPr anchor="ctr"/>
-                </a:tc>
-                <a:tc>
-                  <a:txBody>
-                    <a:bodyPr/>
-                    <a:lstStyle/>
-                    <a:p>
-                      <a:pPr algn="ctr" latinLnBrk="1"/>
-                      <a:endParaRPr lang="ko-KR" altLang="en-US" sz="1400"/>
-                    </a:p>
-                  </a:txBody>
-                  <a:tcPr anchor="ctr"/>
-                </a:tc>
-                <a:tc>
-                  <a:txBody>
-                    <a:bodyPr/>
-                    <a:lstStyle/>
-                    <a:p>
-                      <a:pPr algn="ctr" latinLnBrk="1"/>
-                      <a:endParaRPr lang="ko-KR" altLang="en-US" sz="1400"/>
-                    </a:p>
-                  </a:txBody>
-                  <a:tcPr anchor="ctr"/>
-                </a:tc>
-                <a:tc>
-                  <a:txBody>
-                    <a:bodyPr/>
-                    <a:lstStyle/>
-                    <a:p>
-                      <a:pPr algn="ctr" latinLnBrk="1"/>
-                      <a:endParaRPr lang="ko-KR" altLang="en-US" sz="1400"/>
-                    </a:p>
-                  </a:txBody>
-                  <a:tcPr anchor="ctr"/>
-                </a:tc>
-                <a:tc>
+                <a:tc hMerge="1">
+                  <a:txBody>
+                    <a:bodyPr/>
+                    <a:lstStyle/>
+                    <a:p>
+                      <a:pPr algn="ctr" latinLnBrk="1"/>
+                      <a:endParaRPr lang="ko-KR" altLang="en-US" sz="1400" dirty="0"/>
+                    </a:p>
+                  </a:txBody>
+                  <a:tcPr anchor="ctr"/>
+                </a:tc>
+                <a:tc hMerge="1">
+                  <a:txBody>
+                    <a:bodyPr/>
+                    <a:lstStyle/>
+                    <a:p>
+                      <a:pPr algn="ctr" latinLnBrk="1"/>
+                      <a:endParaRPr lang="ko-KR" altLang="en-US" sz="1400" dirty="0"/>
+                    </a:p>
+                  </a:txBody>
+                  <a:tcPr anchor="ctr"/>
+                </a:tc>
+                <a:tc hMerge="1">
                   <a:txBody>
                     <a:bodyPr/>
                     <a:lstStyle/>
@@ -3676,7 +4123,7 @@
         </p:blipFill>
         <p:spPr>
           <a:xfrm flipH="1">
-            <a:off x="4030258" y="1848254"/>
+            <a:off x="4030259" y="1750283"/>
             <a:ext cx="522732" cy="705787"/>
           </a:xfrm>
           <a:prstGeom prst="rect">
@@ -3732,7 +4179,7 @@
         </p:blipFill>
         <p:spPr>
           <a:xfrm flipH="1">
-            <a:off x="5353012" y="1813495"/>
+            <a:off x="5353013" y="1715524"/>
             <a:ext cx="750785" cy="775305"/>
           </a:xfrm>
           <a:prstGeom prst="rect">
@@ -3785,7 +4232,7 @@
         </p:blipFill>
         <p:spPr>
           <a:xfrm>
-            <a:off x="6886029" y="1769322"/>
+            <a:off x="6886030" y="1671351"/>
             <a:ext cx="475775" cy="863650"/>
           </a:xfrm>
           <a:prstGeom prst="rect">
@@ -3838,7 +4285,7 @@
         </p:blipFill>
         <p:spPr>
           <a:xfrm>
-            <a:off x="8301713" y="1707753"/>
+            <a:off x="8301714" y="1609782"/>
             <a:ext cx="576064" cy="986789"/>
           </a:xfrm>
           <a:prstGeom prst="rect">
@@ -3864,10 +4311,10 @@
           <a:blip r:embed="rId10" cstate="print">
             <a:clrChange>
               <a:clrFrom>
-                <a:srgbClr val="747171"/>
+                <a:srgbClr val="C9CACA"/>
               </a:clrFrom>
               <a:clrTo>
-                <a:srgbClr val="747171">
+                <a:srgbClr val="C9CACA">
                   <a:alpha val="0"/>
                 </a:srgbClr>
               </a:clrTo>
@@ -3893,7 +4340,7 @@
         </p:blipFill>
         <p:spPr>
           <a:xfrm>
-            <a:off x="2538134" y="1827540"/>
+            <a:off x="2538135" y="1729569"/>
             <a:ext cx="591109" cy="747215"/>
           </a:xfrm>
           <a:prstGeom prst="rect">
@@ -3905,6 +4352,7225 @@
     <p:extLst>
       <p:ext uri="{BB962C8B-B14F-4D97-AF65-F5344CB8AC3E}">
         <p14:creationId xmlns:p14="http://schemas.microsoft.com/office/powerpoint/2010/main" val="3450789019"/>
+      </p:ext>
+    </p:extLst>
+  </p:cSld>
+  <p:clrMapOvr>
+    <a:masterClrMapping/>
+  </p:clrMapOvr>
+</p:sld>
+</file>
+
+<file path=ppt/slides/slide3.xml><?xml version="1.0" encoding="utf-8"?>
+<p:sld xmlns:a="http://schemas.openxmlformats.org/drawingml/2006/main" xmlns:r="http://schemas.openxmlformats.org/officeDocument/2006/relationships" xmlns:p="http://schemas.openxmlformats.org/presentationml/2006/main">
+  <p:cSld>
+    <p:spTree>
+      <p:nvGrpSpPr>
+        <p:cNvPr id="1" name=""/>
+        <p:cNvGrpSpPr/>
+        <p:nvPr/>
+      </p:nvGrpSpPr>
+      <p:grpSpPr>
+        <a:xfrm>
+          <a:off x="0" y="0"/>
+          <a:ext cx="0" cy="0"/>
+          <a:chOff x="0" y="0"/>
+          <a:chExt cx="0" cy="0"/>
+        </a:xfrm>
+      </p:grpSpPr>
+      <p:sp>
+        <p:nvSpPr>
+          <p:cNvPr id="2" name="제목 1">
+            <a:extLst>
+              <a:ext uri="{FF2B5EF4-FFF2-40B4-BE49-F238E27FC236}">
+                <a16:creationId xmlns:a16="http://schemas.microsoft.com/office/drawing/2014/main" id="{A916593B-58F7-BA21-1009-BD48ABAEEF79}"/>
+              </a:ext>
+            </a:extLst>
+          </p:cNvPr>
+          <p:cNvSpPr>
+            <a:spLocks noGrp="1"/>
+          </p:cNvSpPr>
+          <p:nvPr>
+            <p:ph type="title"/>
+          </p:nvPr>
+        </p:nvSpPr>
+        <p:spPr/>
+        <p:txBody>
+          <a:bodyPr/>
+          <a:lstStyle/>
+          <a:p>
+            <a:r>
+              <a:rPr kumimoji="1" lang="en-US" altLang="ko-KR" dirty="0"/>
+              <a:t>MOMA Paths</a:t>
+            </a:r>
+            <a:endParaRPr kumimoji="1" lang="ko-KR" altLang="en-US" dirty="0"/>
+          </a:p>
+        </p:txBody>
+      </p:sp>
+      <p:pic>
+        <p:nvPicPr>
+          <p:cNvPr id="8" name="그림 7">
+            <a:extLst>
+              <a:ext uri="{FF2B5EF4-FFF2-40B4-BE49-F238E27FC236}">
+                <a16:creationId xmlns:a16="http://schemas.microsoft.com/office/drawing/2014/main" id="{F83316EE-6363-44E1-5094-7C45494D1CA0}"/>
+              </a:ext>
+            </a:extLst>
+          </p:cNvPr>
+          <p:cNvPicPr>
+            <a:picLocks noChangeAspect="1"/>
+          </p:cNvPicPr>
+          <p:nvPr/>
+        </p:nvPicPr>
+        <p:blipFill>
+          <a:blip r:embed="rId2" cstate="print">
+            <a:clrChange>
+              <a:clrFrom>
+                <a:srgbClr val="CACAC9"/>
+              </a:clrFrom>
+              <a:clrTo>
+                <a:srgbClr val="CACAC9">
+                  <a:alpha val="0"/>
+                </a:srgbClr>
+              </a:clrTo>
+            </a:clrChange>
+            <a:alphaModFix/>
+            <a:extLst>
+              <a:ext uri="{BEBA8EAE-BF5A-486C-A8C5-ECC9F3942E4B}">
+                <a14:imgProps xmlns:a14="http://schemas.microsoft.com/office/drawing/2010/main">
+                  <a14:imgLayer r:embed="rId3">
+                    <a14:imgEffect>
+                      <a14:sharpenSoften amount="-50000"/>
+                    </a14:imgEffect>
+                    <a14:imgEffect>
+                      <a14:brightnessContrast bright="-20000"/>
+                    </a14:imgEffect>
+                  </a14:imgLayer>
+                </a14:imgProps>
+              </a:ext>
+            </a:extLst>
+          </a:blip>
+          <a:stretch>
+            <a:fillRect/>
+          </a:stretch>
+        </p:blipFill>
+        <p:spPr>
+          <a:xfrm flipH="1">
+            <a:off x="7240025" y="1381913"/>
+            <a:ext cx="913309" cy="1233140"/>
+          </a:xfrm>
+          <a:prstGeom prst="rect">
+            <a:avLst/>
+          </a:prstGeom>
+        </p:spPr>
+      </p:pic>
+      <p:pic>
+        <p:nvPicPr>
+          <p:cNvPr id="9" name="그림 8">
+            <a:extLst>
+              <a:ext uri="{FF2B5EF4-FFF2-40B4-BE49-F238E27FC236}">
+                <a16:creationId xmlns:a16="http://schemas.microsoft.com/office/drawing/2014/main" id="{590039FF-BACE-5BC6-C4CE-86FCB2AF8DB7}"/>
+              </a:ext>
+            </a:extLst>
+          </p:cNvPr>
+          <p:cNvPicPr>
+            <a:picLocks noChangeAspect="1"/>
+          </p:cNvPicPr>
+          <p:nvPr/>
+        </p:nvPicPr>
+        <p:blipFill>
+          <a:blip r:embed="rId4" cstate="print">
+            <a:clrChange>
+              <a:clrFrom>
+                <a:srgbClr val="CACAC9"/>
+              </a:clrFrom>
+              <a:clrTo>
+                <a:srgbClr val="CACAC9">
+                  <a:alpha val="0"/>
+                </a:srgbClr>
+              </a:clrTo>
+            </a:clrChange>
+            <a:alphaModFix/>
+            <a:extLst>
+              <a:ext uri="{BEBA8EAE-BF5A-486C-A8C5-ECC9F3942E4B}">
+                <a14:imgProps xmlns:a14="http://schemas.microsoft.com/office/drawing/2010/main">
+                  <a14:imgLayer r:embed="rId5">
+                    <a14:imgEffect>
+                      <a14:sharpenSoften amount="-50000"/>
+                    </a14:imgEffect>
+                    <a14:imgEffect>
+                      <a14:brightnessContrast bright="-20000"/>
+                    </a14:imgEffect>
+                  </a14:imgLayer>
+                </a14:imgProps>
+              </a:ext>
+            </a:extLst>
+          </a:blip>
+          <a:stretch>
+            <a:fillRect/>
+          </a:stretch>
+        </p:blipFill>
+        <p:spPr>
+          <a:xfrm flipH="1">
+            <a:off x="7040799" y="4728632"/>
+            <a:ext cx="1311760" cy="1354601"/>
+          </a:xfrm>
+          <a:prstGeom prst="rect">
+            <a:avLst/>
+          </a:prstGeom>
+        </p:spPr>
+      </p:pic>
+      <p:pic>
+        <p:nvPicPr>
+          <p:cNvPr id="10" name="그림 9">
+            <a:extLst>
+              <a:ext uri="{FF2B5EF4-FFF2-40B4-BE49-F238E27FC236}">
+                <a16:creationId xmlns:a16="http://schemas.microsoft.com/office/drawing/2014/main" id="{EDBB6372-CA29-E7BD-A476-4FC25B953EF2}"/>
+              </a:ext>
+            </a:extLst>
+          </p:cNvPr>
+          <p:cNvPicPr>
+            <a:picLocks noChangeAspect="1"/>
+          </p:cNvPicPr>
+          <p:nvPr/>
+        </p:nvPicPr>
+        <p:blipFill>
+          <a:blip r:embed="rId6" cstate="print">
+            <a:clrChange>
+              <a:clrFrom>
+                <a:srgbClr val="CACAC9"/>
+              </a:clrFrom>
+              <a:clrTo>
+                <a:srgbClr val="CACAC9">
+                  <a:alpha val="0"/>
+                </a:srgbClr>
+              </a:clrTo>
+            </a:clrChange>
+            <a:alphaModFix/>
+            <a:extLst>
+              <a:ext uri="{BEBA8EAE-BF5A-486C-A8C5-ECC9F3942E4B}">
+                <a14:imgProps xmlns:a14="http://schemas.microsoft.com/office/drawing/2010/main">
+                  <a14:imgLayer r:embed="rId7">
+                    <a14:imgEffect>
+                      <a14:brightnessContrast bright="-20000"/>
+                    </a14:imgEffect>
+                  </a14:imgLayer>
+                </a14:imgProps>
+              </a:ext>
+            </a:extLst>
+          </a:blip>
+          <a:stretch>
+            <a:fillRect/>
+          </a:stretch>
+        </p:blipFill>
+        <p:spPr>
+          <a:xfrm>
+            <a:off x="2453038" y="1244005"/>
+            <a:ext cx="831267" cy="1508956"/>
+          </a:xfrm>
+          <a:prstGeom prst="rect">
+            <a:avLst/>
+          </a:prstGeom>
+        </p:spPr>
+      </p:pic>
+      <p:pic>
+        <p:nvPicPr>
+          <p:cNvPr id="11" name="그림 10">
+            <a:extLst>
+              <a:ext uri="{FF2B5EF4-FFF2-40B4-BE49-F238E27FC236}">
+                <a16:creationId xmlns:a16="http://schemas.microsoft.com/office/drawing/2014/main" id="{5B7CBEBA-9812-FDC6-768F-BAB6124A757E}"/>
+              </a:ext>
+            </a:extLst>
+          </p:cNvPr>
+          <p:cNvPicPr>
+            <a:picLocks noChangeAspect="1"/>
+          </p:cNvPicPr>
+          <p:nvPr/>
+        </p:nvPicPr>
+        <p:blipFill>
+          <a:blip r:embed="rId8" cstate="print">
+            <a:clrChange>
+              <a:clrFrom>
+                <a:srgbClr val="CACAC9"/>
+              </a:clrFrom>
+              <a:clrTo>
+                <a:srgbClr val="CACAC9">
+                  <a:alpha val="0"/>
+                </a:srgbClr>
+              </a:clrTo>
+            </a:clrChange>
+            <a:alphaModFix/>
+            <a:extLst>
+              <a:ext uri="{BEBA8EAE-BF5A-486C-A8C5-ECC9F3942E4B}">
+                <a14:imgProps xmlns:a14="http://schemas.microsoft.com/office/drawing/2010/main">
+                  <a14:imgLayer r:embed="rId9">
+                    <a14:imgEffect>
+                      <a14:brightnessContrast bright="-20000"/>
+                    </a14:imgEffect>
+                  </a14:imgLayer>
+                </a14:imgProps>
+              </a:ext>
+            </a:extLst>
+          </a:blip>
+          <a:stretch>
+            <a:fillRect/>
+          </a:stretch>
+        </p:blipFill>
+        <p:spPr>
+          <a:xfrm>
+            <a:off x="4824314" y="2906849"/>
+            <a:ext cx="1006490" cy="1724102"/>
+          </a:xfrm>
+          <a:prstGeom prst="rect">
+            <a:avLst/>
+          </a:prstGeom>
+        </p:spPr>
+      </p:pic>
+      <p:pic>
+        <p:nvPicPr>
+          <p:cNvPr id="12" name="그림 11">
+            <a:extLst>
+              <a:ext uri="{FF2B5EF4-FFF2-40B4-BE49-F238E27FC236}">
+                <a16:creationId xmlns:a16="http://schemas.microsoft.com/office/drawing/2014/main" id="{C8FE3281-0A0F-9191-BB5C-3DF2E4F330CF}"/>
+              </a:ext>
+            </a:extLst>
+          </p:cNvPr>
+          <p:cNvPicPr>
+            <a:picLocks noChangeAspect="1"/>
+          </p:cNvPicPr>
+          <p:nvPr/>
+        </p:nvPicPr>
+        <p:blipFill rotWithShape="1">
+          <a:blip r:embed="rId10" cstate="print">
+            <a:clrChange>
+              <a:clrFrom>
+                <a:srgbClr val="C9CACA"/>
+              </a:clrFrom>
+              <a:clrTo>
+                <a:srgbClr val="C9CACA">
+                  <a:alpha val="0"/>
+                </a:srgbClr>
+              </a:clrTo>
+            </a:clrChange>
+            <a:alphaModFix/>
+            <a:extLst>
+              <a:ext uri="{BEBA8EAE-BF5A-486C-A8C5-ECC9F3942E4B}">
+                <a14:imgProps xmlns:a14="http://schemas.microsoft.com/office/drawing/2010/main">
+                  <a14:imgLayer r:embed="rId11">
+                    <a14:imgEffect>
+                      <a14:sharpenSoften amount="-50000"/>
+                    </a14:imgEffect>
+                    <a14:imgEffect>
+                      <a14:brightnessContrast bright="-20000"/>
+                    </a14:imgEffect>
+                  </a14:imgLayer>
+                </a14:imgProps>
+              </a:ext>
+            </a:extLst>
+          </a:blip>
+          <a:srcRect l="4858" t="1314"/>
+          <a:stretch/>
+        </p:blipFill>
+        <p:spPr>
+          <a:xfrm>
+            <a:off x="2352283" y="4763667"/>
+            <a:ext cx="1032776" cy="1305522"/>
+          </a:xfrm>
+          <a:prstGeom prst="rect">
+            <a:avLst/>
+          </a:prstGeom>
+        </p:spPr>
+      </p:pic>
+      <p:sp>
+        <p:nvSpPr>
+          <p:cNvPr id="13" name="TextBox 12">
+            <a:extLst>
+              <a:ext uri="{FF2B5EF4-FFF2-40B4-BE49-F238E27FC236}">
+                <a16:creationId xmlns:a16="http://schemas.microsoft.com/office/drawing/2014/main" id="{7CFBEA62-7970-E8BD-176B-EF6CE19031F6}"/>
+              </a:ext>
+            </a:extLst>
+          </p:cNvPr>
+          <p:cNvSpPr txBox="1"/>
+          <p:nvPr/>
+        </p:nvSpPr>
+        <p:spPr>
+          <a:xfrm>
+            <a:off x="2417266" y="6127405"/>
+            <a:ext cx="902811" cy="307777"/>
+          </a:xfrm>
+          <a:prstGeom prst="rect">
+            <a:avLst/>
+          </a:prstGeom>
+          <a:noFill/>
+        </p:spPr>
+        <p:txBody>
+          <a:bodyPr wrap="none" rtlCol="0">
+            <a:spAutoFit/>
+          </a:bodyPr>
+          <a:lstStyle/>
+          <a:p>
+            <a:pPr algn="ctr"/>
+            <a:r>
+              <a:rPr kumimoji="1" lang="ko-KR" altLang="en-US" sz="1400" dirty="0"/>
+              <a:t>반출입기</a:t>
+            </a:r>
+          </a:p>
+        </p:txBody>
+      </p:sp>
+      <p:sp>
+        <p:nvSpPr>
+          <p:cNvPr id="14" name="TextBox 13">
+            <a:extLst>
+              <a:ext uri="{FF2B5EF4-FFF2-40B4-BE49-F238E27FC236}">
+                <a16:creationId xmlns:a16="http://schemas.microsoft.com/office/drawing/2014/main" id="{F2DC4ED5-B7DA-8B10-DF9D-DA1337058D66}"/>
+              </a:ext>
+            </a:extLst>
+          </p:cNvPr>
+          <p:cNvSpPr txBox="1"/>
+          <p:nvPr/>
+        </p:nvSpPr>
+        <p:spPr>
+          <a:xfrm>
+            <a:off x="7309586" y="6127405"/>
+            <a:ext cx="774187" cy="307777"/>
+          </a:xfrm>
+          <a:prstGeom prst="rect">
+            <a:avLst/>
+          </a:prstGeom>
+          <a:noFill/>
+        </p:spPr>
+        <p:txBody>
+          <a:bodyPr wrap="none" rtlCol="0">
+            <a:spAutoFit/>
+          </a:bodyPr>
+          <a:lstStyle/>
+          <a:p>
+            <a:pPr algn="ctr"/>
+            <a:r>
+              <a:rPr kumimoji="1" lang="en-US" altLang="ko-KR" sz="1400" dirty="0"/>
+              <a:t>Stocker</a:t>
+            </a:r>
+            <a:endParaRPr kumimoji="1" lang="ko-KR" altLang="en-US" sz="1400" dirty="0"/>
+          </a:p>
+        </p:txBody>
+      </p:sp>
+      <p:sp>
+        <p:nvSpPr>
+          <p:cNvPr id="15" name="TextBox 14">
+            <a:extLst>
+              <a:ext uri="{FF2B5EF4-FFF2-40B4-BE49-F238E27FC236}">
+                <a16:creationId xmlns:a16="http://schemas.microsoft.com/office/drawing/2014/main" id="{2191DC70-B84E-9017-9FB8-D6155E23FA8B}"/>
+              </a:ext>
+            </a:extLst>
+          </p:cNvPr>
+          <p:cNvSpPr txBox="1"/>
+          <p:nvPr/>
+        </p:nvSpPr>
+        <p:spPr>
+          <a:xfrm>
+            <a:off x="2417266" y="2752961"/>
+            <a:ext cx="902811" cy="307777"/>
+          </a:xfrm>
+          <a:prstGeom prst="rect">
+            <a:avLst/>
+          </a:prstGeom>
+          <a:noFill/>
+        </p:spPr>
+        <p:txBody>
+          <a:bodyPr wrap="none" rtlCol="0">
+            <a:spAutoFit/>
+          </a:bodyPr>
+          <a:lstStyle/>
+          <a:p>
+            <a:pPr algn="ctr"/>
+            <a:r>
+              <a:rPr kumimoji="1" lang="ko-KR" altLang="en-US" sz="1400" dirty="0"/>
+              <a:t>폐기설비</a:t>
+            </a:r>
+          </a:p>
+        </p:txBody>
+      </p:sp>
+      <p:sp>
+        <p:nvSpPr>
+          <p:cNvPr id="16" name="TextBox 15">
+            <a:extLst>
+              <a:ext uri="{FF2B5EF4-FFF2-40B4-BE49-F238E27FC236}">
+                <a16:creationId xmlns:a16="http://schemas.microsoft.com/office/drawing/2014/main" id="{2298CBB4-FA8F-A98A-B957-BC9FE72DD815}"/>
+              </a:ext>
+            </a:extLst>
+          </p:cNvPr>
+          <p:cNvSpPr txBox="1"/>
+          <p:nvPr/>
+        </p:nvSpPr>
+        <p:spPr>
+          <a:xfrm>
+            <a:off x="7335042" y="2752961"/>
+            <a:ext cx="723275" cy="307777"/>
+          </a:xfrm>
+          <a:prstGeom prst="rect">
+            <a:avLst/>
+          </a:prstGeom>
+          <a:noFill/>
+        </p:spPr>
+        <p:txBody>
+          <a:bodyPr wrap="none" rtlCol="0">
+            <a:spAutoFit/>
+          </a:bodyPr>
+          <a:lstStyle/>
+          <a:p>
+            <a:pPr algn="ctr"/>
+            <a:r>
+              <a:rPr kumimoji="1" lang="ko-KR" altLang="en-US" sz="1400" dirty="0"/>
+              <a:t>분석기</a:t>
+            </a:r>
+            <a:endParaRPr kumimoji="1" lang="en-US" altLang="ko-KR" sz="1400" dirty="0"/>
+          </a:p>
+        </p:txBody>
+      </p:sp>
+      <p:pic>
+        <p:nvPicPr>
+          <p:cNvPr id="17" name="그림 16">
+            <a:extLst>
+              <a:ext uri="{FF2B5EF4-FFF2-40B4-BE49-F238E27FC236}">
+                <a16:creationId xmlns:a16="http://schemas.microsoft.com/office/drawing/2014/main" id="{0204148F-6558-EC55-3337-772FF430DF0F}"/>
+              </a:ext>
+            </a:extLst>
+          </p:cNvPr>
+          <p:cNvPicPr>
+            <a:picLocks noChangeAspect="1"/>
+          </p:cNvPicPr>
+          <p:nvPr/>
+        </p:nvPicPr>
+        <p:blipFill>
+          <a:blip r:embed="rId12"/>
+          <a:stretch>
+            <a:fillRect/>
+          </a:stretch>
+        </p:blipFill>
+        <p:spPr>
+          <a:xfrm>
+            <a:off x="1137558" y="5174175"/>
+            <a:ext cx="212437" cy="484506"/>
+          </a:xfrm>
+          <a:prstGeom prst="rect">
+            <a:avLst/>
+          </a:prstGeom>
+        </p:spPr>
+      </p:pic>
+      <p:sp>
+        <p:nvSpPr>
+          <p:cNvPr id="18" name="TextBox 17">
+            <a:extLst>
+              <a:ext uri="{FF2B5EF4-FFF2-40B4-BE49-F238E27FC236}">
+                <a16:creationId xmlns:a16="http://schemas.microsoft.com/office/drawing/2014/main" id="{215B2ECE-C155-D3E4-5AB7-84F475D29181}"/>
+              </a:ext>
+            </a:extLst>
+          </p:cNvPr>
+          <p:cNvSpPr txBox="1"/>
+          <p:nvPr/>
+        </p:nvSpPr>
+        <p:spPr>
+          <a:xfrm>
+            <a:off x="4975538" y="4700556"/>
+            <a:ext cx="704040" cy="307777"/>
+          </a:xfrm>
+          <a:prstGeom prst="rect">
+            <a:avLst/>
+          </a:prstGeom>
+          <a:noFill/>
+        </p:spPr>
+        <p:txBody>
+          <a:bodyPr wrap="none" rtlCol="0">
+            <a:spAutoFit/>
+          </a:bodyPr>
+          <a:lstStyle/>
+          <a:p>
+            <a:pPr algn="ctr"/>
+            <a:r>
+              <a:rPr kumimoji="1" lang="en-US" altLang="ko-KR" sz="1400" dirty="0"/>
+              <a:t>MOMA</a:t>
+            </a:r>
+          </a:p>
+        </p:txBody>
+      </p:sp>
+      <p:cxnSp>
+        <p:nvCxnSpPr>
+          <p:cNvPr id="20" name="직선 화살표 연결선 19">
+            <a:extLst>
+              <a:ext uri="{FF2B5EF4-FFF2-40B4-BE49-F238E27FC236}">
+                <a16:creationId xmlns:a16="http://schemas.microsoft.com/office/drawing/2014/main" id="{B3F5D6B1-35D6-6C17-8D4C-3AF4AF8AB059}"/>
+              </a:ext>
+            </a:extLst>
+          </p:cNvPr>
+          <p:cNvCxnSpPr>
+            <a:stCxn id="15" idx="2"/>
+            <a:endCxn id="12" idx="0"/>
+          </p:cNvCxnSpPr>
+          <p:nvPr/>
+        </p:nvCxnSpPr>
+        <p:spPr>
+          <a:xfrm flipH="1">
+            <a:off x="2868671" y="3060738"/>
+            <a:ext cx="1" cy="1702929"/>
+          </a:xfrm>
+          <a:prstGeom prst="straightConnector1">
+            <a:avLst/>
+          </a:prstGeom>
+          <a:ln w="38100">
+            <a:solidFill>
+              <a:srgbClr val="FF0000"/>
+            </a:solidFill>
+            <a:prstDash val="dash"/>
+            <a:tailEnd type="triangle"/>
+          </a:ln>
+        </p:spPr>
+        <p:style>
+          <a:lnRef idx="2">
+            <a:schemeClr val="accent1"/>
+          </a:lnRef>
+          <a:fillRef idx="0">
+            <a:schemeClr val="accent1"/>
+          </a:fillRef>
+          <a:effectRef idx="1">
+            <a:schemeClr val="accent1"/>
+          </a:effectRef>
+          <a:fontRef idx="minor">
+            <a:schemeClr val="tx1"/>
+          </a:fontRef>
+        </p:style>
+      </p:cxnSp>
+      <p:cxnSp>
+        <p:nvCxnSpPr>
+          <p:cNvPr id="21" name="직선 화살표 연결선 20">
+            <a:extLst>
+              <a:ext uri="{FF2B5EF4-FFF2-40B4-BE49-F238E27FC236}">
+                <a16:creationId xmlns:a16="http://schemas.microsoft.com/office/drawing/2014/main" id="{7B688FD3-0A9B-659C-8044-AEFF0B231234}"/>
+              </a:ext>
+            </a:extLst>
+          </p:cNvPr>
+          <p:cNvCxnSpPr>
+            <a:cxnSpLocks/>
+            <a:stCxn id="15" idx="2"/>
+            <a:endCxn id="9" idx="3"/>
+          </p:cNvCxnSpPr>
+          <p:nvPr/>
+        </p:nvCxnSpPr>
+        <p:spPr>
+          <a:xfrm>
+            <a:off x="2868672" y="3060738"/>
+            <a:ext cx="4172127" cy="2345195"/>
+          </a:xfrm>
+          <a:prstGeom prst="straightConnector1">
+            <a:avLst/>
+          </a:prstGeom>
+          <a:ln w="38100">
+            <a:solidFill>
+              <a:srgbClr val="FF0000"/>
+            </a:solidFill>
+            <a:headEnd type="triangle" w="med" len="med"/>
+            <a:tailEnd type="triangle" w="med" len="med"/>
+          </a:ln>
+        </p:spPr>
+        <p:style>
+          <a:lnRef idx="2">
+            <a:schemeClr val="accent1"/>
+          </a:lnRef>
+          <a:fillRef idx="0">
+            <a:schemeClr val="accent1"/>
+          </a:fillRef>
+          <a:effectRef idx="1">
+            <a:schemeClr val="accent1"/>
+          </a:effectRef>
+          <a:fontRef idx="minor">
+            <a:schemeClr val="tx1"/>
+          </a:fontRef>
+        </p:style>
+      </p:cxnSp>
+      <p:cxnSp>
+        <p:nvCxnSpPr>
+          <p:cNvPr id="26" name="직선 화살표 연결선 25">
+            <a:extLst>
+              <a:ext uri="{FF2B5EF4-FFF2-40B4-BE49-F238E27FC236}">
+                <a16:creationId xmlns:a16="http://schemas.microsoft.com/office/drawing/2014/main" id="{E37C52B2-0E29-1CF0-6B7C-30DAA0B09E7C}"/>
+              </a:ext>
+            </a:extLst>
+          </p:cNvPr>
+          <p:cNvCxnSpPr>
+            <a:cxnSpLocks/>
+            <a:stCxn id="12" idx="3"/>
+            <a:endCxn id="9" idx="3"/>
+          </p:cNvCxnSpPr>
+          <p:nvPr/>
+        </p:nvCxnSpPr>
+        <p:spPr>
+          <a:xfrm flipV="1">
+            <a:off x="3385059" y="5405933"/>
+            <a:ext cx="3655740" cy="10495"/>
+          </a:xfrm>
+          <a:prstGeom prst="straightConnector1">
+            <a:avLst/>
+          </a:prstGeom>
+          <a:ln w="38100">
+            <a:solidFill>
+              <a:srgbClr val="FF0000"/>
+            </a:solidFill>
+            <a:headEnd type="triangle" w="med" len="med"/>
+            <a:tailEnd type="triangle" w="med" len="med"/>
+          </a:ln>
+        </p:spPr>
+        <p:style>
+          <a:lnRef idx="2">
+            <a:schemeClr val="accent1"/>
+          </a:lnRef>
+          <a:fillRef idx="0">
+            <a:schemeClr val="accent1"/>
+          </a:fillRef>
+          <a:effectRef idx="1">
+            <a:schemeClr val="accent1"/>
+          </a:effectRef>
+          <a:fontRef idx="minor">
+            <a:schemeClr val="tx1"/>
+          </a:fontRef>
+        </p:style>
+      </p:cxnSp>
+      <p:cxnSp>
+        <p:nvCxnSpPr>
+          <p:cNvPr id="29" name="직선 화살표 연결선 28">
+            <a:extLst>
+              <a:ext uri="{FF2B5EF4-FFF2-40B4-BE49-F238E27FC236}">
+                <a16:creationId xmlns:a16="http://schemas.microsoft.com/office/drawing/2014/main" id="{11152C01-F590-4693-2F6E-2B5B4F37142B}"/>
+              </a:ext>
+            </a:extLst>
+          </p:cNvPr>
+          <p:cNvCxnSpPr>
+            <a:cxnSpLocks/>
+            <a:stCxn id="16" idx="2"/>
+            <a:endCxn id="9" idx="0"/>
+          </p:cNvCxnSpPr>
+          <p:nvPr/>
+        </p:nvCxnSpPr>
+        <p:spPr>
+          <a:xfrm flipH="1">
+            <a:off x="7696679" y="3060738"/>
+            <a:ext cx="1" cy="1667894"/>
+          </a:xfrm>
+          <a:prstGeom prst="straightConnector1">
+            <a:avLst/>
+          </a:prstGeom>
+          <a:ln w="38100">
+            <a:solidFill>
+              <a:srgbClr val="FF0000"/>
+            </a:solidFill>
+            <a:headEnd type="triangle" w="med" len="med"/>
+            <a:tailEnd type="triangle" w="med" len="med"/>
+          </a:ln>
+        </p:spPr>
+        <p:style>
+          <a:lnRef idx="2">
+            <a:schemeClr val="accent1"/>
+          </a:lnRef>
+          <a:fillRef idx="0">
+            <a:schemeClr val="accent1"/>
+          </a:fillRef>
+          <a:effectRef idx="1">
+            <a:schemeClr val="accent1"/>
+          </a:effectRef>
+          <a:fontRef idx="minor">
+            <a:schemeClr val="tx1"/>
+          </a:fontRef>
+        </p:style>
+      </p:cxnSp>
+      <p:cxnSp>
+        <p:nvCxnSpPr>
+          <p:cNvPr id="32" name="직선 화살표 연결선 31">
+            <a:extLst>
+              <a:ext uri="{FF2B5EF4-FFF2-40B4-BE49-F238E27FC236}">
+                <a16:creationId xmlns:a16="http://schemas.microsoft.com/office/drawing/2014/main" id="{1F5C8B9F-6C7E-ECA6-C2DD-FC62C26342CF}"/>
+              </a:ext>
+            </a:extLst>
+          </p:cNvPr>
+          <p:cNvCxnSpPr>
+            <a:cxnSpLocks/>
+            <a:stCxn id="8" idx="3"/>
+            <a:endCxn id="10" idx="3"/>
+          </p:cNvCxnSpPr>
+          <p:nvPr/>
+        </p:nvCxnSpPr>
+        <p:spPr>
+          <a:xfrm flipH="1">
+            <a:off x="3284305" y="1998483"/>
+            <a:ext cx="3955720" cy="0"/>
+          </a:xfrm>
+          <a:prstGeom prst="straightConnector1">
+            <a:avLst/>
+          </a:prstGeom>
+          <a:ln w="38100">
+            <a:solidFill>
+              <a:srgbClr val="FF0000"/>
+            </a:solidFill>
+            <a:prstDash val="dash"/>
+            <a:tailEnd type="triangle"/>
+          </a:ln>
+        </p:spPr>
+        <p:style>
+          <a:lnRef idx="2">
+            <a:schemeClr val="accent1"/>
+          </a:lnRef>
+          <a:fillRef idx="0">
+            <a:schemeClr val="accent1"/>
+          </a:fillRef>
+          <a:effectRef idx="1">
+            <a:schemeClr val="accent1"/>
+          </a:effectRef>
+          <a:fontRef idx="minor">
+            <a:schemeClr val="tx1"/>
+          </a:fontRef>
+        </p:style>
+      </p:cxnSp>
+      <p:cxnSp>
+        <p:nvCxnSpPr>
+          <p:cNvPr id="35" name="직선 화살표 연결선 34">
+            <a:extLst>
+              <a:ext uri="{FF2B5EF4-FFF2-40B4-BE49-F238E27FC236}">
+                <a16:creationId xmlns:a16="http://schemas.microsoft.com/office/drawing/2014/main" id="{741C968E-5A2E-920D-BA9D-D33316E3C501}"/>
+              </a:ext>
+            </a:extLst>
+          </p:cNvPr>
+          <p:cNvCxnSpPr>
+            <a:cxnSpLocks/>
+            <a:stCxn id="17" idx="3"/>
+            <a:endCxn id="12" idx="1"/>
+          </p:cNvCxnSpPr>
+          <p:nvPr/>
+        </p:nvCxnSpPr>
+        <p:spPr>
+          <a:xfrm>
+            <a:off x="1349995" y="5416428"/>
+            <a:ext cx="1002288" cy="0"/>
+          </a:xfrm>
+          <a:prstGeom prst="straightConnector1">
+            <a:avLst/>
+          </a:prstGeom>
+          <a:ln w="38100">
+            <a:solidFill>
+              <a:srgbClr val="0070C0"/>
+            </a:solidFill>
+            <a:headEnd type="triangle" w="med" len="med"/>
+            <a:tailEnd type="triangle" w="med" len="med"/>
+          </a:ln>
+        </p:spPr>
+        <p:style>
+          <a:lnRef idx="2">
+            <a:schemeClr val="accent1"/>
+          </a:lnRef>
+          <a:fillRef idx="0">
+            <a:schemeClr val="accent1"/>
+          </a:fillRef>
+          <a:effectRef idx="1">
+            <a:schemeClr val="accent1"/>
+          </a:effectRef>
+          <a:fontRef idx="minor">
+            <a:schemeClr val="tx1"/>
+          </a:fontRef>
+        </p:style>
+      </p:cxnSp>
+      <p:sp>
+        <p:nvSpPr>
+          <p:cNvPr id="38" name="TextBox 37">
+            <a:extLst>
+              <a:ext uri="{FF2B5EF4-FFF2-40B4-BE49-F238E27FC236}">
+                <a16:creationId xmlns:a16="http://schemas.microsoft.com/office/drawing/2014/main" id="{9C96B523-BBF1-A6D5-F887-E6F1A83F7E09}"/>
+              </a:ext>
+            </a:extLst>
+          </p:cNvPr>
+          <p:cNvSpPr txBox="1"/>
+          <p:nvPr/>
+        </p:nvSpPr>
+        <p:spPr>
+          <a:xfrm>
+            <a:off x="919007" y="5658681"/>
+            <a:ext cx="649537" cy="307777"/>
+          </a:xfrm>
+          <a:prstGeom prst="rect">
+            <a:avLst/>
+          </a:prstGeom>
+          <a:noFill/>
+        </p:spPr>
+        <p:txBody>
+          <a:bodyPr wrap="none" rtlCol="0">
+            <a:spAutoFit/>
+          </a:bodyPr>
+          <a:lstStyle/>
+          <a:p>
+            <a:pPr algn="ctr"/>
+            <a:r>
+              <a:rPr kumimoji="1" lang="en-US" altLang="ko-KR" sz="1400" dirty="0"/>
+              <a:t>Bottle</a:t>
+            </a:r>
+            <a:endParaRPr kumimoji="1" lang="ko-KR" altLang="en-US" sz="1400" dirty="0"/>
+          </a:p>
+        </p:txBody>
+      </p:sp>
+      <p:pic>
+        <p:nvPicPr>
+          <p:cNvPr id="39" name="그림 38">
+            <a:extLst>
+              <a:ext uri="{FF2B5EF4-FFF2-40B4-BE49-F238E27FC236}">
+                <a16:creationId xmlns:a16="http://schemas.microsoft.com/office/drawing/2014/main" id="{E5F0459D-154A-9306-9E45-F9ECB4528A2E}"/>
+              </a:ext>
+            </a:extLst>
+          </p:cNvPr>
+          <p:cNvPicPr>
+            <a:picLocks noChangeAspect="1"/>
+          </p:cNvPicPr>
+          <p:nvPr/>
+        </p:nvPicPr>
+        <p:blipFill>
+          <a:blip r:embed="rId13"/>
+          <a:stretch>
+            <a:fillRect/>
+          </a:stretch>
+        </p:blipFill>
+        <p:spPr>
+          <a:xfrm>
+            <a:off x="919856" y="4262124"/>
+            <a:ext cx="757989" cy="832923"/>
+          </a:xfrm>
+          <a:prstGeom prst="rect">
+            <a:avLst/>
+          </a:prstGeom>
+        </p:spPr>
+      </p:pic>
+      <p:sp>
+        <p:nvSpPr>
+          <p:cNvPr id="40" name="TextBox 39">
+            <a:extLst>
+              <a:ext uri="{FF2B5EF4-FFF2-40B4-BE49-F238E27FC236}">
+                <a16:creationId xmlns:a16="http://schemas.microsoft.com/office/drawing/2014/main" id="{D915F64F-AF63-1BFA-285D-5829B3669E57}"/>
+              </a:ext>
+            </a:extLst>
+          </p:cNvPr>
+          <p:cNvSpPr txBox="1"/>
+          <p:nvPr/>
+        </p:nvSpPr>
+        <p:spPr>
+          <a:xfrm>
+            <a:off x="655599" y="3737340"/>
+            <a:ext cx="963918" cy="523220"/>
+          </a:xfrm>
+          <a:prstGeom prst="rect">
+            <a:avLst/>
+          </a:prstGeom>
+          <a:noFill/>
+        </p:spPr>
+        <p:txBody>
+          <a:bodyPr wrap="none" rtlCol="0">
+            <a:spAutoFit/>
+          </a:bodyPr>
+          <a:lstStyle/>
+          <a:p>
+            <a:pPr algn="ctr"/>
+            <a:r>
+              <a:rPr kumimoji="1" lang="en-US" altLang="ko-KR" sz="1400" dirty="0"/>
+              <a:t>Tag</a:t>
+            </a:r>
+            <a:br>
+              <a:rPr kumimoji="1" lang="en-US" altLang="ko-KR" sz="1400" dirty="0"/>
+            </a:br>
+            <a:r>
+              <a:rPr kumimoji="1" lang="en-US" altLang="ko-KR" sz="1400" dirty="0"/>
+              <a:t>Generator</a:t>
+            </a:r>
+            <a:endParaRPr kumimoji="1" lang="ko-KR" altLang="en-US" sz="1400" dirty="0"/>
+          </a:p>
+        </p:txBody>
+      </p:sp>
+      <p:sp>
+        <p:nvSpPr>
+          <p:cNvPr id="41" name="TextBox 40">
+            <a:extLst>
+              <a:ext uri="{FF2B5EF4-FFF2-40B4-BE49-F238E27FC236}">
+                <a16:creationId xmlns:a16="http://schemas.microsoft.com/office/drawing/2014/main" id="{90B88F6E-75D7-27BC-CFD5-D580742A7AD6}"/>
+              </a:ext>
+            </a:extLst>
+          </p:cNvPr>
+          <p:cNvSpPr txBox="1"/>
+          <p:nvPr/>
+        </p:nvSpPr>
+        <p:spPr>
+          <a:xfrm>
+            <a:off x="4480210" y="1667357"/>
+            <a:ext cx="1694696" cy="307777"/>
+          </a:xfrm>
+          <a:prstGeom prst="rect">
+            <a:avLst/>
+          </a:prstGeom>
+          <a:noFill/>
+        </p:spPr>
+        <p:txBody>
+          <a:bodyPr wrap="none" rtlCol="0">
+            <a:spAutoFit/>
+          </a:bodyPr>
+          <a:lstStyle/>
+          <a:p>
+            <a:pPr algn="ctr"/>
+            <a:r>
+              <a:rPr kumimoji="1" lang="ko-KR" altLang="en-US" sz="1400" b="1" dirty="0">
+                <a:solidFill>
+                  <a:srgbClr val="FF0000"/>
+                </a:solidFill>
+              </a:rPr>
+              <a:t>발생여부 확인 필요</a:t>
+            </a:r>
+          </a:p>
+        </p:txBody>
+      </p:sp>
+      <p:sp>
+        <p:nvSpPr>
+          <p:cNvPr id="42" name="TextBox 41">
+            <a:extLst>
+              <a:ext uri="{FF2B5EF4-FFF2-40B4-BE49-F238E27FC236}">
+                <a16:creationId xmlns:a16="http://schemas.microsoft.com/office/drawing/2014/main" id="{B9ABE4A5-D915-71EA-BBAF-04717787FE49}"/>
+              </a:ext>
+            </a:extLst>
+          </p:cNvPr>
+          <p:cNvSpPr txBox="1"/>
+          <p:nvPr/>
+        </p:nvSpPr>
+        <p:spPr>
+          <a:xfrm>
+            <a:off x="1979480" y="3857711"/>
+            <a:ext cx="939681" cy="523220"/>
+          </a:xfrm>
+          <a:prstGeom prst="rect">
+            <a:avLst/>
+          </a:prstGeom>
+          <a:noFill/>
+        </p:spPr>
+        <p:txBody>
+          <a:bodyPr wrap="none" rtlCol="0">
+            <a:spAutoFit/>
+          </a:bodyPr>
+          <a:lstStyle/>
+          <a:p>
+            <a:pPr algn="ctr"/>
+            <a:r>
+              <a:rPr kumimoji="1" lang="ko-KR" altLang="en-US" sz="1400" b="1" dirty="0">
+                <a:solidFill>
+                  <a:srgbClr val="FF0000"/>
+                </a:solidFill>
+              </a:rPr>
+              <a:t>발생여부</a:t>
+            </a:r>
+            <a:br>
+              <a:rPr kumimoji="1" lang="en-US" altLang="ko-KR" sz="1400" b="1" dirty="0">
+                <a:solidFill>
+                  <a:srgbClr val="FF0000"/>
+                </a:solidFill>
+              </a:rPr>
+            </a:br>
+            <a:r>
+              <a:rPr kumimoji="1" lang="ko-KR" altLang="en-US" sz="1400" b="1" dirty="0">
+                <a:solidFill>
+                  <a:srgbClr val="FF0000"/>
+                </a:solidFill>
+              </a:rPr>
+              <a:t>확인 필요</a:t>
+            </a:r>
+          </a:p>
+        </p:txBody>
+      </p:sp>
+    </p:spTree>
+    <p:extLst>
+      <p:ext uri="{BB962C8B-B14F-4D97-AF65-F5344CB8AC3E}">
+        <p14:creationId xmlns:p14="http://schemas.microsoft.com/office/powerpoint/2010/main" val="2341151627"/>
+      </p:ext>
+    </p:extLst>
+  </p:cSld>
+  <p:clrMapOvr>
+    <a:masterClrMapping/>
+  </p:clrMapOvr>
+</p:sld>
+</file>
+
+<file path=ppt/slides/slide4.xml><?xml version="1.0" encoding="utf-8"?>
+<p:sld xmlns:a="http://schemas.openxmlformats.org/drawingml/2006/main" xmlns:r="http://schemas.openxmlformats.org/officeDocument/2006/relationships" xmlns:p="http://schemas.openxmlformats.org/presentationml/2006/main">
+  <p:cSld>
+    <p:spTree>
+      <p:nvGrpSpPr>
+        <p:cNvPr id="1" name=""/>
+        <p:cNvGrpSpPr/>
+        <p:nvPr/>
+      </p:nvGrpSpPr>
+      <p:grpSpPr>
+        <a:xfrm>
+          <a:off x="0" y="0"/>
+          <a:ext cx="0" cy="0"/>
+          <a:chOff x="0" y="0"/>
+          <a:chExt cx="0" cy="0"/>
+        </a:xfrm>
+      </p:grpSpPr>
+      <p:sp>
+        <p:nvSpPr>
+          <p:cNvPr id="2" name="제목 1">
+            <a:extLst>
+              <a:ext uri="{FF2B5EF4-FFF2-40B4-BE49-F238E27FC236}">
+                <a16:creationId xmlns:a16="http://schemas.microsoft.com/office/drawing/2014/main" id="{3F3C2AEA-5EC2-8A71-7F15-18E7FB9B7230}"/>
+              </a:ext>
+            </a:extLst>
+          </p:cNvPr>
+          <p:cNvSpPr>
+            <a:spLocks noGrp="1"/>
+          </p:cNvSpPr>
+          <p:nvPr>
+            <p:ph type="title"/>
+          </p:nvPr>
+        </p:nvSpPr>
+        <p:spPr/>
+        <p:txBody>
+          <a:bodyPr/>
+          <a:lstStyle/>
+          <a:p>
+            <a:r>
+              <a:rPr kumimoji="1" lang="en-US" altLang="ko-KR" dirty="0"/>
+              <a:t>Moving Paths</a:t>
+            </a:r>
+            <a:endParaRPr kumimoji="1" lang="ko-KR" altLang="en-US" dirty="0"/>
+          </a:p>
+        </p:txBody>
+      </p:sp>
+      <p:graphicFrame>
+        <p:nvGraphicFramePr>
+          <p:cNvPr id="3" name="표 2">
+            <a:extLst>
+              <a:ext uri="{FF2B5EF4-FFF2-40B4-BE49-F238E27FC236}">
+                <a16:creationId xmlns:a16="http://schemas.microsoft.com/office/drawing/2014/main" id="{380E63AB-9A18-BD13-1F70-4C14B8481EB9}"/>
+              </a:ext>
+            </a:extLst>
+          </p:cNvPr>
+          <p:cNvGraphicFramePr>
+            <a:graphicFrameLocks noGrp="1"/>
+          </p:cNvGraphicFramePr>
+          <p:nvPr>
+            <p:extLst>
+              <p:ext uri="{D42A27DB-BD31-4B8C-83A1-F6EECF244321}">
+                <p14:modId xmlns:p14="http://schemas.microsoft.com/office/powerpoint/2010/main" val="1762427798"/>
+              </p:ext>
+            </p:extLst>
+          </p:nvPr>
+        </p:nvGraphicFramePr>
+        <p:xfrm>
+          <a:off x="680720" y="901095"/>
+          <a:ext cx="8746310" cy="5530911"/>
+        </p:xfrm>
+        <a:graphic>
+          <a:graphicData uri="http://schemas.openxmlformats.org/drawingml/2006/table">
+            <a:tbl>
+              <a:tblPr firstRow="1" bandRow="1">
+                <a:tableStyleId>{5C22544A-7EE6-4342-B048-85BDC9FD1C3A}</a:tableStyleId>
+              </a:tblPr>
+              <a:tblGrid>
+                <a:gridCol w="1137194">
+                  <a:extLst>
+                    <a:ext uri="{9D8B030D-6E8A-4147-A177-3AD203B41FA5}">
+                      <a16:colId xmlns:a16="http://schemas.microsoft.com/office/drawing/2014/main" val="3091168781"/>
+                    </a:ext>
+                  </a:extLst>
+                </a:gridCol>
+                <a:gridCol w="1915886">
+                  <a:extLst>
+                    <a:ext uri="{9D8B030D-6E8A-4147-A177-3AD203B41FA5}">
+                      <a16:colId xmlns:a16="http://schemas.microsoft.com/office/drawing/2014/main" val="298656085"/>
+                    </a:ext>
+                  </a:extLst>
+                </a:gridCol>
+                <a:gridCol w="1937657">
+                  <a:extLst>
+                    <a:ext uri="{9D8B030D-6E8A-4147-A177-3AD203B41FA5}">
+                      <a16:colId xmlns:a16="http://schemas.microsoft.com/office/drawing/2014/main" val="2075478805"/>
+                    </a:ext>
+                  </a:extLst>
+                </a:gridCol>
+                <a:gridCol w="1948543">
+                  <a:extLst>
+                    <a:ext uri="{9D8B030D-6E8A-4147-A177-3AD203B41FA5}">
+                      <a16:colId xmlns:a16="http://schemas.microsoft.com/office/drawing/2014/main" val="2374661576"/>
+                    </a:ext>
+                  </a:extLst>
+                </a:gridCol>
+                <a:gridCol w="1807030">
+                  <a:extLst>
+                    <a:ext uri="{9D8B030D-6E8A-4147-A177-3AD203B41FA5}">
+                      <a16:colId xmlns:a16="http://schemas.microsoft.com/office/drawing/2014/main" val="1249213692"/>
+                    </a:ext>
+                  </a:extLst>
+                </a:gridCol>
+              </a:tblGrid>
+              <a:tr h="370840">
+                <a:tc>
+                  <a:txBody>
+                    <a:bodyPr/>
+                    <a:lstStyle/>
+                    <a:p>
+                      <a:pPr algn="ctr" latinLnBrk="1"/>
+                      <a:r>
+                        <a:rPr lang="ko-KR" altLang="en-US" sz="1400" dirty="0"/>
+                        <a:t>기기</a:t>
+                      </a:r>
+                    </a:p>
+                  </a:txBody>
+                  <a:tcPr anchor="ctr"/>
+                </a:tc>
+                <a:tc>
+                  <a:txBody>
+                    <a:bodyPr/>
+                    <a:lstStyle/>
+                    <a:p>
+                      <a:pPr algn="ctr" latinLnBrk="1"/>
+                      <a:r>
+                        <a:rPr lang="ko-KR" altLang="en-US" sz="1400" dirty="0"/>
+                        <a:t>반출입기</a:t>
+                      </a:r>
+                    </a:p>
+                  </a:txBody>
+                  <a:tcPr anchor="ctr"/>
+                </a:tc>
+                <a:tc>
+                  <a:txBody>
+                    <a:bodyPr/>
+                    <a:lstStyle/>
+                    <a:p>
+                      <a:pPr algn="ctr" latinLnBrk="1"/>
+                      <a:r>
+                        <a:rPr lang="ko-KR" altLang="en-US" sz="1400" dirty="0"/>
+                        <a:t>분석기</a:t>
+                      </a:r>
+                    </a:p>
+                  </a:txBody>
+                  <a:tcPr anchor="ctr"/>
+                </a:tc>
+                <a:tc>
+                  <a:txBody>
+                    <a:bodyPr/>
+                    <a:lstStyle/>
+                    <a:p>
+                      <a:pPr algn="ctr" latinLnBrk="1"/>
+                      <a:r>
+                        <a:rPr lang="en-US" altLang="ko-KR" sz="1400" dirty="0"/>
+                        <a:t>Stocker</a:t>
+                      </a:r>
+                      <a:endParaRPr lang="ko-KR" altLang="en-US" sz="1400" dirty="0"/>
+                    </a:p>
+                  </a:txBody>
+                  <a:tcPr anchor="ctr"/>
+                </a:tc>
+                <a:tc>
+                  <a:txBody>
+                    <a:bodyPr/>
+                    <a:lstStyle/>
+                    <a:p>
+                      <a:pPr algn="ctr" latinLnBrk="1"/>
+                      <a:r>
+                        <a:rPr lang="ko-KR" altLang="en-US" sz="1400" dirty="0"/>
+                        <a:t>폐기설비</a:t>
+                      </a:r>
+                    </a:p>
+                  </a:txBody>
+                  <a:tcPr anchor="ctr"/>
+                </a:tc>
+                <a:extLst>
+                  <a:ext uri="{0D108BD9-81ED-4DB2-BD59-A6C34878D82A}">
+                    <a16:rowId xmlns:a16="http://schemas.microsoft.com/office/drawing/2014/main" val="973131577"/>
+                  </a:ext>
+                </a:extLst>
+              </a:tr>
+              <a:tr h="1177351">
+                <a:tc>
+                  <a:txBody>
+                    <a:bodyPr/>
+                    <a:lstStyle/>
+                    <a:p>
+                      <a:pPr algn="ctr" latinLnBrk="1"/>
+                      <a:endParaRPr lang="ko-KR" altLang="en-US" sz="1400" dirty="0"/>
+                    </a:p>
+                  </a:txBody>
+                  <a:tcPr anchor="ctr"/>
+                </a:tc>
+                <a:tc>
+                  <a:txBody>
+                    <a:bodyPr/>
+                    <a:lstStyle/>
+                    <a:p>
+                      <a:pPr algn="ctr" latinLnBrk="1"/>
+                      <a:endParaRPr lang="ko-KR" altLang="en-US" sz="1400"/>
+                    </a:p>
+                  </a:txBody>
+                  <a:tcPr anchor="ctr"/>
+                </a:tc>
+                <a:tc>
+                  <a:txBody>
+                    <a:bodyPr/>
+                    <a:lstStyle/>
+                    <a:p>
+                      <a:pPr algn="ctr" latinLnBrk="1"/>
+                      <a:endParaRPr lang="ko-KR" altLang="en-US" sz="1400" dirty="0"/>
+                    </a:p>
+                  </a:txBody>
+                  <a:tcPr anchor="ctr"/>
+                </a:tc>
+                <a:tc>
+                  <a:txBody>
+                    <a:bodyPr/>
+                    <a:lstStyle/>
+                    <a:p>
+                      <a:pPr algn="ctr" latinLnBrk="1"/>
+                      <a:endParaRPr lang="ko-KR" altLang="en-US" sz="1400"/>
+                    </a:p>
+                  </a:txBody>
+                  <a:tcPr anchor="ctr"/>
+                </a:tc>
+                <a:tc>
+                  <a:txBody>
+                    <a:bodyPr/>
+                    <a:lstStyle/>
+                    <a:p>
+                      <a:pPr algn="ctr" latinLnBrk="1"/>
+                      <a:endParaRPr lang="ko-KR" altLang="en-US" sz="1400"/>
+                    </a:p>
+                  </a:txBody>
+                  <a:tcPr anchor="ctr"/>
+                </a:tc>
+                <a:extLst>
+                  <a:ext uri="{0D108BD9-81ED-4DB2-BD59-A6C34878D82A}">
+                    <a16:rowId xmlns:a16="http://schemas.microsoft.com/office/drawing/2014/main" val="3516490191"/>
+                  </a:ext>
+                </a:extLst>
+              </a:tr>
+              <a:tr h="370840">
+                <a:tc>
+                  <a:txBody>
+                    <a:bodyPr/>
+                    <a:lstStyle/>
+                    <a:p>
+                      <a:pPr algn="ctr" latinLnBrk="1"/>
+                      <a:r>
+                        <a:rPr lang="en-US" altLang="ko-KR" sz="1400" b="1" dirty="0">
+                          <a:solidFill>
+                            <a:srgbClr val="FF0000"/>
+                          </a:solidFill>
+                        </a:rPr>
+                        <a:t>Bottle</a:t>
+                      </a:r>
+                      <a:endParaRPr lang="ko-KR" altLang="en-US" sz="1400" b="1" dirty="0">
+                        <a:solidFill>
+                          <a:srgbClr val="FF0000"/>
+                        </a:solidFill>
+                      </a:endParaRPr>
+                    </a:p>
+                  </a:txBody>
+                  <a:tcPr anchor="ctr"/>
+                </a:tc>
+                <a:tc>
+                  <a:txBody>
+                    <a:bodyPr/>
+                    <a:lstStyle/>
+                    <a:p>
+                      <a:pPr algn="ctr" latinLnBrk="1"/>
+                      <a:endParaRPr lang="ko-KR" altLang="en-US" sz="1400" dirty="0"/>
+                    </a:p>
+                  </a:txBody>
+                  <a:tcPr anchor="ctr"/>
+                </a:tc>
+                <a:tc>
+                  <a:txBody>
+                    <a:bodyPr/>
+                    <a:lstStyle/>
+                    <a:p>
+                      <a:pPr algn="ctr" latinLnBrk="1"/>
+                      <a:endParaRPr lang="ko-KR" altLang="en-US" sz="1400" dirty="0"/>
+                    </a:p>
+                  </a:txBody>
+                  <a:tcPr anchor="ctr"/>
+                </a:tc>
+                <a:tc>
+                  <a:txBody>
+                    <a:bodyPr/>
+                    <a:lstStyle/>
+                    <a:p>
+                      <a:pPr algn="ctr" latinLnBrk="1"/>
+                      <a:endParaRPr lang="ko-KR" altLang="en-US" sz="1400" dirty="0"/>
+                    </a:p>
+                  </a:txBody>
+                  <a:tcPr anchor="ctr"/>
+                </a:tc>
+                <a:tc>
+                  <a:txBody>
+                    <a:bodyPr/>
+                    <a:lstStyle/>
+                    <a:p>
+                      <a:pPr algn="ctr" latinLnBrk="1"/>
+                      <a:endParaRPr lang="ko-KR" altLang="en-US" sz="1400" dirty="0"/>
+                    </a:p>
+                  </a:txBody>
+                  <a:tcPr anchor="ctr"/>
+                </a:tc>
+                <a:extLst>
+                  <a:ext uri="{0D108BD9-81ED-4DB2-BD59-A6C34878D82A}">
+                    <a16:rowId xmlns:a16="http://schemas.microsoft.com/office/drawing/2014/main" val="3152454611"/>
+                  </a:ext>
+                </a:extLst>
+              </a:tr>
+              <a:tr h="370840">
+                <a:tc>
+                  <a:txBody>
+                    <a:bodyPr/>
+                    <a:lstStyle/>
+                    <a:p>
+                      <a:pPr algn="ctr" latinLnBrk="1"/>
+                      <a:endParaRPr lang="ko-KR" altLang="en-US" sz="1400" dirty="0"/>
+                    </a:p>
+                  </a:txBody>
+                  <a:tcPr anchor="ctr"/>
+                </a:tc>
+                <a:tc>
+                  <a:txBody>
+                    <a:bodyPr/>
+                    <a:lstStyle/>
+                    <a:p>
+                      <a:pPr algn="ctr" latinLnBrk="1"/>
+                      <a:endParaRPr lang="ko-KR" altLang="en-US" sz="1400" dirty="0"/>
+                    </a:p>
+                  </a:txBody>
+                  <a:tcPr anchor="ctr"/>
+                </a:tc>
+                <a:tc>
+                  <a:txBody>
+                    <a:bodyPr/>
+                    <a:lstStyle/>
+                    <a:p>
+                      <a:pPr algn="ctr" latinLnBrk="1"/>
+                      <a:endParaRPr lang="ko-KR" altLang="en-US" sz="1400" dirty="0"/>
+                    </a:p>
+                  </a:txBody>
+                  <a:tcPr anchor="ctr"/>
+                </a:tc>
+                <a:tc>
+                  <a:txBody>
+                    <a:bodyPr/>
+                    <a:lstStyle/>
+                    <a:p>
+                      <a:pPr algn="ctr" latinLnBrk="1"/>
+                      <a:endParaRPr lang="ko-KR" altLang="en-US" sz="1400" dirty="0"/>
+                    </a:p>
+                  </a:txBody>
+                  <a:tcPr anchor="ctr"/>
+                </a:tc>
+                <a:tc>
+                  <a:txBody>
+                    <a:bodyPr/>
+                    <a:lstStyle/>
+                    <a:p>
+                      <a:pPr algn="ctr" latinLnBrk="1"/>
+                      <a:endParaRPr lang="ko-KR" altLang="en-US" sz="1400" dirty="0"/>
+                    </a:p>
+                  </a:txBody>
+                  <a:tcPr anchor="ctr"/>
+                </a:tc>
+                <a:extLst>
+                  <a:ext uri="{0D108BD9-81ED-4DB2-BD59-A6C34878D82A}">
+                    <a16:rowId xmlns:a16="http://schemas.microsoft.com/office/drawing/2014/main" val="3943223363"/>
+                  </a:ext>
+                </a:extLst>
+              </a:tr>
+              <a:tr h="370840">
+                <a:tc>
+                  <a:txBody>
+                    <a:bodyPr/>
+                    <a:lstStyle/>
+                    <a:p>
+                      <a:pPr algn="ctr" latinLnBrk="1"/>
+                      <a:endParaRPr lang="ko-KR" altLang="en-US" sz="1400" dirty="0"/>
+                    </a:p>
+                  </a:txBody>
+                  <a:tcPr anchor="ctr"/>
+                </a:tc>
+                <a:tc>
+                  <a:txBody>
+                    <a:bodyPr/>
+                    <a:lstStyle/>
+                    <a:p>
+                      <a:pPr algn="ctr" latinLnBrk="1"/>
+                      <a:endParaRPr lang="ko-KR" altLang="en-US" sz="1400" dirty="0"/>
+                    </a:p>
+                  </a:txBody>
+                  <a:tcPr anchor="ctr"/>
+                </a:tc>
+                <a:tc>
+                  <a:txBody>
+                    <a:bodyPr/>
+                    <a:lstStyle/>
+                    <a:p>
+                      <a:pPr algn="ctr" latinLnBrk="1"/>
+                      <a:endParaRPr lang="ko-KR" altLang="en-US" sz="1400" dirty="0"/>
+                    </a:p>
+                  </a:txBody>
+                  <a:tcPr anchor="ctr"/>
+                </a:tc>
+                <a:tc>
+                  <a:txBody>
+                    <a:bodyPr/>
+                    <a:lstStyle/>
+                    <a:p>
+                      <a:pPr algn="ctr" latinLnBrk="1"/>
+                      <a:endParaRPr lang="ko-KR" altLang="en-US" sz="1400" dirty="0"/>
+                    </a:p>
+                  </a:txBody>
+                  <a:tcPr anchor="ctr"/>
+                </a:tc>
+                <a:tc>
+                  <a:txBody>
+                    <a:bodyPr/>
+                    <a:lstStyle/>
+                    <a:p>
+                      <a:pPr algn="ctr" latinLnBrk="1"/>
+                      <a:endParaRPr lang="ko-KR" altLang="en-US" sz="1400" dirty="0"/>
+                    </a:p>
+                  </a:txBody>
+                  <a:tcPr anchor="ctr"/>
+                </a:tc>
+                <a:extLst>
+                  <a:ext uri="{0D108BD9-81ED-4DB2-BD59-A6C34878D82A}">
+                    <a16:rowId xmlns:a16="http://schemas.microsoft.com/office/drawing/2014/main" val="4253978522"/>
+                  </a:ext>
+                </a:extLst>
+              </a:tr>
+              <a:tr h="370840">
+                <a:tc>
+                  <a:txBody>
+                    <a:bodyPr/>
+                    <a:lstStyle/>
+                    <a:p>
+                      <a:pPr algn="ctr" latinLnBrk="1"/>
+                      <a:endParaRPr lang="ko-KR" altLang="en-US" sz="1400" dirty="0"/>
+                    </a:p>
+                  </a:txBody>
+                  <a:tcPr anchor="ctr"/>
+                </a:tc>
+                <a:tc>
+                  <a:txBody>
+                    <a:bodyPr/>
+                    <a:lstStyle/>
+                    <a:p>
+                      <a:pPr algn="ctr" latinLnBrk="1"/>
+                      <a:endParaRPr lang="ko-KR" altLang="en-US" sz="1400" dirty="0"/>
+                    </a:p>
+                  </a:txBody>
+                  <a:tcPr anchor="ctr"/>
+                </a:tc>
+                <a:tc>
+                  <a:txBody>
+                    <a:bodyPr/>
+                    <a:lstStyle/>
+                    <a:p>
+                      <a:pPr algn="ctr" latinLnBrk="1"/>
+                      <a:endParaRPr lang="ko-KR" altLang="en-US" sz="1400" dirty="0"/>
+                    </a:p>
+                  </a:txBody>
+                  <a:tcPr anchor="ctr"/>
+                </a:tc>
+                <a:tc>
+                  <a:txBody>
+                    <a:bodyPr/>
+                    <a:lstStyle/>
+                    <a:p>
+                      <a:pPr algn="ctr" latinLnBrk="1"/>
+                      <a:endParaRPr lang="ko-KR" altLang="en-US" sz="1400" dirty="0"/>
+                    </a:p>
+                  </a:txBody>
+                  <a:tcPr anchor="ctr"/>
+                </a:tc>
+                <a:tc>
+                  <a:txBody>
+                    <a:bodyPr/>
+                    <a:lstStyle/>
+                    <a:p>
+                      <a:pPr algn="ctr" latinLnBrk="1"/>
+                      <a:endParaRPr lang="ko-KR" altLang="en-US" sz="1400" dirty="0"/>
+                    </a:p>
+                  </a:txBody>
+                  <a:tcPr anchor="ctr"/>
+                </a:tc>
+                <a:extLst>
+                  <a:ext uri="{0D108BD9-81ED-4DB2-BD59-A6C34878D82A}">
+                    <a16:rowId xmlns:a16="http://schemas.microsoft.com/office/drawing/2014/main" val="1623486459"/>
+                  </a:ext>
+                </a:extLst>
+              </a:tr>
+              <a:tr h="0">
+                <a:tc gridSpan="5">
+                  <a:txBody>
+                    <a:bodyPr/>
+                    <a:lstStyle/>
+                    <a:p>
+                      <a:pPr algn="ctr" latinLnBrk="1"/>
+                      <a:endParaRPr lang="ko-KR" altLang="en-US" sz="300" dirty="0"/>
+                    </a:p>
+                  </a:txBody>
+                  <a:tcPr anchor="ctr"/>
+                </a:tc>
+                <a:tc hMerge="1">
+                  <a:txBody>
+                    <a:bodyPr/>
+                    <a:lstStyle/>
+                    <a:p>
+                      <a:pPr algn="ctr" latinLnBrk="1"/>
+                      <a:endParaRPr lang="ko-KR" altLang="en-US" sz="800" dirty="0"/>
+                    </a:p>
+                  </a:txBody>
+                  <a:tcPr anchor="ctr"/>
+                </a:tc>
+                <a:tc hMerge="1">
+                  <a:txBody>
+                    <a:bodyPr/>
+                    <a:lstStyle/>
+                    <a:p>
+                      <a:pPr algn="ctr" latinLnBrk="1"/>
+                      <a:endParaRPr lang="ko-KR" altLang="en-US" sz="800" dirty="0"/>
+                    </a:p>
+                  </a:txBody>
+                  <a:tcPr anchor="ctr"/>
+                </a:tc>
+                <a:tc hMerge="1">
+                  <a:txBody>
+                    <a:bodyPr/>
+                    <a:lstStyle/>
+                    <a:p>
+                      <a:pPr algn="ctr" latinLnBrk="1"/>
+                      <a:endParaRPr lang="ko-KR" altLang="en-US" sz="800" dirty="0"/>
+                    </a:p>
+                  </a:txBody>
+                  <a:tcPr anchor="ctr"/>
+                </a:tc>
+                <a:tc hMerge="1">
+                  <a:txBody>
+                    <a:bodyPr/>
+                    <a:lstStyle/>
+                    <a:p>
+                      <a:pPr algn="ctr" latinLnBrk="1"/>
+                      <a:endParaRPr lang="ko-KR" altLang="en-US" sz="800" dirty="0"/>
+                    </a:p>
+                  </a:txBody>
+                  <a:tcPr anchor="ctr"/>
+                </a:tc>
+                <a:extLst>
+                  <a:ext uri="{0D108BD9-81ED-4DB2-BD59-A6C34878D82A}">
+                    <a16:rowId xmlns:a16="http://schemas.microsoft.com/office/drawing/2014/main" val="1612497092"/>
+                  </a:ext>
+                </a:extLst>
+              </a:tr>
+              <a:tr h="370840">
+                <a:tc>
+                  <a:txBody>
+                    <a:bodyPr/>
+                    <a:lstStyle/>
+                    <a:p>
+                      <a:pPr algn="ctr" latinLnBrk="1"/>
+                      <a:r>
+                        <a:rPr lang="en-US" altLang="ko-KR" sz="1400" b="1" dirty="0">
+                          <a:solidFill>
+                            <a:srgbClr val="0070C0"/>
+                          </a:solidFill>
+                        </a:rPr>
+                        <a:t>Bottle</a:t>
+                      </a:r>
+                      <a:endParaRPr lang="ko-KR" altLang="en-US" sz="1400" dirty="0">
+                        <a:solidFill>
+                          <a:srgbClr val="0070C0"/>
+                        </a:solidFill>
+                      </a:endParaRPr>
+                    </a:p>
+                  </a:txBody>
+                  <a:tcPr anchor="ctr"/>
+                </a:tc>
+                <a:tc>
+                  <a:txBody>
+                    <a:bodyPr/>
+                    <a:lstStyle/>
+                    <a:p>
+                      <a:pPr algn="ctr" latinLnBrk="1"/>
+                      <a:endParaRPr lang="ko-KR" altLang="en-US" sz="1400" dirty="0"/>
+                    </a:p>
+                  </a:txBody>
+                  <a:tcPr anchor="ctr"/>
+                </a:tc>
+                <a:tc>
+                  <a:txBody>
+                    <a:bodyPr/>
+                    <a:lstStyle/>
+                    <a:p>
+                      <a:pPr algn="ctr" latinLnBrk="1"/>
+                      <a:endParaRPr lang="ko-KR" altLang="en-US" sz="1400" dirty="0"/>
+                    </a:p>
+                  </a:txBody>
+                  <a:tcPr anchor="ctr"/>
+                </a:tc>
+                <a:tc>
+                  <a:txBody>
+                    <a:bodyPr/>
+                    <a:lstStyle/>
+                    <a:p>
+                      <a:pPr algn="ctr" latinLnBrk="1"/>
+                      <a:endParaRPr lang="ko-KR" altLang="en-US" sz="1400" dirty="0"/>
+                    </a:p>
+                  </a:txBody>
+                  <a:tcPr anchor="ctr"/>
+                </a:tc>
+                <a:tc>
+                  <a:txBody>
+                    <a:bodyPr/>
+                    <a:lstStyle/>
+                    <a:p>
+                      <a:pPr algn="ctr" latinLnBrk="1"/>
+                      <a:endParaRPr lang="ko-KR" altLang="en-US" sz="1400" dirty="0"/>
+                    </a:p>
+                  </a:txBody>
+                  <a:tcPr anchor="ctr"/>
+                </a:tc>
+                <a:extLst>
+                  <a:ext uri="{0D108BD9-81ED-4DB2-BD59-A6C34878D82A}">
+                    <a16:rowId xmlns:a16="http://schemas.microsoft.com/office/drawing/2014/main" val="1371131627"/>
+                  </a:ext>
+                </a:extLst>
+              </a:tr>
+              <a:tr h="370840">
+                <a:tc>
+                  <a:txBody>
+                    <a:bodyPr/>
+                    <a:lstStyle/>
+                    <a:p>
+                      <a:pPr algn="ctr" latinLnBrk="1"/>
+                      <a:endParaRPr lang="ko-KR" altLang="en-US" sz="1400" dirty="0"/>
+                    </a:p>
+                  </a:txBody>
+                  <a:tcPr anchor="ctr"/>
+                </a:tc>
+                <a:tc>
+                  <a:txBody>
+                    <a:bodyPr/>
+                    <a:lstStyle/>
+                    <a:p>
+                      <a:pPr algn="ctr" latinLnBrk="1"/>
+                      <a:endParaRPr lang="ko-KR" altLang="en-US" sz="1400" dirty="0"/>
+                    </a:p>
+                  </a:txBody>
+                  <a:tcPr anchor="ctr"/>
+                </a:tc>
+                <a:tc>
+                  <a:txBody>
+                    <a:bodyPr/>
+                    <a:lstStyle/>
+                    <a:p>
+                      <a:pPr algn="ctr" latinLnBrk="1"/>
+                      <a:endParaRPr lang="ko-KR" altLang="en-US" sz="1400" dirty="0"/>
+                    </a:p>
+                  </a:txBody>
+                  <a:tcPr anchor="ctr"/>
+                </a:tc>
+                <a:tc>
+                  <a:txBody>
+                    <a:bodyPr/>
+                    <a:lstStyle/>
+                    <a:p>
+                      <a:pPr algn="ctr" latinLnBrk="1"/>
+                      <a:endParaRPr lang="ko-KR" altLang="en-US" sz="1400" dirty="0"/>
+                    </a:p>
+                  </a:txBody>
+                  <a:tcPr anchor="ctr"/>
+                </a:tc>
+                <a:tc>
+                  <a:txBody>
+                    <a:bodyPr/>
+                    <a:lstStyle/>
+                    <a:p>
+                      <a:pPr algn="ctr" latinLnBrk="1"/>
+                      <a:endParaRPr lang="ko-KR" altLang="en-US" sz="1400" dirty="0"/>
+                    </a:p>
+                  </a:txBody>
+                  <a:tcPr anchor="ctr"/>
+                </a:tc>
+                <a:extLst>
+                  <a:ext uri="{0D108BD9-81ED-4DB2-BD59-A6C34878D82A}">
+                    <a16:rowId xmlns:a16="http://schemas.microsoft.com/office/drawing/2014/main" val="2117911092"/>
+                  </a:ext>
+                </a:extLst>
+              </a:tr>
+              <a:tr h="370840">
+                <a:tc>
+                  <a:txBody>
+                    <a:bodyPr/>
+                    <a:lstStyle/>
+                    <a:p>
+                      <a:pPr algn="ctr" latinLnBrk="1"/>
+                      <a:endParaRPr lang="ko-KR" altLang="en-US" sz="1400" dirty="0"/>
+                    </a:p>
+                  </a:txBody>
+                  <a:tcPr anchor="ctr"/>
+                </a:tc>
+                <a:tc>
+                  <a:txBody>
+                    <a:bodyPr/>
+                    <a:lstStyle/>
+                    <a:p>
+                      <a:pPr algn="ctr" latinLnBrk="1"/>
+                      <a:endParaRPr lang="ko-KR" altLang="en-US" sz="1400" dirty="0"/>
+                    </a:p>
+                  </a:txBody>
+                  <a:tcPr anchor="ctr"/>
+                </a:tc>
+                <a:tc>
+                  <a:txBody>
+                    <a:bodyPr/>
+                    <a:lstStyle/>
+                    <a:p>
+                      <a:pPr algn="ctr" latinLnBrk="1"/>
+                      <a:endParaRPr lang="ko-KR" altLang="en-US" sz="1400" dirty="0"/>
+                    </a:p>
+                  </a:txBody>
+                  <a:tcPr anchor="ctr"/>
+                </a:tc>
+                <a:tc>
+                  <a:txBody>
+                    <a:bodyPr/>
+                    <a:lstStyle/>
+                    <a:p>
+                      <a:pPr algn="ctr" latinLnBrk="1"/>
+                      <a:endParaRPr lang="ko-KR" altLang="en-US" sz="1400" dirty="0"/>
+                    </a:p>
+                  </a:txBody>
+                  <a:tcPr anchor="ctr"/>
+                </a:tc>
+                <a:tc>
+                  <a:txBody>
+                    <a:bodyPr/>
+                    <a:lstStyle/>
+                    <a:p>
+                      <a:pPr algn="ctr" latinLnBrk="1"/>
+                      <a:endParaRPr lang="ko-KR" altLang="en-US" sz="1400" dirty="0"/>
+                    </a:p>
+                  </a:txBody>
+                  <a:tcPr anchor="ctr"/>
+                </a:tc>
+                <a:extLst>
+                  <a:ext uri="{0D108BD9-81ED-4DB2-BD59-A6C34878D82A}">
+                    <a16:rowId xmlns:a16="http://schemas.microsoft.com/office/drawing/2014/main" val="717605488"/>
+                  </a:ext>
+                </a:extLst>
+              </a:tr>
+              <a:tr h="370840">
+                <a:tc>
+                  <a:txBody>
+                    <a:bodyPr/>
+                    <a:lstStyle/>
+                    <a:p>
+                      <a:pPr algn="ctr" latinLnBrk="1"/>
+                      <a:endParaRPr lang="ko-KR" altLang="en-US" sz="1400" dirty="0"/>
+                    </a:p>
+                  </a:txBody>
+                  <a:tcPr anchor="ctr"/>
+                </a:tc>
+                <a:tc>
+                  <a:txBody>
+                    <a:bodyPr/>
+                    <a:lstStyle/>
+                    <a:p>
+                      <a:pPr algn="ctr" latinLnBrk="1"/>
+                      <a:endParaRPr lang="ko-KR" altLang="en-US" sz="1400" dirty="0"/>
+                    </a:p>
+                  </a:txBody>
+                  <a:tcPr anchor="ctr"/>
+                </a:tc>
+                <a:tc>
+                  <a:txBody>
+                    <a:bodyPr/>
+                    <a:lstStyle/>
+                    <a:p>
+                      <a:pPr algn="ctr" latinLnBrk="1"/>
+                      <a:endParaRPr lang="ko-KR" altLang="en-US" sz="1400" dirty="0"/>
+                    </a:p>
+                  </a:txBody>
+                  <a:tcPr anchor="ctr"/>
+                </a:tc>
+                <a:tc>
+                  <a:txBody>
+                    <a:bodyPr/>
+                    <a:lstStyle/>
+                    <a:p>
+                      <a:pPr algn="ctr" latinLnBrk="1"/>
+                      <a:endParaRPr lang="ko-KR" altLang="en-US" sz="1400" dirty="0"/>
+                    </a:p>
+                  </a:txBody>
+                  <a:tcPr anchor="ctr"/>
+                </a:tc>
+                <a:tc>
+                  <a:txBody>
+                    <a:bodyPr/>
+                    <a:lstStyle/>
+                    <a:p>
+                      <a:pPr algn="ctr" latinLnBrk="1"/>
+                      <a:endParaRPr lang="ko-KR" altLang="en-US" sz="1400" dirty="0"/>
+                    </a:p>
+                  </a:txBody>
+                  <a:tcPr anchor="ctr"/>
+                </a:tc>
+                <a:extLst>
+                  <a:ext uri="{0D108BD9-81ED-4DB2-BD59-A6C34878D82A}">
+                    <a16:rowId xmlns:a16="http://schemas.microsoft.com/office/drawing/2014/main" val="3416809694"/>
+                  </a:ext>
+                </a:extLst>
+              </a:tr>
+              <a:tr h="0">
+                <a:tc gridSpan="5">
+                  <a:txBody>
+                    <a:bodyPr/>
+                    <a:lstStyle/>
+                    <a:p>
+                      <a:pPr algn="ctr" latinLnBrk="1"/>
+                      <a:endParaRPr lang="ko-KR" altLang="en-US" sz="300" dirty="0"/>
+                    </a:p>
+                  </a:txBody>
+                  <a:tcPr anchor="ctr"/>
+                </a:tc>
+                <a:tc hMerge="1">
+                  <a:txBody>
+                    <a:bodyPr/>
+                    <a:lstStyle/>
+                    <a:p>
+                      <a:pPr algn="ctr" latinLnBrk="1"/>
+                      <a:endParaRPr lang="ko-KR" altLang="en-US" sz="1400" dirty="0"/>
+                    </a:p>
+                  </a:txBody>
+                  <a:tcPr anchor="ctr"/>
+                </a:tc>
+                <a:tc hMerge="1">
+                  <a:txBody>
+                    <a:bodyPr/>
+                    <a:lstStyle/>
+                    <a:p>
+                      <a:pPr algn="ctr" latinLnBrk="1"/>
+                      <a:endParaRPr lang="ko-KR" altLang="en-US" sz="1400" dirty="0"/>
+                    </a:p>
+                  </a:txBody>
+                  <a:tcPr anchor="ctr"/>
+                </a:tc>
+                <a:tc hMerge="1">
+                  <a:txBody>
+                    <a:bodyPr/>
+                    <a:lstStyle/>
+                    <a:p>
+                      <a:pPr algn="ctr" latinLnBrk="1"/>
+                      <a:endParaRPr lang="ko-KR" altLang="en-US" sz="1400" dirty="0"/>
+                    </a:p>
+                  </a:txBody>
+                  <a:tcPr anchor="ctr"/>
+                </a:tc>
+                <a:tc hMerge="1">
+                  <a:txBody>
+                    <a:bodyPr/>
+                    <a:lstStyle/>
+                    <a:p>
+                      <a:pPr algn="ctr" latinLnBrk="1"/>
+                      <a:endParaRPr lang="ko-KR" altLang="en-US" sz="1400" dirty="0"/>
+                    </a:p>
+                  </a:txBody>
+                  <a:tcPr anchor="ctr"/>
+                </a:tc>
+                <a:extLst>
+                  <a:ext uri="{0D108BD9-81ED-4DB2-BD59-A6C34878D82A}">
+                    <a16:rowId xmlns:a16="http://schemas.microsoft.com/office/drawing/2014/main" val="384975930"/>
+                  </a:ext>
+                </a:extLst>
+              </a:tr>
+              <a:tr h="370840">
+                <a:tc>
+                  <a:txBody>
+                    <a:bodyPr/>
+                    <a:lstStyle/>
+                    <a:p>
+                      <a:pPr algn="ctr" latinLnBrk="1"/>
+                      <a:r>
+                        <a:rPr lang="en-US" altLang="ko-KR" sz="1400" b="1" dirty="0">
+                          <a:solidFill>
+                            <a:schemeClr val="accent5"/>
+                          </a:solidFill>
+                        </a:rPr>
+                        <a:t>Bottle</a:t>
+                      </a:r>
+                      <a:endParaRPr lang="ko-KR" altLang="en-US" sz="1400" b="1" dirty="0">
+                        <a:solidFill>
+                          <a:schemeClr val="accent5"/>
+                        </a:solidFill>
+                      </a:endParaRPr>
+                    </a:p>
+                  </a:txBody>
+                  <a:tcPr anchor="ctr"/>
+                </a:tc>
+                <a:tc>
+                  <a:txBody>
+                    <a:bodyPr/>
+                    <a:lstStyle/>
+                    <a:p>
+                      <a:pPr algn="ctr" latinLnBrk="1"/>
+                      <a:endParaRPr lang="ko-KR" altLang="en-US" sz="1400" dirty="0"/>
+                    </a:p>
+                  </a:txBody>
+                  <a:tcPr anchor="ctr"/>
+                </a:tc>
+                <a:tc>
+                  <a:txBody>
+                    <a:bodyPr/>
+                    <a:lstStyle/>
+                    <a:p>
+                      <a:pPr algn="ctr" latinLnBrk="1"/>
+                      <a:endParaRPr lang="ko-KR" altLang="en-US" sz="1400" dirty="0"/>
+                    </a:p>
+                  </a:txBody>
+                  <a:tcPr anchor="ctr"/>
+                </a:tc>
+                <a:tc>
+                  <a:txBody>
+                    <a:bodyPr/>
+                    <a:lstStyle/>
+                    <a:p>
+                      <a:pPr algn="ctr" latinLnBrk="1"/>
+                      <a:endParaRPr lang="ko-KR" altLang="en-US" sz="1400" dirty="0"/>
+                    </a:p>
+                  </a:txBody>
+                  <a:tcPr anchor="ctr"/>
+                </a:tc>
+                <a:tc>
+                  <a:txBody>
+                    <a:bodyPr/>
+                    <a:lstStyle/>
+                    <a:p>
+                      <a:pPr algn="ctr" latinLnBrk="1"/>
+                      <a:endParaRPr lang="ko-KR" altLang="en-US" sz="1400" dirty="0"/>
+                    </a:p>
+                  </a:txBody>
+                  <a:tcPr anchor="ctr"/>
+                </a:tc>
+                <a:extLst>
+                  <a:ext uri="{0D108BD9-81ED-4DB2-BD59-A6C34878D82A}">
+                    <a16:rowId xmlns:a16="http://schemas.microsoft.com/office/drawing/2014/main" val="1851093781"/>
+                  </a:ext>
+                </a:extLst>
+              </a:tr>
+              <a:tr h="370840">
+                <a:tc>
+                  <a:txBody>
+                    <a:bodyPr/>
+                    <a:lstStyle/>
+                    <a:p>
+                      <a:pPr algn="ctr" latinLnBrk="1"/>
+                      <a:endParaRPr lang="ko-KR" altLang="en-US" sz="1400" dirty="0"/>
+                    </a:p>
+                  </a:txBody>
+                  <a:tcPr anchor="ctr"/>
+                </a:tc>
+                <a:tc>
+                  <a:txBody>
+                    <a:bodyPr/>
+                    <a:lstStyle/>
+                    <a:p>
+                      <a:pPr algn="ctr" latinLnBrk="1"/>
+                      <a:endParaRPr lang="ko-KR" altLang="en-US" sz="1400" dirty="0"/>
+                    </a:p>
+                  </a:txBody>
+                  <a:tcPr anchor="ctr"/>
+                </a:tc>
+                <a:tc>
+                  <a:txBody>
+                    <a:bodyPr/>
+                    <a:lstStyle/>
+                    <a:p>
+                      <a:pPr algn="ctr" latinLnBrk="1"/>
+                      <a:endParaRPr lang="ko-KR" altLang="en-US" sz="1400" dirty="0"/>
+                    </a:p>
+                  </a:txBody>
+                  <a:tcPr anchor="ctr"/>
+                </a:tc>
+                <a:tc>
+                  <a:txBody>
+                    <a:bodyPr/>
+                    <a:lstStyle/>
+                    <a:p>
+                      <a:pPr algn="ctr" latinLnBrk="1"/>
+                      <a:endParaRPr lang="ko-KR" altLang="en-US" sz="1400" dirty="0"/>
+                    </a:p>
+                  </a:txBody>
+                  <a:tcPr anchor="ctr"/>
+                </a:tc>
+                <a:tc>
+                  <a:txBody>
+                    <a:bodyPr/>
+                    <a:lstStyle/>
+                    <a:p>
+                      <a:pPr algn="ctr" latinLnBrk="1"/>
+                      <a:endParaRPr lang="ko-KR" altLang="en-US" sz="1400" dirty="0"/>
+                    </a:p>
+                  </a:txBody>
+                  <a:tcPr anchor="ctr"/>
+                </a:tc>
+                <a:extLst>
+                  <a:ext uri="{0D108BD9-81ED-4DB2-BD59-A6C34878D82A}">
+                    <a16:rowId xmlns:a16="http://schemas.microsoft.com/office/drawing/2014/main" val="1637186499"/>
+                  </a:ext>
+                </a:extLst>
+              </a:tr>
+            </a:tbl>
+          </a:graphicData>
+        </a:graphic>
+      </p:graphicFrame>
+      <p:pic>
+        <p:nvPicPr>
+          <p:cNvPr id="4" name="그림 3">
+            <a:extLst>
+              <a:ext uri="{FF2B5EF4-FFF2-40B4-BE49-F238E27FC236}">
+                <a16:creationId xmlns:a16="http://schemas.microsoft.com/office/drawing/2014/main" id="{99EB3ABD-3A80-F5F7-1D7C-844D387CA210}"/>
+              </a:ext>
+            </a:extLst>
+          </p:cNvPr>
+          <p:cNvPicPr>
+            <a:picLocks noChangeAspect="1"/>
+          </p:cNvPicPr>
+          <p:nvPr/>
+        </p:nvPicPr>
+        <p:blipFill>
+          <a:blip r:embed="rId2" cstate="print">
+            <a:clrChange>
+              <a:clrFrom>
+                <a:srgbClr val="CACAC9"/>
+              </a:clrFrom>
+              <a:clrTo>
+                <a:srgbClr val="CACAC9">
+                  <a:alpha val="0"/>
+                </a:srgbClr>
+              </a:clrTo>
+            </a:clrChange>
+            <a:alphaModFix/>
+            <a:extLst>
+              <a:ext uri="{BEBA8EAE-BF5A-486C-A8C5-ECC9F3942E4B}">
+                <a14:imgProps xmlns:a14="http://schemas.microsoft.com/office/drawing/2010/main">
+                  <a14:imgLayer r:embed="rId3">
+                    <a14:imgEffect>
+                      <a14:sharpenSoften amount="-50000"/>
+                    </a14:imgEffect>
+                    <a14:imgEffect>
+                      <a14:brightnessContrast bright="-20000"/>
+                    </a14:imgEffect>
+                  </a14:imgLayer>
+                </a14:imgProps>
+              </a:ext>
+            </a:extLst>
+          </a:blip>
+          <a:stretch>
+            <a:fillRect/>
+          </a:stretch>
+        </p:blipFill>
+        <p:spPr>
+          <a:xfrm flipH="1">
+            <a:off x="4454693" y="1521683"/>
+            <a:ext cx="522732" cy="705787"/>
+          </a:xfrm>
+          <a:prstGeom prst="rect">
+            <a:avLst/>
+          </a:prstGeom>
+        </p:spPr>
+      </p:pic>
+      <p:pic>
+        <p:nvPicPr>
+          <p:cNvPr id="5" name="그림 4">
+            <a:extLst>
+              <a:ext uri="{FF2B5EF4-FFF2-40B4-BE49-F238E27FC236}">
+                <a16:creationId xmlns:a16="http://schemas.microsoft.com/office/drawing/2014/main" id="{DDDC0CDA-9759-762F-9F03-4BE2658605E7}"/>
+              </a:ext>
+            </a:extLst>
+          </p:cNvPr>
+          <p:cNvPicPr>
+            <a:picLocks noChangeAspect="1"/>
+          </p:cNvPicPr>
+          <p:nvPr/>
+        </p:nvPicPr>
+        <p:blipFill>
+          <a:blip r:embed="rId4" cstate="print">
+            <a:clrChange>
+              <a:clrFrom>
+                <a:srgbClr val="CACAC9"/>
+              </a:clrFrom>
+              <a:clrTo>
+                <a:srgbClr val="CACAC9">
+                  <a:alpha val="0"/>
+                </a:srgbClr>
+              </a:clrTo>
+            </a:clrChange>
+            <a:alphaModFix/>
+            <a:extLst>
+              <a:ext uri="{BEBA8EAE-BF5A-486C-A8C5-ECC9F3942E4B}">
+                <a14:imgProps xmlns:a14="http://schemas.microsoft.com/office/drawing/2010/main">
+                  <a14:imgLayer r:embed="rId5">
+                    <a14:imgEffect>
+                      <a14:sharpenSoften amount="-50000"/>
+                    </a14:imgEffect>
+                    <a14:imgEffect>
+                      <a14:brightnessContrast bright="-20000"/>
+                    </a14:imgEffect>
+                  </a14:imgLayer>
+                </a14:imgProps>
+              </a:ext>
+            </a:extLst>
+          </a:blip>
+          <a:stretch>
+            <a:fillRect/>
+          </a:stretch>
+        </p:blipFill>
+        <p:spPr>
+          <a:xfrm flipH="1">
+            <a:off x="6245642" y="1486924"/>
+            <a:ext cx="750785" cy="775305"/>
+          </a:xfrm>
+          <a:prstGeom prst="rect">
+            <a:avLst/>
+          </a:prstGeom>
+        </p:spPr>
+      </p:pic>
+      <p:pic>
+        <p:nvPicPr>
+          <p:cNvPr id="6" name="그림 5">
+            <a:extLst>
+              <a:ext uri="{FF2B5EF4-FFF2-40B4-BE49-F238E27FC236}">
+                <a16:creationId xmlns:a16="http://schemas.microsoft.com/office/drawing/2014/main" id="{A5D04A9D-47E9-5DED-7823-92DD962B8AD2}"/>
+              </a:ext>
+            </a:extLst>
+          </p:cNvPr>
+          <p:cNvPicPr>
+            <a:picLocks noChangeAspect="1"/>
+          </p:cNvPicPr>
+          <p:nvPr/>
+        </p:nvPicPr>
+        <p:blipFill>
+          <a:blip r:embed="rId6" cstate="print">
+            <a:clrChange>
+              <a:clrFrom>
+                <a:srgbClr val="CACAC9"/>
+              </a:clrFrom>
+              <a:clrTo>
+                <a:srgbClr val="CACAC9">
+                  <a:alpha val="0"/>
+                </a:srgbClr>
+              </a:clrTo>
+            </a:clrChange>
+            <a:alphaModFix/>
+            <a:extLst>
+              <a:ext uri="{BEBA8EAE-BF5A-486C-A8C5-ECC9F3942E4B}">
+                <a14:imgProps xmlns:a14="http://schemas.microsoft.com/office/drawing/2010/main">
+                  <a14:imgLayer r:embed="rId7">
+                    <a14:imgEffect>
+                      <a14:brightnessContrast bright="-20000"/>
+                    </a14:imgEffect>
+                  </a14:imgLayer>
+                </a14:imgProps>
+              </a:ext>
+            </a:extLst>
+          </a:blip>
+          <a:stretch>
+            <a:fillRect/>
+          </a:stretch>
+        </p:blipFill>
+        <p:spPr>
+          <a:xfrm>
+            <a:off x="8327567" y="1442751"/>
+            <a:ext cx="475775" cy="863650"/>
+          </a:xfrm>
+          <a:prstGeom prst="rect">
+            <a:avLst/>
+          </a:prstGeom>
+        </p:spPr>
+      </p:pic>
+      <p:pic>
+        <p:nvPicPr>
+          <p:cNvPr id="7" name="그림 6">
+            <a:extLst>
+              <a:ext uri="{FF2B5EF4-FFF2-40B4-BE49-F238E27FC236}">
+                <a16:creationId xmlns:a16="http://schemas.microsoft.com/office/drawing/2014/main" id="{8C78DA93-5293-21A3-2B60-22D0C8016662}"/>
+              </a:ext>
+            </a:extLst>
+          </p:cNvPr>
+          <p:cNvPicPr>
+            <a:picLocks noChangeAspect="1"/>
+          </p:cNvPicPr>
+          <p:nvPr/>
+        </p:nvPicPr>
+        <p:blipFill>
+          <a:blip r:embed="rId8" cstate="print">
+            <a:clrChange>
+              <a:clrFrom>
+                <a:srgbClr val="CACAC9"/>
+              </a:clrFrom>
+              <a:clrTo>
+                <a:srgbClr val="CACAC9">
+                  <a:alpha val="0"/>
+                </a:srgbClr>
+              </a:clrTo>
+            </a:clrChange>
+            <a:alphaModFix/>
+            <a:extLst>
+              <a:ext uri="{BEBA8EAE-BF5A-486C-A8C5-ECC9F3942E4B}">
+                <a14:imgProps xmlns:a14="http://schemas.microsoft.com/office/drawing/2010/main">
+                  <a14:imgLayer r:embed="rId9">
+                    <a14:imgEffect>
+                      <a14:brightnessContrast bright="-20000"/>
+                    </a14:imgEffect>
+                  </a14:imgLayer>
+                </a14:imgProps>
+              </a:ext>
+            </a:extLst>
+          </a:blip>
+          <a:stretch>
+            <a:fillRect/>
+          </a:stretch>
+        </p:blipFill>
+        <p:spPr>
+          <a:xfrm>
+            <a:off x="2148634" y="2614898"/>
+            <a:ext cx="576064" cy="986789"/>
+          </a:xfrm>
+          <a:prstGeom prst="rect">
+            <a:avLst/>
+          </a:prstGeom>
+        </p:spPr>
+      </p:pic>
+      <p:pic>
+        <p:nvPicPr>
+          <p:cNvPr id="8" name="그림 7">
+            <a:extLst>
+              <a:ext uri="{FF2B5EF4-FFF2-40B4-BE49-F238E27FC236}">
+                <a16:creationId xmlns:a16="http://schemas.microsoft.com/office/drawing/2014/main" id="{5E942DA1-E5F9-A206-8F79-A03D47033B8A}"/>
+              </a:ext>
+            </a:extLst>
+          </p:cNvPr>
+          <p:cNvPicPr>
+            <a:picLocks noChangeAspect="1"/>
+          </p:cNvPicPr>
+          <p:nvPr/>
+        </p:nvPicPr>
+        <p:blipFill rotWithShape="1">
+          <a:blip r:embed="rId10" cstate="print">
+            <a:clrChange>
+              <a:clrFrom>
+                <a:srgbClr val="C9CACA"/>
+              </a:clrFrom>
+              <a:clrTo>
+                <a:srgbClr val="C9CACA">
+                  <a:alpha val="0"/>
+                </a:srgbClr>
+              </a:clrTo>
+            </a:clrChange>
+            <a:alphaModFix/>
+            <a:extLst>
+              <a:ext uri="{BEBA8EAE-BF5A-486C-A8C5-ECC9F3942E4B}">
+                <a14:imgProps xmlns:a14="http://schemas.microsoft.com/office/drawing/2010/main">
+                  <a14:imgLayer r:embed="rId11">
+                    <a14:imgEffect>
+                      <a14:sharpenSoften amount="-50000"/>
+                    </a14:imgEffect>
+                    <a14:imgEffect>
+                      <a14:brightnessContrast bright="-20000"/>
+                    </a14:imgEffect>
+                  </a14:imgLayer>
+                </a14:imgProps>
+              </a:ext>
+            </a:extLst>
+          </a:blip>
+          <a:srcRect l="4858" t="1314"/>
+          <a:stretch/>
+        </p:blipFill>
+        <p:spPr>
+          <a:xfrm>
+            <a:off x="2538135" y="1500969"/>
+            <a:ext cx="591109" cy="747215"/>
+          </a:xfrm>
+          <a:prstGeom prst="rect">
+            <a:avLst/>
+          </a:prstGeom>
+        </p:spPr>
+      </p:pic>
+      <p:cxnSp>
+        <p:nvCxnSpPr>
+          <p:cNvPr id="10" name="직선 화살표 연결선 9">
+            <a:extLst>
+              <a:ext uri="{FF2B5EF4-FFF2-40B4-BE49-F238E27FC236}">
+                <a16:creationId xmlns:a16="http://schemas.microsoft.com/office/drawing/2014/main" id="{03F1B90B-F86D-068D-6EA5-546A3EAC5F3A}"/>
+              </a:ext>
+            </a:extLst>
+          </p:cNvPr>
+          <p:cNvCxnSpPr>
+            <a:cxnSpLocks/>
+          </p:cNvCxnSpPr>
+          <p:nvPr/>
+        </p:nvCxnSpPr>
+        <p:spPr>
+          <a:xfrm>
+            <a:off x="2833689" y="2601686"/>
+            <a:ext cx="3787345" cy="0"/>
+          </a:xfrm>
+          <a:prstGeom prst="straightConnector1">
+            <a:avLst/>
+          </a:prstGeom>
+          <a:ln w="38100">
+            <a:solidFill>
+              <a:srgbClr val="FF0000"/>
+            </a:solidFill>
+            <a:tailEnd type="triangle"/>
+          </a:ln>
+        </p:spPr>
+        <p:style>
+          <a:lnRef idx="2">
+            <a:schemeClr val="accent1"/>
+          </a:lnRef>
+          <a:fillRef idx="0">
+            <a:schemeClr val="accent1"/>
+          </a:fillRef>
+          <a:effectRef idx="1">
+            <a:schemeClr val="accent1"/>
+          </a:effectRef>
+          <a:fontRef idx="minor">
+            <a:schemeClr val="tx1"/>
+          </a:fontRef>
+        </p:style>
+      </p:cxnSp>
+      <p:cxnSp>
+        <p:nvCxnSpPr>
+          <p:cNvPr id="12" name="직선 화살표 연결선 11">
+            <a:extLst>
+              <a:ext uri="{FF2B5EF4-FFF2-40B4-BE49-F238E27FC236}">
+                <a16:creationId xmlns:a16="http://schemas.microsoft.com/office/drawing/2014/main" id="{BC5DF66A-B133-D492-F088-1F6494771EBA}"/>
+              </a:ext>
+            </a:extLst>
+          </p:cNvPr>
+          <p:cNvCxnSpPr>
+            <a:cxnSpLocks/>
+          </p:cNvCxnSpPr>
+          <p:nvPr/>
+        </p:nvCxnSpPr>
+        <p:spPr>
+          <a:xfrm flipH="1">
+            <a:off x="4593771" y="3026229"/>
+            <a:ext cx="2027263" cy="0"/>
+          </a:xfrm>
+          <a:prstGeom prst="straightConnector1">
+            <a:avLst/>
+          </a:prstGeom>
+          <a:ln w="38100">
+            <a:solidFill>
+              <a:srgbClr val="FF0000"/>
+            </a:solidFill>
+            <a:tailEnd type="triangle"/>
+          </a:ln>
+        </p:spPr>
+        <p:style>
+          <a:lnRef idx="2">
+            <a:schemeClr val="accent1"/>
+          </a:lnRef>
+          <a:fillRef idx="0">
+            <a:schemeClr val="accent1"/>
+          </a:fillRef>
+          <a:effectRef idx="1">
+            <a:schemeClr val="accent1"/>
+          </a:effectRef>
+          <a:fontRef idx="minor">
+            <a:schemeClr val="tx1"/>
+          </a:fontRef>
+        </p:style>
+      </p:cxnSp>
+      <p:cxnSp>
+        <p:nvCxnSpPr>
+          <p:cNvPr id="16" name="직선 화살표 연결선 15">
+            <a:extLst>
+              <a:ext uri="{FF2B5EF4-FFF2-40B4-BE49-F238E27FC236}">
+                <a16:creationId xmlns:a16="http://schemas.microsoft.com/office/drawing/2014/main" id="{60F6284A-B972-9E2B-3A55-C6BBE910706A}"/>
+              </a:ext>
+            </a:extLst>
+          </p:cNvPr>
+          <p:cNvCxnSpPr>
+            <a:cxnSpLocks/>
+          </p:cNvCxnSpPr>
+          <p:nvPr/>
+        </p:nvCxnSpPr>
+        <p:spPr>
+          <a:xfrm>
+            <a:off x="4627413" y="3418115"/>
+            <a:ext cx="2027263" cy="0"/>
+          </a:xfrm>
+          <a:prstGeom prst="straightConnector1">
+            <a:avLst/>
+          </a:prstGeom>
+          <a:ln w="38100">
+            <a:solidFill>
+              <a:srgbClr val="FF0000"/>
+            </a:solidFill>
+            <a:tailEnd type="triangle"/>
+          </a:ln>
+        </p:spPr>
+        <p:style>
+          <a:lnRef idx="2">
+            <a:schemeClr val="accent1"/>
+          </a:lnRef>
+          <a:fillRef idx="0">
+            <a:schemeClr val="accent1"/>
+          </a:fillRef>
+          <a:effectRef idx="1">
+            <a:schemeClr val="accent1"/>
+          </a:effectRef>
+          <a:fontRef idx="minor">
+            <a:schemeClr val="tx1"/>
+          </a:fontRef>
+        </p:style>
+      </p:cxnSp>
+      <p:cxnSp>
+        <p:nvCxnSpPr>
+          <p:cNvPr id="17" name="직선 화살표 연결선 16">
+            <a:extLst>
+              <a:ext uri="{FF2B5EF4-FFF2-40B4-BE49-F238E27FC236}">
+                <a16:creationId xmlns:a16="http://schemas.microsoft.com/office/drawing/2014/main" id="{7E82BA69-E322-2118-020F-7D3822810BEF}"/>
+              </a:ext>
+            </a:extLst>
+          </p:cNvPr>
+          <p:cNvCxnSpPr>
+            <a:cxnSpLocks/>
+          </p:cNvCxnSpPr>
+          <p:nvPr/>
+        </p:nvCxnSpPr>
+        <p:spPr>
+          <a:xfrm>
+            <a:off x="6903508" y="3418115"/>
+            <a:ext cx="1739749" cy="0"/>
+          </a:xfrm>
+          <a:prstGeom prst="straightConnector1">
+            <a:avLst/>
+          </a:prstGeom>
+          <a:ln w="38100">
+            <a:solidFill>
+              <a:srgbClr val="FF0000"/>
+            </a:solidFill>
+            <a:tailEnd type="triangle"/>
+          </a:ln>
+        </p:spPr>
+        <p:style>
+          <a:lnRef idx="2">
+            <a:schemeClr val="accent1"/>
+          </a:lnRef>
+          <a:fillRef idx="0">
+            <a:schemeClr val="accent1"/>
+          </a:fillRef>
+          <a:effectRef idx="1">
+            <a:schemeClr val="accent1"/>
+          </a:effectRef>
+          <a:fontRef idx="minor">
+            <a:schemeClr val="tx1"/>
+          </a:fontRef>
+        </p:style>
+      </p:cxnSp>
+      <p:cxnSp>
+        <p:nvCxnSpPr>
+          <p:cNvPr id="19" name="직선 화살표 연결선 18">
+            <a:extLst>
+              <a:ext uri="{FF2B5EF4-FFF2-40B4-BE49-F238E27FC236}">
+                <a16:creationId xmlns:a16="http://schemas.microsoft.com/office/drawing/2014/main" id="{B4DB9AED-0AA0-30A8-EB41-4BAD4B78ACEF}"/>
+              </a:ext>
+            </a:extLst>
+          </p:cNvPr>
+          <p:cNvCxnSpPr>
+            <a:cxnSpLocks/>
+          </p:cNvCxnSpPr>
+          <p:nvPr/>
+        </p:nvCxnSpPr>
+        <p:spPr>
+          <a:xfrm flipH="1">
+            <a:off x="6903507" y="3777344"/>
+            <a:ext cx="1739749" cy="0"/>
+          </a:xfrm>
+          <a:prstGeom prst="straightConnector1">
+            <a:avLst/>
+          </a:prstGeom>
+          <a:ln w="38100">
+            <a:solidFill>
+              <a:srgbClr val="FF0000"/>
+            </a:solidFill>
+            <a:tailEnd type="triangle"/>
+          </a:ln>
+        </p:spPr>
+        <p:style>
+          <a:lnRef idx="2">
+            <a:schemeClr val="accent1"/>
+          </a:lnRef>
+          <a:fillRef idx="0">
+            <a:schemeClr val="accent1"/>
+          </a:fillRef>
+          <a:effectRef idx="1">
+            <a:schemeClr val="accent1"/>
+          </a:effectRef>
+          <a:fontRef idx="minor">
+            <a:schemeClr val="tx1"/>
+          </a:fontRef>
+        </p:style>
+      </p:cxnSp>
+      <p:cxnSp>
+        <p:nvCxnSpPr>
+          <p:cNvPr id="22" name="직선 화살표 연결선 21">
+            <a:extLst>
+              <a:ext uri="{FF2B5EF4-FFF2-40B4-BE49-F238E27FC236}">
+                <a16:creationId xmlns:a16="http://schemas.microsoft.com/office/drawing/2014/main" id="{47C92A9D-15D4-14CA-C754-418691164F81}"/>
+              </a:ext>
+            </a:extLst>
+          </p:cNvPr>
+          <p:cNvCxnSpPr>
+            <a:cxnSpLocks/>
+          </p:cNvCxnSpPr>
+          <p:nvPr/>
+        </p:nvCxnSpPr>
+        <p:spPr>
+          <a:xfrm flipH="1">
+            <a:off x="2833689" y="3799117"/>
+            <a:ext cx="3787345" cy="0"/>
+          </a:xfrm>
+          <a:prstGeom prst="straightConnector1">
+            <a:avLst/>
+          </a:prstGeom>
+          <a:ln w="38100">
+            <a:solidFill>
+              <a:srgbClr val="FF0000"/>
+            </a:solidFill>
+            <a:tailEnd type="triangle"/>
+          </a:ln>
+        </p:spPr>
+        <p:style>
+          <a:lnRef idx="2">
+            <a:schemeClr val="accent1"/>
+          </a:lnRef>
+          <a:fillRef idx="0">
+            <a:schemeClr val="accent1"/>
+          </a:fillRef>
+          <a:effectRef idx="1">
+            <a:schemeClr val="accent1"/>
+          </a:effectRef>
+          <a:fontRef idx="minor">
+            <a:schemeClr val="tx1"/>
+          </a:fontRef>
+        </p:style>
+      </p:cxnSp>
+      <p:sp>
+        <p:nvSpPr>
+          <p:cNvPr id="23" name="TextBox 22">
+            <a:extLst>
+              <a:ext uri="{FF2B5EF4-FFF2-40B4-BE49-F238E27FC236}">
+                <a16:creationId xmlns:a16="http://schemas.microsoft.com/office/drawing/2014/main" id="{87B0AABC-F7B3-D3A7-4052-AA494B7E8143}"/>
+              </a:ext>
+            </a:extLst>
+          </p:cNvPr>
+          <p:cNvSpPr txBox="1"/>
+          <p:nvPr/>
+        </p:nvSpPr>
+        <p:spPr>
+          <a:xfrm>
+            <a:off x="4068048" y="2357296"/>
+            <a:ext cx="386645" cy="307777"/>
+          </a:xfrm>
+          <a:prstGeom prst="rect">
+            <a:avLst/>
+          </a:prstGeom>
+          <a:noFill/>
+        </p:spPr>
+        <p:txBody>
+          <a:bodyPr wrap="none" rtlCol="0">
+            <a:spAutoFit/>
+          </a:bodyPr>
+          <a:lstStyle/>
+          <a:p>
+            <a:pPr algn="ctr"/>
+            <a:r>
+              <a:rPr kumimoji="1" lang="en-US" altLang="ko-KR" sz="1400" b="1" dirty="0">
+                <a:solidFill>
+                  <a:srgbClr val="FF0000"/>
+                </a:solidFill>
+              </a:rPr>
+              <a:t>(1)</a:t>
+            </a:r>
+            <a:endParaRPr kumimoji="1" lang="ko-KR" altLang="en-US" sz="1400" b="1" dirty="0">
+              <a:solidFill>
+                <a:srgbClr val="FF0000"/>
+              </a:solidFill>
+            </a:endParaRPr>
+          </a:p>
+        </p:txBody>
+      </p:sp>
+      <p:sp>
+        <p:nvSpPr>
+          <p:cNvPr id="24" name="TextBox 23">
+            <a:extLst>
+              <a:ext uri="{FF2B5EF4-FFF2-40B4-BE49-F238E27FC236}">
+                <a16:creationId xmlns:a16="http://schemas.microsoft.com/office/drawing/2014/main" id="{5FAF6260-13E3-7520-7BC5-E91205354B63}"/>
+              </a:ext>
+            </a:extLst>
+          </p:cNvPr>
+          <p:cNvSpPr txBox="1"/>
+          <p:nvPr/>
+        </p:nvSpPr>
+        <p:spPr>
+          <a:xfrm>
+            <a:off x="5290135" y="2743625"/>
+            <a:ext cx="386645" cy="307777"/>
+          </a:xfrm>
+          <a:prstGeom prst="rect">
+            <a:avLst/>
+          </a:prstGeom>
+          <a:noFill/>
+        </p:spPr>
+        <p:txBody>
+          <a:bodyPr wrap="none" rtlCol="0">
+            <a:spAutoFit/>
+          </a:bodyPr>
+          <a:lstStyle/>
+          <a:p>
+            <a:pPr algn="ctr"/>
+            <a:r>
+              <a:rPr kumimoji="1" lang="en-US" altLang="ko-KR" sz="1400" b="1" dirty="0">
+                <a:solidFill>
+                  <a:srgbClr val="FF0000"/>
+                </a:solidFill>
+              </a:rPr>
+              <a:t>(2)</a:t>
+            </a:r>
+            <a:endParaRPr kumimoji="1" lang="ko-KR" altLang="en-US" sz="1400" b="1" dirty="0">
+              <a:solidFill>
+                <a:srgbClr val="FF0000"/>
+              </a:solidFill>
+            </a:endParaRPr>
+          </a:p>
+        </p:txBody>
+      </p:sp>
+      <p:sp>
+        <p:nvSpPr>
+          <p:cNvPr id="25" name="TextBox 24">
+            <a:extLst>
+              <a:ext uri="{FF2B5EF4-FFF2-40B4-BE49-F238E27FC236}">
+                <a16:creationId xmlns:a16="http://schemas.microsoft.com/office/drawing/2014/main" id="{B2846A99-3A1D-07C4-761C-40092B9E8F39}"/>
+              </a:ext>
+            </a:extLst>
+          </p:cNvPr>
+          <p:cNvSpPr txBox="1"/>
+          <p:nvPr/>
+        </p:nvSpPr>
+        <p:spPr>
+          <a:xfrm>
+            <a:off x="5290134" y="3124626"/>
+            <a:ext cx="386645" cy="307777"/>
+          </a:xfrm>
+          <a:prstGeom prst="rect">
+            <a:avLst/>
+          </a:prstGeom>
+          <a:noFill/>
+        </p:spPr>
+        <p:txBody>
+          <a:bodyPr wrap="none" rtlCol="0">
+            <a:spAutoFit/>
+          </a:bodyPr>
+          <a:lstStyle/>
+          <a:p>
+            <a:pPr algn="ctr"/>
+            <a:r>
+              <a:rPr kumimoji="1" lang="en-US" altLang="ko-KR" sz="1400" b="1" dirty="0">
+                <a:solidFill>
+                  <a:srgbClr val="FF0000"/>
+                </a:solidFill>
+              </a:rPr>
+              <a:t>(3)</a:t>
+            </a:r>
+            <a:endParaRPr kumimoji="1" lang="ko-KR" altLang="en-US" sz="1400" b="1" dirty="0">
+              <a:solidFill>
+                <a:srgbClr val="FF0000"/>
+              </a:solidFill>
+            </a:endParaRPr>
+          </a:p>
+        </p:txBody>
+      </p:sp>
+      <p:sp>
+        <p:nvSpPr>
+          <p:cNvPr id="26" name="TextBox 25">
+            <a:extLst>
+              <a:ext uri="{FF2B5EF4-FFF2-40B4-BE49-F238E27FC236}">
+                <a16:creationId xmlns:a16="http://schemas.microsoft.com/office/drawing/2014/main" id="{32DE4D02-01B6-54C4-33A7-793A48DB59D6}"/>
+              </a:ext>
+            </a:extLst>
+          </p:cNvPr>
+          <p:cNvSpPr txBox="1"/>
+          <p:nvPr/>
+        </p:nvSpPr>
+        <p:spPr>
+          <a:xfrm>
+            <a:off x="7580058" y="3136065"/>
+            <a:ext cx="386645" cy="307777"/>
+          </a:xfrm>
+          <a:prstGeom prst="rect">
+            <a:avLst/>
+          </a:prstGeom>
+          <a:noFill/>
+        </p:spPr>
+        <p:txBody>
+          <a:bodyPr wrap="none" rtlCol="0">
+            <a:spAutoFit/>
+          </a:bodyPr>
+          <a:lstStyle/>
+          <a:p>
+            <a:pPr algn="ctr"/>
+            <a:r>
+              <a:rPr kumimoji="1" lang="en-US" altLang="ko-KR" sz="1400" b="1" dirty="0">
+                <a:solidFill>
+                  <a:srgbClr val="FF0000"/>
+                </a:solidFill>
+              </a:rPr>
+              <a:t>(4)</a:t>
+            </a:r>
+            <a:endParaRPr kumimoji="1" lang="ko-KR" altLang="en-US" sz="1400" b="1" dirty="0">
+              <a:solidFill>
+                <a:srgbClr val="FF0000"/>
+              </a:solidFill>
+            </a:endParaRPr>
+          </a:p>
+        </p:txBody>
+      </p:sp>
+      <p:sp>
+        <p:nvSpPr>
+          <p:cNvPr id="27" name="TextBox 26">
+            <a:extLst>
+              <a:ext uri="{FF2B5EF4-FFF2-40B4-BE49-F238E27FC236}">
+                <a16:creationId xmlns:a16="http://schemas.microsoft.com/office/drawing/2014/main" id="{0070B870-6088-DC06-1428-B14A0E6A1DCF}"/>
+              </a:ext>
+            </a:extLst>
+          </p:cNvPr>
+          <p:cNvSpPr txBox="1"/>
+          <p:nvPr/>
+        </p:nvSpPr>
+        <p:spPr>
+          <a:xfrm>
+            <a:off x="7580058" y="3494743"/>
+            <a:ext cx="386645" cy="307777"/>
+          </a:xfrm>
+          <a:prstGeom prst="rect">
+            <a:avLst/>
+          </a:prstGeom>
+          <a:noFill/>
+        </p:spPr>
+        <p:txBody>
+          <a:bodyPr wrap="none" rtlCol="0">
+            <a:spAutoFit/>
+          </a:bodyPr>
+          <a:lstStyle/>
+          <a:p>
+            <a:pPr algn="ctr"/>
+            <a:r>
+              <a:rPr kumimoji="1" lang="en-US" altLang="ko-KR" sz="1400" b="1" dirty="0">
+                <a:solidFill>
+                  <a:srgbClr val="FF0000"/>
+                </a:solidFill>
+              </a:rPr>
+              <a:t>(5)</a:t>
+            </a:r>
+            <a:endParaRPr kumimoji="1" lang="ko-KR" altLang="en-US" sz="1400" b="1" dirty="0">
+              <a:solidFill>
+                <a:srgbClr val="FF0000"/>
+              </a:solidFill>
+            </a:endParaRPr>
+          </a:p>
+        </p:txBody>
+      </p:sp>
+      <p:sp>
+        <p:nvSpPr>
+          <p:cNvPr id="28" name="TextBox 27">
+            <a:extLst>
+              <a:ext uri="{FF2B5EF4-FFF2-40B4-BE49-F238E27FC236}">
+                <a16:creationId xmlns:a16="http://schemas.microsoft.com/office/drawing/2014/main" id="{0BED8A2D-EF96-D8E9-F863-FF4FAB3D7A94}"/>
+              </a:ext>
+            </a:extLst>
+          </p:cNvPr>
+          <p:cNvSpPr txBox="1"/>
+          <p:nvPr/>
+        </p:nvSpPr>
+        <p:spPr>
+          <a:xfrm>
+            <a:off x="4068047" y="3529782"/>
+            <a:ext cx="386645" cy="307777"/>
+          </a:xfrm>
+          <a:prstGeom prst="rect">
+            <a:avLst/>
+          </a:prstGeom>
+          <a:noFill/>
+        </p:spPr>
+        <p:txBody>
+          <a:bodyPr wrap="none" rtlCol="0">
+            <a:spAutoFit/>
+          </a:bodyPr>
+          <a:lstStyle/>
+          <a:p>
+            <a:pPr algn="ctr"/>
+            <a:r>
+              <a:rPr kumimoji="1" lang="en-US" altLang="ko-KR" sz="1400" b="1" dirty="0">
+                <a:solidFill>
+                  <a:srgbClr val="FF0000"/>
+                </a:solidFill>
+              </a:rPr>
+              <a:t>(6)</a:t>
+            </a:r>
+            <a:endParaRPr kumimoji="1" lang="ko-KR" altLang="en-US" sz="1400" b="1" dirty="0">
+              <a:solidFill>
+                <a:srgbClr val="FF0000"/>
+              </a:solidFill>
+            </a:endParaRPr>
+          </a:p>
+        </p:txBody>
+      </p:sp>
+      <p:cxnSp>
+        <p:nvCxnSpPr>
+          <p:cNvPr id="29" name="직선 화살표 연결선 28">
+            <a:extLst>
+              <a:ext uri="{FF2B5EF4-FFF2-40B4-BE49-F238E27FC236}">
+                <a16:creationId xmlns:a16="http://schemas.microsoft.com/office/drawing/2014/main" id="{91DBA808-DE53-2F02-BE8D-FBF283FC8678}"/>
+              </a:ext>
+            </a:extLst>
+          </p:cNvPr>
+          <p:cNvCxnSpPr>
+            <a:cxnSpLocks/>
+          </p:cNvCxnSpPr>
+          <p:nvPr/>
+        </p:nvCxnSpPr>
+        <p:spPr>
+          <a:xfrm>
+            <a:off x="2833689" y="4254634"/>
+            <a:ext cx="3787345" cy="0"/>
+          </a:xfrm>
+          <a:prstGeom prst="straightConnector1">
+            <a:avLst/>
+          </a:prstGeom>
+          <a:ln w="38100">
+            <a:solidFill>
+              <a:srgbClr val="0070C0"/>
+            </a:solidFill>
+            <a:tailEnd type="triangle"/>
+          </a:ln>
+        </p:spPr>
+        <p:style>
+          <a:lnRef idx="2">
+            <a:schemeClr val="accent1"/>
+          </a:lnRef>
+          <a:fillRef idx="0">
+            <a:schemeClr val="accent1"/>
+          </a:fillRef>
+          <a:effectRef idx="1">
+            <a:schemeClr val="accent1"/>
+          </a:effectRef>
+          <a:fontRef idx="minor">
+            <a:schemeClr val="tx1"/>
+          </a:fontRef>
+        </p:style>
+      </p:cxnSp>
+      <p:cxnSp>
+        <p:nvCxnSpPr>
+          <p:cNvPr id="30" name="직선 화살표 연결선 29">
+            <a:extLst>
+              <a:ext uri="{FF2B5EF4-FFF2-40B4-BE49-F238E27FC236}">
+                <a16:creationId xmlns:a16="http://schemas.microsoft.com/office/drawing/2014/main" id="{CC110528-0DCF-FEA2-1CDC-961FF70678DE}"/>
+              </a:ext>
+            </a:extLst>
+          </p:cNvPr>
+          <p:cNvCxnSpPr>
+            <a:cxnSpLocks/>
+          </p:cNvCxnSpPr>
+          <p:nvPr/>
+        </p:nvCxnSpPr>
+        <p:spPr>
+          <a:xfrm flipH="1">
+            <a:off x="4593771" y="4679177"/>
+            <a:ext cx="2027263" cy="0"/>
+          </a:xfrm>
+          <a:prstGeom prst="straightConnector1">
+            <a:avLst/>
+          </a:prstGeom>
+          <a:ln w="38100">
+            <a:solidFill>
+              <a:srgbClr val="0070C0"/>
+            </a:solidFill>
+            <a:tailEnd type="triangle"/>
+          </a:ln>
+        </p:spPr>
+        <p:style>
+          <a:lnRef idx="2">
+            <a:schemeClr val="accent1"/>
+          </a:lnRef>
+          <a:fillRef idx="0">
+            <a:schemeClr val="accent1"/>
+          </a:fillRef>
+          <a:effectRef idx="1">
+            <a:schemeClr val="accent1"/>
+          </a:effectRef>
+          <a:fontRef idx="minor">
+            <a:schemeClr val="tx1"/>
+          </a:fontRef>
+        </p:style>
+      </p:cxnSp>
+      <p:cxnSp>
+        <p:nvCxnSpPr>
+          <p:cNvPr id="31" name="직선 화살표 연결선 30">
+            <a:extLst>
+              <a:ext uri="{FF2B5EF4-FFF2-40B4-BE49-F238E27FC236}">
+                <a16:creationId xmlns:a16="http://schemas.microsoft.com/office/drawing/2014/main" id="{F33D39FB-89B1-E4CA-07AB-CF3DB5646FAA}"/>
+              </a:ext>
+            </a:extLst>
+          </p:cNvPr>
+          <p:cNvCxnSpPr>
+            <a:cxnSpLocks/>
+          </p:cNvCxnSpPr>
+          <p:nvPr/>
+        </p:nvCxnSpPr>
+        <p:spPr>
+          <a:xfrm>
+            <a:off x="4627413" y="5071063"/>
+            <a:ext cx="4015843" cy="0"/>
+          </a:xfrm>
+          <a:prstGeom prst="straightConnector1">
+            <a:avLst/>
+          </a:prstGeom>
+          <a:ln w="38100">
+            <a:solidFill>
+              <a:srgbClr val="0070C0"/>
+            </a:solidFill>
+            <a:tailEnd type="triangle"/>
+          </a:ln>
+        </p:spPr>
+        <p:style>
+          <a:lnRef idx="2">
+            <a:schemeClr val="accent1"/>
+          </a:lnRef>
+          <a:fillRef idx="0">
+            <a:schemeClr val="accent1"/>
+          </a:fillRef>
+          <a:effectRef idx="1">
+            <a:schemeClr val="accent1"/>
+          </a:effectRef>
+          <a:fontRef idx="minor">
+            <a:schemeClr val="tx1"/>
+          </a:fontRef>
+        </p:style>
+      </p:cxnSp>
+      <p:sp>
+        <p:nvSpPr>
+          <p:cNvPr id="32" name="TextBox 31">
+            <a:extLst>
+              <a:ext uri="{FF2B5EF4-FFF2-40B4-BE49-F238E27FC236}">
+                <a16:creationId xmlns:a16="http://schemas.microsoft.com/office/drawing/2014/main" id="{884B50D1-6B4A-6A88-FD0C-6D604BC8A160}"/>
+              </a:ext>
+            </a:extLst>
+          </p:cNvPr>
+          <p:cNvSpPr txBox="1"/>
+          <p:nvPr/>
+        </p:nvSpPr>
+        <p:spPr>
+          <a:xfrm>
+            <a:off x="4068048" y="4010244"/>
+            <a:ext cx="386645" cy="307777"/>
+          </a:xfrm>
+          <a:prstGeom prst="rect">
+            <a:avLst/>
+          </a:prstGeom>
+          <a:noFill/>
+        </p:spPr>
+        <p:txBody>
+          <a:bodyPr wrap="none" rtlCol="0">
+            <a:spAutoFit/>
+          </a:bodyPr>
+          <a:lstStyle/>
+          <a:p>
+            <a:pPr algn="ctr"/>
+            <a:r>
+              <a:rPr kumimoji="1" lang="en-US" altLang="ko-KR" sz="1400" b="1" dirty="0">
+                <a:solidFill>
+                  <a:srgbClr val="0070C0"/>
+                </a:solidFill>
+              </a:rPr>
+              <a:t>(1)</a:t>
+            </a:r>
+            <a:endParaRPr kumimoji="1" lang="ko-KR" altLang="en-US" sz="1400" b="1" dirty="0">
+              <a:solidFill>
+                <a:srgbClr val="0070C0"/>
+              </a:solidFill>
+            </a:endParaRPr>
+          </a:p>
+        </p:txBody>
+      </p:sp>
+      <p:sp>
+        <p:nvSpPr>
+          <p:cNvPr id="33" name="TextBox 32">
+            <a:extLst>
+              <a:ext uri="{FF2B5EF4-FFF2-40B4-BE49-F238E27FC236}">
+                <a16:creationId xmlns:a16="http://schemas.microsoft.com/office/drawing/2014/main" id="{7D38E78F-223B-DE51-8BEC-C69CB52E86FA}"/>
+              </a:ext>
+            </a:extLst>
+          </p:cNvPr>
+          <p:cNvSpPr txBox="1"/>
+          <p:nvPr/>
+        </p:nvSpPr>
+        <p:spPr>
+          <a:xfrm>
+            <a:off x="5290135" y="4396573"/>
+            <a:ext cx="386645" cy="307777"/>
+          </a:xfrm>
+          <a:prstGeom prst="rect">
+            <a:avLst/>
+          </a:prstGeom>
+          <a:noFill/>
+        </p:spPr>
+        <p:txBody>
+          <a:bodyPr wrap="none" rtlCol="0">
+            <a:spAutoFit/>
+          </a:bodyPr>
+          <a:lstStyle/>
+          <a:p>
+            <a:pPr algn="ctr"/>
+            <a:r>
+              <a:rPr kumimoji="1" lang="en-US" altLang="ko-KR" sz="1400" b="1" dirty="0">
+                <a:solidFill>
+                  <a:srgbClr val="0070C0"/>
+                </a:solidFill>
+              </a:rPr>
+              <a:t>(2)</a:t>
+            </a:r>
+            <a:endParaRPr kumimoji="1" lang="ko-KR" altLang="en-US" sz="1400" b="1" dirty="0">
+              <a:solidFill>
+                <a:srgbClr val="0070C0"/>
+              </a:solidFill>
+            </a:endParaRPr>
+          </a:p>
+        </p:txBody>
+      </p:sp>
+      <p:sp>
+        <p:nvSpPr>
+          <p:cNvPr id="34" name="TextBox 33">
+            <a:extLst>
+              <a:ext uri="{FF2B5EF4-FFF2-40B4-BE49-F238E27FC236}">
+                <a16:creationId xmlns:a16="http://schemas.microsoft.com/office/drawing/2014/main" id="{0B4F458B-6EB5-9221-65FB-0D5A91632D4B}"/>
+              </a:ext>
+            </a:extLst>
+          </p:cNvPr>
+          <p:cNvSpPr txBox="1"/>
+          <p:nvPr/>
+        </p:nvSpPr>
+        <p:spPr>
+          <a:xfrm>
+            <a:off x="6268031" y="4763300"/>
+            <a:ext cx="386645" cy="307777"/>
+          </a:xfrm>
+          <a:prstGeom prst="rect">
+            <a:avLst/>
+          </a:prstGeom>
+          <a:noFill/>
+        </p:spPr>
+        <p:txBody>
+          <a:bodyPr wrap="none" rtlCol="0">
+            <a:spAutoFit/>
+          </a:bodyPr>
+          <a:lstStyle/>
+          <a:p>
+            <a:pPr algn="ctr"/>
+            <a:r>
+              <a:rPr kumimoji="1" lang="en-US" altLang="ko-KR" sz="1400" b="1" dirty="0">
+                <a:solidFill>
+                  <a:srgbClr val="0070C0"/>
+                </a:solidFill>
+              </a:rPr>
+              <a:t>(3)</a:t>
+            </a:r>
+            <a:endParaRPr kumimoji="1" lang="ko-KR" altLang="en-US" sz="1400" b="1" dirty="0">
+              <a:solidFill>
+                <a:srgbClr val="0070C0"/>
+              </a:solidFill>
+            </a:endParaRPr>
+          </a:p>
+        </p:txBody>
+      </p:sp>
+      <p:cxnSp>
+        <p:nvCxnSpPr>
+          <p:cNvPr id="36" name="직선 화살표 연결선 35">
+            <a:extLst>
+              <a:ext uri="{FF2B5EF4-FFF2-40B4-BE49-F238E27FC236}">
+                <a16:creationId xmlns:a16="http://schemas.microsoft.com/office/drawing/2014/main" id="{616F9E41-2AA9-72E2-99FB-4F06166D3E5E}"/>
+              </a:ext>
+            </a:extLst>
+          </p:cNvPr>
+          <p:cNvCxnSpPr>
+            <a:cxnSpLocks/>
+          </p:cNvCxnSpPr>
+          <p:nvPr/>
+        </p:nvCxnSpPr>
+        <p:spPr>
+          <a:xfrm flipH="1">
+            <a:off x="6865713" y="5410521"/>
+            <a:ext cx="1739749" cy="0"/>
+          </a:xfrm>
+          <a:prstGeom prst="straightConnector1">
+            <a:avLst/>
+          </a:prstGeom>
+          <a:ln w="38100">
+            <a:solidFill>
+              <a:srgbClr val="0070C0"/>
+            </a:solidFill>
+            <a:tailEnd type="triangle"/>
+          </a:ln>
+        </p:spPr>
+        <p:style>
+          <a:lnRef idx="2">
+            <a:schemeClr val="accent1"/>
+          </a:lnRef>
+          <a:fillRef idx="0">
+            <a:schemeClr val="accent1"/>
+          </a:fillRef>
+          <a:effectRef idx="1">
+            <a:schemeClr val="accent1"/>
+          </a:effectRef>
+          <a:fontRef idx="minor">
+            <a:schemeClr val="tx1"/>
+          </a:fontRef>
+        </p:style>
+      </p:cxnSp>
+      <p:cxnSp>
+        <p:nvCxnSpPr>
+          <p:cNvPr id="37" name="직선 화살표 연결선 36">
+            <a:extLst>
+              <a:ext uri="{FF2B5EF4-FFF2-40B4-BE49-F238E27FC236}">
+                <a16:creationId xmlns:a16="http://schemas.microsoft.com/office/drawing/2014/main" id="{5F0569BC-D9CA-944E-410B-5B495C1BF03B}"/>
+              </a:ext>
+            </a:extLst>
+          </p:cNvPr>
+          <p:cNvCxnSpPr>
+            <a:cxnSpLocks/>
+          </p:cNvCxnSpPr>
+          <p:nvPr/>
+        </p:nvCxnSpPr>
+        <p:spPr>
+          <a:xfrm flipH="1">
+            <a:off x="2795895" y="5432294"/>
+            <a:ext cx="3787345" cy="0"/>
+          </a:xfrm>
+          <a:prstGeom prst="straightConnector1">
+            <a:avLst/>
+          </a:prstGeom>
+          <a:ln w="38100">
+            <a:solidFill>
+              <a:srgbClr val="0070C0"/>
+            </a:solidFill>
+            <a:tailEnd type="triangle"/>
+          </a:ln>
+        </p:spPr>
+        <p:style>
+          <a:lnRef idx="2">
+            <a:schemeClr val="accent1"/>
+          </a:lnRef>
+          <a:fillRef idx="0">
+            <a:schemeClr val="accent1"/>
+          </a:fillRef>
+          <a:effectRef idx="1">
+            <a:schemeClr val="accent1"/>
+          </a:effectRef>
+          <a:fontRef idx="minor">
+            <a:schemeClr val="tx1"/>
+          </a:fontRef>
+        </p:style>
+      </p:cxnSp>
+      <p:sp>
+        <p:nvSpPr>
+          <p:cNvPr id="38" name="TextBox 37">
+            <a:extLst>
+              <a:ext uri="{FF2B5EF4-FFF2-40B4-BE49-F238E27FC236}">
+                <a16:creationId xmlns:a16="http://schemas.microsoft.com/office/drawing/2014/main" id="{88992D59-0B25-4289-F7E5-B8A4A27A1728}"/>
+              </a:ext>
+            </a:extLst>
+          </p:cNvPr>
+          <p:cNvSpPr txBox="1"/>
+          <p:nvPr/>
+        </p:nvSpPr>
+        <p:spPr>
+          <a:xfrm>
+            <a:off x="7455176" y="5127920"/>
+            <a:ext cx="386645" cy="307777"/>
+          </a:xfrm>
+          <a:prstGeom prst="rect">
+            <a:avLst/>
+          </a:prstGeom>
+          <a:noFill/>
+        </p:spPr>
+        <p:txBody>
+          <a:bodyPr wrap="none" rtlCol="0">
+            <a:spAutoFit/>
+          </a:bodyPr>
+          <a:lstStyle/>
+          <a:p>
+            <a:pPr algn="ctr"/>
+            <a:r>
+              <a:rPr kumimoji="1" lang="en-US" altLang="ko-KR" sz="1400" b="1" dirty="0">
+                <a:solidFill>
+                  <a:srgbClr val="0070C0"/>
+                </a:solidFill>
+              </a:rPr>
+              <a:t>(4)</a:t>
+            </a:r>
+            <a:endParaRPr kumimoji="1" lang="ko-KR" altLang="en-US" sz="1400" b="1" dirty="0">
+              <a:solidFill>
+                <a:srgbClr val="0070C0"/>
+              </a:solidFill>
+            </a:endParaRPr>
+          </a:p>
+        </p:txBody>
+      </p:sp>
+      <p:sp>
+        <p:nvSpPr>
+          <p:cNvPr id="39" name="TextBox 38">
+            <a:extLst>
+              <a:ext uri="{FF2B5EF4-FFF2-40B4-BE49-F238E27FC236}">
+                <a16:creationId xmlns:a16="http://schemas.microsoft.com/office/drawing/2014/main" id="{34E1872A-711D-BEF4-4A17-7EA1701B6FDA}"/>
+              </a:ext>
+            </a:extLst>
+          </p:cNvPr>
+          <p:cNvSpPr txBox="1"/>
+          <p:nvPr/>
+        </p:nvSpPr>
+        <p:spPr>
+          <a:xfrm>
+            <a:off x="4030253" y="5162959"/>
+            <a:ext cx="386645" cy="307777"/>
+          </a:xfrm>
+          <a:prstGeom prst="rect">
+            <a:avLst/>
+          </a:prstGeom>
+          <a:noFill/>
+        </p:spPr>
+        <p:txBody>
+          <a:bodyPr wrap="none" rtlCol="0">
+            <a:spAutoFit/>
+          </a:bodyPr>
+          <a:lstStyle/>
+          <a:p>
+            <a:pPr algn="ctr"/>
+            <a:r>
+              <a:rPr kumimoji="1" lang="en-US" altLang="ko-KR" sz="1400" b="1" dirty="0">
+                <a:solidFill>
+                  <a:srgbClr val="0070C0"/>
+                </a:solidFill>
+              </a:rPr>
+              <a:t>(5)</a:t>
+            </a:r>
+            <a:endParaRPr kumimoji="1" lang="ko-KR" altLang="en-US" sz="1400" b="1" dirty="0">
+              <a:solidFill>
+                <a:srgbClr val="0070C0"/>
+              </a:solidFill>
+            </a:endParaRPr>
+          </a:p>
+        </p:txBody>
+      </p:sp>
+      <p:cxnSp>
+        <p:nvCxnSpPr>
+          <p:cNvPr id="41" name="직선 화살표 연결선 40">
+            <a:extLst>
+              <a:ext uri="{FF2B5EF4-FFF2-40B4-BE49-F238E27FC236}">
+                <a16:creationId xmlns:a16="http://schemas.microsoft.com/office/drawing/2014/main" id="{EFB5C948-688D-E799-071C-329255A54358}"/>
+              </a:ext>
+            </a:extLst>
+          </p:cNvPr>
+          <p:cNvCxnSpPr>
+            <a:cxnSpLocks/>
+          </p:cNvCxnSpPr>
+          <p:nvPr/>
+        </p:nvCxnSpPr>
+        <p:spPr>
+          <a:xfrm>
+            <a:off x="2795895" y="5926960"/>
+            <a:ext cx="1797876" cy="0"/>
+          </a:xfrm>
+          <a:prstGeom prst="straightConnector1">
+            <a:avLst/>
+          </a:prstGeom>
+          <a:ln w="38100">
+            <a:solidFill>
+              <a:schemeClr val="accent5"/>
+            </a:solidFill>
+            <a:tailEnd type="triangle"/>
+          </a:ln>
+        </p:spPr>
+        <p:style>
+          <a:lnRef idx="2">
+            <a:schemeClr val="accent1"/>
+          </a:lnRef>
+          <a:fillRef idx="0">
+            <a:schemeClr val="accent1"/>
+          </a:fillRef>
+          <a:effectRef idx="1">
+            <a:schemeClr val="accent1"/>
+          </a:effectRef>
+          <a:fontRef idx="minor">
+            <a:schemeClr val="tx1"/>
+          </a:fontRef>
+        </p:style>
+      </p:cxnSp>
+      <p:sp>
+        <p:nvSpPr>
+          <p:cNvPr id="42" name="TextBox 41">
+            <a:extLst>
+              <a:ext uri="{FF2B5EF4-FFF2-40B4-BE49-F238E27FC236}">
+                <a16:creationId xmlns:a16="http://schemas.microsoft.com/office/drawing/2014/main" id="{0A3BA74C-EB17-C47E-D72C-6DB24EE468A1}"/>
+              </a:ext>
+            </a:extLst>
+          </p:cNvPr>
+          <p:cNvSpPr txBox="1"/>
+          <p:nvPr/>
+        </p:nvSpPr>
+        <p:spPr>
+          <a:xfrm>
+            <a:off x="3458616" y="5633471"/>
+            <a:ext cx="386645" cy="307777"/>
+          </a:xfrm>
+          <a:prstGeom prst="rect">
+            <a:avLst/>
+          </a:prstGeom>
+          <a:noFill/>
+        </p:spPr>
+        <p:txBody>
+          <a:bodyPr wrap="none" rtlCol="0">
+            <a:spAutoFit/>
+          </a:bodyPr>
+          <a:lstStyle/>
+          <a:p>
+            <a:pPr algn="ctr"/>
+            <a:r>
+              <a:rPr kumimoji="1" lang="en-US" altLang="ko-KR" sz="1400" b="1" dirty="0">
+                <a:solidFill>
+                  <a:schemeClr val="accent5"/>
+                </a:solidFill>
+              </a:rPr>
+              <a:t>(1)</a:t>
+            </a:r>
+            <a:endParaRPr kumimoji="1" lang="ko-KR" altLang="en-US" sz="1400" b="1" dirty="0">
+              <a:solidFill>
+                <a:schemeClr val="accent5"/>
+              </a:solidFill>
+            </a:endParaRPr>
+          </a:p>
+        </p:txBody>
+      </p:sp>
+      <p:cxnSp>
+        <p:nvCxnSpPr>
+          <p:cNvPr id="44" name="직선 화살표 연결선 43">
+            <a:extLst>
+              <a:ext uri="{FF2B5EF4-FFF2-40B4-BE49-F238E27FC236}">
+                <a16:creationId xmlns:a16="http://schemas.microsoft.com/office/drawing/2014/main" id="{40129B2B-A3C1-BE57-1C75-D43E2A667B5D}"/>
+              </a:ext>
+            </a:extLst>
+          </p:cNvPr>
+          <p:cNvCxnSpPr>
+            <a:cxnSpLocks/>
+          </p:cNvCxnSpPr>
+          <p:nvPr/>
+        </p:nvCxnSpPr>
+        <p:spPr>
+          <a:xfrm>
+            <a:off x="4953000" y="5926960"/>
+            <a:ext cx="1797876" cy="0"/>
+          </a:xfrm>
+          <a:prstGeom prst="straightConnector1">
+            <a:avLst/>
+          </a:prstGeom>
+          <a:ln w="38100">
+            <a:solidFill>
+              <a:schemeClr val="accent5"/>
+            </a:solidFill>
+            <a:tailEnd type="triangle"/>
+          </a:ln>
+        </p:spPr>
+        <p:style>
+          <a:lnRef idx="2">
+            <a:schemeClr val="accent1"/>
+          </a:lnRef>
+          <a:fillRef idx="0">
+            <a:schemeClr val="accent1"/>
+          </a:fillRef>
+          <a:effectRef idx="1">
+            <a:schemeClr val="accent1"/>
+          </a:effectRef>
+          <a:fontRef idx="minor">
+            <a:schemeClr val="tx1"/>
+          </a:fontRef>
+        </p:style>
+      </p:cxnSp>
+      <p:sp>
+        <p:nvSpPr>
+          <p:cNvPr id="45" name="TextBox 44">
+            <a:extLst>
+              <a:ext uri="{FF2B5EF4-FFF2-40B4-BE49-F238E27FC236}">
+                <a16:creationId xmlns:a16="http://schemas.microsoft.com/office/drawing/2014/main" id="{7FD3078B-D08E-3088-5747-09523B356B74}"/>
+              </a:ext>
+            </a:extLst>
+          </p:cNvPr>
+          <p:cNvSpPr txBox="1"/>
+          <p:nvPr/>
+        </p:nvSpPr>
+        <p:spPr>
+          <a:xfrm>
+            <a:off x="5615721" y="5633471"/>
+            <a:ext cx="386644" cy="307777"/>
+          </a:xfrm>
+          <a:prstGeom prst="rect">
+            <a:avLst/>
+          </a:prstGeom>
+          <a:noFill/>
+        </p:spPr>
+        <p:txBody>
+          <a:bodyPr wrap="none" rtlCol="0">
+            <a:spAutoFit/>
+          </a:bodyPr>
+          <a:lstStyle/>
+          <a:p>
+            <a:pPr algn="ctr"/>
+            <a:r>
+              <a:rPr kumimoji="1" lang="en-US" altLang="ko-KR" sz="1400" b="1" dirty="0">
+                <a:solidFill>
+                  <a:schemeClr val="accent5"/>
+                </a:solidFill>
+              </a:rPr>
+              <a:t>(2)</a:t>
+            </a:r>
+            <a:endParaRPr kumimoji="1" lang="ko-KR" altLang="en-US" sz="1400" b="1" dirty="0">
+              <a:solidFill>
+                <a:schemeClr val="accent5"/>
+              </a:solidFill>
+            </a:endParaRPr>
+          </a:p>
+        </p:txBody>
+      </p:sp>
+      <p:cxnSp>
+        <p:nvCxnSpPr>
+          <p:cNvPr id="46" name="직선 화살표 연결선 45">
+            <a:extLst>
+              <a:ext uri="{FF2B5EF4-FFF2-40B4-BE49-F238E27FC236}">
+                <a16:creationId xmlns:a16="http://schemas.microsoft.com/office/drawing/2014/main" id="{8C9D178F-3032-C8AB-0D81-819746FBC553}"/>
+              </a:ext>
+            </a:extLst>
+          </p:cNvPr>
+          <p:cNvCxnSpPr>
+            <a:cxnSpLocks/>
+          </p:cNvCxnSpPr>
+          <p:nvPr/>
+        </p:nvCxnSpPr>
+        <p:spPr>
+          <a:xfrm>
+            <a:off x="6877808" y="5918127"/>
+            <a:ext cx="1797876" cy="0"/>
+          </a:xfrm>
+          <a:prstGeom prst="straightConnector1">
+            <a:avLst/>
+          </a:prstGeom>
+          <a:ln w="38100">
+            <a:solidFill>
+              <a:schemeClr val="accent5"/>
+            </a:solidFill>
+            <a:tailEnd type="triangle"/>
+          </a:ln>
+        </p:spPr>
+        <p:style>
+          <a:lnRef idx="2">
+            <a:schemeClr val="accent1"/>
+          </a:lnRef>
+          <a:fillRef idx="0">
+            <a:schemeClr val="accent1"/>
+          </a:fillRef>
+          <a:effectRef idx="1">
+            <a:schemeClr val="accent1"/>
+          </a:effectRef>
+          <a:fontRef idx="minor">
+            <a:schemeClr val="tx1"/>
+          </a:fontRef>
+        </p:style>
+      </p:cxnSp>
+      <p:sp>
+        <p:nvSpPr>
+          <p:cNvPr id="47" name="TextBox 46">
+            <a:extLst>
+              <a:ext uri="{FF2B5EF4-FFF2-40B4-BE49-F238E27FC236}">
+                <a16:creationId xmlns:a16="http://schemas.microsoft.com/office/drawing/2014/main" id="{E42AF054-7569-AA10-3BA6-5AA4C52730F6}"/>
+              </a:ext>
+            </a:extLst>
+          </p:cNvPr>
+          <p:cNvSpPr txBox="1"/>
+          <p:nvPr/>
+        </p:nvSpPr>
+        <p:spPr>
+          <a:xfrm>
+            <a:off x="7540529" y="5624638"/>
+            <a:ext cx="386644" cy="307777"/>
+          </a:xfrm>
+          <a:prstGeom prst="rect">
+            <a:avLst/>
+          </a:prstGeom>
+          <a:noFill/>
+        </p:spPr>
+        <p:txBody>
+          <a:bodyPr wrap="none" rtlCol="0">
+            <a:spAutoFit/>
+          </a:bodyPr>
+          <a:lstStyle/>
+          <a:p>
+            <a:pPr algn="ctr"/>
+            <a:r>
+              <a:rPr kumimoji="1" lang="en-US" altLang="ko-KR" sz="1400" b="1" dirty="0">
+                <a:solidFill>
+                  <a:schemeClr val="accent5"/>
+                </a:solidFill>
+              </a:rPr>
+              <a:t>(3)</a:t>
+            </a:r>
+            <a:endParaRPr kumimoji="1" lang="ko-KR" altLang="en-US" sz="1400" b="1" dirty="0">
+              <a:solidFill>
+                <a:schemeClr val="accent5"/>
+              </a:solidFill>
+            </a:endParaRPr>
+          </a:p>
+        </p:txBody>
+      </p:sp>
+      <p:cxnSp>
+        <p:nvCxnSpPr>
+          <p:cNvPr id="48" name="직선 화살표 연결선 47">
+            <a:extLst>
+              <a:ext uri="{FF2B5EF4-FFF2-40B4-BE49-F238E27FC236}">
+                <a16:creationId xmlns:a16="http://schemas.microsoft.com/office/drawing/2014/main" id="{A4FB0F61-8F3C-BFDE-A9C6-1E1BD2BECDAB}"/>
+              </a:ext>
+            </a:extLst>
+          </p:cNvPr>
+          <p:cNvCxnSpPr>
+            <a:cxnSpLocks/>
+          </p:cNvCxnSpPr>
+          <p:nvPr/>
+        </p:nvCxnSpPr>
+        <p:spPr>
+          <a:xfrm flipH="1">
+            <a:off x="6877808" y="6294553"/>
+            <a:ext cx="1739749" cy="0"/>
+          </a:xfrm>
+          <a:prstGeom prst="straightConnector1">
+            <a:avLst/>
+          </a:prstGeom>
+          <a:ln w="38100">
+            <a:solidFill>
+              <a:schemeClr val="accent5"/>
+            </a:solidFill>
+            <a:tailEnd type="triangle"/>
+          </a:ln>
+        </p:spPr>
+        <p:style>
+          <a:lnRef idx="2">
+            <a:schemeClr val="accent1"/>
+          </a:lnRef>
+          <a:fillRef idx="0">
+            <a:schemeClr val="accent1"/>
+          </a:fillRef>
+          <a:effectRef idx="1">
+            <a:schemeClr val="accent1"/>
+          </a:effectRef>
+          <a:fontRef idx="minor">
+            <a:schemeClr val="tx1"/>
+          </a:fontRef>
+        </p:style>
+      </p:cxnSp>
+      <p:cxnSp>
+        <p:nvCxnSpPr>
+          <p:cNvPr id="49" name="직선 화살표 연결선 48">
+            <a:extLst>
+              <a:ext uri="{FF2B5EF4-FFF2-40B4-BE49-F238E27FC236}">
+                <a16:creationId xmlns:a16="http://schemas.microsoft.com/office/drawing/2014/main" id="{E4AE5581-C1B7-CE3B-CDFB-E027EC61879C}"/>
+              </a:ext>
+            </a:extLst>
+          </p:cNvPr>
+          <p:cNvCxnSpPr>
+            <a:cxnSpLocks/>
+          </p:cNvCxnSpPr>
+          <p:nvPr/>
+        </p:nvCxnSpPr>
+        <p:spPr>
+          <a:xfrm flipH="1">
+            <a:off x="2807990" y="6316326"/>
+            <a:ext cx="3787345" cy="0"/>
+          </a:xfrm>
+          <a:prstGeom prst="straightConnector1">
+            <a:avLst/>
+          </a:prstGeom>
+          <a:ln w="38100">
+            <a:solidFill>
+              <a:schemeClr val="accent5"/>
+            </a:solidFill>
+            <a:tailEnd type="triangle"/>
+          </a:ln>
+        </p:spPr>
+        <p:style>
+          <a:lnRef idx="2">
+            <a:schemeClr val="accent1"/>
+          </a:lnRef>
+          <a:fillRef idx="0">
+            <a:schemeClr val="accent1"/>
+          </a:fillRef>
+          <a:effectRef idx="1">
+            <a:schemeClr val="accent1"/>
+          </a:effectRef>
+          <a:fontRef idx="minor">
+            <a:schemeClr val="tx1"/>
+          </a:fontRef>
+        </p:style>
+      </p:cxnSp>
+      <p:sp>
+        <p:nvSpPr>
+          <p:cNvPr id="50" name="TextBox 49">
+            <a:extLst>
+              <a:ext uri="{FF2B5EF4-FFF2-40B4-BE49-F238E27FC236}">
+                <a16:creationId xmlns:a16="http://schemas.microsoft.com/office/drawing/2014/main" id="{9360E467-55BD-54A4-E1F1-14F29E2CE37F}"/>
+              </a:ext>
+            </a:extLst>
+          </p:cNvPr>
+          <p:cNvSpPr txBox="1"/>
+          <p:nvPr/>
+        </p:nvSpPr>
+        <p:spPr>
+          <a:xfrm>
+            <a:off x="7467271" y="6011952"/>
+            <a:ext cx="386645" cy="307777"/>
+          </a:xfrm>
+          <a:prstGeom prst="rect">
+            <a:avLst/>
+          </a:prstGeom>
+          <a:noFill/>
+        </p:spPr>
+        <p:txBody>
+          <a:bodyPr wrap="none" rtlCol="0">
+            <a:spAutoFit/>
+          </a:bodyPr>
+          <a:lstStyle/>
+          <a:p>
+            <a:pPr algn="ctr"/>
+            <a:r>
+              <a:rPr kumimoji="1" lang="en-US" altLang="ko-KR" sz="1400" b="1" dirty="0">
+                <a:solidFill>
+                  <a:schemeClr val="accent5"/>
+                </a:solidFill>
+              </a:rPr>
+              <a:t>(4)</a:t>
+            </a:r>
+            <a:endParaRPr kumimoji="1" lang="ko-KR" altLang="en-US" sz="1400" b="1" dirty="0">
+              <a:solidFill>
+                <a:schemeClr val="accent5"/>
+              </a:solidFill>
+            </a:endParaRPr>
+          </a:p>
+        </p:txBody>
+      </p:sp>
+      <p:sp>
+        <p:nvSpPr>
+          <p:cNvPr id="51" name="TextBox 50">
+            <a:extLst>
+              <a:ext uri="{FF2B5EF4-FFF2-40B4-BE49-F238E27FC236}">
+                <a16:creationId xmlns:a16="http://schemas.microsoft.com/office/drawing/2014/main" id="{53374E8C-6B9F-8DD6-4CAE-24B21A2D5237}"/>
+              </a:ext>
+            </a:extLst>
+          </p:cNvPr>
+          <p:cNvSpPr txBox="1"/>
+          <p:nvPr/>
+        </p:nvSpPr>
+        <p:spPr>
+          <a:xfrm>
+            <a:off x="4042348" y="6046991"/>
+            <a:ext cx="386645" cy="307777"/>
+          </a:xfrm>
+          <a:prstGeom prst="rect">
+            <a:avLst/>
+          </a:prstGeom>
+          <a:noFill/>
+        </p:spPr>
+        <p:txBody>
+          <a:bodyPr wrap="none" rtlCol="0">
+            <a:spAutoFit/>
+          </a:bodyPr>
+          <a:lstStyle/>
+          <a:p>
+            <a:pPr algn="ctr"/>
+            <a:r>
+              <a:rPr kumimoji="1" lang="en-US" altLang="ko-KR" sz="1400" b="1" dirty="0">
+                <a:solidFill>
+                  <a:schemeClr val="accent5"/>
+                </a:solidFill>
+              </a:rPr>
+              <a:t>(5)</a:t>
+            </a:r>
+            <a:endParaRPr kumimoji="1" lang="ko-KR" altLang="en-US" sz="1400" b="1" dirty="0">
+              <a:solidFill>
+                <a:schemeClr val="accent5"/>
+              </a:solidFill>
+            </a:endParaRPr>
+          </a:p>
+        </p:txBody>
+      </p:sp>
+      <p:pic>
+        <p:nvPicPr>
+          <p:cNvPr id="52" name="그림 51">
+            <a:extLst>
+              <a:ext uri="{FF2B5EF4-FFF2-40B4-BE49-F238E27FC236}">
+                <a16:creationId xmlns:a16="http://schemas.microsoft.com/office/drawing/2014/main" id="{985F2BE4-260A-8EDD-C1FF-3049CD24E39A}"/>
+              </a:ext>
+            </a:extLst>
+          </p:cNvPr>
+          <p:cNvPicPr>
+            <a:picLocks noChangeAspect="1"/>
+          </p:cNvPicPr>
+          <p:nvPr/>
+        </p:nvPicPr>
+        <p:blipFill>
+          <a:blip r:embed="rId8" cstate="print">
+            <a:clrChange>
+              <a:clrFrom>
+                <a:srgbClr val="CACAC9"/>
+              </a:clrFrom>
+              <a:clrTo>
+                <a:srgbClr val="CACAC9">
+                  <a:alpha val="0"/>
+                </a:srgbClr>
+              </a:clrTo>
+            </a:clrChange>
+            <a:alphaModFix/>
+            <a:extLst>
+              <a:ext uri="{BEBA8EAE-BF5A-486C-A8C5-ECC9F3942E4B}">
+                <a14:imgProps xmlns:a14="http://schemas.microsoft.com/office/drawing/2010/main">
+                  <a14:imgLayer r:embed="rId9">
+                    <a14:imgEffect>
+                      <a14:brightnessContrast bright="-20000"/>
+                    </a14:imgEffect>
+                  </a14:imgLayer>
+                </a14:imgProps>
+              </a:ext>
+            </a:extLst>
+          </a:blip>
+          <a:stretch>
+            <a:fillRect/>
+          </a:stretch>
+        </p:blipFill>
+        <p:spPr>
+          <a:xfrm>
+            <a:off x="2148634" y="4325475"/>
+            <a:ext cx="576064" cy="986789"/>
+          </a:xfrm>
+          <a:prstGeom prst="rect">
+            <a:avLst/>
+          </a:prstGeom>
+        </p:spPr>
+      </p:pic>
+      <p:pic>
+        <p:nvPicPr>
+          <p:cNvPr id="53" name="그림 52">
+            <a:extLst>
+              <a:ext uri="{FF2B5EF4-FFF2-40B4-BE49-F238E27FC236}">
+                <a16:creationId xmlns:a16="http://schemas.microsoft.com/office/drawing/2014/main" id="{85057840-BF55-6490-E939-EEA0C0715984}"/>
+              </a:ext>
+            </a:extLst>
+          </p:cNvPr>
+          <p:cNvPicPr>
+            <a:picLocks noChangeAspect="1"/>
+          </p:cNvPicPr>
+          <p:nvPr/>
+        </p:nvPicPr>
+        <p:blipFill>
+          <a:blip r:embed="rId8" cstate="print">
+            <a:clrChange>
+              <a:clrFrom>
+                <a:srgbClr val="CACAC9"/>
+              </a:clrFrom>
+              <a:clrTo>
+                <a:srgbClr val="CACAC9">
+                  <a:alpha val="0"/>
+                </a:srgbClr>
+              </a:clrTo>
+            </a:clrChange>
+            <a:alphaModFix/>
+            <a:extLst>
+              <a:ext uri="{BEBA8EAE-BF5A-486C-A8C5-ECC9F3942E4B}">
+                <a14:imgProps xmlns:a14="http://schemas.microsoft.com/office/drawing/2010/main">
+                  <a14:imgLayer r:embed="rId9">
+                    <a14:imgEffect>
+                      <a14:brightnessContrast bright="-20000"/>
+                    </a14:imgEffect>
+                  </a14:imgLayer>
+                </a14:imgProps>
+              </a:ext>
+            </a:extLst>
+          </a:blip>
+          <a:stretch>
+            <a:fillRect/>
+          </a:stretch>
+        </p:blipFill>
+        <p:spPr>
+          <a:xfrm>
+            <a:off x="2148634" y="5511693"/>
+            <a:ext cx="576064" cy="986789"/>
+          </a:xfrm>
+          <a:prstGeom prst="rect">
+            <a:avLst/>
+          </a:prstGeom>
+        </p:spPr>
+      </p:pic>
+    </p:spTree>
+    <p:extLst>
+      <p:ext uri="{BB962C8B-B14F-4D97-AF65-F5344CB8AC3E}">
+        <p14:creationId xmlns:p14="http://schemas.microsoft.com/office/powerpoint/2010/main" val="2937845183"/>
+      </p:ext>
+    </p:extLst>
+  </p:cSld>
+  <p:clrMapOvr>
+    <a:masterClrMapping/>
+  </p:clrMapOvr>
+</p:sld>
+</file>
+
+<file path=ppt/slides/slide5.xml><?xml version="1.0" encoding="utf-8"?>
+<p:sld xmlns:a="http://schemas.openxmlformats.org/drawingml/2006/main" xmlns:r="http://schemas.openxmlformats.org/officeDocument/2006/relationships" xmlns:p="http://schemas.openxmlformats.org/presentationml/2006/main">
+  <p:cSld>
+    <p:spTree>
+      <p:nvGrpSpPr>
+        <p:cNvPr id="1" name=""/>
+        <p:cNvGrpSpPr/>
+        <p:nvPr/>
+      </p:nvGrpSpPr>
+      <p:grpSpPr>
+        <a:xfrm>
+          <a:off x="0" y="0"/>
+          <a:ext cx="0" cy="0"/>
+          <a:chOff x="0" y="0"/>
+          <a:chExt cx="0" cy="0"/>
+        </a:xfrm>
+      </p:grpSpPr>
+      <p:sp>
+        <p:nvSpPr>
+          <p:cNvPr id="2" name="제목 1">
+            <a:extLst>
+              <a:ext uri="{FF2B5EF4-FFF2-40B4-BE49-F238E27FC236}">
+                <a16:creationId xmlns:a16="http://schemas.microsoft.com/office/drawing/2014/main" id="{3F3C2AEA-5EC2-8A71-7F15-18E7FB9B7230}"/>
+              </a:ext>
+            </a:extLst>
+          </p:cNvPr>
+          <p:cNvSpPr>
+            <a:spLocks noGrp="1"/>
+          </p:cNvSpPr>
+          <p:nvPr>
+            <p:ph type="title"/>
+          </p:nvPr>
+        </p:nvSpPr>
+        <p:spPr/>
+        <p:txBody>
+          <a:bodyPr/>
+          <a:lstStyle/>
+          <a:p>
+            <a:r>
+              <a:rPr kumimoji="1" lang="en-US" altLang="ko-KR" dirty="0"/>
+              <a:t>Moving Paths</a:t>
+            </a:r>
+            <a:endParaRPr kumimoji="1" lang="ko-KR" altLang="en-US" dirty="0"/>
+          </a:p>
+        </p:txBody>
+      </p:sp>
+      <p:graphicFrame>
+        <p:nvGraphicFramePr>
+          <p:cNvPr id="3" name="표 2">
+            <a:extLst>
+              <a:ext uri="{FF2B5EF4-FFF2-40B4-BE49-F238E27FC236}">
+                <a16:creationId xmlns:a16="http://schemas.microsoft.com/office/drawing/2014/main" id="{380E63AB-9A18-BD13-1F70-4C14B8481EB9}"/>
+              </a:ext>
+            </a:extLst>
+          </p:cNvPr>
+          <p:cNvGraphicFramePr>
+            <a:graphicFrameLocks noGrp="1"/>
+          </p:cNvGraphicFramePr>
+          <p:nvPr>
+            <p:extLst>
+              <p:ext uri="{D42A27DB-BD31-4B8C-83A1-F6EECF244321}">
+                <p14:modId xmlns:p14="http://schemas.microsoft.com/office/powerpoint/2010/main" val="3360691238"/>
+              </p:ext>
+            </p:extLst>
+          </p:nvPr>
+        </p:nvGraphicFramePr>
+        <p:xfrm>
+          <a:off x="680720" y="901095"/>
+          <a:ext cx="8746310" cy="3539551"/>
+        </p:xfrm>
+        <a:graphic>
+          <a:graphicData uri="http://schemas.openxmlformats.org/drawingml/2006/table">
+            <a:tbl>
+              <a:tblPr firstRow="1" bandRow="1">
+                <a:tableStyleId>{5C22544A-7EE6-4342-B048-85BDC9FD1C3A}</a:tableStyleId>
+              </a:tblPr>
+              <a:tblGrid>
+                <a:gridCol w="1137194">
+                  <a:extLst>
+                    <a:ext uri="{9D8B030D-6E8A-4147-A177-3AD203B41FA5}">
+                      <a16:colId xmlns:a16="http://schemas.microsoft.com/office/drawing/2014/main" val="3091168781"/>
+                    </a:ext>
+                  </a:extLst>
+                </a:gridCol>
+                <a:gridCol w="1915886">
+                  <a:extLst>
+                    <a:ext uri="{9D8B030D-6E8A-4147-A177-3AD203B41FA5}">
+                      <a16:colId xmlns:a16="http://schemas.microsoft.com/office/drawing/2014/main" val="298656085"/>
+                    </a:ext>
+                  </a:extLst>
+                </a:gridCol>
+                <a:gridCol w="1937657">
+                  <a:extLst>
+                    <a:ext uri="{9D8B030D-6E8A-4147-A177-3AD203B41FA5}">
+                      <a16:colId xmlns:a16="http://schemas.microsoft.com/office/drawing/2014/main" val="2075478805"/>
+                    </a:ext>
+                  </a:extLst>
+                </a:gridCol>
+                <a:gridCol w="1948543">
+                  <a:extLst>
+                    <a:ext uri="{9D8B030D-6E8A-4147-A177-3AD203B41FA5}">
+                      <a16:colId xmlns:a16="http://schemas.microsoft.com/office/drawing/2014/main" val="2374661576"/>
+                    </a:ext>
+                  </a:extLst>
+                </a:gridCol>
+                <a:gridCol w="1807030">
+                  <a:extLst>
+                    <a:ext uri="{9D8B030D-6E8A-4147-A177-3AD203B41FA5}">
+                      <a16:colId xmlns:a16="http://schemas.microsoft.com/office/drawing/2014/main" val="1249213692"/>
+                    </a:ext>
+                  </a:extLst>
+                </a:gridCol>
+              </a:tblGrid>
+              <a:tr h="370840">
+                <a:tc>
+                  <a:txBody>
+                    <a:bodyPr/>
+                    <a:lstStyle/>
+                    <a:p>
+                      <a:pPr algn="ctr" latinLnBrk="1"/>
+                      <a:r>
+                        <a:rPr lang="ko-KR" altLang="en-US" sz="1400" dirty="0"/>
+                        <a:t>기기</a:t>
+                      </a:r>
+                    </a:p>
+                  </a:txBody>
+                  <a:tcPr anchor="ctr"/>
+                </a:tc>
+                <a:tc>
+                  <a:txBody>
+                    <a:bodyPr/>
+                    <a:lstStyle/>
+                    <a:p>
+                      <a:pPr algn="ctr" latinLnBrk="1"/>
+                      <a:r>
+                        <a:rPr lang="ko-KR" altLang="en-US" sz="1400" dirty="0"/>
+                        <a:t>반출입기</a:t>
+                      </a:r>
+                    </a:p>
+                  </a:txBody>
+                  <a:tcPr anchor="ctr"/>
+                </a:tc>
+                <a:tc>
+                  <a:txBody>
+                    <a:bodyPr/>
+                    <a:lstStyle/>
+                    <a:p>
+                      <a:pPr algn="ctr" latinLnBrk="1"/>
+                      <a:r>
+                        <a:rPr lang="ko-KR" altLang="en-US" sz="1400" dirty="0"/>
+                        <a:t>분석기</a:t>
+                      </a:r>
+                    </a:p>
+                  </a:txBody>
+                  <a:tcPr anchor="ctr"/>
+                </a:tc>
+                <a:tc>
+                  <a:txBody>
+                    <a:bodyPr/>
+                    <a:lstStyle/>
+                    <a:p>
+                      <a:pPr algn="ctr" latinLnBrk="1"/>
+                      <a:r>
+                        <a:rPr lang="en-US" altLang="ko-KR" sz="1400" dirty="0"/>
+                        <a:t>Stocker</a:t>
+                      </a:r>
+                      <a:endParaRPr lang="ko-KR" altLang="en-US" sz="1400" dirty="0"/>
+                    </a:p>
+                  </a:txBody>
+                  <a:tcPr anchor="ctr"/>
+                </a:tc>
+                <a:tc>
+                  <a:txBody>
+                    <a:bodyPr/>
+                    <a:lstStyle/>
+                    <a:p>
+                      <a:pPr algn="ctr" latinLnBrk="1"/>
+                      <a:r>
+                        <a:rPr lang="ko-KR" altLang="en-US" sz="1400" dirty="0"/>
+                        <a:t>폐기설비</a:t>
+                      </a:r>
+                    </a:p>
+                  </a:txBody>
+                  <a:tcPr anchor="ctr"/>
+                </a:tc>
+                <a:extLst>
+                  <a:ext uri="{0D108BD9-81ED-4DB2-BD59-A6C34878D82A}">
+                    <a16:rowId xmlns:a16="http://schemas.microsoft.com/office/drawing/2014/main" val="973131577"/>
+                  </a:ext>
+                </a:extLst>
+              </a:tr>
+              <a:tr h="1177351">
+                <a:tc>
+                  <a:txBody>
+                    <a:bodyPr/>
+                    <a:lstStyle/>
+                    <a:p>
+                      <a:pPr algn="ctr" latinLnBrk="1"/>
+                      <a:endParaRPr lang="ko-KR" altLang="en-US" sz="1400" dirty="0"/>
+                    </a:p>
+                  </a:txBody>
+                  <a:tcPr anchor="ctr"/>
+                </a:tc>
+                <a:tc>
+                  <a:txBody>
+                    <a:bodyPr/>
+                    <a:lstStyle/>
+                    <a:p>
+                      <a:pPr algn="ctr" latinLnBrk="1"/>
+                      <a:endParaRPr lang="ko-KR" altLang="en-US" sz="1400"/>
+                    </a:p>
+                  </a:txBody>
+                  <a:tcPr anchor="ctr"/>
+                </a:tc>
+                <a:tc>
+                  <a:txBody>
+                    <a:bodyPr/>
+                    <a:lstStyle/>
+                    <a:p>
+                      <a:pPr algn="ctr" latinLnBrk="1"/>
+                      <a:endParaRPr lang="ko-KR" altLang="en-US" sz="1400" dirty="0"/>
+                    </a:p>
+                  </a:txBody>
+                  <a:tcPr anchor="ctr"/>
+                </a:tc>
+                <a:tc>
+                  <a:txBody>
+                    <a:bodyPr/>
+                    <a:lstStyle/>
+                    <a:p>
+                      <a:pPr algn="ctr" latinLnBrk="1"/>
+                      <a:endParaRPr lang="ko-KR" altLang="en-US" sz="1400"/>
+                    </a:p>
+                  </a:txBody>
+                  <a:tcPr anchor="ctr"/>
+                </a:tc>
+                <a:tc>
+                  <a:txBody>
+                    <a:bodyPr/>
+                    <a:lstStyle/>
+                    <a:p>
+                      <a:pPr algn="ctr" latinLnBrk="1"/>
+                      <a:endParaRPr lang="ko-KR" altLang="en-US" sz="1400"/>
+                    </a:p>
+                  </a:txBody>
+                  <a:tcPr anchor="ctr"/>
+                </a:tc>
+                <a:extLst>
+                  <a:ext uri="{0D108BD9-81ED-4DB2-BD59-A6C34878D82A}">
+                    <a16:rowId xmlns:a16="http://schemas.microsoft.com/office/drawing/2014/main" val="3516490191"/>
+                  </a:ext>
+                </a:extLst>
+              </a:tr>
+              <a:tr h="370840">
+                <a:tc>
+                  <a:txBody>
+                    <a:bodyPr/>
+                    <a:lstStyle/>
+                    <a:p>
+                      <a:pPr algn="ctr" latinLnBrk="1"/>
+                      <a:r>
+                        <a:rPr lang="en-US" altLang="ko-KR" sz="1400" b="1" dirty="0">
+                          <a:solidFill>
+                            <a:srgbClr val="FF0000"/>
+                          </a:solidFill>
+                        </a:rPr>
+                        <a:t>Bottle</a:t>
+                      </a:r>
+                      <a:endParaRPr lang="ko-KR" altLang="en-US" sz="1400" b="1" dirty="0">
+                        <a:solidFill>
+                          <a:srgbClr val="FF0000"/>
+                        </a:solidFill>
+                      </a:endParaRPr>
+                    </a:p>
+                  </a:txBody>
+                  <a:tcPr anchor="ctr"/>
+                </a:tc>
+                <a:tc>
+                  <a:txBody>
+                    <a:bodyPr/>
+                    <a:lstStyle/>
+                    <a:p>
+                      <a:pPr algn="ctr" latinLnBrk="1"/>
+                      <a:endParaRPr lang="ko-KR" altLang="en-US" sz="1400" dirty="0"/>
+                    </a:p>
+                  </a:txBody>
+                  <a:tcPr anchor="ctr"/>
+                </a:tc>
+                <a:tc>
+                  <a:txBody>
+                    <a:bodyPr/>
+                    <a:lstStyle/>
+                    <a:p>
+                      <a:pPr algn="ctr" latinLnBrk="1"/>
+                      <a:endParaRPr lang="ko-KR" altLang="en-US" sz="1400" dirty="0"/>
+                    </a:p>
+                  </a:txBody>
+                  <a:tcPr anchor="ctr"/>
+                </a:tc>
+                <a:tc>
+                  <a:txBody>
+                    <a:bodyPr/>
+                    <a:lstStyle/>
+                    <a:p>
+                      <a:pPr algn="ctr" latinLnBrk="1"/>
+                      <a:endParaRPr lang="ko-KR" altLang="en-US" sz="1400" dirty="0"/>
+                    </a:p>
+                  </a:txBody>
+                  <a:tcPr anchor="ctr"/>
+                </a:tc>
+                <a:tc>
+                  <a:txBody>
+                    <a:bodyPr/>
+                    <a:lstStyle/>
+                    <a:p>
+                      <a:pPr algn="ctr" latinLnBrk="1"/>
+                      <a:endParaRPr lang="ko-KR" altLang="en-US" sz="1400" dirty="0"/>
+                    </a:p>
+                  </a:txBody>
+                  <a:tcPr anchor="ctr"/>
+                </a:tc>
+                <a:extLst>
+                  <a:ext uri="{0D108BD9-81ED-4DB2-BD59-A6C34878D82A}">
+                    <a16:rowId xmlns:a16="http://schemas.microsoft.com/office/drawing/2014/main" val="3152454611"/>
+                  </a:ext>
+                </a:extLst>
+              </a:tr>
+              <a:tr h="370840">
+                <a:tc>
+                  <a:txBody>
+                    <a:bodyPr/>
+                    <a:lstStyle/>
+                    <a:p>
+                      <a:pPr algn="ctr" latinLnBrk="1"/>
+                      <a:endParaRPr lang="ko-KR" altLang="en-US" sz="1400" dirty="0"/>
+                    </a:p>
+                  </a:txBody>
+                  <a:tcPr anchor="ctr"/>
+                </a:tc>
+                <a:tc>
+                  <a:txBody>
+                    <a:bodyPr/>
+                    <a:lstStyle/>
+                    <a:p>
+                      <a:pPr algn="ctr" latinLnBrk="1"/>
+                      <a:endParaRPr lang="ko-KR" altLang="en-US" sz="1400" dirty="0"/>
+                    </a:p>
+                  </a:txBody>
+                  <a:tcPr anchor="ctr"/>
+                </a:tc>
+                <a:tc>
+                  <a:txBody>
+                    <a:bodyPr/>
+                    <a:lstStyle/>
+                    <a:p>
+                      <a:pPr algn="ctr" latinLnBrk="1"/>
+                      <a:endParaRPr lang="ko-KR" altLang="en-US" sz="1400" dirty="0"/>
+                    </a:p>
+                  </a:txBody>
+                  <a:tcPr anchor="ctr"/>
+                </a:tc>
+                <a:tc>
+                  <a:txBody>
+                    <a:bodyPr/>
+                    <a:lstStyle/>
+                    <a:p>
+                      <a:pPr algn="ctr" latinLnBrk="1"/>
+                      <a:endParaRPr lang="ko-KR" altLang="en-US" sz="1400" dirty="0"/>
+                    </a:p>
+                  </a:txBody>
+                  <a:tcPr anchor="ctr"/>
+                </a:tc>
+                <a:tc>
+                  <a:txBody>
+                    <a:bodyPr/>
+                    <a:lstStyle/>
+                    <a:p>
+                      <a:pPr algn="ctr" latinLnBrk="1"/>
+                      <a:endParaRPr lang="ko-KR" altLang="en-US" sz="1400" dirty="0"/>
+                    </a:p>
+                  </a:txBody>
+                  <a:tcPr anchor="ctr"/>
+                </a:tc>
+                <a:extLst>
+                  <a:ext uri="{0D108BD9-81ED-4DB2-BD59-A6C34878D82A}">
+                    <a16:rowId xmlns:a16="http://schemas.microsoft.com/office/drawing/2014/main" val="3943223363"/>
+                  </a:ext>
+                </a:extLst>
+              </a:tr>
+              <a:tr h="0">
+                <a:tc gridSpan="5">
+                  <a:txBody>
+                    <a:bodyPr/>
+                    <a:lstStyle/>
+                    <a:p>
+                      <a:pPr algn="ctr" latinLnBrk="1"/>
+                      <a:endParaRPr lang="ko-KR" altLang="en-US" sz="300" dirty="0"/>
+                    </a:p>
+                  </a:txBody>
+                  <a:tcPr anchor="ctr"/>
+                </a:tc>
+                <a:tc hMerge="1">
+                  <a:txBody>
+                    <a:bodyPr/>
+                    <a:lstStyle/>
+                    <a:p>
+                      <a:pPr algn="ctr" latinLnBrk="1"/>
+                      <a:endParaRPr lang="ko-KR" altLang="en-US" sz="1400" dirty="0"/>
+                    </a:p>
+                  </a:txBody>
+                  <a:tcPr anchor="ctr"/>
+                </a:tc>
+                <a:tc hMerge="1">
+                  <a:txBody>
+                    <a:bodyPr/>
+                    <a:lstStyle/>
+                    <a:p>
+                      <a:pPr algn="ctr" latinLnBrk="1"/>
+                      <a:endParaRPr lang="ko-KR" altLang="en-US" sz="1400" dirty="0"/>
+                    </a:p>
+                  </a:txBody>
+                  <a:tcPr anchor="ctr"/>
+                </a:tc>
+                <a:tc hMerge="1">
+                  <a:txBody>
+                    <a:bodyPr/>
+                    <a:lstStyle/>
+                    <a:p>
+                      <a:pPr algn="ctr" latinLnBrk="1"/>
+                      <a:endParaRPr lang="ko-KR" altLang="en-US" sz="1400" dirty="0"/>
+                    </a:p>
+                  </a:txBody>
+                  <a:tcPr anchor="ctr"/>
+                </a:tc>
+                <a:tc hMerge="1">
+                  <a:txBody>
+                    <a:bodyPr/>
+                    <a:lstStyle/>
+                    <a:p>
+                      <a:pPr algn="ctr" latinLnBrk="1"/>
+                      <a:endParaRPr lang="ko-KR" altLang="en-US" sz="1400" dirty="0"/>
+                    </a:p>
+                  </a:txBody>
+                  <a:tcPr anchor="ctr"/>
+                </a:tc>
+                <a:extLst>
+                  <a:ext uri="{0D108BD9-81ED-4DB2-BD59-A6C34878D82A}">
+                    <a16:rowId xmlns:a16="http://schemas.microsoft.com/office/drawing/2014/main" val="4253978522"/>
+                  </a:ext>
+                </a:extLst>
+              </a:tr>
+              <a:tr h="370840">
+                <a:tc>
+                  <a:txBody>
+                    <a:bodyPr/>
+                    <a:lstStyle/>
+                    <a:p>
+                      <a:pPr algn="ctr" latinLnBrk="1"/>
+                      <a:r>
+                        <a:rPr lang="en-US" altLang="ko-KR" sz="1400" b="1" dirty="0">
+                          <a:solidFill>
+                            <a:srgbClr val="0070C0"/>
+                          </a:solidFill>
+                        </a:rPr>
+                        <a:t>Bottle</a:t>
+                      </a:r>
+                      <a:endParaRPr lang="ko-KR" altLang="en-US" sz="1400" dirty="0"/>
+                    </a:p>
+                  </a:txBody>
+                  <a:tcPr anchor="ctr"/>
+                </a:tc>
+                <a:tc>
+                  <a:txBody>
+                    <a:bodyPr/>
+                    <a:lstStyle/>
+                    <a:p>
+                      <a:pPr algn="ctr" latinLnBrk="1"/>
+                      <a:endParaRPr lang="ko-KR" altLang="en-US" sz="1400" dirty="0"/>
+                    </a:p>
+                  </a:txBody>
+                  <a:tcPr anchor="ctr"/>
+                </a:tc>
+                <a:tc>
+                  <a:txBody>
+                    <a:bodyPr/>
+                    <a:lstStyle/>
+                    <a:p>
+                      <a:pPr algn="ctr" latinLnBrk="1"/>
+                      <a:endParaRPr lang="ko-KR" altLang="en-US" sz="1400" dirty="0"/>
+                    </a:p>
+                  </a:txBody>
+                  <a:tcPr anchor="ctr"/>
+                </a:tc>
+                <a:tc>
+                  <a:txBody>
+                    <a:bodyPr/>
+                    <a:lstStyle/>
+                    <a:p>
+                      <a:pPr algn="ctr" latinLnBrk="1"/>
+                      <a:endParaRPr lang="ko-KR" altLang="en-US" sz="1400" dirty="0"/>
+                    </a:p>
+                  </a:txBody>
+                  <a:tcPr anchor="ctr"/>
+                </a:tc>
+                <a:tc>
+                  <a:txBody>
+                    <a:bodyPr/>
+                    <a:lstStyle/>
+                    <a:p>
+                      <a:pPr algn="ctr" latinLnBrk="1"/>
+                      <a:endParaRPr lang="ko-KR" altLang="en-US" sz="1400" dirty="0"/>
+                    </a:p>
+                  </a:txBody>
+                  <a:tcPr anchor="ctr"/>
+                </a:tc>
+                <a:extLst>
+                  <a:ext uri="{0D108BD9-81ED-4DB2-BD59-A6C34878D82A}">
+                    <a16:rowId xmlns:a16="http://schemas.microsoft.com/office/drawing/2014/main" val="1623486459"/>
+                  </a:ext>
+                </a:extLst>
+              </a:tr>
+              <a:tr h="370840">
+                <a:tc>
+                  <a:txBody>
+                    <a:bodyPr/>
+                    <a:lstStyle/>
+                    <a:p>
+                      <a:pPr algn="ctr" latinLnBrk="1"/>
+                      <a:endParaRPr lang="ko-KR" altLang="en-US" sz="1400" dirty="0">
+                        <a:solidFill>
+                          <a:srgbClr val="0070C0"/>
+                        </a:solidFill>
+                      </a:endParaRPr>
+                    </a:p>
+                  </a:txBody>
+                  <a:tcPr anchor="ctr"/>
+                </a:tc>
+                <a:tc>
+                  <a:txBody>
+                    <a:bodyPr/>
+                    <a:lstStyle/>
+                    <a:p>
+                      <a:pPr algn="ctr" latinLnBrk="1"/>
+                      <a:endParaRPr lang="ko-KR" altLang="en-US" sz="1400" dirty="0"/>
+                    </a:p>
+                  </a:txBody>
+                  <a:tcPr anchor="ctr"/>
+                </a:tc>
+                <a:tc>
+                  <a:txBody>
+                    <a:bodyPr/>
+                    <a:lstStyle/>
+                    <a:p>
+                      <a:pPr algn="ctr" latinLnBrk="1"/>
+                      <a:endParaRPr lang="ko-KR" altLang="en-US" sz="1400" dirty="0"/>
+                    </a:p>
+                  </a:txBody>
+                  <a:tcPr anchor="ctr"/>
+                </a:tc>
+                <a:tc>
+                  <a:txBody>
+                    <a:bodyPr/>
+                    <a:lstStyle/>
+                    <a:p>
+                      <a:pPr algn="ctr" latinLnBrk="1"/>
+                      <a:endParaRPr lang="ko-KR" altLang="en-US" sz="1400" dirty="0"/>
+                    </a:p>
+                  </a:txBody>
+                  <a:tcPr anchor="ctr"/>
+                </a:tc>
+                <a:tc>
+                  <a:txBody>
+                    <a:bodyPr/>
+                    <a:lstStyle/>
+                    <a:p>
+                      <a:pPr algn="ctr" latinLnBrk="1"/>
+                      <a:endParaRPr lang="ko-KR" altLang="en-US" sz="1400" dirty="0"/>
+                    </a:p>
+                  </a:txBody>
+                  <a:tcPr anchor="ctr"/>
+                </a:tc>
+                <a:extLst>
+                  <a:ext uri="{0D108BD9-81ED-4DB2-BD59-A6C34878D82A}">
+                    <a16:rowId xmlns:a16="http://schemas.microsoft.com/office/drawing/2014/main" val="1371131627"/>
+                  </a:ext>
+                </a:extLst>
+              </a:tr>
+              <a:tr h="370840">
+                <a:tc>
+                  <a:txBody>
+                    <a:bodyPr/>
+                    <a:lstStyle/>
+                    <a:p>
+                      <a:pPr algn="ctr" latinLnBrk="1"/>
+                      <a:endParaRPr lang="ko-KR" altLang="en-US" sz="1400" dirty="0"/>
+                    </a:p>
+                  </a:txBody>
+                  <a:tcPr anchor="ctr"/>
+                </a:tc>
+                <a:tc>
+                  <a:txBody>
+                    <a:bodyPr/>
+                    <a:lstStyle/>
+                    <a:p>
+                      <a:pPr algn="ctr" latinLnBrk="1"/>
+                      <a:endParaRPr lang="ko-KR" altLang="en-US" sz="1400" dirty="0"/>
+                    </a:p>
+                  </a:txBody>
+                  <a:tcPr anchor="ctr"/>
+                </a:tc>
+                <a:tc>
+                  <a:txBody>
+                    <a:bodyPr/>
+                    <a:lstStyle/>
+                    <a:p>
+                      <a:pPr algn="ctr" latinLnBrk="1"/>
+                      <a:endParaRPr lang="ko-KR" altLang="en-US" sz="1400" dirty="0"/>
+                    </a:p>
+                  </a:txBody>
+                  <a:tcPr anchor="ctr"/>
+                </a:tc>
+                <a:tc>
+                  <a:txBody>
+                    <a:bodyPr/>
+                    <a:lstStyle/>
+                    <a:p>
+                      <a:pPr algn="ctr" latinLnBrk="1"/>
+                      <a:endParaRPr lang="ko-KR" altLang="en-US" sz="1400" dirty="0"/>
+                    </a:p>
+                  </a:txBody>
+                  <a:tcPr anchor="ctr"/>
+                </a:tc>
+                <a:tc>
+                  <a:txBody>
+                    <a:bodyPr/>
+                    <a:lstStyle/>
+                    <a:p>
+                      <a:pPr algn="ctr" latinLnBrk="1"/>
+                      <a:endParaRPr lang="ko-KR" altLang="en-US" sz="1400" dirty="0"/>
+                    </a:p>
+                  </a:txBody>
+                  <a:tcPr anchor="ctr"/>
+                </a:tc>
+                <a:extLst>
+                  <a:ext uri="{0D108BD9-81ED-4DB2-BD59-A6C34878D82A}">
+                    <a16:rowId xmlns:a16="http://schemas.microsoft.com/office/drawing/2014/main" val="2117911092"/>
+                  </a:ext>
+                </a:extLst>
+              </a:tr>
+            </a:tbl>
+          </a:graphicData>
+        </a:graphic>
+      </p:graphicFrame>
+      <p:pic>
+        <p:nvPicPr>
+          <p:cNvPr id="4" name="그림 3">
+            <a:extLst>
+              <a:ext uri="{FF2B5EF4-FFF2-40B4-BE49-F238E27FC236}">
+                <a16:creationId xmlns:a16="http://schemas.microsoft.com/office/drawing/2014/main" id="{99EB3ABD-3A80-F5F7-1D7C-844D387CA210}"/>
+              </a:ext>
+            </a:extLst>
+          </p:cNvPr>
+          <p:cNvPicPr>
+            <a:picLocks noChangeAspect="1"/>
+          </p:cNvPicPr>
+          <p:nvPr/>
+        </p:nvPicPr>
+        <p:blipFill>
+          <a:blip r:embed="rId2" cstate="print">
+            <a:clrChange>
+              <a:clrFrom>
+                <a:srgbClr val="CACAC9"/>
+              </a:clrFrom>
+              <a:clrTo>
+                <a:srgbClr val="CACAC9">
+                  <a:alpha val="0"/>
+                </a:srgbClr>
+              </a:clrTo>
+            </a:clrChange>
+            <a:alphaModFix/>
+            <a:extLst>
+              <a:ext uri="{BEBA8EAE-BF5A-486C-A8C5-ECC9F3942E4B}">
+                <a14:imgProps xmlns:a14="http://schemas.microsoft.com/office/drawing/2010/main">
+                  <a14:imgLayer r:embed="rId3">
+                    <a14:imgEffect>
+                      <a14:sharpenSoften amount="-50000"/>
+                    </a14:imgEffect>
+                    <a14:imgEffect>
+                      <a14:brightnessContrast bright="-20000"/>
+                    </a14:imgEffect>
+                  </a14:imgLayer>
+                </a14:imgProps>
+              </a:ext>
+            </a:extLst>
+          </a:blip>
+          <a:stretch>
+            <a:fillRect/>
+          </a:stretch>
+        </p:blipFill>
+        <p:spPr>
+          <a:xfrm flipH="1">
+            <a:off x="4454693" y="1521683"/>
+            <a:ext cx="522732" cy="705787"/>
+          </a:xfrm>
+          <a:prstGeom prst="rect">
+            <a:avLst/>
+          </a:prstGeom>
+        </p:spPr>
+      </p:pic>
+      <p:pic>
+        <p:nvPicPr>
+          <p:cNvPr id="5" name="그림 4">
+            <a:extLst>
+              <a:ext uri="{FF2B5EF4-FFF2-40B4-BE49-F238E27FC236}">
+                <a16:creationId xmlns:a16="http://schemas.microsoft.com/office/drawing/2014/main" id="{DDDC0CDA-9759-762F-9F03-4BE2658605E7}"/>
+              </a:ext>
+            </a:extLst>
+          </p:cNvPr>
+          <p:cNvPicPr>
+            <a:picLocks noChangeAspect="1"/>
+          </p:cNvPicPr>
+          <p:nvPr/>
+        </p:nvPicPr>
+        <p:blipFill>
+          <a:blip r:embed="rId4" cstate="print">
+            <a:clrChange>
+              <a:clrFrom>
+                <a:srgbClr val="CACAC9"/>
+              </a:clrFrom>
+              <a:clrTo>
+                <a:srgbClr val="CACAC9">
+                  <a:alpha val="0"/>
+                </a:srgbClr>
+              </a:clrTo>
+            </a:clrChange>
+            <a:alphaModFix/>
+            <a:extLst>
+              <a:ext uri="{BEBA8EAE-BF5A-486C-A8C5-ECC9F3942E4B}">
+                <a14:imgProps xmlns:a14="http://schemas.microsoft.com/office/drawing/2010/main">
+                  <a14:imgLayer r:embed="rId5">
+                    <a14:imgEffect>
+                      <a14:sharpenSoften amount="-50000"/>
+                    </a14:imgEffect>
+                    <a14:imgEffect>
+                      <a14:brightnessContrast bright="-20000"/>
+                    </a14:imgEffect>
+                  </a14:imgLayer>
+                </a14:imgProps>
+              </a:ext>
+            </a:extLst>
+          </a:blip>
+          <a:stretch>
+            <a:fillRect/>
+          </a:stretch>
+        </p:blipFill>
+        <p:spPr>
+          <a:xfrm flipH="1">
+            <a:off x="6245642" y="1486924"/>
+            <a:ext cx="750785" cy="775305"/>
+          </a:xfrm>
+          <a:prstGeom prst="rect">
+            <a:avLst/>
+          </a:prstGeom>
+        </p:spPr>
+      </p:pic>
+      <p:pic>
+        <p:nvPicPr>
+          <p:cNvPr id="6" name="그림 5">
+            <a:extLst>
+              <a:ext uri="{FF2B5EF4-FFF2-40B4-BE49-F238E27FC236}">
+                <a16:creationId xmlns:a16="http://schemas.microsoft.com/office/drawing/2014/main" id="{A5D04A9D-47E9-5DED-7823-92DD962B8AD2}"/>
+              </a:ext>
+            </a:extLst>
+          </p:cNvPr>
+          <p:cNvPicPr>
+            <a:picLocks noChangeAspect="1"/>
+          </p:cNvPicPr>
+          <p:nvPr/>
+        </p:nvPicPr>
+        <p:blipFill>
+          <a:blip r:embed="rId6" cstate="print">
+            <a:clrChange>
+              <a:clrFrom>
+                <a:srgbClr val="CACAC9"/>
+              </a:clrFrom>
+              <a:clrTo>
+                <a:srgbClr val="CACAC9">
+                  <a:alpha val="0"/>
+                </a:srgbClr>
+              </a:clrTo>
+            </a:clrChange>
+            <a:alphaModFix/>
+            <a:extLst>
+              <a:ext uri="{BEBA8EAE-BF5A-486C-A8C5-ECC9F3942E4B}">
+                <a14:imgProps xmlns:a14="http://schemas.microsoft.com/office/drawing/2010/main">
+                  <a14:imgLayer r:embed="rId7">
+                    <a14:imgEffect>
+                      <a14:brightnessContrast bright="-20000"/>
+                    </a14:imgEffect>
+                  </a14:imgLayer>
+                </a14:imgProps>
+              </a:ext>
+            </a:extLst>
+          </a:blip>
+          <a:stretch>
+            <a:fillRect/>
+          </a:stretch>
+        </p:blipFill>
+        <p:spPr>
+          <a:xfrm>
+            <a:off x="8327567" y="1442751"/>
+            <a:ext cx="475775" cy="863650"/>
+          </a:xfrm>
+          <a:prstGeom prst="rect">
+            <a:avLst/>
+          </a:prstGeom>
+        </p:spPr>
+      </p:pic>
+      <p:pic>
+        <p:nvPicPr>
+          <p:cNvPr id="7" name="그림 6">
+            <a:extLst>
+              <a:ext uri="{FF2B5EF4-FFF2-40B4-BE49-F238E27FC236}">
+                <a16:creationId xmlns:a16="http://schemas.microsoft.com/office/drawing/2014/main" id="{8C78DA93-5293-21A3-2B60-22D0C8016662}"/>
+              </a:ext>
+            </a:extLst>
+          </p:cNvPr>
+          <p:cNvPicPr>
+            <a:picLocks noChangeAspect="1"/>
+          </p:cNvPicPr>
+          <p:nvPr/>
+        </p:nvPicPr>
+        <p:blipFill>
+          <a:blip r:embed="rId8" cstate="print">
+            <a:clrChange>
+              <a:clrFrom>
+                <a:srgbClr val="CACAC9"/>
+              </a:clrFrom>
+              <a:clrTo>
+                <a:srgbClr val="CACAC9">
+                  <a:alpha val="0"/>
+                </a:srgbClr>
+              </a:clrTo>
+            </a:clrChange>
+            <a:alphaModFix/>
+            <a:extLst>
+              <a:ext uri="{BEBA8EAE-BF5A-486C-A8C5-ECC9F3942E4B}">
+                <a14:imgProps xmlns:a14="http://schemas.microsoft.com/office/drawing/2010/main">
+                  <a14:imgLayer r:embed="rId9">
+                    <a14:imgEffect>
+                      <a14:brightnessContrast bright="-20000"/>
+                    </a14:imgEffect>
+                  </a14:imgLayer>
+                </a14:imgProps>
+              </a:ext>
+            </a:extLst>
+          </a:blip>
+          <a:stretch>
+            <a:fillRect/>
+          </a:stretch>
+        </p:blipFill>
+        <p:spPr>
+          <a:xfrm>
+            <a:off x="2130690" y="2300040"/>
+            <a:ext cx="576064" cy="986789"/>
+          </a:xfrm>
+          <a:prstGeom prst="rect">
+            <a:avLst/>
+          </a:prstGeom>
+        </p:spPr>
+      </p:pic>
+      <p:pic>
+        <p:nvPicPr>
+          <p:cNvPr id="8" name="그림 7">
+            <a:extLst>
+              <a:ext uri="{FF2B5EF4-FFF2-40B4-BE49-F238E27FC236}">
+                <a16:creationId xmlns:a16="http://schemas.microsoft.com/office/drawing/2014/main" id="{5E942DA1-E5F9-A206-8F79-A03D47033B8A}"/>
+              </a:ext>
+            </a:extLst>
+          </p:cNvPr>
+          <p:cNvPicPr>
+            <a:picLocks noChangeAspect="1"/>
+          </p:cNvPicPr>
+          <p:nvPr/>
+        </p:nvPicPr>
+        <p:blipFill rotWithShape="1">
+          <a:blip r:embed="rId10" cstate="print">
+            <a:clrChange>
+              <a:clrFrom>
+                <a:srgbClr val="C9CACA"/>
+              </a:clrFrom>
+              <a:clrTo>
+                <a:srgbClr val="C9CACA">
+                  <a:alpha val="0"/>
+                </a:srgbClr>
+              </a:clrTo>
+            </a:clrChange>
+            <a:alphaModFix/>
+            <a:extLst>
+              <a:ext uri="{BEBA8EAE-BF5A-486C-A8C5-ECC9F3942E4B}">
+                <a14:imgProps xmlns:a14="http://schemas.microsoft.com/office/drawing/2010/main">
+                  <a14:imgLayer r:embed="rId11">
+                    <a14:imgEffect>
+                      <a14:sharpenSoften amount="-50000"/>
+                    </a14:imgEffect>
+                    <a14:imgEffect>
+                      <a14:brightnessContrast bright="-20000"/>
+                    </a14:imgEffect>
+                  </a14:imgLayer>
+                </a14:imgProps>
+              </a:ext>
+            </a:extLst>
+          </a:blip>
+          <a:srcRect l="4858" t="1314"/>
+          <a:stretch/>
+        </p:blipFill>
+        <p:spPr>
+          <a:xfrm>
+            <a:off x="2538135" y="1500969"/>
+            <a:ext cx="591109" cy="747215"/>
+          </a:xfrm>
+          <a:prstGeom prst="rect">
+            <a:avLst/>
+          </a:prstGeom>
+        </p:spPr>
+      </p:pic>
+      <p:cxnSp>
+        <p:nvCxnSpPr>
+          <p:cNvPr id="10" name="직선 화살표 연결선 9">
+            <a:extLst>
+              <a:ext uri="{FF2B5EF4-FFF2-40B4-BE49-F238E27FC236}">
+                <a16:creationId xmlns:a16="http://schemas.microsoft.com/office/drawing/2014/main" id="{03F1B90B-F86D-068D-6EA5-546A3EAC5F3A}"/>
+              </a:ext>
+            </a:extLst>
+          </p:cNvPr>
+          <p:cNvCxnSpPr>
+            <a:cxnSpLocks/>
+          </p:cNvCxnSpPr>
+          <p:nvPr/>
+        </p:nvCxnSpPr>
+        <p:spPr>
+          <a:xfrm>
+            <a:off x="2833689" y="2601686"/>
+            <a:ext cx="1945140" cy="0"/>
+          </a:xfrm>
+          <a:prstGeom prst="straightConnector1">
+            <a:avLst/>
+          </a:prstGeom>
+          <a:ln w="38100">
+            <a:solidFill>
+              <a:srgbClr val="FF0000"/>
+            </a:solidFill>
+            <a:tailEnd type="triangle"/>
+          </a:ln>
+        </p:spPr>
+        <p:style>
+          <a:lnRef idx="2">
+            <a:schemeClr val="accent1"/>
+          </a:lnRef>
+          <a:fillRef idx="0">
+            <a:schemeClr val="accent1"/>
+          </a:fillRef>
+          <a:effectRef idx="1">
+            <a:schemeClr val="accent1"/>
+          </a:effectRef>
+          <a:fontRef idx="minor">
+            <a:schemeClr val="tx1"/>
+          </a:fontRef>
+        </p:style>
+      </p:cxnSp>
+      <p:cxnSp>
+        <p:nvCxnSpPr>
+          <p:cNvPr id="12" name="직선 화살표 연결선 11">
+            <a:extLst>
+              <a:ext uri="{FF2B5EF4-FFF2-40B4-BE49-F238E27FC236}">
+                <a16:creationId xmlns:a16="http://schemas.microsoft.com/office/drawing/2014/main" id="{BC5DF66A-B133-D492-F088-1F6494771EBA}"/>
+              </a:ext>
+            </a:extLst>
+          </p:cNvPr>
+          <p:cNvCxnSpPr>
+            <a:cxnSpLocks/>
+          </p:cNvCxnSpPr>
+          <p:nvPr/>
+        </p:nvCxnSpPr>
+        <p:spPr>
+          <a:xfrm flipV="1">
+            <a:off x="4977425" y="2614898"/>
+            <a:ext cx="3628037" cy="6559"/>
+          </a:xfrm>
+          <a:prstGeom prst="straightConnector1">
+            <a:avLst/>
+          </a:prstGeom>
+          <a:ln w="38100">
+            <a:solidFill>
+              <a:srgbClr val="FF0000"/>
+            </a:solidFill>
+            <a:tailEnd type="triangle"/>
+          </a:ln>
+        </p:spPr>
+        <p:style>
+          <a:lnRef idx="2">
+            <a:schemeClr val="accent1"/>
+          </a:lnRef>
+          <a:fillRef idx="0">
+            <a:schemeClr val="accent1"/>
+          </a:fillRef>
+          <a:effectRef idx="1">
+            <a:schemeClr val="accent1"/>
+          </a:effectRef>
+          <a:fontRef idx="minor">
+            <a:schemeClr val="tx1"/>
+          </a:fontRef>
+        </p:style>
+      </p:cxnSp>
+      <p:cxnSp>
+        <p:nvCxnSpPr>
+          <p:cNvPr id="22" name="직선 화살표 연결선 21">
+            <a:extLst>
+              <a:ext uri="{FF2B5EF4-FFF2-40B4-BE49-F238E27FC236}">
+                <a16:creationId xmlns:a16="http://schemas.microsoft.com/office/drawing/2014/main" id="{47C92A9D-15D4-14CA-C754-418691164F81}"/>
+              </a:ext>
+            </a:extLst>
+          </p:cNvPr>
+          <p:cNvCxnSpPr>
+            <a:cxnSpLocks/>
+          </p:cNvCxnSpPr>
+          <p:nvPr/>
+        </p:nvCxnSpPr>
+        <p:spPr>
+          <a:xfrm flipH="1">
+            <a:off x="2822386" y="3015346"/>
+            <a:ext cx="5783076" cy="0"/>
+          </a:xfrm>
+          <a:prstGeom prst="straightConnector1">
+            <a:avLst/>
+          </a:prstGeom>
+          <a:ln w="38100">
+            <a:solidFill>
+              <a:srgbClr val="FF0000"/>
+            </a:solidFill>
+            <a:tailEnd type="triangle"/>
+          </a:ln>
+        </p:spPr>
+        <p:style>
+          <a:lnRef idx="2">
+            <a:schemeClr val="accent1"/>
+          </a:lnRef>
+          <a:fillRef idx="0">
+            <a:schemeClr val="accent1"/>
+          </a:fillRef>
+          <a:effectRef idx="1">
+            <a:schemeClr val="accent1"/>
+          </a:effectRef>
+          <a:fontRef idx="minor">
+            <a:schemeClr val="tx1"/>
+          </a:fontRef>
+        </p:style>
+      </p:cxnSp>
+      <p:sp>
+        <p:nvSpPr>
+          <p:cNvPr id="23" name="TextBox 22">
+            <a:extLst>
+              <a:ext uri="{FF2B5EF4-FFF2-40B4-BE49-F238E27FC236}">
+                <a16:creationId xmlns:a16="http://schemas.microsoft.com/office/drawing/2014/main" id="{87B0AABC-F7B3-D3A7-4052-AA494B7E8143}"/>
+              </a:ext>
+            </a:extLst>
+          </p:cNvPr>
+          <p:cNvSpPr txBox="1"/>
+          <p:nvPr/>
+        </p:nvSpPr>
+        <p:spPr>
+          <a:xfrm>
+            <a:off x="3717106" y="2354802"/>
+            <a:ext cx="386645" cy="307777"/>
+          </a:xfrm>
+          <a:prstGeom prst="rect">
+            <a:avLst/>
+          </a:prstGeom>
+          <a:noFill/>
+        </p:spPr>
+        <p:txBody>
+          <a:bodyPr wrap="none" rtlCol="0">
+            <a:spAutoFit/>
+          </a:bodyPr>
+          <a:lstStyle/>
+          <a:p>
+            <a:pPr algn="ctr"/>
+            <a:r>
+              <a:rPr kumimoji="1" lang="en-US" altLang="ko-KR" sz="1400" b="1" dirty="0">
+                <a:solidFill>
+                  <a:srgbClr val="FF0000"/>
+                </a:solidFill>
+              </a:rPr>
+              <a:t>(1)</a:t>
+            </a:r>
+            <a:endParaRPr kumimoji="1" lang="ko-KR" altLang="en-US" sz="1400" b="1" dirty="0">
+              <a:solidFill>
+                <a:srgbClr val="FF0000"/>
+              </a:solidFill>
+            </a:endParaRPr>
+          </a:p>
+        </p:txBody>
+      </p:sp>
+      <p:sp>
+        <p:nvSpPr>
+          <p:cNvPr id="24" name="TextBox 23">
+            <a:extLst>
+              <a:ext uri="{FF2B5EF4-FFF2-40B4-BE49-F238E27FC236}">
+                <a16:creationId xmlns:a16="http://schemas.microsoft.com/office/drawing/2014/main" id="{5FAF6260-13E3-7520-7BC5-E91205354B63}"/>
+              </a:ext>
+            </a:extLst>
+          </p:cNvPr>
+          <p:cNvSpPr txBox="1"/>
+          <p:nvPr/>
+        </p:nvSpPr>
+        <p:spPr>
+          <a:xfrm>
+            <a:off x="6422065" y="2350414"/>
+            <a:ext cx="386645" cy="307777"/>
+          </a:xfrm>
+          <a:prstGeom prst="rect">
+            <a:avLst/>
+          </a:prstGeom>
+          <a:noFill/>
+        </p:spPr>
+        <p:txBody>
+          <a:bodyPr wrap="none" rtlCol="0">
+            <a:spAutoFit/>
+          </a:bodyPr>
+          <a:lstStyle/>
+          <a:p>
+            <a:pPr algn="ctr"/>
+            <a:r>
+              <a:rPr kumimoji="1" lang="en-US" altLang="ko-KR" sz="1400" b="1" dirty="0">
+                <a:solidFill>
+                  <a:srgbClr val="FF0000"/>
+                </a:solidFill>
+              </a:rPr>
+              <a:t>(2)</a:t>
+            </a:r>
+            <a:endParaRPr kumimoji="1" lang="ko-KR" altLang="en-US" sz="1400" b="1" dirty="0">
+              <a:solidFill>
+                <a:srgbClr val="FF0000"/>
+              </a:solidFill>
+            </a:endParaRPr>
+          </a:p>
+        </p:txBody>
+      </p:sp>
+      <p:sp>
+        <p:nvSpPr>
+          <p:cNvPr id="25" name="TextBox 24">
+            <a:extLst>
+              <a:ext uri="{FF2B5EF4-FFF2-40B4-BE49-F238E27FC236}">
+                <a16:creationId xmlns:a16="http://schemas.microsoft.com/office/drawing/2014/main" id="{B2846A99-3A1D-07C4-761C-40092B9E8F39}"/>
+              </a:ext>
+            </a:extLst>
+          </p:cNvPr>
+          <p:cNvSpPr txBox="1"/>
+          <p:nvPr/>
+        </p:nvSpPr>
+        <p:spPr>
+          <a:xfrm>
+            <a:off x="5290134" y="2755066"/>
+            <a:ext cx="386645" cy="307777"/>
+          </a:xfrm>
+          <a:prstGeom prst="rect">
+            <a:avLst/>
+          </a:prstGeom>
+          <a:noFill/>
+        </p:spPr>
+        <p:txBody>
+          <a:bodyPr wrap="none" rtlCol="0">
+            <a:spAutoFit/>
+          </a:bodyPr>
+          <a:lstStyle/>
+          <a:p>
+            <a:pPr algn="ctr"/>
+            <a:r>
+              <a:rPr kumimoji="1" lang="en-US" altLang="ko-KR" sz="1400" b="1" dirty="0">
+                <a:solidFill>
+                  <a:srgbClr val="FF0000"/>
+                </a:solidFill>
+              </a:rPr>
+              <a:t>(3)</a:t>
+            </a:r>
+            <a:endParaRPr kumimoji="1" lang="ko-KR" altLang="en-US" sz="1400" b="1" dirty="0">
+              <a:solidFill>
+                <a:srgbClr val="FF0000"/>
+              </a:solidFill>
+            </a:endParaRPr>
+          </a:p>
+        </p:txBody>
+      </p:sp>
+      <p:pic>
+        <p:nvPicPr>
+          <p:cNvPr id="52" name="그림 51">
+            <a:extLst>
+              <a:ext uri="{FF2B5EF4-FFF2-40B4-BE49-F238E27FC236}">
+                <a16:creationId xmlns:a16="http://schemas.microsoft.com/office/drawing/2014/main" id="{985F2BE4-260A-8EDD-C1FF-3049CD24E39A}"/>
+              </a:ext>
+            </a:extLst>
+          </p:cNvPr>
+          <p:cNvPicPr>
+            <a:picLocks noChangeAspect="1"/>
+          </p:cNvPicPr>
+          <p:nvPr/>
+        </p:nvPicPr>
+        <p:blipFill>
+          <a:blip r:embed="rId8" cstate="print">
+            <a:clrChange>
+              <a:clrFrom>
+                <a:srgbClr val="CACAC9"/>
+              </a:clrFrom>
+              <a:clrTo>
+                <a:srgbClr val="CACAC9">
+                  <a:alpha val="0"/>
+                </a:srgbClr>
+              </a:clrTo>
+            </a:clrChange>
+            <a:alphaModFix/>
+            <a:extLst>
+              <a:ext uri="{BEBA8EAE-BF5A-486C-A8C5-ECC9F3942E4B}">
+                <a14:imgProps xmlns:a14="http://schemas.microsoft.com/office/drawing/2010/main">
+                  <a14:imgLayer r:embed="rId9">
+                    <a14:imgEffect>
+                      <a14:brightnessContrast bright="-20000"/>
+                    </a14:imgEffect>
+                  </a14:imgLayer>
+                </a14:imgProps>
+              </a:ext>
+            </a:extLst>
+          </a:blip>
+          <a:stretch>
+            <a:fillRect/>
+          </a:stretch>
+        </p:blipFill>
+        <p:spPr>
+          <a:xfrm>
+            <a:off x="2148634" y="3388707"/>
+            <a:ext cx="576064" cy="986789"/>
+          </a:xfrm>
+          <a:prstGeom prst="rect">
+            <a:avLst/>
+          </a:prstGeom>
+        </p:spPr>
+      </p:pic>
+      <p:cxnSp>
+        <p:nvCxnSpPr>
+          <p:cNvPr id="15" name="직선 화살표 연결선 14">
+            <a:extLst>
+              <a:ext uri="{FF2B5EF4-FFF2-40B4-BE49-F238E27FC236}">
+                <a16:creationId xmlns:a16="http://schemas.microsoft.com/office/drawing/2014/main" id="{AEE2DA11-705B-350D-B54E-176582C216F6}"/>
+              </a:ext>
+            </a:extLst>
+          </p:cNvPr>
+          <p:cNvCxnSpPr>
+            <a:cxnSpLocks/>
+          </p:cNvCxnSpPr>
+          <p:nvPr/>
+        </p:nvCxnSpPr>
+        <p:spPr>
+          <a:xfrm>
+            <a:off x="2810177" y="3538181"/>
+            <a:ext cx="1945140" cy="0"/>
+          </a:xfrm>
+          <a:prstGeom prst="straightConnector1">
+            <a:avLst/>
+          </a:prstGeom>
+          <a:ln w="38100">
+            <a:solidFill>
+              <a:srgbClr val="0070C0"/>
+            </a:solidFill>
+            <a:tailEnd type="triangle"/>
+          </a:ln>
+        </p:spPr>
+        <p:style>
+          <a:lnRef idx="2">
+            <a:schemeClr val="accent1"/>
+          </a:lnRef>
+          <a:fillRef idx="0">
+            <a:schemeClr val="accent1"/>
+          </a:fillRef>
+          <a:effectRef idx="1">
+            <a:schemeClr val="accent1"/>
+          </a:effectRef>
+          <a:fontRef idx="minor">
+            <a:schemeClr val="tx1"/>
+          </a:fontRef>
+        </p:style>
+      </p:cxnSp>
+      <p:cxnSp>
+        <p:nvCxnSpPr>
+          <p:cNvPr id="18" name="직선 화살표 연결선 17">
+            <a:extLst>
+              <a:ext uri="{FF2B5EF4-FFF2-40B4-BE49-F238E27FC236}">
+                <a16:creationId xmlns:a16="http://schemas.microsoft.com/office/drawing/2014/main" id="{90A17A9E-F622-16C2-0A6A-FEB01CDEA741}"/>
+              </a:ext>
+            </a:extLst>
+          </p:cNvPr>
+          <p:cNvCxnSpPr>
+            <a:cxnSpLocks/>
+          </p:cNvCxnSpPr>
+          <p:nvPr/>
+        </p:nvCxnSpPr>
+        <p:spPr>
+          <a:xfrm flipV="1">
+            <a:off x="4953913" y="3551393"/>
+            <a:ext cx="3628037" cy="6559"/>
+          </a:xfrm>
+          <a:prstGeom prst="straightConnector1">
+            <a:avLst/>
+          </a:prstGeom>
+          <a:ln w="38100">
+            <a:solidFill>
+              <a:srgbClr val="0070C0"/>
+            </a:solidFill>
+            <a:tailEnd type="triangle"/>
+          </a:ln>
+        </p:spPr>
+        <p:style>
+          <a:lnRef idx="2">
+            <a:schemeClr val="accent1"/>
+          </a:lnRef>
+          <a:fillRef idx="0">
+            <a:schemeClr val="accent1"/>
+          </a:fillRef>
+          <a:effectRef idx="1">
+            <a:schemeClr val="accent1"/>
+          </a:effectRef>
+          <a:fontRef idx="minor">
+            <a:schemeClr val="tx1"/>
+          </a:fontRef>
+        </p:style>
+      </p:cxnSp>
+      <p:cxnSp>
+        <p:nvCxnSpPr>
+          <p:cNvPr id="20" name="직선 화살표 연결선 19">
+            <a:extLst>
+              <a:ext uri="{FF2B5EF4-FFF2-40B4-BE49-F238E27FC236}">
+                <a16:creationId xmlns:a16="http://schemas.microsoft.com/office/drawing/2014/main" id="{92EABD5E-270F-592E-4B2D-AE0662C376A0}"/>
+              </a:ext>
+            </a:extLst>
+          </p:cNvPr>
+          <p:cNvCxnSpPr>
+            <a:cxnSpLocks/>
+          </p:cNvCxnSpPr>
+          <p:nvPr/>
+        </p:nvCxnSpPr>
+        <p:spPr>
+          <a:xfrm flipH="1">
+            <a:off x="2798874" y="3951841"/>
+            <a:ext cx="3623191" cy="0"/>
+          </a:xfrm>
+          <a:prstGeom prst="straightConnector1">
+            <a:avLst/>
+          </a:prstGeom>
+          <a:ln w="38100">
+            <a:solidFill>
+              <a:srgbClr val="0070C0"/>
+            </a:solidFill>
+            <a:tailEnd type="triangle"/>
+          </a:ln>
+        </p:spPr>
+        <p:style>
+          <a:lnRef idx="2">
+            <a:schemeClr val="accent1"/>
+          </a:lnRef>
+          <a:fillRef idx="0">
+            <a:schemeClr val="accent1"/>
+          </a:fillRef>
+          <a:effectRef idx="1">
+            <a:schemeClr val="accent1"/>
+          </a:effectRef>
+          <a:fontRef idx="minor">
+            <a:schemeClr val="tx1"/>
+          </a:fontRef>
+        </p:style>
+      </p:cxnSp>
+      <p:sp>
+        <p:nvSpPr>
+          <p:cNvPr id="21" name="TextBox 20">
+            <a:extLst>
+              <a:ext uri="{FF2B5EF4-FFF2-40B4-BE49-F238E27FC236}">
+                <a16:creationId xmlns:a16="http://schemas.microsoft.com/office/drawing/2014/main" id="{BA0920C5-08E5-1409-7B46-53B6192C9550}"/>
+              </a:ext>
+            </a:extLst>
+          </p:cNvPr>
+          <p:cNvSpPr txBox="1"/>
+          <p:nvPr/>
+        </p:nvSpPr>
+        <p:spPr>
+          <a:xfrm>
+            <a:off x="3693594" y="3291297"/>
+            <a:ext cx="386645" cy="307777"/>
+          </a:xfrm>
+          <a:prstGeom prst="rect">
+            <a:avLst/>
+          </a:prstGeom>
+          <a:noFill/>
+        </p:spPr>
+        <p:txBody>
+          <a:bodyPr wrap="none" rtlCol="0">
+            <a:spAutoFit/>
+          </a:bodyPr>
+          <a:lstStyle/>
+          <a:p>
+            <a:pPr algn="ctr"/>
+            <a:r>
+              <a:rPr kumimoji="1" lang="en-US" altLang="ko-KR" sz="1400" b="1" dirty="0">
+                <a:solidFill>
+                  <a:srgbClr val="0070C0"/>
+                </a:solidFill>
+              </a:rPr>
+              <a:t>(1)</a:t>
+            </a:r>
+            <a:endParaRPr kumimoji="1" lang="ko-KR" altLang="en-US" sz="1400" b="1" dirty="0">
+              <a:solidFill>
+                <a:srgbClr val="0070C0"/>
+              </a:solidFill>
+            </a:endParaRPr>
+          </a:p>
+        </p:txBody>
+      </p:sp>
+      <p:sp>
+        <p:nvSpPr>
+          <p:cNvPr id="35" name="TextBox 34">
+            <a:extLst>
+              <a:ext uri="{FF2B5EF4-FFF2-40B4-BE49-F238E27FC236}">
+                <a16:creationId xmlns:a16="http://schemas.microsoft.com/office/drawing/2014/main" id="{91AAAE54-34FD-209A-CB5B-D1C15A3DA40C}"/>
+              </a:ext>
+            </a:extLst>
+          </p:cNvPr>
+          <p:cNvSpPr txBox="1"/>
+          <p:nvPr/>
+        </p:nvSpPr>
+        <p:spPr>
+          <a:xfrm>
+            <a:off x="6398553" y="3286909"/>
+            <a:ext cx="386645" cy="307777"/>
+          </a:xfrm>
+          <a:prstGeom prst="rect">
+            <a:avLst/>
+          </a:prstGeom>
+          <a:noFill/>
+        </p:spPr>
+        <p:txBody>
+          <a:bodyPr wrap="none" rtlCol="0">
+            <a:spAutoFit/>
+          </a:bodyPr>
+          <a:lstStyle/>
+          <a:p>
+            <a:pPr algn="ctr"/>
+            <a:r>
+              <a:rPr kumimoji="1" lang="en-US" altLang="ko-KR" sz="1400" b="1" dirty="0">
+                <a:solidFill>
+                  <a:srgbClr val="0070C0"/>
+                </a:solidFill>
+              </a:rPr>
+              <a:t>(2)</a:t>
+            </a:r>
+            <a:endParaRPr kumimoji="1" lang="ko-KR" altLang="en-US" sz="1400" b="1" dirty="0">
+              <a:solidFill>
+                <a:srgbClr val="0070C0"/>
+              </a:solidFill>
+            </a:endParaRPr>
+          </a:p>
+        </p:txBody>
+      </p:sp>
+      <p:sp>
+        <p:nvSpPr>
+          <p:cNvPr id="40" name="TextBox 39">
+            <a:extLst>
+              <a:ext uri="{FF2B5EF4-FFF2-40B4-BE49-F238E27FC236}">
+                <a16:creationId xmlns:a16="http://schemas.microsoft.com/office/drawing/2014/main" id="{5BC9BE8F-8DE9-E9F5-50A4-463166D203DA}"/>
+              </a:ext>
+            </a:extLst>
+          </p:cNvPr>
+          <p:cNvSpPr txBox="1"/>
+          <p:nvPr/>
+        </p:nvSpPr>
+        <p:spPr>
+          <a:xfrm>
+            <a:off x="7445613" y="3678122"/>
+            <a:ext cx="386645" cy="307777"/>
+          </a:xfrm>
+          <a:prstGeom prst="rect">
+            <a:avLst/>
+          </a:prstGeom>
+          <a:noFill/>
+        </p:spPr>
+        <p:txBody>
+          <a:bodyPr wrap="none" rtlCol="0">
+            <a:spAutoFit/>
+          </a:bodyPr>
+          <a:lstStyle/>
+          <a:p>
+            <a:pPr algn="ctr"/>
+            <a:r>
+              <a:rPr kumimoji="1" lang="en-US" altLang="ko-KR" sz="1400" b="1" dirty="0">
+                <a:solidFill>
+                  <a:srgbClr val="0070C0"/>
+                </a:solidFill>
+              </a:rPr>
+              <a:t>(3)</a:t>
+            </a:r>
+            <a:endParaRPr kumimoji="1" lang="ko-KR" altLang="en-US" sz="1400" b="1" dirty="0">
+              <a:solidFill>
+                <a:srgbClr val="0070C0"/>
+              </a:solidFill>
+            </a:endParaRPr>
+          </a:p>
+        </p:txBody>
+      </p:sp>
+      <p:cxnSp>
+        <p:nvCxnSpPr>
+          <p:cNvPr id="54" name="직선 화살표 연결선 53">
+            <a:extLst>
+              <a:ext uri="{FF2B5EF4-FFF2-40B4-BE49-F238E27FC236}">
+                <a16:creationId xmlns:a16="http://schemas.microsoft.com/office/drawing/2014/main" id="{F8542BD7-F0AE-365F-EDF3-7F790337F615}"/>
+              </a:ext>
+            </a:extLst>
+          </p:cNvPr>
+          <p:cNvCxnSpPr>
+            <a:cxnSpLocks/>
+          </p:cNvCxnSpPr>
+          <p:nvPr/>
+        </p:nvCxnSpPr>
+        <p:spPr>
+          <a:xfrm flipH="1">
+            <a:off x="6636810" y="3951841"/>
+            <a:ext cx="1945140" cy="0"/>
+          </a:xfrm>
+          <a:prstGeom prst="straightConnector1">
+            <a:avLst/>
+          </a:prstGeom>
+          <a:ln w="38100">
+            <a:solidFill>
+              <a:srgbClr val="0070C0"/>
+            </a:solidFill>
+            <a:tailEnd type="triangle"/>
+          </a:ln>
+        </p:spPr>
+        <p:style>
+          <a:lnRef idx="2">
+            <a:schemeClr val="accent1"/>
+          </a:lnRef>
+          <a:fillRef idx="0">
+            <a:schemeClr val="accent1"/>
+          </a:fillRef>
+          <a:effectRef idx="1">
+            <a:schemeClr val="accent1"/>
+          </a:effectRef>
+          <a:fontRef idx="minor">
+            <a:schemeClr val="tx1"/>
+          </a:fontRef>
+        </p:style>
+      </p:cxnSp>
+      <p:sp>
+        <p:nvSpPr>
+          <p:cNvPr id="55" name="TextBox 54">
+            <a:extLst>
+              <a:ext uri="{FF2B5EF4-FFF2-40B4-BE49-F238E27FC236}">
+                <a16:creationId xmlns:a16="http://schemas.microsoft.com/office/drawing/2014/main" id="{28B66220-6033-3875-5E12-6E69FA61AAC4}"/>
+              </a:ext>
+            </a:extLst>
+          </p:cNvPr>
+          <p:cNvSpPr txBox="1"/>
+          <p:nvPr/>
+        </p:nvSpPr>
+        <p:spPr>
+          <a:xfrm>
+            <a:off x="4364843" y="3686629"/>
+            <a:ext cx="386645" cy="307777"/>
+          </a:xfrm>
+          <a:prstGeom prst="rect">
+            <a:avLst/>
+          </a:prstGeom>
+          <a:noFill/>
+        </p:spPr>
+        <p:txBody>
+          <a:bodyPr wrap="none" rtlCol="0">
+            <a:spAutoFit/>
+          </a:bodyPr>
+          <a:lstStyle/>
+          <a:p>
+            <a:pPr algn="ctr"/>
+            <a:r>
+              <a:rPr kumimoji="1" lang="en-US" altLang="ko-KR" sz="1400" b="1" dirty="0">
+                <a:solidFill>
+                  <a:srgbClr val="0070C0"/>
+                </a:solidFill>
+              </a:rPr>
+              <a:t>(4)</a:t>
+            </a:r>
+            <a:endParaRPr kumimoji="1" lang="ko-KR" altLang="en-US" sz="1400" b="1" dirty="0">
+              <a:solidFill>
+                <a:srgbClr val="0070C0"/>
+              </a:solidFill>
+            </a:endParaRPr>
+          </a:p>
+        </p:txBody>
+      </p:sp>
+    </p:spTree>
+    <p:extLst>
+      <p:ext uri="{BB962C8B-B14F-4D97-AF65-F5344CB8AC3E}">
+        <p14:creationId xmlns:p14="http://schemas.microsoft.com/office/powerpoint/2010/main" val="238254595"/>
+      </p:ext>
+    </p:extLst>
+  </p:cSld>
+  <p:clrMapOvr>
+    <a:masterClrMapping/>
+  </p:clrMapOvr>
+</p:sld>
+</file>
+
+<file path=ppt/slides/slide6.xml><?xml version="1.0" encoding="utf-8"?>
+<p:sld xmlns:a="http://schemas.openxmlformats.org/drawingml/2006/main" xmlns:r="http://schemas.openxmlformats.org/officeDocument/2006/relationships" xmlns:p="http://schemas.openxmlformats.org/presentationml/2006/main">
+  <p:cSld>
+    <p:spTree>
+      <p:nvGrpSpPr>
+        <p:cNvPr id="1" name=""/>
+        <p:cNvGrpSpPr/>
+        <p:nvPr/>
+      </p:nvGrpSpPr>
+      <p:grpSpPr>
+        <a:xfrm>
+          <a:off x="0" y="0"/>
+          <a:ext cx="0" cy="0"/>
+          <a:chOff x="0" y="0"/>
+          <a:chExt cx="0" cy="0"/>
+        </a:xfrm>
+      </p:grpSpPr>
+      <p:sp>
+        <p:nvSpPr>
+          <p:cNvPr id="2" name="제목 1">
+            <a:extLst>
+              <a:ext uri="{FF2B5EF4-FFF2-40B4-BE49-F238E27FC236}">
+                <a16:creationId xmlns:a16="http://schemas.microsoft.com/office/drawing/2014/main" id="{08B76A47-9E97-A5B1-4BCC-153BB76900F8}"/>
+              </a:ext>
+            </a:extLst>
+          </p:cNvPr>
+          <p:cNvSpPr>
+            <a:spLocks noGrp="1"/>
+          </p:cNvSpPr>
+          <p:nvPr>
+            <p:ph type="title"/>
+          </p:nvPr>
+        </p:nvSpPr>
+        <p:spPr/>
+        <p:txBody>
+          <a:bodyPr/>
+          <a:lstStyle/>
+          <a:p>
+            <a:r>
+              <a:rPr kumimoji="1" lang="en-US" altLang="ko-KR" dirty="0"/>
+              <a:t>Simplified Architecture</a:t>
+            </a:r>
+            <a:endParaRPr kumimoji="1" lang="ko-KR" altLang="en-US" dirty="0"/>
+          </a:p>
+        </p:txBody>
+      </p:sp>
+      <p:pic>
+        <p:nvPicPr>
+          <p:cNvPr id="3" name="그림 2">
+            <a:extLst>
+              <a:ext uri="{FF2B5EF4-FFF2-40B4-BE49-F238E27FC236}">
+                <a16:creationId xmlns:a16="http://schemas.microsoft.com/office/drawing/2014/main" id="{B4899E6E-50B0-F99A-7B21-17F9744B10DB}"/>
+              </a:ext>
+            </a:extLst>
+          </p:cNvPr>
+          <p:cNvPicPr>
+            <a:picLocks noChangeAspect="1"/>
+          </p:cNvPicPr>
+          <p:nvPr/>
+        </p:nvPicPr>
+        <p:blipFill>
+          <a:blip r:embed="rId2" cstate="print">
+            <a:clrChange>
+              <a:clrFrom>
+                <a:srgbClr val="CACAC9"/>
+              </a:clrFrom>
+              <a:clrTo>
+                <a:srgbClr val="CACAC9">
+                  <a:alpha val="0"/>
+                </a:srgbClr>
+              </a:clrTo>
+            </a:clrChange>
+            <a:alphaModFix/>
+            <a:extLst>
+              <a:ext uri="{BEBA8EAE-BF5A-486C-A8C5-ECC9F3942E4B}">
+                <a14:imgProps xmlns:a14="http://schemas.microsoft.com/office/drawing/2010/main">
+                  <a14:imgLayer r:embed="rId3">
+                    <a14:imgEffect>
+                      <a14:sharpenSoften amount="-50000"/>
+                    </a14:imgEffect>
+                    <a14:imgEffect>
+                      <a14:brightnessContrast bright="-20000"/>
+                    </a14:imgEffect>
+                  </a14:imgLayer>
+                </a14:imgProps>
+              </a:ext>
+            </a:extLst>
+          </a:blip>
+          <a:stretch>
+            <a:fillRect/>
+          </a:stretch>
+        </p:blipFill>
+        <p:spPr>
+          <a:xfrm flipH="1">
+            <a:off x="3595398" y="4453685"/>
+            <a:ext cx="522732" cy="705787"/>
+          </a:xfrm>
+          <a:prstGeom prst="rect">
+            <a:avLst/>
+          </a:prstGeom>
+        </p:spPr>
+      </p:pic>
+      <p:pic>
+        <p:nvPicPr>
+          <p:cNvPr id="4" name="그림 3">
+            <a:extLst>
+              <a:ext uri="{FF2B5EF4-FFF2-40B4-BE49-F238E27FC236}">
+                <a16:creationId xmlns:a16="http://schemas.microsoft.com/office/drawing/2014/main" id="{D1EA8B31-E310-638D-70EA-196395ADBA5B}"/>
+              </a:ext>
+            </a:extLst>
+          </p:cNvPr>
+          <p:cNvPicPr>
+            <a:picLocks noChangeAspect="1"/>
+          </p:cNvPicPr>
+          <p:nvPr/>
+        </p:nvPicPr>
+        <p:blipFill>
+          <a:blip r:embed="rId4" cstate="print">
+            <a:clrChange>
+              <a:clrFrom>
+                <a:srgbClr val="CACAC9"/>
+              </a:clrFrom>
+              <a:clrTo>
+                <a:srgbClr val="CACAC9">
+                  <a:alpha val="0"/>
+                </a:srgbClr>
+              </a:clrTo>
+            </a:clrChange>
+            <a:alphaModFix/>
+            <a:extLst>
+              <a:ext uri="{BEBA8EAE-BF5A-486C-A8C5-ECC9F3942E4B}">
+                <a14:imgProps xmlns:a14="http://schemas.microsoft.com/office/drawing/2010/main">
+                  <a14:imgLayer r:embed="rId5">
+                    <a14:imgEffect>
+                      <a14:sharpenSoften amount="-50000"/>
+                    </a14:imgEffect>
+                    <a14:imgEffect>
+                      <a14:brightnessContrast bright="-20000"/>
+                    </a14:imgEffect>
+                  </a14:imgLayer>
+                </a14:imgProps>
+              </a:ext>
+            </a:extLst>
+          </a:blip>
+          <a:stretch>
+            <a:fillRect/>
+          </a:stretch>
+        </p:blipFill>
+        <p:spPr>
+          <a:xfrm flipH="1">
+            <a:off x="5153297" y="4418926"/>
+            <a:ext cx="750785" cy="775305"/>
+          </a:xfrm>
+          <a:prstGeom prst="rect">
+            <a:avLst/>
+          </a:prstGeom>
+        </p:spPr>
+      </p:pic>
+      <p:pic>
+        <p:nvPicPr>
+          <p:cNvPr id="5" name="그림 4">
+            <a:extLst>
+              <a:ext uri="{FF2B5EF4-FFF2-40B4-BE49-F238E27FC236}">
+                <a16:creationId xmlns:a16="http://schemas.microsoft.com/office/drawing/2014/main" id="{66C5A678-DA26-2F65-79CA-017E5FB70B78}"/>
+              </a:ext>
+            </a:extLst>
+          </p:cNvPr>
+          <p:cNvPicPr>
+            <a:picLocks noChangeAspect="1"/>
+          </p:cNvPicPr>
+          <p:nvPr/>
+        </p:nvPicPr>
+        <p:blipFill>
+          <a:blip r:embed="rId6" cstate="print">
+            <a:clrChange>
+              <a:clrFrom>
+                <a:srgbClr val="CACAC9"/>
+              </a:clrFrom>
+              <a:clrTo>
+                <a:srgbClr val="CACAC9">
+                  <a:alpha val="0"/>
+                </a:srgbClr>
+              </a:clrTo>
+            </a:clrChange>
+            <a:alphaModFix/>
+            <a:extLst>
+              <a:ext uri="{BEBA8EAE-BF5A-486C-A8C5-ECC9F3942E4B}">
+                <a14:imgProps xmlns:a14="http://schemas.microsoft.com/office/drawing/2010/main">
+                  <a14:imgLayer r:embed="rId7">
+                    <a14:imgEffect>
+                      <a14:brightnessContrast bright="-20000"/>
+                    </a14:imgEffect>
+                  </a14:imgLayer>
+                </a14:imgProps>
+              </a:ext>
+            </a:extLst>
+          </a:blip>
+          <a:stretch>
+            <a:fillRect/>
+          </a:stretch>
+        </p:blipFill>
+        <p:spPr>
+          <a:xfrm>
+            <a:off x="6939249" y="4374753"/>
+            <a:ext cx="475775" cy="863650"/>
+          </a:xfrm>
+          <a:prstGeom prst="rect">
+            <a:avLst/>
+          </a:prstGeom>
+        </p:spPr>
+      </p:pic>
+      <p:pic>
+        <p:nvPicPr>
+          <p:cNvPr id="6" name="그림 5">
+            <a:extLst>
+              <a:ext uri="{FF2B5EF4-FFF2-40B4-BE49-F238E27FC236}">
+                <a16:creationId xmlns:a16="http://schemas.microsoft.com/office/drawing/2014/main" id="{24132A46-EF7E-61C0-A241-5283D8ABB510}"/>
+              </a:ext>
+            </a:extLst>
+          </p:cNvPr>
+          <p:cNvPicPr>
+            <a:picLocks noChangeAspect="1"/>
+          </p:cNvPicPr>
+          <p:nvPr/>
+        </p:nvPicPr>
+        <p:blipFill rotWithShape="1">
+          <a:blip r:embed="rId8" cstate="print">
+            <a:clrChange>
+              <a:clrFrom>
+                <a:srgbClr val="C9CACA"/>
+              </a:clrFrom>
+              <a:clrTo>
+                <a:srgbClr val="C9CACA">
+                  <a:alpha val="0"/>
+                </a:srgbClr>
+              </a:clrTo>
+            </a:clrChange>
+            <a:alphaModFix/>
+            <a:extLst>
+              <a:ext uri="{BEBA8EAE-BF5A-486C-A8C5-ECC9F3942E4B}">
+                <a14:imgProps xmlns:a14="http://schemas.microsoft.com/office/drawing/2010/main">
+                  <a14:imgLayer r:embed="rId9">
+                    <a14:imgEffect>
+                      <a14:sharpenSoften amount="-50000"/>
+                    </a14:imgEffect>
+                    <a14:imgEffect>
+                      <a14:brightnessContrast bright="-20000"/>
+                    </a14:imgEffect>
+                  </a14:imgLayer>
+                </a14:imgProps>
+              </a:ext>
+            </a:extLst>
+          </a:blip>
+          <a:srcRect l="4858" t="1314"/>
+          <a:stretch/>
+        </p:blipFill>
+        <p:spPr>
+          <a:xfrm>
+            <a:off x="1969122" y="4432971"/>
+            <a:ext cx="591109" cy="747215"/>
+          </a:xfrm>
+          <a:prstGeom prst="rect">
+            <a:avLst/>
+          </a:prstGeom>
+        </p:spPr>
+      </p:pic>
+      <p:pic>
+        <p:nvPicPr>
+          <p:cNvPr id="7" name="그림 6">
+            <a:extLst>
+              <a:ext uri="{FF2B5EF4-FFF2-40B4-BE49-F238E27FC236}">
+                <a16:creationId xmlns:a16="http://schemas.microsoft.com/office/drawing/2014/main" id="{60E51BBB-DF9E-7804-2424-7373E0E21DC0}"/>
+              </a:ext>
+            </a:extLst>
+          </p:cNvPr>
+          <p:cNvPicPr>
+            <a:picLocks noChangeAspect="1"/>
+          </p:cNvPicPr>
+          <p:nvPr/>
+        </p:nvPicPr>
+        <p:blipFill>
+          <a:blip r:embed="rId10" cstate="print">
+            <a:clrChange>
+              <a:clrFrom>
+                <a:srgbClr val="CACAC9"/>
+              </a:clrFrom>
+              <a:clrTo>
+                <a:srgbClr val="CACAC9">
+                  <a:alpha val="0"/>
+                </a:srgbClr>
+              </a:clrTo>
+            </a:clrChange>
+            <a:alphaModFix/>
+            <a:extLst>
+              <a:ext uri="{BEBA8EAE-BF5A-486C-A8C5-ECC9F3942E4B}">
+                <a14:imgProps xmlns:a14="http://schemas.microsoft.com/office/drawing/2010/main">
+                  <a14:imgLayer r:embed="rId11">
+                    <a14:imgEffect>
+                      <a14:brightnessContrast bright="-20000"/>
+                    </a14:imgEffect>
+                  </a14:imgLayer>
+                </a14:imgProps>
+              </a:ext>
+            </a:extLst>
+          </a:blip>
+          <a:stretch>
+            <a:fillRect/>
+          </a:stretch>
+        </p:blipFill>
+        <p:spPr>
+          <a:xfrm>
+            <a:off x="8450191" y="4313184"/>
+            <a:ext cx="576064" cy="986789"/>
+          </a:xfrm>
+          <a:prstGeom prst="rect">
+            <a:avLst/>
+          </a:prstGeom>
+        </p:spPr>
+      </p:pic>
+      <p:cxnSp>
+        <p:nvCxnSpPr>
+          <p:cNvPr id="15" name="직선 연결선[R] 14">
+            <a:extLst>
+              <a:ext uri="{FF2B5EF4-FFF2-40B4-BE49-F238E27FC236}">
+                <a16:creationId xmlns:a16="http://schemas.microsoft.com/office/drawing/2014/main" id="{51B8110C-D4DB-731A-AE84-C9CA1061B237}"/>
+              </a:ext>
+            </a:extLst>
+          </p:cNvPr>
+          <p:cNvCxnSpPr>
+            <a:stCxn id="6" idx="0"/>
+          </p:cNvCxnSpPr>
+          <p:nvPr/>
+        </p:nvCxnSpPr>
+        <p:spPr>
+          <a:xfrm flipV="1">
+            <a:off x="2264677" y="3592286"/>
+            <a:ext cx="3313" cy="840685"/>
+          </a:xfrm>
+          <a:prstGeom prst="line">
+            <a:avLst/>
+          </a:prstGeom>
+          <a:ln>
+            <a:solidFill>
+              <a:schemeClr val="tx1"/>
+            </a:solidFill>
+          </a:ln>
+        </p:spPr>
+        <p:style>
+          <a:lnRef idx="2">
+            <a:schemeClr val="accent1"/>
+          </a:lnRef>
+          <a:fillRef idx="0">
+            <a:schemeClr val="accent1"/>
+          </a:fillRef>
+          <a:effectRef idx="1">
+            <a:schemeClr val="accent1"/>
+          </a:effectRef>
+          <a:fontRef idx="minor">
+            <a:schemeClr val="tx1"/>
+          </a:fontRef>
+        </p:style>
+      </p:cxnSp>
+      <p:sp>
+        <p:nvSpPr>
+          <p:cNvPr id="10" name="직사각형 9">
+            <a:extLst>
+              <a:ext uri="{FF2B5EF4-FFF2-40B4-BE49-F238E27FC236}">
+                <a16:creationId xmlns:a16="http://schemas.microsoft.com/office/drawing/2014/main" id="{D162981D-9F43-BF58-1796-3E64AD438968}"/>
+              </a:ext>
+            </a:extLst>
+          </p:cNvPr>
+          <p:cNvSpPr/>
+          <p:nvPr/>
+        </p:nvSpPr>
+        <p:spPr>
+          <a:xfrm>
+            <a:off x="1473333" y="1516175"/>
+            <a:ext cx="1879101" cy="620486"/>
+          </a:xfrm>
+          <a:prstGeom prst="rect">
+            <a:avLst/>
+          </a:prstGeom>
+          <a:solidFill>
+            <a:schemeClr val="bg1"/>
+          </a:solidFill>
+          <a:ln>
+            <a:solidFill>
+              <a:schemeClr val="tx1"/>
+            </a:solidFill>
+          </a:ln>
+        </p:spPr>
+        <p:style>
+          <a:lnRef idx="2">
+            <a:schemeClr val="accent1">
+              <a:shade val="15000"/>
+            </a:schemeClr>
+          </a:lnRef>
+          <a:fillRef idx="1">
+            <a:schemeClr val="accent1"/>
+          </a:fillRef>
+          <a:effectRef idx="0">
+            <a:schemeClr val="accent1"/>
+          </a:effectRef>
+          <a:fontRef idx="minor">
+            <a:schemeClr val="lt1"/>
+          </a:fontRef>
+        </p:style>
+        <p:txBody>
+          <a:bodyPr rtlCol="0" anchor="ctr"/>
+          <a:lstStyle/>
+          <a:p>
+            <a:pPr algn="ctr"/>
+            <a:r>
+              <a:rPr kumimoji="1" lang="en-US" altLang="ko-KR" dirty="0">
+                <a:solidFill>
+                  <a:sysClr val="windowText" lastClr="000000"/>
+                </a:solidFill>
+              </a:rPr>
+              <a:t>Dispatcher</a:t>
+            </a:r>
+            <a:endParaRPr kumimoji="1" lang="ko-KR" altLang="en-US" dirty="0">
+              <a:solidFill>
+                <a:sysClr val="windowText" lastClr="000000"/>
+              </a:solidFill>
+            </a:endParaRPr>
+          </a:p>
+        </p:txBody>
+      </p:sp>
+      <p:sp>
+        <p:nvSpPr>
+          <p:cNvPr id="11" name="직사각형 10">
+            <a:extLst>
+              <a:ext uri="{FF2B5EF4-FFF2-40B4-BE49-F238E27FC236}">
+                <a16:creationId xmlns:a16="http://schemas.microsoft.com/office/drawing/2014/main" id="{3D119CFE-6787-4C5D-15B2-6807B52D0786}"/>
+              </a:ext>
+            </a:extLst>
+          </p:cNvPr>
+          <p:cNvSpPr/>
+          <p:nvPr/>
+        </p:nvSpPr>
+        <p:spPr>
+          <a:xfrm>
+            <a:off x="4444179" y="1516175"/>
+            <a:ext cx="1879101" cy="620486"/>
+          </a:xfrm>
+          <a:prstGeom prst="rect">
+            <a:avLst/>
+          </a:prstGeom>
+          <a:solidFill>
+            <a:schemeClr val="bg1"/>
+          </a:solidFill>
+          <a:ln>
+            <a:solidFill>
+              <a:schemeClr val="tx1"/>
+            </a:solidFill>
+          </a:ln>
+        </p:spPr>
+        <p:style>
+          <a:lnRef idx="2">
+            <a:schemeClr val="accent1">
+              <a:shade val="15000"/>
+            </a:schemeClr>
+          </a:lnRef>
+          <a:fillRef idx="1">
+            <a:schemeClr val="accent1"/>
+          </a:fillRef>
+          <a:effectRef idx="0">
+            <a:schemeClr val="accent1"/>
+          </a:effectRef>
+          <a:fontRef idx="minor">
+            <a:schemeClr val="lt1"/>
+          </a:fontRef>
+        </p:style>
+        <p:txBody>
+          <a:bodyPr rtlCol="0" anchor="ctr"/>
+          <a:lstStyle/>
+          <a:p>
+            <a:pPr algn="ctr"/>
+            <a:r>
+              <a:rPr kumimoji="1" lang="en-US" altLang="ko-KR" dirty="0">
+                <a:solidFill>
+                  <a:sysClr val="windowText" lastClr="000000"/>
+                </a:solidFill>
+              </a:rPr>
+              <a:t>DB Server</a:t>
+            </a:r>
+            <a:endParaRPr kumimoji="1" lang="ko-KR" altLang="en-US" dirty="0">
+              <a:solidFill>
+                <a:sysClr val="windowText" lastClr="000000"/>
+              </a:solidFill>
+            </a:endParaRPr>
+          </a:p>
+        </p:txBody>
+      </p:sp>
+      <p:sp>
+        <p:nvSpPr>
+          <p:cNvPr id="12" name="직사각형 11">
+            <a:extLst>
+              <a:ext uri="{FF2B5EF4-FFF2-40B4-BE49-F238E27FC236}">
+                <a16:creationId xmlns:a16="http://schemas.microsoft.com/office/drawing/2014/main" id="{739B746E-6E0C-011E-32A0-01EE623EFC59}"/>
+              </a:ext>
+            </a:extLst>
+          </p:cNvPr>
+          <p:cNvSpPr/>
+          <p:nvPr/>
+        </p:nvSpPr>
+        <p:spPr>
+          <a:xfrm>
+            <a:off x="7415024" y="1516175"/>
+            <a:ext cx="1879101" cy="620486"/>
+          </a:xfrm>
+          <a:prstGeom prst="rect">
+            <a:avLst/>
+          </a:prstGeom>
+          <a:solidFill>
+            <a:schemeClr val="bg1"/>
+          </a:solidFill>
+          <a:ln>
+            <a:solidFill>
+              <a:schemeClr val="tx1"/>
+            </a:solidFill>
+          </a:ln>
+        </p:spPr>
+        <p:style>
+          <a:lnRef idx="2">
+            <a:schemeClr val="accent1">
+              <a:shade val="15000"/>
+            </a:schemeClr>
+          </a:lnRef>
+          <a:fillRef idx="1">
+            <a:schemeClr val="accent1"/>
+          </a:fillRef>
+          <a:effectRef idx="0">
+            <a:schemeClr val="accent1"/>
+          </a:effectRef>
+          <a:fontRef idx="minor">
+            <a:schemeClr val="lt1"/>
+          </a:fontRef>
+        </p:style>
+        <p:txBody>
+          <a:bodyPr rtlCol="0" anchor="ctr"/>
+          <a:lstStyle/>
+          <a:p>
+            <a:pPr algn="ctr"/>
+            <a:r>
+              <a:rPr kumimoji="1" lang="en-US" altLang="ko-KR" dirty="0">
+                <a:solidFill>
+                  <a:sysClr val="windowText" lastClr="000000"/>
+                </a:solidFill>
+              </a:rPr>
+              <a:t>Monitor</a:t>
+            </a:r>
+            <a:endParaRPr kumimoji="1" lang="ko-KR" altLang="en-US" dirty="0">
+              <a:solidFill>
+                <a:sysClr val="windowText" lastClr="000000"/>
+              </a:solidFill>
+            </a:endParaRPr>
+          </a:p>
+        </p:txBody>
+      </p:sp>
+      <p:cxnSp>
+        <p:nvCxnSpPr>
+          <p:cNvPr id="16" name="직선 연결선[R] 15">
+            <a:extLst>
+              <a:ext uri="{FF2B5EF4-FFF2-40B4-BE49-F238E27FC236}">
+                <a16:creationId xmlns:a16="http://schemas.microsoft.com/office/drawing/2014/main" id="{24C1530F-96E0-5994-8515-A2A8731C1C6F}"/>
+              </a:ext>
+            </a:extLst>
+          </p:cNvPr>
+          <p:cNvCxnSpPr>
+            <a:cxnSpLocks/>
+            <a:stCxn id="3" idx="0"/>
+          </p:cNvCxnSpPr>
+          <p:nvPr/>
+        </p:nvCxnSpPr>
+        <p:spPr>
+          <a:xfrm flipV="1">
+            <a:off x="3856764" y="3638270"/>
+            <a:ext cx="1656" cy="815415"/>
+          </a:xfrm>
+          <a:prstGeom prst="line">
+            <a:avLst/>
+          </a:prstGeom>
+          <a:ln>
+            <a:solidFill>
+              <a:schemeClr val="tx1"/>
+            </a:solidFill>
+          </a:ln>
+        </p:spPr>
+        <p:style>
+          <a:lnRef idx="2">
+            <a:schemeClr val="accent1"/>
+          </a:lnRef>
+          <a:fillRef idx="0">
+            <a:schemeClr val="accent1"/>
+          </a:fillRef>
+          <a:effectRef idx="1">
+            <a:schemeClr val="accent1"/>
+          </a:effectRef>
+          <a:fontRef idx="minor">
+            <a:schemeClr val="tx1"/>
+          </a:fontRef>
+        </p:style>
+      </p:cxnSp>
+      <p:cxnSp>
+        <p:nvCxnSpPr>
+          <p:cNvPr id="18" name="직선 연결선[R] 17">
+            <a:extLst>
+              <a:ext uri="{FF2B5EF4-FFF2-40B4-BE49-F238E27FC236}">
+                <a16:creationId xmlns:a16="http://schemas.microsoft.com/office/drawing/2014/main" id="{91A6D1AE-F350-FB64-8AD7-EE044B840F04}"/>
+              </a:ext>
+            </a:extLst>
+          </p:cNvPr>
+          <p:cNvCxnSpPr>
+            <a:cxnSpLocks/>
+            <a:stCxn id="4" idx="0"/>
+          </p:cNvCxnSpPr>
+          <p:nvPr/>
+        </p:nvCxnSpPr>
+        <p:spPr>
+          <a:xfrm flipV="1">
+            <a:off x="5528689" y="3690564"/>
+            <a:ext cx="0" cy="728362"/>
+          </a:xfrm>
+          <a:prstGeom prst="line">
+            <a:avLst/>
+          </a:prstGeom>
+          <a:ln>
+            <a:solidFill>
+              <a:schemeClr val="tx1"/>
+            </a:solidFill>
+          </a:ln>
+        </p:spPr>
+        <p:style>
+          <a:lnRef idx="2">
+            <a:schemeClr val="accent1"/>
+          </a:lnRef>
+          <a:fillRef idx="0">
+            <a:schemeClr val="accent1"/>
+          </a:fillRef>
+          <a:effectRef idx="1">
+            <a:schemeClr val="accent1"/>
+          </a:effectRef>
+          <a:fontRef idx="minor">
+            <a:schemeClr val="tx1"/>
+          </a:fontRef>
+        </p:style>
+      </p:cxnSp>
+      <p:cxnSp>
+        <p:nvCxnSpPr>
+          <p:cNvPr id="21" name="직선 연결선[R] 20">
+            <a:extLst>
+              <a:ext uri="{FF2B5EF4-FFF2-40B4-BE49-F238E27FC236}">
+                <a16:creationId xmlns:a16="http://schemas.microsoft.com/office/drawing/2014/main" id="{27D4CB2B-21A8-D9D6-0E91-DBE33EB6A0DF}"/>
+              </a:ext>
+            </a:extLst>
+          </p:cNvPr>
+          <p:cNvCxnSpPr>
+            <a:cxnSpLocks/>
+            <a:stCxn id="5" idx="0"/>
+          </p:cNvCxnSpPr>
+          <p:nvPr/>
+        </p:nvCxnSpPr>
+        <p:spPr>
+          <a:xfrm flipH="1" flipV="1">
+            <a:off x="7177136" y="3638270"/>
+            <a:ext cx="1" cy="736483"/>
+          </a:xfrm>
+          <a:prstGeom prst="line">
+            <a:avLst/>
+          </a:prstGeom>
+          <a:ln>
+            <a:solidFill>
+              <a:schemeClr val="tx1"/>
+            </a:solidFill>
+          </a:ln>
+        </p:spPr>
+        <p:style>
+          <a:lnRef idx="2">
+            <a:schemeClr val="accent1"/>
+          </a:lnRef>
+          <a:fillRef idx="0">
+            <a:schemeClr val="accent1"/>
+          </a:fillRef>
+          <a:effectRef idx="1">
+            <a:schemeClr val="accent1"/>
+          </a:effectRef>
+          <a:fontRef idx="minor">
+            <a:schemeClr val="tx1"/>
+          </a:fontRef>
+        </p:style>
+      </p:cxnSp>
+      <p:cxnSp>
+        <p:nvCxnSpPr>
+          <p:cNvPr id="24" name="직선 연결선[R] 23">
+            <a:extLst>
+              <a:ext uri="{FF2B5EF4-FFF2-40B4-BE49-F238E27FC236}">
+                <a16:creationId xmlns:a16="http://schemas.microsoft.com/office/drawing/2014/main" id="{55DD478D-BECC-80AF-1797-6DEFEA423566}"/>
+              </a:ext>
+            </a:extLst>
+          </p:cNvPr>
+          <p:cNvCxnSpPr>
+            <a:cxnSpLocks/>
+            <a:stCxn id="7" idx="0"/>
+          </p:cNvCxnSpPr>
+          <p:nvPr/>
+        </p:nvCxnSpPr>
+        <p:spPr>
+          <a:xfrm flipV="1">
+            <a:off x="8738223" y="3638270"/>
+            <a:ext cx="0" cy="674914"/>
+          </a:xfrm>
+          <a:prstGeom prst="line">
+            <a:avLst/>
+          </a:prstGeom>
+          <a:ln>
+            <a:solidFill>
+              <a:schemeClr val="tx1"/>
+            </a:solidFill>
+          </a:ln>
+        </p:spPr>
+        <p:style>
+          <a:lnRef idx="2">
+            <a:schemeClr val="accent1"/>
+          </a:lnRef>
+          <a:fillRef idx="0">
+            <a:schemeClr val="accent1"/>
+          </a:fillRef>
+          <a:effectRef idx="1">
+            <a:schemeClr val="accent1"/>
+          </a:effectRef>
+          <a:fontRef idx="minor">
+            <a:schemeClr val="tx1"/>
+          </a:fontRef>
+        </p:style>
+      </p:cxnSp>
+      <p:sp>
+        <p:nvSpPr>
+          <p:cNvPr id="13" name="직사각형 12">
+            <a:extLst>
+              <a:ext uri="{FF2B5EF4-FFF2-40B4-BE49-F238E27FC236}">
+                <a16:creationId xmlns:a16="http://schemas.microsoft.com/office/drawing/2014/main" id="{0449D231-DE29-9A01-A412-7B52AB3A4EA4}"/>
+              </a:ext>
+            </a:extLst>
+          </p:cNvPr>
+          <p:cNvSpPr/>
+          <p:nvPr/>
+        </p:nvSpPr>
+        <p:spPr>
+          <a:xfrm>
+            <a:off x="1473333" y="3476044"/>
+            <a:ext cx="7826828" cy="326571"/>
+          </a:xfrm>
+          <a:prstGeom prst="rect">
+            <a:avLst/>
+          </a:prstGeom>
+          <a:solidFill>
+            <a:schemeClr val="bg1"/>
+          </a:solidFill>
+          <a:ln>
+            <a:solidFill>
+              <a:schemeClr val="tx1"/>
+            </a:solidFill>
+          </a:ln>
+        </p:spPr>
+        <p:style>
+          <a:lnRef idx="2">
+            <a:schemeClr val="accent1">
+              <a:shade val="15000"/>
+            </a:schemeClr>
+          </a:lnRef>
+          <a:fillRef idx="1">
+            <a:schemeClr val="accent1"/>
+          </a:fillRef>
+          <a:effectRef idx="0">
+            <a:schemeClr val="accent1"/>
+          </a:effectRef>
+          <a:fontRef idx="minor">
+            <a:schemeClr val="lt1"/>
+          </a:fontRef>
+        </p:style>
+        <p:txBody>
+          <a:bodyPr rtlCol="0" anchor="ctr"/>
+          <a:lstStyle/>
+          <a:p>
+            <a:pPr algn="ctr"/>
+            <a:r>
+              <a:rPr kumimoji="1" lang="en-US" altLang="ko-KR" dirty="0">
+                <a:solidFill>
+                  <a:sysClr val="windowText" lastClr="000000"/>
+                </a:solidFill>
+              </a:rPr>
+              <a:t>DDS</a:t>
+            </a:r>
+            <a:endParaRPr kumimoji="1" lang="ko-KR" altLang="en-US" dirty="0">
+              <a:solidFill>
+                <a:sysClr val="windowText" lastClr="000000"/>
+              </a:solidFill>
+            </a:endParaRPr>
+          </a:p>
+        </p:txBody>
+      </p:sp>
+      <p:cxnSp>
+        <p:nvCxnSpPr>
+          <p:cNvPr id="27" name="직선 연결선[R] 26">
+            <a:extLst>
+              <a:ext uri="{FF2B5EF4-FFF2-40B4-BE49-F238E27FC236}">
+                <a16:creationId xmlns:a16="http://schemas.microsoft.com/office/drawing/2014/main" id="{650E2429-ADDA-86A6-B8B6-C77C2B6BDEBD}"/>
+              </a:ext>
+            </a:extLst>
+          </p:cNvPr>
+          <p:cNvCxnSpPr>
+            <a:cxnSpLocks/>
+            <a:endCxn id="10" idx="2"/>
+          </p:cNvCxnSpPr>
+          <p:nvPr/>
+        </p:nvCxnSpPr>
+        <p:spPr>
+          <a:xfrm flipV="1">
+            <a:off x="2412884" y="2136661"/>
+            <a:ext cx="0" cy="862487"/>
+          </a:xfrm>
+          <a:prstGeom prst="line">
+            <a:avLst/>
+          </a:prstGeom>
+          <a:ln>
+            <a:solidFill>
+              <a:schemeClr val="tx1"/>
+            </a:solidFill>
+          </a:ln>
+        </p:spPr>
+        <p:style>
+          <a:lnRef idx="2">
+            <a:schemeClr val="accent1"/>
+          </a:lnRef>
+          <a:fillRef idx="0">
+            <a:schemeClr val="accent1"/>
+          </a:fillRef>
+          <a:effectRef idx="1">
+            <a:schemeClr val="accent1"/>
+          </a:effectRef>
+          <a:fontRef idx="minor">
+            <a:schemeClr val="tx1"/>
+          </a:fontRef>
+        </p:style>
+      </p:cxnSp>
+      <p:cxnSp>
+        <p:nvCxnSpPr>
+          <p:cNvPr id="30" name="직선 연결선[R] 29">
+            <a:extLst>
+              <a:ext uri="{FF2B5EF4-FFF2-40B4-BE49-F238E27FC236}">
+                <a16:creationId xmlns:a16="http://schemas.microsoft.com/office/drawing/2014/main" id="{C732425C-1357-76DC-C7BA-9B008971B236}"/>
+              </a:ext>
+            </a:extLst>
+          </p:cNvPr>
+          <p:cNvCxnSpPr>
+            <a:cxnSpLocks/>
+            <a:endCxn id="12" idx="2"/>
+          </p:cNvCxnSpPr>
+          <p:nvPr/>
+        </p:nvCxnSpPr>
+        <p:spPr>
+          <a:xfrm flipV="1">
+            <a:off x="8354575" y="2136661"/>
+            <a:ext cx="0" cy="990783"/>
+          </a:xfrm>
+          <a:prstGeom prst="line">
+            <a:avLst/>
+          </a:prstGeom>
+          <a:ln>
+            <a:solidFill>
+              <a:schemeClr val="tx1"/>
+            </a:solidFill>
+          </a:ln>
+        </p:spPr>
+        <p:style>
+          <a:lnRef idx="2">
+            <a:schemeClr val="accent1"/>
+          </a:lnRef>
+          <a:fillRef idx="0">
+            <a:schemeClr val="accent1"/>
+          </a:fillRef>
+          <a:effectRef idx="1">
+            <a:schemeClr val="accent1"/>
+          </a:effectRef>
+          <a:fontRef idx="minor">
+            <a:schemeClr val="tx1"/>
+          </a:fontRef>
+        </p:style>
+      </p:cxnSp>
+      <p:sp>
+        <p:nvSpPr>
+          <p:cNvPr id="9" name="직사각형 8">
+            <a:extLst>
+              <a:ext uri="{FF2B5EF4-FFF2-40B4-BE49-F238E27FC236}">
+                <a16:creationId xmlns:a16="http://schemas.microsoft.com/office/drawing/2014/main" id="{5A7EB036-EB04-676E-487F-08FC95E89416}"/>
+              </a:ext>
+            </a:extLst>
+          </p:cNvPr>
+          <p:cNvSpPr/>
+          <p:nvPr/>
+        </p:nvSpPr>
+        <p:spPr>
+          <a:xfrm>
+            <a:off x="1473333" y="2999148"/>
+            <a:ext cx="7826828" cy="326571"/>
+          </a:xfrm>
+          <a:prstGeom prst="rect">
+            <a:avLst/>
+          </a:prstGeom>
+          <a:solidFill>
+            <a:schemeClr val="bg1"/>
+          </a:solidFill>
+          <a:ln>
+            <a:solidFill>
+              <a:schemeClr val="tx1"/>
+            </a:solidFill>
+          </a:ln>
+        </p:spPr>
+        <p:style>
+          <a:lnRef idx="2">
+            <a:schemeClr val="accent1">
+              <a:shade val="15000"/>
+            </a:schemeClr>
+          </a:lnRef>
+          <a:fillRef idx="1">
+            <a:schemeClr val="accent1"/>
+          </a:fillRef>
+          <a:effectRef idx="0">
+            <a:schemeClr val="accent1"/>
+          </a:effectRef>
+          <a:fontRef idx="minor">
+            <a:schemeClr val="lt1"/>
+          </a:fontRef>
+        </p:style>
+        <p:txBody>
+          <a:bodyPr rtlCol="0" anchor="ctr"/>
+          <a:lstStyle/>
+          <a:p>
+            <a:pPr algn="ctr"/>
+            <a:r>
+              <a:rPr kumimoji="1" lang="en-US" altLang="ko-KR" dirty="0">
+                <a:solidFill>
+                  <a:sysClr val="windowText" lastClr="000000"/>
+                </a:solidFill>
+              </a:rPr>
+              <a:t>ROS 2</a:t>
+            </a:r>
+            <a:endParaRPr kumimoji="1" lang="ko-KR" altLang="en-US" dirty="0">
+              <a:solidFill>
+                <a:sysClr val="windowText" lastClr="000000"/>
+              </a:solidFill>
+            </a:endParaRPr>
+          </a:p>
+        </p:txBody>
+      </p:sp>
+      <p:cxnSp>
+        <p:nvCxnSpPr>
+          <p:cNvPr id="36" name="직선 연결선[R] 35">
+            <a:extLst>
+              <a:ext uri="{FF2B5EF4-FFF2-40B4-BE49-F238E27FC236}">
+                <a16:creationId xmlns:a16="http://schemas.microsoft.com/office/drawing/2014/main" id="{204C3257-DAC6-59FB-1F0D-94C965F3A2E3}"/>
+              </a:ext>
+            </a:extLst>
+          </p:cNvPr>
+          <p:cNvCxnSpPr>
+            <a:cxnSpLocks/>
+            <a:stCxn id="11" idx="1"/>
+            <a:endCxn id="10" idx="3"/>
+          </p:cNvCxnSpPr>
+          <p:nvPr/>
+        </p:nvCxnSpPr>
+        <p:spPr>
+          <a:xfrm flipH="1">
+            <a:off x="3352434" y="1826418"/>
+            <a:ext cx="1091745" cy="0"/>
+          </a:xfrm>
+          <a:prstGeom prst="line">
+            <a:avLst/>
+          </a:prstGeom>
+          <a:ln>
+            <a:solidFill>
+              <a:schemeClr val="tx1"/>
+            </a:solidFill>
+            <a:headEnd type="triangle" w="med" len="med"/>
+            <a:tailEnd type="triangle" w="med" len="med"/>
+          </a:ln>
+        </p:spPr>
+        <p:style>
+          <a:lnRef idx="2">
+            <a:schemeClr val="accent1"/>
+          </a:lnRef>
+          <a:fillRef idx="0">
+            <a:schemeClr val="accent1"/>
+          </a:fillRef>
+          <a:effectRef idx="1">
+            <a:schemeClr val="accent1"/>
+          </a:effectRef>
+          <a:fontRef idx="minor">
+            <a:schemeClr val="tx1"/>
+          </a:fontRef>
+        </p:style>
+      </p:cxnSp>
+      <p:cxnSp>
+        <p:nvCxnSpPr>
+          <p:cNvPr id="39" name="직선 연결선[R] 38">
+            <a:extLst>
+              <a:ext uri="{FF2B5EF4-FFF2-40B4-BE49-F238E27FC236}">
+                <a16:creationId xmlns:a16="http://schemas.microsoft.com/office/drawing/2014/main" id="{12F9E148-F213-BCCA-812B-D679D034DE73}"/>
+              </a:ext>
+            </a:extLst>
+          </p:cNvPr>
+          <p:cNvCxnSpPr>
+            <a:cxnSpLocks/>
+            <a:stCxn id="12" idx="1"/>
+            <a:endCxn id="11" idx="3"/>
+          </p:cNvCxnSpPr>
+          <p:nvPr/>
+        </p:nvCxnSpPr>
+        <p:spPr>
+          <a:xfrm flipH="1">
+            <a:off x="6323280" y="1826418"/>
+            <a:ext cx="1091744" cy="0"/>
+          </a:xfrm>
+          <a:prstGeom prst="line">
+            <a:avLst/>
+          </a:prstGeom>
+          <a:ln>
+            <a:solidFill>
+              <a:schemeClr val="tx1"/>
+            </a:solidFill>
+            <a:headEnd type="triangle" w="med" len="med"/>
+            <a:tailEnd type="triangle" w="med" len="med"/>
+          </a:ln>
+        </p:spPr>
+        <p:style>
+          <a:lnRef idx="2">
+            <a:schemeClr val="accent1"/>
+          </a:lnRef>
+          <a:fillRef idx="0">
+            <a:schemeClr val="accent1"/>
+          </a:fillRef>
+          <a:effectRef idx="1">
+            <a:schemeClr val="accent1"/>
+          </a:effectRef>
+          <a:fontRef idx="minor">
+            <a:schemeClr val="tx1"/>
+          </a:fontRef>
+        </p:style>
+      </p:cxnSp>
+      <p:sp>
+        <p:nvSpPr>
+          <p:cNvPr id="42" name="모서리가 둥근 직사각형 41">
+            <a:extLst>
+              <a:ext uri="{FF2B5EF4-FFF2-40B4-BE49-F238E27FC236}">
+                <a16:creationId xmlns:a16="http://schemas.microsoft.com/office/drawing/2014/main" id="{08EE8A31-B281-CD04-E90B-39AB6845FBFB}"/>
+              </a:ext>
+            </a:extLst>
+          </p:cNvPr>
+          <p:cNvSpPr/>
+          <p:nvPr/>
+        </p:nvSpPr>
+        <p:spPr>
+          <a:xfrm>
+            <a:off x="333695" y="4234542"/>
+            <a:ext cx="9238609" cy="1404257"/>
+          </a:xfrm>
+          <a:prstGeom prst="roundRect">
+            <a:avLst/>
+          </a:prstGeom>
+          <a:noFill/>
+          <a:ln>
+            <a:solidFill>
+              <a:srgbClr val="0070C0"/>
+            </a:solidFill>
+            <a:prstDash val="dash"/>
+          </a:ln>
+        </p:spPr>
+        <p:style>
+          <a:lnRef idx="2">
+            <a:schemeClr val="accent1">
+              <a:shade val="15000"/>
+            </a:schemeClr>
+          </a:lnRef>
+          <a:fillRef idx="1">
+            <a:schemeClr val="accent1"/>
+          </a:fillRef>
+          <a:effectRef idx="0">
+            <a:schemeClr val="accent1"/>
+          </a:effectRef>
+          <a:fontRef idx="minor">
+            <a:schemeClr val="lt1"/>
+          </a:fontRef>
+        </p:style>
+        <p:txBody>
+          <a:bodyPr rtlCol="0" anchor="ctr"/>
+          <a:lstStyle/>
+          <a:p>
+            <a:r>
+              <a:rPr kumimoji="1" lang="en-US" altLang="ko-KR" sz="1800" b="1" dirty="0">
+                <a:solidFill>
+                  <a:srgbClr val="0070C0"/>
+                </a:solidFill>
+              </a:rPr>
+              <a:t>Nodes</a:t>
+            </a:r>
+            <a:endParaRPr kumimoji="1" lang="ko-KR" altLang="en-US" dirty="0">
+              <a:solidFill>
+                <a:srgbClr val="0070C0"/>
+              </a:solidFill>
+            </a:endParaRPr>
+          </a:p>
+        </p:txBody>
+      </p:sp>
+      <p:sp>
+        <p:nvSpPr>
+          <p:cNvPr id="43" name="TextBox 42">
+            <a:extLst>
+              <a:ext uri="{FF2B5EF4-FFF2-40B4-BE49-F238E27FC236}">
+                <a16:creationId xmlns:a16="http://schemas.microsoft.com/office/drawing/2014/main" id="{8E45FF4E-7AA9-C59E-2EBD-A8A41AE8F17C}"/>
+              </a:ext>
+            </a:extLst>
+          </p:cNvPr>
+          <p:cNvSpPr txBox="1"/>
+          <p:nvPr/>
+        </p:nvSpPr>
+        <p:spPr>
+          <a:xfrm>
+            <a:off x="1813270" y="5300090"/>
+            <a:ext cx="902811" cy="307777"/>
+          </a:xfrm>
+          <a:prstGeom prst="rect">
+            <a:avLst/>
+          </a:prstGeom>
+          <a:noFill/>
+        </p:spPr>
+        <p:txBody>
+          <a:bodyPr wrap="none" rtlCol="0">
+            <a:spAutoFit/>
+          </a:bodyPr>
+          <a:lstStyle/>
+          <a:p>
+            <a:pPr algn="ctr"/>
+            <a:r>
+              <a:rPr kumimoji="1" lang="ko-KR" altLang="en-US" sz="1400" dirty="0"/>
+              <a:t>반출입기</a:t>
+            </a:r>
+          </a:p>
+        </p:txBody>
+      </p:sp>
+      <p:sp>
+        <p:nvSpPr>
+          <p:cNvPr id="44" name="TextBox 43">
+            <a:extLst>
+              <a:ext uri="{FF2B5EF4-FFF2-40B4-BE49-F238E27FC236}">
+                <a16:creationId xmlns:a16="http://schemas.microsoft.com/office/drawing/2014/main" id="{6CE5D6F9-EDE0-D4B8-BF72-D2A85F78D9C5}"/>
+              </a:ext>
+            </a:extLst>
+          </p:cNvPr>
+          <p:cNvSpPr txBox="1"/>
+          <p:nvPr/>
+        </p:nvSpPr>
+        <p:spPr>
+          <a:xfrm>
+            <a:off x="5144867" y="5299972"/>
+            <a:ext cx="774187" cy="307777"/>
+          </a:xfrm>
+          <a:prstGeom prst="rect">
+            <a:avLst/>
+          </a:prstGeom>
+          <a:noFill/>
+        </p:spPr>
+        <p:txBody>
+          <a:bodyPr wrap="none" rtlCol="0">
+            <a:spAutoFit/>
+          </a:bodyPr>
+          <a:lstStyle/>
+          <a:p>
+            <a:pPr algn="ctr"/>
+            <a:r>
+              <a:rPr kumimoji="1" lang="en-US" altLang="ko-KR" sz="1400" dirty="0"/>
+              <a:t>Stocker</a:t>
+            </a:r>
+            <a:endParaRPr kumimoji="1" lang="ko-KR" altLang="en-US" sz="1400" dirty="0"/>
+          </a:p>
+        </p:txBody>
+      </p:sp>
+      <p:sp>
+        <p:nvSpPr>
+          <p:cNvPr id="45" name="TextBox 44">
+            <a:extLst>
+              <a:ext uri="{FF2B5EF4-FFF2-40B4-BE49-F238E27FC236}">
+                <a16:creationId xmlns:a16="http://schemas.microsoft.com/office/drawing/2014/main" id="{49872D79-B932-64DB-83FC-AEE7945273AD}"/>
+              </a:ext>
+            </a:extLst>
+          </p:cNvPr>
+          <p:cNvSpPr txBox="1"/>
+          <p:nvPr/>
+        </p:nvSpPr>
+        <p:spPr>
+          <a:xfrm>
+            <a:off x="6725730" y="5300090"/>
+            <a:ext cx="902811" cy="307777"/>
+          </a:xfrm>
+          <a:prstGeom prst="rect">
+            <a:avLst/>
+          </a:prstGeom>
+          <a:noFill/>
+        </p:spPr>
+        <p:txBody>
+          <a:bodyPr wrap="none" rtlCol="0">
+            <a:spAutoFit/>
+          </a:bodyPr>
+          <a:lstStyle/>
+          <a:p>
+            <a:pPr algn="ctr"/>
+            <a:r>
+              <a:rPr kumimoji="1" lang="ko-KR" altLang="en-US" sz="1400" dirty="0"/>
+              <a:t>폐기설비</a:t>
+            </a:r>
+          </a:p>
+        </p:txBody>
+      </p:sp>
+      <p:sp>
+        <p:nvSpPr>
+          <p:cNvPr id="46" name="TextBox 45">
+            <a:extLst>
+              <a:ext uri="{FF2B5EF4-FFF2-40B4-BE49-F238E27FC236}">
+                <a16:creationId xmlns:a16="http://schemas.microsoft.com/office/drawing/2014/main" id="{FD544215-6237-2C97-C71E-722B433A2C91}"/>
+              </a:ext>
+            </a:extLst>
+          </p:cNvPr>
+          <p:cNvSpPr txBox="1"/>
+          <p:nvPr/>
+        </p:nvSpPr>
+        <p:spPr>
+          <a:xfrm>
+            <a:off x="3536668" y="5300225"/>
+            <a:ext cx="723275" cy="307777"/>
+          </a:xfrm>
+          <a:prstGeom prst="rect">
+            <a:avLst/>
+          </a:prstGeom>
+          <a:noFill/>
+        </p:spPr>
+        <p:txBody>
+          <a:bodyPr wrap="none" rtlCol="0">
+            <a:spAutoFit/>
+          </a:bodyPr>
+          <a:lstStyle/>
+          <a:p>
+            <a:pPr algn="ctr"/>
+            <a:r>
+              <a:rPr kumimoji="1" lang="ko-KR" altLang="en-US" sz="1400" dirty="0"/>
+              <a:t>분석기</a:t>
+            </a:r>
+            <a:endParaRPr kumimoji="1" lang="en-US" altLang="ko-KR" sz="1400" dirty="0"/>
+          </a:p>
+        </p:txBody>
+      </p:sp>
+      <p:sp>
+        <p:nvSpPr>
+          <p:cNvPr id="47" name="TextBox 46">
+            <a:extLst>
+              <a:ext uri="{FF2B5EF4-FFF2-40B4-BE49-F238E27FC236}">
+                <a16:creationId xmlns:a16="http://schemas.microsoft.com/office/drawing/2014/main" id="{781C45E5-264A-006E-A586-39F26DA88B12}"/>
+              </a:ext>
+            </a:extLst>
+          </p:cNvPr>
+          <p:cNvSpPr txBox="1"/>
+          <p:nvPr/>
+        </p:nvSpPr>
+        <p:spPr>
+          <a:xfrm>
+            <a:off x="8354574" y="5299973"/>
+            <a:ext cx="704040" cy="307777"/>
+          </a:xfrm>
+          <a:prstGeom prst="rect">
+            <a:avLst/>
+          </a:prstGeom>
+          <a:noFill/>
+        </p:spPr>
+        <p:txBody>
+          <a:bodyPr wrap="none" rtlCol="0">
+            <a:spAutoFit/>
+          </a:bodyPr>
+          <a:lstStyle/>
+          <a:p>
+            <a:pPr algn="ctr"/>
+            <a:r>
+              <a:rPr kumimoji="1" lang="en-US" altLang="ko-KR" sz="1400" dirty="0"/>
+              <a:t>MOMA</a:t>
+            </a:r>
+          </a:p>
+        </p:txBody>
+      </p:sp>
+      <p:sp>
+        <p:nvSpPr>
+          <p:cNvPr id="48" name="타원 47">
+            <a:extLst>
+              <a:ext uri="{FF2B5EF4-FFF2-40B4-BE49-F238E27FC236}">
+                <a16:creationId xmlns:a16="http://schemas.microsoft.com/office/drawing/2014/main" id="{7B95CDE2-B20E-BDA4-1423-C21ED3506BF7}"/>
+              </a:ext>
+            </a:extLst>
+          </p:cNvPr>
+          <p:cNvSpPr/>
+          <p:nvPr/>
+        </p:nvSpPr>
+        <p:spPr>
+          <a:xfrm>
+            <a:off x="2143710" y="4374753"/>
+            <a:ext cx="241934" cy="241934"/>
+          </a:xfrm>
+          <a:prstGeom prst="ellipse">
+            <a:avLst/>
+          </a:prstGeom>
+          <a:solidFill>
+            <a:srgbClr val="FF0000"/>
+          </a:solidFill>
+          <a:ln>
+            <a:solidFill>
+              <a:srgbClr val="C00000"/>
+            </a:solidFill>
+          </a:ln>
+        </p:spPr>
+        <p:style>
+          <a:lnRef idx="2">
+            <a:schemeClr val="accent1">
+              <a:shade val="15000"/>
+            </a:schemeClr>
+          </a:lnRef>
+          <a:fillRef idx="1">
+            <a:schemeClr val="accent1"/>
+          </a:fillRef>
+          <a:effectRef idx="0">
+            <a:schemeClr val="accent1"/>
+          </a:effectRef>
+          <a:fontRef idx="minor">
+            <a:schemeClr val="lt1"/>
+          </a:fontRef>
+        </p:style>
+        <p:txBody>
+          <a:bodyPr rtlCol="0" anchor="ctr"/>
+          <a:lstStyle/>
+          <a:p>
+            <a:pPr algn="ctr"/>
+            <a:endParaRPr kumimoji="1" lang="ko-KR" altLang="en-US" dirty="0">
+              <a:solidFill>
+                <a:sysClr val="windowText" lastClr="000000"/>
+              </a:solidFill>
+            </a:endParaRPr>
+          </a:p>
+        </p:txBody>
+      </p:sp>
+      <p:sp>
+        <p:nvSpPr>
+          <p:cNvPr id="49" name="타원 48">
+            <a:extLst>
+              <a:ext uri="{FF2B5EF4-FFF2-40B4-BE49-F238E27FC236}">
+                <a16:creationId xmlns:a16="http://schemas.microsoft.com/office/drawing/2014/main" id="{AC9C2E68-27BC-3741-F4BA-DB74681ECE9E}"/>
+              </a:ext>
+            </a:extLst>
+          </p:cNvPr>
+          <p:cNvSpPr/>
+          <p:nvPr/>
+        </p:nvSpPr>
+        <p:spPr>
+          <a:xfrm>
+            <a:off x="3742738" y="4374753"/>
+            <a:ext cx="241934" cy="241934"/>
+          </a:xfrm>
+          <a:prstGeom prst="ellipse">
+            <a:avLst/>
+          </a:prstGeom>
+          <a:solidFill>
+            <a:srgbClr val="FF0000"/>
+          </a:solidFill>
+          <a:ln>
+            <a:solidFill>
+              <a:srgbClr val="C00000"/>
+            </a:solidFill>
+          </a:ln>
+        </p:spPr>
+        <p:style>
+          <a:lnRef idx="2">
+            <a:schemeClr val="accent1">
+              <a:shade val="15000"/>
+            </a:schemeClr>
+          </a:lnRef>
+          <a:fillRef idx="1">
+            <a:schemeClr val="accent1"/>
+          </a:fillRef>
+          <a:effectRef idx="0">
+            <a:schemeClr val="accent1"/>
+          </a:effectRef>
+          <a:fontRef idx="minor">
+            <a:schemeClr val="lt1"/>
+          </a:fontRef>
+        </p:style>
+        <p:txBody>
+          <a:bodyPr rtlCol="0" anchor="ctr"/>
+          <a:lstStyle/>
+          <a:p>
+            <a:pPr algn="ctr"/>
+            <a:endParaRPr kumimoji="1" lang="ko-KR" altLang="en-US" dirty="0">
+              <a:solidFill>
+                <a:sysClr val="windowText" lastClr="000000"/>
+              </a:solidFill>
+            </a:endParaRPr>
+          </a:p>
+        </p:txBody>
+      </p:sp>
+      <p:sp>
+        <p:nvSpPr>
+          <p:cNvPr id="50" name="타원 49">
+            <a:extLst>
+              <a:ext uri="{FF2B5EF4-FFF2-40B4-BE49-F238E27FC236}">
+                <a16:creationId xmlns:a16="http://schemas.microsoft.com/office/drawing/2014/main" id="{61E5C7CB-BB27-1FEF-C88B-43CBF60707AA}"/>
+              </a:ext>
+            </a:extLst>
+          </p:cNvPr>
+          <p:cNvSpPr/>
+          <p:nvPr/>
+        </p:nvSpPr>
+        <p:spPr>
+          <a:xfrm>
+            <a:off x="5421174" y="4374753"/>
+            <a:ext cx="241934" cy="241934"/>
+          </a:xfrm>
+          <a:prstGeom prst="ellipse">
+            <a:avLst/>
+          </a:prstGeom>
+          <a:solidFill>
+            <a:srgbClr val="FF0000"/>
+          </a:solidFill>
+          <a:ln>
+            <a:solidFill>
+              <a:srgbClr val="C00000"/>
+            </a:solidFill>
+          </a:ln>
+        </p:spPr>
+        <p:style>
+          <a:lnRef idx="2">
+            <a:schemeClr val="accent1">
+              <a:shade val="15000"/>
+            </a:schemeClr>
+          </a:lnRef>
+          <a:fillRef idx="1">
+            <a:schemeClr val="accent1"/>
+          </a:fillRef>
+          <a:effectRef idx="0">
+            <a:schemeClr val="accent1"/>
+          </a:effectRef>
+          <a:fontRef idx="minor">
+            <a:schemeClr val="lt1"/>
+          </a:fontRef>
+        </p:style>
+        <p:txBody>
+          <a:bodyPr rtlCol="0" anchor="ctr"/>
+          <a:lstStyle/>
+          <a:p>
+            <a:pPr algn="ctr"/>
+            <a:endParaRPr kumimoji="1" lang="ko-KR" altLang="en-US" dirty="0">
+              <a:solidFill>
+                <a:sysClr val="windowText" lastClr="000000"/>
+              </a:solidFill>
+            </a:endParaRPr>
+          </a:p>
+        </p:txBody>
+      </p:sp>
+      <p:sp>
+        <p:nvSpPr>
+          <p:cNvPr id="51" name="타원 50">
+            <a:extLst>
+              <a:ext uri="{FF2B5EF4-FFF2-40B4-BE49-F238E27FC236}">
+                <a16:creationId xmlns:a16="http://schemas.microsoft.com/office/drawing/2014/main" id="{E2FB6C21-AE2E-12BF-4C63-22D0E786448E}"/>
+              </a:ext>
+            </a:extLst>
+          </p:cNvPr>
+          <p:cNvSpPr/>
+          <p:nvPr/>
+        </p:nvSpPr>
+        <p:spPr>
+          <a:xfrm>
+            <a:off x="7068303" y="4374673"/>
+            <a:ext cx="241934" cy="241934"/>
+          </a:xfrm>
+          <a:prstGeom prst="ellipse">
+            <a:avLst/>
+          </a:prstGeom>
+          <a:solidFill>
+            <a:srgbClr val="FF0000"/>
+          </a:solidFill>
+          <a:ln>
+            <a:solidFill>
+              <a:srgbClr val="C00000"/>
+            </a:solidFill>
+          </a:ln>
+        </p:spPr>
+        <p:style>
+          <a:lnRef idx="2">
+            <a:schemeClr val="accent1">
+              <a:shade val="15000"/>
+            </a:schemeClr>
+          </a:lnRef>
+          <a:fillRef idx="1">
+            <a:schemeClr val="accent1"/>
+          </a:fillRef>
+          <a:effectRef idx="0">
+            <a:schemeClr val="accent1"/>
+          </a:effectRef>
+          <a:fontRef idx="minor">
+            <a:schemeClr val="lt1"/>
+          </a:fontRef>
+        </p:style>
+        <p:txBody>
+          <a:bodyPr rtlCol="0" anchor="ctr"/>
+          <a:lstStyle/>
+          <a:p>
+            <a:pPr algn="ctr"/>
+            <a:endParaRPr kumimoji="1" lang="ko-KR" altLang="en-US" dirty="0">
+              <a:solidFill>
+                <a:sysClr val="windowText" lastClr="000000"/>
+              </a:solidFill>
+            </a:endParaRPr>
+          </a:p>
+        </p:txBody>
+      </p:sp>
+      <p:sp>
+        <p:nvSpPr>
+          <p:cNvPr id="52" name="타원 51">
+            <a:extLst>
+              <a:ext uri="{FF2B5EF4-FFF2-40B4-BE49-F238E27FC236}">
+                <a16:creationId xmlns:a16="http://schemas.microsoft.com/office/drawing/2014/main" id="{0EF6E30C-EDD9-AA13-DD3A-50DD68AF0F73}"/>
+              </a:ext>
+            </a:extLst>
+          </p:cNvPr>
+          <p:cNvSpPr/>
+          <p:nvPr/>
+        </p:nvSpPr>
+        <p:spPr>
+          <a:xfrm>
+            <a:off x="8629341" y="4374673"/>
+            <a:ext cx="241934" cy="241934"/>
+          </a:xfrm>
+          <a:prstGeom prst="ellipse">
+            <a:avLst/>
+          </a:prstGeom>
+          <a:solidFill>
+            <a:srgbClr val="FF0000"/>
+          </a:solidFill>
+          <a:ln>
+            <a:solidFill>
+              <a:srgbClr val="C00000"/>
+            </a:solidFill>
+          </a:ln>
+        </p:spPr>
+        <p:style>
+          <a:lnRef idx="2">
+            <a:schemeClr val="accent1">
+              <a:shade val="15000"/>
+            </a:schemeClr>
+          </a:lnRef>
+          <a:fillRef idx="1">
+            <a:schemeClr val="accent1"/>
+          </a:fillRef>
+          <a:effectRef idx="0">
+            <a:schemeClr val="accent1"/>
+          </a:effectRef>
+          <a:fontRef idx="minor">
+            <a:schemeClr val="lt1"/>
+          </a:fontRef>
+        </p:style>
+        <p:txBody>
+          <a:bodyPr rtlCol="0" anchor="ctr"/>
+          <a:lstStyle/>
+          <a:p>
+            <a:pPr algn="ctr"/>
+            <a:endParaRPr kumimoji="1" lang="ko-KR" altLang="en-US" dirty="0">
+              <a:solidFill>
+                <a:sysClr val="windowText" lastClr="000000"/>
+              </a:solidFill>
+            </a:endParaRPr>
+          </a:p>
+        </p:txBody>
+      </p:sp>
+      <p:sp>
+        <p:nvSpPr>
+          <p:cNvPr id="55" name="타원 54">
+            <a:extLst>
+              <a:ext uri="{FF2B5EF4-FFF2-40B4-BE49-F238E27FC236}">
+                <a16:creationId xmlns:a16="http://schemas.microsoft.com/office/drawing/2014/main" id="{D0581B89-E402-6848-5A56-BD0A027F7AB6}"/>
+              </a:ext>
+            </a:extLst>
+          </p:cNvPr>
+          <p:cNvSpPr/>
+          <p:nvPr/>
+        </p:nvSpPr>
+        <p:spPr>
+          <a:xfrm>
+            <a:off x="4124316" y="6036128"/>
+            <a:ext cx="241934" cy="241934"/>
+          </a:xfrm>
+          <a:prstGeom prst="ellipse">
+            <a:avLst/>
+          </a:prstGeom>
+          <a:solidFill>
+            <a:srgbClr val="FF0000"/>
+          </a:solidFill>
+          <a:ln>
+            <a:solidFill>
+              <a:srgbClr val="C00000"/>
+            </a:solidFill>
+          </a:ln>
+        </p:spPr>
+        <p:style>
+          <a:lnRef idx="2">
+            <a:schemeClr val="accent1">
+              <a:shade val="15000"/>
+            </a:schemeClr>
+          </a:lnRef>
+          <a:fillRef idx="1">
+            <a:schemeClr val="accent1"/>
+          </a:fillRef>
+          <a:effectRef idx="0">
+            <a:schemeClr val="accent1"/>
+          </a:effectRef>
+          <a:fontRef idx="minor">
+            <a:schemeClr val="lt1"/>
+          </a:fontRef>
+        </p:style>
+        <p:txBody>
+          <a:bodyPr rtlCol="0" anchor="ctr"/>
+          <a:lstStyle/>
+          <a:p>
+            <a:pPr algn="ctr"/>
+            <a:endParaRPr kumimoji="1" lang="ko-KR" altLang="en-US" dirty="0">
+              <a:solidFill>
+                <a:sysClr val="windowText" lastClr="000000"/>
+              </a:solidFill>
+            </a:endParaRPr>
+          </a:p>
+        </p:txBody>
+      </p:sp>
+      <p:sp>
+        <p:nvSpPr>
+          <p:cNvPr id="56" name="TextBox 55">
+            <a:extLst>
+              <a:ext uri="{FF2B5EF4-FFF2-40B4-BE49-F238E27FC236}">
+                <a16:creationId xmlns:a16="http://schemas.microsoft.com/office/drawing/2014/main" id="{24D6A4C7-2B44-B1B9-EF79-B537D1E1DA3A}"/>
+              </a:ext>
+            </a:extLst>
+          </p:cNvPr>
+          <p:cNvSpPr txBox="1"/>
+          <p:nvPr/>
+        </p:nvSpPr>
+        <p:spPr>
+          <a:xfrm>
+            <a:off x="4366250" y="6003206"/>
+            <a:ext cx="2647584" cy="307777"/>
+          </a:xfrm>
+          <a:prstGeom prst="rect">
+            <a:avLst/>
+          </a:prstGeom>
+          <a:noFill/>
+        </p:spPr>
+        <p:txBody>
+          <a:bodyPr wrap="none" rtlCol="0">
+            <a:spAutoFit/>
+          </a:bodyPr>
+          <a:lstStyle/>
+          <a:p>
+            <a:r>
+              <a:rPr kumimoji="1" lang="ko-KR" altLang="en-US" sz="1400" dirty="0" err="1"/>
+              <a:t>기기별</a:t>
+            </a:r>
+            <a:r>
+              <a:rPr kumimoji="1" lang="ko-KR" altLang="en-US" sz="1400" dirty="0"/>
+              <a:t> </a:t>
+            </a:r>
+            <a:r>
+              <a:rPr kumimoji="1" lang="en-US" altLang="ko-KR" sz="1400" dirty="0"/>
+              <a:t>Adaptor</a:t>
+            </a:r>
+            <a:r>
+              <a:rPr kumimoji="1" lang="ko-KR" altLang="en-US" sz="1400" dirty="0"/>
+              <a:t>와 </a:t>
+            </a:r>
+            <a:r>
+              <a:rPr kumimoji="1" lang="en-US" altLang="ko-KR" sz="1400" dirty="0"/>
+              <a:t>IDL </a:t>
+            </a:r>
+            <a:r>
+              <a:rPr kumimoji="1" lang="ko-KR" altLang="en-US" sz="1400" dirty="0"/>
+              <a:t>목록</a:t>
+            </a:r>
+            <a:r>
+              <a:rPr kumimoji="1" lang="en-US" altLang="ko-KR" sz="1400" dirty="0"/>
+              <a:t> </a:t>
+            </a:r>
+            <a:r>
+              <a:rPr kumimoji="1" lang="ko-KR" altLang="en-US" sz="1400" dirty="0"/>
+              <a:t>확인</a:t>
+            </a:r>
+          </a:p>
+        </p:txBody>
+      </p:sp>
+    </p:spTree>
+    <p:extLst>
+      <p:ext uri="{BB962C8B-B14F-4D97-AF65-F5344CB8AC3E}">
+        <p14:creationId xmlns:p14="http://schemas.microsoft.com/office/powerpoint/2010/main" val="3541332128"/>
       </p:ext>
     </p:extLst>
   </p:cSld>
@@ -4200,8 +11866,52 @@
     </a:fmtScheme>
   </a:themeElements>
   <a:objectDefaults>
+    <a:spDef>
+      <a:spPr>
+        <a:solidFill>
+          <a:schemeClr val="bg1"/>
+        </a:solidFill>
+        <a:ln>
+          <a:solidFill>
+            <a:schemeClr val="tx1"/>
+          </a:solidFill>
+        </a:ln>
+      </a:spPr>
+      <a:bodyPr rtlCol="0" anchor="ctr"/>
+      <a:lstStyle>
+        <a:defPPr algn="ctr">
+          <a:defRPr kumimoji="1" dirty="0" smtClean="0">
+            <a:solidFill>
+              <a:sysClr val="windowText" lastClr="000000"/>
+            </a:solidFill>
+          </a:defRPr>
+        </a:defPPr>
+      </a:lstStyle>
+      <a:style>
+        <a:lnRef idx="2">
+          <a:schemeClr val="accent1">
+            <a:shade val="15000"/>
+          </a:schemeClr>
+        </a:lnRef>
+        <a:fillRef idx="1">
+          <a:schemeClr val="accent1"/>
+        </a:fillRef>
+        <a:effectRef idx="0">
+          <a:schemeClr val="accent1"/>
+        </a:effectRef>
+        <a:fontRef idx="minor">
+          <a:schemeClr val="lt1"/>
+        </a:fontRef>
+      </a:style>
+    </a:spDef>
     <a:lnDef>
-      <a:spPr/>
+      <a:spPr>
+        <a:ln>
+          <a:solidFill>
+            <a:schemeClr val="tx1"/>
+          </a:solidFill>
+        </a:ln>
+      </a:spPr>
       <a:bodyPr/>
       <a:lstStyle/>
       <a:style>

--- a/허종원/DDS&Nodes.pptx
+++ b/허종원/DDS&Nodes.pptx
@@ -5,7 +5,7 @@
     <p:sldMasterId id="2147483681" r:id="rId1"/>
   </p:sldMasterIdLst>
   <p:notesMasterIdLst>
-    <p:notesMasterId r:id="rId8"/>
+    <p:notesMasterId r:id="rId9"/>
   </p:notesMasterIdLst>
   <p:sldIdLst>
     <p:sldId id="450" r:id="rId2"/>
@@ -14,6 +14,7 @@
     <p:sldId id="452" r:id="rId5"/>
     <p:sldId id="453" r:id="rId6"/>
     <p:sldId id="454" r:id="rId7"/>
+    <p:sldId id="455" r:id="rId8"/>
   </p:sldIdLst>
   <p:sldSz cx="9906000" cy="6858000" type="A4"/>
   <p:notesSz cx="6858000" cy="9144000"/>
@@ -134,9 +135,232 @@
 <file path=ppt/revisionInfo.xml><?xml version="1.0" encoding="utf-8"?>
 <p1510:revInfo xmlns:a="http://schemas.openxmlformats.org/drawingml/2006/main" xmlns:r="http://schemas.openxmlformats.org/officeDocument/2006/relationships" xmlns:p1510="http://schemas.microsoft.com/office/powerpoint/2015/10/main">
   <p1510:revLst>
+    <p1510:client id="{DC539F5C-FCCF-F643-946C-F3D37C453F5B}" v="14" dt="2024-06-13T14:52:04.338"/>
     <p1510:client id="{E1195D13-A933-5746-9938-FEDC8989F1BB}" v="101" dt="2024-06-13T09:42:56.717"/>
   </p1510:revLst>
 </p1510:revInfo>
+</file>
+
+<file path=ppt/changesInfos/changesInfo1.xml><?xml version="1.0" encoding="utf-8"?>
+<pc:chgInfo xmlns:a="http://schemas.openxmlformats.org/drawingml/2006/main" xmlns:r="http://schemas.openxmlformats.org/officeDocument/2006/relationships" xmlns:ac="http://schemas.microsoft.com/office/drawing/2013/main/command" xmlns:pc="http://schemas.microsoft.com/office/powerpoint/2013/main/command">
+  <pc:docChgLst>
+    <pc:chgData name="종원 허" userId="b71225b2ad03c34e" providerId="LiveId" clId="{DC539F5C-FCCF-F643-946C-F3D37C453F5B}"/>
+    <pc:docChg chg="undo custSel addSld modSld modMainMaster">
+      <pc:chgData name="종원 허" userId="b71225b2ad03c34e" providerId="LiveId" clId="{DC539F5C-FCCF-F643-946C-F3D37C453F5B}" dt="2024-06-13T14:55:25.078" v="1088" actId="207"/>
+      <pc:docMkLst>
+        <pc:docMk/>
+      </pc:docMkLst>
+      <pc:sldChg chg="addSp delSp modSp new mod chgLayout">
+        <pc:chgData name="종원 허" userId="b71225b2ad03c34e" providerId="LiveId" clId="{DC539F5C-FCCF-F643-946C-F3D37C453F5B}" dt="2024-06-13T14:55:25.078" v="1088" actId="207"/>
+        <pc:sldMkLst>
+          <pc:docMk/>
+          <pc:sldMk cId="2166625463" sldId="455"/>
+        </pc:sldMkLst>
+        <pc:spChg chg="mod ord">
+          <ac:chgData name="종원 허" userId="b71225b2ad03c34e" providerId="LiveId" clId="{DC539F5C-FCCF-F643-946C-F3D37C453F5B}" dt="2024-06-13T13:53:49.496" v="47" actId="27636"/>
+          <ac:spMkLst>
+            <pc:docMk/>
+            <pc:sldMk cId="2166625463" sldId="455"/>
+            <ac:spMk id="2" creationId="{B7443096-4005-33EC-909D-A786E838006D}"/>
+          </ac:spMkLst>
+        </pc:spChg>
+        <pc:spChg chg="add del mod">
+          <ac:chgData name="종원 허" userId="b71225b2ad03c34e" providerId="LiveId" clId="{DC539F5C-FCCF-F643-946C-F3D37C453F5B}" dt="2024-06-13T14:42:14.138" v="587" actId="478"/>
+          <ac:spMkLst>
+            <pc:docMk/>
+            <pc:sldMk cId="2166625463" sldId="455"/>
+            <ac:spMk id="3" creationId="{C901EA71-D03D-73FD-4BD6-E067FC024B7C}"/>
+          </ac:spMkLst>
+        </pc:spChg>
+        <pc:spChg chg="add del mod">
+          <ac:chgData name="종원 허" userId="b71225b2ad03c34e" providerId="LiveId" clId="{DC539F5C-FCCF-F643-946C-F3D37C453F5B}" dt="2024-06-13T13:53:00.683" v="41" actId="6264"/>
+          <ac:spMkLst>
+            <pc:docMk/>
+            <pc:sldMk cId="2166625463" sldId="455"/>
+            <ac:spMk id="4" creationId="{25738010-838E-5E86-B18C-CA14AA437362}"/>
+          </ac:spMkLst>
+        </pc:spChg>
+        <pc:spChg chg="add del mod">
+          <ac:chgData name="종원 허" userId="b71225b2ad03c34e" providerId="LiveId" clId="{DC539F5C-FCCF-F643-946C-F3D37C453F5B}" dt="2024-06-13T13:53:02.311" v="42" actId="6264"/>
+          <ac:spMkLst>
+            <pc:docMk/>
+            <pc:sldMk cId="2166625463" sldId="455"/>
+            <ac:spMk id="5" creationId="{2B98E178-3F40-D487-15A3-2F9ACE42A127}"/>
+          </ac:spMkLst>
+        </pc:spChg>
+        <pc:spChg chg="add del mod">
+          <ac:chgData name="종원 허" userId="b71225b2ad03c34e" providerId="LiveId" clId="{DC539F5C-FCCF-F643-946C-F3D37C453F5B}" dt="2024-06-13T13:53:49.465" v="46" actId="6264"/>
+          <ac:spMkLst>
+            <pc:docMk/>
+            <pc:sldMk cId="2166625463" sldId="455"/>
+            <ac:spMk id="6" creationId="{9BE5540C-BCBD-0990-DA75-7F7BAB5CD9F1}"/>
+          </ac:spMkLst>
+        </pc:spChg>
+        <pc:spChg chg="add del mod">
+          <ac:chgData name="종원 허" userId="b71225b2ad03c34e" providerId="LiveId" clId="{DC539F5C-FCCF-F643-946C-F3D37C453F5B}" dt="2024-06-13T14:41:35.747" v="556" actId="478"/>
+          <ac:spMkLst>
+            <pc:docMk/>
+            <pc:sldMk cId="2166625463" sldId="455"/>
+            <ac:spMk id="8" creationId="{445D992E-DE5A-29AA-31E7-C9975E38E03B}"/>
+          </ac:spMkLst>
+        </pc:spChg>
+        <pc:spChg chg="add mod">
+          <ac:chgData name="종원 허" userId="b71225b2ad03c34e" providerId="LiveId" clId="{DC539F5C-FCCF-F643-946C-F3D37C453F5B}" dt="2024-06-13T14:50:22.574" v="770" actId="1076"/>
+          <ac:spMkLst>
+            <pc:docMk/>
+            <pc:sldMk cId="2166625463" sldId="455"/>
+            <ac:spMk id="11" creationId="{A689382B-8B0A-D7BD-507D-1E7EC1B388C0}"/>
+          </ac:spMkLst>
+        </pc:spChg>
+        <pc:spChg chg="add mod">
+          <ac:chgData name="종원 허" userId="b71225b2ad03c34e" providerId="LiveId" clId="{DC539F5C-FCCF-F643-946C-F3D37C453F5B}" dt="2024-06-13T14:55:25.078" v="1088" actId="207"/>
+          <ac:spMkLst>
+            <pc:docMk/>
+            <pc:sldMk cId="2166625463" sldId="455"/>
+            <ac:spMk id="12" creationId="{823547BA-95B9-D341-1C50-B5C01687C27B}"/>
+          </ac:spMkLst>
+        </pc:spChg>
+        <pc:spChg chg="add mod">
+          <ac:chgData name="종원 허" userId="b71225b2ad03c34e" providerId="LiveId" clId="{DC539F5C-FCCF-F643-946C-F3D37C453F5B}" dt="2024-06-13T14:50:22.574" v="770" actId="1076"/>
+          <ac:spMkLst>
+            <pc:docMk/>
+            <pc:sldMk cId="2166625463" sldId="455"/>
+            <ac:spMk id="13" creationId="{807E416B-1B77-866A-D65C-62D2E84AE1DD}"/>
+          </ac:spMkLst>
+        </pc:spChg>
+        <pc:spChg chg="add mod">
+          <ac:chgData name="종원 허" userId="b71225b2ad03c34e" providerId="LiveId" clId="{DC539F5C-FCCF-F643-946C-F3D37C453F5B}" dt="2024-06-13T14:50:22.574" v="770" actId="1076"/>
+          <ac:spMkLst>
+            <pc:docMk/>
+            <pc:sldMk cId="2166625463" sldId="455"/>
+            <ac:spMk id="14" creationId="{9304D7B6-B607-9501-8D87-4C00D085CC3A}"/>
+          </ac:spMkLst>
+        </pc:spChg>
+        <pc:spChg chg="add mod">
+          <ac:chgData name="종원 허" userId="b71225b2ad03c34e" providerId="LiveId" clId="{DC539F5C-FCCF-F643-946C-F3D37C453F5B}" dt="2024-06-13T14:50:22.574" v="770" actId="1076"/>
+          <ac:spMkLst>
+            <pc:docMk/>
+            <pc:sldMk cId="2166625463" sldId="455"/>
+            <ac:spMk id="18" creationId="{D590D8B6-696E-79B4-8CBF-56F10B86D84B}"/>
+          </ac:spMkLst>
+        </pc:spChg>
+        <pc:spChg chg="add mod">
+          <ac:chgData name="종원 허" userId="b71225b2ad03c34e" providerId="LiveId" clId="{DC539F5C-FCCF-F643-946C-F3D37C453F5B}" dt="2024-06-13T14:55:06.382" v="1086" actId="1076"/>
+          <ac:spMkLst>
+            <pc:docMk/>
+            <pc:sldMk cId="2166625463" sldId="455"/>
+            <ac:spMk id="19" creationId="{9A32A80B-BEB5-12B1-4260-4CD658BA6320}"/>
+          </ac:spMkLst>
+        </pc:spChg>
+        <pc:picChg chg="add mod">
+          <ac:chgData name="종원 허" userId="b71225b2ad03c34e" providerId="LiveId" clId="{DC539F5C-FCCF-F643-946C-F3D37C453F5B}" dt="2024-06-13T14:50:22.574" v="770" actId="1076"/>
+          <ac:picMkLst>
+            <pc:docMk/>
+            <pc:sldMk cId="2166625463" sldId="455"/>
+            <ac:picMk id="7" creationId="{D9928195-FF72-B665-310F-5AF420C4772A}"/>
+          </ac:picMkLst>
+        </pc:picChg>
+        <pc:picChg chg="add mod">
+          <ac:chgData name="종원 허" userId="b71225b2ad03c34e" providerId="LiveId" clId="{DC539F5C-FCCF-F643-946C-F3D37C453F5B}" dt="2024-06-13T14:50:22.574" v="770" actId="1076"/>
+          <ac:picMkLst>
+            <pc:docMk/>
+            <pc:sldMk cId="2166625463" sldId="455"/>
+            <ac:picMk id="9" creationId="{A552CB27-F73D-8254-CFA6-22B5F5D3BBC6}"/>
+          </ac:picMkLst>
+        </pc:picChg>
+        <pc:picChg chg="add del mod">
+          <ac:chgData name="종원 허" userId="b71225b2ad03c34e" providerId="LiveId" clId="{DC539F5C-FCCF-F643-946C-F3D37C453F5B}" dt="2024-06-13T14:46:13.165" v="594" actId="478"/>
+          <ac:picMkLst>
+            <pc:docMk/>
+            <pc:sldMk cId="2166625463" sldId="455"/>
+            <ac:picMk id="10" creationId="{6C51CD02-17D9-CDE0-BECA-D84BA459F41B}"/>
+          </ac:picMkLst>
+        </pc:picChg>
+        <pc:picChg chg="add del mod">
+          <ac:chgData name="종원 허" userId="b71225b2ad03c34e" providerId="LiveId" clId="{DC539F5C-FCCF-F643-946C-F3D37C453F5B}" dt="2024-06-13T14:49:18.487" v="622" actId="478"/>
+          <ac:picMkLst>
+            <pc:docMk/>
+            <pc:sldMk cId="2166625463" sldId="455"/>
+            <ac:picMk id="15" creationId="{26F26F01-5620-DAB1-1AED-1B07BC71F44E}"/>
+          </ac:picMkLst>
+        </pc:picChg>
+        <pc:picChg chg="add del mod">
+          <ac:chgData name="종원 허" userId="b71225b2ad03c34e" providerId="LiveId" clId="{DC539F5C-FCCF-F643-946C-F3D37C453F5B}" dt="2024-06-13T14:49:18.487" v="622" actId="478"/>
+          <ac:picMkLst>
+            <pc:docMk/>
+            <pc:sldMk cId="2166625463" sldId="455"/>
+            <ac:picMk id="16" creationId="{D0681CEE-F9E5-DF36-230E-A4E1D0943198}"/>
+          </ac:picMkLst>
+        </pc:picChg>
+        <pc:picChg chg="add mod">
+          <ac:chgData name="종원 허" userId="b71225b2ad03c34e" providerId="LiveId" clId="{DC539F5C-FCCF-F643-946C-F3D37C453F5B}" dt="2024-06-13T14:50:22.574" v="770" actId="1076"/>
+          <ac:picMkLst>
+            <pc:docMk/>
+            <pc:sldMk cId="2166625463" sldId="455"/>
+            <ac:picMk id="17" creationId="{EE900C13-B5DC-8E65-F377-5377A30E5C7B}"/>
+          </ac:picMkLst>
+        </pc:picChg>
+      </pc:sldChg>
+      <pc:sldMasterChg chg="modSp mod delSldLayout modSldLayout">
+        <pc:chgData name="종원 허" userId="b71225b2ad03c34e" providerId="LiveId" clId="{DC539F5C-FCCF-F643-946C-F3D37C453F5B}" dt="2024-06-13T13:53:43.305" v="45" actId="14100"/>
+        <pc:sldMasterMkLst>
+          <pc:docMk/>
+          <pc:sldMasterMk cId="3375244830" sldId="2147483681"/>
+        </pc:sldMasterMkLst>
+        <pc:spChg chg="mod">
+          <ac:chgData name="종원 허" userId="b71225b2ad03c34e" providerId="LiveId" clId="{DC539F5C-FCCF-F643-946C-F3D37C453F5B}" dt="2024-06-13T13:52:55.323" v="40" actId="14100"/>
+          <ac:spMkLst>
+            <pc:docMk/>
+            <pc:sldMasterMk cId="3375244830" sldId="2147483681"/>
+            <ac:spMk id="2" creationId="{00000000-0000-0000-0000-000000000000}"/>
+          </ac:spMkLst>
+        </pc:spChg>
+        <pc:sldLayoutChg chg="modSp mod">
+          <pc:chgData name="종원 허" userId="b71225b2ad03c34e" providerId="LiveId" clId="{DC539F5C-FCCF-F643-946C-F3D37C453F5B}" dt="2024-06-13T13:53:19.861" v="43" actId="1076"/>
+          <pc:sldLayoutMkLst>
+            <pc:docMk/>
+            <pc:sldMasterMk cId="3375244830" sldId="2147483681"/>
+            <pc:sldLayoutMk cId="3060603956" sldId="2147483676"/>
+          </pc:sldLayoutMkLst>
+          <pc:spChg chg="mod">
+            <ac:chgData name="종원 허" userId="b71225b2ad03c34e" providerId="LiveId" clId="{DC539F5C-FCCF-F643-946C-F3D37C453F5B}" dt="2024-06-13T13:53:19.861" v="43" actId="1076"/>
+            <ac:spMkLst>
+              <pc:docMk/>
+              <pc:sldMasterMk cId="3375244830" sldId="2147483681"/>
+              <pc:sldLayoutMk cId="3060603956" sldId="2147483676"/>
+              <ac:spMk id="2" creationId="{00000000-0000-0000-0000-000000000000}"/>
+            </ac:spMkLst>
+          </pc:spChg>
+        </pc:sldLayoutChg>
+        <pc:sldLayoutChg chg="del">
+          <pc:chgData name="종원 허" userId="b71225b2ad03c34e" providerId="LiveId" clId="{DC539F5C-FCCF-F643-946C-F3D37C453F5B}" dt="2024-06-13T13:53:34.487" v="44" actId="2696"/>
+          <pc:sldLayoutMkLst>
+            <pc:docMk/>
+            <pc:sldMasterMk cId="3375244830" sldId="2147483681"/>
+            <pc:sldLayoutMk cId="44500497" sldId="2147483677"/>
+          </pc:sldLayoutMkLst>
+        </pc:sldLayoutChg>
+        <pc:sldLayoutChg chg="modSp mod">
+          <pc:chgData name="종원 허" userId="b71225b2ad03c34e" providerId="LiveId" clId="{DC539F5C-FCCF-F643-946C-F3D37C453F5B}" dt="2024-06-13T13:53:43.305" v="45" actId="14100"/>
+          <pc:sldLayoutMkLst>
+            <pc:docMk/>
+            <pc:sldMasterMk cId="3375244830" sldId="2147483681"/>
+            <pc:sldLayoutMk cId="2512919625" sldId="2147483682"/>
+          </pc:sldLayoutMkLst>
+          <pc:spChg chg="mod">
+            <ac:chgData name="종원 허" userId="b71225b2ad03c34e" providerId="LiveId" clId="{DC539F5C-FCCF-F643-946C-F3D37C453F5B}" dt="2024-06-13T13:53:43.305" v="45" actId="14100"/>
+            <ac:spMkLst>
+              <pc:docMk/>
+              <pc:sldMasterMk cId="3375244830" sldId="2147483681"/>
+              <pc:sldLayoutMk cId="2512919625" sldId="2147483682"/>
+              <ac:spMk id="2" creationId="{00000000-0000-0000-0000-000000000000}"/>
+            </ac:spMkLst>
+          </pc:spChg>
+        </pc:sldLayoutChg>
+      </pc:sldMasterChg>
+    </pc:docChg>
+  </pc:docChgLst>
+</pc:chgInfo>
 </file>
 
 <file path=ppt/notesMasters/notesMaster1.xml><?xml version="1.0" encoding="utf-8"?>
@@ -490,6 +714,91 @@
 </p:notesMaster>
 </file>
 
+<file path=ppt/notesSlides/notesSlide1.xml><?xml version="1.0" encoding="utf-8"?>
+<p:notes xmlns:a="http://schemas.openxmlformats.org/drawingml/2006/main" xmlns:r="http://schemas.openxmlformats.org/officeDocument/2006/relationships" xmlns:p="http://schemas.openxmlformats.org/presentationml/2006/main">
+  <p:cSld>
+    <p:spTree>
+      <p:nvGrpSpPr>
+        <p:cNvPr id="1" name=""/>
+        <p:cNvGrpSpPr/>
+        <p:nvPr/>
+      </p:nvGrpSpPr>
+      <p:grpSpPr>
+        <a:xfrm>
+          <a:off x="0" y="0"/>
+          <a:ext cx="0" cy="0"/>
+          <a:chOff x="0" y="0"/>
+          <a:chExt cx="0" cy="0"/>
+        </a:xfrm>
+      </p:grpSpPr>
+      <p:sp>
+        <p:nvSpPr>
+          <p:cNvPr id="2" name="슬라이드 이미지 개체 틀 1"/>
+          <p:cNvSpPr>
+            <a:spLocks noGrp="1" noRot="1" noChangeAspect="1"/>
+          </p:cNvSpPr>
+          <p:nvPr>
+            <p:ph type="sldImg"/>
+          </p:nvPr>
+        </p:nvSpPr>
+        <p:spPr/>
+      </p:sp>
+      <p:sp>
+        <p:nvSpPr>
+          <p:cNvPr id="3" name="슬라이드 노트 개체 틀 2"/>
+          <p:cNvSpPr>
+            <a:spLocks noGrp="1"/>
+          </p:cNvSpPr>
+          <p:nvPr>
+            <p:ph type="body" idx="1"/>
+          </p:nvPr>
+        </p:nvSpPr>
+        <p:spPr/>
+        <p:txBody>
+          <a:bodyPr/>
+          <a:lstStyle/>
+          <a:p>
+            <a:endParaRPr kumimoji="1" lang="ko-KR" altLang="en-US" dirty="0"/>
+          </a:p>
+        </p:txBody>
+      </p:sp>
+      <p:sp>
+        <p:nvSpPr>
+          <p:cNvPr id="4" name="슬라이드 번호 개체 틀 3"/>
+          <p:cNvSpPr>
+            <a:spLocks noGrp="1"/>
+          </p:cNvSpPr>
+          <p:nvPr>
+            <p:ph type="sldNum" sz="quarter" idx="5"/>
+          </p:nvPr>
+        </p:nvSpPr>
+        <p:spPr/>
+        <p:txBody>
+          <a:bodyPr/>
+          <a:lstStyle/>
+          <a:p>
+            <a:fld id="{7C1B6104-4468-234A-89CE-00C4F625A505}" type="slidenum">
+              <a:rPr kumimoji="1" lang="ko-KR" altLang="en-US" smtClean="0"/>
+              <a:pPr/>
+              <a:t>7</a:t>
+            </a:fld>
+            <a:endParaRPr kumimoji="1" lang="ko-KR" altLang="en-US"/>
+          </a:p>
+        </p:txBody>
+      </p:sp>
+    </p:spTree>
+    <p:extLst>
+      <p:ext uri="{BB962C8B-B14F-4D97-AF65-F5344CB8AC3E}">
+        <p14:creationId xmlns:p14="http://schemas.microsoft.com/office/powerpoint/2010/main" val="1968144218"/>
+      </p:ext>
+    </p:extLst>
+  </p:cSld>
+  <p:clrMapOvr>
+    <a:masterClrMapping/>
+  </p:clrMapOvr>
+</p:notes>
+</file>
+
 <file path=ppt/slideLayouts/slideLayout1.xml><?xml version="1.0" encoding="utf-8"?>
 <p:sldLayout xmlns:a="http://schemas.openxmlformats.org/drawingml/2006/main" xmlns:r="http://schemas.openxmlformats.org/officeDocument/2006/relationships" xmlns:p="http://schemas.openxmlformats.org/presentationml/2006/main" showMasterSp="0" preserve="1" userDrawn="1">
   <p:cSld name="표지">
@@ -1375,7 +1684,12 @@
             <p:ph type="title"/>
           </p:nvPr>
         </p:nvSpPr>
-        <p:spPr/>
+        <p:spPr>
+          <a:xfrm>
+            <a:off x="680720" y="136817"/>
+            <a:ext cx="8544560" cy="483870"/>
+          </a:xfrm>
+        </p:spPr>
         <p:txBody>
           <a:bodyPr/>
           <a:lstStyle/>
@@ -1582,192 +1896,6 @@
 </file>
 
 <file path=ppt/slideLayouts/slideLayout4.xml><?xml version="1.0" encoding="utf-8"?>
-<p:sldLayout xmlns:a="http://schemas.openxmlformats.org/drawingml/2006/main" xmlns:r="http://schemas.openxmlformats.org/officeDocument/2006/relationships" xmlns:p="http://schemas.openxmlformats.org/presentationml/2006/main" preserve="1" userDrawn="1">
-  <p:cSld name="제목만">
-    <p:spTree>
-      <p:nvGrpSpPr>
-        <p:cNvPr id="1" name=""/>
-        <p:cNvGrpSpPr/>
-        <p:nvPr/>
-      </p:nvGrpSpPr>
-      <p:grpSpPr>
-        <a:xfrm>
-          <a:off x="0" y="0"/>
-          <a:ext cx="0" cy="0"/>
-          <a:chOff x="0" y="0"/>
-          <a:chExt cx="0" cy="0"/>
-        </a:xfrm>
-      </p:grpSpPr>
-      <p:sp>
-        <p:nvSpPr>
-          <p:cNvPr id="2" name="Title 1"/>
-          <p:cNvSpPr>
-            <a:spLocks noGrp="1"/>
-          </p:cNvSpPr>
-          <p:nvPr>
-            <p:ph type="title"/>
-          </p:nvPr>
-        </p:nvSpPr>
-        <p:spPr>
-          <a:xfrm>
-            <a:off x="680720" y="136525"/>
-            <a:ext cx="6097905" cy="484505"/>
-          </a:xfrm>
-        </p:spPr>
-        <p:txBody>
-          <a:bodyPr/>
-          <a:lstStyle/>
-          <a:p>
-            <a:r>
-              <a:rPr lang="ko-KR" altLang="en-US" dirty="0"/>
-              <a:t>마스터 제목 스타일 편집</a:t>
-            </a:r>
-            <a:endParaRPr lang="en-US" dirty="0"/>
-          </a:p>
-        </p:txBody>
-      </p:sp>
-      <p:sp>
-        <p:nvSpPr>
-          <p:cNvPr id="3" name="Date Placeholder 2"/>
-          <p:cNvSpPr>
-            <a:spLocks noGrp="1"/>
-          </p:cNvSpPr>
-          <p:nvPr>
-            <p:ph type="dt" sz="half" idx="10"/>
-          </p:nvPr>
-        </p:nvSpPr>
-        <p:spPr>
-          <a:xfrm>
-            <a:off x="681355" y="6356350"/>
-            <a:ext cx="2229485" cy="365760"/>
-          </a:xfrm>
-          <a:prstGeom prst="rect">
-            <a:avLst/>
-          </a:prstGeom>
-        </p:spPr>
-        <p:txBody>
-          <a:bodyPr/>
-          <a:lstStyle/>
-          <a:p>
-            <a:fld id="{786698EA-A4F8-7C46-A602-CDCF30245E83}" type="datetime1">
-              <a:rPr kumimoji="1" lang="ko-KR" altLang="en-US" smtClean="0"/>
-              <a:t>2024. 6. 13.</a:t>
-            </a:fld>
-            <a:endParaRPr kumimoji="1" lang="ko-KR" altLang="en-US"/>
-          </a:p>
-        </p:txBody>
-      </p:sp>
-      <p:sp>
-        <p:nvSpPr>
-          <p:cNvPr id="4" name="Footer Placeholder 3"/>
-          <p:cNvSpPr>
-            <a:spLocks noGrp="1"/>
-          </p:cNvSpPr>
-          <p:nvPr>
-            <p:ph type="ftr" sz="quarter" idx="11"/>
-          </p:nvPr>
-        </p:nvSpPr>
-        <p:spPr>
-          <a:xfrm>
-            <a:off x="3281680" y="6356350"/>
-            <a:ext cx="3343910" cy="365760"/>
-          </a:xfrm>
-          <a:prstGeom prst="rect">
-            <a:avLst/>
-          </a:prstGeom>
-        </p:spPr>
-        <p:txBody>
-          <a:bodyPr/>
-          <a:lstStyle/>
-          <a:p>
-            <a:endParaRPr kumimoji="1" lang="ko-KR" altLang="en-US"/>
-          </a:p>
-        </p:txBody>
-      </p:sp>
-      <p:sp>
-        <p:nvSpPr>
-          <p:cNvPr id="5" name="Slide Number Placeholder 4"/>
-          <p:cNvSpPr>
-            <a:spLocks noGrp="1"/>
-          </p:cNvSpPr>
-          <p:nvPr>
-            <p:ph type="sldNum" sz="quarter" idx="12"/>
-          </p:nvPr>
-        </p:nvSpPr>
-        <p:spPr>
-          <a:xfrm>
-            <a:off x="6996430" y="6356350"/>
-            <a:ext cx="2229485" cy="365760"/>
-          </a:xfrm>
-          <a:prstGeom prst="rect">
-            <a:avLst/>
-          </a:prstGeom>
-        </p:spPr>
-        <p:txBody>
-          <a:bodyPr/>
-          <a:lstStyle/>
-          <a:p>
-            <a:fld id="{145C5022-4F3D-FF4D-9BC8-F64159194D9D}" type="slidenum">
-              <a:rPr kumimoji="1" lang="ko-KR" altLang="en-US" smtClean="0"/>
-              <a:pPr/>
-              <a:t>‹#›</a:t>
-            </a:fld>
-            <a:endParaRPr kumimoji="1" lang="ko-KR" altLang="en-US"/>
-          </a:p>
-        </p:txBody>
-      </p:sp>
-      <p:sp>
-        <p:nvSpPr>
-          <p:cNvPr id="6" name="내용 개체 틀 7">
-            <a:extLst>
-              <a:ext uri="{FF2B5EF4-FFF2-40B4-BE49-F238E27FC236}">
-                <a16:creationId xmlns:a16="http://schemas.microsoft.com/office/drawing/2014/main" id="{3F9C54DE-F1FE-14B8-D25C-AFD907506B77}"/>
-              </a:ext>
-            </a:extLst>
-          </p:cNvPr>
-          <p:cNvSpPr>
-            <a:spLocks noGrp="1"/>
-          </p:cNvSpPr>
-          <p:nvPr>
-            <p:ph sz="quarter" idx="13"/>
-          </p:nvPr>
-        </p:nvSpPr>
-        <p:spPr>
-          <a:xfrm>
-            <a:off x="6238240" y="136525"/>
-            <a:ext cx="3667760" cy="483870"/>
-          </a:xfrm>
-        </p:spPr>
-        <p:txBody>
-          <a:bodyPr anchor="b"/>
-          <a:lstStyle>
-            <a:lvl1pPr algn="r">
-              <a:defRPr sz="2000" b="1"/>
-            </a:lvl1pPr>
-          </a:lstStyle>
-          <a:p>
-            <a:pPr lvl="0"/>
-            <a:r>
-              <a:rPr kumimoji="1" lang="ko-KR" altLang="en-US" dirty="0"/>
-              <a:t>마스터 텍스트</a:t>
-            </a:r>
-          </a:p>
-        </p:txBody>
-      </p:sp>
-    </p:spTree>
-    <p:extLst>
-      <p:ext uri="{BB962C8B-B14F-4D97-AF65-F5344CB8AC3E}">
-        <p14:creationId xmlns:p14="http://schemas.microsoft.com/office/powerpoint/2010/main" val="44500497"/>
-      </p:ext>
-    </p:extLst>
-  </p:cSld>
-  <p:clrMapOvr>
-    <a:masterClrMapping/>
-  </p:clrMapOvr>
-</p:sldLayout>
-</file>
-
-<file path=ppt/slideLayouts/slideLayout5.xml><?xml version="1.0" encoding="utf-8"?>
 <p:sldLayout xmlns:a="http://schemas.openxmlformats.org/drawingml/2006/main" xmlns:r="http://schemas.openxmlformats.org/officeDocument/2006/relationships" xmlns:p="http://schemas.openxmlformats.org/presentationml/2006/main" preserve="1" userDrawn="1">
   <p:cSld name="1_제목만">
     <p:spTree>
@@ -1797,7 +1925,7 @@
         <p:spPr>
           <a:xfrm>
             <a:off x="680720" y="136525"/>
-            <a:ext cx="6097905" cy="484505"/>
+            <a:ext cx="8545195" cy="484505"/>
           </a:xfrm>
         </p:spPr>
         <p:txBody>
@@ -1915,7 +2043,7 @@
 </p:sldLayout>
 </file>
 
-<file path=ppt/slideLayouts/slideLayout6.xml><?xml version="1.0" encoding="utf-8"?>
+<file path=ppt/slideLayouts/slideLayout5.xml><?xml version="1.0" encoding="utf-8"?>
 <p:sldLayout xmlns:a="http://schemas.openxmlformats.org/drawingml/2006/main" xmlns:r="http://schemas.openxmlformats.org/officeDocument/2006/relationships" xmlns:p="http://schemas.openxmlformats.org/presentationml/2006/main" preserve="1" userDrawn="1">
   <p:cSld name="구역 머리글">
     <p:spTree>
@@ -1945,7 +2073,7 @@
 </p:sldLayout>
 </file>
 
-<file path=ppt/slideLayouts/slideLayout7.xml><?xml version="1.0" encoding="utf-8"?>
+<file path=ppt/slideLayouts/slideLayout6.xml><?xml version="1.0" encoding="utf-8"?>
 <p:sldLayout xmlns:a="http://schemas.openxmlformats.org/drawingml/2006/main" xmlns:r="http://schemas.openxmlformats.org/officeDocument/2006/relationships" xmlns:p="http://schemas.openxmlformats.org/presentationml/2006/main" type="blank" preserve="1">
   <p:cSld name="빈 화면">
     <p:spTree>
@@ -1975,7 +2103,7 @@
 </p:sldLayout>
 </file>
 
-<file path=ppt/slideLayouts/slideLayout8.xml><?xml version="1.0" encoding="utf-8"?>
+<file path=ppt/slideLayouts/slideLayout7.xml><?xml version="1.0" encoding="utf-8"?>
 <p:sldLayout xmlns:a="http://schemas.openxmlformats.org/drawingml/2006/main" xmlns:r="http://schemas.openxmlformats.org/officeDocument/2006/relationships" xmlns:p="http://schemas.openxmlformats.org/presentationml/2006/main" showMasterSp="0" preserve="1" userDrawn="1">
   <p:cSld name="제목 슬라이드">
     <p:spTree>
@@ -2222,7 +2350,7 @@
         <p:spPr>
           <a:xfrm>
             <a:off x="680720" y="136525"/>
-            <a:ext cx="6097270" cy="483870"/>
+            <a:ext cx="8544560" cy="483870"/>
           </a:xfrm>
           <a:prstGeom prst="rect">
             <a:avLst/>
@@ -2437,7 +2565,7 @@
           <p:nvPr userDrawn="1"/>
         </p:nvPicPr>
         <p:blipFill>
-          <a:blip r:embed="rId10"/>
+          <a:blip r:embed="rId9"/>
           <a:srcRect/>
           <a:stretch>
             <a:fillRect/>
@@ -2466,11 +2594,10 @@
     <p:sldLayoutId id="2147483674" r:id="rId1"/>
     <p:sldLayoutId id="2147483675" r:id="rId2"/>
     <p:sldLayoutId id="2147483676" r:id="rId3"/>
-    <p:sldLayoutId id="2147483677" r:id="rId4"/>
-    <p:sldLayoutId id="2147483682" r:id="rId5"/>
-    <p:sldLayoutId id="2147483678" r:id="rId6"/>
-    <p:sldLayoutId id="2147483679" r:id="rId7"/>
-    <p:sldLayoutId id="2147483680" r:id="rId8"/>
+    <p:sldLayoutId id="2147483682" r:id="rId4"/>
+    <p:sldLayoutId id="2147483678" r:id="rId5"/>
+    <p:sldLayoutId id="2147483679" r:id="rId6"/>
+    <p:sldLayoutId id="2147483680" r:id="rId7"/>
   </p:sldLayoutIdLst>
   <p:hf sldNum="0" hdr="0" ftr="0" dt="0"/>
   <p:txStyles>
@@ -11571,6 +11698,935 @@
     <p:extLst>
       <p:ext uri="{BB962C8B-B14F-4D97-AF65-F5344CB8AC3E}">
         <p14:creationId xmlns:p14="http://schemas.microsoft.com/office/powerpoint/2010/main" val="3541332128"/>
+      </p:ext>
+    </p:extLst>
+  </p:cSld>
+  <p:clrMapOvr>
+    <a:masterClrMapping/>
+  </p:clrMapOvr>
+</p:sld>
+</file>
+
+<file path=ppt/slides/slide7.xml><?xml version="1.0" encoding="utf-8"?>
+<p:sld xmlns:a="http://schemas.openxmlformats.org/drawingml/2006/main" xmlns:r="http://schemas.openxmlformats.org/officeDocument/2006/relationships" xmlns:p="http://schemas.openxmlformats.org/presentationml/2006/main">
+  <p:cSld>
+    <p:spTree>
+      <p:nvGrpSpPr>
+        <p:cNvPr id="1" name=""/>
+        <p:cNvGrpSpPr/>
+        <p:nvPr/>
+      </p:nvGrpSpPr>
+      <p:grpSpPr>
+        <a:xfrm>
+          <a:off x="0" y="0"/>
+          <a:ext cx="0" cy="0"/>
+          <a:chOff x="0" y="0"/>
+          <a:chExt cx="0" cy="0"/>
+        </a:xfrm>
+      </p:grpSpPr>
+      <p:pic>
+        <p:nvPicPr>
+          <p:cNvPr id="9" name="그림 8">
+            <a:extLst>
+              <a:ext uri="{FF2B5EF4-FFF2-40B4-BE49-F238E27FC236}">
+                <a16:creationId xmlns:a16="http://schemas.microsoft.com/office/drawing/2014/main" id="{A552CB27-F73D-8254-CFA6-22B5F5D3BBC6}"/>
+              </a:ext>
+            </a:extLst>
+          </p:cNvPr>
+          <p:cNvPicPr>
+            <a:picLocks noChangeAspect="1"/>
+          </p:cNvPicPr>
+          <p:nvPr/>
+        </p:nvPicPr>
+        <p:blipFill>
+          <a:blip r:embed="rId3"/>
+          <a:stretch>
+            <a:fillRect/>
+          </a:stretch>
+        </p:blipFill>
+        <p:spPr>
+          <a:xfrm>
+            <a:off x="1675683" y="5001987"/>
+            <a:ext cx="1992086" cy="984042"/>
+          </a:xfrm>
+          <a:prstGeom prst="rect">
+            <a:avLst/>
+          </a:prstGeom>
+        </p:spPr>
+      </p:pic>
+      <p:sp>
+        <p:nvSpPr>
+          <p:cNvPr id="2" name="제목 1">
+            <a:extLst>
+              <a:ext uri="{FF2B5EF4-FFF2-40B4-BE49-F238E27FC236}">
+                <a16:creationId xmlns:a16="http://schemas.microsoft.com/office/drawing/2014/main" id="{B7443096-4005-33EC-909D-A786E838006D}"/>
+              </a:ext>
+            </a:extLst>
+          </p:cNvPr>
+          <p:cNvSpPr>
+            <a:spLocks noGrp="1"/>
+          </p:cNvSpPr>
+          <p:nvPr>
+            <p:ph type="title"/>
+          </p:nvPr>
+        </p:nvSpPr>
+        <p:spPr>
+          <a:xfrm>
+            <a:off x="680720" y="136525"/>
+            <a:ext cx="8545195" cy="484505"/>
+          </a:xfrm>
+        </p:spPr>
+        <p:txBody>
+          <a:bodyPr>
+            <a:normAutofit/>
+          </a:bodyPr>
+          <a:lstStyle/>
+          <a:p>
+            <a:r>
+              <a:rPr lang="en-US" altLang="ko-KR" dirty="0"/>
+              <a:t>Mobile Manipulator (</a:t>
+            </a:r>
+            <a:r>
+              <a:rPr lang="en-US" altLang="ko-KR" dirty="0" err="1"/>
+              <a:t>MoMa</a:t>
+            </a:r>
+            <a:r>
+              <a:rPr lang="en-US" altLang="ko-KR" dirty="0"/>
+              <a:t>) / Mobile </a:t>
+            </a:r>
+            <a:r>
+              <a:rPr lang="en-US" altLang="ko-KR" dirty="0" err="1"/>
+              <a:t>Cobot</a:t>
+            </a:r>
+            <a:r>
+              <a:rPr lang="en-US" altLang="ko-KR" dirty="0"/>
+              <a:t> / </a:t>
+            </a:r>
+            <a:r>
+              <a:rPr lang="en-US" altLang="ko-KR" dirty="0" err="1"/>
+              <a:t>Mobot</a:t>
+            </a:r>
+            <a:endParaRPr lang="ko-KR" altLang="en-US" dirty="0"/>
+          </a:p>
+        </p:txBody>
+      </p:sp>
+      <p:pic>
+        <p:nvPicPr>
+          <p:cNvPr id="7" name="그림 6">
+            <a:extLst>
+              <a:ext uri="{FF2B5EF4-FFF2-40B4-BE49-F238E27FC236}">
+                <a16:creationId xmlns:a16="http://schemas.microsoft.com/office/drawing/2014/main" id="{D9928195-FF72-B665-310F-5AF420C4772A}"/>
+              </a:ext>
+            </a:extLst>
+          </p:cNvPr>
+          <p:cNvPicPr>
+            <a:picLocks noChangeAspect="1"/>
+          </p:cNvPicPr>
+          <p:nvPr/>
+        </p:nvPicPr>
+        <p:blipFill>
+          <a:blip r:embed="rId4"/>
+          <a:stretch>
+            <a:fillRect/>
+          </a:stretch>
+        </p:blipFill>
+        <p:spPr>
+          <a:xfrm>
+            <a:off x="1805703" y="2775857"/>
+            <a:ext cx="1131569" cy="2471057"/>
+          </a:xfrm>
+          <a:prstGeom prst="rect">
+            <a:avLst/>
+          </a:prstGeom>
+        </p:spPr>
+      </p:pic>
+      <p:sp>
+        <p:nvSpPr>
+          <p:cNvPr id="11" name="TextBox 10">
+            <a:extLst>
+              <a:ext uri="{FF2B5EF4-FFF2-40B4-BE49-F238E27FC236}">
+                <a16:creationId xmlns:a16="http://schemas.microsoft.com/office/drawing/2014/main" id="{A689382B-8B0A-D7BD-507D-1E7EC1B388C0}"/>
+              </a:ext>
+            </a:extLst>
+          </p:cNvPr>
+          <p:cNvSpPr txBox="1"/>
+          <p:nvPr/>
+        </p:nvSpPr>
+        <p:spPr>
+          <a:xfrm>
+            <a:off x="202275" y="2028124"/>
+            <a:ext cx="769763" cy="307777"/>
+          </a:xfrm>
+          <a:prstGeom prst="rect">
+            <a:avLst/>
+          </a:prstGeom>
+          <a:noFill/>
+        </p:spPr>
+        <p:txBody>
+          <a:bodyPr wrap="none" rtlCol="0">
+            <a:spAutoFit/>
+          </a:bodyPr>
+          <a:lstStyle/>
+          <a:p>
+            <a:pPr algn="ctr"/>
+            <a:r>
+              <a:rPr kumimoji="1" lang="en-US" altLang="ko-KR" sz="1400" dirty="0"/>
+              <a:t>Gripper</a:t>
+            </a:r>
+            <a:endParaRPr kumimoji="1" lang="ko-KR" altLang="en-US" sz="1400" dirty="0"/>
+          </a:p>
+        </p:txBody>
+      </p:sp>
+      <p:sp>
+        <p:nvSpPr>
+          <p:cNvPr id="12" name="TextBox 11">
+            <a:extLst>
+              <a:ext uri="{FF2B5EF4-FFF2-40B4-BE49-F238E27FC236}">
+                <a16:creationId xmlns:a16="http://schemas.microsoft.com/office/drawing/2014/main" id="{823547BA-95B9-D341-1C50-B5C01687C27B}"/>
+              </a:ext>
+            </a:extLst>
+          </p:cNvPr>
+          <p:cNvSpPr txBox="1"/>
+          <p:nvPr/>
+        </p:nvSpPr>
+        <p:spPr>
+          <a:xfrm>
+            <a:off x="3866274" y="1780103"/>
+            <a:ext cx="6067880" cy="3170099"/>
+          </a:xfrm>
+          <a:prstGeom prst="rect">
+            <a:avLst/>
+          </a:prstGeom>
+          <a:noFill/>
+        </p:spPr>
+        <p:txBody>
+          <a:bodyPr wrap="none" rtlCol="0">
+            <a:spAutoFit/>
+          </a:bodyPr>
+          <a:lstStyle/>
+          <a:p>
+            <a:pPr marL="285750" indent="-285750">
+              <a:spcBef>
+                <a:spcPts val="1200"/>
+              </a:spcBef>
+              <a:buFont typeface="Wingdings" pitchFamily="2" charset="2"/>
+              <a:buChar char="l"/>
+            </a:pPr>
+            <a:r>
+              <a:rPr kumimoji="1" lang="en-US" altLang="ko-KR" sz="1600" b="1" dirty="0">
+                <a:solidFill>
+                  <a:srgbClr val="FF0000"/>
+                </a:solidFill>
+              </a:rPr>
+              <a:t>UR(Universal Robots </a:t>
+            </a:r>
+            <a:r>
+              <a:rPr kumimoji="1" lang="ko-KR" altLang="en-US" sz="1600" b="1" dirty="0">
+                <a:solidFill>
+                  <a:srgbClr val="FF0000"/>
+                </a:solidFill>
+              </a:rPr>
+              <a:t>제품들은 </a:t>
+            </a:r>
+            <a:r>
+              <a:rPr kumimoji="1" lang="en-US" altLang="ko-KR" sz="1600" b="1" dirty="0" err="1">
+                <a:solidFill>
+                  <a:srgbClr val="FF0000"/>
+                </a:solidFill>
+              </a:rPr>
+              <a:t>PolyScope</a:t>
+            </a:r>
+            <a:r>
+              <a:rPr kumimoji="1" lang="ko-KR" altLang="en-US" sz="1600" b="1" dirty="0" err="1">
+                <a:solidFill>
+                  <a:srgbClr val="FF0000"/>
+                </a:solidFill>
+              </a:rPr>
+              <a:t>를</a:t>
+            </a:r>
+            <a:r>
+              <a:rPr kumimoji="1" lang="ko-KR" altLang="en-US" sz="1600" b="1" dirty="0">
+                <a:solidFill>
+                  <a:srgbClr val="FF0000"/>
+                </a:solidFill>
+              </a:rPr>
+              <a:t> 사용하고 있으며</a:t>
+            </a:r>
+            <a:r>
+              <a:rPr kumimoji="1" lang="en-US" altLang="ko-KR" sz="1600" b="1" dirty="0">
+                <a:solidFill>
+                  <a:srgbClr val="FF0000"/>
+                </a:solidFill>
+              </a:rPr>
+              <a:t>,</a:t>
+            </a:r>
+            <a:br>
+              <a:rPr kumimoji="1" lang="en-US" altLang="ko-KR" sz="1600" b="1" dirty="0">
+                <a:solidFill>
+                  <a:srgbClr val="FF0000"/>
+                </a:solidFill>
+              </a:rPr>
+            </a:br>
+            <a:r>
+              <a:rPr kumimoji="1" lang="ko-KR" altLang="en-US" sz="1600" b="1" dirty="0">
+                <a:solidFill>
+                  <a:srgbClr val="FF0000"/>
+                </a:solidFill>
+              </a:rPr>
+              <a:t>이는 </a:t>
+            </a:r>
+            <a:r>
+              <a:rPr kumimoji="1" lang="en-US" altLang="ko-KR" sz="1600" b="1" dirty="0">
+                <a:solidFill>
+                  <a:srgbClr val="FF0000"/>
+                </a:solidFill>
+              </a:rPr>
+              <a:t>ROS2</a:t>
+            </a:r>
+            <a:r>
+              <a:rPr kumimoji="1" lang="ko-KR" altLang="en-US" sz="1600" b="1" dirty="0" err="1">
+                <a:solidFill>
+                  <a:srgbClr val="FF0000"/>
+                </a:solidFill>
+              </a:rPr>
+              <a:t>를</a:t>
+            </a:r>
+            <a:r>
+              <a:rPr kumimoji="1" lang="ko-KR" altLang="en-US" sz="1600" b="1" dirty="0">
+                <a:solidFill>
+                  <a:srgbClr val="FF0000"/>
+                </a:solidFill>
+              </a:rPr>
+              <a:t> 부분 지원하고 있음</a:t>
+            </a:r>
+            <a:r>
+              <a:rPr kumimoji="1" lang="en-US" altLang="ko-KR" sz="1600" b="1" dirty="0">
+                <a:solidFill>
+                  <a:srgbClr val="FF0000"/>
+                </a:solidFill>
+              </a:rPr>
+              <a:t>.</a:t>
+            </a:r>
+            <a:br>
+              <a:rPr kumimoji="1" lang="en-US" altLang="ko-KR" sz="1600" b="1" dirty="0">
+                <a:solidFill>
+                  <a:srgbClr val="FF0000"/>
+                </a:solidFill>
+              </a:rPr>
+            </a:br>
+            <a:r>
+              <a:rPr kumimoji="1" lang="en-US" altLang="ko-KR" sz="1600" b="1" dirty="0">
+                <a:solidFill>
+                  <a:srgbClr val="FF0000"/>
+                </a:solidFill>
+                <a:sym typeface="Wingdings" pitchFamily="2" charset="2"/>
+              </a:rPr>
+              <a:t> ROS2</a:t>
+            </a:r>
+            <a:r>
+              <a:rPr kumimoji="1" lang="ko-KR" altLang="en-US" sz="1600" b="1" dirty="0">
+                <a:solidFill>
+                  <a:srgbClr val="FF0000"/>
+                </a:solidFill>
+                <a:sym typeface="Wingdings" pitchFamily="2" charset="2"/>
+              </a:rPr>
+              <a:t>와 </a:t>
+            </a:r>
+            <a:r>
+              <a:rPr kumimoji="1" lang="en-US" altLang="ko-KR" sz="1600" b="1" dirty="0">
+                <a:solidFill>
+                  <a:srgbClr val="FF0000"/>
+                </a:solidFill>
+                <a:sym typeface="Wingdings" pitchFamily="2" charset="2"/>
+              </a:rPr>
+              <a:t>DDS</a:t>
+            </a:r>
+            <a:r>
+              <a:rPr kumimoji="1" lang="ko-KR" altLang="en-US" sz="1600" b="1" dirty="0">
+                <a:solidFill>
+                  <a:srgbClr val="FF0000"/>
+                </a:solidFill>
+                <a:sym typeface="Wingdings" pitchFamily="2" charset="2"/>
+              </a:rPr>
+              <a:t> 지원 여부 및 범위를 확인해야 함</a:t>
+            </a:r>
+            <a:r>
+              <a:rPr kumimoji="1" lang="en-US" altLang="ko-KR" sz="1600" b="1" dirty="0">
+                <a:solidFill>
+                  <a:srgbClr val="FF0000"/>
+                </a:solidFill>
+                <a:sym typeface="Wingdings" pitchFamily="2" charset="2"/>
+              </a:rPr>
+              <a:t>.</a:t>
+            </a:r>
+          </a:p>
+          <a:p>
+            <a:pPr marL="285750" indent="-285750">
+              <a:spcBef>
+                <a:spcPts val="1200"/>
+              </a:spcBef>
+              <a:buFont typeface="Wingdings" pitchFamily="2" charset="2"/>
+              <a:buChar char="l"/>
+            </a:pPr>
+            <a:r>
+              <a:rPr kumimoji="1" lang="en-US" altLang="ko-KR" sz="1600" dirty="0" err="1">
+                <a:sym typeface="Wingdings" pitchFamily="2" charset="2"/>
+              </a:rPr>
+              <a:t>PolyScope</a:t>
+            </a:r>
+            <a:r>
+              <a:rPr kumimoji="1" lang="ko-KR" altLang="en-US" sz="1600" dirty="0">
+                <a:sym typeface="Wingdings" pitchFamily="2" charset="2"/>
+              </a:rPr>
+              <a:t>는 </a:t>
+            </a:r>
+            <a:r>
+              <a:rPr kumimoji="1" lang="en-US" altLang="ko-KR" sz="1600" dirty="0">
+                <a:sym typeface="Wingdings" pitchFamily="2" charset="2"/>
+              </a:rPr>
+              <a:t>Python</a:t>
+            </a:r>
+            <a:r>
+              <a:rPr kumimoji="1" lang="ko-KR" altLang="en-US" sz="1600" dirty="0">
+                <a:sym typeface="Wingdings" pitchFamily="2" charset="2"/>
+              </a:rPr>
+              <a:t>기반의 </a:t>
+            </a:r>
+            <a:r>
+              <a:rPr kumimoji="1" lang="en-US" altLang="ko-KR" sz="1600" dirty="0">
+                <a:sym typeface="Wingdings" pitchFamily="2" charset="2"/>
+              </a:rPr>
+              <a:t>UR Script</a:t>
+            </a:r>
+            <a:r>
+              <a:rPr kumimoji="1" lang="ko-KR" altLang="en-US" sz="1600" dirty="0" err="1">
+                <a:sym typeface="Wingdings" pitchFamily="2" charset="2"/>
+              </a:rPr>
+              <a:t>를</a:t>
+            </a:r>
+            <a:r>
+              <a:rPr kumimoji="1" lang="ko-KR" altLang="en-US" sz="1600" dirty="0">
+                <a:sym typeface="Wingdings" pitchFamily="2" charset="2"/>
+              </a:rPr>
+              <a:t> 사용함</a:t>
+            </a:r>
+            <a:r>
+              <a:rPr kumimoji="1" lang="en-US" altLang="ko-KR" sz="1600" dirty="0">
+                <a:sym typeface="Wingdings" pitchFamily="2" charset="2"/>
+              </a:rPr>
+              <a:t>.</a:t>
+            </a:r>
+          </a:p>
+          <a:p>
+            <a:pPr marL="285750" indent="-285750">
+              <a:spcBef>
+                <a:spcPts val="1200"/>
+              </a:spcBef>
+              <a:buFont typeface="Wingdings" pitchFamily="2" charset="2"/>
+              <a:buChar char="l"/>
+            </a:pPr>
+            <a:r>
+              <a:rPr kumimoji="1" lang="en-US" altLang="ko-KR" sz="1600" dirty="0">
+                <a:sym typeface="Wingdings" pitchFamily="2" charset="2"/>
+              </a:rPr>
+              <a:t>Gripper</a:t>
+            </a:r>
+            <a:r>
+              <a:rPr kumimoji="1" lang="ko-KR" altLang="en-US" sz="1600" dirty="0">
+                <a:sym typeface="Wingdings" pitchFamily="2" charset="2"/>
+              </a:rPr>
+              <a:t>와 </a:t>
+            </a:r>
+            <a:r>
+              <a:rPr kumimoji="1" lang="en-US" altLang="ko-KR" sz="1600" dirty="0">
+                <a:sym typeface="Wingdings" pitchFamily="2" charset="2"/>
+              </a:rPr>
+              <a:t>Camera</a:t>
+            </a:r>
+            <a:r>
+              <a:rPr kumimoji="1" lang="ko-KR" altLang="en-US" sz="1600" dirty="0">
+                <a:sym typeface="Wingdings" pitchFamily="2" charset="2"/>
+              </a:rPr>
+              <a:t>의 제조사와 </a:t>
+            </a:r>
+            <a:r>
+              <a:rPr kumimoji="1" lang="en-US" altLang="ko-KR" sz="1600" dirty="0">
+                <a:sym typeface="Wingdings" pitchFamily="2" charset="2"/>
+              </a:rPr>
+              <a:t>UR</a:t>
+            </a:r>
+            <a:r>
+              <a:rPr kumimoji="1" lang="ko-KR" altLang="en-US" sz="1600" dirty="0">
+                <a:sym typeface="Wingdings" pitchFamily="2" charset="2"/>
+              </a:rPr>
+              <a:t> 호환성을 확인해야 함</a:t>
+            </a:r>
+            <a:r>
+              <a:rPr kumimoji="1" lang="en-US" altLang="ko-KR" sz="1600" dirty="0">
+                <a:sym typeface="Wingdings" pitchFamily="2" charset="2"/>
+              </a:rPr>
+              <a:t>.</a:t>
+            </a:r>
+            <a:br>
+              <a:rPr kumimoji="1" lang="en-US" altLang="ko-KR" sz="1600" dirty="0">
+                <a:sym typeface="Wingdings" pitchFamily="2" charset="2"/>
+              </a:rPr>
+            </a:br>
+            <a:r>
+              <a:rPr kumimoji="1" lang="en-US" altLang="ko-KR" sz="1600" dirty="0">
+                <a:sym typeface="Wingdings" pitchFamily="2" charset="2"/>
+              </a:rPr>
+              <a:t></a:t>
+            </a:r>
+            <a:r>
+              <a:rPr kumimoji="1" lang="ko-KR" altLang="en-US" sz="1600" dirty="0">
+                <a:sym typeface="Wingdings" pitchFamily="2" charset="2"/>
+              </a:rPr>
+              <a:t> </a:t>
+            </a:r>
+            <a:r>
+              <a:rPr kumimoji="1" lang="en-US" altLang="ko-KR" sz="1600" dirty="0">
+                <a:sym typeface="Wingdings" pitchFamily="2" charset="2"/>
+              </a:rPr>
+              <a:t>UR</a:t>
+            </a:r>
+            <a:r>
+              <a:rPr kumimoji="1" lang="ko-KR" altLang="en-US" sz="1600" dirty="0">
+                <a:sym typeface="Wingdings" pitchFamily="2" charset="2"/>
+              </a:rPr>
+              <a:t>과 통신 및 제어에 대한 확인이 필요함</a:t>
+            </a:r>
+            <a:r>
+              <a:rPr kumimoji="1" lang="en-US" altLang="ko-KR" sz="1600" dirty="0">
+                <a:sym typeface="Wingdings" pitchFamily="2" charset="2"/>
+              </a:rPr>
+              <a:t>.</a:t>
+            </a:r>
+          </a:p>
+          <a:p>
+            <a:pPr marL="285750" indent="-285750">
+              <a:spcBef>
+                <a:spcPts val="1200"/>
+              </a:spcBef>
+              <a:buFont typeface="Wingdings" pitchFamily="2" charset="2"/>
+              <a:buChar char="l"/>
+            </a:pPr>
+            <a:r>
+              <a:rPr kumimoji="1" lang="en-US" altLang="ko-KR" sz="1600" dirty="0">
+                <a:sym typeface="Wingdings" pitchFamily="2" charset="2"/>
+              </a:rPr>
+              <a:t>Mir, UR </a:t>
+            </a:r>
+            <a:r>
+              <a:rPr kumimoji="1" lang="en-US" altLang="ko-KR" sz="1600" dirty="0" err="1">
+                <a:sym typeface="Wingdings" pitchFamily="2" charset="2"/>
+              </a:rPr>
+              <a:t>Cobot</a:t>
+            </a:r>
+            <a:r>
+              <a:rPr kumimoji="1" lang="en-US" altLang="ko-KR" sz="1600" dirty="0">
+                <a:sym typeface="Wingdings" pitchFamily="2" charset="2"/>
+              </a:rPr>
+              <a:t>, Gripper, Camera</a:t>
+            </a:r>
+            <a:r>
+              <a:rPr kumimoji="1" lang="ko-KR" altLang="en-US" sz="1600" dirty="0" err="1">
+                <a:sym typeface="Wingdings" pitchFamily="2" charset="2"/>
+              </a:rPr>
+              <a:t>를</a:t>
+            </a:r>
+            <a:r>
+              <a:rPr kumimoji="1" lang="ko-KR" altLang="en-US" sz="1600" dirty="0">
+                <a:sym typeface="Wingdings" pitchFamily="2" charset="2"/>
+              </a:rPr>
+              <a:t> 각각 다른 </a:t>
+            </a:r>
+            <a:r>
+              <a:rPr kumimoji="1" lang="en-US" altLang="ko-KR" sz="1600" dirty="0">
+                <a:sym typeface="Wingdings" pitchFamily="2" charset="2"/>
+              </a:rPr>
+              <a:t>Node</a:t>
+            </a:r>
+            <a:r>
+              <a:rPr kumimoji="1" lang="ko-KR" altLang="en-US" sz="1600" dirty="0">
+                <a:sym typeface="Wingdings" pitchFamily="2" charset="2"/>
+              </a:rPr>
+              <a:t>로 제어할</a:t>
+            </a:r>
+            <a:br>
+              <a:rPr kumimoji="1" lang="en-US" altLang="ko-KR" sz="1600" dirty="0">
+                <a:sym typeface="Wingdings" pitchFamily="2" charset="2"/>
+              </a:rPr>
+            </a:br>
+            <a:r>
+              <a:rPr kumimoji="1" lang="ko-KR" altLang="en-US" sz="1600" dirty="0">
+                <a:sym typeface="Wingdings" pitchFamily="2" charset="2"/>
+              </a:rPr>
+              <a:t>것인지</a:t>
+            </a:r>
+            <a:r>
+              <a:rPr kumimoji="1" lang="en-US" altLang="ko-KR" sz="1600" dirty="0">
+                <a:sym typeface="Wingdings" pitchFamily="2" charset="2"/>
+              </a:rPr>
+              <a:t>,</a:t>
+            </a:r>
+            <a:r>
+              <a:rPr kumimoji="1" lang="ko-KR" altLang="en-US" sz="1600" dirty="0">
+                <a:sym typeface="Wingdings" pitchFamily="2" charset="2"/>
+              </a:rPr>
+              <a:t> 아니면 하나의 </a:t>
+            </a:r>
+            <a:r>
+              <a:rPr kumimoji="1" lang="en-US" altLang="ko-KR" sz="1600" dirty="0">
+                <a:sym typeface="Wingdings" pitchFamily="2" charset="2"/>
+              </a:rPr>
+              <a:t>Node</a:t>
+            </a:r>
+            <a:r>
+              <a:rPr kumimoji="1" lang="ko-KR" altLang="en-US" sz="1600" dirty="0">
+                <a:sym typeface="Wingdings" pitchFamily="2" charset="2"/>
+              </a:rPr>
+              <a:t>로 제어할 것인지 확인해야 함</a:t>
+            </a:r>
+            <a:r>
+              <a:rPr kumimoji="1" lang="en-US" altLang="ko-KR" sz="1600" dirty="0">
+                <a:sym typeface="Wingdings" pitchFamily="2" charset="2"/>
+              </a:rPr>
+              <a:t>.</a:t>
+            </a:r>
+          </a:p>
+          <a:p>
+            <a:pPr marL="285750" indent="-285750">
+              <a:spcBef>
+                <a:spcPts val="1200"/>
+              </a:spcBef>
+              <a:buFont typeface="Wingdings" pitchFamily="2" charset="2"/>
+              <a:buChar char="l"/>
+            </a:pPr>
+            <a:r>
+              <a:rPr kumimoji="1" lang="ko-KR" altLang="en-US" sz="1600" dirty="0">
+                <a:sym typeface="Wingdings" pitchFamily="2" charset="2"/>
+              </a:rPr>
+              <a:t>각각 다른 </a:t>
+            </a:r>
+            <a:r>
+              <a:rPr kumimoji="1" lang="en-US" altLang="ko-KR" sz="1600" dirty="0">
+                <a:sym typeface="Wingdings" pitchFamily="2" charset="2"/>
+              </a:rPr>
+              <a:t>Node</a:t>
+            </a:r>
+            <a:r>
+              <a:rPr kumimoji="1" lang="ko-KR" altLang="en-US" sz="1600" dirty="0">
+                <a:sym typeface="Wingdings" pitchFamily="2" charset="2"/>
+              </a:rPr>
+              <a:t>로 제어한다면</a:t>
+            </a:r>
+            <a:r>
+              <a:rPr kumimoji="1" lang="en-US" altLang="ko-KR" sz="1600" dirty="0">
+                <a:sym typeface="Wingdings" pitchFamily="2" charset="2"/>
+              </a:rPr>
+              <a:t>,</a:t>
+            </a:r>
+            <a:r>
+              <a:rPr kumimoji="1" lang="ko-KR" altLang="en-US" sz="1600" dirty="0">
+                <a:sym typeface="Wingdings" pitchFamily="2" charset="2"/>
+              </a:rPr>
+              <a:t> 각 </a:t>
+            </a:r>
+            <a:r>
+              <a:rPr kumimoji="1" lang="en-US" altLang="ko-KR" sz="1600" dirty="0">
+                <a:sym typeface="Wingdings" pitchFamily="2" charset="2"/>
+              </a:rPr>
+              <a:t>Node</a:t>
+            </a:r>
+            <a:r>
+              <a:rPr kumimoji="1" lang="ko-KR" altLang="en-US" sz="1600" dirty="0">
+                <a:sym typeface="Wingdings" pitchFamily="2" charset="2"/>
+              </a:rPr>
+              <a:t>의 </a:t>
+            </a:r>
+            <a:r>
+              <a:rPr kumimoji="1" lang="en-US" altLang="ko-KR" sz="1600" dirty="0">
+                <a:sym typeface="Wingdings" pitchFamily="2" charset="2"/>
+              </a:rPr>
+              <a:t>ROS2 </a:t>
+            </a:r>
+            <a:r>
+              <a:rPr kumimoji="1" lang="ko-KR" altLang="en-US" sz="1600" dirty="0">
+                <a:sym typeface="Wingdings" pitchFamily="2" charset="2"/>
+              </a:rPr>
+              <a:t>지원여부를</a:t>
+            </a:r>
+            <a:br>
+              <a:rPr kumimoji="1" lang="en-US" altLang="ko-KR" sz="1600" dirty="0">
+                <a:sym typeface="Wingdings" pitchFamily="2" charset="2"/>
+              </a:rPr>
+            </a:br>
+            <a:r>
+              <a:rPr kumimoji="1" lang="ko-KR" altLang="en-US" sz="1600" dirty="0">
+                <a:sym typeface="Wingdings" pitchFamily="2" charset="2"/>
+              </a:rPr>
+              <a:t>확인해야 함</a:t>
+            </a:r>
+            <a:r>
+              <a:rPr kumimoji="1" lang="en-US" altLang="ko-KR" sz="1600" dirty="0">
+                <a:sym typeface="Wingdings" pitchFamily="2" charset="2"/>
+              </a:rPr>
+              <a:t>.</a:t>
+            </a:r>
+            <a:endParaRPr kumimoji="1" lang="ko-KR" altLang="en-US" sz="1600" dirty="0"/>
+          </a:p>
+        </p:txBody>
+      </p:sp>
+      <p:sp>
+        <p:nvSpPr>
+          <p:cNvPr id="13" name="TextBox 12">
+            <a:extLst>
+              <a:ext uri="{FF2B5EF4-FFF2-40B4-BE49-F238E27FC236}">
+                <a16:creationId xmlns:a16="http://schemas.microsoft.com/office/drawing/2014/main" id="{807E416B-1B77-866A-D65C-62D2E84AE1DD}"/>
+              </a:ext>
+            </a:extLst>
+          </p:cNvPr>
+          <p:cNvSpPr txBox="1"/>
+          <p:nvPr/>
+        </p:nvSpPr>
+        <p:spPr>
+          <a:xfrm>
+            <a:off x="2469836" y="3863055"/>
+            <a:ext cx="934872" cy="307777"/>
+          </a:xfrm>
+          <a:prstGeom prst="rect">
+            <a:avLst/>
+          </a:prstGeom>
+          <a:noFill/>
+        </p:spPr>
+        <p:txBody>
+          <a:bodyPr wrap="none" rtlCol="0">
+            <a:spAutoFit/>
+          </a:bodyPr>
+          <a:lstStyle/>
+          <a:p>
+            <a:pPr algn="ctr"/>
+            <a:r>
+              <a:rPr kumimoji="1" lang="en-US" altLang="ko-KR" sz="1400" dirty="0"/>
+              <a:t>UR </a:t>
+            </a:r>
+            <a:r>
+              <a:rPr kumimoji="1" lang="en-US" altLang="ko-KR" sz="1400" dirty="0" err="1"/>
+              <a:t>Cobot</a:t>
+            </a:r>
+            <a:endParaRPr kumimoji="1" lang="ko-KR" altLang="en-US" sz="1400" dirty="0"/>
+          </a:p>
+        </p:txBody>
+      </p:sp>
+      <p:sp>
+        <p:nvSpPr>
+          <p:cNvPr id="14" name="TextBox 13">
+            <a:extLst>
+              <a:ext uri="{FF2B5EF4-FFF2-40B4-BE49-F238E27FC236}">
+                <a16:creationId xmlns:a16="http://schemas.microsoft.com/office/drawing/2014/main" id="{9304D7B6-B607-9501-8D87-4C00D085CC3A}"/>
+              </a:ext>
+            </a:extLst>
+          </p:cNvPr>
+          <p:cNvSpPr txBox="1"/>
+          <p:nvPr/>
+        </p:nvSpPr>
+        <p:spPr>
+          <a:xfrm>
+            <a:off x="1086651" y="5340119"/>
+            <a:ext cx="478016" cy="307777"/>
+          </a:xfrm>
+          <a:prstGeom prst="rect">
+            <a:avLst/>
+          </a:prstGeom>
+          <a:noFill/>
+        </p:spPr>
+        <p:txBody>
+          <a:bodyPr wrap="none" rtlCol="0">
+            <a:spAutoFit/>
+          </a:bodyPr>
+          <a:lstStyle/>
+          <a:p>
+            <a:pPr algn="ctr"/>
+            <a:r>
+              <a:rPr kumimoji="1" lang="en-US" altLang="ko-KR" sz="1400" dirty="0" err="1"/>
+              <a:t>MiR</a:t>
+            </a:r>
+            <a:endParaRPr kumimoji="1" lang="ko-KR" altLang="en-US" sz="1400" dirty="0"/>
+          </a:p>
+        </p:txBody>
+      </p:sp>
+      <p:pic>
+        <p:nvPicPr>
+          <p:cNvPr id="17" name="그림 16">
+            <a:extLst>
+              <a:ext uri="{FF2B5EF4-FFF2-40B4-BE49-F238E27FC236}">
+                <a16:creationId xmlns:a16="http://schemas.microsoft.com/office/drawing/2014/main" id="{EE900C13-B5DC-8E65-F377-5377A30E5C7B}"/>
+              </a:ext>
+            </a:extLst>
+          </p:cNvPr>
+          <p:cNvPicPr>
+            <a:picLocks noChangeAspect="1"/>
+          </p:cNvPicPr>
+          <p:nvPr/>
+        </p:nvPicPr>
+        <p:blipFill>
+          <a:blip r:embed="rId5"/>
+          <a:stretch>
+            <a:fillRect/>
+          </a:stretch>
+        </p:blipFill>
+        <p:spPr>
+          <a:xfrm>
+            <a:off x="379230" y="1911004"/>
+            <a:ext cx="2661326" cy="1765208"/>
+          </a:xfrm>
+          <a:prstGeom prst="rect">
+            <a:avLst/>
+          </a:prstGeom>
+        </p:spPr>
+      </p:pic>
+      <p:sp>
+        <p:nvSpPr>
+          <p:cNvPr id="18" name="TextBox 17">
+            <a:extLst>
+              <a:ext uri="{FF2B5EF4-FFF2-40B4-BE49-F238E27FC236}">
+                <a16:creationId xmlns:a16="http://schemas.microsoft.com/office/drawing/2014/main" id="{D590D8B6-696E-79B4-8CBF-56F10B86D84B}"/>
+              </a:ext>
+            </a:extLst>
+          </p:cNvPr>
+          <p:cNvSpPr txBox="1"/>
+          <p:nvPr/>
+        </p:nvSpPr>
+        <p:spPr>
+          <a:xfrm>
+            <a:off x="923401" y="1961641"/>
+            <a:ext cx="804516" cy="307777"/>
+          </a:xfrm>
+          <a:prstGeom prst="rect">
+            <a:avLst/>
+          </a:prstGeom>
+          <a:noFill/>
+        </p:spPr>
+        <p:txBody>
+          <a:bodyPr wrap="none" rtlCol="0">
+            <a:spAutoFit/>
+          </a:bodyPr>
+          <a:lstStyle/>
+          <a:p>
+            <a:pPr algn="ctr"/>
+            <a:r>
+              <a:rPr kumimoji="1" lang="en-US" altLang="ko-KR" sz="1400" dirty="0"/>
+              <a:t>Camera</a:t>
+            </a:r>
+            <a:endParaRPr kumimoji="1" lang="ko-KR" altLang="en-US" sz="1400" dirty="0"/>
+          </a:p>
+        </p:txBody>
+      </p:sp>
+      <p:sp>
+        <p:nvSpPr>
+          <p:cNvPr id="19" name="TextBox 18">
+            <a:extLst>
+              <a:ext uri="{FF2B5EF4-FFF2-40B4-BE49-F238E27FC236}">
+                <a16:creationId xmlns:a16="http://schemas.microsoft.com/office/drawing/2014/main" id="{9A32A80B-BEB5-12B1-4260-4CD658BA6320}"/>
+              </a:ext>
+            </a:extLst>
+          </p:cNvPr>
+          <p:cNvSpPr txBox="1"/>
+          <p:nvPr/>
+        </p:nvSpPr>
+        <p:spPr>
+          <a:xfrm>
+            <a:off x="3866274" y="5453170"/>
+            <a:ext cx="6077626" cy="584775"/>
+          </a:xfrm>
+          <a:prstGeom prst="rect">
+            <a:avLst/>
+          </a:prstGeom>
+          <a:noFill/>
+        </p:spPr>
+        <p:txBody>
+          <a:bodyPr wrap="none" rtlCol="0">
+            <a:spAutoFit/>
+          </a:bodyPr>
+          <a:lstStyle/>
+          <a:p>
+            <a:pPr marL="269875" indent="-269875"/>
+            <a:r>
+              <a:rPr kumimoji="1" lang="en-US" altLang="ko-KR" sz="1600" dirty="0"/>
+              <a:t>※	UR</a:t>
+            </a:r>
+            <a:r>
+              <a:rPr kumimoji="1" lang="ko-KR" altLang="en-US" sz="1600" dirty="0"/>
+              <a:t>에는 </a:t>
+            </a:r>
+            <a:r>
+              <a:rPr kumimoji="1" lang="en-US" altLang="ko-KR" sz="1600" dirty="0"/>
+              <a:t>Gripper</a:t>
+            </a:r>
+            <a:r>
+              <a:rPr kumimoji="1" lang="ko-KR" altLang="en-US" sz="1600" dirty="0"/>
+              <a:t>와 </a:t>
+            </a:r>
+            <a:r>
+              <a:rPr kumimoji="1" lang="en-US" altLang="ko-KR" sz="1600" dirty="0"/>
+              <a:t>Camera</a:t>
+            </a:r>
+            <a:r>
+              <a:rPr kumimoji="1" lang="ko-KR" altLang="en-US" sz="1600" dirty="0"/>
+              <a:t> 제품이 없으나</a:t>
+            </a:r>
+            <a:r>
+              <a:rPr kumimoji="1" lang="en-US" altLang="ko-KR" sz="1600" dirty="0"/>
+              <a:t>,</a:t>
+            </a:r>
+            <a:r>
+              <a:rPr kumimoji="1" lang="ko-KR" altLang="en-US" sz="1600" dirty="0"/>
+              <a:t> </a:t>
+            </a:r>
+            <a:r>
+              <a:rPr kumimoji="1" lang="ko-KR" altLang="en-US" sz="1600" dirty="0" err="1"/>
+              <a:t>삼익</a:t>
+            </a:r>
+            <a:r>
+              <a:rPr kumimoji="1" lang="ko-KR" altLang="en-US" sz="1600" dirty="0"/>
+              <a:t> </a:t>
+            </a:r>
+            <a:r>
+              <a:rPr kumimoji="1" lang="en-US" altLang="ko-KR" sz="1600" dirty="0"/>
+              <a:t>THK</a:t>
+            </a:r>
+            <a:r>
+              <a:rPr kumimoji="1" lang="ko-KR" altLang="en-US" sz="1600" dirty="0"/>
+              <a:t>에는 있음</a:t>
+            </a:r>
+            <a:br>
+              <a:rPr kumimoji="1" lang="en-US" altLang="ko-KR" sz="1600" dirty="0"/>
+            </a:br>
+            <a:r>
+              <a:rPr kumimoji="1" lang="ko-KR" altLang="en-US" sz="1600" dirty="0"/>
+              <a:t>따라서</a:t>
+            </a:r>
+            <a:r>
+              <a:rPr kumimoji="1" lang="en-US" altLang="ko-KR" sz="1600" dirty="0"/>
+              <a:t>,</a:t>
+            </a:r>
+            <a:r>
+              <a:rPr kumimoji="1" lang="ko-KR" altLang="en-US" sz="1600" dirty="0"/>
+              <a:t> 호환성 및 제어에 대한 확인이 필요함</a:t>
+            </a:r>
+            <a:r>
+              <a:rPr kumimoji="1" lang="en-US" altLang="ko-KR" sz="1600" dirty="0"/>
+              <a:t>.</a:t>
+            </a:r>
+            <a:endParaRPr kumimoji="1" lang="ko-KR" altLang="en-US" sz="1600" dirty="0"/>
+          </a:p>
+        </p:txBody>
+      </p:sp>
+    </p:spTree>
+    <p:extLst>
+      <p:ext uri="{BB962C8B-B14F-4D97-AF65-F5344CB8AC3E}">
+        <p14:creationId xmlns:p14="http://schemas.microsoft.com/office/powerpoint/2010/main" val="2166625463"/>
       </p:ext>
     </p:extLst>
   </p:cSld>

--- a/허종원/DDS&Nodes.pptx
+++ b/허종원/DDS&Nodes.pptx
@@ -5,7 +5,7 @@
     <p:sldMasterId id="2147483681" r:id="rId1"/>
   </p:sldMasterIdLst>
   <p:notesMasterIdLst>
-    <p:notesMasterId r:id="rId16"/>
+    <p:notesMasterId r:id="rId20"/>
   </p:notesMasterIdLst>
   <p:sldIdLst>
     <p:sldId id="450" r:id="rId2"/>
@@ -16,12 +16,16 @@
     <p:sldId id="461" r:id="rId7"/>
     <p:sldId id="462" r:id="rId8"/>
     <p:sldId id="463" r:id="rId9"/>
-    <p:sldId id="452" r:id="rId10"/>
-    <p:sldId id="453" r:id="rId11"/>
-    <p:sldId id="454" r:id="rId12"/>
-    <p:sldId id="455" r:id="rId13"/>
-    <p:sldId id="456" r:id="rId14"/>
-    <p:sldId id="457" r:id="rId15"/>
+    <p:sldId id="467" r:id="rId10"/>
+    <p:sldId id="466" r:id="rId11"/>
+    <p:sldId id="465" r:id="rId12"/>
+    <p:sldId id="464" r:id="rId13"/>
+    <p:sldId id="452" r:id="rId14"/>
+    <p:sldId id="453" r:id="rId15"/>
+    <p:sldId id="454" r:id="rId16"/>
+    <p:sldId id="455" r:id="rId17"/>
+    <p:sldId id="456" r:id="rId18"/>
+    <p:sldId id="457" r:id="rId19"/>
   </p:sldIdLst>
   <p:sldSz cx="9906000" cy="6858000" type="A4"/>
   <p:notesSz cx="6858000" cy="9144000"/>
@@ -1269,7 +1273,7 @@
             <a:fld id="{7C1B6104-4468-234A-89CE-00C4F625A505}" type="slidenum">
               <a:rPr kumimoji="1" lang="ko-KR" altLang="en-US" smtClean="0"/>
               <a:pPr/>
-              <a:t>12</a:t>
+              <a:t>16</a:t>
             </a:fld>
             <a:endParaRPr kumimoji="1" lang="ko-KR" altLang="en-US"/>
           </a:p>
@@ -3816,6 +3820,3542 @@
           <p:cNvPr id="2" name="제목 1">
             <a:extLst>
               <a:ext uri="{FF2B5EF4-FFF2-40B4-BE49-F238E27FC236}">
+                <a16:creationId xmlns:a16="http://schemas.microsoft.com/office/drawing/2014/main" id="{64507E98-ABF6-F38F-A653-067753397E21}"/>
+              </a:ext>
+            </a:extLst>
+          </p:cNvPr>
+          <p:cNvSpPr>
+            <a:spLocks noGrp="1"/>
+          </p:cNvSpPr>
+          <p:nvPr>
+            <p:ph type="title"/>
+          </p:nvPr>
+        </p:nvSpPr>
+        <p:spPr/>
+        <p:txBody>
+          <a:bodyPr/>
+          <a:lstStyle/>
+          <a:p>
+            <a:r>
+              <a:rPr kumimoji="1" lang="en-US" altLang="ko-KR" dirty="0"/>
+              <a:t>Bottle Status</a:t>
+            </a:r>
+            <a:endParaRPr kumimoji="1" lang="ko-KR" altLang="en-US" dirty="0"/>
+          </a:p>
+        </p:txBody>
+      </p:sp>
+      <p:sp>
+        <p:nvSpPr>
+          <p:cNvPr id="5" name="TextBox 4">
+            <a:extLst>
+              <a:ext uri="{FF2B5EF4-FFF2-40B4-BE49-F238E27FC236}">
+                <a16:creationId xmlns:a16="http://schemas.microsoft.com/office/drawing/2014/main" id="{4A1F8A33-C27B-807C-6CE4-3AEA8FA90759}"/>
+              </a:ext>
+            </a:extLst>
+          </p:cNvPr>
+          <p:cNvSpPr txBox="1"/>
+          <p:nvPr/>
+        </p:nvSpPr>
+        <p:spPr>
+          <a:xfrm>
+            <a:off x="680720" y="891921"/>
+            <a:ext cx="7186454" cy="5632311"/>
+          </a:xfrm>
+          <a:prstGeom prst="rect">
+            <a:avLst/>
+          </a:prstGeom>
+          <a:noFill/>
+        </p:spPr>
+        <p:txBody>
+          <a:bodyPr wrap="none" rtlCol="0">
+            <a:spAutoFit/>
+          </a:bodyPr>
+          <a:lstStyle/>
+          <a:p>
+            <a:r>
+              <a:rPr kumimoji="1" lang="en-US" altLang="ko-KR" sz="1200" dirty="0"/>
+              <a:t>// Bottle Status</a:t>
+            </a:r>
+            <a:r>
+              <a:rPr kumimoji="1" lang="ko-KR" altLang="en-US" sz="1200" dirty="0"/>
+              <a:t> 는</a:t>
+            </a:r>
+            <a:r>
+              <a:rPr kumimoji="1" lang="en-US" altLang="ko-KR" sz="1200" dirty="0"/>
+              <a:t>		New (</a:t>
+            </a:r>
+            <a:r>
+              <a:rPr kumimoji="1" lang="ko-KR" altLang="en-US" sz="1200" dirty="0"/>
+              <a:t>분석 전</a:t>
+            </a:r>
+            <a:r>
+              <a:rPr kumimoji="1" lang="en-US" altLang="ko-KR" sz="1200" dirty="0"/>
+              <a:t>)</a:t>
+            </a:r>
+          </a:p>
+          <a:p>
+            <a:r>
+              <a:rPr kumimoji="1" lang="en-US" altLang="ko-KR" sz="1200" dirty="0"/>
+              <a:t>//				Old (</a:t>
+            </a:r>
+            <a:r>
+              <a:rPr kumimoji="1" lang="ko-KR" altLang="en-US" sz="1200" dirty="0"/>
+              <a:t>분석 후</a:t>
+            </a:r>
+            <a:r>
+              <a:rPr kumimoji="1" lang="en-US" altLang="ko-KR" sz="1200" dirty="0"/>
+              <a:t>,</a:t>
+            </a:r>
+            <a:r>
+              <a:rPr kumimoji="1" lang="ko-KR" altLang="en-US" sz="1200" dirty="0"/>
+              <a:t> 폐기 전</a:t>
+            </a:r>
+            <a:r>
+              <a:rPr kumimoji="1" lang="en-US" altLang="ko-KR" sz="1200" dirty="0"/>
+              <a:t>)</a:t>
+            </a:r>
+          </a:p>
+          <a:p>
+            <a:r>
+              <a:rPr kumimoji="1" lang="en-US" altLang="ko-KR" sz="1200" dirty="0"/>
+              <a:t>//				Finished (</a:t>
+            </a:r>
+            <a:r>
+              <a:rPr kumimoji="1" lang="ko-KR" altLang="en-US" sz="1200" dirty="0"/>
+              <a:t>폐기 완료</a:t>
+            </a:r>
+            <a:r>
+              <a:rPr kumimoji="1" lang="en-US" altLang="ko-KR" sz="1200" dirty="0"/>
+              <a:t>)</a:t>
+            </a:r>
+          </a:p>
+          <a:p>
+            <a:endParaRPr kumimoji="1" lang="en-US" altLang="ko-KR" sz="1200" dirty="0"/>
+          </a:p>
+          <a:p>
+            <a:r>
+              <a:rPr kumimoji="1" lang="en-US" altLang="ko-KR" sz="1200" dirty="0"/>
+              <a:t>// Check the location of New Bottles</a:t>
+            </a:r>
+          </a:p>
+          <a:p>
+            <a:r>
+              <a:rPr kumimoji="1" lang="en-US" altLang="ko-KR" sz="1200" dirty="0"/>
+              <a:t>Int </a:t>
+            </a:r>
+            <a:r>
+              <a:rPr kumimoji="1" lang="en-US" altLang="ko-KR" sz="1200" dirty="0" err="1"/>
+              <a:t>Check_Loc_Bottle_New</a:t>
+            </a:r>
+            <a:r>
+              <a:rPr kumimoji="1" lang="en-US" altLang="ko-KR" sz="1200" dirty="0"/>
+              <a:t>() {</a:t>
+            </a:r>
+          </a:p>
+          <a:p>
+            <a:r>
+              <a:rPr kumimoji="1" lang="en-US" altLang="ko-KR" sz="1200" dirty="0"/>
+              <a:t>	If (</a:t>
+            </a:r>
+            <a:r>
+              <a:rPr kumimoji="1" lang="en-US" altLang="ko-KR" sz="1200" dirty="0" err="1"/>
+              <a:t>Stocker.New</a:t>
+            </a:r>
+            <a:r>
+              <a:rPr kumimoji="1" lang="en-US" altLang="ko-KR" sz="1200" dirty="0"/>
+              <a:t> &gt; 0)</a:t>
+            </a:r>
+            <a:br>
+              <a:rPr kumimoji="1" lang="en-US" altLang="ko-KR" sz="1200" dirty="0"/>
+            </a:br>
+            <a:r>
+              <a:rPr kumimoji="1" lang="en-US" altLang="ko-KR" sz="1200" dirty="0"/>
+              <a:t>		return </a:t>
+            </a:r>
+            <a:r>
+              <a:rPr kumimoji="1" lang="en-US" altLang="ko-KR" sz="1200" dirty="0" err="1"/>
+              <a:t>Loc_STOCKER</a:t>
+            </a:r>
+            <a:r>
+              <a:rPr kumimoji="1" lang="en-US" altLang="ko-KR" sz="1200" dirty="0"/>
+              <a:t>;		// Stocker has priority than </a:t>
+            </a:r>
+            <a:r>
+              <a:rPr kumimoji="1" lang="en-US" altLang="ko-KR" sz="1200" dirty="0" err="1"/>
+              <a:t>EndPoint</a:t>
+            </a:r>
+            <a:endParaRPr kumimoji="1" lang="en-US" altLang="ko-KR" sz="1200" dirty="0"/>
+          </a:p>
+          <a:p>
+            <a:r>
+              <a:rPr kumimoji="1" lang="en-US" altLang="ko-KR" sz="1200" dirty="0"/>
+              <a:t>	else if (</a:t>
+            </a:r>
+            <a:r>
+              <a:rPr kumimoji="1" lang="en-US" altLang="ko-KR" sz="1200" dirty="0" err="1"/>
+              <a:t>EndPoint.New</a:t>
+            </a:r>
+            <a:r>
+              <a:rPr kumimoji="1" lang="en-US" altLang="ko-KR" sz="1200" dirty="0"/>
+              <a:t> &gt; 0)</a:t>
+            </a:r>
+            <a:br>
+              <a:rPr kumimoji="1" lang="en-US" altLang="ko-KR" sz="1200" dirty="0"/>
+            </a:br>
+            <a:r>
+              <a:rPr kumimoji="1" lang="en-US" altLang="ko-KR" sz="1200" dirty="0"/>
+              <a:t>		return </a:t>
+            </a:r>
+            <a:r>
+              <a:rPr kumimoji="1" lang="en-US" altLang="ko-KR" sz="1200" dirty="0" err="1"/>
+              <a:t>Loc_ENDPOINT</a:t>
+            </a:r>
+            <a:r>
+              <a:rPr kumimoji="1" lang="en-US" altLang="ko-KR" sz="1200" dirty="0"/>
+              <a:t>;</a:t>
+            </a:r>
+          </a:p>
+          <a:p>
+            <a:r>
+              <a:rPr kumimoji="1" lang="en-US" altLang="ko-KR" sz="1200" dirty="0"/>
+              <a:t>	else return 0;				// No more bottle for Analyzer</a:t>
+            </a:r>
+          </a:p>
+          <a:p>
+            <a:r>
+              <a:rPr kumimoji="1" lang="en-US" altLang="ko-KR" sz="1200" dirty="0"/>
+              <a:t>}</a:t>
+            </a:r>
+          </a:p>
+          <a:p>
+            <a:endParaRPr kumimoji="1" lang="en-US" altLang="ko-KR" sz="1200" dirty="0"/>
+          </a:p>
+          <a:p>
+            <a:r>
+              <a:rPr kumimoji="1" lang="en-US" altLang="ko-KR" sz="1200" dirty="0"/>
+              <a:t>// Check the location of Old Bottles</a:t>
+            </a:r>
+          </a:p>
+          <a:p>
+            <a:r>
+              <a:rPr kumimoji="1" lang="en-US" altLang="ko-KR" sz="1200" dirty="0"/>
+              <a:t>Int </a:t>
+            </a:r>
+            <a:r>
+              <a:rPr kumimoji="1" lang="en-US" altLang="ko-KR" sz="1200" dirty="0" err="1"/>
+              <a:t>Check_Loc_Bottle_Old</a:t>
+            </a:r>
+            <a:r>
+              <a:rPr kumimoji="1" lang="en-US" altLang="ko-KR" sz="1200" dirty="0"/>
+              <a:t>() {</a:t>
+            </a:r>
+          </a:p>
+          <a:p>
+            <a:r>
+              <a:rPr kumimoji="1" lang="en-US" altLang="ko-KR" sz="1200" dirty="0"/>
+              <a:t>	If (</a:t>
+            </a:r>
+            <a:r>
+              <a:rPr kumimoji="1" lang="en-US" altLang="ko-KR" sz="1200" dirty="0" err="1"/>
+              <a:t>Stocker.Old</a:t>
+            </a:r>
+            <a:r>
+              <a:rPr kumimoji="1" lang="en-US" altLang="ko-KR" sz="1200" dirty="0"/>
+              <a:t> &gt; 0)</a:t>
+            </a:r>
+            <a:br>
+              <a:rPr kumimoji="1" lang="en-US" altLang="ko-KR" sz="1200" dirty="0"/>
+            </a:br>
+            <a:r>
+              <a:rPr kumimoji="1" lang="en-US" altLang="ko-KR" sz="1200" dirty="0"/>
+              <a:t>		return </a:t>
+            </a:r>
+            <a:r>
+              <a:rPr kumimoji="1" lang="en-US" altLang="ko-KR" sz="1200" dirty="0" err="1"/>
+              <a:t>Loc_STOCKER</a:t>
+            </a:r>
+            <a:r>
+              <a:rPr kumimoji="1" lang="en-US" altLang="ko-KR" sz="1200" dirty="0"/>
+              <a:t>; 		// Stocker has priority than </a:t>
+            </a:r>
+            <a:r>
+              <a:rPr kumimoji="1" lang="en-US" altLang="ko-KR" sz="1200" dirty="0" err="1"/>
+              <a:t>EndPoint</a:t>
+            </a:r>
+            <a:endParaRPr kumimoji="1" lang="en-US" altLang="ko-KR" sz="1200" dirty="0"/>
+          </a:p>
+          <a:p>
+            <a:r>
+              <a:rPr kumimoji="1" lang="en-US" altLang="ko-KR" sz="1200" dirty="0"/>
+              <a:t>	else if (</a:t>
+            </a:r>
+            <a:r>
+              <a:rPr kumimoji="1" lang="en-US" altLang="ko-KR" sz="1200" dirty="0" err="1"/>
+              <a:t>EndPoint.Old</a:t>
+            </a:r>
+            <a:r>
+              <a:rPr kumimoji="1" lang="en-US" altLang="ko-KR" sz="1200" dirty="0"/>
+              <a:t> &gt; 0)</a:t>
+            </a:r>
+            <a:br>
+              <a:rPr kumimoji="1" lang="en-US" altLang="ko-KR" sz="1200" dirty="0"/>
+            </a:br>
+            <a:r>
+              <a:rPr kumimoji="1" lang="en-US" altLang="ko-KR" sz="1200" dirty="0"/>
+              <a:t>		return </a:t>
+            </a:r>
+            <a:r>
+              <a:rPr kumimoji="1" lang="en-US" altLang="ko-KR" sz="1200" dirty="0" err="1"/>
+              <a:t>Loc_ENDPOINT</a:t>
+            </a:r>
+            <a:r>
+              <a:rPr kumimoji="1" lang="en-US" altLang="ko-KR" sz="1200" dirty="0"/>
+              <a:t>;</a:t>
+            </a:r>
+          </a:p>
+          <a:p>
+            <a:r>
+              <a:rPr kumimoji="1" lang="en-US" altLang="ko-KR" sz="1200" dirty="0"/>
+              <a:t>	else return 0; 				// No more bottle for Disposer</a:t>
+            </a:r>
+          </a:p>
+          <a:p>
+            <a:r>
+              <a:rPr kumimoji="1" lang="en-US" altLang="ko-KR" sz="1200" dirty="0"/>
+              <a:t>}</a:t>
+            </a:r>
+          </a:p>
+          <a:p>
+            <a:endParaRPr kumimoji="1" lang="en-US" altLang="ko-KR" sz="1200" dirty="0"/>
+          </a:p>
+          <a:p>
+            <a:r>
+              <a:rPr kumimoji="1" lang="en-US" altLang="ko-KR" sz="1200" dirty="0"/>
+              <a:t>// Check the location of Finished Bottles</a:t>
+            </a:r>
+          </a:p>
+          <a:p>
+            <a:r>
+              <a:rPr kumimoji="1" lang="en-US" altLang="ko-KR" sz="1200" dirty="0"/>
+              <a:t>Int </a:t>
+            </a:r>
+            <a:r>
+              <a:rPr kumimoji="1" lang="en-US" altLang="ko-KR" sz="1200" dirty="0" err="1"/>
+              <a:t>Check_Loc_Bottle</a:t>
+            </a:r>
+            <a:r>
+              <a:rPr kumimoji="1" lang="en-US" altLang="ko-KR" sz="1200" dirty="0"/>
+              <a:t>_ Finished() {</a:t>
+            </a:r>
+          </a:p>
+          <a:p>
+            <a:r>
+              <a:rPr kumimoji="1" lang="en-US" altLang="ko-KR" sz="1200" dirty="0"/>
+              <a:t>	If (Stocker. Finished &gt; 0)</a:t>
+            </a:r>
+            <a:br>
+              <a:rPr kumimoji="1" lang="en-US" altLang="ko-KR" sz="1200" dirty="0"/>
+            </a:br>
+            <a:r>
+              <a:rPr kumimoji="1" lang="en-US" altLang="ko-KR" sz="1200" dirty="0"/>
+              <a:t>		return </a:t>
+            </a:r>
+            <a:r>
+              <a:rPr kumimoji="1" lang="en-US" altLang="ko-KR" sz="1200" dirty="0" err="1"/>
+              <a:t>Loc_STOCKER</a:t>
+            </a:r>
+            <a:r>
+              <a:rPr kumimoji="1" lang="en-US" altLang="ko-KR" sz="1200" dirty="0"/>
+              <a:t>; 		// Stocker has priority than </a:t>
+            </a:r>
+            <a:r>
+              <a:rPr kumimoji="1" lang="en-US" altLang="ko-KR" sz="1200" dirty="0" err="1"/>
+              <a:t>EndPoint</a:t>
+            </a:r>
+            <a:endParaRPr kumimoji="1" lang="en-US" altLang="ko-KR" sz="1200" dirty="0"/>
+          </a:p>
+          <a:p>
+            <a:r>
+              <a:rPr kumimoji="1" lang="en-US" altLang="ko-KR" sz="1200" dirty="0"/>
+              <a:t>	else if (</a:t>
+            </a:r>
+            <a:r>
+              <a:rPr kumimoji="1" lang="en-US" altLang="ko-KR" sz="1200" dirty="0" err="1"/>
+              <a:t>EndPoint</a:t>
+            </a:r>
+            <a:r>
+              <a:rPr kumimoji="1" lang="en-US" altLang="ko-KR" sz="1200" dirty="0"/>
+              <a:t>. Finished &gt; 0)</a:t>
+            </a:r>
+            <a:br>
+              <a:rPr kumimoji="1" lang="en-US" altLang="ko-KR" sz="1200" dirty="0"/>
+            </a:br>
+            <a:r>
+              <a:rPr kumimoji="1" lang="en-US" altLang="ko-KR" sz="1200" dirty="0"/>
+              <a:t>		return 0;				// Dummy: </a:t>
+            </a:r>
+            <a:r>
+              <a:rPr kumimoji="1" lang="en-US" altLang="ko-KR" sz="1200" dirty="0" err="1"/>
+              <a:t>EndPoint</a:t>
+            </a:r>
+            <a:r>
+              <a:rPr kumimoji="1" lang="ko-KR" altLang="en-US" sz="1200" dirty="0" err="1"/>
+              <a:t>에</a:t>
+            </a:r>
+            <a:r>
+              <a:rPr kumimoji="1" lang="ko-KR" altLang="en-US" sz="1200" dirty="0"/>
+              <a:t> 위치한 </a:t>
+            </a:r>
+            <a:r>
+              <a:rPr kumimoji="1" lang="en-US" altLang="ko-KR" sz="1200" dirty="0"/>
+              <a:t>Bottle</a:t>
+            </a:r>
+            <a:r>
+              <a:rPr kumimoji="1" lang="ko-KR" altLang="en-US" sz="1200" dirty="0"/>
+              <a:t>은 더 이상 이동 없음</a:t>
+            </a:r>
+            <a:endParaRPr kumimoji="1" lang="en-US" altLang="ko-KR" sz="1200" dirty="0"/>
+          </a:p>
+          <a:p>
+            <a:r>
+              <a:rPr kumimoji="1" lang="en-US" altLang="ko-KR" sz="1200" dirty="0"/>
+              <a:t>	else return 0; </a:t>
+            </a:r>
+          </a:p>
+          <a:p>
+            <a:r>
+              <a:rPr kumimoji="1" lang="en-US" altLang="ko-KR" sz="1200" dirty="0"/>
+              <a:t>}</a:t>
+            </a:r>
+            <a:endParaRPr kumimoji="1" lang="ko-KR" altLang="en-US" sz="1200" dirty="0"/>
+          </a:p>
+        </p:txBody>
+      </p:sp>
+    </p:spTree>
+    <p:extLst>
+      <p:ext uri="{BB962C8B-B14F-4D97-AF65-F5344CB8AC3E}">
+        <p14:creationId xmlns:p14="http://schemas.microsoft.com/office/powerpoint/2010/main" val="2728497997"/>
+      </p:ext>
+    </p:extLst>
+  </p:cSld>
+  <p:clrMapOvr>
+    <a:masterClrMapping/>
+  </p:clrMapOvr>
+</p:sld>
+</file>
+
+<file path=ppt/slides/slide11.xml><?xml version="1.0" encoding="utf-8"?>
+<p:sld xmlns:a="http://schemas.openxmlformats.org/drawingml/2006/main" xmlns:r="http://schemas.openxmlformats.org/officeDocument/2006/relationships" xmlns:p="http://schemas.openxmlformats.org/presentationml/2006/main">
+  <p:cSld>
+    <p:spTree>
+      <p:nvGrpSpPr>
+        <p:cNvPr id="1" name=""/>
+        <p:cNvGrpSpPr/>
+        <p:nvPr/>
+      </p:nvGrpSpPr>
+      <p:grpSpPr>
+        <a:xfrm>
+          <a:off x="0" y="0"/>
+          <a:ext cx="0" cy="0"/>
+          <a:chOff x="0" y="0"/>
+          <a:chExt cx="0" cy="0"/>
+        </a:xfrm>
+      </p:grpSpPr>
+      <p:sp>
+        <p:nvSpPr>
+          <p:cNvPr id="2" name="제목 1">
+            <a:extLst>
+              <a:ext uri="{FF2B5EF4-FFF2-40B4-BE49-F238E27FC236}">
+                <a16:creationId xmlns:a16="http://schemas.microsoft.com/office/drawing/2014/main" id="{6E5313F8-5E96-C268-6CF1-B19035AE3A3F}"/>
+              </a:ext>
+            </a:extLst>
+          </p:cNvPr>
+          <p:cNvSpPr>
+            <a:spLocks noGrp="1"/>
+          </p:cNvSpPr>
+          <p:nvPr>
+            <p:ph type="title"/>
+          </p:nvPr>
+        </p:nvSpPr>
+        <p:spPr/>
+        <p:txBody>
+          <a:bodyPr/>
+          <a:lstStyle/>
+          <a:p>
+            <a:r>
+              <a:rPr kumimoji="1" lang="en-US" altLang="ko-KR" dirty="0"/>
+              <a:t>Status of Bottles</a:t>
+            </a:r>
+            <a:endParaRPr kumimoji="1" lang="ko-KR" altLang="en-US" dirty="0"/>
+          </a:p>
+        </p:txBody>
+      </p:sp>
+      <p:sp>
+        <p:nvSpPr>
+          <p:cNvPr id="3" name="TextBox 2">
+            <a:extLst>
+              <a:ext uri="{FF2B5EF4-FFF2-40B4-BE49-F238E27FC236}">
+                <a16:creationId xmlns:a16="http://schemas.microsoft.com/office/drawing/2014/main" id="{0B253548-A554-1D04-1752-8B14BCBD863A}"/>
+              </a:ext>
+            </a:extLst>
+          </p:cNvPr>
+          <p:cNvSpPr txBox="1"/>
+          <p:nvPr/>
+        </p:nvSpPr>
+        <p:spPr>
+          <a:xfrm>
+            <a:off x="1438719" y="1567543"/>
+            <a:ext cx="3345596" cy="738664"/>
+          </a:xfrm>
+          <a:prstGeom prst="rect">
+            <a:avLst/>
+          </a:prstGeom>
+          <a:noFill/>
+        </p:spPr>
+        <p:txBody>
+          <a:bodyPr wrap="none" rtlCol="0">
+            <a:spAutoFit/>
+          </a:bodyPr>
+          <a:lstStyle/>
+          <a:p>
+            <a:r>
+              <a:rPr kumimoji="1" lang="en-US" altLang="ko-KR" sz="1400" dirty="0"/>
+              <a:t>Class Bottle {</a:t>
+            </a:r>
+          </a:p>
+          <a:p>
+            <a:r>
+              <a:rPr kumimoji="1" lang="en-US" altLang="ko-KR" sz="1400" dirty="0"/>
+              <a:t>	int Status;	// 0: New (</a:t>
+            </a:r>
+            <a:r>
+              <a:rPr kumimoji="1" lang="ko-KR" altLang="en-US" sz="1400" dirty="0"/>
+              <a:t>분석대기</a:t>
+            </a:r>
+            <a:r>
+              <a:rPr kumimoji="1" lang="en-US" altLang="ko-KR" sz="1400" dirty="0"/>
+              <a:t>) 1: </a:t>
+            </a:r>
+            <a:br>
+              <a:rPr kumimoji="1" lang="en-US" altLang="ko-KR" sz="1400" dirty="0"/>
+            </a:br>
+            <a:r>
+              <a:rPr kumimoji="1" lang="en-US" altLang="ko-KR" sz="1400" dirty="0"/>
+              <a:t>}</a:t>
+            </a:r>
+            <a:endParaRPr kumimoji="1" lang="ko-KR" altLang="en-US" sz="1400" dirty="0"/>
+          </a:p>
+        </p:txBody>
+      </p:sp>
+    </p:spTree>
+    <p:extLst>
+      <p:ext uri="{BB962C8B-B14F-4D97-AF65-F5344CB8AC3E}">
+        <p14:creationId xmlns:p14="http://schemas.microsoft.com/office/powerpoint/2010/main" val="4255593655"/>
+      </p:ext>
+    </p:extLst>
+  </p:cSld>
+  <p:clrMapOvr>
+    <a:masterClrMapping/>
+  </p:clrMapOvr>
+</p:sld>
+</file>
+
+<file path=ppt/slides/slide12.xml><?xml version="1.0" encoding="utf-8"?>
+<p:sld xmlns:a="http://schemas.openxmlformats.org/drawingml/2006/main" xmlns:r="http://schemas.openxmlformats.org/officeDocument/2006/relationships" xmlns:p="http://schemas.openxmlformats.org/presentationml/2006/main">
+  <p:cSld>
+    <p:spTree>
+      <p:nvGrpSpPr>
+        <p:cNvPr id="1" name=""/>
+        <p:cNvGrpSpPr/>
+        <p:nvPr/>
+      </p:nvGrpSpPr>
+      <p:grpSpPr>
+        <a:xfrm>
+          <a:off x="0" y="0"/>
+          <a:ext cx="0" cy="0"/>
+          <a:chOff x="0" y="0"/>
+          <a:chExt cx="0" cy="0"/>
+        </a:xfrm>
+      </p:grpSpPr>
+      <p:sp>
+        <p:nvSpPr>
+          <p:cNvPr id="2" name="제목 1">
+            <a:extLst>
+              <a:ext uri="{FF2B5EF4-FFF2-40B4-BE49-F238E27FC236}">
+                <a16:creationId xmlns:a16="http://schemas.microsoft.com/office/drawing/2014/main" id="{552CE961-D00F-6FA6-3C2B-682E145BE7CE}"/>
+              </a:ext>
+            </a:extLst>
+          </p:cNvPr>
+          <p:cNvSpPr>
+            <a:spLocks noGrp="1"/>
+          </p:cNvSpPr>
+          <p:nvPr>
+            <p:ph type="title"/>
+          </p:nvPr>
+        </p:nvSpPr>
+        <p:spPr/>
+        <p:txBody>
+          <a:bodyPr/>
+          <a:lstStyle/>
+          <a:p>
+            <a:endParaRPr kumimoji="1" lang="ko-KR" altLang="en-US"/>
+          </a:p>
+        </p:txBody>
+      </p:sp>
+      <p:sp>
+        <p:nvSpPr>
+          <p:cNvPr id="3" name="TextBox 2">
+            <a:extLst>
+              <a:ext uri="{FF2B5EF4-FFF2-40B4-BE49-F238E27FC236}">
+                <a16:creationId xmlns:a16="http://schemas.microsoft.com/office/drawing/2014/main" id="{2E2A5121-A0C7-18EA-E9D2-31848AAE0DAD}"/>
+              </a:ext>
+            </a:extLst>
+          </p:cNvPr>
+          <p:cNvSpPr txBox="1"/>
+          <p:nvPr/>
+        </p:nvSpPr>
+        <p:spPr>
+          <a:xfrm>
+            <a:off x="1170377" y="1415143"/>
+            <a:ext cx="6112892" cy="738664"/>
+          </a:xfrm>
+          <a:prstGeom prst="rect">
+            <a:avLst/>
+          </a:prstGeom>
+          <a:noFill/>
+        </p:spPr>
+        <p:txBody>
+          <a:bodyPr wrap="none" rtlCol="0">
+            <a:spAutoFit/>
+          </a:bodyPr>
+          <a:lstStyle/>
+          <a:p>
+            <a:r>
+              <a:rPr kumimoji="1" lang="en-US" altLang="ko-KR" sz="1400" dirty="0"/>
+              <a:t>If (</a:t>
+            </a:r>
+            <a:r>
+              <a:rPr kumimoji="1" lang="en-US" altLang="ko-KR" sz="1400" dirty="0" err="1"/>
+              <a:t>Analyzer_Status</a:t>
+            </a:r>
+            <a:r>
+              <a:rPr kumimoji="1" lang="en-US" altLang="ko-KR" sz="1400" dirty="0"/>
+              <a:t> == IDLE) then </a:t>
+            </a:r>
+            <a:r>
+              <a:rPr kumimoji="1" lang="en-US" altLang="ko-KR" sz="1400" dirty="0" err="1"/>
+              <a:t>New_Bottle_Loc</a:t>
+            </a:r>
+            <a:r>
+              <a:rPr kumimoji="1" lang="en-US" altLang="ko-KR" sz="1400" dirty="0"/>
+              <a:t> = </a:t>
+            </a:r>
+            <a:r>
+              <a:rPr kumimoji="1" lang="en-US" altLang="ko-KR" sz="1400" dirty="0" err="1"/>
+              <a:t>Check_Loc_Bottle_New</a:t>
+            </a:r>
+            <a:r>
+              <a:rPr kumimoji="1" lang="en-US" altLang="ko-KR" sz="1400" dirty="0"/>
+              <a:t>()</a:t>
+            </a:r>
+          </a:p>
+          <a:p>
+            <a:endParaRPr kumimoji="1" lang="en-US" altLang="ko-KR" sz="1400" dirty="0"/>
+          </a:p>
+          <a:p>
+            <a:pPr algn="ctr"/>
+            <a:endParaRPr kumimoji="1" lang="ko-KR" altLang="en-US" sz="1400" dirty="0"/>
+          </a:p>
+        </p:txBody>
+      </p:sp>
+    </p:spTree>
+    <p:extLst>
+      <p:ext uri="{BB962C8B-B14F-4D97-AF65-F5344CB8AC3E}">
+        <p14:creationId xmlns:p14="http://schemas.microsoft.com/office/powerpoint/2010/main" val="723333565"/>
+      </p:ext>
+    </p:extLst>
+  </p:cSld>
+  <p:clrMapOvr>
+    <a:masterClrMapping/>
+  </p:clrMapOvr>
+</p:sld>
+</file>
+
+<file path=ppt/slides/slide13.xml><?xml version="1.0" encoding="utf-8"?>
+<p:sld xmlns:a="http://schemas.openxmlformats.org/drawingml/2006/main" xmlns:r="http://schemas.openxmlformats.org/officeDocument/2006/relationships" xmlns:p="http://schemas.openxmlformats.org/presentationml/2006/main">
+  <p:cSld>
+    <p:spTree>
+      <p:nvGrpSpPr>
+        <p:cNvPr id="1" name=""/>
+        <p:cNvGrpSpPr/>
+        <p:nvPr/>
+      </p:nvGrpSpPr>
+      <p:grpSpPr>
+        <a:xfrm>
+          <a:off x="0" y="0"/>
+          <a:ext cx="0" cy="0"/>
+          <a:chOff x="0" y="0"/>
+          <a:chExt cx="0" cy="0"/>
+        </a:xfrm>
+      </p:grpSpPr>
+      <p:sp>
+        <p:nvSpPr>
+          <p:cNvPr id="2" name="제목 1">
+            <a:extLst>
+              <a:ext uri="{FF2B5EF4-FFF2-40B4-BE49-F238E27FC236}">
+                <a16:creationId xmlns:a16="http://schemas.microsoft.com/office/drawing/2014/main" id="{3F3C2AEA-5EC2-8A71-7F15-18E7FB9B7230}"/>
+              </a:ext>
+            </a:extLst>
+          </p:cNvPr>
+          <p:cNvSpPr>
+            <a:spLocks noGrp="1"/>
+          </p:cNvSpPr>
+          <p:nvPr>
+            <p:ph type="title"/>
+          </p:nvPr>
+        </p:nvSpPr>
+        <p:spPr/>
+        <p:txBody>
+          <a:bodyPr/>
+          <a:lstStyle/>
+          <a:p>
+            <a:r>
+              <a:rPr kumimoji="1" lang="en-US" altLang="ko-KR" dirty="0"/>
+              <a:t>Moving Paths</a:t>
+            </a:r>
+            <a:endParaRPr kumimoji="1" lang="ko-KR" altLang="en-US" dirty="0"/>
+          </a:p>
+        </p:txBody>
+      </p:sp>
+      <p:graphicFrame>
+        <p:nvGraphicFramePr>
+          <p:cNvPr id="3" name="표 2">
+            <a:extLst>
+              <a:ext uri="{FF2B5EF4-FFF2-40B4-BE49-F238E27FC236}">
+                <a16:creationId xmlns:a16="http://schemas.microsoft.com/office/drawing/2014/main" id="{380E63AB-9A18-BD13-1F70-4C14B8481EB9}"/>
+              </a:ext>
+            </a:extLst>
+          </p:cNvPr>
+          <p:cNvGraphicFramePr>
+            <a:graphicFrameLocks noGrp="1"/>
+          </p:cNvGraphicFramePr>
+          <p:nvPr>
+            <p:extLst>
+              <p:ext uri="{D42A27DB-BD31-4B8C-83A1-F6EECF244321}">
+                <p14:modId xmlns:p14="http://schemas.microsoft.com/office/powerpoint/2010/main" val="1762427798"/>
+              </p:ext>
+            </p:extLst>
+          </p:nvPr>
+        </p:nvGraphicFramePr>
+        <p:xfrm>
+          <a:off x="680720" y="901095"/>
+          <a:ext cx="8746310" cy="5530911"/>
+        </p:xfrm>
+        <a:graphic>
+          <a:graphicData uri="http://schemas.openxmlformats.org/drawingml/2006/table">
+            <a:tbl>
+              <a:tblPr firstRow="1" bandRow="1">
+                <a:tableStyleId>{5C22544A-7EE6-4342-B048-85BDC9FD1C3A}</a:tableStyleId>
+              </a:tblPr>
+              <a:tblGrid>
+                <a:gridCol w="1137194">
+                  <a:extLst>
+                    <a:ext uri="{9D8B030D-6E8A-4147-A177-3AD203B41FA5}">
+                      <a16:colId xmlns:a16="http://schemas.microsoft.com/office/drawing/2014/main" val="3091168781"/>
+                    </a:ext>
+                  </a:extLst>
+                </a:gridCol>
+                <a:gridCol w="1915886">
+                  <a:extLst>
+                    <a:ext uri="{9D8B030D-6E8A-4147-A177-3AD203B41FA5}">
+                      <a16:colId xmlns:a16="http://schemas.microsoft.com/office/drawing/2014/main" val="298656085"/>
+                    </a:ext>
+                  </a:extLst>
+                </a:gridCol>
+                <a:gridCol w="1937657">
+                  <a:extLst>
+                    <a:ext uri="{9D8B030D-6E8A-4147-A177-3AD203B41FA5}">
+                      <a16:colId xmlns:a16="http://schemas.microsoft.com/office/drawing/2014/main" val="2075478805"/>
+                    </a:ext>
+                  </a:extLst>
+                </a:gridCol>
+                <a:gridCol w="1948543">
+                  <a:extLst>
+                    <a:ext uri="{9D8B030D-6E8A-4147-A177-3AD203B41FA5}">
+                      <a16:colId xmlns:a16="http://schemas.microsoft.com/office/drawing/2014/main" val="2374661576"/>
+                    </a:ext>
+                  </a:extLst>
+                </a:gridCol>
+                <a:gridCol w="1807030">
+                  <a:extLst>
+                    <a:ext uri="{9D8B030D-6E8A-4147-A177-3AD203B41FA5}">
+                      <a16:colId xmlns:a16="http://schemas.microsoft.com/office/drawing/2014/main" val="1249213692"/>
+                    </a:ext>
+                  </a:extLst>
+                </a:gridCol>
+              </a:tblGrid>
+              <a:tr h="370840">
+                <a:tc>
+                  <a:txBody>
+                    <a:bodyPr/>
+                    <a:lstStyle/>
+                    <a:p>
+                      <a:pPr algn="ctr" latinLnBrk="1"/>
+                      <a:r>
+                        <a:rPr lang="ko-KR" altLang="en-US" sz="1400" dirty="0"/>
+                        <a:t>기기</a:t>
+                      </a:r>
+                    </a:p>
+                  </a:txBody>
+                  <a:tcPr anchor="ctr"/>
+                </a:tc>
+                <a:tc>
+                  <a:txBody>
+                    <a:bodyPr/>
+                    <a:lstStyle/>
+                    <a:p>
+                      <a:pPr algn="ctr" latinLnBrk="1"/>
+                      <a:r>
+                        <a:rPr lang="ko-KR" altLang="en-US" sz="1400" dirty="0"/>
+                        <a:t>반출입기</a:t>
+                      </a:r>
+                    </a:p>
+                  </a:txBody>
+                  <a:tcPr anchor="ctr"/>
+                </a:tc>
+                <a:tc>
+                  <a:txBody>
+                    <a:bodyPr/>
+                    <a:lstStyle/>
+                    <a:p>
+                      <a:pPr algn="ctr" latinLnBrk="1"/>
+                      <a:r>
+                        <a:rPr lang="ko-KR" altLang="en-US" sz="1400" dirty="0"/>
+                        <a:t>분석기</a:t>
+                      </a:r>
+                    </a:p>
+                  </a:txBody>
+                  <a:tcPr anchor="ctr"/>
+                </a:tc>
+                <a:tc>
+                  <a:txBody>
+                    <a:bodyPr/>
+                    <a:lstStyle/>
+                    <a:p>
+                      <a:pPr algn="ctr" latinLnBrk="1"/>
+                      <a:r>
+                        <a:rPr lang="en-US" altLang="ko-KR" sz="1400" dirty="0"/>
+                        <a:t>Stocker</a:t>
+                      </a:r>
+                      <a:endParaRPr lang="ko-KR" altLang="en-US" sz="1400" dirty="0"/>
+                    </a:p>
+                  </a:txBody>
+                  <a:tcPr anchor="ctr"/>
+                </a:tc>
+                <a:tc>
+                  <a:txBody>
+                    <a:bodyPr/>
+                    <a:lstStyle/>
+                    <a:p>
+                      <a:pPr algn="ctr" latinLnBrk="1"/>
+                      <a:r>
+                        <a:rPr lang="ko-KR" altLang="en-US" sz="1400" dirty="0"/>
+                        <a:t>폐기설비</a:t>
+                      </a:r>
+                    </a:p>
+                  </a:txBody>
+                  <a:tcPr anchor="ctr"/>
+                </a:tc>
+                <a:extLst>
+                  <a:ext uri="{0D108BD9-81ED-4DB2-BD59-A6C34878D82A}">
+                    <a16:rowId xmlns:a16="http://schemas.microsoft.com/office/drawing/2014/main" val="973131577"/>
+                  </a:ext>
+                </a:extLst>
+              </a:tr>
+              <a:tr h="1177351">
+                <a:tc>
+                  <a:txBody>
+                    <a:bodyPr/>
+                    <a:lstStyle/>
+                    <a:p>
+                      <a:pPr algn="ctr" latinLnBrk="1"/>
+                      <a:endParaRPr lang="ko-KR" altLang="en-US" sz="1400" dirty="0"/>
+                    </a:p>
+                  </a:txBody>
+                  <a:tcPr anchor="ctr"/>
+                </a:tc>
+                <a:tc>
+                  <a:txBody>
+                    <a:bodyPr/>
+                    <a:lstStyle/>
+                    <a:p>
+                      <a:pPr algn="ctr" latinLnBrk="1"/>
+                      <a:endParaRPr lang="ko-KR" altLang="en-US" sz="1400"/>
+                    </a:p>
+                  </a:txBody>
+                  <a:tcPr anchor="ctr"/>
+                </a:tc>
+                <a:tc>
+                  <a:txBody>
+                    <a:bodyPr/>
+                    <a:lstStyle/>
+                    <a:p>
+                      <a:pPr algn="ctr" latinLnBrk="1"/>
+                      <a:endParaRPr lang="ko-KR" altLang="en-US" sz="1400" dirty="0"/>
+                    </a:p>
+                  </a:txBody>
+                  <a:tcPr anchor="ctr"/>
+                </a:tc>
+                <a:tc>
+                  <a:txBody>
+                    <a:bodyPr/>
+                    <a:lstStyle/>
+                    <a:p>
+                      <a:pPr algn="ctr" latinLnBrk="1"/>
+                      <a:endParaRPr lang="ko-KR" altLang="en-US" sz="1400"/>
+                    </a:p>
+                  </a:txBody>
+                  <a:tcPr anchor="ctr"/>
+                </a:tc>
+                <a:tc>
+                  <a:txBody>
+                    <a:bodyPr/>
+                    <a:lstStyle/>
+                    <a:p>
+                      <a:pPr algn="ctr" latinLnBrk="1"/>
+                      <a:endParaRPr lang="ko-KR" altLang="en-US" sz="1400"/>
+                    </a:p>
+                  </a:txBody>
+                  <a:tcPr anchor="ctr"/>
+                </a:tc>
+                <a:extLst>
+                  <a:ext uri="{0D108BD9-81ED-4DB2-BD59-A6C34878D82A}">
+                    <a16:rowId xmlns:a16="http://schemas.microsoft.com/office/drawing/2014/main" val="3516490191"/>
+                  </a:ext>
+                </a:extLst>
+              </a:tr>
+              <a:tr h="370840">
+                <a:tc>
+                  <a:txBody>
+                    <a:bodyPr/>
+                    <a:lstStyle/>
+                    <a:p>
+                      <a:pPr algn="ctr" latinLnBrk="1"/>
+                      <a:r>
+                        <a:rPr lang="en-US" altLang="ko-KR" sz="1400" b="1" dirty="0">
+                          <a:solidFill>
+                            <a:srgbClr val="FF0000"/>
+                          </a:solidFill>
+                        </a:rPr>
+                        <a:t>Bottle</a:t>
+                      </a:r>
+                      <a:endParaRPr lang="ko-KR" altLang="en-US" sz="1400" b="1" dirty="0">
+                        <a:solidFill>
+                          <a:srgbClr val="FF0000"/>
+                        </a:solidFill>
+                      </a:endParaRPr>
+                    </a:p>
+                  </a:txBody>
+                  <a:tcPr anchor="ctr"/>
+                </a:tc>
+                <a:tc>
+                  <a:txBody>
+                    <a:bodyPr/>
+                    <a:lstStyle/>
+                    <a:p>
+                      <a:pPr algn="ctr" latinLnBrk="1"/>
+                      <a:endParaRPr lang="ko-KR" altLang="en-US" sz="1400" dirty="0"/>
+                    </a:p>
+                  </a:txBody>
+                  <a:tcPr anchor="ctr"/>
+                </a:tc>
+                <a:tc>
+                  <a:txBody>
+                    <a:bodyPr/>
+                    <a:lstStyle/>
+                    <a:p>
+                      <a:pPr algn="ctr" latinLnBrk="1"/>
+                      <a:endParaRPr lang="ko-KR" altLang="en-US" sz="1400" dirty="0"/>
+                    </a:p>
+                  </a:txBody>
+                  <a:tcPr anchor="ctr"/>
+                </a:tc>
+                <a:tc>
+                  <a:txBody>
+                    <a:bodyPr/>
+                    <a:lstStyle/>
+                    <a:p>
+                      <a:pPr algn="ctr" latinLnBrk="1"/>
+                      <a:endParaRPr lang="ko-KR" altLang="en-US" sz="1400" dirty="0"/>
+                    </a:p>
+                  </a:txBody>
+                  <a:tcPr anchor="ctr"/>
+                </a:tc>
+                <a:tc>
+                  <a:txBody>
+                    <a:bodyPr/>
+                    <a:lstStyle/>
+                    <a:p>
+                      <a:pPr algn="ctr" latinLnBrk="1"/>
+                      <a:endParaRPr lang="ko-KR" altLang="en-US" sz="1400" dirty="0"/>
+                    </a:p>
+                  </a:txBody>
+                  <a:tcPr anchor="ctr"/>
+                </a:tc>
+                <a:extLst>
+                  <a:ext uri="{0D108BD9-81ED-4DB2-BD59-A6C34878D82A}">
+                    <a16:rowId xmlns:a16="http://schemas.microsoft.com/office/drawing/2014/main" val="3152454611"/>
+                  </a:ext>
+                </a:extLst>
+              </a:tr>
+              <a:tr h="370840">
+                <a:tc>
+                  <a:txBody>
+                    <a:bodyPr/>
+                    <a:lstStyle/>
+                    <a:p>
+                      <a:pPr algn="ctr" latinLnBrk="1"/>
+                      <a:endParaRPr lang="ko-KR" altLang="en-US" sz="1400" dirty="0"/>
+                    </a:p>
+                  </a:txBody>
+                  <a:tcPr anchor="ctr"/>
+                </a:tc>
+                <a:tc>
+                  <a:txBody>
+                    <a:bodyPr/>
+                    <a:lstStyle/>
+                    <a:p>
+                      <a:pPr algn="ctr" latinLnBrk="1"/>
+                      <a:endParaRPr lang="ko-KR" altLang="en-US" sz="1400" dirty="0"/>
+                    </a:p>
+                  </a:txBody>
+                  <a:tcPr anchor="ctr"/>
+                </a:tc>
+                <a:tc>
+                  <a:txBody>
+                    <a:bodyPr/>
+                    <a:lstStyle/>
+                    <a:p>
+                      <a:pPr algn="ctr" latinLnBrk="1"/>
+                      <a:endParaRPr lang="ko-KR" altLang="en-US" sz="1400" dirty="0"/>
+                    </a:p>
+                  </a:txBody>
+                  <a:tcPr anchor="ctr"/>
+                </a:tc>
+                <a:tc>
+                  <a:txBody>
+                    <a:bodyPr/>
+                    <a:lstStyle/>
+                    <a:p>
+                      <a:pPr algn="ctr" latinLnBrk="1"/>
+                      <a:endParaRPr lang="ko-KR" altLang="en-US" sz="1400" dirty="0"/>
+                    </a:p>
+                  </a:txBody>
+                  <a:tcPr anchor="ctr"/>
+                </a:tc>
+                <a:tc>
+                  <a:txBody>
+                    <a:bodyPr/>
+                    <a:lstStyle/>
+                    <a:p>
+                      <a:pPr algn="ctr" latinLnBrk="1"/>
+                      <a:endParaRPr lang="ko-KR" altLang="en-US" sz="1400" dirty="0"/>
+                    </a:p>
+                  </a:txBody>
+                  <a:tcPr anchor="ctr"/>
+                </a:tc>
+                <a:extLst>
+                  <a:ext uri="{0D108BD9-81ED-4DB2-BD59-A6C34878D82A}">
+                    <a16:rowId xmlns:a16="http://schemas.microsoft.com/office/drawing/2014/main" val="3943223363"/>
+                  </a:ext>
+                </a:extLst>
+              </a:tr>
+              <a:tr h="370840">
+                <a:tc>
+                  <a:txBody>
+                    <a:bodyPr/>
+                    <a:lstStyle/>
+                    <a:p>
+                      <a:pPr algn="ctr" latinLnBrk="1"/>
+                      <a:endParaRPr lang="ko-KR" altLang="en-US" sz="1400" dirty="0"/>
+                    </a:p>
+                  </a:txBody>
+                  <a:tcPr anchor="ctr"/>
+                </a:tc>
+                <a:tc>
+                  <a:txBody>
+                    <a:bodyPr/>
+                    <a:lstStyle/>
+                    <a:p>
+                      <a:pPr algn="ctr" latinLnBrk="1"/>
+                      <a:endParaRPr lang="ko-KR" altLang="en-US" sz="1400" dirty="0"/>
+                    </a:p>
+                  </a:txBody>
+                  <a:tcPr anchor="ctr"/>
+                </a:tc>
+                <a:tc>
+                  <a:txBody>
+                    <a:bodyPr/>
+                    <a:lstStyle/>
+                    <a:p>
+                      <a:pPr algn="ctr" latinLnBrk="1"/>
+                      <a:endParaRPr lang="ko-KR" altLang="en-US" sz="1400" dirty="0"/>
+                    </a:p>
+                  </a:txBody>
+                  <a:tcPr anchor="ctr"/>
+                </a:tc>
+                <a:tc>
+                  <a:txBody>
+                    <a:bodyPr/>
+                    <a:lstStyle/>
+                    <a:p>
+                      <a:pPr algn="ctr" latinLnBrk="1"/>
+                      <a:endParaRPr lang="ko-KR" altLang="en-US" sz="1400" dirty="0"/>
+                    </a:p>
+                  </a:txBody>
+                  <a:tcPr anchor="ctr"/>
+                </a:tc>
+                <a:tc>
+                  <a:txBody>
+                    <a:bodyPr/>
+                    <a:lstStyle/>
+                    <a:p>
+                      <a:pPr algn="ctr" latinLnBrk="1"/>
+                      <a:endParaRPr lang="ko-KR" altLang="en-US" sz="1400" dirty="0"/>
+                    </a:p>
+                  </a:txBody>
+                  <a:tcPr anchor="ctr"/>
+                </a:tc>
+                <a:extLst>
+                  <a:ext uri="{0D108BD9-81ED-4DB2-BD59-A6C34878D82A}">
+                    <a16:rowId xmlns:a16="http://schemas.microsoft.com/office/drawing/2014/main" val="4253978522"/>
+                  </a:ext>
+                </a:extLst>
+              </a:tr>
+              <a:tr h="370840">
+                <a:tc>
+                  <a:txBody>
+                    <a:bodyPr/>
+                    <a:lstStyle/>
+                    <a:p>
+                      <a:pPr algn="ctr" latinLnBrk="1"/>
+                      <a:endParaRPr lang="ko-KR" altLang="en-US" sz="1400" dirty="0"/>
+                    </a:p>
+                  </a:txBody>
+                  <a:tcPr anchor="ctr"/>
+                </a:tc>
+                <a:tc>
+                  <a:txBody>
+                    <a:bodyPr/>
+                    <a:lstStyle/>
+                    <a:p>
+                      <a:pPr algn="ctr" latinLnBrk="1"/>
+                      <a:endParaRPr lang="ko-KR" altLang="en-US" sz="1400" dirty="0"/>
+                    </a:p>
+                  </a:txBody>
+                  <a:tcPr anchor="ctr"/>
+                </a:tc>
+                <a:tc>
+                  <a:txBody>
+                    <a:bodyPr/>
+                    <a:lstStyle/>
+                    <a:p>
+                      <a:pPr algn="ctr" latinLnBrk="1"/>
+                      <a:endParaRPr lang="ko-KR" altLang="en-US" sz="1400" dirty="0"/>
+                    </a:p>
+                  </a:txBody>
+                  <a:tcPr anchor="ctr"/>
+                </a:tc>
+                <a:tc>
+                  <a:txBody>
+                    <a:bodyPr/>
+                    <a:lstStyle/>
+                    <a:p>
+                      <a:pPr algn="ctr" latinLnBrk="1"/>
+                      <a:endParaRPr lang="ko-KR" altLang="en-US" sz="1400" dirty="0"/>
+                    </a:p>
+                  </a:txBody>
+                  <a:tcPr anchor="ctr"/>
+                </a:tc>
+                <a:tc>
+                  <a:txBody>
+                    <a:bodyPr/>
+                    <a:lstStyle/>
+                    <a:p>
+                      <a:pPr algn="ctr" latinLnBrk="1"/>
+                      <a:endParaRPr lang="ko-KR" altLang="en-US" sz="1400" dirty="0"/>
+                    </a:p>
+                  </a:txBody>
+                  <a:tcPr anchor="ctr"/>
+                </a:tc>
+                <a:extLst>
+                  <a:ext uri="{0D108BD9-81ED-4DB2-BD59-A6C34878D82A}">
+                    <a16:rowId xmlns:a16="http://schemas.microsoft.com/office/drawing/2014/main" val="1623486459"/>
+                  </a:ext>
+                </a:extLst>
+              </a:tr>
+              <a:tr h="0">
+                <a:tc gridSpan="5">
+                  <a:txBody>
+                    <a:bodyPr/>
+                    <a:lstStyle/>
+                    <a:p>
+                      <a:pPr algn="ctr" latinLnBrk="1"/>
+                      <a:endParaRPr lang="ko-KR" altLang="en-US" sz="300" dirty="0"/>
+                    </a:p>
+                  </a:txBody>
+                  <a:tcPr anchor="ctr"/>
+                </a:tc>
+                <a:tc hMerge="1">
+                  <a:txBody>
+                    <a:bodyPr/>
+                    <a:lstStyle/>
+                    <a:p>
+                      <a:pPr algn="ctr" latinLnBrk="1"/>
+                      <a:endParaRPr lang="ko-KR" altLang="en-US" sz="800" dirty="0"/>
+                    </a:p>
+                  </a:txBody>
+                  <a:tcPr anchor="ctr"/>
+                </a:tc>
+                <a:tc hMerge="1">
+                  <a:txBody>
+                    <a:bodyPr/>
+                    <a:lstStyle/>
+                    <a:p>
+                      <a:pPr algn="ctr" latinLnBrk="1"/>
+                      <a:endParaRPr lang="ko-KR" altLang="en-US" sz="800" dirty="0"/>
+                    </a:p>
+                  </a:txBody>
+                  <a:tcPr anchor="ctr"/>
+                </a:tc>
+                <a:tc hMerge="1">
+                  <a:txBody>
+                    <a:bodyPr/>
+                    <a:lstStyle/>
+                    <a:p>
+                      <a:pPr algn="ctr" latinLnBrk="1"/>
+                      <a:endParaRPr lang="ko-KR" altLang="en-US" sz="800" dirty="0"/>
+                    </a:p>
+                  </a:txBody>
+                  <a:tcPr anchor="ctr"/>
+                </a:tc>
+                <a:tc hMerge="1">
+                  <a:txBody>
+                    <a:bodyPr/>
+                    <a:lstStyle/>
+                    <a:p>
+                      <a:pPr algn="ctr" latinLnBrk="1"/>
+                      <a:endParaRPr lang="ko-KR" altLang="en-US" sz="800" dirty="0"/>
+                    </a:p>
+                  </a:txBody>
+                  <a:tcPr anchor="ctr"/>
+                </a:tc>
+                <a:extLst>
+                  <a:ext uri="{0D108BD9-81ED-4DB2-BD59-A6C34878D82A}">
+                    <a16:rowId xmlns:a16="http://schemas.microsoft.com/office/drawing/2014/main" val="1612497092"/>
+                  </a:ext>
+                </a:extLst>
+              </a:tr>
+              <a:tr h="370840">
+                <a:tc>
+                  <a:txBody>
+                    <a:bodyPr/>
+                    <a:lstStyle/>
+                    <a:p>
+                      <a:pPr algn="ctr" latinLnBrk="1"/>
+                      <a:r>
+                        <a:rPr lang="en-US" altLang="ko-KR" sz="1400" b="1" dirty="0">
+                          <a:solidFill>
+                            <a:srgbClr val="0070C0"/>
+                          </a:solidFill>
+                        </a:rPr>
+                        <a:t>Bottle</a:t>
+                      </a:r>
+                      <a:endParaRPr lang="ko-KR" altLang="en-US" sz="1400" dirty="0">
+                        <a:solidFill>
+                          <a:srgbClr val="0070C0"/>
+                        </a:solidFill>
+                      </a:endParaRPr>
+                    </a:p>
+                  </a:txBody>
+                  <a:tcPr anchor="ctr"/>
+                </a:tc>
+                <a:tc>
+                  <a:txBody>
+                    <a:bodyPr/>
+                    <a:lstStyle/>
+                    <a:p>
+                      <a:pPr algn="ctr" latinLnBrk="1"/>
+                      <a:endParaRPr lang="ko-KR" altLang="en-US" sz="1400" dirty="0"/>
+                    </a:p>
+                  </a:txBody>
+                  <a:tcPr anchor="ctr"/>
+                </a:tc>
+                <a:tc>
+                  <a:txBody>
+                    <a:bodyPr/>
+                    <a:lstStyle/>
+                    <a:p>
+                      <a:pPr algn="ctr" latinLnBrk="1"/>
+                      <a:endParaRPr lang="ko-KR" altLang="en-US" sz="1400" dirty="0"/>
+                    </a:p>
+                  </a:txBody>
+                  <a:tcPr anchor="ctr"/>
+                </a:tc>
+                <a:tc>
+                  <a:txBody>
+                    <a:bodyPr/>
+                    <a:lstStyle/>
+                    <a:p>
+                      <a:pPr algn="ctr" latinLnBrk="1"/>
+                      <a:endParaRPr lang="ko-KR" altLang="en-US" sz="1400" dirty="0"/>
+                    </a:p>
+                  </a:txBody>
+                  <a:tcPr anchor="ctr"/>
+                </a:tc>
+                <a:tc>
+                  <a:txBody>
+                    <a:bodyPr/>
+                    <a:lstStyle/>
+                    <a:p>
+                      <a:pPr algn="ctr" latinLnBrk="1"/>
+                      <a:endParaRPr lang="ko-KR" altLang="en-US" sz="1400" dirty="0"/>
+                    </a:p>
+                  </a:txBody>
+                  <a:tcPr anchor="ctr"/>
+                </a:tc>
+                <a:extLst>
+                  <a:ext uri="{0D108BD9-81ED-4DB2-BD59-A6C34878D82A}">
+                    <a16:rowId xmlns:a16="http://schemas.microsoft.com/office/drawing/2014/main" val="1371131627"/>
+                  </a:ext>
+                </a:extLst>
+              </a:tr>
+              <a:tr h="370840">
+                <a:tc>
+                  <a:txBody>
+                    <a:bodyPr/>
+                    <a:lstStyle/>
+                    <a:p>
+                      <a:pPr algn="ctr" latinLnBrk="1"/>
+                      <a:endParaRPr lang="ko-KR" altLang="en-US" sz="1400" dirty="0"/>
+                    </a:p>
+                  </a:txBody>
+                  <a:tcPr anchor="ctr"/>
+                </a:tc>
+                <a:tc>
+                  <a:txBody>
+                    <a:bodyPr/>
+                    <a:lstStyle/>
+                    <a:p>
+                      <a:pPr algn="ctr" latinLnBrk="1"/>
+                      <a:endParaRPr lang="ko-KR" altLang="en-US" sz="1400" dirty="0"/>
+                    </a:p>
+                  </a:txBody>
+                  <a:tcPr anchor="ctr"/>
+                </a:tc>
+                <a:tc>
+                  <a:txBody>
+                    <a:bodyPr/>
+                    <a:lstStyle/>
+                    <a:p>
+                      <a:pPr algn="ctr" latinLnBrk="1"/>
+                      <a:endParaRPr lang="ko-KR" altLang="en-US" sz="1400" dirty="0"/>
+                    </a:p>
+                  </a:txBody>
+                  <a:tcPr anchor="ctr"/>
+                </a:tc>
+                <a:tc>
+                  <a:txBody>
+                    <a:bodyPr/>
+                    <a:lstStyle/>
+                    <a:p>
+                      <a:pPr algn="ctr" latinLnBrk="1"/>
+                      <a:endParaRPr lang="ko-KR" altLang="en-US" sz="1400" dirty="0"/>
+                    </a:p>
+                  </a:txBody>
+                  <a:tcPr anchor="ctr"/>
+                </a:tc>
+                <a:tc>
+                  <a:txBody>
+                    <a:bodyPr/>
+                    <a:lstStyle/>
+                    <a:p>
+                      <a:pPr algn="ctr" latinLnBrk="1"/>
+                      <a:endParaRPr lang="ko-KR" altLang="en-US" sz="1400" dirty="0"/>
+                    </a:p>
+                  </a:txBody>
+                  <a:tcPr anchor="ctr"/>
+                </a:tc>
+                <a:extLst>
+                  <a:ext uri="{0D108BD9-81ED-4DB2-BD59-A6C34878D82A}">
+                    <a16:rowId xmlns:a16="http://schemas.microsoft.com/office/drawing/2014/main" val="2117911092"/>
+                  </a:ext>
+                </a:extLst>
+              </a:tr>
+              <a:tr h="370840">
+                <a:tc>
+                  <a:txBody>
+                    <a:bodyPr/>
+                    <a:lstStyle/>
+                    <a:p>
+                      <a:pPr algn="ctr" latinLnBrk="1"/>
+                      <a:endParaRPr lang="ko-KR" altLang="en-US" sz="1400" dirty="0"/>
+                    </a:p>
+                  </a:txBody>
+                  <a:tcPr anchor="ctr"/>
+                </a:tc>
+                <a:tc>
+                  <a:txBody>
+                    <a:bodyPr/>
+                    <a:lstStyle/>
+                    <a:p>
+                      <a:pPr algn="ctr" latinLnBrk="1"/>
+                      <a:endParaRPr lang="ko-KR" altLang="en-US" sz="1400" dirty="0"/>
+                    </a:p>
+                  </a:txBody>
+                  <a:tcPr anchor="ctr"/>
+                </a:tc>
+                <a:tc>
+                  <a:txBody>
+                    <a:bodyPr/>
+                    <a:lstStyle/>
+                    <a:p>
+                      <a:pPr algn="ctr" latinLnBrk="1"/>
+                      <a:endParaRPr lang="ko-KR" altLang="en-US" sz="1400" dirty="0"/>
+                    </a:p>
+                  </a:txBody>
+                  <a:tcPr anchor="ctr"/>
+                </a:tc>
+                <a:tc>
+                  <a:txBody>
+                    <a:bodyPr/>
+                    <a:lstStyle/>
+                    <a:p>
+                      <a:pPr algn="ctr" latinLnBrk="1"/>
+                      <a:endParaRPr lang="ko-KR" altLang="en-US" sz="1400" dirty="0"/>
+                    </a:p>
+                  </a:txBody>
+                  <a:tcPr anchor="ctr"/>
+                </a:tc>
+                <a:tc>
+                  <a:txBody>
+                    <a:bodyPr/>
+                    <a:lstStyle/>
+                    <a:p>
+                      <a:pPr algn="ctr" latinLnBrk="1"/>
+                      <a:endParaRPr lang="ko-KR" altLang="en-US" sz="1400" dirty="0"/>
+                    </a:p>
+                  </a:txBody>
+                  <a:tcPr anchor="ctr"/>
+                </a:tc>
+                <a:extLst>
+                  <a:ext uri="{0D108BD9-81ED-4DB2-BD59-A6C34878D82A}">
+                    <a16:rowId xmlns:a16="http://schemas.microsoft.com/office/drawing/2014/main" val="717605488"/>
+                  </a:ext>
+                </a:extLst>
+              </a:tr>
+              <a:tr h="370840">
+                <a:tc>
+                  <a:txBody>
+                    <a:bodyPr/>
+                    <a:lstStyle/>
+                    <a:p>
+                      <a:pPr algn="ctr" latinLnBrk="1"/>
+                      <a:endParaRPr lang="ko-KR" altLang="en-US" sz="1400" dirty="0"/>
+                    </a:p>
+                  </a:txBody>
+                  <a:tcPr anchor="ctr"/>
+                </a:tc>
+                <a:tc>
+                  <a:txBody>
+                    <a:bodyPr/>
+                    <a:lstStyle/>
+                    <a:p>
+                      <a:pPr algn="ctr" latinLnBrk="1"/>
+                      <a:endParaRPr lang="ko-KR" altLang="en-US" sz="1400" dirty="0"/>
+                    </a:p>
+                  </a:txBody>
+                  <a:tcPr anchor="ctr"/>
+                </a:tc>
+                <a:tc>
+                  <a:txBody>
+                    <a:bodyPr/>
+                    <a:lstStyle/>
+                    <a:p>
+                      <a:pPr algn="ctr" latinLnBrk="1"/>
+                      <a:endParaRPr lang="ko-KR" altLang="en-US" sz="1400" dirty="0"/>
+                    </a:p>
+                  </a:txBody>
+                  <a:tcPr anchor="ctr"/>
+                </a:tc>
+                <a:tc>
+                  <a:txBody>
+                    <a:bodyPr/>
+                    <a:lstStyle/>
+                    <a:p>
+                      <a:pPr algn="ctr" latinLnBrk="1"/>
+                      <a:endParaRPr lang="ko-KR" altLang="en-US" sz="1400" dirty="0"/>
+                    </a:p>
+                  </a:txBody>
+                  <a:tcPr anchor="ctr"/>
+                </a:tc>
+                <a:tc>
+                  <a:txBody>
+                    <a:bodyPr/>
+                    <a:lstStyle/>
+                    <a:p>
+                      <a:pPr algn="ctr" latinLnBrk="1"/>
+                      <a:endParaRPr lang="ko-KR" altLang="en-US" sz="1400" dirty="0"/>
+                    </a:p>
+                  </a:txBody>
+                  <a:tcPr anchor="ctr"/>
+                </a:tc>
+                <a:extLst>
+                  <a:ext uri="{0D108BD9-81ED-4DB2-BD59-A6C34878D82A}">
+                    <a16:rowId xmlns:a16="http://schemas.microsoft.com/office/drawing/2014/main" val="3416809694"/>
+                  </a:ext>
+                </a:extLst>
+              </a:tr>
+              <a:tr h="0">
+                <a:tc gridSpan="5">
+                  <a:txBody>
+                    <a:bodyPr/>
+                    <a:lstStyle/>
+                    <a:p>
+                      <a:pPr algn="ctr" latinLnBrk="1"/>
+                      <a:endParaRPr lang="ko-KR" altLang="en-US" sz="300" dirty="0"/>
+                    </a:p>
+                  </a:txBody>
+                  <a:tcPr anchor="ctr"/>
+                </a:tc>
+                <a:tc hMerge="1">
+                  <a:txBody>
+                    <a:bodyPr/>
+                    <a:lstStyle/>
+                    <a:p>
+                      <a:pPr algn="ctr" latinLnBrk="1"/>
+                      <a:endParaRPr lang="ko-KR" altLang="en-US" sz="1400" dirty="0"/>
+                    </a:p>
+                  </a:txBody>
+                  <a:tcPr anchor="ctr"/>
+                </a:tc>
+                <a:tc hMerge="1">
+                  <a:txBody>
+                    <a:bodyPr/>
+                    <a:lstStyle/>
+                    <a:p>
+                      <a:pPr algn="ctr" latinLnBrk="1"/>
+                      <a:endParaRPr lang="ko-KR" altLang="en-US" sz="1400" dirty="0"/>
+                    </a:p>
+                  </a:txBody>
+                  <a:tcPr anchor="ctr"/>
+                </a:tc>
+                <a:tc hMerge="1">
+                  <a:txBody>
+                    <a:bodyPr/>
+                    <a:lstStyle/>
+                    <a:p>
+                      <a:pPr algn="ctr" latinLnBrk="1"/>
+                      <a:endParaRPr lang="ko-KR" altLang="en-US" sz="1400" dirty="0"/>
+                    </a:p>
+                  </a:txBody>
+                  <a:tcPr anchor="ctr"/>
+                </a:tc>
+                <a:tc hMerge="1">
+                  <a:txBody>
+                    <a:bodyPr/>
+                    <a:lstStyle/>
+                    <a:p>
+                      <a:pPr algn="ctr" latinLnBrk="1"/>
+                      <a:endParaRPr lang="ko-KR" altLang="en-US" sz="1400" dirty="0"/>
+                    </a:p>
+                  </a:txBody>
+                  <a:tcPr anchor="ctr"/>
+                </a:tc>
+                <a:extLst>
+                  <a:ext uri="{0D108BD9-81ED-4DB2-BD59-A6C34878D82A}">
+                    <a16:rowId xmlns:a16="http://schemas.microsoft.com/office/drawing/2014/main" val="384975930"/>
+                  </a:ext>
+                </a:extLst>
+              </a:tr>
+              <a:tr h="370840">
+                <a:tc>
+                  <a:txBody>
+                    <a:bodyPr/>
+                    <a:lstStyle/>
+                    <a:p>
+                      <a:pPr algn="ctr" latinLnBrk="1"/>
+                      <a:r>
+                        <a:rPr lang="en-US" altLang="ko-KR" sz="1400" b="1" dirty="0">
+                          <a:solidFill>
+                            <a:schemeClr val="accent5"/>
+                          </a:solidFill>
+                        </a:rPr>
+                        <a:t>Bottle</a:t>
+                      </a:r>
+                      <a:endParaRPr lang="ko-KR" altLang="en-US" sz="1400" b="1" dirty="0">
+                        <a:solidFill>
+                          <a:schemeClr val="accent5"/>
+                        </a:solidFill>
+                      </a:endParaRPr>
+                    </a:p>
+                  </a:txBody>
+                  <a:tcPr anchor="ctr"/>
+                </a:tc>
+                <a:tc>
+                  <a:txBody>
+                    <a:bodyPr/>
+                    <a:lstStyle/>
+                    <a:p>
+                      <a:pPr algn="ctr" latinLnBrk="1"/>
+                      <a:endParaRPr lang="ko-KR" altLang="en-US" sz="1400" dirty="0"/>
+                    </a:p>
+                  </a:txBody>
+                  <a:tcPr anchor="ctr"/>
+                </a:tc>
+                <a:tc>
+                  <a:txBody>
+                    <a:bodyPr/>
+                    <a:lstStyle/>
+                    <a:p>
+                      <a:pPr algn="ctr" latinLnBrk="1"/>
+                      <a:endParaRPr lang="ko-KR" altLang="en-US" sz="1400" dirty="0"/>
+                    </a:p>
+                  </a:txBody>
+                  <a:tcPr anchor="ctr"/>
+                </a:tc>
+                <a:tc>
+                  <a:txBody>
+                    <a:bodyPr/>
+                    <a:lstStyle/>
+                    <a:p>
+                      <a:pPr algn="ctr" latinLnBrk="1"/>
+                      <a:endParaRPr lang="ko-KR" altLang="en-US" sz="1400" dirty="0"/>
+                    </a:p>
+                  </a:txBody>
+                  <a:tcPr anchor="ctr"/>
+                </a:tc>
+                <a:tc>
+                  <a:txBody>
+                    <a:bodyPr/>
+                    <a:lstStyle/>
+                    <a:p>
+                      <a:pPr algn="ctr" latinLnBrk="1"/>
+                      <a:endParaRPr lang="ko-KR" altLang="en-US" sz="1400" dirty="0"/>
+                    </a:p>
+                  </a:txBody>
+                  <a:tcPr anchor="ctr"/>
+                </a:tc>
+                <a:extLst>
+                  <a:ext uri="{0D108BD9-81ED-4DB2-BD59-A6C34878D82A}">
+                    <a16:rowId xmlns:a16="http://schemas.microsoft.com/office/drawing/2014/main" val="1851093781"/>
+                  </a:ext>
+                </a:extLst>
+              </a:tr>
+              <a:tr h="370840">
+                <a:tc>
+                  <a:txBody>
+                    <a:bodyPr/>
+                    <a:lstStyle/>
+                    <a:p>
+                      <a:pPr algn="ctr" latinLnBrk="1"/>
+                      <a:endParaRPr lang="ko-KR" altLang="en-US" sz="1400" dirty="0"/>
+                    </a:p>
+                  </a:txBody>
+                  <a:tcPr anchor="ctr"/>
+                </a:tc>
+                <a:tc>
+                  <a:txBody>
+                    <a:bodyPr/>
+                    <a:lstStyle/>
+                    <a:p>
+                      <a:pPr algn="ctr" latinLnBrk="1"/>
+                      <a:endParaRPr lang="ko-KR" altLang="en-US" sz="1400" dirty="0"/>
+                    </a:p>
+                  </a:txBody>
+                  <a:tcPr anchor="ctr"/>
+                </a:tc>
+                <a:tc>
+                  <a:txBody>
+                    <a:bodyPr/>
+                    <a:lstStyle/>
+                    <a:p>
+                      <a:pPr algn="ctr" latinLnBrk="1"/>
+                      <a:endParaRPr lang="ko-KR" altLang="en-US" sz="1400" dirty="0"/>
+                    </a:p>
+                  </a:txBody>
+                  <a:tcPr anchor="ctr"/>
+                </a:tc>
+                <a:tc>
+                  <a:txBody>
+                    <a:bodyPr/>
+                    <a:lstStyle/>
+                    <a:p>
+                      <a:pPr algn="ctr" latinLnBrk="1"/>
+                      <a:endParaRPr lang="ko-KR" altLang="en-US" sz="1400" dirty="0"/>
+                    </a:p>
+                  </a:txBody>
+                  <a:tcPr anchor="ctr"/>
+                </a:tc>
+                <a:tc>
+                  <a:txBody>
+                    <a:bodyPr/>
+                    <a:lstStyle/>
+                    <a:p>
+                      <a:pPr algn="ctr" latinLnBrk="1"/>
+                      <a:endParaRPr lang="ko-KR" altLang="en-US" sz="1400" dirty="0"/>
+                    </a:p>
+                  </a:txBody>
+                  <a:tcPr anchor="ctr"/>
+                </a:tc>
+                <a:extLst>
+                  <a:ext uri="{0D108BD9-81ED-4DB2-BD59-A6C34878D82A}">
+                    <a16:rowId xmlns:a16="http://schemas.microsoft.com/office/drawing/2014/main" val="1637186499"/>
+                  </a:ext>
+                </a:extLst>
+              </a:tr>
+            </a:tbl>
+          </a:graphicData>
+        </a:graphic>
+      </p:graphicFrame>
+      <p:pic>
+        <p:nvPicPr>
+          <p:cNvPr id="4" name="그림 3">
+            <a:extLst>
+              <a:ext uri="{FF2B5EF4-FFF2-40B4-BE49-F238E27FC236}">
+                <a16:creationId xmlns:a16="http://schemas.microsoft.com/office/drawing/2014/main" id="{99EB3ABD-3A80-F5F7-1D7C-844D387CA210}"/>
+              </a:ext>
+            </a:extLst>
+          </p:cNvPr>
+          <p:cNvPicPr>
+            <a:picLocks noChangeAspect="1"/>
+          </p:cNvPicPr>
+          <p:nvPr/>
+        </p:nvPicPr>
+        <p:blipFill>
+          <a:blip r:embed="rId2" cstate="print">
+            <a:clrChange>
+              <a:clrFrom>
+                <a:srgbClr val="CACAC9"/>
+              </a:clrFrom>
+              <a:clrTo>
+                <a:srgbClr val="CACAC9">
+                  <a:alpha val="0"/>
+                </a:srgbClr>
+              </a:clrTo>
+            </a:clrChange>
+            <a:alphaModFix/>
+            <a:extLst>
+              <a:ext uri="{BEBA8EAE-BF5A-486C-A8C5-ECC9F3942E4B}">
+                <a14:imgProps xmlns:a14="http://schemas.microsoft.com/office/drawing/2010/main">
+                  <a14:imgLayer r:embed="rId3">
+                    <a14:imgEffect>
+                      <a14:sharpenSoften amount="-50000"/>
+                    </a14:imgEffect>
+                    <a14:imgEffect>
+                      <a14:brightnessContrast bright="-20000"/>
+                    </a14:imgEffect>
+                  </a14:imgLayer>
+                </a14:imgProps>
+              </a:ext>
+            </a:extLst>
+          </a:blip>
+          <a:stretch>
+            <a:fillRect/>
+          </a:stretch>
+        </p:blipFill>
+        <p:spPr>
+          <a:xfrm flipH="1">
+            <a:off x="4454693" y="1521683"/>
+            <a:ext cx="522732" cy="705787"/>
+          </a:xfrm>
+          <a:prstGeom prst="rect">
+            <a:avLst/>
+          </a:prstGeom>
+        </p:spPr>
+      </p:pic>
+      <p:pic>
+        <p:nvPicPr>
+          <p:cNvPr id="5" name="그림 4">
+            <a:extLst>
+              <a:ext uri="{FF2B5EF4-FFF2-40B4-BE49-F238E27FC236}">
+                <a16:creationId xmlns:a16="http://schemas.microsoft.com/office/drawing/2014/main" id="{DDDC0CDA-9759-762F-9F03-4BE2658605E7}"/>
+              </a:ext>
+            </a:extLst>
+          </p:cNvPr>
+          <p:cNvPicPr>
+            <a:picLocks noChangeAspect="1"/>
+          </p:cNvPicPr>
+          <p:nvPr/>
+        </p:nvPicPr>
+        <p:blipFill>
+          <a:blip r:embed="rId4" cstate="print">
+            <a:clrChange>
+              <a:clrFrom>
+                <a:srgbClr val="CACAC9"/>
+              </a:clrFrom>
+              <a:clrTo>
+                <a:srgbClr val="CACAC9">
+                  <a:alpha val="0"/>
+                </a:srgbClr>
+              </a:clrTo>
+            </a:clrChange>
+            <a:alphaModFix/>
+            <a:extLst>
+              <a:ext uri="{BEBA8EAE-BF5A-486C-A8C5-ECC9F3942E4B}">
+                <a14:imgProps xmlns:a14="http://schemas.microsoft.com/office/drawing/2010/main">
+                  <a14:imgLayer r:embed="rId5">
+                    <a14:imgEffect>
+                      <a14:sharpenSoften amount="-50000"/>
+                    </a14:imgEffect>
+                    <a14:imgEffect>
+                      <a14:brightnessContrast bright="-20000"/>
+                    </a14:imgEffect>
+                  </a14:imgLayer>
+                </a14:imgProps>
+              </a:ext>
+            </a:extLst>
+          </a:blip>
+          <a:stretch>
+            <a:fillRect/>
+          </a:stretch>
+        </p:blipFill>
+        <p:spPr>
+          <a:xfrm flipH="1">
+            <a:off x="6245642" y="1486924"/>
+            <a:ext cx="750785" cy="775305"/>
+          </a:xfrm>
+          <a:prstGeom prst="rect">
+            <a:avLst/>
+          </a:prstGeom>
+        </p:spPr>
+      </p:pic>
+      <p:pic>
+        <p:nvPicPr>
+          <p:cNvPr id="6" name="그림 5">
+            <a:extLst>
+              <a:ext uri="{FF2B5EF4-FFF2-40B4-BE49-F238E27FC236}">
+                <a16:creationId xmlns:a16="http://schemas.microsoft.com/office/drawing/2014/main" id="{A5D04A9D-47E9-5DED-7823-92DD962B8AD2}"/>
+              </a:ext>
+            </a:extLst>
+          </p:cNvPr>
+          <p:cNvPicPr>
+            <a:picLocks noChangeAspect="1"/>
+          </p:cNvPicPr>
+          <p:nvPr/>
+        </p:nvPicPr>
+        <p:blipFill>
+          <a:blip r:embed="rId6" cstate="print">
+            <a:clrChange>
+              <a:clrFrom>
+                <a:srgbClr val="CACAC9"/>
+              </a:clrFrom>
+              <a:clrTo>
+                <a:srgbClr val="CACAC9">
+                  <a:alpha val="0"/>
+                </a:srgbClr>
+              </a:clrTo>
+            </a:clrChange>
+            <a:alphaModFix/>
+            <a:extLst>
+              <a:ext uri="{BEBA8EAE-BF5A-486C-A8C5-ECC9F3942E4B}">
+                <a14:imgProps xmlns:a14="http://schemas.microsoft.com/office/drawing/2010/main">
+                  <a14:imgLayer r:embed="rId7">
+                    <a14:imgEffect>
+                      <a14:brightnessContrast bright="-20000"/>
+                    </a14:imgEffect>
+                  </a14:imgLayer>
+                </a14:imgProps>
+              </a:ext>
+            </a:extLst>
+          </a:blip>
+          <a:stretch>
+            <a:fillRect/>
+          </a:stretch>
+        </p:blipFill>
+        <p:spPr>
+          <a:xfrm>
+            <a:off x="8327567" y="1442751"/>
+            <a:ext cx="475775" cy="863650"/>
+          </a:xfrm>
+          <a:prstGeom prst="rect">
+            <a:avLst/>
+          </a:prstGeom>
+        </p:spPr>
+      </p:pic>
+      <p:pic>
+        <p:nvPicPr>
+          <p:cNvPr id="7" name="그림 6">
+            <a:extLst>
+              <a:ext uri="{FF2B5EF4-FFF2-40B4-BE49-F238E27FC236}">
+                <a16:creationId xmlns:a16="http://schemas.microsoft.com/office/drawing/2014/main" id="{8C78DA93-5293-21A3-2B60-22D0C8016662}"/>
+              </a:ext>
+            </a:extLst>
+          </p:cNvPr>
+          <p:cNvPicPr>
+            <a:picLocks noChangeAspect="1"/>
+          </p:cNvPicPr>
+          <p:nvPr/>
+        </p:nvPicPr>
+        <p:blipFill>
+          <a:blip r:embed="rId8" cstate="print">
+            <a:clrChange>
+              <a:clrFrom>
+                <a:srgbClr val="CACAC9"/>
+              </a:clrFrom>
+              <a:clrTo>
+                <a:srgbClr val="CACAC9">
+                  <a:alpha val="0"/>
+                </a:srgbClr>
+              </a:clrTo>
+            </a:clrChange>
+            <a:alphaModFix/>
+            <a:extLst>
+              <a:ext uri="{BEBA8EAE-BF5A-486C-A8C5-ECC9F3942E4B}">
+                <a14:imgProps xmlns:a14="http://schemas.microsoft.com/office/drawing/2010/main">
+                  <a14:imgLayer r:embed="rId9">
+                    <a14:imgEffect>
+                      <a14:brightnessContrast bright="-20000"/>
+                    </a14:imgEffect>
+                  </a14:imgLayer>
+                </a14:imgProps>
+              </a:ext>
+            </a:extLst>
+          </a:blip>
+          <a:stretch>
+            <a:fillRect/>
+          </a:stretch>
+        </p:blipFill>
+        <p:spPr>
+          <a:xfrm>
+            <a:off x="2148634" y="2614898"/>
+            <a:ext cx="576064" cy="986789"/>
+          </a:xfrm>
+          <a:prstGeom prst="rect">
+            <a:avLst/>
+          </a:prstGeom>
+        </p:spPr>
+      </p:pic>
+      <p:pic>
+        <p:nvPicPr>
+          <p:cNvPr id="8" name="그림 7">
+            <a:extLst>
+              <a:ext uri="{FF2B5EF4-FFF2-40B4-BE49-F238E27FC236}">
+                <a16:creationId xmlns:a16="http://schemas.microsoft.com/office/drawing/2014/main" id="{5E942DA1-E5F9-A206-8F79-A03D47033B8A}"/>
+              </a:ext>
+            </a:extLst>
+          </p:cNvPr>
+          <p:cNvPicPr>
+            <a:picLocks noChangeAspect="1"/>
+          </p:cNvPicPr>
+          <p:nvPr/>
+        </p:nvPicPr>
+        <p:blipFill rotWithShape="1">
+          <a:blip r:embed="rId10" cstate="print">
+            <a:clrChange>
+              <a:clrFrom>
+                <a:srgbClr val="C9CACA"/>
+              </a:clrFrom>
+              <a:clrTo>
+                <a:srgbClr val="C9CACA">
+                  <a:alpha val="0"/>
+                </a:srgbClr>
+              </a:clrTo>
+            </a:clrChange>
+            <a:alphaModFix/>
+            <a:extLst>
+              <a:ext uri="{BEBA8EAE-BF5A-486C-A8C5-ECC9F3942E4B}">
+                <a14:imgProps xmlns:a14="http://schemas.microsoft.com/office/drawing/2010/main">
+                  <a14:imgLayer r:embed="rId11">
+                    <a14:imgEffect>
+                      <a14:sharpenSoften amount="-50000"/>
+                    </a14:imgEffect>
+                    <a14:imgEffect>
+                      <a14:brightnessContrast bright="-20000"/>
+                    </a14:imgEffect>
+                  </a14:imgLayer>
+                </a14:imgProps>
+              </a:ext>
+            </a:extLst>
+          </a:blip>
+          <a:srcRect l="4858" t="1314"/>
+          <a:stretch/>
+        </p:blipFill>
+        <p:spPr>
+          <a:xfrm>
+            <a:off x="2538135" y="1500969"/>
+            <a:ext cx="591109" cy="747215"/>
+          </a:xfrm>
+          <a:prstGeom prst="rect">
+            <a:avLst/>
+          </a:prstGeom>
+        </p:spPr>
+      </p:pic>
+      <p:cxnSp>
+        <p:nvCxnSpPr>
+          <p:cNvPr id="10" name="직선 화살표 연결선 9">
+            <a:extLst>
+              <a:ext uri="{FF2B5EF4-FFF2-40B4-BE49-F238E27FC236}">
+                <a16:creationId xmlns:a16="http://schemas.microsoft.com/office/drawing/2014/main" id="{03F1B90B-F86D-068D-6EA5-546A3EAC5F3A}"/>
+              </a:ext>
+            </a:extLst>
+          </p:cNvPr>
+          <p:cNvCxnSpPr>
+            <a:cxnSpLocks/>
+          </p:cNvCxnSpPr>
+          <p:nvPr/>
+        </p:nvCxnSpPr>
+        <p:spPr>
+          <a:xfrm>
+            <a:off x="2833689" y="2601686"/>
+            <a:ext cx="3787345" cy="0"/>
+          </a:xfrm>
+          <a:prstGeom prst="straightConnector1">
+            <a:avLst/>
+          </a:prstGeom>
+          <a:ln w="38100">
+            <a:solidFill>
+              <a:srgbClr val="FF0000"/>
+            </a:solidFill>
+            <a:tailEnd type="triangle"/>
+          </a:ln>
+        </p:spPr>
+        <p:style>
+          <a:lnRef idx="2">
+            <a:schemeClr val="accent1"/>
+          </a:lnRef>
+          <a:fillRef idx="0">
+            <a:schemeClr val="accent1"/>
+          </a:fillRef>
+          <a:effectRef idx="1">
+            <a:schemeClr val="accent1"/>
+          </a:effectRef>
+          <a:fontRef idx="minor">
+            <a:schemeClr val="tx1"/>
+          </a:fontRef>
+        </p:style>
+      </p:cxnSp>
+      <p:cxnSp>
+        <p:nvCxnSpPr>
+          <p:cNvPr id="12" name="직선 화살표 연결선 11">
+            <a:extLst>
+              <a:ext uri="{FF2B5EF4-FFF2-40B4-BE49-F238E27FC236}">
+                <a16:creationId xmlns:a16="http://schemas.microsoft.com/office/drawing/2014/main" id="{BC5DF66A-B133-D492-F088-1F6494771EBA}"/>
+              </a:ext>
+            </a:extLst>
+          </p:cNvPr>
+          <p:cNvCxnSpPr>
+            <a:cxnSpLocks/>
+          </p:cNvCxnSpPr>
+          <p:nvPr/>
+        </p:nvCxnSpPr>
+        <p:spPr>
+          <a:xfrm flipH="1">
+            <a:off x="4593771" y="3026229"/>
+            <a:ext cx="2027263" cy="0"/>
+          </a:xfrm>
+          <a:prstGeom prst="straightConnector1">
+            <a:avLst/>
+          </a:prstGeom>
+          <a:ln w="38100">
+            <a:solidFill>
+              <a:srgbClr val="FF0000"/>
+            </a:solidFill>
+            <a:tailEnd type="triangle"/>
+          </a:ln>
+        </p:spPr>
+        <p:style>
+          <a:lnRef idx="2">
+            <a:schemeClr val="accent1"/>
+          </a:lnRef>
+          <a:fillRef idx="0">
+            <a:schemeClr val="accent1"/>
+          </a:fillRef>
+          <a:effectRef idx="1">
+            <a:schemeClr val="accent1"/>
+          </a:effectRef>
+          <a:fontRef idx="minor">
+            <a:schemeClr val="tx1"/>
+          </a:fontRef>
+        </p:style>
+      </p:cxnSp>
+      <p:cxnSp>
+        <p:nvCxnSpPr>
+          <p:cNvPr id="16" name="직선 화살표 연결선 15">
+            <a:extLst>
+              <a:ext uri="{FF2B5EF4-FFF2-40B4-BE49-F238E27FC236}">
+                <a16:creationId xmlns:a16="http://schemas.microsoft.com/office/drawing/2014/main" id="{60F6284A-B972-9E2B-3A55-C6BBE910706A}"/>
+              </a:ext>
+            </a:extLst>
+          </p:cNvPr>
+          <p:cNvCxnSpPr>
+            <a:cxnSpLocks/>
+          </p:cNvCxnSpPr>
+          <p:nvPr/>
+        </p:nvCxnSpPr>
+        <p:spPr>
+          <a:xfrm>
+            <a:off x="4627413" y="3418115"/>
+            <a:ext cx="2027263" cy="0"/>
+          </a:xfrm>
+          <a:prstGeom prst="straightConnector1">
+            <a:avLst/>
+          </a:prstGeom>
+          <a:ln w="38100">
+            <a:solidFill>
+              <a:srgbClr val="FF0000"/>
+            </a:solidFill>
+            <a:tailEnd type="triangle"/>
+          </a:ln>
+        </p:spPr>
+        <p:style>
+          <a:lnRef idx="2">
+            <a:schemeClr val="accent1"/>
+          </a:lnRef>
+          <a:fillRef idx="0">
+            <a:schemeClr val="accent1"/>
+          </a:fillRef>
+          <a:effectRef idx="1">
+            <a:schemeClr val="accent1"/>
+          </a:effectRef>
+          <a:fontRef idx="minor">
+            <a:schemeClr val="tx1"/>
+          </a:fontRef>
+        </p:style>
+      </p:cxnSp>
+      <p:cxnSp>
+        <p:nvCxnSpPr>
+          <p:cNvPr id="17" name="직선 화살표 연결선 16">
+            <a:extLst>
+              <a:ext uri="{FF2B5EF4-FFF2-40B4-BE49-F238E27FC236}">
+                <a16:creationId xmlns:a16="http://schemas.microsoft.com/office/drawing/2014/main" id="{7E82BA69-E322-2118-020F-7D3822810BEF}"/>
+              </a:ext>
+            </a:extLst>
+          </p:cNvPr>
+          <p:cNvCxnSpPr>
+            <a:cxnSpLocks/>
+          </p:cNvCxnSpPr>
+          <p:nvPr/>
+        </p:nvCxnSpPr>
+        <p:spPr>
+          <a:xfrm>
+            <a:off x="6903508" y="3418115"/>
+            <a:ext cx="1739749" cy="0"/>
+          </a:xfrm>
+          <a:prstGeom prst="straightConnector1">
+            <a:avLst/>
+          </a:prstGeom>
+          <a:ln w="38100">
+            <a:solidFill>
+              <a:srgbClr val="FF0000"/>
+            </a:solidFill>
+            <a:tailEnd type="triangle"/>
+          </a:ln>
+        </p:spPr>
+        <p:style>
+          <a:lnRef idx="2">
+            <a:schemeClr val="accent1"/>
+          </a:lnRef>
+          <a:fillRef idx="0">
+            <a:schemeClr val="accent1"/>
+          </a:fillRef>
+          <a:effectRef idx="1">
+            <a:schemeClr val="accent1"/>
+          </a:effectRef>
+          <a:fontRef idx="minor">
+            <a:schemeClr val="tx1"/>
+          </a:fontRef>
+        </p:style>
+      </p:cxnSp>
+      <p:cxnSp>
+        <p:nvCxnSpPr>
+          <p:cNvPr id="19" name="직선 화살표 연결선 18">
+            <a:extLst>
+              <a:ext uri="{FF2B5EF4-FFF2-40B4-BE49-F238E27FC236}">
+                <a16:creationId xmlns:a16="http://schemas.microsoft.com/office/drawing/2014/main" id="{B4DB9AED-0AA0-30A8-EB41-4BAD4B78ACEF}"/>
+              </a:ext>
+            </a:extLst>
+          </p:cNvPr>
+          <p:cNvCxnSpPr>
+            <a:cxnSpLocks/>
+          </p:cNvCxnSpPr>
+          <p:nvPr/>
+        </p:nvCxnSpPr>
+        <p:spPr>
+          <a:xfrm flipH="1">
+            <a:off x="6903507" y="3777344"/>
+            <a:ext cx="1739749" cy="0"/>
+          </a:xfrm>
+          <a:prstGeom prst="straightConnector1">
+            <a:avLst/>
+          </a:prstGeom>
+          <a:ln w="38100">
+            <a:solidFill>
+              <a:srgbClr val="FF0000"/>
+            </a:solidFill>
+            <a:tailEnd type="triangle"/>
+          </a:ln>
+        </p:spPr>
+        <p:style>
+          <a:lnRef idx="2">
+            <a:schemeClr val="accent1"/>
+          </a:lnRef>
+          <a:fillRef idx="0">
+            <a:schemeClr val="accent1"/>
+          </a:fillRef>
+          <a:effectRef idx="1">
+            <a:schemeClr val="accent1"/>
+          </a:effectRef>
+          <a:fontRef idx="minor">
+            <a:schemeClr val="tx1"/>
+          </a:fontRef>
+        </p:style>
+      </p:cxnSp>
+      <p:cxnSp>
+        <p:nvCxnSpPr>
+          <p:cNvPr id="22" name="직선 화살표 연결선 21">
+            <a:extLst>
+              <a:ext uri="{FF2B5EF4-FFF2-40B4-BE49-F238E27FC236}">
+                <a16:creationId xmlns:a16="http://schemas.microsoft.com/office/drawing/2014/main" id="{47C92A9D-15D4-14CA-C754-418691164F81}"/>
+              </a:ext>
+            </a:extLst>
+          </p:cNvPr>
+          <p:cNvCxnSpPr>
+            <a:cxnSpLocks/>
+          </p:cNvCxnSpPr>
+          <p:nvPr/>
+        </p:nvCxnSpPr>
+        <p:spPr>
+          <a:xfrm flipH="1">
+            <a:off x="2833689" y="3799117"/>
+            <a:ext cx="3787345" cy="0"/>
+          </a:xfrm>
+          <a:prstGeom prst="straightConnector1">
+            <a:avLst/>
+          </a:prstGeom>
+          <a:ln w="38100">
+            <a:solidFill>
+              <a:srgbClr val="FF0000"/>
+            </a:solidFill>
+            <a:tailEnd type="triangle"/>
+          </a:ln>
+        </p:spPr>
+        <p:style>
+          <a:lnRef idx="2">
+            <a:schemeClr val="accent1"/>
+          </a:lnRef>
+          <a:fillRef idx="0">
+            <a:schemeClr val="accent1"/>
+          </a:fillRef>
+          <a:effectRef idx="1">
+            <a:schemeClr val="accent1"/>
+          </a:effectRef>
+          <a:fontRef idx="minor">
+            <a:schemeClr val="tx1"/>
+          </a:fontRef>
+        </p:style>
+      </p:cxnSp>
+      <p:sp>
+        <p:nvSpPr>
+          <p:cNvPr id="23" name="TextBox 22">
+            <a:extLst>
+              <a:ext uri="{FF2B5EF4-FFF2-40B4-BE49-F238E27FC236}">
+                <a16:creationId xmlns:a16="http://schemas.microsoft.com/office/drawing/2014/main" id="{87B0AABC-F7B3-D3A7-4052-AA494B7E8143}"/>
+              </a:ext>
+            </a:extLst>
+          </p:cNvPr>
+          <p:cNvSpPr txBox="1"/>
+          <p:nvPr/>
+        </p:nvSpPr>
+        <p:spPr>
+          <a:xfrm>
+            <a:off x="4068048" y="2357296"/>
+            <a:ext cx="386645" cy="307777"/>
+          </a:xfrm>
+          <a:prstGeom prst="rect">
+            <a:avLst/>
+          </a:prstGeom>
+          <a:noFill/>
+        </p:spPr>
+        <p:txBody>
+          <a:bodyPr wrap="none" rtlCol="0">
+            <a:spAutoFit/>
+          </a:bodyPr>
+          <a:lstStyle/>
+          <a:p>
+            <a:pPr algn="ctr"/>
+            <a:r>
+              <a:rPr kumimoji="1" lang="en-US" altLang="ko-KR" sz="1400" b="1" dirty="0">
+                <a:solidFill>
+                  <a:srgbClr val="FF0000"/>
+                </a:solidFill>
+              </a:rPr>
+              <a:t>(1)</a:t>
+            </a:r>
+            <a:endParaRPr kumimoji="1" lang="ko-KR" altLang="en-US" sz="1400" b="1" dirty="0">
+              <a:solidFill>
+                <a:srgbClr val="FF0000"/>
+              </a:solidFill>
+            </a:endParaRPr>
+          </a:p>
+        </p:txBody>
+      </p:sp>
+      <p:sp>
+        <p:nvSpPr>
+          <p:cNvPr id="24" name="TextBox 23">
+            <a:extLst>
+              <a:ext uri="{FF2B5EF4-FFF2-40B4-BE49-F238E27FC236}">
+                <a16:creationId xmlns:a16="http://schemas.microsoft.com/office/drawing/2014/main" id="{5FAF6260-13E3-7520-7BC5-E91205354B63}"/>
+              </a:ext>
+            </a:extLst>
+          </p:cNvPr>
+          <p:cNvSpPr txBox="1"/>
+          <p:nvPr/>
+        </p:nvSpPr>
+        <p:spPr>
+          <a:xfrm>
+            <a:off x="5290135" y="2743625"/>
+            <a:ext cx="386645" cy="307777"/>
+          </a:xfrm>
+          <a:prstGeom prst="rect">
+            <a:avLst/>
+          </a:prstGeom>
+          <a:noFill/>
+        </p:spPr>
+        <p:txBody>
+          <a:bodyPr wrap="none" rtlCol="0">
+            <a:spAutoFit/>
+          </a:bodyPr>
+          <a:lstStyle/>
+          <a:p>
+            <a:pPr algn="ctr"/>
+            <a:r>
+              <a:rPr kumimoji="1" lang="en-US" altLang="ko-KR" sz="1400" b="1" dirty="0">
+                <a:solidFill>
+                  <a:srgbClr val="FF0000"/>
+                </a:solidFill>
+              </a:rPr>
+              <a:t>(2)</a:t>
+            </a:r>
+            <a:endParaRPr kumimoji="1" lang="ko-KR" altLang="en-US" sz="1400" b="1" dirty="0">
+              <a:solidFill>
+                <a:srgbClr val="FF0000"/>
+              </a:solidFill>
+            </a:endParaRPr>
+          </a:p>
+        </p:txBody>
+      </p:sp>
+      <p:sp>
+        <p:nvSpPr>
+          <p:cNvPr id="25" name="TextBox 24">
+            <a:extLst>
+              <a:ext uri="{FF2B5EF4-FFF2-40B4-BE49-F238E27FC236}">
+                <a16:creationId xmlns:a16="http://schemas.microsoft.com/office/drawing/2014/main" id="{B2846A99-3A1D-07C4-761C-40092B9E8F39}"/>
+              </a:ext>
+            </a:extLst>
+          </p:cNvPr>
+          <p:cNvSpPr txBox="1"/>
+          <p:nvPr/>
+        </p:nvSpPr>
+        <p:spPr>
+          <a:xfrm>
+            <a:off x="5290134" y="3124626"/>
+            <a:ext cx="386645" cy="307777"/>
+          </a:xfrm>
+          <a:prstGeom prst="rect">
+            <a:avLst/>
+          </a:prstGeom>
+          <a:noFill/>
+        </p:spPr>
+        <p:txBody>
+          <a:bodyPr wrap="none" rtlCol="0">
+            <a:spAutoFit/>
+          </a:bodyPr>
+          <a:lstStyle/>
+          <a:p>
+            <a:pPr algn="ctr"/>
+            <a:r>
+              <a:rPr kumimoji="1" lang="en-US" altLang="ko-KR" sz="1400" b="1" dirty="0">
+                <a:solidFill>
+                  <a:srgbClr val="FF0000"/>
+                </a:solidFill>
+              </a:rPr>
+              <a:t>(3)</a:t>
+            </a:r>
+            <a:endParaRPr kumimoji="1" lang="ko-KR" altLang="en-US" sz="1400" b="1" dirty="0">
+              <a:solidFill>
+                <a:srgbClr val="FF0000"/>
+              </a:solidFill>
+            </a:endParaRPr>
+          </a:p>
+        </p:txBody>
+      </p:sp>
+      <p:sp>
+        <p:nvSpPr>
+          <p:cNvPr id="26" name="TextBox 25">
+            <a:extLst>
+              <a:ext uri="{FF2B5EF4-FFF2-40B4-BE49-F238E27FC236}">
+                <a16:creationId xmlns:a16="http://schemas.microsoft.com/office/drawing/2014/main" id="{32DE4D02-01B6-54C4-33A7-793A48DB59D6}"/>
+              </a:ext>
+            </a:extLst>
+          </p:cNvPr>
+          <p:cNvSpPr txBox="1"/>
+          <p:nvPr/>
+        </p:nvSpPr>
+        <p:spPr>
+          <a:xfrm>
+            <a:off x="7580058" y="3136065"/>
+            <a:ext cx="386645" cy="307777"/>
+          </a:xfrm>
+          <a:prstGeom prst="rect">
+            <a:avLst/>
+          </a:prstGeom>
+          <a:noFill/>
+        </p:spPr>
+        <p:txBody>
+          <a:bodyPr wrap="none" rtlCol="0">
+            <a:spAutoFit/>
+          </a:bodyPr>
+          <a:lstStyle/>
+          <a:p>
+            <a:pPr algn="ctr"/>
+            <a:r>
+              <a:rPr kumimoji="1" lang="en-US" altLang="ko-KR" sz="1400" b="1" dirty="0">
+                <a:solidFill>
+                  <a:srgbClr val="FF0000"/>
+                </a:solidFill>
+              </a:rPr>
+              <a:t>(4)</a:t>
+            </a:r>
+            <a:endParaRPr kumimoji="1" lang="ko-KR" altLang="en-US" sz="1400" b="1" dirty="0">
+              <a:solidFill>
+                <a:srgbClr val="FF0000"/>
+              </a:solidFill>
+            </a:endParaRPr>
+          </a:p>
+        </p:txBody>
+      </p:sp>
+      <p:sp>
+        <p:nvSpPr>
+          <p:cNvPr id="27" name="TextBox 26">
+            <a:extLst>
+              <a:ext uri="{FF2B5EF4-FFF2-40B4-BE49-F238E27FC236}">
+                <a16:creationId xmlns:a16="http://schemas.microsoft.com/office/drawing/2014/main" id="{0070B870-6088-DC06-1428-B14A0E6A1DCF}"/>
+              </a:ext>
+            </a:extLst>
+          </p:cNvPr>
+          <p:cNvSpPr txBox="1"/>
+          <p:nvPr/>
+        </p:nvSpPr>
+        <p:spPr>
+          <a:xfrm>
+            <a:off x="7580058" y="3494743"/>
+            <a:ext cx="386645" cy="307777"/>
+          </a:xfrm>
+          <a:prstGeom prst="rect">
+            <a:avLst/>
+          </a:prstGeom>
+          <a:noFill/>
+        </p:spPr>
+        <p:txBody>
+          <a:bodyPr wrap="none" rtlCol="0">
+            <a:spAutoFit/>
+          </a:bodyPr>
+          <a:lstStyle/>
+          <a:p>
+            <a:pPr algn="ctr"/>
+            <a:r>
+              <a:rPr kumimoji="1" lang="en-US" altLang="ko-KR" sz="1400" b="1" dirty="0">
+                <a:solidFill>
+                  <a:srgbClr val="FF0000"/>
+                </a:solidFill>
+              </a:rPr>
+              <a:t>(5)</a:t>
+            </a:r>
+            <a:endParaRPr kumimoji="1" lang="ko-KR" altLang="en-US" sz="1400" b="1" dirty="0">
+              <a:solidFill>
+                <a:srgbClr val="FF0000"/>
+              </a:solidFill>
+            </a:endParaRPr>
+          </a:p>
+        </p:txBody>
+      </p:sp>
+      <p:sp>
+        <p:nvSpPr>
+          <p:cNvPr id="28" name="TextBox 27">
+            <a:extLst>
+              <a:ext uri="{FF2B5EF4-FFF2-40B4-BE49-F238E27FC236}">
+                <a16:creationId xmlns:a16="http://schemas.microsoft.com/office/drawing/2014/main" id="{0BED8A2D-EF96-D8E9-F863-FF4FAB3D7A94}"/>
+              </a:ext>
+            </a:extLst>
+          </p:cNvPr>
+          <p:cNvSpPr txBox="1"/>
+          <p:nvPr/>
+        </p:nvSpPr>
+        <p:spPr>
+          <a:xfrm>
+            <a:off x="4068047" y="3529782"/>
+            <a:ext cx="386645" cy="307777"/>
+          </a:xfrm>
+          <a:prstGeom prst="rect">
+            <a:avLst/>
+          </a:prstGeom>
+          <a:noFill/>
+        </p:spPr>
+        <p:txBody>
+          <a:bodyPr wrap="none" rtlCol="0">
+            <a:spAutoFit/>
+          </a:bodyPr>
+          <a:lstStyle/>
+          <a:p>
+            <a:pPr algn="ctr"/>
+            <a:r>
+              <a:rPr kumimoji="1" lang="en-US" altLang="ko-KR" sz="1400" b="1" dirty="0">
+                <a:solidFill>
+                  <a:srgbClr val="FF0000"/>
+                </a:solidFill>
+              </a:rPr>
+              <a:t>(6)</a:t>
+            </a:r>
+            <a:endParaRPr kumimoji="1" lang="ko-KR" altLang="en-US" sz="1400" b="1" dirty="0">
+              <a:solidFill>
+                <a:srgbClr val="FF0000"/>
+              </a:solidFill>
+            </a:endParaRPr>
+          </a:p>
+        </p:txBody>
+      </p:sp>
+      <p:cxnSp>
+        <p:nvCxnSpPr>
+          <p:cNvPr id="29" name="직선 화살표 연결선 28">
+            <a:extLst>
+              <a:ext uri="{FF2B5EF4-FFF2-40B4-BE49-F238E27FC236}">
+                <a16:creationId xmlns:a16="http://schemas.microsoft.com/office/drawing/2014/main" id="{91DBA808-DE53-2F02-BE8D-FBF283FC8678}"/>
+              </a:ext>
+            </a:extLst>
+          </p:cNvPr>
+          <p:cNvCxnSpPr>
+            <a:cxnSpLocks/>
+          </p:cNvCxnSpPr>
+          <p:nvPr/>
+        </p:nvCxnSpPr>
+        <p:spPr>
+          <a:xfrm>
+            <a:off x="2833689" y="4254634"/>
+            <a:ext cx="3787345" cy="0"/>
+          </a:xfrm>
+          <a:prstGeom prst="straightConnector1">
+            <a:avLst/>
+          </a:prstGeom>
+          <a:ln w="38100">
+            <a:solidFill>
+              <a:srgbClr val="0070C0"/>
+            </a:solidFill>
+            <a:tailEnd type="triangle"/>
+          </a:ln>
+        </p:spPr>
+        <p:style>
+          <a:lnRef idx="2">
+            <a:schemeClr val="accent1"/>
+          </a:lnRef>
+          <a:fillRef idx="0">
+            <a:schemeClr val="accent1"/>
+          </a:fillRef>
+          <a:effectRef idx="1">
+            <a:schemeClr val="accent1"/>
+          </a:effectRef>
+          <a:fontRef idx="minor">
+            <a:schemeClr val="tx1"/>
+          </a:fontRef>
+        </p:style>
+      </p:cxnSp>
+      <p:cxnSp>
+        <p:nvCxnSpPr>
+          <p:cNvPr id="30" name="직선 화살표 연결선 29">
+            <a:extLst>
+              <a:ext uri="{FF2B5EF4-FFF2-40B4-BE49-F238E27FC236}">
+                <a16:creationId xmlns:a16="http://schemas.microsoft.com/office/drawing/2014/main" id="{CC110528-0DCF-FEA2-1CDC-961FF70678DE}"/>
+              </a:ext>
+            </a:extLst>
+          </p:cNvPr>
+          <p:cNvCxnSpPr>
+            <a:cxnSpLocks/>
+          </p:cNvCxnSpPr>
+          <p:nvPr/>
+        </p:nvCxnSpPr>
+        <p:spPr>
+          <a:xfrm flipH="1">
+            <a:off x="4593771" y="4679177"/>
+            <a:ext cx="2027263" cy="0"/>
+          </a:xfrm>
+          <a:prstGeom prst="straightConnector1">
+            <a:avLst/>
+          </a:prstGeom>
+          <a:ln w="38100">
+            <a:solidFill>
+              <a:srgbClr val="0070C0"/>
+            </a:solidFill>
+            <a:tailEnd type="triangle"/>
+          </a:ln>
+        </p:spPr>
+        <p:style>
+          <a:lnRef idx="2">
+            <a:schemeClr val="accent1"/>
+          </a:lnRef>
+          <a:fillRef idx="0">
+            <a:schemeClr val="accent1"/>
+          </a:fillRef>
+          <a:effectRef idx="1">
+            <a:schemeClr val="accent1"/>
+          </a:effectRef>
+          <a:fontRef idx="minor">
+            <a:schemeClr val="tx1"/>
+          </a:fontRef>
+        </p:style>
+      </p:cxnSp>
+      <p:cxnSp>
+        <p:nvCxnSpPr>
+          <p:cNvPr id="31" name="직선 화살표 연결선 30">
+            <a:extLst>
+              <a:ext uri="{FF2B5EF4-FFF2-40B4-BE49-F238E27FC236}">
+                <a16:creationId xmlns:a16="http://schemas.microsoft.com/office/drawing/2014/main" id="{F33D39FB-89B1-E4CA-07AB-CF3DB5646FAA}"/>
+              </a:ext>
+            </a:extLst>
+          </p:cNvPr>
+          <p:cNvCxnSpPr>
+            <a:cxnSpLocks/>
+          </p:cNvCxnSpPr>
+          <p:nvPr/>
+        </p:nvCxnSpPr>
+        <p:spPr>
+          <a:xfrm>
+            <a:off x="4627413" y="5071063"/>
+            <a:ext cx="4015843" cy="0"/>
+          </a:xfrm>
+          <a:prstGeom prst="straightConnector1">
+            <a:avLst/>
+          </a:prstGeom>
+          <a:ln w="38100">
+            <a:solidFill>
+              <a:srgbClr val="0070C0"/>
+            </a:solidFill>
+            <a:tailEnd type="triangle"/>
+          </a:ln>
+        </p:spPr>
+        <p:style>
+          <a:lnRef idx="2">
+            <a:schemeClr val="accent1"/>
+          </a:lnRef>
+          <a:fillRef idx="0">
+            <a:schemeClr val="accent1"/>
+          </a:fillRef>
+          <a:effectRef idx="1">
+            <a:schemeClr val="accent1"/>
+          </a:effectRef>
+          <a:fontRef idx="minor">
+            <a:schemeClr val="tx1"/>
+          </a:fontRef>
+        </p:style>
+      </p:cxnSp>
+      <p:sp>
+        <p:nvSpPr>
+          <p:cNvPr id="32" name="TextBox 31">
+            <a:extLst>
+              <a:ext uri="{FF2B5EF4-FFF2-40B4-BE49-F238E27FC236}">
+                <a16:creationId xmlns:a16="http://schemas.microsoft.com/office/drawing/2014/main" id="{884B50D1-6B4A-6A88-FD0C-6D604BC8A160}"/>
+              </a:ext>
+            </a:extLst>
+          </p:cNvPr>
+          <p:cNvSpPr txBox="1"/>
+          <p:nvPr/>
+        </p:nvSpPr>
+        <p:spPr>
+          <a:xfrm>
+            <a:off x="4068048" y="4010244"/>
+            <a:ext cx="386645" cy="307777"/>
+          </a:xfrm>
+          <a:prstGeom prst="rect">
+            <a:avLst/>
+          </a:prstGeom>
+          <a:noFill/>
+        </p:spPr>
+        <p:txBody>
+          <a:bodyPr wrap="none" rtlCol="0">
+            <a:spAutoFit/>
+          </a:bodyPr>
+          <a:lstStyle/>
+          <a:p>
+            <a:pPr algn="ctr"/>
+            <a:r>
+              <a:rPr kumimoji="1" lang="en-US" altLang="ko-KR" sz="1400" b="1" dirty="0">
+                <a:solidFill>
+                  <a:srgbClr val="0070C0"/>
+                </a:solidFill>
+              </a:rPr>
+              <a:t>(1)</a:t>
+            </a:r>
+            <a:endParaRPr kumimoji="1" lang="ko-KR" altLang="en-US" sz="1400" b="1" dirty="0">
+              <a:solidFill>
+                <a:srgbClr val="0070C0"/>
+              </a:solidFill>
+            </a:endParaRPr>
+          </a:p>
+        </p:txBody>
+      </p:sp>
+      <p:sp>
+        <p:nvSpPr>
+          <p:cNvPr id="33" name="TextBox 32">
+            <a:extLst>
+              <a:ext uri="{FF2B5EF4-FFF2-40B4-BE49-F238E27FC236}">
+                <a16:creationId xmlns:a16="http://schemas.microsoft.com/office/drawing/2014/main" id="{7D38E78F-223B-DE51-8BEC-C69CB52E86FA}"/>
+              </a:ext>
+            </a:extLst>
+          </p:cNvPr>
+          <p:cNvSpPr txBox="1"/>
+          <p:nvPr/>
+        </p:nvSpPr>
+        <p:spPr>
+          <a:xfrm>
+            <a:off x="5290135" y="4396573"/>
+            <a:ext cx="386645" cy="307777"/>
+          </a:xfrm>
+          <a:prstGeom prst="rect">
+            <a:avLst/>
+          </a:prstGeom>
+          <a:noFill/>
+        </p:spPr>
+        <p:txBody>
+          <a:bodyPr wrap="none" rtlCol="0">
+            <a:spAutoFit/>
+          </a:bodyPr>
+          <a:lstStyle/>
+          <a:p>
+            <a:pPr algn="ctr"/>
+            <a:r>
+              <a:rPr kumimoji="1" lang="en-US" altLang="ko-KR" sz="1400" b="1" dirty="0">
+                <a:solidFill>
+                  <a:srgbClr val="0070C0"/>
+                </a:solidFill>
+              </a:rPr>
+              <a:t>(2)</a:t>
+            </a:r>
+            <a:endParaRPr kumimoji="1" lang="ko-KR" altLang="en-US" sz="1400" b="1" dirty="0">
+              <a:solidFill>
+                <a:srgbClr val="0070C0"/>
+              </a:solidFill>
+            </a:endParaRPr>
+          </a:p>
+        </p:txBody>
+      </p:sp>
+      <p:sp>
+        <p:nvSpPr>
+          <p:cNvPr id="34" name="TextBox 33">
+            <a:extLst>
+              <a:ext uri="{FF2B5EF4-FFF2-40B4-BE49-F238E27FC236}">
+                <a16:creationId xmlns:a16="http://schemas.microsoft.com/office/drawing/2014/main" id="{0B4F458B-6EB5-9221-65FB-0D5A91632D4B}"/>
+              </a:ext>
+            </a:extLst>
+          </p:cNvPr>
+          <p:cNvSpPr txBox="1"/>
+          <p:nvPr/>
+        </p:nvSpPr>
+        <p:spPr>
+          <a:xfrm>
+            <a:off x="6268031" y="4763300"/>
+            <a:ext cx="386645" cy="307777"/>
+          </a:xfrm>
+          <a:prstGeom prst="rect">
+            <a:avLst/>
+          </a:prstGeom>
+          <a:noFill/>
+        </p:spPr>
+        <p:txBody>
+          <a:bodyPr wrap="none" rtlCol="0">
+            <a:spAutoFit/>
+          </a:bodyPr>
+          <a:lstStyle/>
+          <a:p>
+            <a:pPr algn="ctr"/>
+            <a:r>
+              <a:rPr kumimoji="1" lang="en-US" altLang="ko-KR" sz="1400" b="1" dirty="0">
+                <a:solidFill>
+                  <a:srgbClr val="0070C0"/>
+                </a:solidFill>
+              </a:rPr>
+              <a:t>(3)</a:t>
+            </a:r>
+            <a:endParaRPr kumimoji="1" lang="ko-KR" altLang="en-US" sz="1400" b="1" dirty="0">
+              <a:solidFill>
+                <a:srgbClr val="0070C0"/>
+              </a:solidFill>
+            </a:endParaRPr>
+          </a:p>
+        </p:txBody>
+      </p:sp>
+      <p:cxnSp>
+        <p:nvCxnSpPr>
+          <p:cNvPr id="36" name="직선 화살표 연결선 35">
+            <a:extLst>
+              <a:ext uri="{FF2B5EF4-FFF2-40B4-BE49-F238E27FC236}">
+                <a16:creationId xmlns:a16="http://schemas.microsoft.com/office/drawing/2014/main" id="{616F9E41-2AA9-72E2-99FB-4F06166D3E5E}"/>
+              </a:ext>
+            </a:extLst>
+          </p:cNvPr>
+          <p:cNvCxnSpPr>
+            <a:cxnSpLocks/>
+          </p:cNvCxnSpPr>
+          <p:nvPr/>
+        </p:nvCxnSpPr>
+        <p:spPr>
+          <a:xfrm flipH="1">
+            <a:off x="6865713" y="5410521"/>
+            <a:ext cx="1739749" cy="0"/>
+          </a:xfrm>
+          <a:prstGeom prst="straightConnector1">
+            <a:avLst/>
+          </a:prstGeom>
+          <a:ln w="38100">
+            <a:solidFill>
+              <a:srgbClr val="0070C0"/>
+            </a:solidFill>
+            <a:tailEnd type="triangle"/>
+          </a:ln>
+        </p:spPr>
+        <p:style>
+          <a:lnRef idx="2">
+            <a:schemeClr val="accent1"/>
+          </a:lnRef>
+          <a:fillRef idx="0">
+            <a:schemeClr val="accent1"/>
+          </a:fillRef>
+          <a:effectRef idx="1">
+            <a:schemeClr val="accent1"/>
+          </a:effectRef>
+          <a:fontRef idx="minor">
+            <a:schemeClr val="tx1"/>
+          </a:fontRef>
+        </p:style>
+      </p:cxnSp>
+      <p:cxnSp>
+        <p:nvCxnSpPr>
+          <p:cNvPr id="37" name="직선 화살표 연결선 36">
+            <a:extLst>
+              <a:ext uri="{FF2B5EF4-FFF2-40B4-BE49-F238E27FC236}">
+                <a16:creationId xmlns:a16="http://schemas.microsoft.com/office/drawing/2014/main" id="{5F0569BC-D9CA-944E-410B-5B495C1BF03B}"/>
+              </a:ext>
+            </a:extLst>
+          </p:cNvPr>
+          <p:cNvCxnSpPr>
+            <a:cxnSpLocks/>
+          </p:cNvCxnSpPr>
+          <p:nvPr/>
+        </p:nvCxnSpPr>
+        <p:spPr>
+          <a:xfrm flipH="1">
+            <a:off x="2795895" y="5432294"/>
+            <a:ext cx="3787345" cy="0"/>
+          </a:xfrm>
+          <a:prstGeom prst="straightConnector1">
+            <a:avLst/>
+          </a:prstGeom>
+          <a:ln w="38100">
+            <a:solidFill>
+              <a:srgbClr val="0070C0"/>
+            </a:solidFill>
+            <a:tailEnd type="triangle"/>
+          </a:ln>
+        </p:spPr>
+        <p:style>
+          <a:lnRef idx="2">
+            <a:schemeClr val="accent1"/>
+          </a:lnRef>
+          <a:fillRef idx="0">
+            <a:schemeClr val="accent1"/>
+          </a:fillRef>
+          <a:effectRef idx="1">
+            <a:schemeClr val="accent1"/>
+          </a:effectRef>
+          <a:fontRef idx="minor">
+            <a:schemeClr val="tx1"/>
+          </a:fontRef>
+        </p:style>
+      </p:cxnSp>
+      <p:sp>
+        <p:nvSpPr>
+          <p:cNvPr id="38" name="TextBox 37">
+            <a:extLst>
+              <a:ext uri="{FF2B5EF4-FFF2-40B4-BE49-F238E27FC236}">
+                <a16:creationId xmlns:a16="http://schemas.microsoft.com/office/drawing/2014/main" id="{88992D59-0B25-4289-F7E5-B8A4A27A1728}"/>
+              </a:ext>
+            </a:extLst>
+          </p:cNvPr>
+          <p:cNvSpPr txBox="1"/>
+          <p:nvPr/>
+        </p:nvSpPr>
+        <p:spPr>
+          <a:xfrm>
+            <a:off x="7455176" y="5127920"/>
+            <a:ext cx="386645" cy="307777"/>
+          </a:xfrm>
+          <a:prstGeom prst="rect">
+            <a:avLst/>
+          </a:prstGeom>
+          <a:noFill/>
+        </p:spPr>
+        <p:txBody>
+          <a:bodyPr wrap="none" rtlCol="0">
+            <a:spAutoFit/>
+          </a:bodyPr>
+          <a:lstStyle/>
+          <a:p>
+            <a:pPr algn="ctr"/>
+            <a:r>
+              <a:rPr kumimoji="1" lang="en-US" altLang="ko-KR" sz="1400" b="1" dirty="0">
+                <a:solidFill>
+                  <a:srgbClr val="0070C0"/>
+                </a:solidFill>
+              </a:rPr>
+              <a:t>(4)</a:t>
+            </a:r>
+            <a:endParaRPr kumimoji="1" lang="ko-KR" altLang="en-US" sz="1400" b="1" dirty="0">
+              <a:solidFill>
+                <a:srgbClr val="0070C0"/>
+              </a:solidFill>
+            </a:endParaRPr>
+          </a:p>
+        </p:txBody>
+      </p:sp>
+      <p:sp>
+        <p:nvSpPr>
+          <p:cNvPr id="39" name="TextBox 38">
+            <a:extLst>
+              <a:ext uri="{FF2B5EF4-FFF2-40B4-BE49-F238E27FC236}">
+                <a16:creationId xmlns:a16="http://schemas.microsoft.com/office/drawing/2014/main" id="{34E1872A-711D-BEF4-4A17-7EA1701B6FDA}"/>
+              </a:ext>
+            </a:extLst>
+          </p:cNvPr>
+          <p:cNvSpPr txBox="1"/>
+          <p:nvPr/>
+        </p:nvSpPr>
+        <p:spPr>
+          <a:xfrm>
+            <a:off x="4030253" y="5162959"/>
+            <a:ext cx="386645" cy="307777"/>
+          </a:xfrm>
+          <a:prstGeom prst="rect">
+            <a:avLst/>
+          </a:prstGeom>
+          <a:noFill/>
+        </p:spPr>
+        <p:txBody>
+          <a:bodyPr wrap="none" rtlCol="0">
+            <a:spAutoFit/>
+          </a:bodyPr>
+          <a:lstStyle/>
+          <a:p>
+            <a:pPr algn="ctr"/>
+            <a:r>
+              <a:rPr kumimoji="1" lang="en-US" altLang="ko-KR" sz="1400" b="1" dirty="0">
+                <a:solidFill>
+                  <a:srgbClr val="0070C0"/>
+                </a:solidFill>
+              </a:rPr>
+              <a:t>(5)</a:t>
+            </a:r>
+            <a:endParaRPr kumimoji="1" lang="ko-KR" altLang="en-US" sz="1400" b="1" dirty="0">
+              <a:solidFill>
+                <a:srgbClr val="0070C0"/>
+              </a:solidFill>
+            </a:endParaRPr>
+          </a:p>
+        </p:txBody>
+      </p:sp>
+      <p:cxnSp>
+        <p:nvCxnSpPr>
+          <p:cNvPr id="41" name="직선 화살표 연결선 40">
+            <a:extLst>
+              <a:ext uri="{FF2B5EF4-FFF2-40B4-BE49-F238E27FC236}">
+                <a16:creationId xmlns:a16="http://schemas.microsoft.com/office/drawing/2014/main" id="{EFB5C948-688D-E799-071C-329255A54358}"/>
+              </a:ext>
+            </a:extLst>
+          </p:cNvPr>
+          <p:cNvCxnSpPr>
+            <a:cxnSpLocks/>
+          </p:cNvCxnSpPr>
+          <p:nvPr/>
+        </p:nvCxnSpPr>
+        <p:spPr>
+          <a:xfrm>
+            <a:off x="2795895" y="5926960"/>
+            <a:ext cx="1797876" cy="0"/>
+          </a:xfrm>
+          <a:prstGeom prst="straightConnector1">
+            <a:avLst/>
+          </a:prstGeom>
+          <a:ln w="38100">
+            <a:solidFill>
+              <a:schemeClr val="accent5"/>
+            </a:solidFill>
+            <a:tailEnd type="triangle"/>
+          </a:ln>
+        </p:spPr>
+        <p:style>
+          <a:lnRef idx="2">
+            <a:schemeClr val="accent1"/>
+          </a:lnRef>
+          <a:fillRef idx="0">
+            <a:schemeClr val="accent1"/>
+          </a:fillRef>
+          <a:effectRef idx="1">
+            <a:schemeClr val="accent1"/>
+          </a:effectRef>
+          <a:fontRef idx="minor">
+            <a:schemeClr val="tx1"/>
+          </a:fontRef>
+        </p:style>
+      </p:cxnSp>
+      <p:sp>
+        <p:nvSpPr>
+          <p:cNvPr id="42" name="TextBox 41">
+            <a:extLst>
+              <a:ext uri="{FF2B5EF4-FFF2-40B4-BE49-F238E27FC236}">
+                <a16:creationId xmlns:a16="http://schemas.microsoft.com/office/drawing/2014/main" id="{0A3BA74C-EB17-C47E-D72C-6DB24EE468A1}"/>
+              </a:ext>
+            </a:extLst>
+          </p:cNvPr>
+          <p:cNvSpPr txBox="1"/>
+          <p:nvPr/>
+        </p:nvSpPr>
+        <p:spPr>
+          <a:xfrm>
+            <a:off x="3458616" y="5633471"/>
+            <a:ext cx="386645" cy="307777"/>
+          </a:xfrm>
+          <a:prstGeom prst="rect">
+            <a:avLst/>
+          </a:prstGeom>
+          <a:noFill/>
+        </p:spPr>
+        <p:txBody>
+          <a:bodyPr wrap="none" rtlCol="0">
+            <a:spAutoFit/>
+          </a:bodyPr>
+          <a:lstStyle/>
+          <a:p>
+            <a:pPr algn="ctr"/>
+            <a:r>
+              <a:rPr kumimoji="1" lang="en-US" altLang="ko-KR" sz="1400" b="1" dirty="0">
+                <a:solidFill>
+                  <a:schemeClr val="accent5"/>
+                </a:solidFill>
+              </a:rPr>
+              <a:t>(1)</a:t>
+            </a:r>
+            <a:endParaRPr kumimoji="1" lang="ko-KR" altLang="en-US" sz="1400" b="1" dirty="0">
+              <a:solidFill>
+                <a:schemeClr val="accent5"/>
+              </a:solidFill>
+            </a:endParaRPr>
+          </a:p>
+        </p:txBody>
+      </p:sp>
+      <p:cxnSp>
+        <p:nvCxnSpPr>
+          <p:cNvPr id="44" name="직선 화살표 연결선 43">
+            <a:extLst>
+              <a:ext uri="{FF2B5EF4-FFF2-40B4-BE49-F238E27FC236}">
+                <a16:creationId xmlns:a16="http://schemas.microsoft.com/office/drawing/2014/main" id="{40129B2B-A3C1-BE57-1C75-D43E2A667B5D}"/>
+              </a:ext>
+            </a:extLst>
+          </p:cNvPr>
+          <p:cNvCxnSpPr>
+            <a:cxnSpLocks/>
+          </p:cNvCxnSpPr>
+          <p:nvPr/>
+        </p:nvCxnSpPr>
+        <p:spPr>
+          <a:xfrm>
+            <a:off x="4953000" y="5926960"/>
+            <a:ext cx="1797876" cy="0"/>
+          </a:xfrm>
+          <a:prstGeom prst="straightConnector1">
+            <a:avLst/>
+          </a:prstGeom>
+          <a:ln w="38100">
+            <a:solidFill>
+              <a:schemeClr val="accent5"/>
+            </a:solidFill>
+            <a:tailEnd type="triangle"/>
+          </a:ln>
+        </p:spPr>
+        <p:style>
+          <a:lnRef idx="2">
+            <a:schemeClr val="accent1"/>
+          </a:lnRef>
+          <a:fillRef idx="0">
+            <a:schemeClr val="accent1"/>
+          </a:fillRef>
+          <a:effectRef idx="1">
+            <a:schemeClr val="accent1"/>
+          </a:effectRef>
+          <a:fontRef idx="minor">
+            <a:schemeClr val="tx1"/>
+          </a:fontRef>
+        </p:style>
+      </p:cxnSp>
+      <p:sp>
+        <p:nvSpPr>
+          <p:cNvPr id="45" name="TextBox 44">
+            <a:extLst>
+              <a:ext uri="{FF2B5EF4-FFF2-40B4-BE49-F238E27FC236}">
+                <a16:creationId xmlns:a16="http://schemas.microsoft.com/office/drawing/2014/main" id="{7FD3078B-D08E-3088-5747-09523B356B74}"/>
+              </a:ext>
+            </a:extLst>
+          </p:cNvPr>
+          <p:cNvSpPr txBox="1"/>
+          <p:nvPr/>
+        </p:nvSpPr>
+        <p:spPr>
+          <a:xfrm>
+            <a:off x="5615721" y="5633471"/>
+            <a:ext cx="386644" cy="307777"/>
+          </a:xfrm>
+          <a:prstGeom prst="rect">
+            <a:avLst/>
+          </a:prstGeom>
+          <a:noFill/>
+        </p:spPr>
+        <p:txBody>
+          <a:bodyPr wrap="none" rtlCol="0">
+            <a:spAutoFit/>
+          </a:bodyPr>
+          <a:lstStyle/>
+          <a:p>
+            <a:pPr algn="ctr"/>
+            <a:r>
+              <a:rPr kumimoji="1" lang="en-US" altLang="ko-KR" sz="1400" b="1" dirty="0">
+                <a:solidFill>
+                  <a:schemeClr val="accent5"/>
+                </a:solidFill>
+              </a:rPr>
+              <a:t>(2)</a:t>
+            </a:r>
+            <a:endParaRPr kumimoji="1" lang="ko-KR" altLang="en-US" sz="1400" b="1" dirty="0">
+              <a:solidFill>
+                <a:schemeClr val="accent5"/>
+              </a:solidFill>
+            </a:endParaRPr>
+          </a:p>
+        </p:txBody>
+      </p:sp>
+      <p:cxnSp>
+        <p:nvCxnSpPr>
+          <p:cNvPr id="46" name="직선 화살표 연결선 45">
+            <a:extLst>
+              <a:ext uri="{FF2B5EF4-FFF2-40B4-BE49-F238E27FC236}">
+                <a16:creationId xmlns:a16="http://schemas.microsoft.com/office/drawing/2014/main" id="{8C9D178F-3032-C8AB-0D81-819746FBC553}"/>
+              </a:ext>
+            </a:extLst>
+          </p:cNvPr>
+          <p:cNvCxnSpPr>
+            <a:cxnSpLocks/>
+          </p:cNvCxnSpPr>
+          <p:nvPr/>
+        </p:nvCxnSpPr>
+        <p:spPr>
+          <a:xfrm>
+            <a:off x="6877808" y="5918127"/>
+            <a:ext cx="1797876" cy="0"/>
+          </a:xfrm>
+          <a:prstGeom prst="straightConnector1">
+            <a:avLst/>
+          </a:prstGeom>
+          <a:ln w="38100">
+            <a:solidFill>
+              <a:schemeClr val="accent5"/>
+            </a:solidFill>
+            <a:tailEnd type="triangle"/>
+          </a:ln>
+        </p:spPr>
+        <p:style>
+          <a:lnRef idx="2">
+            <a:schemeClr val="accent1"/>
+          </a:lnRef>
+          <a:fillRef idx="0">
+            <a:schemeClr val="accent1"/>
+          </a:fillRef>
+          <a:effectRef idx="1">
+            <a:schemeClr val="accent1"/>
+          </a:effectRef>
+          <a:fontRef idx="minor">
+            <a:schemeClr val="tx1"/>
+          </a:fontRef>
+        </p:style>
+      </p:cxnSp>
+      <p:sp>
+        <p:nvSpPr>
+          <p:cNvPr id="47" name="TextBox 46">
+            <a:extLst>
+              <a:ext uri="{FF2B5EF4-FFF2-40B4-BE49-F238E27FC236}">
+                <a16:creationId xmlns:a16="http://schemas.microsoft.com/office/drawing/2014/main" id="{E42AF054-7569-AA10-3BA6-5AA4C52730F6}"/>
+              </a:ext>
+            </a:extLst>
+          </p:cNvPr>
+          <p:cNvSpPr txBox="1"/>
+          <p:nvPr/>
+        </p:nvSpPr>
+        <p:spPr>
+          <a:xfrm>
+            <a:off x="7540529" y="5624638"/>
+            <a:ext cx="386644" cy="307777"/>
+          </a:xfrm>
+          <a:prstGeom prst="rect">
+            <a:avLst/>
+          </a:prstGeom>
+          <a:noFill/>
+        </p:spPr>
+        <p:txBody>
+          <a:bodyPr wrap="none" rtlCol="0">
+            <a:spAutoFit/>
+          </a:bodyPr>
+          <a:lstStyle/>
+          <a:p>
+            <a:pPr algn="ctr"/>
+            <a:r>
+              <a:rPr kumimoji="1" lang="en-US" altLang="ko-KR" sz="1400" b="1" dirty="0">
+                <a:solidFill>
+                  <a:schemeClr val="accent5"/>
+                </a:solidFill>
+              </a:rPr>
+              <a:t>(3)</a:t>
+            </a:r>
+            <a:endParaRPr kumimoji="1" lang="ko-KR" altLang="en-US" sz="1400" b="1" dirty="0">
+              <a:solidFill>
+                <a:schemeClr val="accent5"/>
+              </a:solidFill>
+            </a:endParaRPr>
+          </a:p>
+        </p:txBody>
+      </p:sp>
+      <p:cxnSp>
+        <p:nvCxnSpPr>
+          <p:cNvPr id="48" name="직선 화살표 연결선 47">
+            <a:extLst>
+              <a:ext uri="{FF2B5EF4-FFF2-40B4-BE49-F238E27FC236}">
+                <a16:creationId xmlns:a16="http://schemas.microsoft.com/office/drawing/2014/main" id="{A4FB0F61-8F3C-BFDE-A9C6-1E1BD2BECDAB}"/>
+              </a:ext>
+            </a:extLst>
+          </p:cNvPr>
+          <p:cNvCxnSpPr>
+            <a:cxnSpLocks/>
+          </p:cNvCxnSpPr>
+          <p:nvPr/>
+        </p:nvCxnSpPr>
+        <p:spPr>
+          <a:xfrm flipH="1">
+            <a:off x="6877808" y="6294553"/>
+            <a:ext cx="1739749" cy="0"/>
+          </a:xfrm>
+          <a:prstGeom prst="straightConnector1">
+            <a:avLst/>
+          </a:prstGeom>
+          <a:ln w="38100">
+            <a:solidFill>
+              <a:schemeClr val="accent5"/>
+            </a:solidFill>
+            <a:tailEnd type="triangle"/>
+          </a:ln>
+        </p:spPr>
+        <p:style>
+          <a:lnRef idx="2">
+            <a:schemeClr val="accent1"/>
+          </a:lnRef>
+          <a:fillRef idx="0">
+            <a:schemeClr val="accent1"/>
+          </a:fillRef>
+          <a:effectRef idx="1">
+            <a:schemeClr val="accent1"/>
+          </a:effectRef>
+          <a:fontRef idx="minor">
+            <a:schemeClr val="tx1"/>
+          </a:fontRef>
+        </p:style>
+      </p:cxnSp>
+      <p:cxnSp>
+        <p:nvCxnSpPr>
+          <p:cNvPr id="49" name="직선 화살표 연결선 48">
+            <a:extLst>
+              <a:ext uri="{FF2B5EF4-FFF2-40B4-BE49-F238E27FC236}">
+                <a16:creationId xmlns:a16="http://schemas.microsoft.com/office/drawing/2014/main" id="{E4AE5581-C1B7-CE3B-CDFB-E027EC61879C}"/>
+              </a:ext>
+            </a:extLst>
+          </p:cNvPr>
+          <p:cNvCxnSpPr>
+            <a:cxnSpLocks/>
+          </p:cNvCxnSpPr>
+          <p:nvPr/>
+        </p:nvCxnSpPr>
+        <p:spPr>
+          <a:xfrm flipH="1">
+            <a:off x="2807990" y="6316326"/>
+            <a:ext cx="3787345" cy="0"/>
+          </a:xfrm>
+          <a:prstGeom prst="straightConnector1">
+            <a:avLst/>
+          </a:prstGeom>
+          <a:ln w="38100">
+            <a:solidFill>
+              <a:schemeClr val="accent5"/>
+            </a:solidFill>
+            <a:tailEnd type="triangle"/>
+          </a:ln>
+        </p:spPr>
+        <p:style>
+          <a:lnRef idx="2">
+            <a:schemeClr val="accent1"/>
+          </a:lnRef>
+          <a:fillRef idx="0">
+            <a:schemeClr val="accent1"/>
+          </a:fillRef>
+          <a:effectRef idx="1">
+            <a:schemeClr val="accent1"/>
+          </a:effectRef>
+          <a:fontRef idx="minor">
+            <a:schemeClr val="tx1"/>
+          </a:fontRef>
+        </p:style>
+      </p:cxnSp>
+      <p:sp>
+        <p:nvSpPr>
+          <p:cNvPr id="50" name="TextBox 49">
+            <a:extLst>
+              <a:ext uri="{FF2B5EF4-FFF2-40B4-BE49-F238E27FC236}">
+                <a16:creationId xmlns:a16="http://schemas.microsoft.com/office/drawing/2014/main" id="{9360E467-55BD-54A4-E1F1-14F29E2CE37F}"/>
+              </a:ext>
+            </a:extLst>
+          </p:cNvPr>
+          <p:cNvSpPr txBox="1"/>
+          <p:nvPr/>
+        </p:nvSpPr>
+        <p:spPr>
+          <a:xfrm>
+            <a:off x="7467271" y="6011952"/>
+            <a:ext cx="386645" cy="307777"/>
+          </a:xfrm>
+          <a:prstGeom prst="rect">
+            <a:avLst/>
+          </a:prstGeom>
+          <a:noFill/>
+        </p:spPr>
+        <p:txBody>
+          <a:bodyPr wrap="none" rtlCol="0">
+            <a:spAutoFit/>
+          </a:bodyPr>
+          <a:lstStyle/>
+          <a:p>
+            <a:pPr algn="ctr"/>
+            <a:r>
+              <a:rPr kumimoji="1" lang="en-US" altLang="ko-KR" sz="1400" b="1" dirty="0">
+                <a:solidFill>
+                  <a:schemeClr val="accent5"/>
+                </a:solidFill>
+              </a:rPr>
+              <a:t>(4)</a:t>
+            </a:r>
+            <a:endParaRPr kumimoji="1" lang="ko-KR" altLang="en-US" sz="1400" b="1" dirty="0">
+              <a:solidFill>
+                <a:schemeClr val="accent5"/>
+              </a:solidFill>
+            </a:endParaRPr>
+          </a:p>
+        </p:txBody>
+      </p:sp>
+      <p:sp>
+        <p:nvSpPr>
+          <p:cNvPr id="51" name="TextBox 50">
+            <a:extLst>
+              <a:ext uri="{FF2B5EF4-FFF2-40B4-BE49-F238E27FC236}">
+                <a16:creationId xmlns:a16="http://schemas.microsoft.com/office/drawing/2014/main" id="{53374E8C-6B9F-8DD6-4CAE-24B21A2D5237}"/>
+              </a:ext>
+            </a:extLst>
+          </p:cNvPr>
+          <p:cNvSpPr txBox="1"/>
+          <p:nvPr/>
+        </p:nvSpPr>
+        <p:spPr>
+          <a:xfrm>
+            <a:off x="4042348" y="6046991"/>
+            <a:ext cx="386645" cy="307777"/>
+          </a:xfrm>
+          <a:prstGeom prst="rect">
+            <a:avLst/>
+          </a:prstGeom>
+          <a:noFill/>
+        </p:spPr>
+        <p:txBody>
+          <a:bodyPr wrap="none" rtlCol="0">
+            <a:spAutoFit/>
+          </a:bodyPr>
+          <a:lstStyle/>
+          <a:p>
+            <a:pPr algn="ctr"/>
+            <a:r>
+              <a:rPr kumimoji="1" lang="en-US" altLang="ko-KR" sz="1400" b="1" dirty="0">
+                <a:solidFill>
+                  <a:schemeClr val="accent5"/>
+                </a:solidFill>
+              </a:rPr>
+              <a:t>(5)</a:t>
+            </a:r>
+            <a:endParaRPr kumimoji="1" lang="ko-KR" altLang="en-US" sz="1400" b="1" dirty="0">
+              <a:solidFill>
+                <a:schemeClr val="accent5"/>
+              </a:solidFill>
+            </a:endParaRPr>
+          </a:p>
+        </p:txBody>
+      </p:sp>
+      <p:pic>
+        <p:nvPicPr>
+          <p:cNvPr id="52" name="그림 51">
+            <a:extLst>
+              <a:ext uri="{FF2B5EF4-FFF2-40B4-BE49-F238E27FC236}">
+                <a16:creationId xmlns:a16="http://schemas.microsoft.com/office/drawing/2014/main" id="{985F2BE4-260A-8EDD-C1FF-3049CD24E39A}"/>
+              </a:ext>
+            </a:extLst>
+          </p:cNvPr>
+          <p:cNvPicPr>
+            <a:picLocks noChangeAspect="1"/>
+          </p:cNvPicPr>
+          <p:nvPr/>
+        </p:nvPicPr>
+        <p:blipFill>
+          <a:blip r:embed="rId8" cstate="print">
+            <a:clrChange>
+              <a:clrFrom>
+                <a:srgbClr val="CACAC9"/>
+              </a:clrFrom>
+              <a:clrTo>
+                <a:srgbClr val="CACAC9">
+                  <a:alpha val="0"/>
+                </a:srgbClr>
+              </a:clrTo>
+            </a:clrChange>
+            <a:alphaModFix/>
+            <a:extLst>
+              <a:ext uri="{BEBA8EAE-BF5A-486C-A8C5-ECC9F3942E4B}">
+                <a14:imgProps xmlns:a14="http://schemas.microsoft.com/office/drawing/2010/main">
+                  <a14:imgLayer r:embed="rId9">
+                    <a14:imgEffect>
+                      <a14:brightnessContrast bright="-20000"/>
+                    </a14:imgEffect>
+                  </a14:imgLayer>
+                </a14:imgProps>
+              </a:ext>
+            </a:extLst>
+          </a:blip>
+          <a:stretch>
+            <a:fillRect/>
+          </a:stretch>
+        </p:blipFill>
+        <p:spPr>
+          <a:xfrm>
+            <a:off x="2148634" y="4325475"/>
+            <a:ext cx="576064" cy="986789"/>
+          </a:xfrm>
+          <a:prstGeom prst="rect">
+            <a:avLst/>
+          </a:prstGeom>
+        </p:spPr>
+      </p:pic>
+      <p:pic>
+        <p:nvPicPr>
+          <p:cNvPr id="53" name="그림 52">
+            <a:extLst>
+              <a:ext uri="{FF2B5EF4-FFF2-40B4-BE49-F238E27FC236}">
+                <a16:creationId xmlns:a16="http://schemas.microsoft.com/office/drawing/2014/main" id="{85057840-BF55-6490-E939-EEA0C0715984}"/>
+              </a:ext>
+            </a:extLst>
+          </p:cNvPr>
+          <p:cNvPicPr>
+            <a:picLocks noChangeAspect="1"/>
+          </p:cNvPicPr>
+          <p:nvPr/>
+        </p:nvPicPr>
+        <p:blipFill>
+          <a:blip r:embed="rId8" cstate="print">
+            <a:clrChange>
+              <a:clrFrom>
+                <a:srgbClr val="CACAC9"/>
+              </a:clrFrom>
+              <a:clrTo>
+                <a:srgbClr val="CACAC9">
+                  <a:alpha val="0"/>
+                </a:srgbClr>
+              </a:clrTo>
+            </a:clrChange>
+            <a:alphaModFix/>
+            <a:extLst>
+              <a:ext uri="{BEBA8EAE-BF5A-486C-A8C5-ECC9F3942E4B}">
+                <a14:imgProps xmlns:a14="http://schemas.microsoft.com/office/drawing/2010/main">
+                  <a14:imgLayer r:embed="rId9">
+                    <a14:imgEffect>
+                      <a14:brightnessContrast bright="-20000"/>
+                    </a14:imgEffect>
+                  </a14:imgLayer>
+                </a14:imgProps>
+              </a:ext>
+            </a:extLst>
+          </a:blip>
+          <a:stretch>
+            <a:fillRect/>
+          </a:stretch>
+        </p:blipFill>
+        <p:spPr>
+          <a:xfrm>
+            <a:off x="2148634" y="5511693"/>
+            <a:ext cx="576064" cy="986789"/>
+          </a:xfrm>
+          <a:prstGeom prst="rect">
+            <a:avLst/>
+          </a:prstGeom>
+        </p:spPr>
+      </p:pic>
+    </p:spTree>
+    <p:extLst>
+      <p:ext uri="{BB962C8B-B14F-4D97-AF65-F5344CB8AC3E}">
+        <p14:creationId xmlns:p14="http://schemas.microsoft.com/office/powerpoint/2010/main" val="2937845183"/>
+      </p:ext>
+    </p:extLst>
+  </p:cSld>
+  <p:clrMapOvr>
+    <a:masterClrMapping/>
+  </p:clrMapOvr>
+</p:sld>
+</file>
+
+<file path=ppt/slides/slide14.xml><?xml version="1.0" encoding="utf-8"?>
+<p:sld xmlns:a="http://schemas.openxmlformats.org/drawingml/2006/main" xmlns:r="http://schemas.openxmlformats.org/officeDocument/2006/relationships" xmlns:p="http://schemas.openxmlformats.org/presentationml/2006/main">
+  <p:cSld>
+    <p:spTree>
+      <p:nvGrpSpPr>
+        <p:cNvPr id="1" name=""/>
+        <p:cNvGrpSpPr/>
+        <p:nvPr/>
+      </p:nvGrpSpPr>
+      <p:grpSpPr>
+        <a:xfrm>
+          <a:off x="0" y="0"/>
+          <a:ext cx="0" cy="0"/>
+          <a:chOff x="0" y="0"/>
+          <a:chExt cx="0" cy="0"/>
+        </a:xfrm>
+      </p:grpSpPr>
+      <p:sp>
+        <p:nvSpPr>
+          <p:cNvPr id="2" name="제목 1">
+            <a:extLst>
+              <a:ext uri="{FF2B5EF4-FFF2-40B4-BE49-F238E27FC236}">
                 <a16:creationId xmlns:a16="http://schemas.microsoft.com/office/drawing/2014/main" id="{3F3C2AEA-5EC2-8A71-7F15-18E7FB9B7230}"/>
               </a:ext>
             </a:extLst>
@@ -5409,7 +8949,7 @@
 </p:sld>
 </file>
 
-<file path=ppt/slides/slide11.xml><?xml version="1.0" encoding="utf-8"?>
+<file path=ppt/slides/slide15.xml><?xml version="1.0" encoding="utf-8"?>
 <p:sld xmlns:a="http://schemas.openxmlformats.org/drawingml/2006/main" xmlns:r="http://schemas.openxmlformats.org/officeDocument/2006/relationships" xmlns:p="http://schemas.openxmlformats.org/presentationml/2006/main">
   <p:cSld>
     <p:spTree>
@@ -7129,7 +10669,7 @@
 </p:sld>
 </file>
 
-<file path=ppt/slides/slide12.xml><?xml version="1.0" encoding="utf-8"?>
+<file path=ppt/slides/slide16.xml><?xml version="1.0" encoding="utf-8"?>
 <p:sld xmlns:a="http://schemas.openxmlformats.org/drawingml/2006/main" xmlns:r="http://schemas.openxmlformats.org/officeDocument/2006/relationships" xmlns:p="http://schemas.openxmlformats.org/presentationml/2006/main">
   <p:cSld>
     <p:spTree>
@@ -8058,7 +11598,7 @@
 </p:sld>
 </file>
 
-<file path=ppt/slides/slide13.xml><?xml version="1.0" encoding="utf-8"?>
+<file path=ppt/slides/slide17.xml><?xml version="1.0" encoding="utf-8"?>
 <p:sld xmlns:a="http://schemas.openxmlformats.org/drawingml/2006/main" xmlns:r="http://schemas.openxmlformats.org/officeDocument/2006/relationships" xmlns:p="http://schemas.openxmlformats.org/presentationml/2006/main">
   <p:cSld>
     <p:spTree>
@@ -8653,7 +12193,7 @@
 </p:sld>
 </file>
 
-<file path=ppt/slides/slide14.xml><?xml version="1.0" encoding="utf-8"?>
+<file path=ppt/slides/slide18.xml><?xml version="1.0" encoding="utf-8"?>
 <p:sld xmlns:a="http://schemas.openxmlformats.org/drawingml/2006/main" xmlns:r="http://schemas.openxmlformats.org/officeDocument/2006/relationships" xmlns:p="http://schemas.openxmlformats.org/presentationml/2006/main">
   <p:cSld>
     <p:spTree>
@@ -13063,14 +16603,14 @@
           <p:nvPr>
             <p:extLst>
               <p:ext uri="{D42A27DB-BD31-4B8C-83A1-F6EECF244321}">
-                <p14:modId xmlns:p14="http://schemas.microsoft.com/office/powerpoint/2010/main" val="3871139005"/>
+                <p14:modId xmlns:p14="http://schemas.microsoft.com/office/powerpoint/2010/main" val="3066343106"/>
               </p:ext>
             </p:extLst>
           </p:nvPr>
         </p:nvGraphicFramePr>
         <p:xfrm>
-          <a:off x="272144" y="966411"/>
-          <a:ext cx="9263742" cy="4900992"/>
+          <a:off x="87082" y="950603"/>
+          <a:ext cx="9710057" cy="5122868"/>
         </p:xfrm>
         <a:graphic>
           <a:graphicData uri="http://schemas.openxmlformats.org/drawingml/2006/table">
@@ -13079,42 +16619,42 @@
                 <a:tableStyleId>{5C22544A-7EE6-4342-B048-85BDC9FD1C3A}</a:tableStyleId>
               </a:tblPr>
               <a:tblGrid>
-                <a:gridCol w="1449023">
+                <a:gridCol w="1545770">
                   <a:extLst>
                     <a:ext uri="{9D8B030D-6E8A-4147-A177-3AD203B41FA5}">
                       <a16:colId xmlns:a16="http://schemas.microsoft.com/office/drawing/2014/main" val="3091168781"/>
                     </a:ext>
                   </a:extLst>
                 </a:gridCol>
-                <a:gridCol w="1587832">
+                <a:gridCol w="1393372">
                   <a:extLst>
                     <a:ext uri="{9D8B030D-6E8A-4147-A177-3AD203B41FA5}">
                       <a16:colId xmlns:a16="http://schemas.microsoft.com/office/drawing/2014/main" val="298656085"/>
                     </a:ext>
                   </a:extLst>
                 </a:gridCol>
-                <a:gridCol w="1605875">
+                <a:gridCol w="1306285">
                   <a:extLst>
                     <a:ext uri="{9D8B030D-6E8A-4147-A177-3AD203B41FA5}">
                       <a16:colId xmlns:a16="http://schemas.microsoft.com/office/drawing/2014/main" val="2075478805"/>
                     </a:ext>
                   </a:extLst>
                 </a:gridCol>
-                <a:gridCol w="1614897">
+                <a:gridCol w="1730829">
                   <a:extLst>
                     <a:ext uri="{9D8B030D-6E8A-4147-A177-3AD203B41FA5}">
                       <a16:colId xmlns:a16="http://schemas.microsoft.com/office/drawing/2014/main" val="2374661576"/>
                     </a:ext>
                   </a:extLst>
                 </a:gridCol>
-                <a:gridCol w="1497615">
+                <a:gridCol w="1654629">
                   <a:extLst>
                     <a:ext uri="{9D8B030D-6E8A-4147-A177-3AD203B41FA5}">
                       <a16:colId xmlns:a16="http://schemas.microsoft.com/office/drawing/2014/main" val="1249213692"/>
                     </a:ext>
                   </a:extLst>
                 </a:gridCol>
-                <a:gridCol w="1508500">
+                <a:gridCol w="2079172">
                   <a:extLst>
                     <a:ext uri="{9D8B030D-6E8A-4147-A177-3AD203B41FA5}">
                       <a16:colId xmlns:a16="http://schemas.microsoft.com/office/drawing/2014/main" val="1701608"/>
@@ -13122,7 +16662,7 @@
                   </a:extLst>
                 </a:gridCol>
               </a:tblGrid>
-              <a:tr h="370840">
+              <a:tr h="583662">
                 <a:tc rowSpan="2">
                   <a:txBody>
                     <a:bodyPr/>
@@ -13308,7 +16848,7 @@
                   </a:ext>
                 </a:extLst>
               </a:tr>
-              <a:tr h="1177352">
+              <a:tr h="1031805">
                 <a:tc vMerge="1">
                   <a:txBody>
                     <a:bodyPr/>
@@ -13381,15 +16921,15 @@
                   </a:ext>
                 </a:extLst>
               </a:tr>
-              <a:tr h="370840">
-                <a:tc>
-                  <a:txBody>
-                    <a:bodyPr/>
-                    <a:lstStyle/>
-                    <a:p>
-                      <a:pPr algn="ctr" latinLnBrk="1"/>
-                      <a:r>
-                        <a:rPr lang="ko-KR" altLang="en-US" sz="1400" b="1" dirty="0">
+              <a:tr h="324996">
+                <a:tc>
+                  <a:txBody>
+                    <a:bodyPr/>
+                    <a:lstStyle/>
+                    <a:p>
+                      <a:pPr algn="ctr" latinLnBrk="1"/>
+                      <a:r>
+                        <a:rPr lang="ko-KR" altLang="en-US" sz="1200" b="1" dirty="0">
                           <a:solidFill>
                             <a:srgbClr val="FF0000"/>
                           </a:solidFill>
@@ -13407,70 +16947,70 @@
                     <a:p>
                       <a:pPr algn="ctr" latinLnBrk="1"/>
                       <a:r>
-                        <a:rPr lang="en-US" altLang="ko-KR" sz="1400" dirty="0" err="1"/>
-                        <a:t>TimeIn_E</a:t>
-                      </a:r>
-                      <a:endParaRPr lang="ko-KR" altLang="en-US" sz="1400" dirty="0"/>
-                    </a:p>
-                  </a:txBody>
-                  <a:tcPr anchor="ctr"/>
-                </a:tc>
-                <a:tc>
-                  <a:txBody>
-                    <a:bodyPr/>
-                    <a:lstStyle/>
-                    <a:p>
-                      <a:pPr algn="ctr" latinLnBrk="1"/>
-                      <a:r>
-                        <a:rPr lang="en-US" altLang="ko-KR" sz="1400" dirty="0" err="1"/>
-                        <a:t>TimeIn_S</a:t>
-                      </a:r>
-                      <a:endParaRPr lang="ko-KR" altLang="en-US" sz="1400" dirty="0"/>
-                    </a:p>
-                  </a:txBody>
-                  <a:tcPr anchor="ctr"/>
-                </a:tc>
-                <a:tc>
-                  <a:txBody>
-                    <a:bodyPr/>
-                    <a:lstStyle/>
-                    <a:p>
-                      <a:pPr algn="ctr" latinLnBrk="1"/>
-                      <a:r>
-                        <a:rPr lang="en-US" altLang="ko-KR" sz="1400" dirty="0" err="1"/>
-                        <a:t>TimeIn_A</a:t>
-                      </a:r>
-                      <a:endParaRPr lang="ko-KR" altLang="en-US" sz="1400" dirty="0"/>
-                    </a:p>
-                  </a:txBody>
-                  <a:tcPr anchor="ctr"/>
-                </a:tc>
-                <a:tc>
-                  <a:txBody>
-                    <a:bodyPr/>
-                    <a:lstStyle/>
-                    <a:p>
-                      <a:pPr algn="ctr" latinLnBrk="1"/>
-                      <a:r>
-                        <a:rPr lang="en-US" altLang="ko-KR" sz="1400" dirty="0" err="1"/>
-                        <a:t>TimeIn_D</a:t>
-                      </a:r>
-                      <a:endParaRPr lang="ko-KR" altLang="en-US" sz="1400" dirty="0"/>
-                    </a:p>
-                  </a:txBody>
-                  <a:tcPr anchor="ctr"/>
-                </a:tc>
-                <a:tc>
-                  <a:txBody>
-                    <a:bodyPr/>
-                    <a:lstStyle/>
-                    <a:p>
-                      <a:pPr algn="ctr" latinLnBrk="1"/>
-                      <a:r>
-                        <a:rPr lang="en-US" altLang="ko-KR" sz="1400" dirty="0" err="1"/>
-                        <a:t>TimeIn_M</a:t>
-                      </a:r>
-                      <a:endParaRPr lang="ko-KR" altLang="en-US" sz="1400" dirty="0"/>
+                        <a:rPr lang="en-US" altLang="ko-KR" sz="1200" dirty="0" err="1"/>
+                        <a:t>EndPoint.TimeIn</a:t>
+                      </a:r>
+                      <a:endParaRPr lang="ko-KR" altLang="en-US" sz="1200" dirty="0"/>
+                    </a:p>
+                  </a:txBody>
+                  <a:tcPr anchor="ctr"/>
+                </a:tc>
+                <a:tc>
+                  <a:txBody>
+                    <a:bodyPr/>
+                    <a:lstStyle/>
+                    <a:p>
+                      <a:pPr algn="ctr" latinLnBrk="1"/>
+                      <a:r>
+                        <a:rPr lang="en-US" altLang="ko-KR" sz="1200" dirty="0" err="1"/>
+                        <a:t>Stocker.TimeIn</a:t>
+                      </a:r>
+                      <a:endParaRPr lang="ko-KR" altLang="en-US" sz="1200" dirty="0"/>
+                    </a:p>
+                  </a:txBody>
+                  <a:tcPr anchor="ctr"/>
+                </a:tc>
+                <a:tc>
+                  <a:txBody>
+                    <a:bodyPr/>
+                    <a:lstStyle/>
+                    <a:p>
+                      <a:pPr algn="ctr" latinLnBrk="1"/>
+                      <a:r>
+                        <a:rPr lang="en-US" altLang="ko-KR" sz="1200" dirty="0" err="1"/>
+                        <a:t>Analyzer.TimeIn</a:t>
+                      </a:r>
+                      <a:endParaRPr lang="ko-KR" altLang="en-US" sz="1200" dirty="0"/>
+                    </a:p>
+                  </a:txBody>
+                  <a:tcPr anchor="ctr"/>
+                </a:tc>
+                <a:tc>
+                  <a:txBody>
+                    <a:bodyPr/>
+                    <a:lstStyle/>
+                    <a:p>
+                      <a:pPr algn="ctr" latinLnBrk="1"/>
+                      <a:r>
+                        <a:rPr lang="en-US" altLang="ko-KR" sz="1200" dirty="0" err="1"/>
+                        <a:t>Disposer.TimeIn</a:t>
+                      </a:r>
+                      <a:endParaRPr lang="ko-KR" altLang="en-US" sz="1200" dirty="0"/>
+                    </a:p>
+                  </a:txBody>
+                  <a:tcPr anchor="ctr"/>
+                </a:tc>
+                <a:tc>
+                  <a:txBody>
+                    <a:bodyPr/>
+                    <a:lstStyle/>
+                    <a:p>
+                      <a:pPr algn="ctr" latinLnBrk="1"/>
+                      <a:r>
+                        <a:rPr lang="en-US" altLang="ko-KR" sz="1200" dirty="0" err="1"/>
+                        <a:t>MoMa.TimeIn_M</a:t>
+                      </a:r>
+                      <a:endParaRPr lang="ko-KR" altLang="en-US" sz="1200" dirty="0"/>
                     </a:p>
                   </a:txBody>
                   <a:tcPr anchor="ctr"/>
@@ -13481,15 +17021,15 @@
                   </a:ext>
                 </a:extLst>
               </a:tr>
-              <a:tr h="370840">
-                <a:tc>
-                  <a:txBody>
-                    <a:bodyPr/>
-                    <a:lstStyle/>
-                    <a:p>
-                      <a:pPr algn="ctr" latinLnBrk="1"/>
-                      <a:r>
-                        <a:rPr lang="ko-KR" altLang="en-US" sz="1400" b="1" dirty="0">
+              <a:tr h="324996">
+                <a:tc>
+                  <a:txBody>
+                    <a:bodyPr/>
+                    <a:lstStyle/>
+                    <a:p>
+                      <a:pPr algn="ctr" latinLnBrk="1"/>
+                      <a:r>
+                        <a:rPr lang="ko-KR" altLang="en-US" sz="1200" b="1" dirty="0">
                           <a:solidFill>
                             <a:srgbClr val="FF0000"/>
                           </a:solidFill>
@@ -13507,70 +17047,70 @@
                     <a:p>
                       <a:pPr algn="ctr" latinLnBrk="1"/>
                       <a:r>
-                        <a:rPr lang="en-US" altLang="ko-KR" sz="1400" dirty="0" err="1"/>
-                        <a:t>TimeOut_E</a:t>
-                      </a:r>
-                      <a:endParaRPr lang="ko-KR" altLang="en-US" sz="1400" dirty="0"/>
-                    </a:p>
-                  </a:txBody>
-                  <a:tcPr anchor="ctr"/>
-                </a:tc>
-                <a:tc>
-                  <a:txBody>
-                    <a:bodyPr/>
-                    <a:lstStyle/>
-                    <a:p>
-                      <a:pPr algn="ctr" latinLnBrk="1"/>
-                      <a:r>
-                        <a:rPr lang="en-US" altLang="ko-KR" sz="1400" dirty="0" err="1"/>
-                        <a:t>TimeOut_S</a:t>
-                      </a:r>
-                      <a:endParaRPr lang="ko-KR" altLang="en-US" sz="1400" dirty="0"/>
-                    </a:p>
-                  </a:txBody>
-                  <a:tcPr anchor="ctr"/>
-                </a:tc>
-                <a:tc>
-                  <a:txBody>
-                    <a:bodyPr/>
-                    <a:lstStyle/>
-                    <a:p>
-                      <a:pPr algn="ctr" latinLnBrk="1"/>
-                      <a:r>
-                        <a:rPr lang="en-US" altLang="ko-KR" sz="1400" dirty="0" err="1"/>
-                        <a:t>TimeOut_A</a:t>
-                      </a:r>
-                      <a:endParaRPr lang="ko-KR" altLang="en-US" sz="1400" dirty="0"/>
-                    </a:p>
-                  </a:txBody>
-                  <a:tcPr anchor="ctr"/>
-                </a:tc>
-                <a:tc>
-                  <a:txBody>
-                    <a:bodyPr/>
-                    <a:lstStyle/>
-                    <a:p>
-                      <a:pPr algn="ctr" latinLnBrk="1"/>
-                      <a:r>
-                        <a:rPr lang="en-US" altLang="ko-KR" sz="1400" dirty="0" err="1"/>
-                        <a:t>TimeOut_D</a:t>
-                      </a:r>
-                      <a:endParaRPr lang="ko-KR" altLang="en-US" sz="1400" dirty="0"/>
-                    </a:p>
-                  </a:txBody>
-                  <a:tcPr anchor="ctr"/>
-                </a:tc>
-                <a:tc>
-                  <a:txBody>
-                    <a:bodyPr/>
-                    <a:lstStyle/>
-                    <a:p>
-                      <a:pPr algn="ctr" latinLnBrk="1"/>
-                      <a:r>
-                        <a:rPr lang="en-US" altLang="ko-KR" sz="1400" dirty="0" err="1"/>
-                        <a:t>TimeOut_M</a:t>
-                      </a:r>
-                      <a:endParaRPr lang="ko-KR" altLang="en-US" sz="1400" dirty="0"/>
+                        <a:rPr lang="en-US" altLang="ko-KR" sz="1200" dirty="0" err="1"/>
+                        <a:t>EndPoint.TimeOut</a:t>
+                      </a:r>
+                      <a:endParaRPr lang="ko-KR" altLang="en-US" sz="1200" dirty="0"/>
+                    </a:p>
+                  </a:txBody>
+                  <a:tcPr anchor="ctr"/>
+                </a:tc>
+                <a:tc>
+                  <a:txBody>
+                    <a:bodyPr/>
+                    <a:lstStyle/>
+                    <a:p>
+                      <a:pPr algn="ctr" latinLnBrk="1"/>
+                      <a:r>
+                        <a:rPr lang="en-US" altLang="ko-KR" sz="1200" dirty="0" err="1"/>
+                        <a:t>Stocker.TimeOut</a:t>
+                      </a:r>
+                      <a:endParaRPr lang="ko-KR" altLang="en-US" sz="1200" dirty="0"/>
+                    </a:p>
+                  </a:txBody>
+                  <a:tcPr anchor="ctr"/>
+                </a:tc>
+                <a:tc>
+                  <a:txBody>
+                    <a:bodyPr/>
+                    <a:lstStyle/>
+                    <a:p>
+                      <a:pPr algn="ctr" latinLnBrk="1"/>
+                      <a:r>
+                        <a:rPr lang="en-US" altLang="ko-KR" sz="1200" dirty="0" err="1"/>
+                        <a:t>Analyzer.TimeOut</a:t>
+                      </a:r>
+                      <a:endParaRPr lang="ko-KR" altLang="en-US" sz="1200" dirty="0"/>
+                    </a:p>
+                  </a:txBody>
+                  <a:tcPr anchor="ctr"/>
+                </a:tc>
+                <a:tc>
+                  <a:txBody>
+                    <a:bodyPr/>
+                    <a:lstStyle/>
+                    <a:p>
+                      <a:pPr algn="ctr" latinLnBrk="1"/>
+                      <a:r>
+                        <a:rPr lang="en-US" altLang="ko-KR" sz="1200" dirty="0" err="1"/>
+                        <a:t>Disposer.TimeOut</a:t>
+                      </a:r>
+                      <a:endParaRPr lang="ko-KR" altLang="en-US" sz="1200" dirty="0"/>
+                    </a:p>
+                  </a:txBody>
+                  <a:tcPr anchor="ctr"/>
+                </a:tc>
+                <a:tc>
+                  <a:txBody>
+                    <a:bodyPr/>
+                    <a:lstStyle/>
+                    <a:p>
+                      <a:pPr algn="ctr" latinLnBrk="1"/>
+                      <a:r>
+                        <a:rPr lang="en-US" altLang="ko-KR" sz="1200" dirty="0" err="1"/>
+                        <a:t>MoMa.TimeOut_M</a:t>
+                      </a:r>
+                      <a:endParaRPr lang="ko-KR" altLang="en-US" sz="1200" dirty="0"/>
                     </a:p>
                   </a:txBody>
                   <a:tcPr anchor="ctr"/>
@@ -13581,15 +17121,15 @@
                   </a:ext>
                 </a:extLst>
               </a:tr>
-              <a:tr h="370840">
-                <a:tc>
-                  <a:txBody>
-                    <a:bodyPr/>
-                    <a:lstStyle/>
-                    <a:p>
-                      <a:pPr algn="ctr" latinLnBrk="1"/>
-                      <a:r>
-                        <a:rPr lang="ko-KR" altLang="en-US" sz="1400" b="1" i="1" dirty="0">
+              <a:tr h="324996">
+                <a:tc>
+                  <a:txBody>
+                    <a:bodyPr/>
+                    <a:lstStyle/>
+                    <a:p>
+                      <a:pPr algn="ctr" latinLnBrk="1"/>
+                      <a:r>
+                        <a:rPr lang="ko-KR" altLang="en-US" sz="1200" b="1" i="1" dirty="0">
                           <a:solidFill>
                             <a:schemeClr val="tx1">
                               <a:lumMod val="50000"/>
@@ -13609,7 +17149,7 @@
                     <a:lstStyle/>
                     <a:p>
                       <a:pPr algn="ctr" latinLnBrk="1"/>
-                      <a:endParaRPr lang="ko-KR" altLang="en-US" sz="1400" b="1" i="1" dirty="0">
+                      <a:endParaRPr lang="ko-KR" altLang="en-US" sz="1200" b="1" i="1" dirty="0">
                         <a:solidFill>
                           <a:schemeClr val="tx1">
                             <a:lumMod val="50000"/>
@@ -13627,7 +17167,7 @@
                     <a:lstStyle/>
                     <a:p>
                       <a:pPr algn="ctr" latinLnBrk="1"/>
-                      <a:endParaRPr lang="ko-KR" altLang="en-US" sz="1400" b="1" i="1" dirty="0">
+                      <a:endParaRPr lang="ko-KR" altLang="en-US" sz="1200" b="1" i="1" dirty="0">
                         <a:solidFill>
                           <a:schemeClr val="tx1">
                             <a:lumMod val="50000"/>
@@ -13644,9 +17184,25 @@
                     <a:bodyPr/>
                     <a:lstStyle/>
                     <a:p>
-                      <a:pPr algn="ctr" latinLnBrk="1"/>
-                      <a:r>
-                        <a:rPr lang="en-US" altLang="ko-KR" sz="1400" b="1" i="1" dirty="0" err="1">
+                      <a:pPr marL="0" marR="0" indent="0" algn="ctr" defTabSz="914400" rtl="0" eaLnBrk="1" fontAlgn="auto" latinLnBrk="1" hangingPunct="1">
+                        <a:lnSpc>
+                          <a:spcPct val="100000"/>
+                        </a:lnSpc>
+                        <a:spcBef>
+                          <a:spcPts val="0"/>
+                        </a:spcBef>
+                        <a:spcAft>
+                          <a:spcPts val="0"/>
+                        </a:spcAft>
+                        <a:buClrTx/>
+                        <a:buSzTx/>
+                        <a:buFontTx/>
+                        <a:buNone/>
+                        <a:tabLst/>
+                        <a:defRPr/>
+                      </a:pPr>
+                      <a:r>
+                        <a:rPr lang="en-US" altLang="ko-KR" sz="1200" b="1" i="1" dirty="0" err="1">
                           <a:solidFill>
                             <a:schemeClr val="tx1">
                               <a:lumMod val="50000"/>
@@ -13654,9 +17210,9 @@
                             </a:schemeClr>
                           </a:solidFill>
                         </a:rPr>
-                        <a:t>Time_Proc_A</a:t>
-                      </a:r>
-                      <a:endParaRPr lang="ko-KR" altLang="en-US" sz="1400" b="1" i="1" dirty="0">
+                        <a:t>Analyzer.Time_Proc</a:t>
+                      </a:r>
+                      <a:endParaRPr lang="ko-KR" altLang="en-US" sz="1200" b="1" i="1" dirty="0">
                         <a:solidFill>
                           <a:schemeClr val="tx1">
                             <a:lumMod val="50000"/>
@@ -13673,9 +17229,25 @@
                     <a:bodyPr/>
                     <a:lstStyle/>
                     <a:p>
-                      <a:pPr algn="ctr" latinLnBrk="1"/>
-                      <a:r>
-                        <a:rPr lang="en-US" altLang="ko-KR" sz="1400" b="1" i="1" dirty="0" err="1">
+                      <a:pPr marL="0" marR="0" indent="0" algn="ctr" defTabSz="914400" rtl="0" eaLnBrk="1" fontAlgn="auto" latinLnBrk="1" hangingPunct="1">
+                        <a:lnSpc>
+                          <a:spcPct val="100000"/>
+                        </a:lnSpc>
+                        <a:spcBef>
+                          <a:spcPts val="0"/>
+                        </a:spcBef>
+                        <a:spcAft>
+                          <a:spcPts val="0"/>
+                        </a:spcAft>
+                        <a:buClrTx/>
+                        <a:buSzTx/>
+                        <a:buFontTx/>
+                        <a:buNone/>
+                        <a:tabLst/>
+                        <a:defRPr/>
+                      </a:pPr>
+                      <a:r>
+                        <a:rPr lang="en-US" altLang="ko-KR" sz="1200" b="1" i="1" dirty="0" err="1">
                           <a:solidFill>
                             <a:schemeClr val="tx1">
                               <a:lumMod val="50000"/>
@@ -13683,9 +17255,9 @@
                             </a:schemeClr>
                           </a:solidFill>
                         </a:rPr>
-                        <a:t>Time_Proc_D</a:t>
-                      </a:r>
-                      <a:endParaRPr lang="ko-KR" altLang="en-US" sz="1400" b="1" i="1" dirty="0">
+                        <a:t>Disposer.Time_Proc</a:t>
+                      </a:r>
+                      <a:endParaRPr lang="ko-KR" altLang="en-US" sz="1200" b="1" i="1" dirty="0">
                         <a:solidFill>
                           <a:schemeClr val="tx1">
                             <a:lumMod val="50000"/>
@@ -13703,7 +17275,7 @@
                     <a:lstStyle/>
                     <a:p>
                       <a:pPr algn="ctr" latinLnBrk="1"/>
-                      <a:endParaRPr lang="ko-KR" altLang="en-US" sz="1400" b="1" i="1" dirty="0">
+                      <a:endParaRPr lang="ko-KR" altLang="en-US" sz="1200" b="1" i="1" dirty="0">
                         <a:solidFill>
                           <a:schemeClr val="tx1">
                             <a:lumMod val="50000"/>
@@ -13721,30 +17293,22 @@
                   </a:ext>
                 </a:extLst>
               </a:tr>
-              <a:tr h="370840">
-                <a:tc>
-                  <a:txBody>
-                    <a:bodyPr/>
-                    <a:lstStyle/>
-                    <a:p>
-                      <a:pPr algn="ctr" latinLnBrk="1"/>
-                      <a:r>
-                        <a:rPr lang="ko-KR" altLang="en-US" sz="1400" b="1" dirty="0">
+              <a:tr h="324996">
+                <a:tc>
+                  <a:txBody>
+                    <a:bodyPr/>
+                    <a:lstStyle/>
+                    <a:p>
+                      <a:pPr algn="ctr" latinLnBrk="1"/>
+                      <a:r>
+                        <a:rPr lang="en-US" altLang="ko-KR" sz="1200" b="1" dirty="0">
                           <a:solidFill>
                             <a:srgbClr val="FF0000"/>
                           </a:solidFill>
                         </a:rPr>
-                        <a:t>재고</a:t>
-                      </a:r>
-                      <a:r>
-                        <a:rPr lang="en-US" altLang="ko-KR" sz="1400" b="1" dirty="0">
-                          <a:solidFill>
-                            <a:srgbClr val="FF0000"/>
-                          </a:solidFill>
-                        </a:rPr>
-                        <a:t>_New</a:t>
-                      </a:r>
-                      <a:endParaRPr lang="ko-KR" altLang="en-US" sz="1400" b="1" dirty="0">
+                        <a:t>Bottle for Analyzer</a:t>
+                      </a:r>
+                      <a:endParaRPr lang="ko-KR" altLang="en-US" sz="1200" b="1" dirty="0">
                         <a:solidFill>
                           <a:srgbClr val="FF0000"/>
                         </a:solidFill>
@@ -13760,70 +17324,70 @@
                     <a:p>
                       <a:pPr algn="ctr" latinLnBrk="1"/>
                       <a:r>
-                        <a:rPr lang="en-US" altLang="ko-KR" sz="1400" dirty="0" err="1"/>
-                        <a:t>New_E</a:t>
-                      </a:r>
-                      <a:endParaRPr lang="ko-KR" altLang="en-US" sz="1400" dirty="0"/>
-                    </a:p>
-                  </a:txBody>
-                  <a:tcPr anchor="ctr"/>
-                </a:tc>
-                <a:tc>
-                  <a:txBody>
-                    <a:bodyPr/>
-                    <a:lstStyle/>
-                    <a:p>
-                      <a:pPr algn="ctr" latinLnBrk="1"/>
-                      <a:r>
-                        <a:rPr lang="en-US" altLang="ko-KR" sz="1400" dirty="0" err="1"/>
-                        <a:t>New_S</a:t>
-                      </a:r>
-                      <a:endParaRPr lang="ko-KR" altLang="en-US" sz="1400" dirty="0"/>
-                    </a:p>
-                  </a:txBody>
-                  <a:tcPr anchor="ctr"/>
-                </a:tc>
-                <a:tc>
-                  <a:txBody>
-                    <a:bodyPr/>
-                    <a:lstStyle/>
-                    <a:p>
-                      <a:pPr algn="ctr" latinLnBrk="1"/>
-                      <a:r>
-                        <a:rPr lang="en-US" altLang="ko-KR" sz="1400" dirty="0" err="1"/>
-                        <a:t>New_A</a:t>
-                      </a:r>
-                      <a:endParaRPr lang="ko-KR" altLang="en-US" sz="1400" dirty="0"/>
-                    </a:p>
-                  </a:txBody>
-                  <a:tcPr anchor="ctr"/>
-                </a:tc>
-                <a:tc>
-                  <a:txBody>
-                    <a:bodyPr/>
-                    <a:lstStyle/>
-                    <a:p>
-                      <a:pPr algn="ctr" latinLnBrk="1"/>
-                      <a:r>
-                        <a:rPr lang="en-US" altLang="ko-KR" sz="1400" dirty="0" err="1"/>
-                        <a:t>New_D</a:t>
-                      </a:r>
-                      <a:endParaRPr lang="ko-KR" altLang="en-US" sz="1400" dirty="0"/>
-                    </a:p>
-                  </a:txBody>
-                  <a:tcPr anchor="ctr"/>
-                </a:tc>
-                <a:tc>
-                  <a:txBody>
-                    <a:bodyPr/>
-                    <a:lstStyle/>
-                    <a:p>
-                      <a:pPr algn="ctr" latinLnBrk="1"/>
-                      <a:r>
-                        <a:rPr lang="en-US" altLang="ko-KR" sz="1400" dirty="0" err="1"/>
-                        <a:t>New_M</a:t>
-                      </a:r>
-                      <a:endParaRPr lang="ko-KR" altLang="en-US" sz="1400" dirty="0"/>
+                        <a:rPr lang="en-US" altLang="ko-KR" sz="1200" dirty="0" err="1"/>
+                        <a:t>EndPoint.New</a:t>
+                      </a:r>
+                      <a:endParaRPr lang="ko-KR" altLang="en-US" sz="1200" dirty="0"/>
+                    </a:p>
+                  </a:txBody>
+                  <a:tcPr anchor="ctr"/>
+                </a:tc>
+                <a:tc>
+                  <a:txBody>
+                    <a:bodyPr/>
+                    <a:lstStyle/>
+                    <a:p>
+                      <a:pPr algn="ctr" latinLnBrk="1"/>
+                      <a:r>
+                        <a:rPr lang="en-US" altLang="ko-KR" sz="1200" dirty="0" err="1"/>
+                        <a:t>Stocker.New</a:t>
+                      </a:r>
+                      <a:endParaRPr lang="ko-KR" altLang="en-US" sz="1200" dirty="0"/>
+                    </a:p>
+                  </a:txBody>
+                  <a:tcPr anchor="ctr"/>
+                </a:tc>
+                <a:tc>
+                  <a:txBody>
+                    <a:bodyPr/>
+                    <a:lstStyle/>
+                    <a:p>
+                      <a:pPr algn="ctr" latinLnBrk="1"/>
+                      <a:r>
+                        <a:rPr lang="en-US" altLang="ko-KR" sz="1200" dirty="0" err="1"/>
+                        <a:t>Analyzer.New</a:t>
+                      </a:r>
+                      <a:endParaRPr lang="ko-KR" altLang="en-US" sz="1200" dirty="0"/>
+                    </a:p>
+                  </a:txBody>
+                  <a:tcPr anchor="ctr"/>
+                </a:tc>
+                <a:tc>
+                  <a:txBody>
+                    <a:bodyPr/>
+                    <a:lstStyle/>
+                    <a:p>
+                      <a:pPr algn="ctr" latinLnBrk="1"/>
+                      <a:r>
+                        <a:rPr lang="en-US" altLang="ko-KR" sz="1200" dirty="0" err="1"/>
+                        <a:t>Disposer.New</a:t>
+                      </a:r>
+                      <a:endParaRPr lang="ko-KR" altLang="en-US" sz="1200" dirty="0"/>
+                    </a:p>
+                  </a:txBody>
+                  <a:tcPr anchor="ctr"/>
+                </a:tc>
+                <a:tc>
+                  <a:txBody>
+                    <a:bodyPr/>
+                    <a:lstStyle/>
+                    <a:p>
+                      <a:pPr algn="ctr" latinLnBrk="1"/>
+                      <a:r>
+                        <a:rPr lang="en-US" altLang="ko-KR" sz="1200" dirty="0" err="1"/>
+                        <a:t>MoMa.New</a:t>
+                      </a:r>
+                      <a:endParaRPr lang="ko-KR" altLang="en-US" sz="1200" dirty="0"/>
                     </a:p>
                   </a:txBody>
                   <a:tcPr anchor="ctr"/>
@@ -13834,30 +17398,22 @@
                   </a:ext>
                 </a:extLst>
               </a:tr>
-              <a:tr h="370840">
-                <a:tc>
-                  <a:txBody>
-                    <a:bodyPr/>
-                    <a:lstStyle/>
-                    <a:p>
-                      <a:pPr algn="ctr" latinLnBrk="1"/>
-                      <a:r>
-                        <a:rPr lang="ko-KR" altLang="en-US" sz="1400" b="1" dirty="0">
+              <a:tr h="324996">
+                <a:tc>
+                  <a:txBody>
+                    <a:bodyPr/>
+                    <a:lstStyle/>
+                    <a:p>
+                      <a:pPr algn="ctr" latinLnBrk="1"/>
+                      <a:r>
+                        <a:rPr lang="en-US" altLang="ko-KR" sz="1200" b="1" dirty="0">
                           <a:solidFill>
                             <a:srgbClr val="FF0000"/>
                           </a:solidFill>
                         </a:rPr>
-                        <a:t>재고</a:t>
-                      </a:r>
-                      <a:r>
-                        <a:rPr lang="en-US" altLang="ko-KR" sz="1400" b="1" dirty="0">
-                          <a:solidFill>
-                            <a:srgbClr val="FF0000"/>
-                          </a:solidFill>
-                        </a:rPr>
-                        <a:t>_Old</a:t>
-                      </a:r>
-                      <a:endParaRPr lang="ko-KR" altLang="en-US" sz="1400" b="1" dirty="0">
+                        <a:t>Bottle for Disposer</a:t>
+                      </a:r>
+                      <a:endParaRPr lang="ko-KR" altLang="en-US" sz="1200" b="1" dirty="0">
                         <a:solidFill>
                           <a:srgbClr val="FF0000"/>
                         </a:solidFill>
@@ -13873,58 +17429,78 @@
                     <a:p>
                       <a:pPr algn="ctr" latinLnBrk="1"/>
                       <a:r>
-                        <a:rPr lang="en-US" altLang="ko-KR" sz="1400" dirty="0" err="1"/>
-                        <a:t>Old_E</a:t>
-                      </a:r>
-                      <a:endParaRPr lang="ko-KR" altLang="en-US" sz="1400" dirty="0"/>
-                    </a:p>
-                  </a:txBody>
-                  <a:tcPr anchor="ctr"/>
-                </a:tc>
-                <a:tc>
-                  <a:txBody>
-                    <a:bodyPr/>
-                    <a:lstStyle/>
-                    <a:p>
-                      <a:pPr algn="ctr" latinLnBrk="1"/>
-                      <a:r>
-                        <a:rPr lang="en-US" altLang="ko-KR" sz="1400" dirty="0" err="1"/>
-                        <a:t>Old_S</a:t>
-                      </a:r>
-                      <a:endParaRPr lang="ko-KR" altLang="en-US" sz="1400" dirty="0"/>
-                    </a:p>
-                  </a:txBody>
-                  <a:tcPr anchor="ctr"/>
-                </a:tc>
-                <a:tc>
-                  <a:txBody>
-                    <a:bodyPr/>
-                    <a:lstStyle/>
-                    <a:p>
-                      <a:pPr algn="ctr" latinLnBrk="1"/>
-                      <a:endParaRPr lang="ko-KR" altLang="en-US" sz="1400" dirty="0"/>
-                    </a:p>
-                  </a:txBody>
-                  <a:tcPr anchor="ctr"/>
-                </a:tc>
-                <a:tc>
-                  <a:txBody>
-                    <a:bodyPr/>
-                    <a:lstStyle/>
-                    <a:p>
-                      <a:pPr algn="ctr" latinLnBrk="1"/>
-                      <a:endParaRPr lang="ko-KR" altLang="en-US" sz="1400" dirty="0"/>
-                    </a:p>
-                  </a:txBody>
-                  <a:tcPr anchor="ctr"/>
-                </a:tc>
-                <a:tc>
-                  <a:txBody>
-                    <a:bodyPr/>
-                    <a:lstStyle/>
-                    <a:p>
-                      <a:pPr algn="ctr" latinLnBrk="1"/>
-                      <a:endParaRPr lang="ko-KR" altLang="en-US" sz="1400" dirty="0"/>
+                        <a:rPr lang="en-US" altLang="ko-KR" sz="1200" dirty="0" err="1"/>
+                        <a:t>EndPoint.Old</a:t>
+                      </a:r>
+                      <a:endParaRPr lang="ko-KR" altLang="en-US" sz="1200" dirty="0"/>
+                    </a:p>
+                  </a:txBody>
+                  <a:tcPr anchor="ctr"/>
+                </a:tc>
+                <a:tc>
+                  <a:txBody>
+                    <a:bodyPr/>
+                    <a:lstStyle/>
+                    <a:p>
+                      <a:pPr algn="ctr" latinLnBrk="1"/>
+                      <a:r>
+                        <a:rPr lang="en-US" altLang="ko-KR" sz="1200" dirty="0" err="1"/>
+                        <a:t>Stocker.Old</a:t>
+                      </a:r>
+                      <a:endParaRPr lang="ko-KR" altLang="en-US" sz="1200" dirty="0"/>
+                    </a:p>
+                  </a:txBody>
+                  <a:tcPr anchor="ctr"/>
+                </a:tc>
+                <a:tc>
+                  <a:txBody>
+                    <a:bodyPr/>
+                    <a:lstStyle/>
+                    <a:p>
+                      <a:pPr algn="ctr" latinLnBrk="1"/>
+                      <a:r>
+                        <a:rPr lang="en-US" altLang="ko-KR" sz="1200" dirty="0" err="1"/>
+                        <a:t>Analyzer.Old</a:t>
+                      </a:r>
+                      <a:endParaRPr lang="ko-KR" altLang="en-US" sz="1200" dirty="0"/>
+                    </a:p>
+                  </a:txBody>
+                  <a:tcPr anchor="ctr"/>
+                </a:tc>
+                <a:tc>
+                  <a:txBody>
+                    <a:bodyPr/>
+                    <a:lstStyle/>
+                    <a:p>
+                      <a:pPr algn="ctr" latinLnBrk="1"/>
+                      <a:r>
+                        <a:rPr lang="en-US" altLang="ko-KR" sz="1200" dirty="0" err="1"/>
+                        <a:t>Disposer.Old</a:t>
+                      </a:r>
+                      <a:endParaRPr lang="ko-KR" altLang="en-US" sz="1200" dirty="0"/>
+                    </a:p>
+                  </a:txBody>
+                  <a:tcPr anchor="ctr"/>
+                </a:tc>
+                <a:tc>
+                  <a:txBody>
+                    <a:bodyPr/>
+                    <a:lstStyle/>
+                    <a:p>
+                      <a:pPr algn="ctr" latinLnBrk="1"/>
+                      <a:r>
+                        <a:rPr lang="en-US" altLang="ko-KR" sz="1200" dirty="0" err="1"/>
+                        <a:t>MoMa.Old</a:t>
+                      </a:r>
+                      <a:r>
+                        <a:rPr lang="en-US" altLang="ko-KR" sz="1200" dirty="0"/>
+                        <a:t>=</a:t>
+                      </a:r>
+                      <a:r>
+                        <a:rPr lang="en-US" altLang="ko-KR" sz="1200" dirty="0" err="1"/>
+                        <a:t>MoMa.New</a:t>
+                      </a:r>
+                      <a:endParaRPr lang="ko-KR" altLang="en-US" sz="1200" dirty="0"/>
                     </a:p>
                   </a:txBody>
                   <a:tcPr anchor="ctr"/>
@@ -13935,60 +17511,139 @@
                   </a:ext>
                 </a:extLst>
               </a:tr>
-              <a:tr h="370840">
-                <a:tc>
-                  <a:txBody>
-                    <a:bodyPr/>
-                    <a:lstStyle/>
-                    <a:p>
-                      <a:pPr algn="ctr" latinLnBrk="1"/>
-                      <a:r>
-                        <a:rPr lang="ko-KR" altLang="en-US" sz="1400" b="1" dirty="0">
+              <a:tr h="324996">
+                <a:tc>
+                  <a:txBody>
+                    <a:bodyPr/>
+                    <a:lstStyle/>
+                    <a:p>
+                      <a:pPr algn="ctr" latinLnBrk="1"/>
+                      <a:r>
+                        <a:rPr lang="en-US" altLang="ko-KR" sz="1200" b="1" dirty="0">
                           <a:solidFill>
                             <a:srgbClr val="FF0000"/>
                           </a:solidFill>
                         </a:rPr>
-                        <a:t>재고</a:t>
-                      </a:r>
-                      <a:r>
-                        <a:rPr lang="en-US" altLang="ko-KR" sz="1400" b="1" dirty="0">
+                        <a:t>Finished Bottle</a:t>
+                      </a:r>
+                      <a:endParaRPr lang="ko-KR" altLang="en-US" sz="1200" b="1" dirty="0">
+                        <a:solidFill>
+                          <a:srgbClr val="FF0000"/>
+                        </a:solidFill>
+                      </a:endParaRPr>
+                    </a:p>
+                  </a:txBody>
+                  <a:tcPr anchor="ctr"/>
+                </a:tc>
+                <a:tc>
+                  <a:txBody>
+                    <a:bodyPr/>
+                    <a:lstStyle/>
+                    <a:p>
+                      <a:pPr algn="ctr" latinLnBrk="1"/>
+                      <a:r>
+                        <a:rPr lang="en-US" altLang="ko-KR" sz="1200" dirty="0" err="1"/>
+                        <a:t>EndPoint.Finished</a:t>
+                      </a:r>
+                      <a:endParaRPr lang="ko-KR" altLang="en-US" sz="1200" dirty="0"/>
+                    </a:p>
+                  </a:txBody>
+                  <a:tcPr anchor="ctr"/>
+                </a:tc>
+                <a:tc>
+                  <a:txBody>
+                    <a:bodyPr/>
+                    <a:lstStyle/>
+                    <a:p>
+                      <a:pPr algn="ctr" latinLnBrk="1"/>
+                      <a:r>
+                        <a:rPr lang="en-US" altLang="ko-KR" sz="1200" dirty="0" err="1"/>
+                        <a:t>Stocker.Finished</a:t>
+                      </a:r>
+                      <a:endParaRPr lang="ko-KR" altLang="en-US" sz="1200" dirty="0"/>
+                    </a:p>
+                  </a:txBody>
+                  <a:tcPr anchor="ctr"/>
+                </a:tc>
+                <a:tc>
+                  <a:txBody>
+                    <a:bodyPr/>
+                    <a:lstStyle/>
+                    <a:p>
+                      <a:pPr algn="ctr" latinLnBrk="1"/>
+                      <a:r>
+                        <a:rPr lang="en-US" altLang="ko-KR" sz="1200" dirty="0" err="1"/>
+                        <a:t>Analyzer.Finished</a:t>
+                      </a:r>
+                      <a:endParaRPr lang="ko-KR" altLang="en-US" sz="1200" dirty="0"/>
+                    </a:p>
+                  </a:txBody>
+                  <a:tcPr anchor="ctr"/>
+                </a:tc>
+                <a:tc>
+                  <a:txBody>
+                    <a:bodyPr/>
+                    <a:lstStyle/>
+                    <a:p>
+                      <a:pPr algn="ctr" latinLnBrk="1"/>
+                      <a:r>
+                        <a:rPr lang="en-US" altLang="ko-KR" sz="1200" dirty="0" err="1"/>
+                        <a:t>Disposer.Finished</a:t>
+                      </a:r>
+                      <a:endParaRPr lang="ko-KR" altLang="en-US" sz="1200" dirty="0"/>
+                    </a:p>
+                  </a:txBody>
+                  <a:tcPr anchor="ctr"/>
+                </a:tc>
+                <a:tc>
+                  <a:txBody>
+                    <a:bodyPr/>
+                    <a:lstStyle/>
+                    <a:p>
+                      <a:pPr algn="ctr" latinLnBrk="1"/>
+                      <a:r>
+                        <a:rPr lang="en-US" altLang="ko-KR" sz="1200" dirty="0" err="1"/>
+                        <a:t>MoMa.FinishedMoMa.New</a:t>
+                      </a:r>
+                      <a:endParaRPr lang="ko-KR" altLang="en-US" sz="1200" dirty="0"/>
+                    </a:p>
+                  </a:txBody>
+                  <a:tcPr anchor="ctr"/>
+                </a:tc>
+                <a:extLst>
+                  <a:ext uri="{0D108BD9-81ED-4DB2-BD59-A6C34878D82A}">
+                    <a16:rowId xmlns:a16="http://schemas.microsoft.com/office/drawing/2014/main" val="2882455956"/>
+                  </a:ext>
+                </a:extLst>
+              </a:tr>
+              <a:tr h="881495">
+                <a:tc>
+                  <a:txBody>
+                    <a:bodyPr/>
+                    <a:lstStyle/>
+                    <a:p>
+                      <a:pPr algn="ctr" latinLnBrk="1"/>
+                      <a:r>
+                        <a:rPr lang="ko-KR" altLang="en-US" sz="1200" b="1" dirty="0">
                           <a:solidFill>
                             <a:srgbClr val="FF0000"/>
                           </a:solidFill>
                         </a:rPr>
-                        <a:t>_None</a:t>
-                      </a:r>
-                      <a:endParaRPr lang="ko-KR" altLang="en-US" sz="1400" b="1" dirty="0">
+                        <a:t>사용가능 </a:t>
+                      </a:r>
+                      <a:r>
+                        <a:rPr lang="en-US" altLang="ko-KR" sz="1200" b="1" dirty="0">
+                          <a:solidFill>
+                            <a:srgbClr val="FF0000"/>
+                          </a:solidFill>
+                        </a:rPr>
+                        <a:t>Plate</a:t>
+                      </a:r>
+                      <a:endParaRPr lang="ko-KR" altLang="en-US" sz="1200" b="1" dirty="0">
                         <a:solidFill>
                           <a:srgbClr val="FF0000"/>
                         </a:solidFill>
                       </a:endParaRPr>
-                    </a:p>
-                  </a:txBody>
-                  <a:tcPr anchor="ctr"/>
-                </a:tc>
-                <a:tc>
-                  <a:txBody>
-                    <a:bodyPr/>
-                    <a:lstStyle/>
-                    <a:p>
-                      <a:pPr algn="ctr" latinLnBrk="1"/>
-                      <a:r>
-                        <a:rPr lang="en-US" altLang="ko-KR" sz="1400" dirty="0" err="1"/>
-                        <a:t>Capa_E-New_E</a:t>
-                      </a:r>
-                      <a:br>
-                        <a:rPr lang="en-US" altLang="ko-KR" sz="1400" dirty="0"/>
-                      </a:br>
-                      <a:r>
-                        <a:rPr lang="en-US" altLang="ko-KR" sz="1400" dirty="0"/>
-                        <a:t>-</a:t>
-                      </a:r>
-                      <a:r>
-                        <a:rPr lang="en-US" altLang="ko-KR" sz="1400" dirty="0" err="1"/>
-                        <a:t>Old_E</a:t>
-                      </a:r>
-                      <a:endParaRPr lang="ko-KR" altLang="en-US" sz="1400" dirty="0"/>
                     </a:p>
                   </a:txBody>
                   <a:tcPr anchor="ctr"/>
@@ -14016,62 +17671,349 @@
                         <a:defRPr/>
                       </a:pPr>
                       <a:r>
-                        <a:rPr lang="en-US" altLang="ko-KR" sz="1400" dirty="0" err="1"/>
-                        <a:t>Capa_S-New_S</a:t>
+                        <a:rPr lang="en-US" altLang="ko-KR" sz="1200" dirty="0" err="1"/>
+                        <a:t>EndPoint.Plate</a:t>
+                      </a:r>
+                      <a:endParaRPr lang="en-US" altLang="ko-KR" sz="1200" dirty="0"/>
+                    </a:p>
+                    <a:p>
+                      <a:pPr marL="0" marR="0" lvl="0" indent="0" algn="ctr" defTabSz="914400" rtl="0" eaLnBrk="1" fontAlgn="auto" latinLnBrk="1" hangingPunct="1">
+                        <a:lnSpc>
+                          <a:spcPct val="100000"/>
+                        </a:lnSpc>
+                        <a:spcBef>
+                          <a:spcPts val="0"/>
+                        </a:spcBef>
+                        <a:spcAft>
+                          <a:spcPts val="0"/>
+                        </a:spcAft>
+                        <a:buClrTx/>
+                        <a:buSzTx/>
+                        <a:buFontTx/>
+                        <a:buNone/>
+                        <a:tabLst/>
+                        <a:defRPr/>
+                      </a:pPr>
+                      <a:r>
+                        <a:rPr lang="en-US" altLang="ko-KR" sz="1200" dirty="0"/>
+                        <a:t>= </a:t>
+                      </a:r>
+                      <a:r>
+                        <a:rPr lang="en-US" altLang="ko-KR" sz="1200" dirty="0" err="1"/>
+                        <a:t>EndPoint.Capa</a:t>
                       </a:r>
                       <a:br>
-                        <a:rPr lang="en-US" altLang="ko-KR" sz="1400" dirty="0"/>
+                        <a:rPr lang="en-US" altLang="ko-KR" sz="1200" dirty="0"/>
                       </a:br>
                       <a:r>
-                        <a:rPr lang="en-US" altLang="ko-KR" sz="1400" dirty="0"/>
-                        <a:t>-</a:t>
-                      </a:r>
-                      <a:r>
-                        <a:rPr lang="en-US" altLang="ko-KR" sz="1400" dirty="0" err="1"/>
-                        <a:t>Old_S</a:t>
-                      </a:r>
-                      <a:endParaRPr lang="ko-KR" altLang="en-US" sz="1400" dirty="0"/>
-                    </a:p>
-                  </a:txBody>
-                  <a:tcPr anchor="ctr"/>
-                </a:tc>
-                <a:tc>
-                  <a:txBody>
-                    <a:bodyPr/>
-                    <a:lstStyle/>
-                    <a:p>
-                      <a:pPr algn="ctr" latinLnBrk="1"/>
-                      <a:r>
-                        <a:rPr lang="en-US" altLang="ko-KR" sz="1400" dirty="0"/>
-                        <a:t>0 or 1</a:t>
-                      </a:r>
-                      <a:endParaRPr lang="ko-KR" altLang="en-US" sz="1400" dirty="0"/>
-                    </a:p>
-                  </a:txBody>
-                  <a:tcPr anchor="ctr"/>
-                </a:tc>
-                <a:tc>
-                  <a:txBody>
-                    <a:bodyPr/>
-                    <a:lstStyle/>
-                    <a:p>
-                      <a:pPr algn="ctr" latinLnBrk="1"/>
-                      <a:r>
-                        <a:rPr lang="en-US" altLang="ko-KR" sz="1400" dirty="0"/>
-                        <a:t>0 or 1</a:t>
-                      </a:r>
-                      <a:endParaRPr lang="ko-KR" altLang="en-US" sz="1400" dirty="0"/>
-                    </a:p>
-                  </a:txBody>
-                  <a:tcPr anchor="ctr"/>
-                </a:tc>
-                <a:tc>
-                  <a:txBody>
-                    <a:bodyPr/>
-                    <a:lstStyle/>
-                    <a:p>
-                      <a:pPr algn="ctr" latinLnBrk="1"/>
-                      <a:endParaRPr lang="ko-KR" altLang="en-US" sz="1400" dirty="0"/>
+                        <a:rPr lang="en-US" altLang="ko-KR" sz="1200" dirty="0"/>
+                        <a:t>- </a:t>
+                      </a:r>
+                      <a:r>
+                        <a:rPr lang="en-US" altLang="ko-KR" sz="1200" dirty="0" err="1"/>
+                        <a:t>EndPoint.New</a:t>
+                      </a:r>
+                      <a:endParaRPr lang="ko-KR" altLang="en-US" sz="1200" dirty="0"/>
+                    </a:p>
+                    <a:p>
+                      <a:pPr algn="ctr" latinLnBrk="1"/>
+                      <a:r>
+                        <a:rPr lang="en-US" altLang="ko-KR" sz="1200" dirty="0"/>
+                        <a:t>- </a:t>
+                      </a:r>
+                      <a:r>
+                        <a:rPr lang="en-US" altLang="ko-KR" sz="1200" dirty="0" err="1"/>
+                        <a:t>EndPoint.Old</a:t>
+                      </a:r>
+                      <a:endParaRPr lang="ko-KR" altLang="en-US" sz="1200" dirty="0"/>
+                    </a:p>
+                  </a:txBody>
+                  <a:tcPr anchor="ctr"/>
+                </a:tc>
+                <a:tc>
+                  <a:txBody>
+                    <a:bodyPr/>
+                    <a:lstStyle/>
+                    <a:p>
+                      <a:pPr marL="0" marR="0" lvl="0" indent="0" algn="ctr" defTabSz="914400" rtl="0" eaLnBrk="1" fontAlgn="auto" latinLnBrk="1" hangingPunct="1">
+                        <a:lnSpc>
+                          <a:spcPct val="100000"/>
+                        </a:lnSpc>
+                        <a:spcBef>
+                          <a:spcPts val="0"/>
+                        </a:spcBef>
+                        <a:spcAft>
+                          <a:spcPts val="0"/>
+                        </a:spcAft>
+                        <a:buClrTx/>
+                        <a:buSzTx/>
+                        <a:buFontTx/>
+                        <a:buNone/>
+                        <a:tabLst/>
+                        <a:defRPr/>
+                      </a:pPr>
+                      <a:r>
+                        <a:rPr lang="en-US" altLang="ko-KR" sz="1200" dirty="0" err="1"/>
+                        <a:t>Stocker.Plate</a:t>
+                      </a:r>
+                      <a:br>
+                        <a:rPr lang="en-US" altLang="ko-KR" sz="1200" dirty="0"/>
+                      </a:br>
+                      <a:r>
+                        <a:rPr lang="en-US" altLang="ko-KR" sz="1200" dirty="0"/>
+                        <a:t>= </a:t>
+                      </a:r>
+                      <a:r>
+                        <a:rPr lang="en-US" altLang="ko-KR" sz="1200" dirty="0" err="1"/>
+                        <a:t>Stocker.Capa</a:t>
+                      </a:r>
+                      <a:br>
+                        <a:rPr lang="en-US" altLang="ko-KR" sz="1200" dirty="0"/>
+                      </a:br>
+                      <a:r>
+                        <a:rPr lang="en-US" altLang="ko-KR" sz="1200" dirty="0"/>
+                        <a:t>- </a:t>
+                      </a:r>
+                      <a:r>
+                        <a:rPr lang="en-US" altLang="ko-KR" sz="1200" dirty="0" err="1"/>
+                        <a:t>Stocker.New</a:t>
+                      </a:r>
+                      <a:endParaRPr lang="ko-KR" altLang="en-US" sz="1200" dirty="0"/>
+                    </a:p>
+                    <a:p>
+                      <a:pPr algn="ctr" latinLnBrk="1"/>
+                      <a:r>
+                        <a:rPr lang="en-US" altLang="ko-KR" sz="1200" dirty="0"/>
+                        <a:t>- </a:t>
+                      </a:r>
+                      <a:r>
+                        <a:rPr lang="en-US" altLang="ko-KR" sz="1200" dirty="0" err="1"/>
+                        <a:t>Stocker.Old</a:t>
+                      </a:r>
+                      <a:endParaRPr lang="ko-KR" altLang="en-US" sz="1200" dirty="0"/>
+                    </a:p>
+                  </a:txBody>
+                  <a:tcPr anchor="ctr"/>
+                </a:tc>
+                <a:tc>
+                  <a:txBody>
+                    <a:bodyPr/>
+                    <a:lstStyle/>
+                    <a:p>
+                      <a:pPr marL="0" marR="0" lvl="0" indent="0" algn="ctr" defTabSz="914400" rtl="0" eaLnBrk="1" fontAlgn="auto" latinLnBrk="1" hangingPunct="1">
+                        <a:lnSpc>
+                          <a:spcPct val="100000"/>
+                        </a:lnSpc>
+                        <a:spcBef>
+                          <a:spcPts val="0"/>
+                        </a:spcBef>
+                        <a:spcAft>
+                          <a:spcPts val="0"/>
+                        </a:spcAft>
+                        <a:buClrTx/>
+                        <a:buSzTx/>
+                        <a:buFontTx/>
+                        <a:buNone/>
+                        <a:tabLst/>
+                        <a:defRPr/>
+                      </a:pPr>
+                      <a:r>
+                        <a:rPr lang="en-US" altLang="ko-KR" sz="1200" dirty="0"/>
+                        <a:t>If(</a:t>
+                      </a:r>
+                      <a:r>
+                        <a:rPr lang="en-US" altLang="ko-KR" sz="1200" dirty="0" err="1"/>
+                        <a:t>Analyzer.New</a:t>
+                      </a:r>
+                      <a:r>
+                        <a:rPr lang="en-US" altLang="ko-KR" sz="1200" dirty="0"/>
+                        <a:t>==0 &amp;&amp; </a:t>
+                      </a:r>
+                      <a:r>
+                        <a:rPr lang="en-US" altLang="ko-KR" sz="1200" dirty="0" err="1"/>
+                        <a:t>Analyzer.Old</a:t>
+                      </a:r>
+                      <a:r>
+                        <a:rPr lang="en-US" altLang="ko-KR" sz="1200" dirty="0"/>
+                        <a:t>==0) then </a:t>
+                      </a:r>
+                      <a:r>
+                        <a:rPr lang="en-US" altLang="ko-KR" sz="1200" dirty="0" err="1"/>
+                        <a:t>Analyzer.Plate</a:t>
+                      </a:r>
+                      <a:r>
+                        <a:rPr lang="en-US" altLang="ko-KR" sz="1200" dirty="0"/>
+                        <a:t>=1</a:t>
+                      </a:r>
+                      <a:br>
+                        <a:rPr lang="en-US" altLang="ko-KR" sz="1200" dirty="0"/>
+                      </a:br>
+                      <a:r>
+                        <a:rPr lang="en-US" altLang="ko-KR" sz="1200" dirty="0"/>
+                        <a:t>else </a:t>
+                      </a:r>
+                      <a:r>
+                        <a:rPr lang="en-US" altLang="ko-KR" sz="1200" dirty="0" err="1"/>
+                        <a:t>Analyzer.Plate</a:t>
+                      </a:r>
+                      <a:r>
+                        <a:rPr lang="en-US" altLang="ko-KR" sz="1200" dirty="0"/>
+                        <a:t>=0</a:t>
+                      </a:r>
+                      <a:endParaRPr lang="ko-KR" altLang="en-US" sz="1200" dirty="0"/>
+                    </a:p>
+                  </a:txBody>
+                  <a:tcPr anchor="ctr"/>
+                </a:tc>
+                <a:tc>
+                  <a:txBody>
+                    <a:bodyPr/>
+                    <a:lstStyle/>
+                    <a:p>
+                      <a:pPr marL="0" marR="0" lvl="0" indent="0" algn="ctr" defTabSz="914400" rtl="0" eaLnBrk="1" fontAlgn="auto" latinLnBrk="1" hangingPunct="1">
+                        <a:lnSpc>
+                          <a:spcPct val="100000"/>
+                        </a:lnSpc>
+                        <a:spcBef>
+                          <a:spcPts val="0"/>
+                        </a:spcBef>
+                        <a:spcAft>
+                          <a:spcPts val="0"/>
+                        </a:spcAft>
+                        <a:buClrTx/>
+                        <a:buSzTx/>
+                        <a:buFontTx/>
+                        <a:buNone/>
+                        <a:tabLst/>
+                        <a:defRPr/>
+                      </a:pPr>
+                      <a:r>
+                        <a:rPr lang="en-US" altLang="ko-KR" sz="1200" dirty="0"/>
+                        <a:t>If(</a:t>
+                      </a:r>
+                      <a:r>
+                        <a:rPr lang="en-US" altLang="ko-KR" sz="1200" dirty="0" err="1"/>
+                        <a:t>Disposer.New</a:t>
+                      </a:r>
+                      <a:r>
+                        <a:rPr lang="en-US" altLang="ko-KR" sz="1200" dirty="0"/>
+                        <a:t>==0 &amp;&amp; </a:t>
+                      </a:r>
+                      <a:r>
+                        <a:rPr lang="en-US" altLang="ko-KR" sz="1200" dirty="0" err="1"/>
+                        <a:t>Disposer.Old</a:t>
+                      </a:r>
+                      <a:r>
+                        <a:rPr lang="en-US" altLang="ko-KR" sz="1200" dirty="0"/>
+                        <a:t>==0) then </a:t>
+                      </a:r>
+                      <a:r>
+                        <a:rPr lang="en-US" altLang="ko-KR" sz="1200" dirty="0" err="1"/>
+                        <a:t>Disposer.Plate</a:t>
+                      </a:r>
+                      <a:r>
+                        <a:rPr lang="en-US" altLang="ko-KR" sz="1200" dirty="0"/>
+                        <a:t>=1</a:t>
+                      </a:r>
+                      <a:br>
+                        <a:rPr lang="en-US" altLang="ko-KR" sz="1200" dirty="0"/>
+                      </a:br>
+                      <a:r>
+                        <a:rPr lang="en-US" altLang="ko-KR" sz="1200" dirty="0"/>
+                        <a:t>else </a:t>
+                      </a:r>
+                      <a:r>
+                        <a:rPr lang="en-US" altLang="ko-KR" sz="1200" dirty="0" err="1"/>
+                        <a:t>Disposer.Plate</a:t>
+                      </a:r>
+                      <a:r>
+                        <a:rPr lang="en-US" altLang="ko-KR" sz="1200" dirty="0"/>
+                        <a:t>=0</a:t>
+                      </a:r>
+                      <a:endParaRPr lang="ko-KR" altLang="en-US" sz="1200" dirty="0"/>
+                    </a:p>
+                  </a:txBody>
+                  <a:tcPr anchor="ctr"/>
+                </a:tc>
+                <a:tc>
+                  <a:txBody>
+                    <a:bodyPr/>
+                    <a:lstStyle/>
+                    <a:p>
+                      <a:pPr marL="0" marR="0" lvl="0" indent="0" algn="ctr" defTabSz="914400" rtl="0" eaLnBrk="1" fontAlgn="auto" latinLnBrk="1" hangingPunct="1">
+                        <a:lnSpc>
+                          <a:spcPct val="100000"/>
+                        </a:lnSpc>
+                        <a:spcBef>
+                          <a:spcPts val="0"/>
+                        </a:spcBef>
+                        <a:spcAft>
+                          <a:spcPts val="0"/>
+                        </a:spcAft>
+                        <a:buClrTx/>
+                        <a:buSzTx/>
+                        <a:buFontTx/>
+                        <a:buNone/>
+                        <a:tabLst/>
+                        <a:defRPr/>
+                      </a:pPr>
+                      <a:endParaRPr lang="en-US" altLang="ko-KR" sz="1200" dirty="0"/>
+                    </a:p>
+                    <a:p>
+                      <a:pPr marL="0" marR="0" lvl="0" indent="0" algn="ctr" defTabSz="914400" rtl="0" eaLnBrk="1" fontAlgn="auto" latinLnBrk="1" hangingPunct="1">
+                        <a:lnSpc>
+                          <a:spcPct val="100000"/>
+                        </a:lnSpc>
+                        <a:spcBef>
+                          <a:spcPts val="0"/>
+                        </a:spcBef>
+                        <a:spcAft>
+                          <a:spcPts val="0"/>
+                        </a:spcAft>
+                        <a:buClrTx/>
+                        <a:buSzTx/>
+                        <a:buFontTx/>
+                        <a:buNone/>
+                        <a:tabLst/>
+                        <a:defRPr/>
+                      </a:pPr>
+                      <a:r>
+                        <a:rPr lang="en-US" altLang="ko-KR" sz="1200" dirty="0" err="1"/>
+                        <a:t>MoMa.Plate</a:t>
+                      </a:r>
+                      <a:endParaRPr lang="en-US" altLang="ko-KR" sz="1200" dirty="0"/>
+                    </a:p>
+                    <a:p>
+                      <a:pPr marL="0" marR="0" lvl="0" indent="0" algn="ctr" defTabSz="914400" rtl="0" eaLnBrk="1" fontAlgn="auto" latinLnBrk="1" hangingPunct="1">
+                        <a:lnSpc>
+                          <a:spcPct val="100000"/>
+                        </a:lnSpc>
+                        <a:spcBef>
+                          <a:spcPts val="0"/>
+                        </a:spcBef>
+                        <a:spcAft>
+                          <a:spcPts val="0"/>
+                        </a:spcAft>
+                        <a:buClrTx/>
+                        <a:buSzTx/>
+                        <a:buFontTx/>
+                        <a:buNone/>
+                        <a:tabLst/>
+                        <a:defRPr/>
+                      </a:pPr>
+                      <a:r>
+                        <a:rPr lang="en-US" altLang="ko-KR" sz="1200" dirty="0"/>
+                        <a:t>= (</a:t>
+                      </a:r>
+                      <a:r>
+                        <a:rPr lang="en-US" altLang="ko-KR" sz="1200" dirty="0" err="1"/>
+                        <a:t>MoMa.New</a:t>
+                      </a:r>
+                      <a:r>
+                        <a:rPr lang="en-US" altLang="ko-KR" sz="1200" dirty="0"/>
+                        <a:t> – 1)**2</a:t>
+                      </a:r>
+                      <a:endParaRPr lang="ko-KR" altLang="en-US" sz="1200" dirty="0"/>
                     </a:p>
                   </a:txBody>
                   <a:tcPr anchor="ctr"/>
@@ -14082,15 +18024,15 @@
                   </a:ext>
                 </a:extLst>
               </a:tr>
-              <a:tr h="370840">
-                <a:tc>
-                  <a:txBody>
-                    <a:bodyPr/>
-                    <a:lstStyle/>
-                    <a:p>
-                      <a:pPr algn="ctr" latinLnBrk="1"/>
-                      <a:r>
-                        <a:rPr lang="en-US" altLang="ko-KR" sz="1400" b="1" dirty="0">
+              <a:tr h="324996">
+                <a:tc>
+                  <a:txBody>
+                    <a:bodyPr/>
+                    <a:lstStyle/>
+                    <a:p>
+                      <a:pPr algn="ctr" latinLnBrk="1"/>
+                      <a:r>
+                        <a:rPr lang="en-US" altLang="ko-KR" sz="1200" b="1" dirty="0">
                           <a:solidFill>
                             <a:srgbClr val="FF0000"/>
                           </a:solidFill>
@@ -14098,7 +18040,7 @@
                         <a:t>Capacity (</a:t>
                       </a:r>
                       <a:r>
-                        <a:rPr lang="ko-KR" altLang="en-US" sz="1400" b="1" dirty="0">
+                        <a:rPr lang="ko-KR" altLang="en-US" sz="1200" b="1" dirty="0">
                           <a:solidFill>
                             <a:srgbClr val="FF0000"/>
                           </a:solidFill>
@@ -14106,14 +18048,14 @@
                         <a:t>고정</a:t>
                       </a:r>
                       <a:r>
-                        <a:rPr lang="en-US" altLang="ko-KR" sz="1400" b="1" dirty="0">
+                        <a:rPr lang="en-US" altLang="ko-KR" sz="1200" b="1" dirty="0">
                           <a:solidFill>
                             <a:srgbClr val="FF0000"/>
                           </a:solidFill>
                         </a:rPr>
                         <a:t>)</a:t>
                       </a:r>
-                      <a:endParaRPr lang="ko-KR" altLang="en-US" sz="1400" b="1" dirty="0">
+                      <a:endParaRPr lang="ko-KR" altLang="en-US" sz="1200" b="1" dirty="0">
                         <a:solidFill>
                           <a:srgbClr val="FF0000"/>
                         </a:solidFill>
@@ -14129,70 +18071,70 @@
                     <a:p>
                       <a:pPr algn="ctr" latinLnBrk="1"/>
                       <a:r>
-                        <a:rPr lang="en-US" altLang="ko-KR" sz="1400" dirty="0" err="1"/>
-                        <a:t>Capa_E</a:t>
-                      </a:r>
-                      <a:endParaRPr lang="ko-KR" altLang="en-US" sz="1400" dirty="0"/>
-                    </a:p>
-                  </a:txBody>
-                  <a:tcPr anchor="ctr"/>
-                </a:tc>
-                <a:tc>
-                  <a:txBody>
-                    <a:bodyPr/>
-                    <a:lstStyle/>
-                    <a:p>
-                      <a:pPr algn="ctr" latinLnBrk="1"/>
-                      <a:r>
-                        <a:rPr lang="en-US" altLang="ko-KR" sz="1400" dirty="0" err="1"/>
-                        <a:t>Capa_S</a:t>
-                      </a:r>
-                      <a:endParaRPr lang="ko-KR" altLang="en-US" sz="1400" dirty="0"/>
-                    </a:p>
-                  </a:txBody>
-                  <a:tcPr anchor="ctr"/>
-                </a:tc>
-                <a:tc>
-                  <a:txBody>
-                    <a:bodyPr/>
-                    <a:lstStyle/>
-                    <a:p>
-                      <a:pPr algn="ctr" latinLnBrk="1"/>
-                      <a:r>
-                        <a:rPr lang="en-US" altLang="ko-KR" sz="1400" dirty="0"/>
+                        <a:rPr lang="en-US" altLang="ko-KR" sz="1200" dirty="0" err="1"/>
+                        <a:t>EndPoint.Capa</a:t>
+                      </a:r>
+                      <a:endParaRPr lang="ko-KR" altLang="en-US" sz="1200" dirty="0"/>
+                    </a:p>
+                  </a:txBody>
+                  <a:tcPr anchor="ctr"/>
+                </a:tc>
+                <a:tc>
+                  <a:txBody>
+                    <a:bodyPr/>
+                    <a:lstStyle/>
+                    <a:p>
+                      <a:pPr algn="ctr" latinLnBrk="1"/>
+                      <a:r>
+                        <a:rPr lang="en-US" altLang="ko-KR" sz="1200" dirty="0" err="1"/>
+                        <a:t>Stocker.Capa</a:t>
+                      </a:r>
+                      <a:endParaRPr lang="ko-KR" altLang="en-US" sz="1200" dirty="0"/>
+                    </a:p>
+                  </a:txBody>
+                  <a:tcPr anchor="ctr"/>
+                </a:tc>
+                <a:tc>
+                  <a:txBody>
+                    <a:bodyPr/>
+                    <a:lstStyle/>
+                    <a:p>
+                      <a:pPr algn="ctr" latinLnBrk="1"/>
+                      <a:r>
+                        <a:rPr lang="en-US" altLang="ko-KR" sz="1200" dirty="0"/>
                         <a:t>1</a:t>
                       </a:r>
-                      <a:endParaRPr lang="ko-KR" altLang="en-US" sz="1400" dirty="0"/>
-                    </a:p>
-                  </a:txBody>
-                  <a:tcPr anchor="ctr"/>
-                </a:tc>
-                <a:tc>
-                  <a:txBody>
-                    <a:bodyPr/>
-                    <a:lstStyle/>
-                    <a:p>
-                      <a:pPr algn="ctr" latinLnBrk="1"/>
-                      <a:r>
-                        <a:rPr lang="en-US" altLang="ko-KR" sz="1400" dirty="0"/>
+                      <a:endParaRPr lang="ko-KR" altLang="en-US" sz="1200" dirty="0"/>
+                    </a:p>
+                  </a:txBody>
+                  <a:tcPr anchor="ctr"/>
+                </a:tc>
+                <a:tc>
+                  <a:txBody>
+                    <a:bodyPr/>
+                    <a:lstStyle/>
+                    <a:p>
+                      <a:pPr algn="ctr" latinLnBrk="1"/>
+                      <a:r>
+                        <a:rPr lang="en-US" altLang="ko-KR" sz="1200" dirty="0"/>
                         <a:t>1</a:t>
                       </a:r>
-                      <a:endParaRPr lang="ko-KR" altLang="en-US" sz="1400" dirty="0"/>
-                    </a:p>
-                  </a:txBody>
-                  <a:tcPr anchor="ctr"/>
-                </a:tc>
-                <a:tc>
-                  <a:txBody>
-                    <a:bodyPr/>
-                    <a:lstStyle/>
-                    <a:p>
-                      <a:pPr algn="ctr" latinLnBrk="1"/>
-                      <a:r>
-                        <a:rPr lang="en-US" altLang="ko-KR" sz="1400" dirty="0"/>
+                      <a:endParaRPr lang="ko-KR" altLang="en-US" sz="1200" dirty="0"/>
+                    </a:p>
+                  </a:txBody>
+                  <a:tcPr anchor="ctr"/>
+                </a:tc>
+                <a:tc>
+                  <a:txBody>
+                    <a:bodyPr/>
+                    <a:lstStyle/>
+                    <a:p>
+                      <a:pPr algn="ctr" latinLnBrk="1"/>
+                      <a:r>
+                        <a:rPr lang="en-US" altLang="ko-KR" sz="1200" dirty="0"/>
                         <a:t>1</a:t>
                       </a:r>
-                      <a:endParaRPr lang="ko-KR" altLang="en-US" sz="1400" dirty="0"/>
+                      <a:endParaRPr lang="ko-KR" altLang="en-US" sz="1200" dirty="0"/>
                     </a:p>
                   </a:txBody>
                   <a:tcPr anchor="ctr"/>
@@ -14203,22 +18145,22 @@
                   </a:ext>
                 </a:extLst>
               </a:tr>
-              <a:tr h="370840">
-                <a:tc>
-                  <a:txBody>
-                    <a:bodyPr/>
-                    <a:lstStyle/>
-                    <a:p>
-                      <a:pPr algn="ctr" latinLnBrk="1"/>
-                      <a:r>
-                        <a:rPr lang="en-US" altLang="ko-KR" sz="1400" b="1" dirty="0">
+              <a:tr h="324996">
+                <a:tc>
+                  <a:txBody>
+                    <a:bodyPr/>
+                    <a:lstStyle/>
+                    <a:p>
+                      <a:pPr algn="ctr" latinLnBrk="1"/>
+                      <a:r>
+                        <a:rPr lang="en-US" altLang="ko-KR" sz="1200" b="1" dirty="0">
                           <a:solidFill>
                             <a:srgbClr val="FF0000"/>
                           </a:solidFill>
                         </a:rPr>
                         <a:t>Status</a:t>
                       </a:r>
-                      <a:endParaRPr lang="ko-KR" altLang="en-US" sz="1400" b="1" dirty="0">
+                      <a:endParaRPr lang="ko-KR" altLang="en-US" sz="1200" b="1" dirty="0">
                         <a:solidFill>
                           <a:srgbClr val="FF0000"/>
                         </a:solidFill>
@@ -14234,70 +18176,70 @@
                     <a:p>
                       <a:pPr algn="ctr" latinLnBrk="1"/>
                       <a:r>
-                        <a:rPr lang="en-US" altLang="ko-KR" sz="1400" dirty="0"/>
+                        <a:rPr lang="en-US" altLang="ko-KR" sz="1200" dirty="0"/>
                         <a:t>Full = 0 or 1</a:t>
                       </a:r>
-                      <a:endParaRPr lang="ko-KR" altLang="en-US" sz="1400" dirty="0"/>
-                    </a:p>
-                  </a:txBody>
-                  <a:tcPr anchor="ctr"/>
-                </a:tc>
-                <a:tc>
-                  <a:txBody>
-                    <a:bodyPr/>
-                    <a:lstStyle/>
-                    <a:p>
-                      <a:pPr algn="ctr" latinLnBrk="1"/>
-                      <a:r>
-                        <a:rPr lang="en-US" altLang="ko-KR" sz="1400" dirty="0"/>
+                      <a:endParaRPr lang="ko-KR" altLang="en-US" sz="1200" dirty="0"/>
+                    </a:p>
+                  </a:txBody>
+                  <a:tcPr anchor="ctr"/>
+                </a:tc>
+                <a:tc>
+                  <a:txBody>
+                    <a:bodyPr/>
+                    <a:lstStyle/>
+                    <a:p>
+                      <a:pPr algn="ctr" latinLnBrk="1"/>
+                      <a:r>
+                        <a:rPr lang="en-US" altLang="ko-KR" sz="1200" dirty="0"/>
                         <a:t>Full = 0 or 1</a:t>
                       </a:r>
-                      <a:endParaRPr lang="ko-KR" altLang="en-US" sz="1400" dirty="0"/>
-                    </a:p>
-                  </a:txBody>
-                  <a:tcPr anchor="ctr"/>
-                </a:tc>
-                <a:tc>
-                  <a:txBody>
-                    <a:bodyPr/>
-                    <a:lstStyle/>
-                    <a:p>
-                      <a:pPr algn="ctr" latinLnBrk="1"/>
-                      <a:r>
-                        <a:rPr lang="en-US" altLang="ko-KR" sz="1400" dirty="0"/>
+                      <a:endParaRPr lang="ko-KR" altLang="en-US" sz="1200" dirty="0"/>
+                    </a:p>
+                  </a:txBody>
+                  <a:tcPr anchor="ctr"/>
+                </a:tc>
+                <a:tc>
+                  <a:txBody>
+                    <a:bodyPr/>
+                    <a:lstStyle/>
+                    <a:p>
+                      <a:pPr algn="ctr" latinLnBrk="1"/>
+                      <a:r>
+                        <a:rPr lang="en-US" altLang="ko-KR" sz="1200" dirty="0"/>
                         <a:t>On/Off</a:t>
                       </a:r>
-                      <a:endParaRPr lang="ko-KR" altLang="en-US" sz="1400" dirty="0"/>
-                    </a:p>
-                  </a:txBody>
-                  <a:tcPr anchor="ctr"/>
-                </a:tc>
-                <a:tc>
-                  <a:txBody>
-                    <a:bodyPr/>
-                    <a:lstStyle/>
-                    <a:p>
-                      <a:pPr algn="ctr" latinLnBrk="1"/>
-                      <a:r>
-                        <a:rPr lang="en-US" altLang="ko-KR" sz="1400" dirty="0"/>
+                      <a:endParaRPr lang="ko-KR" altLang="en-US" sz="1200" dirty="0"/>
+                    </a:p>
+                  </a:txBody>
+                  <a:tcPr anchor="ctr"/>
+                </a:tc>
+                <a:tc>
+                  <a:txBody>
+                    <a:bodyPr/>
+                    <a:lstStyle/>
+                    <a:p>
+                      <a:pPr algn="ctr" latinLnBrk="1"/>
+                      <a:r>
+                        <a:rPr lang="en-US" altLang="ko-KR" sz="1200" dirty="0"/>
                         <a:t>On/Off</a:t>
                       </a:r>
-                      <a:endParaRPr lang="ko-KR" altLang="en-US" sz="1400" dirty="0"/>
-                    </a:p>
-                  </a:txBody>
-                  <a:tcPr anchor="ctr"/>
-                </a:tc>
-                <a:tc>
-                  <a:txBody>
-                    <a:bodyPr/>
-                    <a:lstStyle/>
-                    <a:p>
-                      <a:pPr algn="ctr" latinLnBrk="1"/>
-                      <a:r>
-                        <a:rPr lang="en-US" altLang="ko-KR" sz="1400" dirty="0"/>
+                      <a:endParaRPr lang="ko-KR" altLang="en-US" sz="1200" dirty="0"/>
+                    </a:p>
+                  </a:txBody>
+                  <a:tcPr anchor="ctr"/>
+                </a:tc>
+                <a:tc>
+                  <a:txBody>
+                    <a:bodyPr/>
+                    <a:lstStyle/>
+                    <a:p>
+                      <a:pPr algn="ctr" latinLnBrk="1"/>
+                      <a:r>
+                        <a:rPr lang="en-US" altLang="ko-KR" sz="1200" dirty="0"/>
                         <a:t>Idle/Busy</a:t>
                       </a:r>
-                      <a:endParaRPr lang="ko-KR" altLang="en-US" sz="1400" dirty="0"/>
+                      <a:endParaRPr lang="ko-KR" altLang="en-US" sz="1200" dirty="0"/>
                     </a:p>
                   </a:txBody>
                   <a:tcPr anchor="ctr"/>
@@ -14360,7 +18302,7 @@
         </p:blipFill>
         <p:spPr>
           <a:xfrm flipH="1">
-            <a:off x="5475407" y="1793585"/>
+            <a:off x="5268579" y="1743233"/>
             <a:ext cx="522732" cy="705787"/>
           </a:xfrm>
           <a:prstGeom prst="rect">
@@ -14416,7 +18358,7 @@
         </p:blipFill>
         <p:spPr>
           <a:xfrm flipH="1">
-            <a:off x="3695865" y="1758826"/>
+            <a:off x="3597892" y="1708474"/>
             <a:ext cx="750785" cy="775305"/>
           </a:xfrm>
           <a:prstGeom prst="rect">
@@ -14469,7 +18411,7 @@
         </p:blipFill>
         <p:spPr>
           <a:xfrm>
-            <a:off x="7070893" y="1714653"/>
+            <a:off x="6776979" y="1664301"/>
             <a:ext cx="475775" cy="863650"/>
           </a:xfrm>
           <a:prstGeom prst="rect">
@@ -14524,7 +18466,7 @@
         </p:blipFill>
         <p:spPr>
           <a:xfrm>
-            <a:off x="2224637" y="1772871"/>
+            <a:off x="2224637" y="1722519"/>
             <a:ext cx="591109" cy="747215"/>
           </a:xfrm>
           <a:prstGeom prst="rect">
@@ -14577,8 +18519,8 @@
         </p:blipFill>
         <p:spPr>
           <a:xfrm>
-            <a:off x="8469792" y="1599904"/>
-            <a:ext cx="638154" cy="1093148"/>
+            <a:off x="8482097" y="1636036"/>
+            <a:ext cx="537180" cy="920181"/>
           </a:xfrm>
           <a:prstGeom prst="rect">
             <a:avLst/>
@@ -14599,8 +18541,8 @@
         </p:nvSpPr>
         <p:spPr>
           <a:xfrm>
-            <a:off x="4253653" y="5867403"/>
-            <a:ext cx="4535216" cy="738664"/>
+            <a:off x="4040712" y="6173018"/>
+            <a:ext cx="3914854" cy="646331"/>
           </a:xfrm>
           <a:prstGeom prst="rect">
             <a:avLst/>
@@ -14614,105 +18556,105 @@
           <a:lstStyle/>
           <a:p>
             <a:r>
-              <a:rPr kumimoji="1" lang="ko-KR" altLang="en-US" sz="1400" dirty="0"/>
+              <a:rPr kumimoji="1" lang="ko-KR" altLang="en-US" sz="1200" dirty="0"/>
               <a:t>분석기의 작업시작</a:t>
             </a:r>
             <a:r>
-              <a:rPr kumimoji="1" lang="en-US" altLang="ko-KR" sz="1400" dirty="0"/>
+              <a:rPr kumimoji="1" lang="en-US" altLang="ko-KR" sz="1200" dirty="0"/>
               <a:t>=</a:t>
             </a:r>
             <a:r>
-              <a:rPr kumimoji="1" lang="ko-KR" altLang="en-US" sz="1400" dirty="0"/>
+              <a:rPr kumimoji="1" lang="ko-KR" altLang="en-US" sz="1200" dirty="0"/>
               <a:t>반입 </a:t>
             </a:r>
             <a:r>
-              <a:rPr kumimoji="1" lang="en-US" altLang="ko-KR" sz="1400" dirty="0"/>
+              <a:rPr kumimoji="1" lang="en-US" altLang="ko-KR" sz="1200" dirty="0"/>
               <a:t>/</a:t>
             </a:r>
             <a:r>
-              <a:rPr kumimoji="1" lang="ko-KR" altLang="en-US" sz="1400" dirty="0"/>
+              <a:rPr kumimoji="1" lang="ko-KR" altLang="en-US" sz="1200" dirty="0"/>
               <a:t> 분석기의 작업종료</a:t>
             </a:r>
             <a:r>
-              <a:rPr kumimoji="1" lang="en-US" altLang="ko-KR" sz="1400" dirty="0"/>
+              <a:rPr kumimoji="1" lang="en-US" altLang="ko-KR" sz="1200" dirty="0"/>
               <a:t>=</a:t>
             </a:r>
             <a:r>
-              <a:rPr kumimoji="1" lang="ko-KR" altLang="en-US" sz="1400" dirty="0"/>
+              <a:rPr kumimoji="1" lang="ko-KR" altLang="en-US" sz="1200" dirty="0"/>
               <a:t>반출</a:t>
             </a:r>
-            <a:endParaRPr kumimoji="1" lang="en-US" altLang="ko-KR" sz="1400" dirty="0"/>
+            <a:endParaRPr kumimoji="1" lang="en-US" altLang="ko-KR" sz="1200" dirty="0"/>
           </a:p>
           <a:p>
             <a:r>
-              <a:rPr kumimoji="1" lang="ko-KR" altLang="en-US" sz="1400" dirty="0"/>
+              <a:rPr kumimoji="1" lang="ko-KR" altLang="en-US" sz="1200" dirty="0"/>
               <a:t>폐기설비의 작업시작</a:t>
             </a:r>
             <a:r>
-              <a:rPr kumimoji="1" lang="en-US" altLang="ko-KR" sz="1400" dirty="0"/>
+              <a:rPr kumimoji="1" lang="en-US" altLang="ko-KR" sz="1200" dirty="0"/>
               <a:t>=</a:t>
             </a:r>
             <a:r>
-              <a:rPr kumimoji="1" lang="ko-KR" altLang="en-US" sz="1400" dirty="0"/>
+              <a:rPr kumimoji="1" lang="ko-KR" altLang="en-US" sz="1200" dirty="0"/>
               <a:t>반입 </a:t>
             </a:r>
             <a:r>
-              <a:rPr kumimoji="1" lang="en-US" altLang="ko-KR" sz="1400" dirty="0"/>
+              <a:rPr kumimoji="1" lang="en-US" altLang="ko-KR" sz="1200" dirty="0"/>
               <a:t>/</a:t>
             </a:r>
             <a:r>
-              <a:rPr kumimoji="1" lang="ko-KR" altLang="en-US" sz="1400" dirty="0"/>
+              <a:rPr kumimoji="1" lang="ko-KR" altLang="en-US" sz="1200" dirty="0"/>
               <a:t> 폐기설비의 작업종료</a:t>
             </a:r>
             <a:r>
-              <a:rPr kumimoji="1" lang="en-US" altLang="ko-KR" sz="1400" dirty="0"/>
+              <a:rPr kumimoji="1" lang="en-US" altLang="ko-KR" sz="1200" dirty="0"/>
               <a:t>=</a:t>
             </a:r>
             <a:r>
-              <a:rPr kumimoji="1" lang="ko-KR" altLang="en-US" sz="1400" dirty="0"/>
+              <a:rPr kumimoji="1" lang="ko-KR" altLang="en-US" sz="1200" dirty="0"/>
               <a:t>반출</a:t>
             </a:r>
-            <a:endParaRPr kumimoji="1" lang="en-US" altLang="ko-KR" sz="1400" dirty="0"/>
+            <a:endParaRPr kumimoji="1" lang="en-US" altLang="ko-KR" sz="1200" dirty="0"/>
           </a:p>
           <a:p>
             <a:r>
-              <a:rPr kumimoji="1" lang="en-US" altLang="ko-KR" sz="1400" dirty="0"/>
+              <a:rPr kumimoji="1" lang="en-US" altLang="ko-KR" sz="1200" dirty="0"/>
               <a:t>Get by </a:t>
             </a:r>
             <a:r>
-              <a:rPr kumimoji="1" lang="en-US" altLang="ko-KR" sz="1400" dirty="0" err="1"/>
+              <a:rPr kumimoji="1" lang="en-US" altLang="ko-KR" sz="1200" dirty="0" err="1"/>
               <a:t>MoMoa</a:t>
             </a:r>
             <a:r>
-              <a:rPr kumimoji="1" lang="en-US" altLang="ko-KR" sz="1400" dirty="0"/>
+              <a:rPr kumimoji="1" lang="en-US" altLang="ko-KR" sz="1200" dirty="0"/>
               <a:t> = </a:t>
             </a:r>
             <a:r>
-              <a:rPr kumimoji="1" lang="ko-KR" altLang="en-US" sz="1400" dirty="0"/>
+              <a:rPr kumimoji="1" lang="ko-KR" altLang="en-US" sz="1200" dirty="0"/>
               <a:t>반입 </a:t>
             </a:r>
             <a:r>
-              <a:rPr kumimoji="1" lang="en-US" altLang="ko-KR" sz="1400" dirty="0"/>
+              <a:rPr kumimoji="1" lang="en-US" altLang="ko-KR" sz="1200" dirty="0"/>
               <a:t>/</a:t>
             </a:r>
             <a:r>
-              <a:rPr kumimoji="1" lang="ko-KR" altLang="en-US" sz="1400" dirty="0"/>
+              <a:rPr kumimoji="1" lang="ko-KR" altLang="en-US" sz="1200" dirty="0"/>
               <a:t> </a:t>
             </a:r>
             <a:r>
-              <a:rPr kumimoji="1" lang="en-US" altLang="ko-KR" sz="1400" dirty="0"/>
+              <a:rPr kumimoji="1" lang="en-US" altLang="ko-KR" sz="1200" dirty="0"/>
               <a:t>Put by </a:t>
             </a:r>
             <a:r>
-              <a:rPr kumimoji="1" lang="en-US" altLang="ko-KR" sz="1400" dirty="0" err="1"/>
+              <a:rPr kumimoji="1" lang="en-US" altLang="ko-KR" sz="1200" dirty="0" err="1"/>
               <a:t>MoMa</a:t>
             </a:r>
             <a:r>
-              <a:rPr kumimoji="1" lang="en-US" altLang="ko-KR" sz="1400" dirty="0"/>
+              <a:rPr kumimoji="1" lang="en-US" altLang="ko-KR" sz="1200" dirty="0"/>
               <a:t> = </a:t>
             </a:r>
             <a:r>
-              <a:rPr kumimoji="1" lang="ko-KR" altLang="en-US" sz="1400" dirty="0"/>
+              <a:rPr kumimoji="1" lang="ko-KR" altLang="en-US" sz="1200" dirty="0"/>
               <a:t>반출</a:t>
             </a:r>
           </a:p>
@@ -17454,7 +21396,26 @@
                   <a:sysClr val="windowText" lastClr="000000"/>
                 </a:solidFill>
               </a:rPr>
-              <a:t>Find Plate</a:t>
+              <a:t>Find </a:t>
+            </a:r>
+            <a:r>
+              <a:rPr kumimoji="1" lang="en-US" altLang="ko-KR" sz="1400" b="1" i="1" dirty="0">
+                <a:solidFill>
+                  <a:schemeClr val="tx1">
+                    <a:lumMod val="50000"/>
+                    <a:lumOff val="50000"/>
+                  </a:schemeClr>
+                </a:solidFill>
+              </a:rPr>
+              <a:t>empty</a:t>
+            </a:r>
+            <a:r>
+              <a:rPr kumimoji="1" lang="en-US" altLang="ko-KR" sz="1400" dirty="0">
+                <a:solidFill>
+                  <a:sysClr val="windowText" lastClr="000000"/>
+                </a:solidFill>
+              </a:rPr>
+              <a:t> Plate</a:t>
             </a:r>
             <a:endParaRPr kumimoji="1" lang="ko-KR" altLang="en-US" sz="1400" dirty="0">
               <a:solidFill>
@@ -18283,7 +22244,7 @@
           <a:p>
             <a:r>
               <a:rPr kumimoji="1" lang="en-US" altLang="ko-KR" dirty="0"/>
-              <a:t>Analyzer / Disposer / </a:t>
+              <a:t>Initialization of Analyzer / Disposer / </a:t>
             </a:r>
             <a:r>
               <a:rPr kumimoji="1" lang="en-US" altLang="ko-KR" dirty="0" err="1"/>
@@ -18295,10 +22256,10 @@
       </p:sp>
       <p:sp>
         <p:nvSpPr>
-          <p:cNvPr id="4" name="TextBox 3">
-            <a:extLst>
-              <a:ext uri="{FF2B5EF4-FFF2-40B4-BE49-F238E27FC236}">
-                <a16:creationId xmlns:a16="http://schemas.microsoft.com/office/drawing/2014/main" id="{BA45E705-127C-4C77-F044-F995758049A6}"/>
+          <p:cNvPr id="8" name="TextBox 7">
+            <a:extLst>
+              <a:ext uri="{FF2B5EF4-FFF2-40B4-BE49-F238E27FC236}">
+                <a16:creationId xmlns:a16="http://schemas.microsoft.com/office/drawing/2014/main" id="{DB439F8F-F63F-44F1-B84B-01BE7C5A4941}"/>
               </a:ext>
             </a:extLst>
           </p:cNvPr>
@@ -18307,8 +22268,8 @@
         </p:nvSpPr>
         <p:spPr>
           <a:xfrm>
-            <a:off x="1185229" y="1339878"/>
-            <a:ext cx="6979859" cy="738664"/>
+            <a:off x="680720" y="891921"/>
+            <a:ext cx="6542176" cy="5078313"/>
           </a:xfrm>
           <a:prstGeom prst="rect">
             <a:avLst/>
@@ -18322,234 +22283,517 @@
           <a:lstStyle/>
           <a:p>
             <a:r>
-              <a:rPr kumimoji="1" lang="en-US" altLang="ko-KR" sz="1400" dirty="0"/>
-              <a:t>If (</a:t>
-            </a:r>
-            <a:r>
-              <a:rPr kumimoji="1" lang="en-US" altLang="ko-KR" sz="1400" dirty="0" err="1"/>
-              <a:t>New_A</a:t>
-            </a:r>
-            <a:r>
-              <a:rPr kumimoji="1" lang="en-US" altLang="ko-KR" sz="1400" dirty="0"/>
-              <a:t> == 0) then </a:t>
-            </a:r>
-            <a:r>
-              <a:rPr kumimoji="1" lang="en-US" altLang="ko-KR" sz="1400" dirty="0" err="1"/>
-              <a:t>Analyer_Status</a:t>
-            </a:r>
-            <a:r>
-              <a:rPr kumimoji="1" lang="en-US" altLang="ko-KR" sz="1400" dirty="0"/>
-              <a:t> = IDLE else </a:t>
-            </a:r>
-            <a:r>
-              <a:rPr kumimoji="1" lang="en-US" altLang="ko-KR" sz="1400" dirty="0" err="1"/>
-              <a:t>Analyzer_Status</a:t>
-            </a:r>
-            <a:r>
-              <a:rPr kumimoji="1" lang="en-US" altLang="ko-KR" sz="1400" dirty="0"/>
-              <a:t> = BUSY</a:t>
-            </a:r>
+              <a:rPr kumimoji="1" lang="en-US" altLang="ko-KR" sz="1200" dirty="0"/>
+              <a:t>// </a:t>
+            </a:r>
+            <a:r>
+              <a:rPr kumimoji="1" lang="ko-KR" altLang="en-US" sz="1200" dirty="0"/>
+              <a:t>작업 시작 전의 초기화</a:t>
+            </a:r>
+            <a:endParaRPr kumimoji="1" lang="en-US" altLang="ko-KR" sz="1200" dirty="0"/>
           </a:p>
           <a:p>
             <a:r>
-              <a:rPr kumimoji="1" lang="en-US" altLang="ko-KR" sz="1400" dirty="0"/>
-              <a:t>If (</a:t>
-            </a:r>
-            <a:r>
-              <a:rPr kumimoji="1" lang="en-US" altLang="ko-KR" sz="1400" dirty="0" err="1"/>
-              <a:t>New_D</a:t>
-            </a:r>
-            <a:r>
-              <a:rPr kumimoji="1" lang="en-US" altLang="ko-KR" sz="1400" dirty="0"/>
-              <a:t> == 0) then </a:t>
-            </a:r>
-            <a:r>
-              <a:rPr kumimoji="1" lang="en-US" altLang="ko-KR" sz="1400" dirty="0" err="1"/>
-              <a:t>Disposal_Status</a:t>
-            </a:r>
-            <a:r>
-              <a:rPr kumimoji="1" lang="en-US" altLang="ko-KR" sz="1400" dirty="0"/>
-              <a:t> = IDLE else </a:t>
-            </a:r>
-            <a:r>
-              <a:rPr kumimoji="1" lang="en-US" altLang="ko-KR" sz="1400" dirty="0" err="1"/>
-              <a:t>Disposer_Status</a:t>
-            </a:r>
-            <a:r>
-              <a:rPr kumimoji="1" lang="en-US" altLang="ko-KR" sz="1400" dirty="0"/>
-              <a:t> = BUSY</a:t>
+              <a:rPr kumimoji="1" lang="en-US" altLang="ko-KR" sz="1200" dirty="0"/>
+              <a:t>Int </a:t>
+            </a:r>
+            <a:r>
+              <a:rPr kumimoji="1" lang="en-US" altLang="ko-KR" sz="1200" dirty="0" err="1"/>
+              <a:t>Initialization_Overall</a:t>
+            </a:r>
+            <a:r>
+              <a:rPr kumimoji="1" lang="en-US" altLang="ko-KR" sz="1200" dirty="0"/>
+              <a:t> () {</a:t>
             </a:r>
           </a:p>
           <a:p>
             <a:r>
-              <a:rPr kumimoji="1" lang="en-US" altLang="ko-KR" sz="1400" dirty="0"/>
-              <a:t>If (</a:t>
-            </a:r>
-            <a:r>
-              <a:rPr kumimoji="1" lang="en-US" altLang="ko-KR" sz="1400" dirty="0" err="1"/>
-              <a:t>MoMa_Empty</a:t>
-            </a:r>
-            <a:r>
-              <a:rPr kumimoji="1" lang="en-US" altLang="ko-KR" sz="1400" dirty="0"/>
-              <a:t> &amp;&amp; !</a:t>
-            </a:r>
-            <a:r>
-              <a:rPr kumimoji="1" lang="en-US" altLang="ko-KR" sz="1400" dirty="0" err="1"/>
-              <a:t>MoMa_Moving</a:t>
-            </a:r>
-            <a:r>
-              <a:rPr kumimoji="1" lang="en-US" altLang="ko-KR" sz="1400" dirty="0"/>
-              <a:t>) then </a:t>
-            </a:r>
-            <a:r>
-              <a:rPr kumimoji="1" lang="en-US" altLang="ko-KR" sz="1400" dirty="0" err="1"/>
-              <a:t>MoMa_Status</a:t>
-            </a:r>
-            <a:r>
-              <a:rPr kumimoji="1" lang="en-US" altLang="ko-KR" sz="1400" dirty="0"/>
-              <a:t> = IDLE else </a:t>
-            </a:r>
-            <a:r>
-              <a:rPr kumimoji="1" lang="en-US" altLang="ko-KR" sz="1400" dirty="0" err="1"/>
-              <a:t>MoMa_Status</a:t>
-            </a:r>
-            <a:r>
-              <a:rPr kumimoji="1" lang="en-US" altLang="ko-KR" sz="1400" dirty="0"/>
-              <a:t> - BUSY</a:t>
-            </a:r>
-            <a:endParaRPr kumimoji="1" lang="ko-KR" altLang="en-US" sz="1400" dirty="0"/>
+              <a:rPr kumimoji="1" lang="en-US" altLang="ko-KR" sz="1200" dirty="0"/>
+              <a:t>	// </a:t>
+            </a:r>
+            <a:r>
+              <a:rPr kumimoji="1" lang="ko-KR" altLang="en-US" sz="1200" dirty="0"/>
+              <a:t>모든 기기가 빈</a:t>
+            </a:r>
+            <a:r>
+              <a:rPr kumimoji="1" lang="en-US" altLang="ko-KR" sz="1200" dirty="0"/>
+              <a:t>(IDLE)</a:t>
+            </a:r>
+            <a:r>
+              <a:rPr kumimoji="1" lang="ko-KR" altLang="en-US" sz="1200" dirty="0"/>
+              <a:t> 상태</a:t>
+            </a:r>
+            <a:endParaRPr kumimoji="1" lang="en-US" altLang="ko-KR" sz="1200" dirty="0"/>
           </a:p>
-        </p:txBody>
-      </p:sp>
-      <p:sp>
-        <p:nvSpPr>
-          <p:cNvPr id="5" name="TextBox 4">
-            <a:extLst>
-              <a:ext uri="{FF2B5EF4-FFF2-40B4-BE49-F238E27FC236}">
-                <a16:creationId xmlns:a16="http://schemas.microsoft.com/office/drawing/2014/main" id="{4A1F8A33-C27B-807C-6CE4-3AEA8FA90759}"/>
-              </a:ext>
-            </a:extLst>
-          </p:cNvPr>
-          <p:cNvSpPr txBox="1"/>
-          <p:nvPr/>
-        </p:nvSpPr>
-        <p:spPr>
-          <a:xfrm>
-            <a:off x="1185229" y="2489613"/>
-            <a:ext cx="2718821" cy="307777"/>
-          </a:xfrm>
-          <a:prstGeom prst="rect">
-            <a:avLst/>
-          </a:prstGeom>
-          <a:noFill/>
-        </p:spPr>
-        <p:txBody>
-          <a:bodyPr wrap="none" rtlCol="0">
-            <a:spAutoFit/>
-          </a:bodyPr>
-          <a:lstStyle/>
           <a:p>
             <a:r>
-              <a:rPr kumimoji="1" lang="en-US" altLang="ko-KR" sz="1400" dirty="0"/>
-              <a:t>If (</a:t>
-            </a:r>
-            <a:r>
-              <a:rPr kumimoji="1" lang="en-US" altLang="ko-KR" sz="1400" dirty="0" err="1"/>
-              <a:t>Analyzer_Status</a:t>
-            </a:r>
-            <a:r>
-              <a:rPr kumimoji="1" lang="en-US" altLang="ko-KR" sz="1400" dirty="0"/>
-              <a:t> == IDLE) then</a:t>
-            </a:r>
-            <a:endParaRPr kumimoji="1" lang="ko-KR" altLang="en-US" sz="1400" dirty="0"/>
+              <a:rPr kumimoji="1" lang="en-US" altLang="ko-KR" sz="1200" dirty="0"/>
+              <a:t>	//</a:t>
+            </a:r>
+            <a:r>
+              <a:rPr kumimoji="1" lang="ko-KR" altLang="en-US" sz="1200" dirty="0"/>
+              <a:t> </a:t>
+            </a:r>
+            <a:r>
+              <a:rPr kumimoji="1" lang="en-US" altLang="ko-KR" sz="1200" dirty="0"/>
+              <a:t>Bottle</a:t>
+            </a:r>
+            <a:r>
+              <a:rPr kumimoji="1" lang="ko-KR" altLang="en-US" sz="1200" dirty="0"/>
+              <a:t>이 하나도 없는 상태</a:t>
+            </a:r>
+            <a:r>
+              <a:rPr kumimoji="1" lang="en-US" altLang="ko-KR" sz="1200" dirty="0"/>
+              <a:t> - </a:t>
+            </a:r>
           </a:p>
-        </p:txBody>
-      </p:sp>
-      <p:sp>
-        <p:nvSpPr>
-          <p:cNvPr id="6" name="TextBox 5">
-            <a:extLst>
-              <a:ext uri="{FF2B5EF4-FFF2-40B4-BE49-F238E27FC236}">
-                <a16:creationId xmlns:a16="http://schemas.microsoft.com/office/drawing/2014/main" id="{8D29C5EF-546E-CDBA-90AB-EC6AB416C03B}"/>
-              </a:ext>
-            </a:extLst>
-          </p:cNvPr>
-          <p:cNvSpPr txBox="1"/>
-          <p:nvPr/>
-        </p:nvSpPr>
-        <p:spPr>
-          <a:xfrm>
-            <a:off x="1185229" y="3906722"/>
-            <a:ext cx="2716706" cy="307777"/>
-          </a:xfrm>
-          <a:prstGeom prst="rect">
-            <a:avLst/>
-          </a:prstGeom>
-          <a:noFill/>
-        </p:spPr>
-        <p:txBody>
-          <a:bodyPr wrap="none" rtlCol="0">
-            <a:spAutoFit/>
-          </a:bodyPr>
-          <a:lstStyle/>
           <a:p>
             <a:r>
-              <a:rPr kumimoji="1" lang="en-US" altLang="ko-KR" sz="1400" dirty="0"/>
-              <a:t>If (</a:t>
-            </a:r>
-            <a:r>
-              <a:rPr kumimoji="1" lang="en-US" altLang="ko-KR" sz="1400" dirty="0" err="1"/>
-              <a:t>Disposer_Status</a:t>
-            </a:r>
-            <a:r>
-              <a:rPr kumimoji="1" lang="en-US" altLang="ko-KR" sz="1400" dirty="0"/>
-              <a:t> == IDLE) then</a:t>
-            </a:r>
-            <a:endParaRPr kumimoji="1" lang="ko-KR" altLang="en-US" sz="1400" dirty="0"/>
+              <a:rPr lang="en-US" altLang="ko-KR" sz="1200" dirty="0"/>
+              <a:t>	</a:t>
+            </a:r>
+            <a:r>
+              <a:rPr lang="en-US" altLang="ko-KR" sz="1200" dirty="0" err="1"/>
+              <a:t>EndPoint.Plate</a:t>
+            </a:r>
+            <a:r>
+              <a:rPr lang="en-US" altLang="ko-KR" sz="1200" dirty="0"/>
+              <a:t> = </a:t>
+            </a:r>
+            <a:r>
+              <a:rPr lang="en-US" altLang="ko-KR" sz="1200" dirty="0" err="1"/>
+              <a:t>EndPoint.Capa</a:t>
+            </a:r>
+            <a:r>
+              <a:rPr lang="en-US" altLang="ko-KR" sz="1200" dirty="0"/>
+              <a:t>;				//</a:t>
+            </a:r>
+            <a:r>
+              <a:rPr lang="ko-KR" altLang="en-US" sz="1200" dirty="0"/>
+              <a:t> 반출입기는 빈 상태</a:t>
+            </a:r>
+            <a:endParaRPr lang="en-US" altLang="ko-KR" sz="1200" dirty="0"/>
           </a:p>
-        </p:txBody>
-      </p:sp>
-      <p:sp>
-        <p:nvSpPr>
-          <p:cNvPr id="7" name="TextBox 6">
-            <a:extLst>
-              <a:ext uri="{FF2B5EF4-FFF2-40B4-BE49-F238E27FC236}">
-                <a16:creationId xmlns:a16="http://schemas.microsoft.com/office/drawing/2014/main" id="{A6D040DC-5A58-FCDD-9237-5C877A5D45B9}"/>
-              </a:ext>
-            </a:extLst>
-          </p:cNvPr>
-          <p:cNvSpPr txBox="1"/>
-          <p:nvPr/>
-        </p:nvSpPr>
-        <p:spPr>
-          <a:xfrm>
-            <a:off x="1185229" y="5169942"/>
-            <a:ext cx="2500300" cy="307777"/>
-          </a:xfrm>
-          <a:prstGeom prst="rect">
-            <a:avLst/>
-          </a:prstGeom>
-          <a:noFill/>
-        </p:spPr>
-        <p:txBody>
-          <a:bodyPr wrap="none" rtlCol="0">
-            <a:spAutoFit/>
-          </a:bodyPr>
-          <a:lstStyle/>
           <a:p>
             <a:r>
-              <a:rPr kumimoji="1" lang="en-US" altLang="ko-KR" sz="1400" dirty="0"/>
-              <a:t>If (</a:t>
-            </a:r>
-            <a:r>
-              <a:rPr kumimoji="1" lang="en-US" altLang="ko-KR" sz="1400" dirty="0" err="1"/>
-              <a:t>MoMa_Status</a:t>
-            </a:r>
-            <a:r>
-              <a:rPr kumimoji="1" lang="en-US" altLang="ko-KR" sz="1400" dirty="0"/>
-              <a:t> == IDLE) then</a:t>
-            </a:r>
-            <a:endParaRPr kumimoji="1" lang="ko-KR" altLang="en-US" sz="1400" dirty="0"/>
+              <a:rPr lang="en-US" altLang="ko-KR" sz="1200" dirty="0"/>
+              <a:t>	</a:t>
+            </a:r>
+            <a:r>
+              <a:rPr lang="en-US" altLang="ko-KR" sz="1200" dirty="0" err="1"/>
+              <a:t>EndPoint.New</a:t>
+            </a:r>
+            <a:r>
+              <a:rPr lang="en-US" altLang="ko-KR" sz="1200" dirty="0"/>
+              <a:t> = </a:t>
+            </a:r>
+            <a:r>
+              <a:rPr lang="en-US" altLang="ko-KR" sz="1200" dirty="0" err="1"/>
+              <a:t>EndPoint.Old</a:t>
+            </a:r>
+            <a:r>
+              <a:rPr lang="en-US" altLang="ko-KR" sz="1200" dirty="0"/>
+              <a:t> = </a:t>
+            </a:r>
+            <a:r>
+              <a:rPr lang="en-US" altLang="ko-KR" sz="1200" dirty="0" err="1"/>
+              <a:t>EndPoint.Finished</a:t>
+            </a:r>
+            <a:r>
+              <a:rPr lang="en-US" altLang="ko-KR" sz="1200" dirty="0"/>
+              <a:t> = 0;</a:t>
+            </a:r>
+          </a:p>
+          <a:p>
+            <a:r>
+              <a:rPr lang="en-US" altLang="ko-KR" sz="1200" dirty="0"/>
+              <a:t>	</a:t>
+            </a:r>
+            <a:r>
+              <a:rPr lang="en-US" altLang="ko-KR" sz="1200" dirty="0" err="1"/>
+              <a:t>Stocker.Plate</a:t>
+            </a:r>
+            <a:r>
+              <a:rPr lang="en-US" altLang="ko-KR" sz="1200" dirty="0"/>
+              <a:t> = </a:t>
+            </a:r>
+            <a:r>
+              <a:rPr lang="en-US" altLang="ko-KR" sz="1200" dirty="0" err="1"/>
+              <a:t>Stocker.Capa</a:t>
+            </a:r>
+            <a:r>
+              <a:rPr lang="en-US" altLang="ko-KR" sz="1200" dirty="0"/>
+              <a:t>;				//</a:t>
+            </a:r>
+            <a:r>
+              <a:rPr lang="ko-KR" altLang="en-US" sz="1200" dirty="0"/>
+              <a:t> </a:t>
+            </a:r>
+            <a:r>
+              <a:rPr lang="en-US" altLang="ko-KR" sz="1200" dirty="0"/>
+              <a:t>Stock</a:t>
+            </a:r>
+            <a:r>
+              <a:rPr lang="ko-KR" altLang="en-US" sz="1200" dirty="0"/>
+              <a:t>는 빈 상태</a:t>
+            </a:r>
+            <a:endParaRPr lang="en-US" altLang="ko-KR" sz="1200" dirty="0"/>
+          </a:p>
+          <a:p>
+            <a:r>
+              <a:rPr lang="en-US" altLang="ko-KR" sz="1200" dirty="0"/>
+              <a:t>	</a:t>
+            </a:r>
+            <a:r>
+              <a:rPr lang="en-US" altLang="ko-KR" sz="1200" dirty="0" err="1"/>
+              <a:t>Stocker.New</a:t>
+            </a:r>
+            <a:r>
+              <a:rPr lang="en-US" altLang="ko-KR" sz="1200" dirty="0"/>
+              <a:t> = </a:t>
+            </a:r>
+            <a:r>
+              <a:rPr lang="en-US" altLang="ko-KR" sz="1200" dirty="0" err="1"/>
+              <a:t>Stocker.Old</a:t>
+            </a:r>
+            <a:r>
+              <a:rPr lang="en-US" altLang="ko-KR" sz="1200" dirty="0"/>
+              <a:t> = </a:t>
+            </a:r>
+            <a:r>
+              <a:rPr lang="en-US" altLang="ko-KR" sz="1200" dirty="0" err="1"/>
+              <a:t>Stocker.Finished</a:t>
+            </a:r>
+            <a:r>
+              <a:rPr lang="en-US" altLang="ko-KR" sz="1200" dirty="0"/>
+              <a:t> = 0;</a:t>
+            </a:r>
+          </a:p>
+          <a:p>
+            <a:r>
+              <a:rPr lang="en-US" altLang="ko-KR" sz="1200" dirty="0"/>
+              <a:t>	</a:t>
+            </a:r>
+            <a:r>
+              <a:rPr lang="en-US" altLang="ko-KR" sz="1200" dirty="0" err="1"/>
+              <a:t>Analyzer.Plate</a:t>
+            </a:r>
+            <a:r>
+              <a:rPr lang="en-US" altLang="ko-KR" sz="1200" dirty="0"/>
+              <a:t> = 1;						// </a:t>
+            </a:r>
+            <a:r>
+              <a:rPr lang="ko-KR" altLang="en-US" sz="1200" dirty="0"/>
+              <a:t>사용가능</a:t>
+            </a:r>
+            <a:endParaRPr lang="en-US" altLang="ko-KR" sz="1200" dirty="0"/>
+          </a:p>
+          <a:p>
+            <a:r>
+              <a:rPr lang="en-US" altLang="ko-KR" sz="1200" dirty="0"/>
+              <a:t>	</a:t>
+            </a:r>
+            <a:r>
+              <a:rPr lang="en-US" altLang="ko-KR" sz="1200" dirty="0" err="1"/>
+              <a:t>Dispoer.Plate</a:t>
+            </a:r>
+            <a:r>
+              <a:rPr lang="en-US" altLang="ko-KR" sz="1200" dirty="0"/>
+              <a:t> = 1;						//</a:t>
+            </a:r>
+            <a:r>
+              <a:rPr lang="ko-KR" altLang="en-US" sz="1200" dirty="0"/>
+              <a:t> 사용가능</a:t>
+            </a:r>
+            <a:endParaRPr lang="en-US" altLang="ko-KR" sz="1200" dirty="0"/>
+          </a:p>
+          <a:p>
+            <a:r>
+              <a:rPr kumimoji="1" lang="en-US" altLang="ko-KR" sz="1200" dirty="0"/>
+              <a:t>	</a:t>
+            </a:r>
+            <a:r>
+              <a:rPr kumimoji="1" lang="en-US" altLang="ko-KR" sz="1200" dirty="0" err="1"/>
+              <a:t>Analyzer.Status</a:t>
+            </a:r>
+            <a:r>
+              <a:rPr kumimoji="1" lang="en-US" altLang="ko-KR" sz="1200" dirty="0"/>
+              <a:t> = IDLE;</a:t>
+            </a:r>
+            <a:r>
+              <a:rPr lang="en-US" altLang="ko-KR" sz="1200" dirty="0"/>
+              <a:t> 					//</a:t>
+            </a:r>
+            <a:r>
+              <a:rPr lang="ko-KR" altLang="en-US" sz="1200" dirty="0"/>
+              <a:t> 사용가능</a:t>
+            </a:r>
+            <a:endParaRPr kumimoji="1" lang="en-US" altLang="ko-KR" sz="1200" dirty="0"/>
+          </a:p>
+          <a:p>
+            <a:r>
+              <a:rPr kumimoji="1" lang="en-US" altLang="ko-KR" sz="1200" dirty="0"/>
+              <a:t>	</a:t>
+            </a:r>
+            <a:r>
+              <a:rPr kumimoji="1" lang="en-US" altLang="ko-KR" sz="1200" dirty="0" err="1"/>
+              <a:t>Disposer.Status</a:t>
+            </a:r>
+            <a:r>
+              <a:rPr kumimoji="1" lang="en-US" altLang="ko-KR" sz="1200" dirty="0"/>
+              <a:t> = IDLE;</a:t>
+            </a:r>
+            <a:r>
+              <a:rPr lang="en-US" altLang="ko-KR" sz="1200" dirty="0"/>
+              <a:t> 					//</a:t>
+            </a:r>
+            <a:r>
+              <a:rPr lang="ko-KR" altLang="en-US" sz="1200" dirty="0"/>
+              <a:t> 사용가능</a:t>
+            </a:r>
+            <a:endParaRPr kumimoji="1" lang="en-US" altLang="ko-KR" sz="1200" dirty="0"/>
+          </a:p>
+          <a:p>
+            <a:r>
+              <a:rPr kumimoji="1" lang="en-US" altLang="ko-KR" sz="1200" dirty="0"/>
+              <a:t>	</a:t>
+            </a:r>
+            <a:r>
+              <a:rPr kumimoji="1" lang="en-US" altLang="ko-KR" sz="1200" dirty="0" err="1"/>
+              <a:t>MoMa.Status</a:t>
+            </a:r>
+            <a:r>
+              <a:rPr kumimoji="1" lang="en-US" altLang="ko-KR" sz="1200" dirty="0"/>
+              <a:t> = IDLE;</a:t>
+            </a:r>
+            <a:r>
+              <a:rPr lang="en-US" altLang="ko-KR" sz="1200" dirty="0"/>
+              <a:t> 					//</a:t>
+            </a:r>
+            <a:r>
+              <a:rPr lang="ko-KR" altLang="en-US" sz="1200" dirty="0"/>
+              <a:t> 사용가능</a:t>
+            </a:r>
+            <a:endParaRPr kumimoji="1" lang="en-US" altLang="ko-KR" sz="1200" dirty="0"/>
+          </a:p>
+          <a:p>
+            <a:r>
+              <a:rPr kumimoji="1" lang="en-US" altLang="ko-KR" sz="1200" dirty="0"/>
+              <a:t>}</a:t>
+            </a:r>
+          </a:p>
+          <a:p>
+            <a:endParaRPr kumimoji="1" lang="en-US" altLang="ko-KR" sz="1200" dirty="0"/>
+          </a:p>
+          <a:p>
+            <a:endParaRPr kumimoji="1" lang="en-US" altLang="ko-KR" sz="1200" dirty="0"/>
+          </a:p>
+          <a:p>
+            <a:r>
+              <a:rPr kumimoji="1" lang="en-US" altLang="ko-KR" sz="1200" dirty="0"/>
+              <a:t>// </a:t>
+            </a:r>
+            <a:r>
+              <a:rPr kumimoji="1" lang="ko-KR" altLang="en-US" sz="1200" dirty="0"/>
+              <a:t>작업 중의 초기화</a:t>
+            </a:r>
+            <a:endParaRPr kumimoji="1" lang="en-US" altLang="ko-KR" sz="1200" dirty="0"/>
+          </a:p>
+          <a:p>
+            <a:r>
+              <a:rPr kumimoji="1" lang="en-US" altLang="ko-KR" sz="1200" dirty="0"/>
+              <a:t>Int </a:t>
+            </a:r>
+            <a:r>
+              <a:rPr kumimoji="1" lang="en-US" altLang="ko-KR" sz="1200" dirty="0" err="1"/>
+              <a:t>Initialization_InProcess</a:t>
+            </a:r>
+            <a:r>
+              <a:rPr kumimoji="1" lang="en-US" altLang="ko-KR" sz="1200" dirty="0"/>
+              <a:t> () {</a:t>
+            </a:r>
+          </a:p>
+          <a:p>
+            <a:r>
+              <a:rPr kumimoji="1" lang="en-US" altLang="ko-KR" sz="1200" dirty="0"/>
+              <a:t>	</a:t>
+            </a:r>
+            <a:r>
+              <a:rPr kumimoji="1" lang="en-US" altLang="ko-KR" sz="1200" dirty="0" err="1"/>
+              <a:t>EndPoint</a:t>
+            </a:r>
+            <a:r>
+              <a:rPr kumimoji="1" lang="en-US" altLang="ko-KR" sz="1200" dirty="0"/>
+              <a:t> = </a:t>
+            </a:r>
+            <a:r>
+              <a:rPr kumimoji="1" lang="en-US" altLang="ko-KR" sz="1200" dirty="0" err="1"/>
+              <a:t>Read_EndPoint</a:t>
+            </a:r>
+            <a:r>
+              <a:rPr kumimoji="1" lang="en-US" altLang="ko-KR" sz="1200" dirty="0"/>
+              <a:t>();				//</a:t>
+            </a:r>
+            <a:r>
+              <a:rPr kumimoji="1" lang="ko-KR" altLang="en-US" sz="1200" dirty="0"/>
+              <a:t> 반출입기의 상태정보 가져오기</a:t>
+            </a:r>
+            <a:endParaRPr kumimoji="1" lang="en-US" altLang="ko-KR" sz="1200" dirty="0"/>
+          </a:p>
+          <a:p>
+            <a:r>
+              <a:rPr kumimoji="1" lang="en-US" altLang="ko-KR" sz="1200" dirty="0"/>
+              <a:t>	Stocker = </a:t>
+            </a:r>
+            <a:r>
+              <a:rPr kumimoji="1" lang="en-US" altLang="ko-KR" sz="1200" dirty="0" err="1"/>
+              <a:t>Read_Stocker</a:t>
+            </a:r>
+            <a:r>
+              <a:rPr kumimoji="1" lang="en-US" altLang="ko-KR" sz="1200" dirty="0"/>
+              <a:t>();					//</a:t>
+            </a:r>
+            <a:r>
+              <a:rPr kumimoji="1" lang="ko-KR" altLang="en-US" sz="1200" dirty="0"/>
+              <a:t> </a:t>
+            </a:r>
+            <a:r>
+              <a:rPr kumimoji="1" lang="en-US" altLang="ko-KR" sz="1200" dirty="0"/>
+              <a:t>Stocker</a:t>
+            </a:r>
+            <a:r>
+              <a:rPr kumimoji="1" lang="ko-KR" altLang="en-US" sz="1200" dirty="0"/>
+              <a:t>의 상태정보 가져오기</a:t>
+            </a:r>
+            <a:endParaRPr kumimoji="1" lang="en-US" altLang="ko-KR" sz="1200" dirty="0"/>
+          </a:p>
+          <a:p>
+            <a:r>
+              <a:rPr kumimoji="1" lang="en-US" altLang="ko-KR" sz="1200" dirty="0"/>
+              <a:t>	Analyzer = </a:t>
+            </a:r>
+            <a:r>
+              <a:rPr kumimoji="1" lang="en-US" altLang="ko-KR" sz="1200" dirty="0" err="1"/>
+              <a:t>Read_Analyzer</a:t>
+            </a:r>
+            <a:r>
+              <a:rPr kumimoji="1" lang="en-US" altLang="ko-KR" sz="1200" dirty="0"/>
+              <a:t>(); 				//</a:t>
+            </a:r>
+            <a:r>
+              <a:rPr kumimoji="1" lang="ko-KR" altLang="en-US" sz="1200" dirty="0"/>
+              <a:t> 분석기의 상태정보 가져오기</a:t>
+            </a:r>
+            <a:endParaRPr kumimoji="1" lang="en-US" altLang="ko-KR" sz="1200" dirty="0"/>
+          </a:p>
+          <a:p>
+            <a:r>
+              <a:rPr kumimoji="1" lang="en-US" altLang="ko-KR" sz="1200" dirty="0"/>
+              <a:t>	Disposer = </a:t>
+            </a:r>
+            <a:r>
+              <a:rPr kumimoji="1" lang="en-US" altLang="ko-KR" sz="1200" dirty="0" err="1"/>
+              <a:t>Read_Disposer</a:t>
+            </a:r>
+            <a:r>
+              <a:rPr kumimoji="1" lang="en-US" altLang="ko-KR" sz="1200" dirty="0"/>
+              <a:t>(); 				//</a:t>
+            </a:r>
+            <a:r>
+              <a:rPr kumimoji="1" lang="ko-KR" altLang="en-US" sz="1200" dirty="0"/>
+              <a:t> 폐기설비의 상태정보 가져오기</a:t>
+            </a:r>
+            <a:endParaRPr kumimoji="1" lang="en-US" altLang="ko-KR" sz="1200" dirty="0"/>
+          </a:p>
+          <a:p>
+            <a:r>
+              <a:rPr kumimoji="1" lang="en-US" altLang="ko-KR" sz="1200" dirty="0"/>
+              <a:t>	</a:t>
+            </a:r>
+            <a:r>
+              <a:rPr kumimoji="1" lang="en-US" altLang="ko-KR" sz="1200" dirty="0" err="1"/>
+              <a:t>MoMa</a:t>
+            </a:r>
+            <a:r>
+              <a:rPr kumimoji="1" lang="en-US" altLang="ko-KR" sz="1200" dirty="0"/>
+              <a:t> = </a:t>
+            </a:r>
+            <a:r>
+              <a:rPr kumimoji="1" lang="en-US" altLang="ko-KR" sz="1200" dirty="0" err="1"/>
+              <a:t>Read_MoMa</a:t>
+            </a:r>
+            <a:r>
+              <a:rPr kumimoji="1" lang="en-US" altLang="ko-KR" sz="1200" dirty="0"/>
+              <a:t>(); 					//</a:t>
+            </a:r>
+            <a:r>
+              <a:rPr kumimoji="1" lang="ko-KR" altLang="en-US" sz="1200" dirty="0"/>
+              <a:t> </a:t>
+            </a:r>
+            <a:r>
+              <a:rPr kumimoji="1" lang="en-US" altLang="ko-KR" sz="1200" dirty="0" err="1"/>
+              <a:t>MoMa</a:t>
+            </a:r>
+            <a:r>
+              <a:rPr kumimoji="1" lang="ko-KR" altLang="en-US" sz="1200" dirty="0"/>
+              <a:t>의 상태정보 가져오기</a:t>
+            </a:r>
+            <a:endParaRPr kumimoji="1" lang="en-US" altLang="ko-KR" sz="1200" dirty="0"/>
+          </a:p>
+          <a:p>
+            <a:r>
+              <a:rPr kumimoji="1" lang="en-US" altLang="ko-KR" sz="1200" dirty="0"/>
+              <a:t>}</a:t>
+            </a:r>
+          </a:p>
+          <a:p>
+            <a:endParaRPr kumimoji="1" lang="en-US" altLang="ko-KR" sz="1200" dirty="0"/>
+          </a:p>
+          <a:p>
+            <a:endParaRPr kumimoji="1" lang="en-US" altLang="ko-KR" sz="1200" dirty="0"/>
+          </a:p>
+          <a:p>
+            <a:r>
+              <a:rPr kumimoji="1" lang="en-US" altLang="ko-KR" sz="1200" dirty="0"/>
+              <a:t>//</a:t>
+            </a:r>
+            <a:r>
+              <a:rPr kumimoji="1" lang="ko-KR" altLang="en-US" sz="1200" dirty="0"/>
+              <a:t> 오류가 없다면</a:t>
+            </a:r>
+            <a:r>
+              <a:rPr kumimoji="1" lang="en-US" altLang="ko-KR" sz="1200" dirty="0"/>
+              <a:t>,</a:t>
+            </a:r>
+            <a:r>
+              <a:rPr kumimoji="1" lang="ko-KR" altLang="en-US" sz="1200" dirty="0"/>
+              <a:t> </a:t>
+            </a:r>
+            <a:r>
+              <a:rPr kumimoji="1" lang="en-US" altLang="ko-KR" sz="1200" dirty="0" err="1"/>
+              <a:t>Initialization_InProcess</a:t>
+            </a:r>
+            <a:r>
+              <a:rPr kumimoji="1" lang="en-US" altLang="ko-KR" sz="1200" dirty="0"/>
+              <a:t>()</a:t>
+            </a:r>
+            <a:r>
+              <a:rPr kumimoji="1" lang="ko-KR" altLang="en-US" sz="1200" dirty="0"/>
+              <a:t> 가 </a:t>
+            </a:r>
+            <a:r>
+              <a:rPr kumimoji="1" lang="en-US" altLang="ko-KR" sz="1200" dirty="0" err="1"/>
+              <a:t>Initialization_Overall</a:t>
+            </a:r>
+            <a:r>
+              <a:rPr kumimoji="1" lang="en-US" altLang="ko-KR" sz="1200" dirty="0"/>
+              <a:t>()</a:t>
+            </a:r>
+            <a:r>
+              <a:rPr kumimoji="1" lang="ko-KR" altLang="en-US" sz="1200" dirty="0"/>
+              <a:t>보다 정확함</a:t>
+            </a:r>
+            <a:endParaRPr kumimoji="1" lang="en-US" altLang="ko-KR" sz="1200" dirty="0"/>
           </a:p>
         </p:txBody>
       </p:sp>
@@ -18588,7 +22832,7 @@
           <p:cNvPr id="2" name="제목 1">
             <a:extLst>
               <a:ext uri="{FF2B5EF4-FFF2-40B4-BE49-F238E27FC236}">
-                <a16:creationId xmlns:a16="http://schemas.microsoft.com/office/drawing/2014/main" id="{3F3C2AEA-5EC2-8A71-7F15-18E7FB9B7230}"/>
+                <a16:creationId xmlns:a16="http://schemas.microsoft.com/office/drawing/2014/main" id="{64507E98-ABF6-F38F-A653-067753397E21}"/>
               </a:ext>
             </a:extLst>
           </p:cNvPr>
@@ -18606,1546 +22850,22 @@
           <a:p>
             <a:r>
               <a:rPr kumimoji="1" lang="en-US" altLang="ko-KR" dirty="0"/>
-              <a:t>Moving Paths</a:t>
+              <a:t>Status of Analyzer / Disposer / </a:t>
+            </a:r>
+            <a:r>
+              <a:rPr kumimoji="1" lang="en-US" altLang="ko-KR" dirty="0" err="1"/>
+              <a:t>MoMa</a:t>
             </a:r>
             <a:endParaRPr kumimoji="1" lang="ko-KR" altLang="en-US" dirty="0"/>
           </a:p>
         </p:txBody>
       </p:sp>
-      <p:graphicFrame>
-        <p:nvGraphicFramePr>
-          <p:cNvPr id="3" name="표 2">
-            <a:extLst>
-              <a:ext uri="{FF2B5EF4-FFF2-40B4-BE49-F238E27FC236}">
-                <a16:creationId xmlns:a16="http://schemas.microsoft.com/office/drawing/2014/main" id="{380E63AB-9A18-BD13-1F70-4C14B8481EB9}"/>
-              </a:ext>
-            </a:extLst>
-          </p:cNvPr>
-          <p:cNvGraphicFramePr>
-            <a:graphicFrameLocks noGrp="1"/>
-          </p:cNvGraphicFramePr>
-          <p:nvPr>
-            <p:extLst>
-              <p:ext uri="{D42A27DB-BD31-4B8C-83A1-F6EECF244321}">
-                <p14:modId xmlns:p14="http://schemas.microsoft.com/office/powerpoint/2010/main" val="1762427798"/>
-              </p:ext>
-            </p:extLst>
-          </p:nvPr>
-        </p:nvGraphicFramePr>
-        <p:xfrm>
-          <a:off x="680720" y="901095"/>
-          <a:ext cx="8746310" cy="5530911"/>
-        </p:xfrm>
-        <a:graphic>
-          <a:graphicData uri="http://schemas.openxmlformats.org/drawingml/2006/table">
-            <a:tbl>
-              <a:tblPr firstRow="1" bandRow="1">
-                <a:tableStyleId>{5C22544A-7EE6-4342-B048-85BDC9FD1C3A}</a:tableStyleId>
-              </a:tblPr>
-              <a:tblGrid>
-                <a:gridCol w="1137194">
-                  <a:extLst>
-                    <a:ext uri="{9D8B030D-6E8A-4147-A177-3AD203B41FA5}">
-                      <a16:colId xmlns:a16="http://schemas.microsoft.com/office/drawing/2014/main" val="3091168781"/>
-                    </a:ext>
-                  </a:extLst>
-                </a:gridCol>
-                <a:gridCol w="1915886">
-                  <a:extLst>
-                    <a:ext uri="{9D8B030D-6E8A-4147-A177-3AD203B41FA5}">
-                      <a16:colId xmlns:a16="http://schemas.microsoft.com/office/drawing/2014/main" val="298656085"/>
-                    </a:ext>
-                  </a:extLst>
-                </a:gridCol>
-                <a:gridCol w="1937657">
-                  <a:extLst>
-                    <a:ext uri="{9D8B030D-6E8A-4147-A177-3AD203B41FA5}">
-                      <a16:colId xmlns:a16="http://schemas.microsoft.com/office/drawing/2014/main" val="2075478805"/>
-                    </a:ext>
-                  </a:extLst>
-                </a:gridCol>
-                <a:gridCol w="1948543">
-                  <a:extLst>
-                    <a:ext uri="{9D8B030D-6E8A-4147-A177-3AD203B41FA5}">
-                      <a16:colId xmlns:a16="http://schemas.microsoft.com/office/drawing/2014/main" val="2374661576"/>
-                    </a:ext>
-                  </a:extLst>
-                </a:gridCol>
-                <a:gridCol w="1807030">
-                  <a:extLst>
-                    <a:ext uri="{9D8B030D-6E8A-4147-A177-3AD203B41FA5}">
-                      <a16:colId xmlns:a16="http://schemas.microsoft.com/office/drawing/2014/main" val="1249213692"/>
-                    </a:ext>
-                  </a:extLst>
-                </a:gridCol>
-              </a:tblGrid>
-              <a:tr h="370840">
-                <a:tc>
-                  <a:txBody>
-                    <a:bodyPr/>
-                    <a:lstStyle/>
-                    <a:p>
-                      <a:pPr algn="ctr" latinLnBrk="1"/>
-                      <a:r>
-                        <a:rPr lang="ko-KR" altLang="en-US" sz="1400" dirty="0"/>
-                        <a:t>기기</a:t>
-                      </a:r>
-                    </a:p>
-                  </a:txBody>
-                  <a:tcPr anchor="ctr"/>
-                </a:tc>
-                <a:tc>
-                  <a:txBody>
-                    <a:bodyPr/>
-                    <a:lstStyle/>
-                    <a:p>
-                      <a:pPr algn="ctr" latinLnBrk="1"/>
-                      <a:r>
-                        <a:rPr lang="ko-KR" altLang="en-US" sz="1400" dirty="0"/>
-                        <a:t>반출입기</a:t>
-                      </a:r>
-                    </a:p>
-                  </a:txBody>
-                  <a:tcPr anchor="ctr"/>
-                </a:tc>
-                <a:tc>
-                  <a:txBody>
-                    <a:bodyPr/>
-                    <a:lstStyle/>
-                    <a:p>
-                      <a:pPr algn="ctr" latinLnBrk="1"/>
-                      <a:r>
-                        <a:rPr lang="ko-KR" altLang="en-US" sz="1400" dirty="0"/>
-                        <a:t>분석기</a:t>
-                      </a:r>
-                    </a:p>
-                  </a:txBody>
-                  <a:tcPr anchor="ctr"/>
-                </a:tc>
-                <a:tc>
-                  <a:txBody>
-                    <a:bodyPr/>
-                    <a:lstStyle/>
-                    <a:p>
-                      <a:pPr algn="ctr" latinLnBrk="1"/>
-                      <a:r>
-                        <a:rPr lang="en-US" altLang="ko-KR" sz="1400" dirty="0"/>
-                        <a:t>Stocker</a:t>
-                      </a:r>
-                      <a:endParaRPr lang="ko-KR" altLang="en-US" sz="1400" dirty="0"/>
-                    </a:p>
-                  </a:txBody>
-                  <a:tcPr anchor="ctr"/>
-                </a:tc>
-                <a:tc>
-                  <a:txBody>
-                    <a:bodyPr/>
-                    <a:lstStyle/>
-                    <a:p>
-                      <a:pPr algn="ctr" latinLnBrk="1"/>
-                      <a:r>
-                        <a:rPr lang="ko-KR" altLang="en-US" sz="1400" dirty="0"/>
-                        <a:t>폐기설비</a:t>
-                      </a:r>
-                    </a:p>
-                  </a:txBody>
-                  <a:tcPr anchor="ctr"/>
-                </a:tc>
-                <a:extLst>
-                  <a:ext uri="{0D108BD9-81ED-4DB2-BD59-A6C34878D82A}">
-                    <a16:rowId xmlns:a16="http://schemas.microsoft.com/office/drawing/2014/main" val="973131577"/>
-                  </a:ext>
-                </a:extLst>
-              </a:tr>
-              <a:tr h="1177351">
-                <a:tc>
-                  <a:txBody>
-                    <a:bodyPr/>
-                    <a:lstStyle/>
-                    <a:p>
-                      <a:pPr algn="ctr" latinLnBrk="1"/>
-                      <a:endParaRPr lang="ko-KR" altLang="en-US" sz="1400" dirty="0"/>
-                    </a:p>
-                  </a:txBody>
-                  <a:tcPr anchor="ctr"/>
-                </a:tc>
-                <a:tc>
-                  <a:txBody>
-                    <a:bodyPr/>
-                    <a:lstStyle/>
-                    <a:p>
-                      <a:pPr algn="ctr" latinLnBrk="1"/>
-                      <a:endParaRPr lang="ko-KR" altLang="en-US" sz="1400"/>
-                    </a:p>
-                  </a:txBody>
-                  <a:tcPr anchor="ctr"/>
-                </a:tc>
-                <a:tc>
-                  <a:txBody>
-                    <a:bodyPr/>
-                    <a:lstStyle/>
-                    <a:p>
-                      <a:pPr algn="ctr" latinLnBrk="1"/>
-                      <a:endParaRPr lang="ko-KR" altLang="en-US" sz="1400" dirty="0"/>
-                    </a:p>
-                  </a:txBody>
-                  <a:tcPr anchor="ctr"/>
-                </a:tc>
-                <a:tc>
-                  <a:txBody>
-                    <a:bodyPr/>
-                    <a:lstStyle/>
-                    <a:p>
-                      <a:pPr algn="ctr" latinLnBrk="1"/>
-                      <a:endParaRPr lang="ko-KR" altLang="en-US" sz="1400"/>
-                    </a:p>
-                  </a:txBody>
-                  <a:tcPr anchor="ctr"/>
-                </a:tc>
-                <a:tc>
-                  <a:txBody>
-                    <a:bodyPr/>
-                    <a:lstStyle/>
-                    <a:p>
-                      <a:pPr algn="ctr" latinLnBrk="1"/>
-                      <a:endParaRPr lang="ko-KR" altLang="en-US" sz="1400"/>
-                    </a:p>
-                  </a:txBody>
-                  <a:tcPr anchor="ctr"/>
-                </a:tc>
-                <a:extLst>
-                  <a:ext uri="{0D108BD9-81ED-4DB2-BD59-A6C34878D82A}">
-                    <a16:rowId xmlns:a16="http://schemas.microsoft.com/office/drawing/2014/main" val="3516490191"/>
-                  </a:ext>
-                </a:extLst>
-              </a:tr>
-              <a:tr h="370840">
-                <a:tc>
-                  <a:txBody>
-                    <a:bodyPr/>
-                    <a:lstStyle/>
-                    <a:p>
-                      <a:pPr algn="ctr" latinLnBrk="1"/>
-                      <a:r>
-                        <a:rPr lang="en-US" altLang="ko-KR" sz="1400" b="1" dirty="0">
-                          <a:solidFill>
-                            <a:srgbClr val="FF0000"/>
-                          </a:solidFill>
-                        </a:rPr>
-                        <a:t>Bottle</a:t>
-                      </a:r>
-                      <a:endParaRPr lang="ko-KR" altLang="en-US" sz="1400" b="1" dirty="0">
-                        <a:solidFill>
-                          <a:srgbClr val="FF0000"/>
-                        </a:solidFill>
-                      </a:endParaRPr>
-                    </a:p>
-                  </a:txBody>
-                  <a:tcPr anchor="ctr"/>
-                </a:tc>
-                <a:tc>
-                  <a:txBody>
-                    <a:bodyPr/>
-                    <a:lstStyle/>
-                    <a:p>
-                      <a:pPr algn="ctr" latinLnBrk="1"/>
-                      <a:endParaRPr lang="ko-KR" altLang="en-US" sz="1400" dirty="0"/>
-                    </a:p>
-                  </a:txBody>
-                  <a:tcPr anchor="ctr"/>
-                </a:tc>
-                <a:tc>
-                  <a:txBody>
-                    <a:bodyPr/>
-                    <a:lstStyle/>
-                    <a:p>
-                      <a:pPr algn="ctr" latinLnBrk="1"/>
-                      <a:endParaRPr lang="ko-KR" altLang="en-US" sz="1400" dirty="0"/>
-                    </a:p>
-                  </a:txBody>
-                  <a:tcPr anchor="ctr"/>
-                </a:tc>
-                <a:tc>
-                  <a:txBody>
-                    <a:bodyPr/>
-                    <a:lstStyle/>
-                    <a:p>
-                      <a:pPr algn="ctr" latinLnBrk="1"/>
-                      <a:endParaRPr lang="ko-KR" altLang="en-US" sz="1400" dirty="0"/>
-                    </a:p>
-                  </a:txBody>
-                  <a:tcPr anchor="ctr"/>
-                </a:tc>
-                <a:tc>
-                  <a:txBody>
-                    <a:bodyPr/>
-                    <a:lstStyle/>
-                    <a:p>
-                      <a:pPr algn="ctr" latinLnBrk="1"/>
-                      <a:endParaRPr lang="ko-KR" altLang="en-US" sz="1400" dirty="0"/>
-                    </a:p>
-                  </a:txBody>
-                  <a:tcPr anchor="ctr"/>
-                </a:tc>
-                <a:extLst>
-                  <a:ext uri="{0D108BD9-81ED-4DB2-BD59-A6C34878D82A}">
-                    <a16:rowId xmlns:a16="http://schemas.microsoft.com/office/drawing/2014/main" val="3152454611"/>
-                  </a:ext>
-                </a:extLst>
-              </a:tr>
-              <a:tr h="370840">
-                <a:tc>
-                  <a:txBody>
-                    <a:bodyPr/>
-                    <a:lstStyle/>
-                    <a:p>
-                      <a:pPr algn="ctr" latinLnBrk="1"/>
-                      <a:endParaRPr lang="ko-KR" altLang="en-US" sz="1400" dirty="0"/>
-                    </a:p>
-                  </a:txBody>
-                  <a:tcPr anchor="ctr"/>
-                </a:tc>
-                <a:tc>
-                  <a:txBody>
-                    <a:bodyPr/>
-                    <a:lstStyle/>
-                    <a:p>
-                      <a:pPr algn="ctr" latinLnBrk="1"/>
-                      <a:endParaRPr lang="ko-KR" altLang="en-US" sz="1400" dirty="0"/>
-                    </a:p>
-                  </a:txBody>
-                  <a:tcPr anchor="ctr"/>
-                </a:tc>
-                <a:tc>
-                  <a:txBody>
-                    <a:bodyPr/>
-                    <a:lstStyle/>
-                    <a:p>
-                      <a:pPr algn="ctr" latinLnBrk="1"/>
-                      <a:endParaRPr lang="ko-KR" altLang="en-US" sz="1400" dirty="0"/>
-                    </a:p>
-                  </a:txBody>
-                  <a:tcPr anchor="ctr"/>
-                </a:tc>
-                <a:tc>
-                  <a:txBody>
-                    <a:bodyPr/>
-                    <a:lstStyle/>
-                    <a:p>
-                      <a:pPr algn="ctr" latinLnBrk="1"/>
-                      <a:endParaRPr lang="ko-KR" altLang="en-US" sz="1400" dirty="0"/>
-                    </a:p>
-                  </a:txBody>
-                  <a:tcPr anchor="ctr"/>
-                </a:tc>
-                <a:tc>
-                  <a:txBody>
-                    <a:bodyPr/>
-                    <a:lstStyle/>
-                    <a:p>
-                      <a:pPr algn="ctr" latinLnBrk="1"/>
-                      <a:endParaRPr lang="ko-KR" altLang="en-US" sz="1400" dirty="0"/>
-                    </a:p>
-                  </a:txBody>
-                  <a:tcPr anchor="ctr"/>
-                </a:tc>
-                <a:extLst>
-                  <a:ext uri="{0D108BD9-81ED-4DB2-BD59-A6C34878D82A}">
-                    <a16:rowId xmlns:a16="http://schemas.microsoft.com/office/drawing/2014/main" val="3943223363"/>
-                  </a:ext>
-                </a:extLst>
-              </a:tr>
-              <a:tr h="370840">
-                <a:tc>
-                  <a:txBody>
-                    <a:bodyPr/>
-                    <a:lstStyle/>
-                    <a:p>
-                      <a:pPr algn="ctr" latinLnBrk="1"/>
-                      <a:endParaRPr lang="ko-KR" altLang="en-US" sz="1400" dirty="0"/>
-                    </a:p>
-                  </a:txBody>
-                  <a:tcPr anchor="ctr"/>
-                </a:tc>
-                <a:tc>
-                  <a:txBody>
-                    <a:bodyPr/>
-                    <a:lstStyle/>
-                    <a:p>
-                      <a:pPr algn="ctr" latinLnBrk="1"/>
-                      <a:endParaRPr lang="ko-KR" altLang="en-US" sz="1400" dirty="0"/>
-                    </a:p>
-                  </a:txBody>
-                  <a:tcPr anchor="ctr"/>
-                </a:tc>
-                <a:tc>
-                  <a:txBody>
-                    <a:bodyPr/>
-                    <a:lstStyle/>
-                    <a:p>
-                      <a:pPr algn="ctr" latinLnBrk="1"/>
-                      <a:endParaRPr lang="ko-KR" altLang="en-US" sz="1400" dirty="0"/>
-                    </a:p>
-                  </a:txBody>
-                  <a:tcPr anchor="ctr"/>
-                </a:tc>
-                <a:tc>
-                  <a:txBody>
-                    <a:bodyPr/>
-                    <a:lstStyle/>
-                    <a:p>
-                      <a:pPr algn="ctr" latinLnBrk="1"/>
-                      <a:endParaRPr lang="ko-KR" altLang="en-US" sz="1400" dirty="0"/>
-                    </a:p>
-                  </a:txBody>
-                  <a:tcPr anchor="ctr"/>
-                </a:tc>
-                <a:tc>
-                  <a:txBody>
-                    <a:bodyPr/>
-                    <a:lstStyle/>
-                    <a:p>
-                      <a:pPr algn="ctr" latinLnBrk="1"/>
-                      <a:endParaRPr lang="ko-KR" altLang="en-US" sz="1400" dirty="0"/>
-                    </a:p>
-                  </a:txBody>
-                  <a:tcPr anchor="ctr"/>
-                </a:tc>
-                <a:extLst>
-                  <a:ext uri="{0D108BD9-81ED-4DB2-BD59-A6C34878D82A}">
-                    <a16:rowId xmlns:a16="http://schemas.microsoft.com/office/drawing/2014/main" val="4253978522"/>
-                  </a:ext>
-                </a:extLst>
-              </a:tr>
-              <a:tr h="370840">
-                <a:tc>
-                  <a:txBody>
-                    <a:bodyPr/>
-                    <a:lstStyle/>
-                    <a:p>
-                      <a:pPr algn="ctr" latinLnBrk="1"/>
-                      <a:endParaRPr lang="ko-KR" altLang="en-US" sz="1400" dirty="0"/>
-                    </a:p>
-                  </a:txBody>
-                  <a:tcPr anchor="ctr"/>
-                </a:tc>
-                <a:tc>
-                  <a:txBody>
-                    <a:bodyPr/>
-                    <a:lstStyle/>
-                    <a:p>
-                      <a:pPr algn="ctr" latinLnBrk="1"/>
-                      <a:endParaRPr lang="ko-KR" altLang="en-US" sz="1400" dirty="0"/>
-                    </a:p>
-                  </a:txBody>
-                  <a:tcPr anchor="ctr"/>
-                </a:tc>
-                <a:tc>
-                  <a:txBody>
-                    <a:bodyPr/>
-                    <a:lstStyle/>
-                    <a:p>
-                      <a:pPr algn="ctr" latinLnBrk="1"/>
-                      <a:endParaRPr lang="ko-KR" altLang="en-US" sz="1400" dirty="0"/>
-                    </a:p>
-                  </a:txBody>
-                  <a:tcPr anchor="ctr"/>
-                </a:tc>
-                <a:tc>
-                  <a:txBody>
-                    <a:bodyPr/>
-                    <a:lstStyle/>
-                    <a:p>
-                      <a:pPr algn="ctr" latinLnBrk="1"/>
-                      <a:endParaRPr lang="ko-KR" altLang="en-US" sz="1400" dirty="0"/>
-                    </a:p>
-                  </a:txBody>
-                  <a:tcPr anchor="ctr"/>
-                </a:tc>
-                <a:tc>
-                  <a:txBody>
-                    <a:bodyPr/>
-                    <a:lstStyle/>
-                    <a:p>
-                      <a:pPr algn="ctr" latinLnBrk="1"/>
-                      <a:endParaRPr lang="ko-KR" altLang="en-US" sz="1400" dirty="0"/>
-                    </a:p>
-                  </a:txBody>
-                  <a:tcPr anchor="ctr"/>
-                </a:tc>
-                <a:extLst>
-                  <a:ext uri="{0D108BD9-81ED-4DB2-BD59-A6C34878D82A}">
-                    <a16:rowId xmlns:a16="http://schemas.microsoft.com/office/drawing/2014/main" val="1623486459"/>
-                  </a:ext>
-                </a:extLst>
-              </a:tr>
-              <a:tr h="0">
-                <a:tc gridSpan="5">
-                  <a:txBody>
-                    <a:bodyPr/>
-                    <a:lstStyle/>
-                    <a:p>
-                      <a:pPr algn="ctr" latinLnBrk="1"/>
-                      <a:endParaRPr lang="ko-KR" altLang="en-US" sz="300" dirty="0"/>
-                    </a:p>
-                  </a:txBody>
-                  <a:tcPr anchor="ctr"/>
-                </a:tc>
-                <a:tc hMerge="1">
-                  <a:txBody>
-                    <a:bodyPr/>
-                    <a:lstStyle/>
-                    <a:p>
-                      <a:pPr algn="ctr" latinLnBrk="1"/>
-                      <a:endParaRPr lang="ko-KR" altLang="en-US" sz="800" dirty="0"/>
-                    </a:p>
-                  </a:txBody>
-                  <a:tcPr anchor="ctr"/>
-                </a:tc>
-                <a:tc hMerge="1">
-                  <a:txBody>
-                    <a:bodyPr/>
-                    <a:lstStyle/>
-                    <a:p>
-                      <a:pPr algn="ctr" latinLnBrk="1"/>
-                      <a:endParaRPr lang="ko-KR" altLang="en-US" sz="800" dirty="0"/>
-                    </a:p>
-                  </a:txBody>
-                  <a:tcPr anchor="ctr"/>
-                </a:tc>
-                <a:tc hMerge="1">
-                  <a:txBody>
-                    <a:bodyPr/>
-                    <a:lstStyle/>
-                    <a:p>
-                      <a:pPr algn="ctr" latinLnBrk="1"/>
-                      <a:endParaRPr lang="ko-KR" altLang="en-US" sz="800" dirty="0"/>
-                    </a:p>
-                  </a:txBody>
-                  <a:tcPr anchor="ctr"/>
-                </a:tc>
-                <a:tc hMerge="1">
-                  <a:txBody>
-                    <a:bodyPr/>
-                    <a:lstStyle/>
-                    <a:p>
-                      <a:pPr algn="ctr" latinLnBrk="1"/>
-                      <a:endParaRPr lang="ko-KR" altLang="en-US" sz="800" dirty="0"/>
-                    </a:p>
-                  </a:txBody>
-                  <a:tcPr anchor="ctr"/>
-                </a:tc>
-                <a:extLst>
-                  <a:ext uri="{0D108BD9-81ED-4DB2-BD59-A6C34878D82A}">
-                    <a16:rowId xmlns:a16="http://schemas.microsoft.com/office/drawing/2014/main" val="1612497092"/>
-                  </a:ext>
-                </a:extLst>
-              </a:tr>
-              <a:tr h="370840">
-                <a:tc>
-                  <a:txBody>
-                    <a:bodyPr/>
-                    <a:lstStyle/>
-                    <a:p>
-                      <a:pPr algn="ctr" latinLnBrk="1"/>
-                      <a:r>
-                        <a:rPr lang="en-US" altLang="ko-KR" sz="1400" b="1" dirty="0">
-                          <a:solidFill>
-                            <a:srgbClr val="0070C0"/>
-                          </a:solidFill>
-                        </a:rPr>
-                        <a:t>Bottle</a:t>
-                      </a:r>
-                      <a:endParaRPr lang="ko-KR" altLang="en-US" sz="1400" dirty="0">
-                        <a:solidFill>
-                          <a:srgbClr val="0070C0"/>
-                        </a:solidFill>
-                      </a:endParaRPr>
-                    </a:p>
-                  </a:txBody>
-                  <a:tcPr anchor="ctr"/>
-                </a:tc>
-                <a:tc>
-                  <a:txBody>
-                    <a:bodyPr/>
-                    <a:lstStyle/>
-                    <a:p>
-                      <a:pPr algn="ctr" latinLnBrk="1"/>
-                      <a:endParaRPr lang="ko-KR" altLang="en-US" sz="1400" dirty="0"/>
-                    </a:p>
-                  </a:txBody>
-                  <a:tcPr anchor="ctr"/>
-                </a:tc>
-                <a:tc>
-                  <a:txBody>
-                    <a:bodyPr/>
-                    <a:lstStyle/>
-                    <a:p>
-                      <a:pPr algn="ctr" latinLnBrk="1"/>
-                      <a:endParaRPr lang="ko-KR" altLang="en-US" sz="1400" dirty="0"/>
-                    </a:p>
-                  </a:txBody>
-                  <a:tcPr anchor="ctr"/>
-                </a:tc>
-                <a:tc>
-                  <a:txBody>
-                    <a:bodyPr/>
-                    <a:lstStyle/>
-                    <a:p>
-                      <a:pPr algn="ctr" latinLnBrk="1"/>
-                      <a:endParaRPr lang="ko-KR" altLang="en-US" sz="1400" dirty="0"/>
-                    </a:p>
-                  </a:txBody>
-                  <a:tcPr anchor="ctr"/>
-                </a:tc>
-                <a:tc>
-                  <a:txBody>
-                    <a:bodyPr/>
-                    <a:lstStyle/>
-                    <a:p>
-                      <a:pPr algn="ctr" latinLnBrk="1"/>
-                      <a:endParaRPr lang="ko-KR" altLang="en-US" sz="1400" dirty="0"/>
-                    </a:p>
-                  </a:txBody>
-                  <a:tcPr anchor="ctr"/>
-                </a:tc>
-                <a:extLst>
-                  <a:ext uri="{0D108BD9-81ED-4DB2-BD59-A6C34878D82A}">
-                    <a16:rowId xmlns:a16="http://schemas.microsoft.com/office/drawing/2014/main" val="1371131627"/>
-                  </a:ext>
-                </a:extLst>
-              </a:tr>
-              <a:tr h="370840">
-                <a:tc>
-                  <a:txBody>
-                    <a:bodyPr/>
-                    <a:lstStyle/>
-                    <a:p>
-                      <a:pPr algn="ctr" latinLnBrk="1"/>
-                      <a:endParaRPr lang="ko-KR" altLang="en-US" sz="1400" dirty="0"/>
-                    </a:p>
-                  </a:txBody>
-                  <a:tcPr anchor="ctr"/>
-                </a:tc>
-                <a:tc>
-                  <a:txBody>
-                    <a:bodyPr/>
-                    <a:lstStyle/>
-                    <a:p>
-                      <a:pPr algn="ctr" latinLnBrk="1"/>
-                      <a:endParaRPr lang="ko-KR" altLang="en-US" sz="1400" dirty="0"/>
-                    </a:p>
-                  </a:txBody>
-                  <a:tcPr anchor="ctr"/>
-                </a:tc>
-                <a:tc>
-                  <a:txBody>
-                    <a:bodyPr/>
-                    <a:lstStyle/>
-                    <a:p>
-                      <a:pPr algn="ctr" latinLnBrk="1"/>
-                      <a:endParaRPr lang="ko-KR" altLang="en-US" sz="1400" dirty="0"/>
-                    </a:p>
-                  </a:txBody>
-                  <a:tcPr anchor="ctr"/>
-                </a:tc>
-                <a:tc>
-                  <a:txBody>
-                    <a:bodyPr/>
-                    <a:lstStyle/>
-                    <a:p>
-                      <a:pPr algn="ctr" latinLnBrk="1"/>
-                      <a:endParaRPr lang="ko-KR" altLang="en-US" sz="1400" dirty="0"/>
-                    </a:p>
-                  </a:txBody>
-                  <a:tcPr anchor="ctr"/>
-                </a:tc>
-                <a:tc>
-                  <a:txBody>
-                    <a:bodyPr/>
-                    <a:lstStyle/>
-                    <a:p>
-                      <a:pPr algn="ctr" latinLnBrk="1"/>
-                      <a:endParaRPr lang="ko-KR" altLang="en-US" sz="1400" dirty="0"/>
-                    </a:p>
-                  </a:txBody>
-                  <a:tcPr anchor="ctr"/>
-                </a:tc>
-                <a:extLst>
-                  <a:ext uri="{0D108BD9-81ED-4DB2-BD59-A6C34878D82A}">
-                    <a16:rowId xmlns:a16="http://schemas.microsoft.com/office/drawing/2014/main" val="2117911092"/>
-                  </a:ext>
-                </a:extLst>
-              </a:tr>
-              <a:tr h="370840">
-                <a:tc>
-                  <a:txBody>
-                    <a:bodyPr/>
-                    <a:lstStyle/>
-                    <a:p>
-                      <a:pPr algn="ctr" latinLnBrk="1"/>
-                      <a:endParaRPr lang="ko-KR" altLang="en-US" sz="1400" dirty="0"/>
-                    </a:p>
-                  </a:txBody>
-                  <a:tcPr anchor="ctr"/>
-                </a:tc>
-                <a:tc>
-                  <a:txBody>
-                    <a:bodyPr/>
-                    <a:lstStyle/>
-                    <a:p>
-                      <a:pPr algn="ctr" latinLnBrk="1"/>
-                      <a:endParaRPr lang="ko-KR" altLang="en-US" sz="1400" dirty="0"/>
-                    </a:p>
-                  </a:txBody>
-                  <a:tcPr anchor="ctr"/>
-                </a:tc>
-                <a:tc>
-                  <a:txBody>
-                    <a:bodyPr/>
-                    <a:lstStyle/>
-                    <a:p>
-                      <a:pPr algn="ctr" latinLnBrk="1"/>
-                      <a:endParaRPr lang="ko-KR" altLang="en-US" sz="1400" dirty="0"/>
-                    </a:p>
-                  </a:txBody>
-                  <a:tcPr anchor="ctr"/>
-                </a:tc>
-                <a:tc>
-                  <a:txBody>
-                    <a:bodyPr/>
-                    <a:lstStyle/>
-                    <a:p>
-                      <a:pPr algn="ctr" latinLnBrk="1"/>
-                      <a:endParaRPr lang="ko-KR" altLang="en-US" sz="1400" dirty="0"/>
-                    </a:p>
-                  </a:txBody>
-                  <a:tcPr anchor="ctr"/>
-                </a:tc>
-                <a:tc>
-                  <a:txBody>
-                    <a:bodyPr/>
-                    <a:lstStyle/>
-                    <a:p>
-                      <a:pPr algn="ctr" latinLnBrk="1"/>
-                      <a:endParaRPr lang="ko-KR" altLang="en-US" sz="1400" dirty="0"/>
-                    </a:p>
-                  </a:txBody>
-                  <a:tcPr anchor="ctr"/>
-                </a:tc>
-                <a:extLst>
-                  <a:ext uri="{0D108BD9-81ED-4DB2-BD59-A6C34878D82A}">
-                    <a16:rowId xmlns:a16="http://schemas.microsoft.com/office/drawing/2014/main" val="717605488"/>
-                  </a:ext>
-                </a:extLst>
-              </a:tr>
-              <a:tr h="370840">
-                <a:tc>
-                  <a:txBody>
-                    <a:bodyPr/>
-                    <a:lstStyle/>
-                    <a:p>
-                      <a:pPr algn="ctr" latinLnBrk="1"/>
-                      <a:endParaRPr lang="ko-KR" altLang="en-US" sz="1400" dirty="0"/>
-                    </a:p>
-                  </a:txBody>
-                  <a:tcPr anchor="ctr"/>
-                </a:tc>
-                <a:tc>
-                  <a:txBody>
-                    <a:bodyPr/>
-                    <a:lstStyle/>
-                    <a:p>
-                      <a:pPr algn="ctr" latinLnBrk="1"/>
-                      <a:endParaRPr lang="ko-KR" altLang="en-US" sz="1400" dirty="0"/>
-                    </a:p>
-                  </a:txBody>
-                  <a:tcPr anchor="ctr"/>
-                </a:tc>
-                <a:tc>
-                  <a:txBody>
-                    <a:bodyPr/>
-                    <a:lstStyle/>
-                    <a:p>
-                      <a:pPr algn="ctr" latinLnBrk="1"/>
-                      <a:endParaRPr lang="ko-KR" altLang="en-US" sz="1400" dirty="0"/>
-                    </a:p>
-                  </a:txBody>
-                  <a:tcPr anchor="ctr"/>
-                </a:tc>
-                <a:tc>
-                  <a:txBody>
-                    <a:bodyPr/>
-                    <a:lstStyle/>
-                    <a:p>
-                      <a:pPr algn="ctr" latinLnBrk="1"/>
-                      <a:endParaRPr lang="ko-KR" altLang="en-US" sz="1400" dirty="0"/>
-                    </a:p>
-                  </a:txBody>
-                  <a:tcPr anchor="ctr"/>
-                </a:tc>
-                <a:tc>
-                  <a:txBody>
-                    <a:bodyPr/>
-                    <a:lstStyle/>
-                    <a:p>
-                      <a:pPr algn="ctr" latinLnBrk="1"/>
-                      <a:endParaRPr lang="ko-KR" altLang="en-US" sz="1400" dirty="0"/>
-                    </a:p>
-                  </a:txBody>
-                  <a:tcPr anchor="ctr"/>
-                </a:tc>
-                <a:extLst>
-                  <a:ext uri="{0D108BD9-81ED-4DB2-BD59-A6C34878D82A}">
-                    <a16:rowId xmlns:a16="http://schemas.microsoft.com/office/drawing/2014/main" val="3416809694"/>
-                  </a:ext>
-                </a:extLst>
-              </a:tr>
-              <a:tr h="0">
-                <a:tc gridSpan="5">
-                  <a:txBody>
-                    <a:bodyPr/>
-                    <a:lstStyle/>
-                    <a:p>
-                      <a:pPr algn="ctr" latinLnBrk="1"/>
-                      <a:endParaRPr lang="ko-KR" altLang="en-US" sz="300" dirty="0"/>
-                    </a:p>
-                  </a:txBody>
-                  <a:tcPr anchor="ctr"/>
-                </a:tc>
-                <a:tc hMerge="1">
-                  <a:txBody>
-                    <a:bodyPr/>
-                    <a:lstStyle/>
-                    <a:p>
-                      <a:pPr algn="ctr" latinLnBrk="1"/>
-                      <a:endParaRPr lang="ko-KR" altLang="en-US" sz="1400" dirty="0"/>
-                    </a:p>
-                  </a:txBody>
-                  <a:tcPr anchor="ctr"/>
-                </a:tc>
-                <a:tc hMerge="1">
-                  <a:txBody>
-                    <a:bodyPr/>
-                    <a:lstStyle/>
-                    <a:p>
-                      <a:pPr algn="ctr" latinLnBrk="1"/>
-                      <a:endParaRPr lang="ko-KR" altLang="en-US" sz="1400" dirty="0"/>
-                    </a:p>
-                  </a:txBody>
-                  <a:tcPr anchor="ctr"/>
-                </a:tc>
-                <a:tc hMerge="1">
-                  <a:txBody>
-                    <a:bodyPr/>
-                    <a:lstStyle/>
-                    <a:p>
-                      <a:pPr algn="ctr" latinLnBrk="1"/>
-                      <a:endParaRPr lang="ko-KR" altLang="en-US" sz="1400" dirty="0"/>
-                    </a:p>
-                  </a:txBody>
-                  <a:tcPr anchor="ctr"/>
-                </a:tc>
-                <a:tc hMerge="1">
-                  <a:txBody>
-                    <a:bodyPr/>
-                    <a:lstStyle/>
-                    <a:p>
-                      <a:pPr algn="ctr" latinLnBrk="1"/>
-                      <a:endParaRPr lang="ko-KR" altLang="en-US" sz="1400" dirty="0"/>
-                    </a:p>
-                  </a:txBody>
-                  <a:tcPr anchor="ctr"/>
-                </a:tc>
-                <a:extLst>
-                  <a:ext uri="{0D108BD9-81ED-4DB2-BD59-A6C34878D82A}">
-                    <a16:rowId xmlns:a16="http://schemas.microsoft.com/office/drawing/2014/main" val="384975930"/>
-                  </a:ext>
-                </a:extLst>
-              </a:tr>
-              <a:tr h="370840">
-                <a:tc>
-                  <a:txBody>
-                    <a:bodyPr/>
-                    <a:lstStyle/>
-                    <a:p>
-                      <a:pPr algn="ctr" latinLnBrk="1"/>
-                      <a:r>
-                        <a:rPr lang="en-US" altLang="ko-KR" sz="1400" b="1" dirty="0">
-                          <a:solidFill>
-                            <a:schemeClr val="accent5"/>
-                          </a:solidFill>
-                        </a:rPr>
-                        <a:t>Bottle</a:t>
-                      </a:r>
-                      <a:endParaRPr lang="ko-KR" altLang="en-US" sz="1400" b="1" dirty="0">
-                        <a:solidFill>
-                          <a:schemeClr val="accent5"/>
-                        </a:solidFill>
-                      </a:endParaRPr>
-                    </a:p>
-                  </a:txBody>
-                  <a:tcPr anchor="ctr"/>
-                </a:tc>
-                <a:tc>
-                  <a:txBody>
-                    <a:bodyPr/>
-                    <a:lstStyle/>
-                    <a:p>
-                      <a:pPr algn="ctr" latinLnBrk="1"/>
-                      <a:endParaRPr lang="ko-KR" altLang="en-US" sz="1400" dirty="0"/>
-                    </a:p>
-                  </a:txBody>
-                  <a:tcPr anchor="ctr"/>
-                </a:tc>
-                <a:tc>
-                  <a:txBody>
-                    <a:bodyPr/>
-                    <a:lstStyle/>
-                    <a:p>
-                      <a:pPr algn="ctr" latinLnBrk="1"/>
-                      <a:endParaRPr lang="ko-KR" altLang="en-US" sz="1400" dirty="0"/>
-                    </a:p>
-                  </a:txBody>
-                  <a:tcPr anchor="ctr"/>
-                </a:tc>
-                <a:tc>
-                  <a:txBody>
-                    <a:bodyPr/>
-                    <a:lstStyle/>
-                    <a:p>
-                      <a:pPr algn="ctr" latinLnBrk="1"/>
-                      <a:endParaRPr lang="ko-KR" altLang="en-US" sz="1400" dirty="0"/>
-                    </a:p>
-                  </a:txBody>
-                  <a:tcPr anchor="ctr"/>
-                </a:tc>
-                <a:tc>
-                  <a:txBody>
-                    <a:bodyPr/>
-                    <a:lstStyle/>
-                    <a:p>
-                      <a:pPr algn="ctr" latinLnBrk="1"/>
-                      <a:endParaRPr lang="ko-KR" altLang="en-US" sz="1400" dirty="0"/>
-                    </a:p>
-                  </a:txBody>
-                  <a:tcPr anchor="ctr"/>
-                </a:tc>
-                <a:extLst>
-                  <a:ext uri="{0D108BD9-81ED-4DB2-BD59-A6C34878D82A}">
-                    <a16:rowId xmlns:a16="http://schemas.microsoft.com/office/drawing/2014/main" val="1851093781"/>
-                  </a:ext>
-                </a:extLst>
-              </a:tr>
-              <a:tr h="370840">
-                <a:tc>
-                  <a:txBody>
-                    <a:bodyPr/>
-                    <a:lstStyle/>
-                    <a:p>
-                      <a:pPr algn="ctr" latinLnBrk="1"/>
-                      <a:endParaRPr lang="ko-KR" altLang="en-US" sz="1400" dirty="0"/>
-                    </a:p>
-                  </a:txBody>
-                  <a:tcPr anchor="ctr"/>
-                </a:tc>
-                <a:tc>
-                  <a:txBody>
-                    <a:bodyPr/>
-                    <a:lstStyle/>
-                    <a:p>
-                      <a:pPr algn="ctr" latinLnBrk="1"/>
-                      <a:endParaRPr lang="ko-KR" altLang="en-US" sz="1400" dirty="0"/>
-                    </a:p>
-                  </a:txBody>
-                  <a:tcPr anchor="ctr"/>
-                </a:tc>
-                <a:tc>
-                  <a:txBody>
-                    <a:bodyPr/>
-                    <a:lstStyle/>
-                    <a:p>
-                      <a:pPr algn="ctr" latinLnBrk="1"/>
-                      <a:endParaRPr lang="ko-KR" altLang="en-US" sz="1400" dirty="0"/>
-                    </a:p>
-                  </a:txBody>
-                  <a:tcPr anchor="ctr"/>
-                </a:tc>
-                <a:tc>
-                  <a:txBody>
-                    <a:bodyPr/>
-                    <a:lstStyle/>
-                    <a:p>
-                      <a:pPr algn="ctr" latinLnBrk="1"/>
-                      <a:endParaRPr lang="ko-KR" altLang="en-US" sz="1400" dirty="0"/>
-                    </a:p>
-                  </a:txBody>
-                  <a:tcPr anchor="ctr"/>
-                </a:tc>
-                <a:tc>
-                  <a:txBody>
-                    <a:bodyPr/>
-                    <a:lstStyle/>
-                    <a:p>
-                      <a:pPr algn="ctr" latinLnBrk="1"/>
-                      <a:endParaRPr lang="ko-KR" altLang="en-US" sz="1400" dirty="0"/>
-                    </a:p>
-                  </a:txBody>
-                  <a:tcPr anchor="ctr"/>
-                </a:tc>
-                <a:extLst>
-                  <a:ext uri="{0D108BD9-81ED-4DB2-BD59-A6C34878D82A}">
-                    <a16:rowId xmlns:a16="http://schemas.microsoft.com/office/drawing/2014/main" val="1637186499"/>
-                  </a:ext>
-                </a:extLst>
-              </a:tr>
-            </a:tbl>
-          </a:graphicData>
-        </a:graphic>
-      </p:graphicFrame>
-      <p:pic>
-        <p:nvPicPr>
-          <p:cNvPr id="4" name="그림 3">
-            <a:extLst>
-              <a:ext uri="{FF2B5EF4-FFF2-40B4-BE49-F238E27FC236}">
-                <a16:creationId xmlns:a16="http://schemas.microsoft.com/office/drawing/2014/main" id="{99EB3ABD-3A80-F5F7-1D7C-844D387CA210}"/>
-              </a:ext>
-            </a:extLst>
-          </p:cNvPr>
-          <p:cNvPicPr>
-            <a:picLocks noChangeAspect="1"/>
-          </p:cNvPicPr>
-          <p:nvPr/>
-        </p:nvPicPr>
-        <p:blipFill>
-          <a:blip r:embed="rId2" cstate="print">
-            <a:clrChange>
-              <a:clrFrom>
-                <a:srgbClr val="CACAC9"/>
-              </a:clrFrom>
-              <a:clrTo>
-                <a:srgbClr val="CACAC9">
-                  <a:alpha val="0"/>
-                </a:srgbClr>
-              </a:clrTo>
-            </a:clrChange>
-            <a:alphaModFix/>
-            <a:extLst>
-              <a:ext uri="{BEBA8EAE-BF5A-486C-A8C5-ECC9F3942E4B}">
-                <a14:imgProps xmlns:a14="http://schemas.microsoft.com/office/drawing/2010/main">
-                  <a14:imgLayer r:embed="rId3">
-                    <a14:imgEffect>
-                      <a14:sharpenSoften amount="-50000"/>
-                    </a14:imgEffect>
-                    <a14:imgEffect>
-                      <a14:brightnessContrast bright="-20000"/>
-                    </a14:imgEffect>
-                  </a14:imgLayer>
-                </a14:imgProps>
-              </a:ext>
-            </a:extLst>
-          </a:blip>
-          <a:stretch>
-            <a:fillRect/>
-          </a:stretch>
-        </p:blipFill>
-        <p:spPr>
-          <a:xfrm flipH="1">
-            <a:off x="4454693" y="1521683"/>
-            <a:ext cx="522732" cy="705787"/>
-          </a:xfrm>
-          <a:prstGeom prst="rect">
-            <a:avLst/>
-          </a:prstGeom>
-        </p:spPr>
-      </p:pic>
-      <p:pic>
-        <p:nvPicPr>
-          <p:cNvPr id="5" name="그림 4">
-            <a:extLst>
-              <a:ext uri="{FF2B5EF4-FFF2-40B4-BE49-F238E27FC236}">
-                <a16:creationId xmlns:a16="http://schemas.microsoft.com/office/drawing/2014/main" id="{DDDC0CDA-9759-762F-9F03-4BE2658605E7}"/>
-              </a:ext>
-            </a:extLst>
-          </p:cNvPr>
-          <p:cNvPicPr>
-            <a:picLocks noChangeAspect="1"/>
-          </p:cNvPicPr>
-          <p:nvPr/>
-        </p:nvPicPr>
-        <p:blipFill>
-          <a:blip r:embed="rId4" cstate="print">
-            <a:clrChange>
-              <a:clrFrom>
-                <a:srgbClr val="CACAC9"/>
-              </a:clrFrom>
-              <a:clrTo>
-                <a:srgbClr val="CACAC9">
-                  <a:alpha val="0"/>
-                </a:srgbClr>
-              </a:clrTo>
-            </a:clrChange>
-            <a:alphaModFix/>
-            <a:extLst>
-              <a:ext uri="{BEBA8EAE-BF5A-486C-A8C5-ECC9F3942E4B}">
-                <a14:imgProps xmlns:a14="http://schemas.microsoft.com/office/drawing/2010/main">
-                  <a14:imgLayer r:embed="rId5">
-                    <a14:imgEffect>
-                      <a14:sharpenSoften amount="-50000"/>
-                    </a14:imgEffect>
-                    <a14:imgEffect>
-                      <a14:brightnessContrast bright="-20000"/>
-                    </a14:imgEffect>
-                  </a14:imgLayer>
-                </a14:imgProps>
-              </a:ext>
-            </a:extLst>
-          </a:blip>
-          <a:stretch>
-            <a:fillRect/>
-          </a:stretch>
-        </p:blipFill>
-        <p:spPr>
-          <a:xfrm flipH="1">
-            <a:off x="6245642" y="1486924"/>
-            <a:ext cx="750785" cy="775305"/>
-          </a:xfrm>
-          <a:prstGeom prst="rect">
-            <a:avLst/>
-          </a:prstGeom>
-        </p:spPr>
-      </p:pic>
-      <p:pic>
-        <p:nvPicPr>
-          <p:cNvPr id="6" name="그림 5">
-            <a:extLst>
-              <a:ext uri="{FF2B5EF4-FFF2-40B4-BE49-F238E27FC236}">
-                <a16:creationId xmlns:a16="http://schemas.microsoft.com/office/drawing/2014/main" id="{A5D04A9D-47E9-5DED-7823-92DD962B8AD2}"/>
-              </a:ext>
-            </a:extLst>
-          </p:cNvPr>
-          <p:cNvPicPr>
-            <a:picLocks noChangeAspect="1"/>
-          </p:cNvPicPr>
-          <p:nvPr/>
-        </p:nvPicPr>
-        <p:blipFill>
-          <a:blip r:embed="rId6" cstate="print">
-            <a:clrChange>
-              <a:clrFrom>
-                <a:srgbClr val="CACAC9"/>
-              </a:clrFrom>
-              <a:clrTo>
-                <a:srgbClr val="CACAC9">
-                  <a:alpha val="0"/>
-                </a:srgbClr>
-              </a:clrTo>
-            </a:clrChange>
-            <a:alphaModFix/>
-            <a:extLst>
-              <a:ext uri="{BEBA8EAE-BF5A-486C-A8C5-ECC9F3942E4B}">
-                <a14:imgProps xmlns:a14="http://schemas.microsoft.com/office/drawing/2010/main">
-                  <a14:imgLayer r:embed="rId7">
-                    <a14:imgEffect>
-                      <a14:brightnessContrast bright="-20000"/>
-                    </a14:imgEffect>
-                  </a14:imgLayer>
-                </a14:imgProps>
-              </a:ext>
-            </a:extLst>
-          </a:blip>
-          <a:stretch>
-            <a:fillRect/>
-          </a:stretch>
-        </p:blipFill>
-        <p:spPr>
-          <a:xfrm>
-            <a:off x="8327567" y="1442751"/>
-            <a:ext cx="475775" cy="863650"/>
-          </a:xfrm>
-          <a:prstGeom prst="rect">
-            <a:avLst/>
-          </a:prstGeom>
-        </p:spPr>
-      </p:pic>
-      <p:pic>
-        <p:nvPicPr>
-          <p:cNvPr id="7" name="그림 6">
-            <a:extLst>
-              <a:ext uri="{FF2B5EF4-FFF2-40B4-BE49-F238E27FC236}">
-                <a16:creationId xmlns:a16="http://schemas.microsoft.com/office/drawing/2014/main" id="{8C78DA93-5293-21A3-2B60-22D0C8016662}"/>
-              </a:ext>
-            </a:extLst>
-          </p:cNvPr>
-          <p:cNvPicPr>
-            <a:picLocks noChangeAspect="1"/>
-          </p:cNvPicPr>
-          <p:nvPr/>
-        </p:nvPicPr>
-        <p:blipFill>
-          <a:blip r:embed="rId8" cstate="print">
-            <a:clrChange>
-              <a:clrFrom>
-                <a:srgbClr val="CACAC9"/>
-              </a:clrFrom>
-              <a:clrTo>
-                <a:srgbClr val="CACAC9">
-                  <a:alpha val="0"/>
-                </a:srgbClr>
-              </a:clrTo>
-            </a:clrChange>
-            <a:alphaModFix/>
-            <a:extLst>
-              <a:ext uri="{BEBA8EAE-BF5A-486C-A8C5-ECC9F3942E4B}">
-                <a14:imgProps xmlns:a14="http://schemas.microsoft.com/office/drawing/2010/main">
-                  <a14:imgLayer r:embed="rId9">
-                    <a14:imgEffect>
-                      <a14:brightnessContrast bright="-20000"/>
-                    </a14:imgEffect>
-                  </a14:imgLayer>
-                </a14:imgProps>
-              </a:ext>
-            </a:extLst>
-          </a:blip>
-          <a:stretch>
-            <a:fillRect/>
-          </a:stretch>
-        </p:blipFill>
-        <p:spPr>
-          <a:xfrm>
-            <a:off x="2148634" y="2614898"/>
-            <a:ext cx="576064" cy="986789"/>
-          </a:xfrm>
-          <a:prstGeom prst="rect">
-            <a:avLst/>
-          </a:prstGeom>
-        </p:spPr>
-      </p:pic>
-      <p:pic>
-        <p:nvPicPr>
-          <p:cNvPr id="8" name="그림 7">
-            <a:extLst>
-              <a:ext uri="{FF2B5EF4-FFF2-40B4-BE49-F238E27FC236}">
-                <a16:creationId xmlns:a16="http://schemas.microsoft.com/office/drawing/2014/main" id="{5E942DA1-E5F9-A206-8F79-A03D47033B8A}"/>
-              </a:ext>
-            </a:extLst>
-          </p:cNvPr>
-          <p:cNvPicPr>
-            <a:picLocks noChangeAspect="1"/>
-          </p:cNvPicPr>
-          <p:nvPr/>
-        </p:nvPicPr>
-        <p:blipFill rotWithShape="1">
-          <a:blip r:embed="rId10" cstate="print">
-            <a:clrChange>
-              <a:clrFrom>
-                <a:srgbClr val="C9CACA"/>
-              </a:clrFrom>
-              <a:clrTo>
-                <a:srgbClr val="C9CACA">
-                  <a:alpha val="0"/>
-                </a:srgbClr>
-              </a:clrTo>
-            </a:clrChange>
-            <a:alphaModFix/>
-            <a:extLst>
-              <a:ext uri="{BEBA8EAE-BF5A-486C-A8C5-ECC9F3942E4B}">
-                <a14:imgProps xmlns:a14="http://schemas.microsoft.com/office/drawing/2010/main">
-                  <a14:imgLayer r:embed="rId11">
-                    <a14:imgEffect>
-                      <a14:sharpenSoften amount="-50000"/>
-                    </a14:imgEffect>
-                    <a14:imgEffect>
-                      <a14:brightnessContrast bright="-20000"/>
-                    </a14:imgEffect>
-                  </a14:imgLayer>
-                </a14:imgProps>
-              </a:ext>
-            </a:extLst>
-          </a:blip>
-          <a:srcRect l="4858" t="1314"/>
-          <a:stretch/>
-        </p:blipFill>
-        <p:spPr>
-          <a:xfrm>
-            <a:off x="2538135" y="1500969"/>
-            <a:ext cx="591109" cy="747215"/>
-          </a:xfrm>
-          <a:prstGeom prst="rect">
-            <a:avLst/>
-          </a:prstGeom>
-        </p:spPr>
-      </p:pic>
-      <p:cxnSp>
-        <p:nvCxnSpPr>
-          <p:cNvPr id="10" name="직선 화살표 연결선 9">
-            <a:extLst>
-              <a:ext uri="{FF2B5EF4-FFF2-40B4-BE49-F238E27FC236}">
-                <a16:creationId xmlns:a16="http://schemas.microsoft.com/office/drawing/2014/main" id="{03F1B90B-F86D-068D-6EA5-546A3EAC5F3A}"/>
-              </a:ext>
-            </a:extLst>
-          </p:cNvPr>
-          <p:cNvCxnSpPr>
-            <a:cxnSpLocks/>
-          </p:cNvCxnSpPr>
-          <p:nvPr/>
-        </p:nvCxnSpPr>
-        <p:spPr>
-          <a:xfrm>
-            <a:off x="2833689" y="2601686"/>
-            <a:ext cx="3787345" cy="0"/>
-          </a:xfrm>
-          <a:prstGeom prst="straightConnector1">
-            <a:avLst/>
-          </a:prstGeom>
-          <a:ln w="38100">
-            <a:solidFill>
-              <a:srgbClr val="FF0000"/>
-            </a:solidFill>
-            <a:tailEnd type="triangle"/>
-          </a:ln>
-        </p:spPr>
-        <p:style>
-          <a:lnRef idx="2">
-            <a:schemeClr val="accent1"/>
-          </a:lnRef>
-          <a:fillRef idx="0">
-            <a:schemeClr val="accent1"/>
-          </a:fillRef>
-          <a:effectRef idx="1">
-            <a:schemeClr val="accent1"/>
-          </a:effectRef>
-          <a:fontRef idx="minor">
-            <a:schemeClr val="tx1"/>
-          </a:fontRef>
-        </p:style>
-      </p:cxnSp>
-      <p:cxnSp>
-        <p:nvCxnSpPr>
-          <p:cNvPr id="12" name="직선 화살표 연결선 11">
-            <a:extLst>
-              <a:ext uri="{FF2B5EF4-FFF2-40B4-BE49-F238E27FC236}">
-                <a16:creationId xmlns:a16="http://schemas.microsoft.com/office/drawing/2014/main" id="{BC5DF66A-B133-D492-F088-1F6494771EBA}"/>
-              </a:ext>
-            </a:extLst>
-          </p:cNvPr>
-          <p:cNvCxnSpPr>
-            <a:cxnSpLocks/>
-          </p:cNvCxnSpPr>
-          <p:nvPr/>
-        </p:nvCxnSpPr>
-        <p:spPr>
-          <a:xfrm flipH="1">
-            <a:off x="4593771" y="3026229"/>
-            <a:ext cx="2027263" cy="0"/>
-          </a:xfrm>
-          <a:prstGeom prst="straightConnector1">
-            <a:avLst/>
-          </a:prstGeom>
-          <a:ln w="38100">
-            <a:solidFill>
-              <a:srgbClr val="FF0000"/>
-            </a:solidFill>
-            <a:tailEnd type="triangle"/>
-          </a:ln>
-        </p:spPr>
-        <p:style>
-          <a:lnRef idx="2">
-            <a:schemeClr val="accent1"/>
-          </a:lnRef>
-          <a:fillRef idx="0">
-            <a:schemeClr val="accent1"/>
-          </a:fillRef>
-          <a:effectRef idx="1">
-            <a:schemeClr val="accent1"/>
-          </a:effectRef>
-          <a:fontRef idx="minor">
-            <a:schemeClr val="tx1"/>
-          </a:fontRef>
-        </p:style>
-      </p:cxnSp>
-      <p:cxnSp>
-        <p:nvCxnSpPr>
-          <p:cNvPr id="16" name="직선 화살표 연결선 15">
-            <a:extLst>
-              <a:ext uri="{FF2B5EF4-FFF2-40B4-BE49-F238E27FC236}">
-                <a16:creationId xmlns:a16="http://schemas.microsoft.com/office/drawing/2014/main" id="{60F6284A-B972-9E2B-3A55-C6BBE910706A}"/>
-              </a:ext>
-            </a:extLst>
-          </p:cNvPr>
-          <p:cNvCxnSpPr>
-            <a:cxnSpLocks/>
-          </p:cNvCxnSpPr>
-          <p:nvPr/>
-        </p:nvCxnSpPr>
-        <p:spPr>
-          <a:xfrm>
-            <a:off x="4627413" y="3418115"/>
-            <a:ext cx="2027263" cy="0"/>
-          </a:xfrm>
-          <a:prstGeom prst="straightConnector1">
-            <a:avLst/>
-          </a:prstGeom>
-          <a:ln w="38100">
-            <a:solidFill>
-              <a:srgbClr val="FF0000"/>
-            </a:solidFill>
-            <a:tailEnd type="triangle"/>
-          </a:ln>
-        </p:spPr>
-        <p:style>
-          <a:lnRef idx="2">
-            <a:schemeClr val="accent1"/>
-          </a:lnRef>
-          <a:fillRef idx="0">
-            <a:schemeClr val="accent1"/>
-          </a:fillRef>
-          <a:effectRef idx="1">
-            <a:schemeClr val="accent1"/>
-          </a:effectRef>
-          <a:fontRef idx="minor">
-            <a:schemeClr val="tx1"/>
-          </a:fontRef>
-        </p:style>
-      </p:cxnSp>
-      <p:cxnSp>
-        <p:nvCxnSpPr>
-          <p:cNvPr id="17" name="직선 화살표 연결선 16">
-            <a:extLst>
-              <a:ext uri="{FF2B5EF4-FFF2-40B4-BE49-F238E27FC236}">
-                <a16:creationId xmlns:a16="http://schemas.microsoft.com/office/drawing/2014/main" id="{7E82BA69-E322-2118-020F-7D3822810BEF}"/>
-              </a:ext>
-            </a:extLst>
-          </p:cNvPr>
-          <p:cNvCxnSpPr>
-            <a:cxnSpLocks/>
-          </p:cNvCxnSpPr>
-          <p:nvPr/>
-        </p:nvCxnSpPr>
-        <p:spPr>
-          <a:xfrm>
-            <a:off x="6903508" y="3418115"/>
-            <a:ext cx="1739749" cy="0"/>
-          </a:xfrm>
-          <a:prstGeom prst="straightConnector1">
-            <a:avLst/>
-          </a:prstGeom>
-          <a:ln w="38100">
-            <a:solidFill>
-              <a:srgbClr val="FF0000"/>
-            </a:solidFill>
-            <a:tailEnd type="triangle"/>
-          </a:ln>
-        </p:spPr>
-        <p:style>
-          <a:lnRef idx="2">
-            <a:schemeClr val="accent1"/>
-          </a:lnRef>
-          <a:fillRef idx="0">
-            <a:schemeClr val="accent1"/>
-          </a:fillRef>
-          <a:effectRef idx="1">
-            <a:schemeClr val="accent1"/>
-          </a:effectRef>
-          <a:fontRef idx="minor">
-            <a:schemeClr val="tx1"/>
-          </a:fontRef>
-        </p:style>
-      </p:cxnSp>
-      <p:cxnSp>
-        <p:nvCxnSpPr>
-          <p:cNvPr id="19" name="직선 화살표 연결선 18">
-            <a:extLst>
-              <a:ext uri="{FF2B5EF4-FFF2-40B4-BE49-F238E27FC236}">
-                <a16:creationId xmlns:a16="http://schemas.microsoft.com/office/drawing/2014/main" id="{B4DB9AED-0AA0-30A8-EB41-4BAD4B78ACEF}"/>
-              </a:ext>
-            </a:extLst>
-          </p:cNvPr>
-          <p:cNvCxnSpPr>
-            <a:cxnSpLocks/>
-          </p:cNvCxnSpPr>
-          <p:nvPr/>
-        </p:nvCxnSpPr>
-        <p:spPr>
-          <a:xfrm flipH="1">
-            <a:off x="6903507" y="3777344"/>
-            <a:ext cx="1739749" cy="0"/>
-          </a:xfrm>
-          <a:prstGeom prst="straightConnector1">
-            <a:avLst/>
-          </a:prstGeom>
-          <a:ln w="38100">
-            <a:solidFill>
-              <a:srgbClr val="FF0000"/>
-            </a:solidFill>
-            <a:tailEnd type="triangle"/>
-          </a:ln>
-        </p:spPr>
-        <p:style>
-          <a:lnRef idx="2">
-            <a:schemeClr val="accent1"/>
-          </a:lnRef>
-          <a:fillRef idx="0">
-            <a:schemeClr val="accent1"/>
-          </a:fillRef>
-          <a:effectRef idx="1">
-            <a:schemeClr val="accent1"/>
-          </a:effectRef>
-          <a:fontRef idx="minor">
-            <a:schemeClr val="tx1"/>
-          </a:fontRef>
-        </p:style>
-      </p:cxnSp>
-      <p:cxnSp>
-        <p:nvCxnSpPr>
-          <p:cNvPr id="22" name="직선 화살표 연결선 21">
-            <a:extLst>
-              <a:ext uri="{FF2B5EF4-FFF2-40B4-BE49-F238E27FC236}">
-                <a16:creationId xmlns:a16="http://schemas.microsoft.com/office/drawing/2014/main" id="{47C92A9D-15D4-14CA-C754-418691164F81}"/>
-              </a:ext>
-            </a:extLst>
-          </p:cNvPr>
-          <p:cNvCxnSpPr>
-            <a:cxnSpLocks/>
-          </p:cNvCxnSpPr>
-          <p:nvPr/>
-        </p:nvCxnSpPr>
-        <p:spPr>
-          <a:xfrm flipH="1">
-            <a:off x="2833689" y="3799117"/>
-            <a:ext cx="3787345" cy="0"/>
-          </a:xfrm>
-          <a:prstGeom prst="straightConnector1">
-            <a:avLst/>
-          </a:prstGeom>
-          <a:ln w="38100">
-            <a:solidFill>
-              <a:srgbClr val="FF0000"/>
-            </a:solidFill>
-            <a:tailEnd type="triangle"/>
-          </a:ln>
-        </p:spPr>
-        <p:style>
-          <a:lnRef idx="2">
-            <a:schemeClr val="accent1"/>
-          </a:lnRef>
-          <a:fillRef idx="0">
-            <a:schemeClr val="accent1"/>
-          </a:fillRef>
-          <a:effectRef idx="1">
-            <a:schemeClr val="accent1"/>
-          </a:effectRef>
-          <a:fontRef idx="minor">
-            <a:schemeClr val="tx1"/>
-          </a:fontRef>
-        </p:style>
-      </p:cxnSp>
       <p:sp>
         <p:nvSpPr>
-          <p:cNvPr id="23" name="TextBox 22">
-            <a:extLst>
-              <a:ext uri="{FF2B5EF4-FFF2-40B4-BE49-F238E27FC236}">
-                <a16:creationId xmlns:a16="http://schemas.microsoft.com/office/drawing/2014/main" id="{87B0AABC-F7B3-D3A7-4052-AA494B7E8143}"/>
+          <p:cNvPr id="4" name="TextBox 3">
+            <a:extLst>
+              <a:ext uri="{FF2B5EF4-FFF2-40B4-BE49-F238E27FC236}">
+                <a16:creationId xmlns:a16="http://schemas.microsoft.com/office/drawing/2014/main" id="{BA45E705-127C-4C77-F044-F995758049A6}"/>
               </a:ext>
             </a:extLst>
           </p:cNvPr>
@@ -20154,8 +22874,8 @@
         </p:nvSpPr>
         <p:spPr>
           <a:xfrm>
-            <a:off x="4068048" y="2357296"/>
-            <a:ext cx="386645" cy="307777"/>
+            <a:off x="1130800" y="893563"/>
+            <a:ext cx="7328225" cy="3323987"/>
           </a:xfrm>
           <a:prstGeom prst="rect">
             <a:avLst/>
@@ -20168,1248 +22888,296 @@
           </a:bodyPr>
           <a:lstStyle/>
           <a:p>
-            <a:pPr algn="ctr"/>
-            <a:r>
-              <a:rPr kumimoji="1" lang="en-US" altLang="ko-KR" sz="1400" b="1" dirty="0">
-                <a:solidFill>
-                  <a:srgbClr val="FF0000"/>
-                </a:solidFill>
-              </a:rPr>
-              <a:t>(1)</a:t>
-            </a:r>
-            <a:endParaRPr kumimoji="1" lang="ko-KR" altLang="en-US" sz="1400" b="1" dirty="0">
-              <a:solidFill>
-                <a:srgbClr val="FF0000"/>
-              </a:solidFill>
-            </a:endParaRPr>
+            <a:r>
+              <a:rPr kumimoji="1" lang="en-US" altLang="ko-KR" sz="1400" dirty="0"/>
+              <a:t>// Check Status of Analyzer, Disposer, and </a:t>
+            </a:r>
+            <a:r>
+              <a:rPr kumimoji="1" lang="en-US" altLang="ko-KR" sz="1400" dirty="0" err="1"/>
+              <a:t>MoMa</a:t>
+            </a:r>
+            <a:endParaRPr kumimoji="1" lang="en-US" altLang="ko-KR" sz="1400" dirty="0"/>
+          </a:p>
+          <a:p>
+            <a:r>
+              <a:rPr kumimoji="1" lang="en-US" altLang="ko-KR" sz="1400" dirty="0"/>
+              <a:t>If (</a:t>
+            </a:r>
+            <a:r>
+              <a:rPr kumimoji="1" lang="en-US" altLang="ko-KR" sz="1400" dirty="0" err="1"/>
+              <a:t>Analyzer.New</a:t>
+            </a:r>
+            <a:r>
+              <a:rPr kumimoji="1" lang="en-US" altLang="ko-KR" sz="1400" dirty="0"/>
+              <a:t> == 0) then Analyzer. Status = IDLE else Analyzer. Status = BUSY</a:t>
+            </a:r>
+          </a:p>
+          <a:p>
+            <a:r>
+              <a:rPr kumimoji="1" lang="en-US" altLang="ko-KR" sz="1400" dirty="0"/>
+              <a:t>If (</a:t>
+            </a:r>
+            <a:r>
+              <a:rPr kumimoji="1" lang="en-US" altLang="ko-KR" sz="1400" dirty="0" err="1"/>
+              <a:t>Disposal.New</a:t>
+            </a:r>
+            <a:r>
+              <a:rPr kumimoji="1" lang="en-US" altLang="ko-KR" sz="1400" dirty="0"/>
+              <a:t> == 0) then </a:t>
+            </a:r>
+            <a:r>
+              <a:rPr kumimoji="1" lang="en-US" altLang="ko-KR" sz="1400" dirty="0" err="1"/>
+              <a:t>Disposal.Status</a:t>
+            </a:r>
+            <a:r>
+              <a:rPr kumimoji="1" lang="en-US" altLang="ko-KR" sz="1400" dirty="0"/>
+              <a:t> = IDLE else </a:t>
+            </a:r>
+            <a:r>
+              <a:rPr kumimoji="1" lang="en-US" altLang="ko-KR" sz="1400" dirty="0" err="1"/>
+              <a:t>Disposer.Status</a:t>
+            </a:r>
+            <a:r>
+              <a:rPr kumimoji="1" lang="en-US" altLang="ko-KR" sz="1400" dirty="0"/>
+              <a:t> = BUSY</a:t>
+            </a:r>
+          </a:p>
+          <a:p>
+            <a:r>
+              <a:rPr kumimoji="1" lang="en-US" altLang="ko-KR" sz="1400" dirty="0"/>
+              <a:t>If (</a:t>
+            </a:r>
+            <a:r>
+              <a:rPr lang="en-US" altLang="ko-KR" sz="1400" dirty="0" err="1"/>
+              <a:t>MoMa.Plate</a:t>
+            </a:r>
+            <a:r>
+              <a:rPr lang="ko-KR" altLang="en-US" sz="1400" dirty="0"/>
+              <a:t> </a:t>
+            </a:r>
+            <a:r>
+              <a:rPr lang="en-US" altLang="ko-KR" sz="1400" dirty="0"/>
+              <a:t>==</a:t>
+            </a:r>
+            <a:r>
+              <a:rPr lang="ko-KR" altLang="en-US" sz="1400" dirty="0"/>
+              <a:t> </a:t>
+            </a:r>
+            <a:r>
+              <a:rPr lang="en-US" altLang="ko-KR" sz="1400" dirty="0"/>
+              <a:t>1)</a:t>
+            </a:r>
+            <a:r>
+              <a:rPr lang="ko-KR" altLang="en-US" sz="1400" dirty="0"/>
+              <a:t> </a:t>
+            </a:r>
+            <a:r>
+              <a:rPr kumimoji="1" lang="en-US" altLang="ko-KR" sz="1400" dirty="0"/>
+              <a:t>&amp;&amp; !</a:t>
+            </a:r>
+            <a:r>
+              <a:rPr kumimoji="1" lang="en-US" altLang="ko-KR" sz="1400" dirty="0" err="1"/>
+              <a:t>MoMa.Moving</a:t>
+            </a:r>
+            <a:r>
+              <a:rPr kumimoji="1" lang="en-US" altLang="ko-KR" sz="1400" dirty="0"/>
+              <a:t>) then </a:t>
+            </a:r>
+            <a:r>
+              <a:rPr kumimoji="1" lang="en-US" altLang="ko-KR" sz="1400" dirty="0" err="1"/>
+              <a:t>MoMa_Status</a:t>
+            </a:r>
+            <a:r>
+              <a:rPr kumimoji="1" lang="en-US" altLang="ko-KR" sz="1400" dirty="0"/>
+              <a:t> = IDLE else </a:t>
+            </a:r>
+            <a:r>
+              <a:rPr kumimoji="1" lang="en-US" altLang="ko-KR" sz="1400" dirty="0" err="1"/>
+              <a:t>MoMa.Status</a:t>
+            </a:r>
+            <a:r>
+              <a:rPr kumimoji="1" lang="en-US" altLang="ko-KR" sz="1400" dirty="0"/>
+              <a:t> – BUSY</a:t>
+            </a:r>
+          </a:p>
+          <a:p>
+            <a:endParaRPr kumimoji="1" lang="en-US" altLang="ko-KR" sz="1400" dirty="0"/>
+          </a:p>
+          <a:p>
+            <a:r>
+              <a:rPr kumimoji="1" lang="en-US" altLang="ko-KR" sz="1400" dirty="0"/>
+              <a:t>// Check New Bottles and Old Ones</a:t>
+            </a:r>
+          </a:p>
+          <a:p>
+            <a:r>
+              <a:rPr kumimoji="1" lang="en-US" altLang="ko-KR" sz="1400" dirty="0" err="1"/>
+              <a:t>No_More_New_Bottle</a:t>
+            </a:r>
+            <a:r>
+              <a:rPr kumimoji="1" lang="en-US" altLang="ko-KR" sz="1400" dirty="0"/>
+              <a:t> = (</a:t>
+            </a:r>
+            <a:r>
+              <a:rPr kumimoji="1" lang="en-US" altLang="ko-KR" sz="1400" dirty="0" err="1"/>
+              <a:t>EndPoint.New</a:t>
+            </a:r>
+            <a:r>
+              <a:rPr kumimoji="1" lang="en-US" altLang="ko-KR" sz="1400" dirty="0"/>
+              <a:t> == 0 &amp;&amp; </a:t>
+            </a:r>
+            <a:r>
+              <a:rPr kumimoji="1" lang="en-US" altLang="ko-KR" sz="1400" dirty="0" err="1"/>
+              <a:t>Stocker.New</a:t>
+            </a:r>
+            <a:r>
+              <a:rPr kumimoji="1" lang="en-US" altLang="ko-KR" sz="1400" dirty="0"/>
+              <a:t> == 0) ? TRUE, FALSE</a:t>
+            </a:r>
+          </a:p>
+          <a:p>
+            <a:r>
+              <a:rPr kumimoji="1" lang="en-US" altLang="ko-KR" sz="1400" dirty="0" err="1"/>
+              <a:t>No_More_Old_Bottle</a:t>
+            </a:r>
+            <a:r>
+              <a:rPr kumimoji="1" lang="en-US" altLang="ko-KR" sz="1400" dirty="0"/>
+              <a:t> = (</a:t>
+            </a:r>
+            <a:r>
+              <a:rPr kumimoji="1" lang="en-US" altLang="ko-KR" sz="1400" dirty="0" err="1"/>
+              <a:t>EndPoint.Old</a:t>
+            </a:r>
+            <a:r>
+              <a:rPr kumimoji="1" lang="en-US" altLang="ko-KR" sz="1400" dirty="0"/>
+              <a:t> == 0 &amp;&amp; </a:t>
+            </a:r>
+            <a:r>
+              <a:rPr kumimoji="1" lang="en-US" altLang="ko-KR" sz="1400" dirty="0" err="1"/>
+              <a:t>Stocker.Old</a:t>
+            </a:r>
+            <a:r>
+              <a:rPr kumimoji="1" lang="en-US" altLang="ko-KR" sz="1400" dirty="0"/>
+              <a:t> == 0) ? TRUE, FALSE</a:t>
+            </a:r>
+          </a:p>
+          <a:p>
+            <a:r>
+              <a:rPr kumimoji="1" lang="en-US" altLang="ko-KR" sz="1400" dirty="0" err="1"/>
+              <a:t>No_More_Finished_Bottle</a:t>
+            </a:r>
+            <a:r>
+              <a:rPr kumimoji="1" lang="en-US" altLang="ko-KR" sz="1400" dirty="0"/>
+              <a:t> = (</a:t>
+            </a:r>
+            <a:r>
+              <a:rPr kumimoji="1" lang="en-US" altLang="ko-KR" sz="1400" dirty="0" err="1"/>
+              <a:t>EndPoint.Finished</a:t>
+            </a:r>
+            <a:r>
+              <a:rPr kumimoji="1" lang="en-US" altLang="ko-KR" sz="1400" dirty="0"/>
+              <a:t> == 0 &amp;&amp; </a:t>
+            </a:r>
+            <a:r>
+              <a:rPr kumimoji="1" lang="en-US" altLang="ko-KR" sz="1400" dirty="0" err="1"/>
+              <a:t>Stocker.Finished</a:t>
+            </a:r>
+            <a:r>
+              <a:rPr kumimoji="1" lang="en-US" altLang="ko-KR" sz="1400" dirty="0"/>
+              <a:t> == 0) ? TRUE, FALSE</a:t>
+            </a:r>
+          </a:p>
+          <a:p>
+            <a:endParaRPr kumimoji="1" lang="en-US" altLang="ko-KR" sz="1400" dirty="0"/>
+          </a:p>
+          <a:p>
+            <a:endParaRPr kumimoji="1" lang="en-US" altLang="ko-KR" sz="1400" dirty="0"/>
+          </a:p>
+          <a:p>
+            <a:r>
+              <a:rPr kumimoji="1" lang="en-US" altLang="ko-KR" sz="1400" dirty="0"/>
+              <a:t>//</a:t>
+            </a:r>
+            <a:r>
+              <a:rPr kumimoji="1" lang="ko-KR" altLang="en-US" sz="1400" dirty="0"/>
+              <a:t> 처리할 병이 없는 경우</a:t>
+            </a:r>
+            <a:endParaRPr kumimoji="1" lang="en-US" altLang="ko-KR" sz="1400" dirty="0"/>
+          </a:p>
+          <a:p>
+            <a:r>
+              <a:rPr kumimoji="1" lang="en-US" altLang="ko-KR" sz="1400" dirty="0"/>
+              <a:t>If (</a:t>
+            </a:r>
+            <a:r>
+              <a:rPr kumimoji="1" lang="en-US" altLang="ko-KR" sz="1400" dirty="0" err="1"/>
+              <a:t>No_More_New_Bottle</a:t>
+            </a:r>
+            <a:r>
+              <a:rPr kumimoji="1" lang="ko-KR" altLang="en-US" sz="1400" dirty="0"/>
+              <a:t> </a:t>
+            </a:r>
+            <a:r>
+              <a:rPr kumimoji="1" lang="en-US" altLang="ko-KR" sz="1400" dirty="0"/>
+              <a:t>&amp;&amp;</a:t>
+            </a:r>
+            <a:r>
+              <a:rPr kumimoji="1" lang="ko-KR" altLang="en-US" sz="1400" dirty="0"/>
+              <a:t> </a:t>
+            </a:r>
+            <a:r>
+              <a:rPr kumimoji="1" lang="en-US" altLang="ko-KR" sz="1400" dirty="0" err="1"/>
+              <a:t>No_More_Old_Bottle</a:t>
+            </a:r>
+            <a:r>
+              <a:rPr kumimoji="1" lang="ko-KR" altLang="en-US" sz="1400" dirty="0"/>
+              <a:t> </a:t>
+            </a:r>
+            <a:r>
+              <a:rPr kumimoji="1" lang="en-US" altLang="ko-KR" sz="1400" dirty="0"/>
+              <a:t>&amp;&amp;</a:t>
+            </a:r>
+            <a:r>
+              <a:rPr kumimoji="1" lang="en-US" altLang="ko-KR" sz="1400" dirty="0" err="1"/>
+              <a:t>No_More_Finished</a:t>
+            </a:r>
+            <a:r>
+              <a:rPr kumimoji="1" lang="en-US" altLang="ko-KR" sz="1400" dirty="0"/>
+              <a:t> _Bottle)</a:t>
+            </a:r>
+          </a:p>
+          <a:p>
+            <a:r>
+              <a:rPr kumimoji="1" lang="en-US" altLang="ko-KR" sz="1400" dirty="0"/>
+              <a:t>	// </a:t>
+            </a:r>
+            <a:r>
+              <a:rPr kumimoji="1" lang="ko-KR" altLang="en-US" sz="1400" dirty="0"/>
+              <a:t>할 일 없음</a:t>
+            </a:r>
+            <a:endParaRPr kumimoji="1" lang="en-US" altLang="ko-KR" sz="1400" dirty="0"/>
+          </a:p>
+          <a:p>
+            <a:r>
+              <a:rPr kumimoji="1" lang="en-US" altLang="ko-KR" sz="1400" dirty="0"/>
+              <a:t>	</a:t>
+            </a:r>
+            <a:r>
+              <a:rPr kumimoji="1" lang="en-US" altLang="ko-KR" sz="1400" dirty="0" err="1"/>
+              <a:t>ALERT_NoMore_Jobs</a:t>
+            </a:r>
+            <a:r>
+              <a:rPr kumimoji="1" lang="en-US" altLang="ko-KR" sz="1400" dirty="0"/>
+              <a:t>();</a:t>
+            </a:r>
+            <a:endParaRPr kumimoji="1" lang="ko-KR" altLang="en-US" sz="1400" dirty="0"/>
           </a:p>
         </p:txBody>
       </p:sp>
-      <p:sp>
-        <p:nvSpPr>
-          <p:cNvPr id="24" name="TextBox 23">
-            <a:extLst>
-              <a:ext uri="{FF2B5EF4-FFF2-40B4-BE49-F238E27FC236}">
-                <a16:creationId xmlns:a16="http://schemas.microsoft.com/office/drawing/2014/main" id="{5FAF6260-13E3-7520-7BC5-E91205354B63}"/>
-              </a:ext>
-            </a:extLst>
-          </p:cNvPr>
-          <p:cNvSpPr txBox="1"/>
-          <p:nvPr/>
-        </p:nvSpPr>
-        <p:spPr>
-          <a:xfrm>
-            <a:off x="5290135" y="2743625"/>
-            <a:ext cx="386645" cy="307777"/>
-          </a:xfrm>
-          <a:prstGeom prst="rect">
-            <a:avLst/>
-          </a:prstGeom>
-          <a:noFill/>
-        </p:spPr>
-        <p:txBody>
-          <a:bodyPr wrap="none" rtlCol="0">
-            <a:spAutoFit/>
-          </a:bodyPr>
-          <a:lstStyle/>
-          <a:p>
-            <a:pPr algn="ctr"/>
-            <a:r>
-              <a:rPr kumimoji="1" lang="en-US" altLang="ko-KR" sz="1400" b="1" dirty="0">
-                <a:solidFill>
-                  <a:srgbClr val="FF0000"/>
-                </a:solidFill>
-              </a:rPr>
-              <a:t>(2)</a:t>
-            </a:r>
-            <a:endParaRPr kumimoji="1" lang="ko-KR" altLang="en-US" sz="1400" b="1" dirty="0">
-              <a:solidFill>
-                <a:srgbClr val="FF0000"/>
-              </a:solidFill>
-            </a:endParaRPr>
-          </a:p>
-        </p:txBody>
-      </p:sp>
-      <p:sp>
-        <p:nvSpPr>
-          <p:cNvPr id="25" name="TextBox 24">
-            <a:extLst>
-              <a:ext uri="{FF2B5EF4-FFF2-40B4-BE49-F238E27FC236}">
-                <a16:creationId xmlns:a16="http://schemas.microsoft.com/office/drawing/2014/main" id="{B2846A99-3A1D-07C4-761C-40092B9E8F39}"/>
-              </a:ext>
-            </a:extLst>
-          </p:cNvPr>
-          <p:cNvSpPr txBox="1"/>
-          <p:nvPr/>
-        </p:nvSpPr>
-        <p:spPr>
-          <a:xfrm>
-            <a:off x="5290134" y="3124626"/>
-            <a:ext cx="386645" cy="307777"/>
-          </a:xfrm>
-          <a:prstGeom prst="rect">
-            <a:avLst/>
-          </a:prstGeom>
-          <a:noFill/>
-        </p:spPr>
-        <p:txBody>
-          <a:bodyPr wrap="none" rtlCol="0">
-            <a:spAutoFit/>
-          </a:bodyPr>
-          <a:lstStyle/>
-          <a:p>
-            <a:pPr algn="ctr"/>
-            <a:r>
-              <a:rPr kumimoji="1" lang="en-US" altLang="ko-KR" sz="1400" b="1" dirty="0">
-                <a:solidFill>
-                  <a:srgbClr val="FF0000"/>
-                </a:solidFill>
-              </a:rPr>
-              <a:t>(3)</a:t>
-            </a:r>
-            <a:endParaRPr kumimoji="1" lang="ko-KR" altLang="en-US" sz="1400" b="1" dirty="0">
-              <a:solidFill>
-                <a:srgbClr val="FF0000"/>
-              </a:solidFill>
-            </a:endParaRPr>
-          </a:p>
-        </p:txBody>
-      </p:sp>
-      <p:sp>
-        <p:nvSpPr>
-          <p:cNvPr id="26" name="TextBox 25">
-            <a:extLst>
-              <a:ext uri="{FF2B5EF4-FFF2-40B4-BE49-F238E27FC236}">
-                <a16:creationId xmlns:a16="http://schemas.microsoft.com/office/drawing/2014/main" id="{32DE4D02-01B6-54C4-33A7-793A48DB59D6}"/>
-              </a:ext>
-            </a:extLst>
-          </p:cNvPr>
-          <p:cNvSpPr txBox="1"/>
-          <p:nvPr/>
-        </p:nvSpPr>
-        <p:spPr>
-          <a:xfrm>
-            <a:off x="7580058" y="3136065"/>
-            <a:ext cx="386645" cy="307777"/>
-          </a:xfrm>
-          <a:prstGeom prst="rect">
-            <a:avLst/>
-          </a:prstGeom>
-          <a:noFill/>
-        </p:spPr>
-        <p:txBody>
-          <a:bodyPr wrap="none" rtlCol="0">
-            <a:spAutoFit/>
-          </a:bodyPr>
-          <a:lstStyle/>
-          <a:p>
-            <a:pPr algn="ctr"/>
-            <a:r>
-              <a:rPr kumimoji="1" lang="en-US" altLang="ko-KR" sz="1400" b="1" dirty="0">
-                <a:solidFill>
-                  <a:srgbClr val="FF0000"/>
-                </a:solidFill>
-              </a:rPr>
-              <a:t>(4)</a:t>
-            </a:r>
-            <a:endParaRPr kumimoji="1" lang="ko-KR" altLang="en-US" sz="1400" b="1" dirty="0">
-              <a:solidFill>
-                <a:srgbClr val="FF0000"/>
-              </a:solidFill>
-            </a:endParaRPr>
-          </a:p>
-        </p:txBody>
-      </p:sp>
-      <p:sp>
-        <p:nvSpPr>
-          <p:cNvPr id="27" name="TextBox 26">
-            <a:extLst>
-              <a:ext uri="{FF2B5EF4-FFF2-40B4-BE49-F238E27FC236}">
-                <a16:creationId xmlns:a16="http://schemas.microsoft.com/office/drawing/2014/main" id="{0070B870-6088-DC06-1428-B14A0E6A1DCF}"/>
-              </a:ext>
-            </a:extLst>
-          </p:cNvPr>
-          <p:cNvSpPr txBox="1"/>
-          <p:nvPr/>
-        </p:nvSpPr>
-        <p:spPr>
-          <a:xfrm>
-            <a:off x="7580058" y="3494743"/>
-            <a:ext cx="386645" cy="307777"/>
-          </a:xfrm>
-          <a:prstGeom prst="rect">
-            <a:avLst/>
-          </a:prstGeom>
-          <a:noFill/>
-        </p:spPr>
-        <p:txBody>
-          <a:bodyPr wrap="none" rtlCol="0">
-            <a:spAutoFit/>
-          </a:bodyPr>
-          <a:lstStyle/>
-          <a:p>
-            <a:pPr algn="ctr"/>
-            <a:r>
-              <a:rPr kumimoji="1" lang="en-US" altLang="ko-KR" sz="1400" b="1" dirty="0">
-                <a:solidFill>
-                  <a:srgbClr val="FF0000"/>
-                </a:solidFill>
-              </a:rPr>
-              <a:t>(5)</a:t>
-            </a:r>
-            <a:endParaRPr kumimoji="1" lang="ko-KR" altLang="en-US" sz="1400" b="1" dirty="0">
-              <a:solidFill>
-                <a:srgbClr val="FF0000"/>
-              </a:solidFill>
-            </a:endParaRPr>
-          </a:p>
-        </p:txBody>
-      </p:sp>
-      <p:sp>
-        <p:nvSpPr>
-          <p:cNvPr id="28" name="TextBox 27">
-            <a:extLst>
-              <a:ext uri="{FF2B5EF4-FFF2-40B4-BE49-F238E27FC236}">
-                <a16:creationId xmlns:a16="http://schemas.microsoft.com/office/drawing/2014/main" id="{0BED8A2D-EF96-D8E9-F863-FF4FAB3D7A94}"/>
-              </a:ext>
-            </a:extLst>
-          </p:cNvPr>
-          <p:cNvSpPr txBox="1"/>
-          <p:nvPr/>
-        </p:nvSpPr>
-        <p:spPr>
-          <a:xfrm>
-            <a:off x="4068047" y="3529782"/>
-            <a:ext cx="386645" cy="307777"/>
-          </a:xfrm>
-          <a:prstGeom prst="rect">
-            <a:avLst/>
-          </a:prstGeom>
-          <a:noFill/>
-        </p:spPr>
-        <p:txBody>
-          <a:bodyPr wrap="none" rtlCol="0">
-            <a:spAutoFit/>
-          </a:bodyPr>
-          <a:lstStyle/>
-          <a:p>
-            <a:pPr algn="ctr"/>
-            <a:r>
-              <a:rPr kumimoji="1" lang="en-US" altLang="ko-KR" sz="1400" b="1" dirty="0">
-                <a:solidFill>
-                  <a:srgbClr val="FF0000"/>
-                </a:solidFill>
-              </a:rPr>
-              <a:t>(6)</a:t>
-            </a:r>
-            <a:endParaRPr kumimoji="1" lang="ko-KR" altLang="en-US" sz="1400" b="1" dirty="0">
-              <a:solidFill>
-                <a:srgbClr val="FF0000"/>
-              </a:solidFill>
-            </a:endParaRPr>
-          </a:p>
-        </p:txBody>
-      </p:sp>
-      <p:cxnSp>
-        <p:nvCxnSpPr>
-          <p:cNvPr id="29" name="직선 화살표 연결선 28">
-            <a:extLst>
-              <a:ext uri="{FF2B5EF4-FFF2-40B4-BE49-F238E27FC236}">
-                <a16:creationId xmlns:a16="http://schemas.microsoft.com/office/drawing/2014/main" id="{91DBA808-DE53-2F02-BE8D-FBF283FC8678}"/>
-              </a:ext>
-            </a:extLst>
-          </p:cNvPr>
-          <p:cNvCxnSpPr>
-            <a:cxnSpLocks/>
-          </p:cNvCxnSpPr>
-          <p:nvPr/>
-        </p:nvCxnSpPr>
-        <p:spPr>
-          <a:xfrm>
-            <a:off x="2833689" y="4254634"/>
-            <a:ext cx="3787345" cy="0"/>
-          </a:xfrm>
-          <a:prstGeom prst="straightConnector1">
-            <a:avLst/>
-          </a:prstGeom>
-          <a:ln w="38100">
-            <a:solidFill>
-              <a:srgbClr val="0070C0"/>
-            </a:solidFill>
-            <a:tailEnd type="triangle"/>
-          </a:ln>
-        </p:spPr>
-        <p:style>
-          <a:lnRef idx="2">
-            <a:schemeClr val="accent1"/>
-          </a:lnRef>
-          <a:fillRef idx="0">
-            <a:schemeClr val="accent1"/>
-          </a:fillRef>
-          <a:effectRef idx="1">
-            <a:schemeClr val="accent1"/>
-          </a:effectRef>
-          <a:fontRef idx="minor">
-            <a:schemeClr val="tx1"/>
-          </a:fontRef>
-        </p:style>
-      </p:cxnSp>
-      <p:cxnSp>
-        <p:nvCxnSpPr>
-          <p:cNvPr id="30" name="직선 화살표 연결선 29">
-            <a:extLst>
-              <a:ext uri="{FF2B5EF4-FFF2-40B4-BE49-F238E27FC236}">
-                <a16:creationId xmlns:a16="http://schemas.microsoft.com/office/drawing/2014/main" id="{CC110528-0DCF-FEA2-1CDC-961FF70678DE}"/>
-              </a:ext>
-            </a:extLst>
-          </p:cNvPr>
-          <p:cNvCxnSpPr>
-            <a:cxnSpLocks/>
-          </p:cNvCxnSpPr>
-          <p:nvPr/>
-        </p:nvCxnSpPr>
-        <p:spPr>
-          <a:xfrm flipH="1">
-            <a:off x="4593771" y="4679177"/>
-            <a:ext cx="2027263" cy="0"/>
-          </a:xfrm>
-          <a:prstGeom prst="straightConnector1">
-            <a:avLst/>
-          </a:prstGeom>
-          <a:ln w="38100">
-            <a:solidFill>
-              <a:srgbClr val="0070C0"/>
-            </a:solidFill>
-            <a:tailEnd type="triangle"/>
-          </a:ln>
-        </p:spPr>
-        <p:style>
-          <a:lnRef idx="2">
-            <a:schemeClr val="accent1"/>
-          </a:lnRef>
-          <a:fillRef idx="0">
-            <a:schemeClr val="accent1"/>
-          </a:fillRef>
-          <a:effectRef idx="1">
-            <a:schemeClr val="accent1"/>
-          </a:effectRef>
-          <a:fontRef idx="minor">
-            <a:schemeClr val="tx1"/>
-          </a:fontRef>
-        </p:style>
-      </p:cxnSp>
-      <p:cxnSp>
-        <p:nvCxnSpPr>
-          <p:cNvPr id="31" name="직선 화살표 연결선 30">
-            <a:extLst>
-              <a:ext uri="{FF2B5EF4-FFF2-40B4-BE49-F238E27FC236}">
-                <a16:creationId xmlns:a16="http://schemas.microsoft.com/office/drawing/2014/main" id="{F33D39FB-89B1-E4CA-07AB-CF3DB5646FAA}"/>
-              </a:ext>
-            </a:extLst>
-          </p:cNvPr>
-          <p:cNvCxnSpPr>
-            <a:cxnSpLocks/>
-          </p:cNvCxnSpPr>
-          <p:nvPr/>
-        </p:nvCxnSpPr>
-        <p:spPr>
-          <a:xfrm>
-            <a:off x="4627413" y="5071063"/>
-            <a:ext cx="4015843" cy="0"/>
-          </a:xfrm>
-          <a:prstGeom prst="straightConnector1">
-            <a:avLst/>
-          </a:prstGeom>
-          <a:ln w="38100">
-            <a:solidFill>
-              <a:srgbClr val="0070C0"/>
-            </a:solidFill>
-            <a:tailEnd type="triangle"/>
-          </a:ln>
-        </p:spPr>
-        <p:style>
-          <a:lnRef idx="2">
-            <a:schemeClr val="accent1"/>
-          </a:lnRef>
-          <a:fillRef idx="0">
-            <a:schemeClr val="accent1"/>
-          </a:fillRef>
-          <a:effectRef idx="1">
-            <a:schemeClr val="accent1"/>
-          </a:effectRef>
-          <a:fontRef idx="minor">
-            <a:schemeClr val="tx1"/>
-          </a:fontRef>
-        </p:style>
-      </p:cxnSp>
-      <p:sp>
-        <p:nvSpPr>
-          <p:cNvPr id="32" name="TextBox 31">
-            <a:extLst>
-              <a:ext uri="{FF2B5EF4-FFF2-40B4-BE49-F238E27FC236}">
-                <a16:creationId xmlns:a16="http://schemas.microsoft.com/office/drawing/2014/main" id="{884B50D1-6B4A-6A88-FD0C-6D604BC8A160}"/>
-              </a:ext>
-            </a:extLst>
-          </p:cNvPr>
-          <p:cNvSpPr txBox="1"/>
-          <p:nvPr/>
-        </p:nvSpPr>
-        <p:spPr>
-          <a:xfrm>
-            <a:off x="4068048" y="4010244"/>
-            <a:ext cx="386645" cy="307777"/>
-          </a:xfrm>
-          <a:prstGeom prst="rect">
-            <a:avLst/>
-          </a:prstGeom>
-          <a:noFill/>
-        </p:spPr>
-        <p:txBody>
-          <a:bodyPr wrap="none" rtlCol="0">
-            <a:spAutoFit/>
-          </a:bodyPr>
-          <a:lstStyle/>
-          <a:p>
-            <a:pPr algn="ctr"/>
-            <a:r>
-              <a:rPr kumimoji="1" lang="en-US" altLang="ko-KR" sz="1400" b="1" dirty="0">
-                <a:solidFill>
-                  <a:srgbClr val="0070C0"/>
-                </a:solidFill>
-              </a:rPr>
-              <a:t>(1)</a:t>
-            </a:r>
-            <a:endParaRPr kumimoji="1" lang="ko-KR" altLang="en-US" sz="1400" b="1" dirty="0">
-              <a:solidFill>
-                <a:srgbClr val="0070C0"/>
-              </a:solidFill>
-            </a:endParaRPr>
-          </a:p>
-        </p:txBody>
-      </p:sp>
-      <p:sp>
-        <p:nvSpPr>
-          <p:cNvPr id="33" name="TextBox 32">
-            <a:extLst>
-              <a:ext uri="{FF2B5EF4-FFF2-40B4-BE49-F238E27FC236}">
-                <a16:creationId xmlns:a16="http://schemas.microsoft.com/office/drawing/2014/main" id="{7D38E78F-223B-DE51-8BEC-C69CB52E86FA}"/>
-              </a:ext>
-            </a:extLst>
-          </p:cNvPr>
-          <p:cNvSpPr txBox="1"/>
-          <p:nvPr/>
-        </p:nvSpPr>
-        <p:spPr>
-          <a:xfrm>
-            <a:off x="5290135" y="4396573"/>
-            <a:ext cx="386645" cy="307777"/>
-          </a:xfrm>
-          <a:prstGeom prst="rect">
-            <a:avLst/>
-          </a:prstGeom>
-          <a:noFill/>
-        </p:spPr>
-        <p:txBody>
-          <a:bodyPr wrap="none" rtlCol="0">
-            <a:spAutoFit/>
-          </a:bodyPr>
-          <a:lstStyle/>
-          <a:p>
-            <a:pPr algn="ctr"/>
-            <a:r>
-              <a:rPr kumimoji="1" lang="en-US" altLang="ko-KR" sz="1400" b="1" dirty="0">
-                <a:solidFill>
-                  <a:srgbClr val="0070C0"/>
-                </a:solidFill>
-              </a:rPr>
-              <a:t>(2)</a:t>
-            </a:r>
-            <a:endParaRPr kumimoji="1" lang="ko-KR" altLang="en-US" sz="1400" b="1" dirty="0">
-              <a:solidFill>
-                <a:srgbClr val="0070C0"/>
-              </a:solidFill>
-            </a:endParaRPr>
-          </a:p>
-        </p:txBody>
-      </p:sp>
-      <p:sp>
-        <p:nvSpPr>
-          <p:cNvPr id="34" name="TextBox 33">
-            <a:extLst>
-              <a:ext uri="{FF2B5EF4-FFF2-40B4-BE49-F238E27FC236}">
-                <a16:creationId xmlns:a16="http://schemas.microsoft.com/office/drawing/2014/main" id="{0B4F458B-6EB5-9221-65FB-0D5A91632D4B}"/>
-              </a:ext>
-            </a:extLst>
-          </p:cNvPr>
-          <p:cNvSpPr txBox="1"/>
-          <p:nvPr/>
-        </p:nvSpPr>
-        <p:spPr>
-          <a:xfrm>
-            <a:off x="6268031" y="4763300"/>
-            <a:ext cx="386645" cy="307777"/>
-          </a:xfrm>
-          <a:prstGeom prst="rect">
-            <a:avLst/>
-          </a:prstGeom>
-          <a:noFill/>
-        </p:spPr>
-        <p:txBody>
-          <a:bodyPr wrap="none" rtlCol="0">
-            <a:spAutoFit/>
-          </a:bodyPr>
-          <a:lstStyle/>
-          <a:p>
-            <a:pPr algn="ctr"/>
-            <a:r>
-              <a:rPr kumimoji="1" lang="en-US" altLang="ko-KR" sz="1400" b="1" dirty="0">
-                <a:solidFill>
-                  <a:srgbClr val="0070C0"/>
-                </a:solidFill>
-              </a:rPr>
-              <a:t>(3)</a:t>
-            </a:r>
-            <a:endParaRPr kumimoji="1" lang="ko-KR" altLang="en-US" sz="1400" b="1" dirty="0">
-              <a:solidFill>
-                <a:srgbClr val="0070C0"/>
-              </a:solidFill>
-            </a:endParaRPr>
-          </a:p>
-        </p:txBody>
-      </p:sp>
-      <p:cxnSp>
-        <p:nvCxnSpPr>
-          <p:cNvPr id="36" name="직선 화살표 연결선 35">
-            <a:extLst>
-              <a:ext uri="{FF2B5EF4-FFF2-40B4-BE49-F238E27FC236}">
-                <a16:creationId xmlns:a16="http://schemas.microsoft.com/office/drawing/2014/main" id="{616F9E41-2AA9-72E2-99FB-4F06166D3E5E}"/>
-              </a:ext>
-            </a:extLst>
-          </p:cNvPr>
-          <p:cNvCxnSpPr>
-            <a:cxnSpLocks/>
-          </p:cNvCxnSpPr>
-          <p:nvPr/>
-        </p:nvCxnSpPr>
-        <p:spPr>
-          <a:xfrm flipH="1">
-            <a:off x="6865713" y="5410521"/>
-            <a:ext cx="1739749" cy="0"/>
-          </a:xfrm>
-          <a:prstGeom prst="straightConnector1">
-            <a:avLst/>
-          </a:prstGeom>
-          <a:ln w="38100">
-            <a:solidFill>
-              <a:srgbClr val="0070C0"/>
-            </a:solidFill>
-            <a:tailEnd type="triangle"/>
-          </a:ln>
-        </p:spPr>
-        <p:style>
-          <a:lnRef idx="2">
-            <a:schemeClr val="accent1"/>
-          </a:lnRef>
-          <a:fillRef idx="0">
-            <a:schemeClr val="accent1"/>
-          </a:fillRef>
-          <a:effectRef idx="1">
-            <a:schemeClr val="accent1"/>
-          </a:effectRef>
-          <a:fontRef idx="minor">
-            <a:schemeClr val="tx1"/>
-          </a:fontRef>
-        </p:style>
-      </p:cxnSp>
-      <p:cxnSp>
-        <p:nvCxnSpPr>
-          <p:cNvPr id="37" name="직선 화살표 연결선 36">
-            <a:extLst>
-              <a:ext uri="{FF2B5EF4-FFF2-40B4-BE49-F238E27FC236}">
-                <a16:creationId xmlns:a16="http://schemas.microsoft.com/office/drawing/2014/main" id="{5F0569BC-D9CA-944E-410B-5B495C1BF03B}"/>
-              </a:ext>
-            </a:extLst>
-          </p:cNvPr>
-          <p:cNvCxnSpPr>
-            <a:cxnSpLocks/>
-          </p:cNvCxnSpPr>
-          <p:nvPr/>
-        </p:nvCxnSpPr>
-        <p:spPr>
-          <a:xfrm flipH="1">
-            <a:off x="2795895" y="5432294"/>
-            <a:ext cx="3787345" cy="0"/>
-          </a:xfrm>
-          <a:prstGeom prst="straightConnector1">
-            <a:avLst/>
-          </a:prstGeom>
-          <a:ln w="38100">
-            <a:solidFill>
-              <a:srgbClr val="0070C0"/>
-            </a:solidFill>
-            <a:tailEnd type="triangle"/>
-          </a:ln>
-        </p:spPr>
-        <p:style>
-          <a:lnRef idx="2">
-            <a:schemeClr val="accent1"/>
-          </a:lnRef>
-          <a:fillRef idx="0">
-            <a:schemeClr val="accent1"/>
-          </a:fillRef>
-          <a:effectRef idx="1">
-            <a:schemeClr val="accent1"/>
-          </a:effectRef>
-          <a:fontRef idx="minor">
-            <a:schemeClr val="tx1"/>
-          </a:fontRef>
-        </p:style>
-      </p:cxnSp>
-      <p:sp>
-        <p:nvSpPr>
-          <p:cNvPr id="38" name="TextBox 37">
-            <a:extLst>
-              <a:ext uri="{FF2B5EF4-FFF2-40B4-BE49-F238E27FC236}">
-                <a16:creationId xmlns:a16="http://schemas.microsoft.com/office/drawing/2014/main" id="{88992D59-0B25-4289-F7E5-B8A4A27A1728}"/>
-              </a:ext>
-            </a:extLst>
-          </p:cNvPr>
-          <p:cNvSpPr txBox="1"/>
-          <p:nvPr/>
-        </p:nvSpPr>
-        <p:spPr>
-          <a:xfrm>
-            <a:off x="7455176" y="5127920"/>
-            <a:ext cx="386645" cy="307777"/>
-          </a:xfrm>
-          <a:prstGeom prst="rect">
-            <a:avLst/>
-          </a:prstGeom>
-          <a:noFill/>
-        </p:spPr>
-        <p:txBody>
-          <a:bodyPr wrap="none" rtlCol="0">
-            <a:spAutoFit/>
-          </a:bodyPr>
-          <a:lstStyle/>
-          <a:p>
-            <a:pPr algn="ctr"/>
-            <a:r>
-              <a:rPr kumimoji="1" lang="en-US" altLang="ko-KR" sz="1400" b="1" dirty="0">
-                <a:solidFill>
-                  <a:srgbClr val="0070C0"/>
-                </a:solidFill>
-              </a:rPr>
-              <a:t>(4)</a:t>
-            </a:r>
-            <a:endParaRPr kumimoji="1" lang="ko-KR" altLang="en-US" sz="1400" b="1" dirty="0">
-              <a:solidFill>
-                <a:srgbClr val="0070C0"/>
-              </a:solidFill>
-            </a:endParaRPr>
-          </a:p>
-        </p:txBody>
-      </p:sp>
-      <p:sp>
-        <p:nvSpPr>
-          <p:cNvPr id="39" name="TextBox 38">
-            <a:extLst>
-              <a:ext uri="{FF2B5EF4-FFF2-40B4-BE49-F238E27FC236}">
-                <a16:creationId xmlns:a16="http://schemas.microsoft.com/office/drawing/2014/main" id="{34E1872A-711D-BEF4-4A17-7EA1701B6FDA}"/>
-              </a:ext>
-            </a:extLst>
-          </p:cNvPr>
-          <p:cNvSpPr txBox="1"/>
-          <p:nvPr/>
-        </p:nvSpPr>
-        <p:spPr>
-          <a:xfrm>
-            <a:off x="4030253" y="5162959"/>
-            <a:ext cx="386645" cy="307777"/>
-          </a:xfrm>
-          <a:prstGeom prst="rect">
-            <a:avLst/>
-          </a:prstGeom>
-          <a:noFill/>
-        </p:spPr>
-        <p:txBody>
-          <a:bodyPr wrap="none" rtlCol="0">
-            <a:spAutoFit/>
-          </a:bodyPr>
-          <a:lstStyle/>
-          <a:p>
-            <a:pPr algn="ctr"/>
-            <a:r>
-              <a:rPr kumimoji="1" lang="en-US" altLang="ko-KR" sz="1400" b="1" dirty="0">
-                <a:solidFill>
-                  <a:srgbClr val="0070C0"/>
-                </a:solidFill>
-              </a:rPr>
-              <a:t>(5)</a:t>
-            </a:r>
-            <a:endParaRPr kumimoji="1" lang="ko-KR" altLang="en-US" sz="1400" b="1" dirty="0">
-              <a:solidFill>
-                <a:srgbClr val="0070C0"/>
-              </a:solidFill>
-            </a:endParaRPr>
-          </a:p>
-        </p:txBody>
-      </p:sp>
-      <p:cxnSp>
-        <p:nvCxnSpPr>
-          <p:cNvPr id="41" name="직선 화살표 연결선 40">
-            <a:extLst>
-              <a:ext uri="{FF2B5EF4-FFF2-40B4-BE49-F238E27FC236}">
-                <a16:creationId xmlns:a16="http://schemas.microsoft.com/office/drawing/2014/main" id="{EFB5C948-688D-E799-071C-329255A54358}"/>
-              </a:ext>
-            </a:extLst>
-          </p:cNvPr>
-          <p:cNvCxnSpPr>
-            <a:cxnSpLocks/>
-          </p:cNvCxnSpPr>
-          <p:nvPr/>
-        </p:nvCxnSpPr>
-        <p:spPr>
-          <a:xfrm>
-            <a:off x="2795895" y="5926960"/>
-            <a:ext cx="1797876" cy="0"/>
-          </a:xfrm>
-          <a:prstGeom prst="straightConnector1">
-            <a:avLst/>
-          </a:prstGeom>
-          <a:ln w="38100">
-            <a:solidFill>
-              <a:schemeClr val="accent5"/>
-            </a:solidFill>
-            <a:tailEnd type="triangle"/>
-          </a:ln>
-        </p:spPr>
-        <p:style>
-          <a:lnRef idx="2">
-            <a:schemeClr val="accent1"/>
-          </a:lnRef>
-          <a:fillRef idx="0">
-            <a:schemeClr val="accent1"/>
-          </a:fillRef>
-          <a:effectRef idx="1">
-            <a:schemeClr val="accent1"/>
-          </a:effectRef>
-          <a:fontRef idx="minor">
-            <a:schemeClr val="tx1"/>
-          </a:fontRef>
-        </p:style>
-      </p:cxnSp>
-      <p:sp>
-        <p:nvSpPr>
-          <p:cNvPr id="42" name="TextBox 41">
-            <a:extLst>
-              <a:ext uri="{FF2B5EF4-FFF2-40B4-BE49-F238E27FC236}">
-                <a16:creationId xmlns:a16="http://schemas.microsoft.com/office/drawing/2014/main" id="{0A3BA74C-EB17-C47E-D72C-6DB24EE468A1}"/>
-              </a:ext>
-            </a:extLst>
-          </p:cNvPr>
-          <p:cNvSpPr txBox="1"/>
-          <p:nvPr/>
-        </p:nvSpPr>
-        <p:spPr>
-          <a:xfrm>
-            <a:off x="3458616" y="5633471"/>
-            <a:ext cx="386645" cy="307777"/>
-          </a:xfrm>
-          <a:prstGeom prst="rect">
-            <a:avLst/>
-          </a:prstGeom>
-          <a:noFill/>
-        </p:spPr>
-        <p:txBody>
-          <a:bodyPr wrap="none" rtlCol="0">
-            <a:spAutoFit/>
-          </a:bodyPr>
-          <a:lstStyle/>
-          <a:p>
-            <a:pPr algn="ctr"/>
-            <a:r>
-              <a:rPr kumimoji="1" lang="en-US" altLang="ko-KR" sz="1400" b="1" dirty="0">
-                <a:solidFill>
-                  <a:schemeClr val="accent5"/>
-                </a:solidFill>
-              </a:rPr>
-              <a:t>(1)</a:t>
-            </a:r>
-            <a:endParaRPr kumimoji="1" lang="ko-KR" altLang="en-US" sz="1400" b="1" dirty="0">
-              <a:solidFill>
-                <a:schemeClr val="accent5"/>
-              </a:solidFill>
-            </a:endParaRPr>
-          </a:p>
-        </p:txBody>
-      </p:sp>
-      <p:cxnSp>
-        <p:nvCxnSpPr>
-          <p:cNvPr id="44" name="직선 화살표 연결선 43">
-            <a:extLst>
-              <a:ext uri="{FF2B5EF4-FFF2-40B4-BE49-F238E27FC236}">
-                <a16:creationId xmlns:a16="http://schemas.microsoft.com/office/drawing/2014/main" id="{40129B2B-A3C1-BE57-1C75-D43E2A667B5D}"/>
-              </a:ext>
-            </a:extLst>
-          </p:cNvPr>
-          <p:cNvCxnSpPr>
-            <a:cxnSpLocks/>
-          </p:cNvCxnSpPr>
-          <p:nvPr/>
-        </p:nvCxnSpPr>
-        <p:spPr>
-          <a:xfrm>
-            <a:off x="4953000" y="5926960"/>
-            <a:ext cx="1797876" cy="0"/>
-          </a:xfrm>
-          <a:prstGeom prst="straightConnector1">
-            <a:avLst/>
-          </a:prstGeom>
-          <a:ln w="38100">
-            <a:solidFill>
-              <a:schemeClr val="accent5"/>
-            </a:solidFill>
-            <a:tailEnd type="triangle"/>
-          </a:ln>
-        </p:spPr>
-        <p:style>
-          <a:lnRef idx="2">
-            <a:schemeClr val="accent1"/>
-          </a:lnRef>
-          <a:fillRef idx="0">
-            <a:schemeClr val="accent1"/>
-          </a:fillRef>
-          <a:effectRef idx="1">
-            <a:schemeClr val="accent1"/>
-          </a:effectRef>
-          <a:fontRef idx="minor">
-            <a:schemeClr val="tx1"/>
-          </a:fontRef>
-        </p:style>
-      </p:cxnSp>
-      <p:sp>
-        <p:nvSpPr>
-          <p:cNvPr id="45" name="TextBox 44">
-            <a:extLst>
-              <a:ext uri="{FF2B5EF4-FFF2-40B4-BE49-F238E27FC236}">
-                <a16:creationId xmlns:a16="http://schemas.microsoft.com/office/drawing/2014/main" id="{7FD3078B-D08E-3088-5747-09523B356B74}"/>
-              </a:ext>
-            </a:extLst>
-          </p:cNvPr>
-          <p:cNvSpPr txBox="1"/>
-          <p:nvPr/>
-        </p:nvSpPr>
-        <p:spPr>
-          <a:xfrm>
-            <a:off x="5615721" y="5633471"/>
-            <a:ext cx="386644" cy="307777"/>
-          </a:xfrm>
-          <a:prstGeom prst="rect">
-            <a:avLst/>
-          </a:prstGeom>
-          <a:noFill/>
-        </p:spPr>
-        <p:txBody>
-          <a:bodyPr wrap="none" rtlCol="0">
-            <a:spAutoFit/>
-          </a:bodyPr>
-          <a:lstStyle/>
-          <a:p>
-            <a:pPr algn="ctr"/>
-            <a:r>
-              <a:rPr kumimoji="1" lang="en-US" altLang="ko-KR" sz="1400" b="1" dirty="0">
-                <a:solidFill>
-                  <a:schemeClr val="accent5"/>
-                </a:solidFill>
-              </a:rPr>
-              <a:t>(2)</a:t>
-            </a:r>
-            <a:endParaRPr kumimoji="1" lang="ko-KR" altLang="en-US" sz="1400" b="1" dirty="0">
-              <a:solidFill>
-                <a:schemeClr val="accent5"/>
-              </a:solidFill>
-            </a:endParaRPr>
-          </a:p>
-        </p:txBody>
-      </p:sp>
-      <p:cxnSp>
-        <p:nvCxnSpPr>
-          <p:cNvPr id="46" name="직선 화살표 연결선 45">
-            <a:extLst>
-              <a:ext uri="{FF2B5EF4-FFF2-40B4-BE49-F238E27FC236}">
-                <a16:creationId xmlns:a16="http://schemas.microsoft.com/office/drawing/2014/main" id="{8C9D178F-3032-C8AB-0D81-819746FBC553}"/>
-              </a:ext>
-            </a:extLst>
-          </p:cNvPr>
-          <p:cNvCxnSpPr>
-            <a:cxnSpLocks/>
-          </p:cNvCxnSpPr>
-          <p:nvPr/>
-        </p:nvCxnSpPr>
-        <p:spPr>
-          <a:xfrm>
-            <a:off x="6877808" y="5918127"/>
-            <a:ext cx="1797876" cy="0"/>
-          </a:xfrm>
-          <a:prstGeom prst="straightConnector1">
-            <a:avLst/>
-          </a:prstGeom>
-          <a:ln w="38100">
-            <a:solidFill>
-              <a:schemeClr val="accent5"/>
-            </a:solidFill>
-            <a:tailEnd type="triangle"/>
-          </a:ln>
-        </p:spPr>
-        <p:style>
-          <a:lnRef idx="2">
-            <a:schemeClr val="accent1"/>
-          </a:lnRef>
-          <a:fillRef idx="0">
-            <a:schemeClr val="accent1"/>
-          </a:fillRef>
-          <a:effectRef idx="1">
-            <a:schemeClr val="accent1"/>
-          </a:effectRef>
-          <a:fontRef idx="minor">
-            <a:schemeClr val="tx1"/>
-          </a:fontRef>
-        </p:style>
-      </p:cxnSp>
-      <p:sp>
-        <p:nvSpPr>
-          <p:cNvPr id="47" name="TextBox 46">
-            <a:extLst>
-              <a:ext uri="{FF2B5EF4-FFF2-40B4-BE49-F238E27FC236}">
-                <a16:creationId xmlns:a16="http://schemas.microsoft.com/office/drawing/2014/main" id="{E42AF054-7569-AA10-3BA6-5AA4C52730F6}"/>
-              </a:ext>
-            </a:extLst>
-          </p:cNvPr>
-          <p:cNvSpPr txBox="1"/>
-          <p:nvPr/>
-        </p:nvSpPr>
-        <p:spPr>
-          <a:xfrm>
-            <a:off x="7540529" y="5624638"/>
-            <a:ext cx="386644" cy="307777"/>
-          </a:xfrm>
-          <a:prstGeom prst="rect">
-            <a:avLst/>
-          </a:prstGeom>
-          <a:noFill/>
-        </p:spPr>
-        <p:txBody>
-          <a:bodyPr wrap="none" rtlCol="0">
-            <a:spAutoFit/>
-          </a:bodyPr>
-          <a:lstStyle/>
-          <a:p>
-            <a:pPr algn="ctr"/>
-            <a:r>
-              <a:rPr kumimoji="1" lang="en-US" altLang="ko-KR" sz="1400" b="1" dirty="0">
-                <a:solidFill>
-                  <a:schemeClr val="accent5"/>
-                </a:solidFill>
-              </a:rPr>
-              <a:t>(3)</a:t>
-            </a:r>
-            <a:endParaRPr kumimoji="1" lang="ko-KR" altLang="en-US" sz="1400" b="1" dirty="0">
-              <a:solidFill>
-                <a:schemeClr val="accent5"/>
-              </a:solidFill>
-            </a:endParaRPr>
-          </a:p>
-        </p:txBody>
-      </p:sp>
-      <p:cxnSp>
-        <p:nvCxnSpPr>
-          <p:cNvPr id="48" name="직선 화살표 연결선 47">
-            <a:extLst>
-              <a:ext uri="{FF2B5EF4-FFF2-40B4-BE49-F238E27FC236}">
-                <a16:creationId xmlns:a16="http://schemas.microsoft.com/office/drawing/2014/main" id="{A4FB0F61-8F3C-BFDE-A9C6-1E1BD2BECDAB}"/>
-              </a:ext>
-            </a:extLst>
-          </p:cNvPr>
-          <p:cNvCxnSpPr>
-            <a:cxnSpLocks/>
-          </p:cNvCxnSpPr>
-          <p:nvPr/>
-        </p:nvCxnSpPr>
-        <p:spPr>
-          <a:xfrm flipH="1">
-            <a:off x="6877808" y="6294553"/>
-            <a:ext cx="1739749" cy="0"/>
-          </a:xfrm>
-          <a:prstGeom prst="straightConnector1">
-            <a:avLst/>
-          </a:prstGeom>
-          <a:ln w="38100">
-            <a:solidFill>
-              <a:schemeClr val="accent5"/>
-            </a:solidFill>
-            <a:tailEnd type="triangle"/>
-          </a:ln>
-        </p:spPr>
-        <p:style>
-          <a:lnRef idx="2">
-            <a:schemeClr val="accent1"/>
-          </a:lnRef>
-          <a:fillRef idx="0">
-            <a:schemeClr val="accent1"/>
-          </a:fillRef>
-          <a:effectRef idx="1">
-            <a:schemeClr val="accent1"/>
-          </a:effectRef>
-          <a:fontRef idx="minor">
-            <a:schemeClr val="tx1"/>
-          </a:fontRef>
-        </p:style>
-      </p:cxnSp>
-      <p:cxnSp>
-        <p:nvCxnSpPr>
-          <p:cNvPr id="49" name="직선 화살표 연결선 48">
-            <a:extLst>
-              <a:ext uri="{FF2B5EF4-FFF2-40B4-BE49-F238E27FC236}">
-                <a16:creationId xmlns:a16="http://schemas.microsoft.com/office/drawing/2014/main" id="{E4AE5581-C1B7-CE3B-CDFB-E027EC61879C}"/>
-              </a:ext>
-            </a:extLst>
-          </p:cNvPr>
-          <p:cNvCxnSpPr>
-            <a:cxnSpLocks/>
-          </p:cNvCxnSpPr>
-          <p:nvPr/>
-        </p:nvCxnSpPr>
-        <p:spPr>
-          <a:xfrm flipH="1">
-            <a:off x="2807990" y="6316326"/>
-            <a:ext cx="3787345" cy="0"/>
-          </a:xfrm>
-          <a:prstGeom prst="straightConnector1">
-            <a:avLst/>
-          </a:prstGeom>
-          <a:ln w="38100">
-            <a:solidFill>
-              <a:schemeClr val="accent5"/>
-            </a:solidFill>
-            <a:tailEnd type="triangle"/>
-          </a:ln>
-        </p:spPr>
-        <p:style>
-          <a:lnRef idx="2">
-            <a:schemeClr val="accent1"/>
-          </a:lnRef>
-          <a:fillRef idx="0">
-            <a:schemeClr val="accent1"/>
-          </a:fillRef>
-          <a:effectRef idx="1">
-            <a:schemeClr val="accent1"/>
-          </a:effectRef>
-          <a:fontRef idx="minor">
-            <a:schemeClr val="tx1"/>
-          </a:fontRef>
-        </p:style>
-      </p:cxnSp>
-      <p:sp>
-        <p:nvSpPr>
-          <p:cNvPr id="50" name="TextBox 49">
-            <a:extLst>
-              <a:ext uri="{FF2B5EF4-FFF2-40B4-BE49-F238E27FC236}">
-                <a16:creationId xmlns:a16="http://schemas.microsoft.com/office/drawing/2014/main" id="{9360E467-55BD-54A4-E1F1-14F29E2CE37F}"/>
-              </a:ext>
-            </a:extLst>
-          </p:cNvPr>
-          <p:cNvSpPr txBox="1"/>
-          <p:nvPr/>
-        </p:nvSpPr>
-        <p:spPr>
-          <a:xfrm>
-            <a:off x="7467271" y="6011952"/>
-            <a:ext cx="386645" cy="307777"/>
-          </a:xfrm>
-          <a:prstGeom prst="rect">
-            <a:avLst/>
-          </a:prstGeom>
-          <a:noFill/>
-        </p:spPr>
-        <p:txBody>
-          <a:bodyPr wrap="none" rtlCol="0">
-            <a:spAutoFit/>
-          </a:bodyPr>
-          <a:lstStyle/>
-          <a:p>
-            <a:pPr algn="ctr"/>
-            <a:r>
-              <a:rPr kumimoji="1" lang="en-US" altLang="ko-KR" sz="1400" b="1" dirty="0">
-                <a:solidFill>
-                  <a:schemeClr val="accent5"/>
-                </a:solidFill>
-              </a:rPr>
-              <a:t>(4)</a:t>
-            </a:r>
-            <a:endParaRPr kumimoji="1" lang="ko-KR" altLang="en-US" sz="1400" b="1" dirty="0">
-              <a:solidFill>
-                <a:schemeClr val="accent5"/>
-              </a:solidFill>
-            </a:endParaRPr>
-          </a:p>
-        </p:txBody>
-      </p:sp>
-      <p:sp>
-        <p:nvSpPr>
-          <p:cNvPr id="51" name="TextBox 50">
-            <a:extLst>
-              <a:ext uri="{FF2B5EF4-FFF2-40B4-BE49-F238E27FC236}">
-                <a16:creationId xmlns:a16="http://schemas.microsoft.com/office/drawing/2014/main" id="{53374E8C-6B9F-8DD6-4CAE-24B21A2D5237}"/>
-              </a:ext>
-            </a:extLst>
-          </p:cNvPr>
-          <p:cNvSpPr txBox="1"/>
-          <p:nvPr/>
-        </p:nvSpPr>
-        <p:spPr>
-          <a:xfrm>
-            <a:off x="4042348" y="6046991"/>
-            <a:ext cx="386645" cy="307777"/>
-          </a:xfrm>
-          <a:prstGeom prst="rect">
-            <a:avLst/>
-          </a:prstGeom>
-          <a:noFill/>
-        </p:spPr>
-        <p:txBody>
-          <a:bodyPr wrap="none" rtlCol="0">
-            <a:spAutoFit/>
-          </a:bodyPr>
-          <a:lstStyle/>
-          <a:p>
-            <a:pPr algn="ctr"/>
-            <a:r>
-              <a:rPr kumimoji="1" lang="en-US" altLang="ko-KR" sz="1400" b="1" dirty="0">
-                <a:solidFill>
-                  <a:schemeClr val="accent5"/>
-                </a:solidFill>
-              </a:rPr>
-              <a:t>(5)</a:t>
-            </a:r>
-            <a:endParaRPr kumimoji="1" lang="ko-KR" altLang="en-US" sz="1400" b="1" dirty="0">
-              <a:solidFill>
-                <a:schemeClr val="accent5"/>
-              </a:solidFill>
-            </a:endParaRPr>
-          </a:p>
-        </p:txBody>
-      </p:sp>
-      <p:pic>
-        <p:nvPicPr>
-          <p:cNvPr id="52" name="그림 51">
-            <a:extLst>
-              <a:ext uri="{FF2B5EF4-FFF2-40B4-BE49-F238E27FC236}">
-                <a16:creationId xmlns:a16="http://schemas.microsoft.com/office/drawing/2014/main" id="{985F2BE4-260A-8EDD-C1FF-3049CD24E39A}"/>
-              </a:ext>
-            </a:extLst>
-          </p:cNvPr>
-          <p:cNvPicPr>
-            <a:picLocks noChangeAspect="1"/>
-          </p:cNvPicPr>
-          <p:nvPr/>
-        </p:nvPicPr>
-        <p:blipFill>
-          <a:blip r:embed="rId8" cstate="print">
-            <a:clrChange>
-              <a:clrFrom>
-                <a:srgbClr val="CACAC9"/>
-              </a:clrFrom>
-              <a:clrTo>
-                <a:srgbClr val="CACAC9">
-                  <a:alpha val="0"/>
-                </a:srgbClr>
-              </a:clrTo>
-            </a:clrChange>
-            <a:alphaModFix/>
-            <a:extLst>
-              <a:ext uri="{BEBA8EAE-BF5A-486C-A8C5-ECC9F3942E4B}">
-                <a14:imgProps xmlns:a14="http://schemas.microsoft.com/office/drawing/2010/main">
-                  <a14:imgLayer r:embed="rId9">
-                    <a14:imgEffect>
-                      <a14:brightnessContrast bright="-20000"/>
-                    </a14:imgEffect>
-                  </a14:imgLayer>
-                </a14:imgProps>
-              </a:ext>
-            </a:extLst>
-          </a:blip>
-          <a:stretch>
-            <a:fillRect/>
-          </a:stretch>
-        </p:blipFill>
-        <p:spPr>
-          <a:xfrm>
-            <a:off x="2148634" y="4325475"/>
-            <a:ext cx="576064" cy="986789"/>
-          </a:xfrm>
-          <a:prstGeom prst="rect">
-            <a:avLst/>
-          </a:prstGeom>
-        </p:spPr>
-      </p:pic>
-      <p:pic>
-        <p:nvPicPr>
-          <p:cNvPr id="53" name="그림 52">
-            <a:extLst>
-              <a:ext uri="{FF2B5EF4-FFF2-40B4-BE49-F238E27FC236}">
-                <a16:creationId xmlns:a16="http://schemas.microsoft.com/office/drawing/2014/main" id="{85057840-BF55-6490-E939-EEA0C0715984}"/>
-              </a:ext>
-            </a:extLst>
-          </p:cNvPr>
-          <p:cNvPicPr>
-            <a:picLocks noChangeAspect="1"/>
-          </p:cNvPicPr>
-          <p:nvPr/>
-        </p:nvPicPr>
-        <p:blipFill>
-          <a:blip r:embed="rId8" cstate="print">
-            <a:clrChange>
-              <a:clrFrom>
-                <a:srgbClr val="CACAC9"/>
-              </a:clrFrom>
-              <a:clrTo>
-                <a:srgbClr val="CACAC9">
-                  <a:alpha val="0"/>
-                </a:srgbClr>
-              </a:clrTo>
-            </a:clrChange>
-            <a:alphaModFix/>
-            <a:extLst>
-              <a:ext uri="{BEBA8EAE-BF5A-486C-A8C5-ECC9F3942E4B}">
-                <a14:imgProps xmlns:a14="http://schemas.microsoft.com/office/drawing/2010/main">
-                  <a14:imgLayer r:embed="rId9">
-                    <a14:imgEffect>
-                      <a14:brightnessContrast bright="-20000"/>
-                    </a14:imgEffect>
-                  </a14:imgLayer>
-                </a14:imgProps>
-              </a:ext>
-            </a:extLst>
-          </a:blip>
-          <a:stretch>
-            <a:fillRect/>
-          </a:stretch>
-        </p:blipFill>
-        <p:spPr>
-          <a:xfrm>
-            <a:off x="2148634" y="5511693"/>
-            <a:ext cx="576064" cy="986789"/>
-          </a:xfrm>
-          <a:prstGeom prst="rect">
-            <a:avLst/>
-          </a:prstGeom>
-        </p:spPr>
-      </p:pic>
     </p:spTree>
     <p:extLst>
       <p:ext uri="{BB962C8B-B14F-4D97-AF65-F5344CB8AC3E}">
-        <p14:creationId xmlns:p14="http://schemas.microsoft.com/office/powerpoint/2010/main" val="2937845183"/>
+        <p14:creationId xmlns:p14="http://schemas.microsoft.com/office/powerpoint/2010/main" val="3649256709"/>
       </p:ext>
     </p:extLst>
   </p:cSld>

--- a/허종원/DDS&Nodes.pptx
+++ b/허종원/DDS&Nodes.pptx
@@ -5,7 +5,7 @@
     <p:sldMasterId id="2147483681" r:id="rId1"/>
   </p:sldMasterIdLst>
   <p:notesMasterIdLst>
-    <p:notesMasterId r:id="rId13"/>
+    <p:notesMasterId r:id="rId15"/>
   </p:notesMasterIdLst>
   <p:sldIdLst>
     <p:sldId id="450" r:id="rId2"/>
@@ -19,6 +19,8 @@
     <p:sldId id="464" r:id="rId10"/>
     <p:sldId id="457" r:id="rId11"/>
     <p:sldId id="463" r:id="rId12"/>
+    <p:sldId id="465" r:id="rId13"/>
+    <p:sldId id="466" r:id="rId14"/>
   </p:sldIdLst>
   <p:sldSz cx="9906000" cy="6858000" type="A4"/>
   <p:notesSz cx="6858000" cy="9144000"/>
@@ -139,7 +141,7 @@
 <file path=ppt/revisionInfo.xml><?xml version="1.0" encoding="utf-8"?>
 <p1510:revInfo xmlns:a="http://schemas.openxmlformats.org/drawingml/2006/main" xmlns:r="http://schemas.openxmlformats.org/officeDocument/2006/relationships" xmlns:p1510="http://schemas.microsoft.com/office/powerpoint/2015/10/main">
   <p1510:revLst>
-    <p1510:client id="{DC539F5C-FCCF-F643-946C-F3D37C453F5B}" v="31" dt="2024-06-20T08:53:37.815"/>
+    <p1510:client id="{DC539F5C-FCCF-F643-946C-F3D37C453F5B}" v="36" dt="2024-06-23T10:21:50.391"/>
   </p1510:revLst>
 </p1510:revInfo>
 </file>
@@ -149,7 +151,7 @@
   <pc:docChgLst>
     <pc:chgData name="종원 허" userId="b71225b2ad03c34e" providerId="LiveId" clId="{DC539F5C-FCCF-F643-946C-F3D37C453F5B}"/>
     <pc:docChg chg="undo redo custSel addSld delSld modSld modMainMaster">
-      <pc:chgData name="종원 허" userId="b71225b2ad03c34e" providerId="LiveId" clId="{DC539F5C-FCCF-F643-946C-F3D37C453F5B}" dt="2024-06-20T08:58:39.357" v="2338" actId="20577"/>
+      <pc:chgData name="종원 허" userId="b71225b2ad03c34e" providerId="LiveId" clId="{DC539F5C-FCCF-F643-946C-F3D37C453F5B}" dt="2024-06-23T10:30:29.789" v="4229" actId="1076"/>
       <pc:docMkLst>
         <pc:docMk/>
       </pc:docMkLst>
@@ -914,6 +916,101 @@
           <pc:sldMk cId="723333565" sldId="464"/>
         </pc:sldMkLst>
       </pc:sldChg>
+      <pc:sldChg chg="addSp modSp new mod">
+        <pc:chgData name="종원 허" userId="b71225b2ad03c34e" providerId="LiveId" clId="{DC539F5C-FCCF-F643-946C-F3D37C453F5B}" dt="2024-06-23T10:20:48.521" v="3249" actId="20577"/>
+        <pc:sldMkLst>
+          <pc:docMk/>
+          <pc:sldMk cId="1245149820" sldId="465"/>
+        </pc:sldMkLst>
+        <pc:spChg chg="mod">
+          <ac:chgData name="종원 허" userId="b71225b2ad03c34e" providerId="LiveId" clId="{DC539F5C-FCCF-F643-946C-F3D37C453F5B}" dt="2024-06-23T10:14:05.983" v="2609" actId="20577"/>
+          <ac:spMkLst>
+            <pc:docMk/>
+            <pc:sldMk cId="1245149820" sldId="465"/>
+            <ac:spMk id="2" creationId="{E1B6E1A5-AE89-43B0-1392-14E920471BB0}"/>
+          </ac:spMkLst>
+        </pc:spChg>
+        <pc:spChg chg="add mod">
+          <ac:chgData name="종원 허" userId="b71225b2ad03c34e" providerId="LiveId" clId="{DC539F5C-FCCF-F643-946C-F3D37C453F5B}" dt="2024-06-23T10:20:48.521" v="3249" actId="20577"/>
+          <ac:spMkLst>
+            <pc:docMk/>
+            <pc:sldMk cId="1245149820" sldId="465"/>
+            <ac:spMk id="3" creationId="{21EBEB27-92DC-8178-6692-704705A52CB1}"/>
+          </ac:spMkLst>
+        </pc:spChg>
+        <pc:spChg chg="add mod">
+          <ac:chgData name="종원 허" userId="b71225b2ad03c34e" providerId="LiveId" clId="{DC539F5C-FCCF-F643-946C-F3D37C453F5B}" dt="2024-06-23T10:15:30.237" v="2631" actId="1076"/>
+          <ac:spMkLst>
+            <pc:docMk/>
+            <pc:sldMk cId="1245149820" sldId="465"/>
+            <ac:spMk id="8" creationId="{FA022B97-39C6-D83E-E604-1BE506B9DCF4}"/>
+          </ac:spMkLst>
+        </pc:spChg>
+        <pc:spChg chg="add mod">
+          <ac:chgData name="종원 허" userId="b71225b2ad03c34e" providerId="LiveId" clId="{DC539F5C-FCCF-F643-946C-F3D37C453F5B}" dt="2024-06-23T10:15:30.237" v="2631" actId="1076"/>
+          <ac:spMkLst>
+            <pc:docMk/>
+            <pc:sldMk cId="1245149820" sldId="465"/>
+            <ac:spMk id="9" creationId="{3FE6AAB2-8845-9C41-AFD7-94C0A4CAF9DF}"/>
+          </ac:spMkLst>
+        </pc:spChg>
+        <pc:spChg chg="add mod">
+          <ac:chgData name="종원 허" userId="b71225b2ad03c34e" providerId="LiveId" clId="{DC539F5C-FCCF-F643-946C-F3D37C453F5B}" dt="2024-06-23T10:15:30.237" v="2631" actId="1076"/>
+          <ac:spMkLst>
+            <pc:docMk/>
+            <pc:sldMk cId="1245149820" sldId="465"/>
+            <ac:spMk id="10" creationId="{E66A96E4-CC76-52EA-7FB7-D6BFBA827671}"/>
+          </ac:spMkLst>
+        </pc:spChg>
+        <pc:spChg chg="add mod">
+          <ac:chgData name="종원 허" userId="b71225b2ad03c34e" providerId="LiveId" clId="{DC539F5C-FCCF-F643-946C-F3D37C453F5B}" dt="2024-06-23T10:15:30.237" v="2631" actId="1076"/>
+          <ac:spMkLst>
+            <pc:docMk/>
+            <pc:sldMk cId="1245149820" sldId="465"/>
+            <ac:spMk id="11" creationId="{FBE5D14E-953C-148D-1540-E60A4CAE359B}"/>
+          </ac:spMkLst>
+        </pc:spChg>
+        <pc:spChg chg="add mod">
+          <ac:chgData name="종원 허" userId="b71225b2ad03c34e" providerId="LiveId" clId="{DC539F5C-FCCF-F643-946C-F3D37C453F5B}" dt="2024-06-23T10:15:30.237" v="2631" actId="1076"/>
+          <ac:spMkLst>
+            <pc:docMk/>
+            <pc:sldMk cId="1245149820" sldId="465"/>
+            <ac:spMk id="12" creationId="{C8EB26D9-E02C-300C-F517-B7B5CCB11DAE}"/>
+          </ac:spMkLst>
+        </pc:spChg>
+        <pc:picChg chg="add mod">
+          <ac:chgData name="종원 허" userId="b71225b2ad03c34e" providerId="LiveId" clId="{DC539F5C-FCCF-F643-946C-F3D37C453F5B}" dt="2024-06-23T10:15:30.237" v="2631" actId="1076"/>
+          <ac:picMkLst>
+            <pc:docMk/>
+            <pc:sldMk cId="1245149820" sldId="465"/>
+            <ac:picMk id="4" creationId="{1C1F257F-7507-9D9B-D2D0-4F2BDC80AB85}"/>
+          </ac:picMkLst>
+        </pc:picChg>
+        <pc:picChg chg="add mod">
+          <ac:chgData name="종원 허" userId="b71225b2ad03c34e" providerId="LiveId" clId="{DC539F5C-FCCF-F643-946C-F3D37C453F5B}" dt="2024-06-23T10:15:30.237" v="2631" actId="1076"/>
+          <ac:picMkLst>
+            <pc:docMk/>
+            <pc:sldMk cId="1245149820" sldId="465"/>
+            <ac:picMk id="5" creationId="{9BF811F4-0654-E3FE-B253-7E1A9C35533E}"/>
+          </ac:picMkLst>
+        </pc:picChg>
+        <pc:picChg chg="add mod">
+          <ac:chgData name="종원 허" userId="b71225b2ad03c34e" providerId="LiveId" clId="{DC539F5C-FCCF-F643-946C-F3D37C453F5B}" dt="2024-06-23T10:15:30.237" v="2631" actId="1076"/>
+          <ac:picMkLst>
+            <pc:docMk/>
+            <pc:sldMk cId="1245149820" sldId="465"/>
+            <ac:picMk id="6" creationId="{71D503CC-BABA-A390-D860-024AE1668C99}"/>
+          </ac:picMkLst>
+        </pc:picChg>
+        <pc:picChg chg="add mod">
+          <ac:chgData name="종원 허" userId="b71225b2ad03c34e" providerId="LiveId" clId="{DC539F5C-FCCF-F643-946C-F3D37C453F5B}" dt="2024-06-23T10:15:30.237" v="2631" actId="1076"/>
+          <ac:picMkLst>
+            <pc:docMk/>
+            <pc:sldMk cId="1245149820" sldId="465"/>
+            <ac:picMk id="7" creationId="{A0C29382-2938-BABB-61FE-63ECB856E1EA}"/>
+          </ac:picMkLst>
+        </pc:picChg>
+      </pc:sldChg>
       <pc:sldChg chg="modSp del mod">
         <pc:chgData name="종원 허" userId="b71225b2ad03c34e" providerId="LiveId" clId="{DC539F5C-FCCF-F643-946C-F3D37C453F5B}" dt="2024-06-20T08:38:33.826" v="2126" actId="2696"/>
         <pc:sldMkLst>
@@ -935,6 +1032,85 @@
           <pc:docMk/>
           <pc:sldMk cId="2728497997" sldId="466"/>
         </pc:sldMkLst>
+      </pc:sldChg>
+      <pc:sldChg chg="addSp modSp new mod">
+        <pc:chgData name="종원 허" userId="b71225b2ad03c34e" providerId="LiveId" clId="{DC539F5C-FCCF-F643-946C-F3D37C453F5B}" dt="2024-06-23T10:30:29.789" v="4229" actId="1076"/>
+        <pc:sldMkLst>
+          <pc:docMk/>
+          <pc:sldMk cId="3548724651" sldId="466"/>
+        </pc:sldMkLst>
+        <pc:spChg chg="mod">
+          <ac:chgData name="종원 허" userId="b71225b2ad03c34e" providerId="LiveId" clId="{DC539F5C-FCCF-F643-946C-F3D37C453F5B}" dt="2024-06-23T10:21:13.700" v="3278" actId="20577"/>
+          <ac:spMkLst>
+            <pc:docMk/>
+            <pc:sldMk cId="3548724651" sldId="466"/>
+            <ac:spMk id="2" creationId="{A1EEF648-D58B-09BB-378B-E8766D37E315}"/>
+          </ac:spMkLst>
+        </pc:spChg>
+        <pc:spChg chg="add mod">
+          <ac:chgData name="종원 허" userId="b71225b2ad03c34e" providerId="LiveId" clId="{DC539F5C-FCCF-F643-946C-F3D37C453F5B}" dt="2024-06-23T10:27:18.184" v="3956" actId="1076"/>
+          <ac:spMkLst>
+            <pc:docMk/>
+            <pc:sldMk cId="3548724651" sldId="466"/>
+            <ac:spMk id="5" creationId="{F97EADA0-F53A-EF3C-7D32-CF7A5DFEA7C2}"/>
+          </ac:spMkLst>
+        </pc:spChg>
+        <pc:spChg chg="add mod">
+          <ac:chgData name="종원 허" userId="b71225b2ad03c34e" providerId="LiveId" clId="{DC539F5C-FCCF-F643-946C-F3D37C453F5B}" dt="2024-06-23T10:27:18.184" v="3956" actId="1076"/>
+          <ac:spMkLst>
+            <pc:docMk/>
+            <pc:sldMk cId="3548724651" sldId="466"/>
+            <ac:spMk id="6" creationId="{7575E821-3844-A439-D43C-430E032C49C8}"/>
+          </ac:spMkLst>
+        </pc:spChg>
+        <pc:spChg chg="add mod">
+          <ac:chgData name="종원 허" userId="b71225b2ad03c34e" providerId="LiveId" clId="{DC539F5C-FCCF-F643-946C-F3D37C453F5B}" dt="2024-06-23T10:27:18.184" v="3956" actId="1076"/>
+          <ac:spMkLst>
+            <pc:docMk/>
+            <pc:sldMk cId="3548724651" sldId="466"/>
+            <ac:spMk id="7" creationId="{4F852696-FC1F-2D46-8FB0-D04FA2E2E5B2}"/>
+          </ac:spMkLst>
+        </pc:spChg>
+        <pc:spChg chg="add mod">
+          <ac:chgData name="종원 허" userId="b71225b2ad03c34e" providerId="LiveId" clId="{DC539F5C-FCCF-F643-946C-F3D37C453F5B}" dt="2024-06-23T10:27:18.184" v="3956" actId="1076"/>
+          <ac:spMkLst>
+            <pc:docMk/>
+            <pc:sldMk cId="3548724651" sldId="466"/>
+            <ac:spMk id="9" creationId="{0E404A7E-DD3B-65C7-B7CA-9F6659FCE3E9}"/>
+          </ac:spMkLst>
+        </pc:spChg>
+        <pc:spChg chg="add mod">
+          <ac:chgData name="종원 허" userId="b71225b2ad03c34e" providerId="LiveId" clId="{DC539F5C-FCCF-F643-946C-F3D37C453F5B}" dt="2024-06-23T10:30:29.789" v="4229" actId="1076"/>
+          <ac:spMkLst>
+            <pc:docMk/>
+            <pc:sldMk cId="3548724651" sldId="466"/>
+            <ac:spMk id="10" creationId="{EAA9D1EB-196C-1653-03B1-299099D3518C}"/>
+          </ac:spMkLst>
+        </pc:spChg>
+        <pc:picChg chg="add mod">
+          <ac:chgData name="종원 허" userId="b71225b2ad03c34e" providerId="LiveId" clId="{DC539F5C-FCCF-F643-946C-F3D37C453F5B}" dt="2024-06-23T10:27:18.184" v="3956" actId="1076"/>
+          <ac:picMkLst>
+            <pc:docMk/>
+            <pc:sldMk cId="3548724651" sldId="466"/>
+            <ac:picMk id="3" creationId="{D3EF01FE-45F1-0A47-F33C-B95DBF755DD0}"/>
+          </ac:picMkLst>
+        </pc:picChg>
+        <pc:picChg chg="add mod">
+          <ac:chgData name="종원 허" userId="b71225b2ad03c34e" providerId="LiveId" clId="{DC539F5C-FCCF-F643-946C-F3D37C453F5B}" dt="2024-06-23T10:27:18.184" v="3956" actId="1076"/>
+          <ac:picMkLst>
+            <pc:docMk/>
+            <pc:sldMk cId="3548724651" sldId="466"/>
+            <ac:picMk id="4" creationId="{E9E52469-9582-8A55-E9AF-FC195BEDFF78}"/>
+          </ac:picMkLst>
+        </pc:picChg>
+        <pc:picChg chg="add mod">
+          <ac:chgData name="종원 허" userId="b71225b2ad03c34e" providerId="LiveId" clId="{DC539F5C-FCCF-F643-946C-F3D37C453F5B}" dt="2024-06-23T10:27:18.184" v="3956" actId="1076"/>
+          <ac:picMkLst>
+            <pc:docMk/>
+            <pc:sldMk cId="3548724651" sldId="466"/>
+            <ac:picMk id="8" creationId="{0777188E-9B91-BF1C-4BF1-EE89EE2150C9}"/>
+          </ac:picMkLst>
+        </pc:picChg>
       </pc:sldChg>
       <pc:sldChg chg="del">
         <pc:chgData name="종원 허" userId="b71225b2ad03c34e" providerId="LiveId" clId="{DC539F5C-FCCF-F643-946C-F3D37C453F5B}" dt="2024-06-20T08:38:33.885" v="2128" actId="2696"/>
@@ -1088,7 +1264,7 @@
             <a:fld id="{B38DDC64-668F-D042-B324-08EA36C7985F}" type="datetimeFigureOut">
               <a:rPr kumimoji="1" lang="ko-KR" altLang="en-US" smtClean="0"/>
               <a:pPr/>
-              <a:t>2024. 6. 20.</a:t>
+              <a:t>2024. 6. 23.</a:t>
             </a:fld>
             <a:endParaRPr kumimoji="1" lang="ko-KR" altLang="en-US"/>
           </a:p>
@@ -1893,7 +2069,7 @@
           <a:p>
             <a:fld id="{4C02D1D0-8AF1-3E45-93D9-439A94A54636}" type="datetime1">
               <a:rPr kumimoji="1" lang="ko-KR" altLang="en-US" smtClean="0"/>
-              <a:t>2024. 6. 20.</a:t>
+              <a:t>2024. 6. 23.</a:t>
             </a:fld>
             <a:endParaRPr kumimoji="1" lang="ko-KR" altLang="en-US"/>
           </a:p>
@@ -2057,7 +2233,7 @@
           <a:p>
             <a:fld id="{720AD815-E37C-AE42-93B2-164338F0BC3F}" type="datetime1">
               <a:rPr kumimoji="1" lang="ko-KR" altLang="en-US" smtClean="0"/>
-              <a:t>2024. 6. 20.</a:t>
+              <a:t>2024. 6. 23.</a:t>
             </a:fld>
             <a:endParaRPr kumimoji="1" lang="ko-KR" altLang="en-US"/>
           </a:p>
@@ -2506,7 +2682,7 @@
           <a:p>
             <a:fld id="{88B8D1EA-1598-7043-B817-80BCE13AFAD2}" type="datetime1">
               <a:rPr kumimoji="1" lang="ko-KR" altLang="en-US" smtClean="0"/>
-              <a:t>2024. 6. 20.</a:t>
+              <a:t>2024. 6. 23.</a:t>
             </a:fld>
             <a:endParaRPr kumimoji="1" lang="ko-KR" altLang="en-US"/>
           </a:p>
@@ -2692,7 +2868,7 @@
           <a:p>
             <a:fld id="{DEE90C36-D53C-6E45-965A-C6C77E76656E}" type="datetime1">
               <a:rPr kumimoji="1" lang="ko-KR" altLang="en-US" smtClean="0"/>
-              <a:t>2024. 6. 20.</a:t>
+              <a:t>2024. 6. 23.</a:t>
             </a:fld>
             <a:endParaRPr kumimoji="1" lang="ko-KR" altLang="en-US"/>
           </a:p>
@@ -5017,6 +5193,1578 @@
     <p:extLst>
       <p:ext uri="{BB962C8B-B14F-4D97-AF65-F5344CB8AC3E}">
         <p14:creationId xmlns:p14="http://schemas.microsoft.com/office/powerpoint/2010/main" val="4248462634"/>
+      </p:ext>
+    </p:extLst>
+  </p:cSld>
+  <p:clrMapOvr>
+    <a:masterClrMapping/>
+  </p:clrMapOvr>
+</p:sld>
+</file>
+
+<file path=ppt/slides/slide12.xml><?xml version="1.0" encoding="utf-8"?>
+<p:sld xmlns:a="http://schemas.openxmlformats.org/drawingml/2006/main" xmlns:r="http://schemas.openxmlformats.org/officeDocument/2006/relationships" xmlns:p="http://schemas.openxmlformats.org/presentationml/2006/main">
+  <p:cSld>
+    <p:spTree>
+      <p:nvGrpSpPr>
+        <p:cNvPr id="1" name=""/>
+        <p:cNvGrpSpPr/>
+        <p:nvPr/>
+      </p:nvGrpSpPr>
+      <p:grpSpPr>
+        <a:xfrm>
+          <a:off x="0" y="0"/>
+          <a:ext cx="0" cy="0"/>
+          <a:chOff x="0" y="0"/>
+          <a:chExt cx="0" cy="0"/>
+        </a:xfrm>
+      </p:grpSpPr>
+      <p:sp>
+        <p:nvSpPr>
+          <p:cNvPr id="2" name="제목 1">
+            <a:extLst>
+              <a:ext uri="{FF2B5EF4-FFF2-40B4-BE49-F238E27FC236}">
+                <a16:creationId xmlns:a16="http://schemas.microsoft.com/office/drawing/2014/main" id="{E1B6E1A5-AE89-43B0-1392-14E920471BB0}"/>
+              </a:ext>
+            </a:extLst>
+          </p:cNvPr>
+          <p:cNvSpPr>
+            <a:spLocks noGrp="1"/>
+          </p:cNvSpPr>
+          <p:nvPr>
+            <p:ph type="title"/>
+          </p:nvPr>
+        </p:nvSpPr>
+        <p:spPr/>
+        <p:txBody>
+          <a:bodyPr/>
+          <a:lstStyle/>
+          <a:p>
+            <a:r>
+              <a:rPr kumimoji="1" lang="ko-KR" altLang="en-US" dirty="0"/>
+              <a:t>고정 </a:t>
+            </a:r>
+            <a:r>
+              <a:rPr kumimoji="1" lang="en-US" altLang="ko-KR" dirty="0"/>
+              <a:t>Node</a:t>
+            </a:r>
+            <a:endParaRPr kumimoji="1" lang="ko-KR" altLang="en-US" dirty="0"/>
+          </a:p>
+        </p:txBody>
+      </p:sp>
+      <p:sp>
+        <p:nvSpPr>
+          <p:cNvPr id="3" name="TextBox 2">
+            <a:extLst>
+              <a:ext uri="{FF2B5EF4-FFF2-40B4-BE49-F238E27FC236}">
+                <a16:creationId xmlns:a16="http://schemas.microsoft.com/office/drawing/2014/main" id="{21EBEB27-92DC-8178-6692-704705A52CB1}"/>
+              </a:ext>
+            </a:extLst>
+          </p:cNvPr>
+          <p:cNvSpPr txBox="1"/>
+          <p:nvPr/>
+        </p:nvSpPr>
+        <p:spPr>
+          <a:xfrm>
+            <a:off x="680720" y="3398917"/>
+            <a:ext cx="6603795" cy="2769989"/>
+          </a:xfrm>
+          <a:prstGeom prst="rect">
+            <a:avLst/>
+          </a:prstGeom>
+          <a:noFill/>
+        </p:spPr>
+        <p:txBody>
+          <a:bodyPr wrap="none" rtlCol="0">
+            <a:spAutoFit/>
+          </a:bodyPr>
+          <a:lstStyle/>
+          <a:p>
+            <a:pPr marL="285750" indent="-285750">
+              <a:spcBef>
+                <a:spcPts val="1800"/>
+              </a:spcBef>
+              <a:buFont typeface="Wingdings" pitchFamily="2" charset="2"/>
+              <a:buChar char="l"/>
+            </a:pPr>
+            <a:r>
+              <a:rPr kumimoji="1" lang="en-US" altLang="ko-KR" sz="1600" dirty="0"/>
+              <a:t>ROS2</a:t>
+            </a:r>
+            <a:r>
+              <a:rPr kumimoji="1" lang="ko-KR" altLang="en-US" sz="1600" dirty="0"/>
+              <a:t>의 </a:t>
+            </a:r>
+            <a:r>
+              <a:rPr kumimoji="1" lang="en-US" altLang="ko-KR" sz="1600" dirty="0"/>
+              <a:t>Node</a:t>
+            </a:r>
+            <a:r>
+              <a:rPr kumimoji="1" lang="ko-KR" altLang="en-US" sz="1600" dirty="0"/>
+              <a:t>로서의 통신방식 확인 필요</a:t>
+            </a:r>
+            <a:br>
+              <a:rPr kumimoji="1" lang="en-US" altLang="ko-KR" sz="1600" dirty="0"/>
+            </a:br>
+            <a:r>
+              <a:rPr kumimoji="1" lang="en-US" altLang="ko-KR" sz="1600" dirty="0"/>
+              <a:t>-</a:t>
+            </a:r>
+            <a:r>
+              <a:rPr kumimoji="1" lang="ko-KR" altLang="en-US" sz="1600" dirty="0"/>
+              <a:t> </a:t>
+            </a:r>
+            <a:r>
+              <a:rPr kumimoji="1" lang="en-US" altLang="ko-KR" sz="1600" dirty="0"/>
+              <a:t>ROS2</a:t>
+            </a:r>
+            <a:r>
+              <a:rPr kumimoji="1" lang="ko-KR" altLang="en-US" sz="1600" dirty="0"/>
+              <a:t>가 아닌 단순 통신으로 </a:t>
+            </a:r>
+            <a:r>
+              <a:rPr kumimoji="1" lang="en-US" altLang="ko-KR" sz="1600" dirty="0"/>
+              <a:t>Event</a:t>
+            </a:r>
+            <a:r>
+              <a:rPr kumimoji="1" lang="ko-KR" altLang="en-US" sz="1600" dirty="0"/>
+              <a:t> 보고 및 </a:t>
+            </a:r>
+            <a:r>
+              <a:rPr kumimoji="1" lang="en-US" altLang="ko-KR" sz="1600" dirty="0"/>
+              <a:t>Service</a:t>
+            </a:r>
+            <a:r>
+              <a:rPr kumimoji="1" lang="ko-KR" altLang="en-US" sz="1600" dirty="0"/>
+              <a:t> 통신이 가능한가</a:t>
+            </a:r>
+            <a:r>
+              <a:rPr kumimoji="1" lang="en-US" altLang="ko-KR" sz="1600" dirty="0"/>
+              <a:t>?</a:t>
+            </a:r>
+            <a:br>
+              <a:rPr kumimoji="1" lang="en-US" altLang="ko-KR" sz="1600" dirty="0"/>
+            </a:br>
+            <a:r>
+              <a:rPr kumimoji="1" lang="en-US" altLang="ko-KR" sz="1600" dirty="0"/>
+              <a:t>-</a:t>
+            </a:r>
+            <a:r>
+              <a:rPr kumimoji="1" lang="ko-KR" altLang="en-US" sz="1600" dirty="0"/>
+              <a:t> 통신 방식은</a:t>
+            </a:r>
+            <a:r>
+              <a:rPr kumimoji="1" lang="en-US" altLang="ko-KR" sz="1600" dirty="0"/>
+              <a:t>?</a:t>
+            </a:r>
+          </a:p>
+          <a:p>
+            <a:pPr marL="285750" indent="-285750">
+              <a:spcBef>
+                <a:spcPts val="1800"/>
+              </a:spcBef>
+              <a:buFont typeface="Wingdings" pitchFamily="2" charset="2"/>
+              <a:buChar char="l"/>
+            </a:pPr>
+            <a:r>
+              <a:rPr kumimoji="1" lang="ko-KR" altLang="en-US" sz="1600" dirty="0"/>
+              <a:t>고정 </a:t>
+            </a:r>
+            <a:r>
+              <a:rPr kumimoji="1" lang="en-US" altLang="ko-KR" sz="1600" dirty="0"/>
+              <a:t>Node</a:t>
+            </a:r>
+            <a:r>
+              <a:rPr kumimoji="1" lang="ko-KR" altLang="en-US" sz="1600" dirty="0" err="1"/>
+              <a:t>에</a:t>
+            </a:r>
+            <a:r>
+              <a:rPr kumimoji="1" lang="ko-KR" altLang="en-US" sz="1600" dirty="0"/>
+              <a:t> 대한 제어</a:t>
+            </a:r>
+            <a:br>
+              <a:rPr kumimoji="1" lang="en-US" altLang="ko-KR" sz="1600" dirty="0"/>
+            </a:br>
+            <a:r>
+              <a:rPr kumimoji="1" lang="en-US" altLang="ko-KR" sz="1600" dirty="0"/>
+              <a:t>-</a:t>
+            </a:r>
+            <a:r>
+              <a:rPr kumimoji="1" lang="ko-KR" altLang="en-US" sz="1600" dirty="0"/>
+              <a:t> 반출입기에 </a:t>
+            </a:r>
+            <a:r>
+              <a:rPr kumimoji="1" lang="ko-KR" altLang="en-US" sz="1600" dirty="0" err="1"/>
+              <a:t>반출입</a:t>
+            </a:r>
+            <a:r>
+              <a:rPr kumimoji="1" lang="ko-KR" altLang="en-US" sz="1600" dirty="0"/>
+              <a:t> </a:t>
+            </a:r>
+            <a:r>
+              <a:rPr kumimoji="1" lang="en-US" altLang="ko-KR" sz="1600" dirty="0"/>
+              <a:t>Event</a:t>
+            </a:r>
+            <a:r>
+              <a:rPr kumimoji="1" lang="ko-KR" altLang="en-US" sz="1600" dirty="0" err="1"/>
+              <a:t>에</a:t>
+            </a:r>
+            <a:r>
+              <a:rPr kumimoji="1" lang="ko-KR" altLang="en-US" sz="1600" dirty="0"/>
+              <a:t> 대해 개폐 등의 제어가 필요한가</a:t>
+            </a:r>
+            <a:r>
+              <a:rPr kumimoji="1" lang="en-US" altLang="ko-KR" sz="1600" dirty="0"/>
+              <a:t>?</a:t>
+            </a:r>
+            <a:br>
+              <a:rPr kumimoji="1" lang="en-US" altLang="ko-KR" sz="1600" dirty="0"/>
+            </a:br>
+            <a:r>
+              <a:rPr kumimoji="1" lang="en-US" altLang="ko-KR" sz="1600" dirty="0"/>
+              <a:t>-</a:t>
+            </a:r>
+            <a:r>
+              <a:rPr kumimoji="1" lang="ko-KR" altLang="en-US" sz="1600" dirty="0"/>
+              <a:t> 분석기와 폐기설비의 개폐 및 가동시작을 제어할 필요가 있는가</a:t>
+            </a:r>
+            <a:r>
+              <a:rPr kumimoji="1" lang="en-US" altLang="ko-KR" sz="1600" dirty="0"/>
+              <a:t>?</a:t>
+            </a:r>
+          </a:p>
+          <a:p>
+            <a:pPr marL="285750" indent="-285750">
+              <a:spcBef>
+                <a:spcPts val="1800"/>
+              </a:spcBef>
+              <a:buFont typeface="Wingdings" pitchFamily="2" charset="2"/>
+              <a:buChar char="l"/>
+            </a:pPr>
+            <a:r>
+              <a:rPr kumimoji="1" lang="en-US" altLang="ko-KR" sz="1600" dirty="0"/>
+              <a:t>DDS</a:t>
+            </a:r>
+            <a:r>
+              <a:rPr kumimoji="1" lang="ko-KR" altLang="en-US" sz="1600" dirty="0" err="1"/>
+              <a:t>와의</a:t>
+            </a:r>
+            <a:r>
+              <a:rPr kumimoji="1" lang="ko-KR" altLang="en-US" sz="1600" dirty="0"/>
+              <a:t> 연결방식</a:t>
+            </a:r>
+            <a:br>
+              <a:rPr kumimoji="1" lang="en-US" altLang="ko-KR" sz="1600" dirty="0"/>
+            </a:br>
+            <a:r>
+              <a:rPr kumimoji="1" lang="en-US" altLang="ko-KR" sz="1600" dirty="0"/>
+              <a:t>-</a:t>
+            </a:r>
+            <a:r>
+              <a:rPr kumimoji="1" lang="ko-KR" altLang="en-US" sz="1600" dirty="0"/>
+              <a:t> </a:t>
+            </a:r>
+            <a:r>
+              <a:rPr kumimoji="1" lang="en-US" altLang="ko-KR" sz="1600" dirty="0"/>
+              <a:t>DDS</a:t>
+            </a:r>
+            <a:r>
+              <a:rPr kumimoji="1" lang="ko-KR" altLang="en-US" sz="1600" dirty="0"/>
+              <a:t> 연결을 위한 모듈의 개발 담당은</a:t>
+            </a:r>
+            <a:r>
+              <a:rPr kumimoji="1" lang="en-US" altLang="ko-KR" sz="1600" dirty="0"/>
+              <a:t>?</a:t>
+            </a:r>
+            <a:r>
+              <a:rPr kumimoji="1" lang="ko-KR" altLang="en-US" sz="1600" dirty="0"/>
+              <a:t>  </a:t>
+            </a:r>
+            <a:r>
+              <a:rPr kumimoji="1" lang="en-US" altLang="ko-KR" sz="1600" dirty="0"/>
+              <a:t>(</a:t>
+            </a:r>
+            <a:r>
+              <a:rPr kumimoji="1" lang="ko-KR" altLang="en-US" sz="1600" dirty="0" err="1"/>
+              <a:t>삼익</a:t>
+            </a:r>
+            <a:r>
+              <a:rPr kumimoji="1" lang="en-US" altLang="ko-KR" sz="1600" dirty="0"/>
+              <a:t>?</a:t>
+            </a:r>
+            <a:r>
+              <a:rPr kumimoji="1" lang="ko-KR" altLang="en-US" sz="1600" dirty="0"/>
+              <a:t> </a:t>
+            </a:r>
+            <a:r>
+              <a:rPr kumimoji="1" lang="ko-KR" altLang="en-US" sz="1600" dirty="0" err="1"/>
+              <a:t>유비샘</a:t>
+            </a:r>
+            <a:r>
+              <a:rPr kumimoji="1" lang="en-US" altLang="ko-KR" sz="1600" dirty="0"/>
+              <a:t>?)</a:t>
+            </a:r>
+            <a:br>
+              <a:rPr kumimoji="1" lang="en-US" altLang="ko-KR" sz="1600" dirty="0"/>
+            </a:br>
+            <a:r>
+              <a:rPr kumimoji="1" lang="en-US" altLang="ko-KR" sz="1600" dirty="0"/>
+              <a:t>-</a:t>
+            </a:r>
+            <a:r>
+              <a:rPr kumimoji="1" lang="ko-KR" altLang="en-US" sz="1600" dirty="0"/>
+              <a:t> </a:t>
+            </a:r>
+            <a:r>
+              <a:rPr kumimoji="1" lang="en-US" altLang="ko-KR" sz="1600" dirty="0"/>
+              <a:t>SDK</a:t>
+            </a:r>
+            <a:r>
+              <a:rPr kumimoji="1" lang="ko-KR" altLang="en-US" sz="1600" dirty="0"/>
+              <a:t> 등의 지원 여부 확인이 필요</a:t>
+            </a:r>
+          </a:p>
+        </p:txBody>
+      </p:sp>
+      <p:pic>
+        <p:nvPicPr>
+          <p:cNvPr id="4" name="그림 3">
+            <a:extLst>
+              <a:ext uri="{FF2B5EF4-FFF2-40B4-BE49-F238E27FC236}">
+                <a16:creationId xmlns:a16="http://schemas.microsoft.com/office/drawing/2014/main" id="{1C1F257F-7507-9D9B-D2D0-4F2BDC80AB85}"/>
+              </a:ext>
+            </a:extLst>
+          </p:cNvPr>
+          <p:cNvPicPr>
+            <a:picLocks noChangeAspect="1"/>
+          </p:cNvPicPr>
+          <p:nvPr/>
+        </p:nvPicPr>
+        <p:blipFill>
+          <a:blip r:embed="rId2" cstate="print">
+            <a:clrChange>
+              <a:clrFrom>
+                <a:srgbClr val="CACAC9"/>
+              </a:clrFrom>
+              <a:clrTo>
+                <a:srgbClr val="CACAC9">
+                  <a:alpha val="0"/>
+                </a:srgbClr>
+              </a:clrTo>
+            </a:clrChange>
+            <a:alphaModFix/>
+            <a:extLst>
+              <a:ext uri="{BEBA8EAE-BF5A-486C-A8C5-ECC9F3942E4B}">
+                <a14:imgProps xmlns:a14="http://schemas.microsoft.com/office/drawing/2010/main">
+                  <a14:imgLayer r:embed="rId3">
+                    <a14:imgEffect>
+                      <a14:sharpenSoften amount="-50000"/>
+                    </a14:imgEffect>
+                    <a14:imgEffect>
+                      <a14:brightnessContrast bright="-20000"/>
+                    </a14:imgEffect>
+                  </a14:imgLayer>
+                </a14:imgProps>
+              </a:ext>
+            </a:extLst>
+          </a:blip>
+          <a:stretch>
+            <a:fillRect/>
+          </a:stretch>
+        </p:blipFill>
+        <p:spPr>
+          <a:xfrm flipH="1">
+            <a:off x="4345245" y="1634487"/>
+            <a:ext cx="522732" cy="705787"/>
+          </a:xfrm>
+          <a:prstGeom prst="rect">
+            <a:avLst/>
+          </a:prstGeom>
+        </p:spPr>
+      </p:pic>
+      <p:pic>
+        <p:nvPicPr>
+          <p:cNvPr id="5" name="그림 4">
+            <a:extLst>
+              <a:ext uri="{FF2B5EF4-FFF2-40B4-BE49-F238E27FC236}">
+                <a16:creationId xmlns:a16="http://schemas.microsoft.com/office/drawing/2014/main" id="{9BF811F4-0654-E3FE-B253-7E1A9C35533E}"/>
+              </a:ext>
+            </a:extLst>
+          </p:cNvPr>
+          <p:cNvPicPr>
+            <a:picLocks noChangeAspect="1"/>
+          </p:cNvPicPr>
+          <p:nvPr/>
+        </p:nvPicPr>
+        <p:blipFill>
+          <a:blip r:embed="rId4" cstate="print">
+            <a:clrChange>
+              <a:clrFrom>
+                <a:srgbClr val="CACAC9"/>
+              </a:clrFrom>
+              <a:clrTo>
+                <a:srgbClr val="CACAC9">
+                  <a:alpha val="0"/>
+                </a:srgbClr>
+              </a:clrTo>
+            </a:clrChange>
+            <a:alphaModFix/>
+            <a:extLst>
+              <a:ext uri="{BEBA8EAE-BF5A-486C-A8C5-ECC9F3942E4B}">
+                <a14:imgProps xmlns:a14="http://schemas.microsoft.com/office/drawing/2010/main">
+                  <a14:imgLayer r:embed="rId5">
+                    <a14:imgEffect>
+                      <a14:sharpenSoften amount="-50000"/>
+                    </a14:imgEffect>
+                    <a14:imgEffect>
+                      <a14:brightnessContrast bright="-20000"/>
+                    </a14:imgEffect>
+                  </a14:imgLayer>
+                </a14:imgProps>
+              </a:ext>
+            </a:extLst>
+          </a:blip>
+          <a:stretch>
+            <a:fillRect/>
+          </a:stretch>
+        </p:blipFill>
+        <p:spPr>
+          <a:xfrm flipH="1">
+            <a:off x="5903144" y="1599728"/>
+            <a:ext cx="750785" cy="775305"/>
+          </a:xfrm>
+          <a:prstGeom prst="rect">
+            <a:avLst/>
+          </a:prstGeom>
+        </p:spPr>
+      </p:pic>
+      <p:pic>
+        <p:nvPicPr>
+          <p:cNvPr id="6" name="그림 5">
+            <a:extLst>
+              <a:ext uri="{FF2B5EF4-FFF2-40B4-BE49-F238E27FC236}">
+                <a16:creationId xmlns:a16="http://schemas.microsoft.com/office/drawing/2014/main" id="{71D503CC-BABA-A390-D860-024AE1668C99}"/>
+              </a:ext>
+            </a:extLst>
+          </p:cNvPr>
+          <p:cNvPicPr>
+            <a:picLocks noChangeAspect="1"/>
+          </p:cNvPicPr>
+          <p:nvPr/>
+        </p:nvPicPr>
+        <p:blipFill>
+          <a:blip r:embed="rId6" cstate="print">
+            <a:clrChange>
+              <a:clrFrom>
+                <a:srgbClr val="CACAC9"/>
+              </a:clrFrom>
+              <a:clrTo>
+                <a:srgbClr val="CACAC9">
+                  <a:alpha val="0"/>
+                </a:srgbClr>
+              </a:clrTo>
+            </a:clrChange>
+            <a:alphaModFix/>
+            <a:extLst>
+              <a:ext uri="{BEBA8EAE-BF5A-486C-A8C5-ECC9F3942E4B}">
+                <a14:imgProps xmlns:a14="http://schemas.microsoft.com/office/drawing/2010/main">
+                  <a14:imgLayer r:embed="rId7">
+                    <a14:imgEffect>
+                      <a14:brightnessContrast bright="-20000"/>
+                    </a14:imgEffect>
+                  </a14:imgLayer>
+                </a14:imgProps>
+              </a:ext>
+            </a:extLst>
+          </a:blip>
+          <a:stretch>
+            <a:fillRect/>
+          </a:stretch>
+        </p:blipFill>
+        <p:spPr>
+          <a:xfrm>
+            <a:off x="7689096" y="1555555"/>
+            <a:ext cx="475775" cy="863650"/>
+          </a:xfrm>
+          <a:prstGeom prst="rect">
+            <a:avLst/>
+          </a:prstGeom>
+        </p:spPr>
+      </p:pic>
+      <p:pic>
+        <p:nvPicPr>
+          <p:cNvPr id="7" name="그림 6">
+            <a:extLst>
+              <a:ext uri="{FF2B5EF4-FFF2-40B4-BE49-F238E27FC236}">
+                <a16:creationId xmlns:a16="http://schemas.microsoft.com/office/drawing/2014/main" id="{A0C29382-2938-BABB-61FE-63ECB856E1EA}"/>
+              </a:ext>
+            </a:extLst>
+          </p:cNvPr>
+          <p:cNvPicPr>
+            <a:picLocks noChangeAspect="1"/>
+          </p:cNvPicPr>
+          <p:nvPr/>
+        </p:nvPicPr>
+        <p:blipFill rotWithShape="1">
+          <a:blip r:embed="rId8" cstate="print">
+            <a:clrChange>
+              <a:clrFrom>
+                <a:srgbClr val="C9CACA"/>
+              </a:clrFrom>
+              <a:clrTo>
+                <a:srgbClr val="C9CACA">
+                  <a:alpha val="0"/>
+                </a:srgbClr>
+              </a:clrTo>
+            </a:clrChange>
+            <a:alphaModFix/>
+            <a:extLst>
+              <a:ext uri="{BEBA8EAE-BF5A-486C-A8C5-ECC9F3942E4B}">
+                <a14:imgProps xmlns:a14="http://schemas.microsoft.com/office/drawing/2010/main">
+                  <a14:imgLayer r:embed="rId9">
+                    <a14:imgEffect>
+                      <a14:sharpenSoften amount="-50000"/>
+                    </a14:imgEffect>
+                    <a14:imgEffect>
+                      <a14:brightnessContrast bright="-20000"/>
+                    </a14:imgEffect>
+                  </a14:imgLayer>
+                </a14:imgProps>
+              </a:ext>
+            </a:extLst>
+          </a:blip>
+          <a:srcRect l="4858" t="1314"/>
+          <a:stretch/>
+        </p:blipFill>
+        <p:spPr>
+          <a:xfrm>
+            <a:off x="2718969" y="1613773"/>
+            <a:ext cx="591109" cy="747215"/>
+          </a:xfrm>
+          <a:prstGeom prst="rect">
+            <a:avLst/>
+          </a:prstGeom>
+        </p:spPr>
+      </p:pic>
+      <p:sp>
+        <p:nvSpPr>
+          <p:cNvPr id="8" name="TextBox 7">
+            <a:extLst>
+              <a:ext uri="{FF2B5EF4-FFF2-40B4-BE49-F238E27FC236}">
+                <a16:creationId xmlns:a16="http://schemas.microsoft.com/office/drawing/2014/main" id="{FA022B97-39C6-D83E-E604-1BE506B9DCF4}"/>
+              </a:ext>
+            </a:extLst>
+          </p:cNvPr>
+          <p:cNvSpPr txBox="1"/>
+          <p:nvPr/>
+        </p:nvSpPr>
+        <p:spPr>
+          <a:xfrm>
+            <a:off x="2563117" y="2480892"/>
+            <a:ext cx="902811" cy="307777"/>
+          </a:xfrm>
+          <a:prstGeom prst="rect">
+            <a:avLst/>
+          </a:prstGeom>
+          <a:noFill/>
+        </p:spPr>
+        <p:txBody>
+          <a:bodyPr wrap="none" rtlCol="0">
+            <a:spAutoFit/>
+          </a:bodyPr>
+          <a:lstStyle/>
+          <a:p>
+            <a:pPr algn="ctr"/>
+            <a:r>
+              <a:rPr kumimoji="1" lang="ko-KR" altLang="en-US" sz="1400" dirty="0"/>
+              <a:t>반출입기</a:t>
+            </a:r>
+          </a:p>
+        </p:txBody>
+      </p:sp>
+      <p:sp>
+        <p:nvSpPr>
+          <p:cNvPr id="9" name="TextBox 8">
+            <a:extLst>
+              <a:ext uri="{FF2B5EF4-FFF2-40B4-BE49-F238E27FC236}">
+                <a16:creationId xmlns:a16="http://schemas.microsoft.com/office/drawing/2014/main" id="{3FE6AAB2-8845-9C41-AFD7-94C0A4CAF9DF}"/>
+              </a:ext>
+            </a:extLst>
+          </p:cNvPr>
+          <p:cNvSpPr txBox="1"/>
+          <p:nvPr/>
+        </p:nvSpPr>
+        <p:spPr>
+          <a:xfrm>
+            <a:off x="5894714" y="2480774"/>
+            <a:ext cx="774187" cy="307777"/>
+          </a:xfrm>
+          <a:prstGeom prst="rect">
+            <a:avLst/>
+          </a:prstGeom>
+          <a:noFill/>
+        </p:spPr>
+        <p:txBody>
+          <a:bodyPr wrap="none" rtlCol="0">
+            <a:spAutoFit/>
+          </a:bodyPr>
+          <a:lstStyle/>
+          <a:p>
+            <a:pPr algn="ctr"/>
+            <a:r>
+              <a:rPr kumimoji="1" lang="en-US" altLang="ko-KR" sz="1400" dirty="0"/>
+              <a:t>Stocker</a:t>
+            </a:r>
+            <a:endParaRPr kumimoji="1" lang="ko-KR" altLang="en-US" sz="1400" dirty="0"/>
+          </a:p>
+        </p:txBody>
+      </p:sp>
+      <p:sp>
+        <p:nvSpPr>
+          <p:cNvPr id="10" name="TextBox 9">
+            <a:extLst>
+              <a:ext uri="{FF2B5EF4-FFF2-40B4-BE49-F238E27FC236}">
+                <a16:creationId xmlns:a16="http://schemas.microsoft.com/office/drawing/2014/main" id="{E66A96E4-CC76-52EA-7FB7-D6BFBA827671}"/>
+              </a:ext>
+            </a:extLst>
+          </p:cNvPr>
+          <p:cNvSpPr txBox="1"/>
+          <p:nvPr/>
+        </p:nvSpPr>
+        <p:spPr>
+          <a:xfrm>
+            <a:off x="7475577" y="2480892"/>
+            <a:ext cx="902811" cy="307777"/>
+          </a:xfrm>
+          <a:prstGeom prst="rect">
+            <a:avLst/>
+          </a:prstGeom>
+          <a:noFill/>
+        </p:spPr>
+        <p:txBody>
+          <a:bodyPr wrap="none" rtlCol="0">
+            <a:spAutoFit/>
+          </a:bodyPr>
+          <a:lstStyle/>
+          <a:p>
+            <a:pPr algn="ctr"/>
+            <a:r>
+              <a:rPr kumimoji="1" lang="ko-KR" altLang="en-US" sz="1400" dirty="0"/>
+              <a:t>폐기설비</a:t>
+            </a:r>
+          </a:p>
+        </p:txBody>
+      </p:sp>
+      <p:sp>
+        <p:nvSpPr>
+          <p:cNvPr id="11" name="TextBox 10">
+            <a:extLst>
+              <a:ext uri="{FF2B5EF4-FFF2-40B4-BE49-F238E27FC236}">
+                <a16:creationId xmlns:a16="http://schemas.microsoft.com/office/drawing/2014/main" id="{FBE5D14E-953C-148D-1540-E60A4CAE359B}"/>
+              </a:ext>
+            </a:extLst>
+          </p:cNvPr>
+          <p:cNvSpPr txBox="1"/>
+          <p:nvPr/>
+        </p:nvSpPr>
+        <p:spPr>
+          <a:xfrm>
+            <a:off x="4286515" y="2481027"/>
+            <a:ext cx="723275" cy="307777"/>
+          </a:xfrm>
+          <a:prstGeom prst="rect">
+            <a:avLst/>
+          </a:prstGeom>
+          <a:noFill/>
+        </p:spPr>
+        <p:txBody>
+          <a:bodyPr wrap="none" rtlCol="0">
+            <a:spAutoFit/>
+          </a:bodyPr>
+          <a:lstStyle/>
+          <a:p>
+            <a:pPr algn="ctr"/>
+            <a:r>
+              <a:rPr kumimoji="1" lang="ko-KR" altLang="en-US" sz="1400" dirty="0"/>
+              <a:t>분석기</a:t>
+            </a:r>
+            <a:endParaRPr kumimoji="1" lang="en-US" altLang="ko-KR" sz="1400" dirty="0"/>
+          </a:p>
+        </p:txBody>
+      </p:sp>
+      <p:sp>
+        <p:nvSpPr>
+          <p:cNvPr id="12" name="모서리가 둥근 직사각형 11">
+            <a:extLst>
+              <a:ext uri="{FF2B5EF4-FFF2-40B4-BE49-F238E27FC236}">
+                <a16:creationId xmlns:a16="http://schemas.microsoft.com/office/drawing/2014/main" id="{C8EB26D9-E02C-300C-F517-B7B5CCB11DAE}"/>
+              </a:ext>
+            </a:extLst>
+          </p:cNvPr>
+          <p:cNvSpPr/>
+          <p:nvPr/>
+        </p:nvSpPr>
+        <p:spPr>
+          <a:xfrm>
+            <a:off x="680720" y="1470051"/>
+            <a:ext cx="8545195" cy="1404257"/>
+          </a:xfrm>
+          <a:prstGeom prst="roundRect">
+            <a:avLst/>
+          </a:prstGeom>
+          <a:noFill/>
+          <a:ln>
+            <a:solidFill>
+              <a:srgbClr val="0070C0"/>
+            </a:solidFill>
+            <a:prstDash val="dash"/>
+          </a:ln>
+        </p:spPr>
+        <p:style>
+          <a:lnRef idx="2">
+            <a:schemeClr val="accent1">
+              <a:shade val="15000"/>
+            </a:schemeClr>
+          </a:lnRef>
+          <a:fillRef idx="1">
+            <a:schemeClr val="accent1"/>
+          </a:fillRef>
+          <a:effectRef idx="0">
+            <a:schemeClr val="accent1"/>
+          </a:effectRef>
+          <a:fontRef idx="minor">
+            <a:schemeClr val="lt1"/>
+          </a:fontRef>
+        </p:style>
+        <p:txBody>
+          <a:bodyPr rtlCol="0" anchor="ctr"/>
+          <a:lstStyle/>
+          <a:p>
+            <a:r>
+              <a:rPr kumimoji="1" lang="ko-KR" altLang="en-US" b="1" dirty="0">
+                <a:solidFill>
+                  <a:srgbClr val="0070C0"/>
+                </a:solidFill>
+              </a:rPr>
+              <a:t>고정 </a:t>
+            </a:r>
+            <a:r>
+              <a:rPr kumimoji="1" lang="en-US" altLang="ko-KR" sz="1800" b="1" dirty="0">
+                <a:solidFill>
+                  <a:srgbClr val="0070C0"/>
+                </a:solidFill>
+              </a:rPr>
+              <a:t>Nodes</a:t>
+            </a:r>
+            <a:endParaRPr kumimoji="1" lang="ko-KR" altLang="en-US" dirty="0">
+              <a:solidFill>
+                <a:srgbClr val="0070C0"/>
+              </a:solidFill>
+            </a:endParaRPr>
+          </a:p>
+        </p:txBody>
+      </p:sp>
+    </p:spTree>
+    <p:extLst>
+      <p:ext uri="{BB962C8B-B14F-4D97-AF65-F5344CB8AC3E}">
+        <p14:creationId xmlns:p14="http://schemas.microsoft.com/office/powerpoint/2010/main" val="1245149820"/>
+      </p:ext>
+    </p:extLst>
+  </p:cSld>
+  <p:clrMapOvr>
+    <a:masterClrMapping/>
+  </p:clrMapOvr>
+</p:sld>
+</file>
+
+<file path=ppt/slides/slide13.xml><?xml version="1.0" encoding="utf-8"?>
+<p:sld xmlns:a="http://schemas.openxmlformats.org/drawingml/2006/main" xmlns:r="http://schemas.openxmlformats.org/officeDocument/2006/relationships" xmlns:p="http://schemas.openxmlformats.org/presentationml/2006/main">
+  <p:cSld>
+    <p:spTree>
+      <p:nvGrpSpPr>
+        <p:cNvPr id="1" name=""/>
+        <p:cNvGrpSpPr/>
+        <p:nvPr/>
+      </p:nvGrpSpPr>
+      <p:grpSpPr>
+        <a:xfrm>
+          <a:off x="0" y="0"/>
+          <a:ext cx="0" cy="0"/>
+          <a:chOff x="0" y="0"/>
+          <a:chExt cx="0" cy="0"/>
+        </a:xfrm>
+      </p:grpSpPr>
+      <p:sp>
+        <p:nvSpPr>
+          <p:cNvPr id="2" name="제목 1">
+            <a:extLst>
+              <a:ext uri="{FF2B5EF4-FFF2-40B4-BE49-F238E27FC236}">
+                <a16:creationId xmlns:a16="http://schemas.microsoft.com/office/drawing/2014/main" id="{A1EEF648-D58B-09BB-378B-E8766D37E315}"/>
+              </a:ext>
+            </a:extLst>
+          </p:cNvPr>
+          <p:cNvSpPr>
+            <a:spLocks noGrp="1"/>
+          </p:cNvSpPr>
+          <p:nvPr>
+            <p:ph type="title"/>
+          </p:nvPr>
+        </p:nvSpPr>
+        <p:spPr/>
+        <p:txBody>
+          <a:bodyPr/>
+          <a:lstStyle/>
+          <a:p>
+            <a:r>
+              <a:rPr kumimoji="1" lang="en-US" altLang="ko-KR" dirty="0" err="1"/>
+              <a:t>MoMa</a:t>
+            </a:r>
+            <a:endParaRPr kumimoji="1" lang="ko-KR" altLang="en-US" dirty="0"/>
+          </a:p>
+        </p:txBody>
+      </p:sp>
+      <p:pic>
+        <p:nvPicPr>
+          <p:cNvPr id="3" name="그림 2">
+            <a:extLst>
+              <a:ext uri="{FF2B5EF4-FFF2-40B4-BE49-F238E27FC236}">
+                <a16:creationId xmlns:a16="http://schemas.microsoft.com/office/drawing/2014/main" id="{D3EF01FE-45F1-0A47-F33C-B95DBF755DD0}"/>
+              </a:ext>
+            </a:extLst>
+          </p:cNvPr>
+          <p:cNvPicPr>
+            <a:picLocks noChangeAspect="1"/>
+          </p:cNvPicPr>
+          <p:nvPr/>
+        </p:nvPicPr>
+        <p:blipFill>
+          <a:blip r:embed="rId2"/>
+          <a:stretch>
+            <a:fillRect/>
+          </a:stretch>
+        </p:blipFill>
+        <p:spPr>
+          <a:xfrm>
+            <a:off x="1871625" y="4833891"/>
+            <a:ext cx="1992086" cy="984042"/>
+          </a:xfrm>
+          <a:prstGeom prst="rect">
+            <a:avLst/>
+          </a:prstGeom>
+        </p:spPr>
+      </p:pic>
+      <p:pic>
+        <p:nvPicPr>
+          <p:cNvPr id="4" name="그림 3">
+            <a:extLst>
+              <a:ext uri="{FF2B5EF4-FFF2-40B4-BE49-F238E27FC236}">
+                <a16:creationId xmlns:a16="http://schemas.microsoft.com/office/drawing/2014/main" id="{E9E52469-9582-8A55-E9AF-FC195BEDFF78}"/>
+              </a:ext>
+            </a:extLst>
+          </p:cNvPr>
+          <p:cNvPicPr>
+            <a:picLocks noChangeAspect="1"/>
+          </p:cNvPicPr>
+          <p:nvPr/>
+        </p:nvPicPr>
+        <p:blipFill>
+          <a:blip r:embed="rId3"/>
+          <a:stretch>
+            <a:fillRect/>
+          </a:stretch>
+        </p:blipFill>
+        <p:spPr>
+          <a:xfrm>
+            <a:off x="2001645" y="2607761"/>
+            <a:ext cx="1131569" cy="2471057"/>
+          </a:xfrm>
+          <a:prstGeom prst="rect">
+            <a:avLst/>
+          </a:prstGeom>
+        </p:spPr>
+      </p:pic>
+      <p:sp>
+        <p:nvSpPr>
+          <p:cNvPr id="5" name="TextBox 4">
+            <a:extLst>
+              <a:ext uri="{FF2B5EF4-FFF2-40B4-BE49-F238E27FC236}">
+                <a16:creationId xmlns:a16="http://schemas.microsoft.com/office/drawing/2014/main" id="{F97EADA0-F53A-EF3C-7D32-CF7A5DFEA7C2}"/>
+              </a:ext>
+            </a:extLst>
+          </p:cNvPr>
+          <p:cNvSpPr txBox="1"/>
+          <p:nvPr/>
+        </p:nvSpPr>
+        <p:spPr>
+          <a:xfrm>
+            <a:off x="398217" y="1860028"/>
+            <a:ext cx="769763" cy="307777"/>
+          </a:xfrm>
+          <a:prstGeom prst="rect">
+            <a:avLst/>
+          </a:prstGeom>
+          <a:noFill/>
+        </p:spPr>
+        <p:txBody>
+          <a:bodyPr wrap="none" rtlCol="0">
+            <a:spAutoFit/>
+          </a:bodyPr>
+          <a:lstStyle/>
+          <a:p>
+            <a:pPr algn="ctr"/>
+            <a:r>
+              <a:rPr kumimoji="1" lang="en-US" altLang="ko-KR" sz="1400" dirty="0"/>
+              <a:t>Gripper</a:t>
+            </a:r>
+            <a:endParaRPr kumimoji="1" lang="ko-KR" altLang="en-US" sz="1400" dirty="0"/>
+          </a:p>
+        </p:txBody>
+      </p:sp>
+      <p:sp>
+        <p:nvSpPr>
+          <p:cNvPr id="6" name="TextBox 5">
+            <a:extLst>
+              <a:ext uri="{FF2B5EF4-FFF2-40B4-BE49-F238E27FC236}">
+                <a16:creationId xmlns:a16="http://schemas.microsoft.com/office/drawing/2014/main" id="{7575E821-3844-A439-D43C-430E032C49C8}"/>
+              </a:ext>
+            </a:extLst>
+          </p:cNvPr>
+          <p:cNvSpPr txBox="1"/>
+          <p:nvPr/>
+        </p:nvSpPr>
+        <p:spPr>
+          <a:xfrm>
+            <a:off x="2665778" y="3694959"/>
+            <a:ext cx="934872" cy="307777"/>
+          </a:xfrm>
+          <a:prstGeom prst="rect">
+            <a:avLst/>
+          </a:prstGeom>
+          <a:noFill/>
+        </p:spPr>
+        <p:txBody>
+          <a:bodyPr wrap="none" rtlCol="0">
+            <a:spAutoFit/>
+          </a:bodyPr>
+          <a:lstStyle/>
+          <a:p>
+            <a:pPr algn="ctr"/>
+            <a:r>
+              <a:rPr kumimoji="1" lang="en-US" altLang="ko-KR" sz="1400" dirty="0"/>
+              <a:t>UR </a:t>
+            </a:r>
+            <a:r>
+              <a:rPr kumimoji="1" lang="en-US" altLang="ko-KR" sz="1400" dirty="0" err="1"/>
+              <a:t>Cobot</a:t>
+            </a:r>
+            <a:endParaRPr kumimoji="1" lang="ko-KR" altLang="en-US" sz="1400" dirty="0"/>
+          </a:p>
+        </p:txBody>
+      </p:sp>
+      <p:sp>
+        <p:nvSpPr>
+          <p:cNvPr id="7" name="TextBox 6">
+            <a:extLst>
+              <a:ext uri="{FF2B5EF4-FFF2-40B4-BE49-F238E27FC236}">
+                <a16:creationId xmlns:a16="http://schemas.microsoft.com/office/drawing/2014/main" id="{4F852696-FC1F-2D46-8FB0-D04FA2E2E5B2}"/>
+              </a:ext>
+            </a:extLst>
+          </p:cNvPr>
+          <p:cNvSpPr txBox="1"/>
+          <p:nvPr/>
+        </p:nvSpPr>
+        <p:spPr>
+          <a:xfrm>
+            <a:off x="1282593" y="5172023"/>
+            <a:ext cx="478016" cy="307777"/>
+          </a:xfrm>
+          <a:prstGeom prst="rect">
+            <a:avLst/>
+          </a:prstGeom>
+          <a:noFill/>
+        </p:spPr>
+        <p:txBody>
+          <a:bodyPr wrap="none" rtlCol="0">
+            <a:spAutoFit/>
+          </a:bodyPr>
+          <a:lstStyle/>
+          <a:p>
+            <a:pPr algn="ctr"/>
+            <a:r>
+              <a:rPr kumimoji="1" lang="en-US" altLang="ko-KR" sz="1400" dirty="0" err="1"/>
+              <a:t>MiR</a:t>
+            </a:r>
+            <a:endParaRPr kumimoji="1" lang="ko-KR" altLang="en-US" sz="1400" dirty="0"/>
+          </a:p>
+        </p:txBody>
+      </p:sp>
+      <p:pic>
+        <p:nvPicPr>
+          <p:cNvPr id="8" name="그림 7">
+            <a:extLst>
+              <a:ext uri="{FF2B5EF4-FFF2-40B4-BE49-F238E27FC236}">
+                <a16:creationId xmlns:a16="http://schemas.microsoft.com/office/drawing/2014/main" id="{0777188E-9B91-BF1C-4BF1-EE89EE2150C9}"/>
+              </a:ext>
+            </a:extLst>
+          </p:cNvPr>
+          <p:cNvPicPr>
+            <a:picLocks noChangeAspect="1"/>
+          </p:cNvPicPr>
+          <p:nvPr/>
+        </p:nvPicPr>
+        <p:blipFill>
+          <a:blip r:embed="rId4"/>
+          <a:stretch>
+            <a:fillRect/>
+          </a:stretch>
+        </p:blipFill>
+        <p:spPr>
+          <a:xfrm>
+            <a:off x="575172" y="1742908"/>
+            <a:ext cx="2661326" cy="1765208"/>
+          </a:xfrm>
+          <a:prstGeom prst="rect">
+            <a:avLst/>
+          </a:prstGeom>
+        </p:spPr>
+      </p:pic>
+      <p:sp>
+        <p:nvSpPr>
+          <p:cNvPr id="9" name="TextBox 8">
+            <a:extLst>
+              <a:ext uri="{FF2B5EF4-FFF2-40B4-BE49-F238E27FC236}">
+                <a16:creationId xmlns:a16="http://schemas.microsoft.com/office/drawing/2014/main" id="{0E404A7E-DD3B-65C7-B7CA-9F6659FCE3E9}"/>
+              </a:ext>
+            </a:extLst>
+          </p:cNvPr>
+          <p:cNvSpPr txBox="1"/>
+          <p:nvPr/>
+        </p:nvSpPr>
+        <p:spPr>
+          <a:xfrm>
+            <a:off x="1119343" y="1793545"/>
+            <a:ext cx="804516" cy="307777"/>
+          </a:xfrm>
+          <a:prstGeom prst="rect">
+            <a:avLst/>
+          </a:prstGeom>
+          <a:noFill/>
+        </p:spPr>
+        <p:txBody>
+          <a:bodyPr wrap="none" rtlCol="0">
+            <a:spAutoFit/>
+          </a:bodyPr>
+          <a:lstStyle/>
+          <a:p>
+            <a:pPr algn="ctr"/>
+            <a:r>
+              <a:rPr kumimoji="1" lang="en-US" altLang="ko-KR" sz="1400" dirty="0"/>
+              <a:t>Camera</a:t>
+            </a:r>
+            <a:endParaRPr kumimoji="1" lang="ko-KR" altLang="en-US" sz="1400" dirty="0"/>
+          </a:p>
+        </p:txBody>
+      </p:sp>
+      <p:sp>
+        <p:nvSpPr>
+          <p:cNvPr id="10" name="TextBox 9">
+            <a:extLst>
+              <a:ext uri="{FF2B5EF4-FFF2-40B4-BE49-F238E27FC236}">
+                <a16:creationId xmlns:a16="http://schemas.microsoft.com/office/drawing/2014/main" id="{EAA9D1EB-196C-1653-03B1-299099D3518C}"/>
+              </a:ext>
+            </a:extLst>
+          </p:cNvPr>
+          <p:cNvSpPr txBox="1"/>
+          <p:nvPr/>
+        </p:nvSpPr>
+        <p:spPr>
+          <a:xfrm>
+            <a:off x="4070541" y="1248135"/>
+            <a:ext cx="5601533" cy="4893647"/>
+          </a:xfrm>
+          <a:prstGeom prst="rect">
+            <a:avLst/>
+          </a:prstGeom>
+          <a:noFill/>
+        </p:spPr>
+        <p:txBody>
+          <a:bodyPr wrap="none" rtlCol="0">
+            <a:spAutoFit/>
+          </a:bodyPr>
+          <a:lstStyle/>
+          <a:p>
+            <a:pPr marL="285750" indent="-285750">
+              <a:spcBef>
+                <a:spcPts val="1200"/>
+              </a:spcBef>
+              <a:buFont typeface="Wingdings" pitchFamily="2" charset="2"/>
+              <a:buChar char="l"/>
+            </a:pPr>
+            <a:r>
+              <a:rPr kumimoji="1" lang="en-US" altLang="ko-KR" sz="1600" dirty="0" err="1"/>
+              <a:t>MoMa</a:t>
+            </a:r>
+            <a:r>
+              <a:rPr kumimoji="1" lang="ko-KR" altLang="en-US" sz="1600" dirty="0"/>
+              <a:t>는 크게 </a:t>
+            </a:r>
+            <a:r>
+              <a:rPr kumimoji="1" lang="en-US" altLang="ko-KR" sz="1600" dirty="0" err="1"/>
+              <a:t>MiR</a:t>
+            </a:r>
+            <a:r>
+              <a:rPr kumimoji="1" lang="en-US" altLang="ko-KR" sz="1600" dirty="0"/>
+              <a:t>, </a:t>
+            </a:r>
+            <a:r>
+              <a:rPr kumimoji="1" lang="en-US" altLang="ko-KR" sz="1600" dirty="0" err="1"/>
+              <a:t>Cobot</a:t>
+            </a:r>
+            <a:r>
+              <a:rPr kumimoji="1" lang="en-US" altLang="ko-KR" sz="1600" dirty="0"/>
+              <a:t>, Camera, Gripper</a:t>
+            </a:r>
+            <a:r>
+              <a:rPr kumimoji="1" lang="ko-KR" altLang="en-US" sz="1600" dirty="0"/>
+              <a:t> 등으로 구성됨</a:t>
+            </a:r>
+            <a:endParaRPr kumimoji="1" lang="en-US" altLang="ko-KR" sz="1600" dirty="0"/>
+          </a:p>
+          <a:p>
+            <a:pPr marL="285750" indent="-285750">
+              <a:spcBef>
+                <a:spcPts val="1200"/>
+              </a:spcBef>
+              <a:buFont typeface="Wingdings" pitchFamily="2" charset="2"/>
+              <a:buChar char="l"/>
+            </a:pPr>
+            <a:r>
+              <a:rPr kumimoji="1" lang="ko-KR" altLang="en-US" sz="1600" dirty="0"/>
+              <a:t>제어의 범위 및 </a:t>
+            </a:r>
+            <a:r>
+              <a:rPr kumimoji="1" lang="ko-KR" altLang="en-US" sz="1600" dirty="0" err="1"/>
+              <a:t>제어모듈의</a:t>
+            </a:r>
+            <a:r>
+              <a:rPr kumimoji="1" lang="ko-KR" altLang="en-US" sz="1600" dirty="0"/>
+              <a:t> 위치</a:t>
+            </a:r>
+            <a:br>
+              <a:rPr kumimoji="1" lang="en-US" altLang="ko-KR" sz="1600" dirty="0"/>
+            </a:br>
+            <a:r>
+              <a:rPr kumimoji="1" lang="en-US" altLang="ko-KR" sz="1600" dirty="0"/>
+              <a:t>-</a:t>
+            </a:r>
+            <a:r>
+              <a:rPr kumimoji="1" lang="ko-KR" altLang="en-US" sz="1600" dirty="0"/>
+              <a:t> </a:t>
+            </a:r>
+            <a:r>
+              <a:rPr kumimoji="1" lang="en-US" altLang="ko-KR" sz="1600" dirty="0"/>
+              <a:t>Dispatcher</a:t>
+            </a:r>
+            <a:r>
+              <a:rPr kumimoji="1" lang="ko-KR" altLang="en-US" sz="1600" dirty="0"/>
+              <a:t>가 개발 구성품을 제어할 것인가</a:t>
+            </a:r>
+            <a:r>
+              <a:rPr kumimoji="1" lang="en-US" altLang="ko-KR" sz="1600" dirty="0"/>
+              <a:t>?</a:t>
+            </a:r>
+            <a:br>
+              <a:rPr kumimoji="1" lang="en-US" altLang="ko-KR" sz="1600" dirty="0"/>
+            </a:br>
+            <a:r>
+              <a:rPr kumimoji="1" lang="en-US" altLang="ko-KR" sz="1600" dirty="0"/>
+              <a:t>-</a:t>
+            </a:r>
+            <a:r>
+              <a:rPr kumimoji="1" lang="ko-KR" altLang="en-US" sz="1600" dirty="0"/>
+              <a:t> </a:t>
+            </a:r>
+            <a:r>
+              <a:rPr kumimoji="1" lang="en-US" altLang="ko-KR" sz="1600" dirty="0" err="1"/>
+              <a:t>MoMa</a:t>
+            </a:r>
+            <a:r>
+              <a:rPr kumimoji="1" lang="ko-KR" altLang="en-US" sz="1600" dirty="0"/>
+              <a:t>의 </a:t>
+            </a:r>
+            <a:r>
+              <a:rPr kumimoji="1" lang="ko-KR" altLang="en-US" sz="1600" dirty="0" err="1"/>
+              <a:t>구성원간의</a:t>
+            </a:r>
+            <a:r>
+              <a:rPr kumimoji="1" lang="ko-KR" altLang="en-US" sz="1600" dirty="0"/>
+              <a:t> 통신 및 제어는 독립적인가</a:t>
+            </a:r>
+            <a:r>
+              <a:rPr kumimoji="1" lang="en-US" altLang="ko-KR" sz="1600" dirty="0"/>
+              <a:t>?</a:t>
+            </a:r>
+          </a:p>
+          <a:p>
+            <a:pPr marL="285750" indent="-285750">
+              <a:spcBef>
+                <a:spcPts val="1200"/>
+              </a:spcBef>
+              <a:buFont typeface="Wingdings" pitchFamily="2" charset="2"/>
+              <a:buChar char="l"/>
+            </a:pPr>
+            <a:r>
+              <a:rPr kumimoji="1" lang="en-US" altLang="ko-KR" sz="1600" dirty="0"/>
+              <a:t>Mir</a:t>
+            </a:r>
+            <a:r>
+              <a:rPr kumimoji="1" lang="ko-KR" altLang="en-US" sz="1600" dirty="0" err="1"/>
+              <a:t>에</a:t>
+            </a:r>
+            <a:r>
+              <a:rPr kumimoji="1" lang="ko-KR" altLang="en-US" sz="1600" dirty="0"/>
+              <a:t> 대한 제어</a:t>
+            </a:r>
+            <a:br>
+              <a:rPr kumimoji="1" lang="en-US" altLang="ko-KR" sz="1600" dirty="0"/>
+            </a:br>
+            <a:r>
+              <a:rPr kumimoji="1" lang="en-US" altLang="ko-KR" sz="1600" dirty="0"/>
+              <a:t>-</a:t>
+            </a:r>
+            <a:r>
+              <a:rPr kumimoji="1" lang="ko-KR" altLang="en-US" sz="1600" dirty="0"/>
+              <a:t> 이동</a:t>
+            </a:r>
+            <a:r>
+              <a:rPr kumimoji="1" lang="en-US" altLang="ko-KR" sz="1600" dirty="0"/>
+              <a:t>Path</a:t>
+            </a:r>
+            <a:r>
+              <a:rPr kumimoji="1" lang="ko-KR" altLang="en-US" sz="1600" dirty="0"/>
+              <a:t>의 결정을 </a:t>
+            </a:r>
+            <a:r>
+              <a:rPr kumimoji="1" lang="en-US" altLang="ko-KR" sz="1600" dirty="0" err="1"/>
+              <a:t>MiR</a:t>
+            </a:r>
+            <a:r>
+              <a:rPr kumimoji="1" lang="ko-KR" altLang="en-US" sz="1600" dirty="0"/>
+              <a:t>에서 하는가</a:t>
+            </a:r>
+            <a:r>
+              <a:rPr kumimoji="1" lang="en-US" altLang="ko-KR" sz="1600" dirty="0"/>
+              <a:t>?</a:t>
+            </a:r>
+            <a:br>
+              <a:rPr kumimoji="1" lang="en-US" altLang="ko-KR" sz="1600" dirty="0"/>
+            </a:br>
+            <a:r>
+              <a:rPr kumimoji="1" lang="en-US" altLang="ko-KR" sz="1600" dirty="0"/>
+              <a:t>-</a:t>
+            </a:r>
+            <a:r>
+              <a:rPr kumimoji="1" lang="ko-KR" altLang="en-US" sz="1600" dirty="0"/>
+              <a:t> 만약 </a:t>
+            </a:r>
+            <a:r>
+              <a:rPr kumimoji="1" lang="en-US" altLang="ko-KR" sz="1600" dirty="0"/>
+              <a:t>Path</a:t>
+            </a:r>
+            <a:r>
+              <a:rPr kumimoji="1" lang="ko-KR" altLang="en-US" sz="1600" dirty="0" err="1"/>
+              <a:t>를</a:t>
+            </a:r>
+            <a:r>
+              <a:rPr kumimoji="1" lang="ko-KR" altLang="en-US" sz="1600" dirty="0"/>
+              <a:t> </a:t>
+            </a:r>
+            <a:r>
+              <a:rPr kumimoji="1" lang="en-US" altLang="ko-KR" sz="1600" dirty="0"/>
+              <a:t>Dispatcher</a:t>
+            </a:r>
+            <a:r>
+              <a:rPr kumimoji="1" lang="ko-KR" altLang="en-US" sz="1600" dirty="0"/>
+              <a:t>나 다른 모듈에서 결정한다면</a:t>
+            </a:r>
+            <a:r>
+              <a:rPr kumimoji="1" lang="en-US" altLang="ko-KR" sz="1600" dirty="0"/>
+              <a:t>,</a:t>
+            </a:r>
+            <a:br>
+              <a:rPr kumimoji="1" lang="en-US" altLang="ko-KR" sz="1600" dirty="0"/>
+            </a:br>
+            <a:r>
+              <a:rPr kumimoji="1" lang="ko-KR" altLang="en-US" sz="1600" dirty="0"/>
+              <a:t>  이에 대한 대응방안은</a:t>
+            </a:r>
+            <a:r>
+              <a:rPr kumimoji="1" lang="en-US" altLang="ko-KR" sz="1600" dirty="0"/>
+              <a:t>?</a:t>
+            </a:r>
+            <a:r>
+              <a:rPr kumimoji="1" lang="ko-KR" altLang="en-US" sz="1600" dirty="0"/>
+              <a:t> </a:t>
+            </a:r>
+            <a:r>
+              <a:rPr kumimoji="1" lang="en-US" altLang="ko-KR" sz="1600" dirty="0"/>
+              <a:t>(Nav2</a:t>
+            </a:r>
+            <a:r>
+              <a:rPr kumimoji="1" lang="ko-KR" altLang="en-US" sz="1600" dirty="0"/>
+              <a:t> 사용여부</a:t>
+            </a:r>
+            <a:r>
+              <a:rPr kumimoji="1" lang="en-US" altLang="ko-KR" sz="1600" dirty="0"/>
+              <a:t>,</a:t>
+            </a:r>
+            <a:r>
+              <a:rPr kumimoji="1" lang="ko-KR" altLang="en-US" sz="1600" dirty="0"/>
+              <a:t> 등</a:t>
+            </a:r>
+            <a:r>
+              <a:rPr kumimoji="1" lang="en-US" altLang="ko-KR" sz="1600" dirty="0"/>
+              <a:t>)</a:t>
+            </a:r>
+            <a:br>
+              <a:rPr kumimoji="1" lang="en-US" altLang="ko-KR" sz="1600" dirty="0"/>
+            </a:br>
+            <a:r>
+              <a:rPr kumimoji="1" lang="en-US" altLang="ko-KR" sz="1600" dirty="0"/>
+              <a:t>-</a:t>
+            </a:r>
+            <a:r>
+              <a:rPr kumimoji="1" lang="ko-KR" altLang="en-US" sz="1600" dirty="0"/>
+              <a:t> </a:t>
+            </a:r>
+            <a:r>
+              <a:rPr kumimoji="1" lang="en-US" altLang="ko-KR" sz="1600" dirty="0"/>
+              <a:t>Map </a:t>
+            </a:r>
+            <a:r>
+              <a:rPr kumimoji="1" lang="ko-KR" altLang="en-US" sz="1600" dirty="0"/>
+              <a:t>작성은</a:t>
+            </a:r>
+            <a:r>
+              <a:rPr kumimoji="1" lang="en-US" altLang="ko-KR" sz="1600" dirty="0"/>
+              <a:t>?</a:t>
+            </a:r>
+          </a:p>
+          <a:p>
+            <a:pPr marL="285750" indent="-285750">
+              <a:spcBef>
+                <a:spcPts val="1200"/>
+              </a:spcBef>
+              <a:buFont typeface="Wingdings" pitchFamily="2" charset="2"/>
+              <a:buChar char="l"/>
+            </a:pPr>
+            <a:r>
+              <a:rPr kumimoji="1" lang="en-US" altLang="ko-KR" sz="1600" dirty="0"/>
+              <a:t>UR </a:t>
+            </a:r>
+            <a:r>
+              <a:rPr kumimoji="1" lang="en-US" altLang="ko-KR" sz="1600" dirty="0" err="1"/>
+              <a:t>Cobot</a:t>
+            </a:r>
+            <a:r>
+              <a:rPr kumimoji="1" lang="ko-KR" altLang="en-US" sz="1600" dirty="0"/>
+              <a:t>의 제어</a:t>
+            </a:r>
+            <a:br>
+              <a:rPr kumimoji="1" lang="en-US" altLang="ko-KR" sz="1600" dirty="0"/>
+            </a:br>
+            <a:r>
+              <a:rPr kumimoji="1" lang="en-US" altLang="ko-KR" sz="1600" dirty="0"/>
+              <a:t>-</a:t>
+            </a:r>
+            <a:r>
+              <a:rPr kumimoji="1" lang="ko-KR" altLang="en-US" sz="1600" dirty="0"/>
+              <a:t> </a:t>
+            </a:r>
+            <a:r>
+              <a:rPr kumimoji="1" lang="en-US" altLang="ko-KR" sz="1600" dirty="0" err="1"/>
+              <a:t>PolyScript</a:t>
+            </a:r>
+            <a:r>
+              <a:rPr kumimoji="1" lang="ko-KR" altLang="en-US" sz="1600" dirty="0"/>
+              <a:t>로 별도 개발</a:t>
+            </a:r>
+            <a:r>
+              <a:rPr kumimoji="1" lang="en-US" altLang="ko-KR" sz="1600" dirty="0"/>
+              <a:t>(or </a:t>
+            </a:r>
+            <a:r>
+              <a:rPr kumimoji="1" lang="ko-KR" altLang="en-US" sz="1600" dirty="0"/>
+              <a:t>설정</a:t>
+            </a:r>
+            <a:r>
+              <a:rPr kumimoji="1" lang="en-US" altLang="ko-KR" sz="1600" dirty="0"/>
+              <a:t>)</a:t>
+            </a:r>
+            <a:br>
+              <a:rPr kumimoji="1" lang="en-US" altLang="ko-KR" sz="1600" dirty="0"/>
+            </a:br>
+            <a:r>
+              <a:rPr kumimoji="1" lang="en-US" altLang="ko-KR" sz="1600" dirty="0"/>
+              <a:t>-</a:t>
+            </a:r>
+            <a:r>
+              <a:rPr kumimoji="1" lang="ko-KR" altLang="en-US" sz="1600" dirty="0"/>
+              <a:t> 담당자는</a:t>
+            </a:r>
+            <a:r>
+              <a:rPr kumimoji="1" lang="en-US" altLang="ko-KR" sz="1600" dirty="0"/>
+              <a:t>?</a:t>
+            </a:r>
+            <a:br>
+              <a:rPr kumimoji="1" lang="en-US" altLang="ko-KR" sz="1600" dirty="0"/>
+            </a:br>
+            <a:r>
+              <a:rPr kumimoji="1" lang="en-US" altLang="ko-KR" sz="1600" dirty="0"/>
+              <a:t>-</a:t>
+            </a:r>
+            <a:r>
+              <a:rPr kumimoji="1" lang="ko-KR" altLang="en-US" sz="1600" dirty="0"/>
+              <a:t> </a:t>
+            </a:r>
+            <a:r>
+              <a:rPr kumimoji="1" lang="en-US" altLang="ko-KR" sz="1600" dirty="0"/>
+              <a:t>DDS</a:t>
+            </a:r>
+            <a:r>
+              <a:rPr kumimoji="1" lang="ko-KR" altLang="en-US" sz="1600" dirty="0"/>
+              <a:t>기반의 </a:t>
+            </a:r>
+            <a:r>
+              <a:rPr kumimoji="1" lang="en-US" altLang="ko-KR" sz="1600" dirty="0"/>
+              <a:t>Dispatcher</a:t>
+            </a:r>
+            <a:r>
+              <a:rPr kumimoji="1" lang="ko-KR" altLang="en-US" sz="1600" dirty="0" err="1"/>
+              <a:t>와의</a:t>
+            </a:r>
+            <a:r>
+              <a:rPr kumimoji="1" lang="ko-KR" altLang="en-US" sz="1600" dirty="0"/>
+              <a:t> 통신을 위한 모듈개발은</a:t>
+            </a:r>
+            <a:r>
+              <a:rPr kumimoji="1" lang="en-US" altLang="ko-KR" sz="1600" dirty="0"/>
+              <a:t>?</a:t>
+            </a:r>
+          </a:p>
+          <a:p>
+            <a:pPr marL="285750" indent="-285750">
+              <a:spcBef>
+                <a:spcPts val="1200"/>
+              </a:spcBef>
+              <a:buFont typeface="Wingdings" pitchFamily="2" charset="2"/>
+              <a:buChar char="l"/>
+            </a:pPr>
+            <a:r>
+              <a:rPr kumimoji="1" lang="en-US" altLang="ko-KR" sz="1600" dirty="0" err="1"/>
+              <a:t>Cobot</a:t>
+            </a:r>
+            <a:r>
+              <a:rPr kumimoji="1" lang="ko-KR" altLang="en-US" sz="1600" dirty="0"/>
+              <a:t>과 </a:t>
+            </a:r>
+            <a:r>
+              <a:rPr kumimoji="1" lang="en-US" altLang="ko-KR" sz="1600" dirty="0"/>
+              <a:t>Camera, Gripper</a:t>
+            </a:r>
+            <a:r>
+              <a:rPr kumimoji="1" lang="ko-KR" altLang="en-US" sz="1600" dirty="0"/>
+              <a:t>의</a:t>
+            </a:r>
+            <a:r>
+              <a:rPr kumimoji="1" lang="en-US" altLang="ko-KR" sz="1600" dirty="0"/>
+              <a:t> </a:t>
+            </a:r>
+            <a:r>
+              <a:rPr kumimoji="1" lang="ko-KR" altLang="en-US" sz="1600" dirty="0"/>
+              <a:t>통신 및 제어는 어디에서</a:t>
+            </a:r>
+            <a:br>
+              <a:rPr kumimoji="1" lang="en-US" altLang="ko-KR" sz="1600" dirty="0"/>
+            </a:br>
+            <a:r>
+              <a:rPr kumimoji="1" lang="ko-KR" altLang="en-US" sz="1600" dirty="0"/>
+              <a:t>총괄하는가</a:t>
+            </a:r>
+            <a:r>
+              <a:rPr kumimoji="1" lang="en-US" altLang="ko-KR" sz="1600" dirty="0"/>
+              <a:t>?</a:t>
+            </a:r>
+            <a:br>
+              <a:rPr kumimoji="1" lang="en-US" altLang="ko-KR" sz="1600" dirty="0"/>
+            </a:br>
+            <a:r>
+              <a:rPr kumimoji="1" lang="en-US" altLang="ko-KR" sz="1600" dirty="0"/>
+              <a:t>-</a:t>
+            </a:r>
+            <a:r>
+              <a:rPr kumimoji="1" lang="ko-KR" altLang="en-US" sz="1600" dirty="0"/>
+              <a:t> </a:t>
+            </a:r>
+            <a:r>
+              <a:rPr kumimoji="1" lang="en-US" altLang="ko-KR" sz="1600" dirty="0" err="1"/>
+              <a:t>PolyScope</a:t>
+            </a:r>
+            <a:r>
+              <a:rPr kumimoji="1" lang="ko-KR" altLang="en-US" sz="1600" dirty="0"/>
+              <a:t>로 </a:t>
+            </a:r>
+            <a:r>
+              <a:rPr kumimoji="1" lang="en-US" altLang="ko-KR" sz="1600" dirty="0"/>
+              <a:t>UR </a:t>
+            </a:r>
+            <a:r>
+              <a:rPr kumimoji="1" lang="en-US" altLang="ko-KR" sz="1600" dirty="0" err="1"/>
+              <a:t>Cobot</a:t>
+            </a:r>
+            <a:r>
+              <a:rPr kumimoji="1" lang="ko-KR" altLang="en-US" sz="1600" dirty="0" err="1"/>
+              <a:t>에</a:t>
+            </a:r>
+            <a:r>
+              <a:rPr kumimoji="1" lang="ko-KR" altLang="en-US" sz="1600" dirty="0"/>
+              <a:t> 내장</a:t>
+            </a:r>
+            <a:r>
+              <a:rPr kumimoji="1" lang="en-US" altLang="ko-KR" sz="1600" dirty="0"/>
+              <a:t>?</a:t>
+            </a:r>
+            <a:br>
+              <a:rPr kumimoji="1" lang="en-US" altLang="ko-KR" sz="1600" dirty="0"/>
+            </a:br>
+            <a:r>
+              <a:rPr kumimoji="1" lang="en-US" altLang="ko-KR" sz="1600" dirty="0"/>
+              <a:t>-</a:t>
+            </a:r>
+            <a:r>
+              <a:rPr kumimoji="1" lang="ko-KR" altLang="en-US" sz="1600" dirty="0"/>
+              <a:t> </a:t>
+            </a:r>
+            <a:r>
+              <a:rPr kumimoji="1" lang="en-US" altLang="ko-KR" sz="1600" dirty="0"/>
+              <a:t>Dispatcher</a:t>
+            </a:r>
+            <a:r>
+              <a:rPr kumimoji="1" lang="ko-KR" altLang="en-US" sz="1600" dirty="0"/>
+              <a:t>에서 제어</a:t>
+            </a:r>
+            <a:r>
+              <a:rPr kumimoji="1" lang="en-US" altLang="ko-KR" sz="1600" dirty="0"/>
+              <a:t>?</a:t>
+            </a:r>
+            <a:endParaRPr kumimoji="1" lang="ko-KR" altLang="en-US" sz="1600" dirty="0"/>
+          </a:p>
+        </p:txBody>
+      </p:sp>
+    </p:spTree>
+    <p:extLst>
+      <p:ext uri="{BB962C8B-B14F-4D97-AF65-F5344CB8AC3E}">
+        <p14:creationId xmlns:p14="http://schemas.microsoft.com/office/powerpoint/2010/main" val="3548724651"/>
       </p:ext>
     </p:extLst>
   </p:cSld>
